--- a/EIT/开题答辩slide.pptx
+++ b/EIT/开题答辩slide.pptx
@@ -12,15 +12,23 @@
     <p:sldId id="256" r:id="rId4"/>
     <p:sldId id="520" r:id="rId5"/>
     <p:sldId id="481" r:id="rId7"/>
-    <p:sldId id="2749" r:id="rId8"/>
-    <p:sldId id="2753" r:id="rId9"/>
-    <p:sldId id="2750" r:id="rId10"/>
-    <p:sldId id="2754" r:id="rId11"/>
-    <p:sldId id="2751" r:id="rId12"/>
-    <p:sldId id="2755" r:id="rId13"/>
-    <p:sldId id="2757" r:id="rId14"/>
-    <p:sldId id="2752" r:id="rId15"/>
-    <p:sldId id="2756" r:id="rId16"/>
+    <p:sldId id="2761" r:id="rId8"/>
+    <p:sldId id="2749" r:id="rId9"/>
+    <p:sldId id="2762" r:id="rId10"/>
+    <p:sldId id="2763" r:id="rId11"/>
+    <p:sldId id="2764" r:id="rId12"/>
+    <p:sldId id="2750" r:id="rId13"/>
+    <p:sldId id="2765" r:id="rId14"/>
+    <p:sldId id="2766" r:id="rId15"/>
+    <p:sldId id="2767" r:id="rId16"/>
+    <p:sldId id="2751" r:id="rId17"/>
+    <p:sldId id="2768" r:id="rId18"/>
+    <p:sldId id="2769" r:id="rId19"/>
+    <p:sldId id="2770" r:id="rId20"/>
+    <p:sldId id="2752" r:id="rId21"/>
+    <p:sldId id="2771" r:id="rId22"/>
+    <p:sldId id="2772" r:id="rId23"/>
+    <p:sldId id="2773" r:id="rId24"/>
   </p:sldIdLst>
   <p:sldSz cx="12192000" cy="6858000"/>
   <p:notesSz cx="7103745" cy="10234295"/>
@@ -4257,557 +4265,53 @@
       </p:grpSpPr>
       <p:sp>
         <p:nvSpPr>
-          <p:cNvPr id="9" name="文本框 4"/>
-          <p:cNvSpPr txBox="1"/>
-          <p:nvPr/>
-        </p:nvSpPr>
-        <p:spPr>
-          <a:xfrm>
-            <a:off x="376974" y="898927"/>
-            <a:ext cx="11412504" cy="6063198"/>
-          </a:xfrm>
-          <a:prstGeom prst="rect">
-            <a:avLst/>
-          </a:prstGeom>
-          <a:noFill/>
-        </p:spPr>
-        <p:txBody>
-          <a:bodyPr wrap="square" rtlCol="0">
-            <a:spAutoFit/>
-          </a:bodyPr>
-          <a:lstStyle/>
-          <a:p>
-            <a:pPr marL="457200" indent="-457200">
-              <a:buFont typeface="Arial" panose="020B0604020202020204" pitchFamily="34" charset="0"/>
-              <a:buChar char="•"/>
-            </a:pPr>
-            <a:r>
-              <a:rPr lang="zh-CN" altLang="en-US" sz="2800" b="1" dirty="0">
-                <a:solidFill>
-                  <a:srgbClr val="7030A0"/>
-                </a:solidFill>
-                <a:latin typeface="微软雅黑" panose="020B0503020204020204" pitchFamily="34" charset="-122"/>
-                <a:ea typeface="微软雅黑" panose="020B0503020204020204" pitchFamily="34" charset="-122"/>
-              </a:rPr>
-              <a:t>科学研究</a:t>
-            </a:r>
-            <a:endParaRPr lang="en-US" altLang="zh-CN" sz="2800" b="1" dirty="0">
-              <a:solidFill>
-                <a:srgbClr val="7030A0"/>
-              </a:solidFill>
-              <a:latin typeface="微软雅黑" panose="020B0503020204020204" pitchFamily="34" charset="-122"/>
-              <a:ea typeface="微软雅黑" panose="020B0503020204020204" pitchFamily="34" charset="-122"/>
-            </a:endParaRPr>
-          </a:p>
-          <a:p>
-            <a:pPr>
-              <a:lnSpc>
-                <a:spcPct val="200000"/>
-              </a:lnSpc>
-            </a:pPr>
-            <a:r>
-              <a:rPr lang="zh-CN" altLang="en-US" sz="2800" b="1" dirty="0">
-                <a:solidFill>
-                  <a:srgbClr val="7030A0"/>
-                </a:solidFill>
-                <a:latin typeface="微软雅黑" panose="020B0503020204020204" pitchFamily="34" charset="-122"/>
-                <a:ea typeface="微软雅黑" panose="020B0503020204020204" pitchFamily="34" charset="-122"/>
-              </a:rPr>
-              <a:t>（</a:t>
-            </a:r>
-            <a:r>
-              <a:rPr lang="en-US" altLang="zh-CN" sz="2800" b="1" dirty="0">
-                <a:solidFill>
-                  <a:srgbClr val="7030A0"/>
-                </a:solidFill>
-                <a:latin typeface="微软雅黑" panose="020B0503020204020204" pitchFamily="34" charset="-122"/>
-                <a:ea typeface="微软雅黑" panose="020B0503020204020204" pitchFamily="34" charset="-122"/>
-              </a:rPr>
-              <a:t>1</a:t>
-            </a:r>
-            <a:r>
-              <a:rPr lang="zh-CN" altLang="en-US" sz="2800" b="1" dirty="0">
-                <a:solidFill>
-                  <a:srgbClr val="7030A0"/>
-                </a:solidFill>
-                <a:latin typeface="微软雅黑" panose="020B0503020204020204" pitchFamily="34" charset="-122"/>
-                <a:ea typeface="微软雅黑" panose="020B0503020204020204" pitchFamily="34" charset="-122"/>
-              </a:rPr>
-              <a:t>）美国资源委员会的定义：</a:t>
-            </a:r>
-            <a:r>
-              <a:rPr lang="zh-CN" altLang="en-US" sz="2800" b="1" dirty="0">
-                <a:solidFill>
-                  <a:srgbClr val="FF0000"/>
-                </a:solidFill>
-                <a:latin typeface="微软雅黑" panose="020B0503020204020204" pitchFamily="34" charset="-122"/>
-                <a:ea typeface="微软雅黑" panose="020B0503020204020204" pitchFamily="34" charset="-122"/>
-              </a:rPr>
-              <a:t>科学研究是在科学领域中的探索和应用</a:t>
-            </a:r>
-            <a:endParaRPr lang="en-US" altLang="zh-CN" sz="2800" b="1" dirty="0">
-              <a:solidFill>
-                <a:srgbClr val="FF0000"/>
-              </a:solidFill>
-              <a:latin typeface="微软雅黑" panose="020B0503020204020204" pitchFamily="34" charset="-122"/>
-              <a:ea typeface="微软雅黑" panose="020B0503020204020204" pitchFamily="34" charset="-122"/>
-            </a:endParaRPr>
-          </a:p>
-          <a:p>
-            <a:pPr>
-              <a:lnSpc>
-                <a:spcPct val="200000"/>
-              </a:lnSpc>
-            </a:pPr>
-            <a:r>
-              <a:rPr lang="zh-CN" altLang="en-US" sz="2800" b="1" dirty="0">
-                <a:solidFill>
-                  <a:srgbClr val="7030A0"/>
-                </a:solidFill>
-                <a:latin typeface="微软雅黑" panose="020B0503020204020204" pitchFamily="34" charset="-122"/>
-                <a:ea typeface="微软雅黑" panose="020B0503020204020204" pitchFamily="34" charset="-122"/>
-              </a:rPr>
-              <a:t>（</a:t>
-            </a:r>
-            <a:r>
-              <a:rPr lang="en-US" altLang="zh-CN" sz="2800" b="1" dirty="0">
-                <a:solidFill>
-                  <a:srgbClr val="7030A0"/>
-                </a:solidFill>
-                <a:latin typeface="微软雅黑" panose="020B0503020204020204" pitchFamily="34" charset="-122"/>
-                <a:ea typeface="微软雅黑" panose="020B0503020204020204" pitchFamily="34" charset="-122"/>
-              </a:rPr>
-              <a:t>2</a:t>
-            </a:r>
-            <a:r>
-              <a:rPr lang="zh-CN" altLang="en-US" sz="2800" b="1" dirty="0">
-                <a:solidFill>
-                  <a:srgbClr val="7030A0"/>
-                </a:solidFill>
-                <a:latin typeface="微软雅黑" panose="020B0503020204020204" pitchFamily="34" charset="-122"/>
-                <a:ea typeface="微软雅黑" panose="020B0503020204020204" pitchFamily="34" charset="-122"/>
-              </a:rPr>
-              <a:t>）科学研究包括对科学和技术的研究，是运用观察、试验、比较、分析、归纳的方法，把感性材料加以研究，提高到理论水平的工作</a:t>
-            </a:r>
-            <a:endParaRPr lang="en-US" altLang="zh-CN" sz="2800" b="1" dirty="0">
-              <a:solidFill>
-                <a:srgbClr val="7030A0"/>
-              </a:solidFill>
-              <a:latin typeface="微软雅黑" panose="020B0503020204020204" pitchFamily="34" charset="-122"/>
-              <a:ea typeface="微软雅黑" panose="020B0503020204020204" pitchFamily="34" charset="-122"/>
-            </a:endParaRPr>
-          </a:p>
-          <a:p>
-            <a:pPr>
-              <a:lnSpc>
-                <a:spcPct val="200000"/>
-              </a:lnSpc>
-            </a:pPr>
-            <a:r>
-              <a:rPr lang="zh-CN" altLang="en-US" sz="2800" b="1" dirty="0">
-                <a:solidFill>
-                  <a:srgbClr val="7030A0"/>
-                </a:solidFill>
-                <a:latin typeface="微软雅黑" panose="020B0503020204020204" pitchFamily="34" charset="-122"/>
-                <a:ea typeface="微软雅黑" panose="020B0503020204020204" pitchFamily="34" charset="-122"/>
-              </a:rPr>
-              <a:t>（</a:t>
-            </a:r>
-            <a:r>
-              <a:rPr lang="en-US" altLang="zh-CN" sz="2800" b="1" dirty="0">
-                <a:solidFill>
-                  <a:srgbClr val="7030A0"/>
-                </a:solidFill>
-                <a:latin typeface="微软雅黑" panose="020B0503020204020204" pitchFamily="34" charset="-122"/>
-                <a:ea typeface="微软雅黑" panose="020B0503020204020204" pitchFamily="34" charset="-122"/>
-              </a:rPr>
-              <a:t>3</a:t>
-            </a:r>
-            <a:r>
-              <a:rPr lang="zh-CN" altLang="en-US" sz="2800" b="1" dirty="0">
-                <a:solidFill>
-                  <a:srgbClr val="7030A0"/>
-                </a:solidFill>
-                <a:latin typeface="微软雅黑" panose="020B0503020204020204" pitchFamily="34" charset="-122"/>
-                <a:ea typeface="微软雅黑" panose="020B0503020204020204" pitchFamily="34" charset="-122"/>
-              </a:rPr>
-              <a:t>）科学研究包括两部分内容：</a:t>
-            </a:r>
-            <a:r>
-              <a:rPr lang="en-US" altLang="zh-CN" sz="2800" b="1" dirty="0">
-                <a:solidFill>
-                  <a:srgbClr val="7030A0"/>
-                </a:solidFill>
-                <a:latin typeface="微软雅黑" panose="020B0503020204020204" pitchFamily="34" charset="-122"/>
-                <a:ea typeface="微软雅黑" panose="020B0503020204020204" pitchFamily="34" charset="-122"/>
-              </a:rPr>
-              <a:t>a. </a:t>
-            </a:r>
-            <a:r>
-              <a:rPr lang="zh-CN" altLang="en-US" sz="2800" b="1" dirty="0">
-                <a:solidFill>
-                  <a:srgbClr val="7030A0"/>
-                </a:solidFill>
-                <a:latin typeface="微软雅黑" panose="020B0503020204020204" pitchFamily="34" charset="-122"/>
-                <a:ea typeface="微软雅黑" panose="020B0503020204020204" pitchFamily="34" charset="-122"/>
-              </a:rPr>
-              <a:t>整理知识使知识系统化，</a:t>
-            </a:r>
-            <a:r>
-              <a:rPr lang="en-US" altLang="zh-CN" sz="2800" b="1" dirty="0">
-                <a:solidFill>
-                  <a:srgbClr val="7030A0"/>
-                </a:solidFill>
-                <a:latin typeface="微软雅黑" panose="020B0503020204020204" pitchFamily="34" charset="-122"/>
-                <a:ea typeface="微软雅黑" panose="020B0503020204020204" pitchFamily="34" charset="-122"/>
-              </a:rPr>
-              <a:t>b. </a:t>
-            </a:r>
-            <a:r>
-              <a:rPr lang="zh-CN" altLang="en-US" sz="2800" b="1" dirty="0">
-                <a:solidFill>
-                  <a:srgbClr val="7030A0"/>
-                </a:solidFill>
-                <a:latin typeface="微软雅黑" panose="020B0503020204020204" pitchFamily="34" charset="-122"/>
-                <a:ea typeface="微软雅黑" panose="020B0503020204020204" pitchFamily="34" charset="-122"/>
-              </a:rPr>
-              <a:t>创造知识来解决未知问题</a:t>
-            </a:r>
-            <a:endParaRPr lang="en-US" altLang="zh-CN" sz="2800" b="1" dirty="0">
-              <a:solidFill>
-                <a:srgbClr val="7030A0"/>
-              </a:solidFill>
-              <a:latin typeface="微软雅黑" panose="020B0503020204020204" pitchFamily="34" charset="-122"/>
-              <a:ea typeface="微软雅黑" panose="020B0503020204020204" pitchFamily="34" charset="-122"/>
-            </a:endParaRPr>
-          </a:p>
-          <a:p>
-            <a:pPr>
-              <a:lnSpc>
-                <a:spcPct val="200000"/>
-              </a:lnSpc>
-            </a:pPr>
-            <a:r>
-              <a:rPr lang="zh-CN" altLang="en-US" sz="2800" b="1" dirty="0">
-                <a:solidFill>
-                  <a:srgbClr val="7030A0"/>
-                </a:solidFill>
-                <a:latin typeface="微软雅黑" panose="020B0503020204020204" pitchFamily="34" charset="-122"/>
-                <a:ea typeface="微软雅黑" panose="020B0503020204020204" pitchFamily="34" charset="-122"/>
-              </a:rPr>
-              <a:t>（</a:t>
-            </a:r>
-            <a:r>
-              <a:rPr lang="en-US" altLang="zh-CN" sz="2800" b="1" dirty="0">
-                <a:solidFill>
-                  <a:srgbClr val="7030A0"/>
-                </a:solidFill>
-                <a:latin typeface="微软雅黑" panose="020B0503020204020204" pitchFamily="34" charset="-122"/>
-                <a:ea typeface="微软雅黑" panose="020B0503020204020204" pitchFamily="34" charset="-122"/>
-              </a:rPr>
-              <a:t>4</a:t>
-            </a:r>
-            <a:r>
-              <a:rPr lang="zh-CN" altLang="en-US" sz="2800" b="1" dirty="0">
-                <a:solidFill>
-                  <a:srgbClr val="7030A0"/>
-                </a:solidFill>
-                <a:latin typeface="微软雅黑" panose="020B0503020204020204" pitchFamily="34" charset="-122"/>
-                <a:ea typeface="微软雅黑" panose="020B0503020204020204" pitchFamily="34" charset="-122"/>
-              </a:rPr>
-              <a:t>）科学研究可以定义为：一种创造、修改、综合知识的探索行为</a:t>
-            </a:r>
-            <a:endParaRPr lang="en-US" altLang="zh-CN" sz="2800" b="1" dirty="0">
-              <a:solidFill>
-                <a:srgbClr val="7030A0"/>
-              </a:solidFill>
-              <a:latin typeface="微软雅黑" panose="020B0503020204020204" pitchFamily="34" charset="-122"/>
-              <a:ea typeface="微软雅黑" panose="020B0503020204020204" pitchFamily="34" charset="-122"/>
-            </a:endParaRPr>
-          </a:p>
-          <a:p>
-            <a:endParaRPr lang="zh-CN" altLang="en-US" sz="2400" b="1" dirty="0">
-              <a:solidFill>
-                <a:srgbClr val="7030A0"/>
-              </a:solidFill>
-              <a:latin typeface="微软雅黑" panose="020B0503020204020204" pitchFamily="34" charset="-122"/>
-              <a:ea typeface="微软雅黑" panose="020B0503020204020204" pitchFamily="34" charset="-122"/>
-            </a:endParaRPr>
-          </a:p>
-        </p:txBody>
-      </p:sp>
-      <p:sp>
-        <p:nvSpPr>
-          <p:cNvPr id="14" name="文本框 11"/>
-          <p:cNvSpPr txBox="1"/>
-          <p:nvPr/>
-        </p:nvSpPr>
-        <p:spPr>
-          <a:xfrm>
-            <a:off x="6517640" y="4549140"/>
-            <a:ext cx="1242060" cy="337185"/>
-          </a:xfrm>
-          <a:prstGeom prst="rect">
-            <a:avLst/>
-          </a:prstGeom>
-          <a:noFill/>
-        </p:spPr>
-        <p:txBody>
-          <a:bodyPr wrap="square" rtlCol="0">
-            <a:spAutoFit/>
-          </a:bodyPr>
-          <a:lstStyle/>
-          <a:p>
-            <a:pPr algn="dist"/>
-            <a:r>
-              <a:rPr lang="zh-CN" altLang="en-US" sz="1600" b="1">
-                <a:solidFill>
-                  <a:schemeClr val="bg1"/>
-                </a:solidFill>
-                <a:latin typeface="微软雅黑" panose="020B0503020204020204" pitchFamily="34" charset="-122"/>
-                <a:ea typeface="微软雅黑" panose="020B0503020204020204" pitchFamily="34" charset="-122"/>
-              </a:rPr>
-              <a:t>请输入标题</a:t>
-            </a:r>
-            <a:endParaRPr lang="zh-CN" altLang="en-US" sz="1600" b="1">
-              <a:solidFill>
-                <a:schemeClr val="bg1"/>
-              </a:solidFill>
-              <a:latin typeface="微软雅黑" panose="020B0503020204020204" pitchFamily="34" charset="-122"/>
-              <a:ea typeface="微软雅黑" panose="020B0503020204020204" pitchFamily="34" charset="-122"/>
-            </a:endParaRPr>
-          </a:p>
-        </p:txBody>
-      </p:sp>
-      <p:sp>
-        <p:nvSpPr>
-          <p:cNvPr id="15" name="文本框 12"/>
-          <p:cNvSpPr txBox="1"/>
-          <p:nvPr/>
-        </p:nvSpPr>
-        <p:spPr>
-          <a:xfrm>
-            <a:off x="6517640" y="4874895"/>
-            <a:ext cx="1877060" cy="720725"/>
-          </a:xfrm>
-          <a:prstGeom prst="rect">
-            <a:avLst/>
-          </a:prstGeom>
-          <a:noFill/>
-        </p:spPr>
-        <p:txBody>
-          <a:bodyPr wrap="square" lIns="90170" tIns="46990" rIns="90170" bIns="46990" rtlCol="0">
-            <a:spAutoFit/>
-          </a:bodyPr>
-          <a:lstStyle/>
-          <a:p>
-            <a:pPr lvl="0" algn="just">
-              <a:lnSpc>
-                <a:spcPct val="170000"/>
-              </a:lnSpc>
-              <a:spcBef>
-                <a:spcPts val="0"/>
-              </a:spcBef>
-              <a:spcAft>
-                <a:spcPts val="0"/>
-              </a:spcAft>
-            </a:pPr>
-            <a:r>
-              <a:rPr lang="zh-CN" altLang="en-US" sz="800">
-                <a:solidFill>
-                  <a:schemeClr val="bg1"/>
-                </a:solidFill>
-                <a:latin typeface="微软雅黑" panose="020B0503020204020204" pitchFamily="34" charset="-122"/>
-                <a:ea typeface="微软雅黑" panose="020B0503020204020204" pitchFamily="34" charset="-122"/>
-              </a:rPr>
-              <a:t>客服部是最直接面对终端的部门，故要积极向客服部咨询及调差最新的顾客需求及意见</a:t>
-            </a:r>
-            <a:endParaRPr lang="zh-CN" altLang="en-US" sz="800">
-              <a:solidFill>
-                <a:schemeClr val="bg1"/>
-              </a:solidFill>
-              <a:latin typeface="微软雅黑" panose="020B0503020204020204" pitchFamily="34" charset="-122"/>
-              <a:ea typeface="微软雅黑" panose="020B0503020204020204" pitchFamily="34" charset="-122"/>
-            </a:endParaRPr>
-          </a:p>
-        </p:txBody>
-      </p:sp>
-      <p:sp>
-        <p:nvSpPr>
-          <p:cNvPr id="16" name="文本框 13"/>
-          <p:cNvSpPr txBox="1"/>
-          <p:nvPr/>
-        </p:nvSpPr>
-        <p:spPr>
-          <a:xfrm>
-            <a:off x="3691890" y="4549140"/>
-            <a:ext cx="1242060" cy="337185"/>
-          </a:xfrm>
-          <a:prstGeom prst="rect">
-            <a:avLst/>
-          </a:prstGeom>
-          <a:noFill/>
-        </p:spPr>
-        <p:txBody>
-          <a:bodyPr wrap="square" rtlCol="0">
-            <a:spAutoFit/>
-          </a:bodyPr>
-          <a:lstStyle/>
-          <a:p>
-            <a:pPr algn="dist"/>
-            <a:r>
-              <a:rPr lang="zh-CN" altLang="en-US" sz="1600" b="1">
-                <a:solidFill>
-                  <a:schemeClr val="bg1"/>
-                </a:solidFill>
-                <a:latin typeface="微软雅黑" panose="020B0503020204020204" pitchFamily="34" charset="-122"/>
-                <a:ea typeface="微软雅黑" panose="020B0503020204020204" pitchFamily="34" charset="-122"/>
-              </a:rPr>
-              <a:t>请输入标题</a:t>
-            </a:r>
-            <a:endParaRPr lang="zh-CN" altLang="en-US" sz="1600" b="1">
-              <a:solidFill>
-                <a:schemeClr val="bg1"/>
-              </a:solidFill>
-              <a:latin typeface="微软雅黑" panose="020B0503020204020204" pitchFamily="34" charset="-122"/>
-              <a:ea typeface="微软雅黑" panose="020B0503020204020204" pitchFamily="34" charset="-122"/>
-            </a:endParaRPr>
-          </a:p>
-        </p:txBody>
-      </p:sp>
-      <p:sp>
-        <p:nvSpPr>
-          <p:cNvPr id="18" name="文本框 14"/>
-          <p:cNvSpPr txBox="1"/>
-          <p:nvPr/>
-        </p:nvSpPr>
-        <p:spPr>
-          <a:xfrm>
-            <a:off x="3691890" y="4874895"/>
-            <a:ext cx="1877060" cy="720725"/>
-          </a:xfrm>
-          <a:prstGeom prst="rect">
-            <a:avLst/>
-          </a:prstGeom>
-          <a:noFill/>
-        </p:spPr>
-        <p:txBody>
-          <a:bodyPr wrap="square" lIns="90170" tIns="46990" rIns="90170" bIns="46990" rtlCol="0">
-            <a:spAutoFit/>
-          </a:bodyPr>
-          <a:lstStyle/>
-          <a:p>
-            <a:pPr lvl="0" algn="just">
-              <a:lnSpc>
-                <a:spcPct val="170000"/>
-              </a:lnSpc>
-              <a:spcBef>
-                <a:spcPts val="0"/>
-              </a:spcBef>
-              <a:spcAft>
-                <a:spcPts val="0"/>
-              </a:spcAft>
-            </a:pPr>
-            <a:r>
-              <a:rPr lang="zh-CN" altLang="en-US" sz="800" dirty="0">
-                <a:solidFill>
-                  <a:schemeClr val="bg1"/>
-                </a:solidFill>
-                <a:latin typeface="微软雅黑" panose="020B0503020204020204" pitchFamily="34" charset="-122"/>
-                <a:ea typeface="微软雅黑" panose="020B0503020204020204" pitchFamily="34" charset="-122"/>
-              </a:rPr>
-              <a:t>客服部是最直接面对终端的部门，故要积极向客服部咨询及调差最新的顾客需求及意见</a:t>
-            </a:r>
-            <a:endParaRPr lang="zh-CN" altLang="en-US" sz="800" dirty="0">
-              <a:solidFill>
-                <a:schemeClr val="bg1"/>
-              </a:solidFill>
-              <a:latin typeface="微软雅黑" panose="020B0503020204020204" pitchFamily="34" charset="-122"/>
-              <a:ea typeface="微软雅黑" panose="020B0503020204020204" pitchFamily="34" charset="-122"/>
-            </a:endParaRPr>
-          </a:p>
-        </p:txBody>
-      </p:sp>
-      <p:pic>
-        <p:nvPicPr>
-          <p:cNvPr id="28" name="Picture 5" descr="C:\Documents and Settings\Administrator\桌面\08.png"/>
-          <p:cNvPicPr>
-            <a:picLocks noGrp="1" noChangeAspect="1" noChangeArrowheads="1"/>
-          </p:cNvPicPr>
-          <p:nvPr>
-            <p:ph idx="4294967295"/>
-          </p:nvPr>
-        </p:nvPicPr>
-        <p:blipFill>
-          <a:blip r:embed="rId1" cstate="print"/>
-          <a:srcRect/>
-          <a:stretch>
-            <a:fillRect/>
-          </a:stretch>
-        </p:blipFill>
-        <p:spPr bwMode="auto">
-          <a:xfrm>
-            <a:off x="0" y="6324600"/>
-            <a:ext cx="12192000" cy="323850"/>
-          </a:xfrm>
-          <a:prstGeom prst="rect">
-            <a:avLst/>
-          </a:prstGeom>
-          <a:noFill/>
-        </p:spPr>
-      </p:pic>
-      <p:sp>
-        <p:nvSpPr>
-          <p:cNvPr id="36" name="文本框 13"/>
-          <p:cNvSpPr txBox="1"/>
-          <p:nvPr/>
-        </p:nvSpPr>
-        <p:spPr>
-          <a:xfrm>
-            <a:off x="1261297" y="137443"/>
-            <a:ext cx="2209165" cy="583565"/>
-          </a:xfrm>
-          <a:prstGeom prst="rect">
-            <a:avLst/>
-          </a:prstGeom>
-          <a:noFill/>
-        </p:spPr>
-        <p:txBody>
-          <a:bodyPr wrap="none" rtlCol="0">
-            <a:spAutoFit/>
-          </a:bodyPr>
-          <a:lstStyle/>
-          <a:p>
-            <a:pPr marL="342900" indent="-342900">
-              <a:spcBef>
-                <a:spcPts val="1200"/>
-              </a:spcBef>
-              <a:buFont typeface="Wingdings" panose="05000000000000000000" pitchFamily="2" charset="2"/>
-              <a:buChar char="u"/>
-            </a:pPr>
-            <a:r>
-              <a:rPr lang="zh-CN" altLang="en-US" sz="3200" b="1" dirty="0">
-                <a:solidFill>
-                  <a:srgbClr val="CC9933"/>
-                </a:solidFill>
-                <a:latin typeface="微软雅黑" panose="020B0503020204020204" pitchFamily="34" charset="-122"/>
-                <a:ea typeface="微软雅黑" panose="020B0503020204020204" pitchFamily="34" charset="-122"/>
-              </a:rPr>
-              <a:t>研究内容</a:t>
-            </a:r>
-            <a:endParaRPr lang="zh-CN" altLang="en-US" sz="3200" b="1" dirty="0">
-              <a:solidFill>
-                <a:srgbClr val="CC9933"/>
-              </a:solidFill>
-              <a:latin typeface="微软雅黑" panose="020B0503020204020204" pitchFamily="34" charset="-122"/>
-              <a:ea typeface="微软雅黑" panose="020B0503020204020204" pitchFamily="34" charset="-122"/>
-            </a:endParaRPr>
+          <p:cNvPr id="5" name="矩形 4"/>
+          <p:cNvSpPr/>
+          <p:nvPr/>
+        </p:nvSpPr>
+        <p:spPr>
+          <a:xfrm>
+            <a:off x="-31750" y="-19050"/>
+            <a:ext cx="12242165" cy="6887845"/>
+          </a:xfrm>
+          <a:prstGeom prst="rect">
+            <a:avLst/>
+          </a:prstGeom>
+          <a:solidFill>
+            <a:srgbClr val="00468B"/>
+          </a:solidFill>
+          <a:ln>
+            <a:noFill/>
+          </a:ln>
+        </p:spPr>
+        <p:style>
+          <a:lnRef idx="2">
+            <a:schemeClr val="accent1">
+              <a:shade val="50000"/>
+            </a:schemeClr>
+          </a:lnRef>
+          <a:fillRef idx="1">
+            <a:schemeClr val="accent1"/>
+          </a:fillRef>
+          <a:effectRef idx="0">
+            <a:schemeClr val="accent1"/>
+          </a:effectRef>
+          <a:fontRef idx="minor">
+            <a:schemeClr val="lt1"/>
+          </a:fontRef>
+        </p:style>
+        <p:txBody>
+          <a:bodyPr rtlCol="0" anchor="ctr"/>
+          <a:lstStyle/>
+          <a:p>
+            <a:pPr algn="ctr"/>
+            <a:endParaRPr lang="zh-CN" altLang="en-US"/>
           </a:p>
         </p:txBody>
       </p:sp>
       <p:cxnSp>
         <p:nvCxnSpPr>
-          <p:cNvPr id="38" name="直接连接符 37"/>
+          <p:cNvPr id="21" name="直接连接符 20"/>
           <p:cNvCxnSpPr/>
           <p:nvPr/>
         </p:nvCxnSpPr>
@@ -4821,7 +4325,7 @@
           </a:prstGeom>
           <a:ln w="9525">
             <a:solidFill>
-              <a:schemeClr val="tx1"/>
+              <a:schemeClr val="bg1"/>
             </a:solidFill>
           </a:ln>
         </p:spPr>
@@ -4840,6 +4344,273 @@
           </a:fontRef>
         </p:style>
       </p:cxnSp>
+      <p:sp>
+        <p:nvSpPr>
+          <p:cNvPr id="16" name="文本框 13"/>
+          <p:cNvSpPr txBox="1"/>
+          <p:nvPr/>
+        </p:nvSpPr>
+        <p:spPr>
+          <a:xfrm>
+            <a:off x="1261297" y="137443"/>
+            <a:ext cx="2811780" cy="303530"/>
+          </a:xfrm>
+          <a:prstGeom prst="rect">
+            <a:avLst/>
+          </a:prstGeom>
+          <a:noFill/>
+        </p:spPr>
+        <p:txBody>
+          <a:bodyPr wrap="none" rtlCol="0">
+            <a:spAutoFit/>
+          </a:bodyPr>
+          <a:lstStyle/>
+          <a:p>
+            <a:pPr algn="l"/>
+            <a:r>
+              <a:rPr lang="zh-CN" altLang="en-US" sz="1380" dirty="0">
+                <a:solidFill>
+                  <a:schemeClr val="bg1"/>
+                </a:solidFill>
+                <a:latin typeface="微软雅黑" panose="020B0503020204020204" pitchFamily="34" charset="-122"/>
+                <a:ea typeface="微软雅黑" panose="020B0503020204020204" pitchFamily="34" charset="-122"/>
+              </a:rPr>
+              <a:t>电子科技大学机械与电气工程学院</a:t>
+            </a:r>
+            <a:endParaRPr lang="zh-CN" altLang="en-US" sz="1380" dirty="0">
+              <a:solidFill>
+                <a:schemeClr val="bg1"/>
+              </a:solidFill>
+              <a:latin typeface="微软雅黑" panose="020B0503020204020204" pitchFamily="34" charset="-122"/>
+              <a:ea typeface="微软雅黑" panose="020B0503020204020204" pitchFamily="34" charset="-122"/>
+            </a:endParaRPr>
+          </a:p>
+        </p:txBody>
+      </p:sp>
+      <p:sp>
+        <p:nvSpPr>
+          <p:cNvPr id="17" name="文本框 15"/>
+          <p:cNvSpPr txBox="1"/>
+          <p:nvPr/>
+        </p:nvSpPr>
+        <p:spPr>
+          <a:xfrm>
+            <a:off x="1265107" y="385093"/>
+            <a:ext cx="2880360" cy="232410"/>
+          </a:xfrm>
+          <a:prstGeom prst="rect">
+            <a:avLst/>
+          </a:prstGeom>
+          <a:noFill/>
+        </p:spPr>
+        <p:txBody>
+          <a:bodyPr wrap="square" rtlCol="0">
+            <a:spAutoFit/>
+          </a:bodyPr>
+          <a:lstStyle/>
+          <a:p>
+            <a:r>
+              <a:rPr lang="zh-CN" altLang="en-US" sz="920" dirty="0">
+                <a:solidFill>
+                  <a:schemeClr val="bg1"/>
+                </a:solidFill>
+                <a:latin typeface="微软雅黑" panose="020B0503020204020204" pitchFamily="34" charset="-122"/>
+                <a:ea typeface="微软雅黑" panose="020B0503020204020204" pitchFamily="34" charset="-122"/>
+              </a:rPr>
+              <a:t>School of Mechanical and Electrical Engineering</a:t>
+            </a:r>
+            <a:endParaRPr lang="zh-CN" altLang="en-US" sz="920" dirty="0">
+              <a:solidFill>
+                <a:schemeClr val="bg1"/>
+              </a:solidFill>
+              <a:latin typeface="微软雅黑" panose="020B0503020204020204" pitchFamily="34" charset="-122"/>
+              <a:ea typeface="微软雅黑" panose="020B0503020204020204" pitchFamily="34" charset="-122"/>
+            </a:endParaRPr>
+          </a:p>
+        </p:txBody>
+      </p:sp>
+      <p:cxnSp>
+        <p:nvCxnSpPr>
+          <p:cNvPr id="18" name="直接连接符 17"/>
+          <p:cNvCxnSpPr/>
+          <p:nvPr/>
+        </p:nvCxnSpPr>
+        <p:spPr>
+          <a:xfrm>
+            <a:off x="1180017" y="44098"/>
+            <a:ext cx="0" cy="645160"/>
+          </a:xfrm>
+          <a:prstGeom prst="line">
+            <a:avLst/>
+          </a:prstGeom>
+          <a:ln w="9525">
+            <a:solidFill>
+              <a:schemeClr val="bg1"/>
+            </a:solidFill>
+          </a:ln>
+        </p:spPr>
+        <p:style>
+          <a:lnRef idx="1">
+            <a:schemeClr val="accent1"/>
+          </a:lnRef>
+          <a:fillRef idx="0">
+            <a:schemeClr val="accent1"/>
+          </a:fillRef>
+          <a:effectRef idx="0">
+            <a:schemeClr val="accent1"/>
+          </a:effectRef>
+          <a:fontRef idx="minor">
+            <a:schemeClr val="tx1"/>
+          </a:fontRef>
+        </p:style>
+      </p:cxnSp>
+      <p:pic>
+        <p:nvPicPr>
+          <p:cNvPr id="22" name="图片 21"/>
+          <p:cNvPicPr>
+            <a:picLocks noChangeAspect="1"/>
+          </p:cNvPicPr>
+          <p:nvPr/>
+        </p:nvPicPr>
+        <p:blipFill>
+          <a:blip r:embed="rId1" cstate="print">
+            <a:extLst>
+              <a:ext uri="{28A0092B-C50C-407E-A947-70E740481C1C}">
+                <a14:useLocalDpi xmlns:a14="http://schemas.microsoft.com/office/drawing/2010/main" val="0"/>
+              </a:ext>
+            </a:extLst>
+          </a:blip>
+          <a:stretch>
+            <a:fillRect/>
+          </a:stretch>
+        </p:blipFill>
+        <p:spPr>
+          <a:xfrm>
+            <a:off x="384649" y="26500"/>
+            <a:ext cx="583162" cy="680356"/>
+          </a:xfrm>
+          <a:prstGeom prst="rect">
+            <a:avLst/>
+          </a:prstGeom>
+        </p:spPr>
+      </p:pic>
+      <p:pic>
+        <p:nvPicPr>
+          <p:cNvPr id="23" name="图片 22" descr="03-1"/>
+          <p:cNvPicPr>
+            <a:picLocks noChangeAspect="1"/>
+          </p:cNvPicPr>
+          <p:nvPr/>
+        </p:nvPicPr>
+        <p:blipFill>
+          <a:blip r:embed="rId2" cstate="print"/>
+          <a:stretch>
+            <a:fillRect/>
+          </a:stretch>
+        </p:blipFill>
+        <p:spPr>
+          <a:xfrm>
+            <a:off x="2389505" y="5318125"/>
+            <a:ext cx="7412990" cy="1551305"/>
+          </a:xfrm>
+          <a:prstGeom prst="rect">
+            <a:avLst/>
+          </a:prstGeom>
+        </p:spPr>
+      </p:pic>
+      <p:sp>
+        <p:nvSpPr>
+          <p:cNvPr id="2" name="矩形 1"/>
+          <p:cNvSpPr/>
+          <p:nvPr/>
+        </p:nvSpPr>
+        <p:spPr>
+          <a:xfrm>
+            <a:off x="2672731" y="1452642"/>
+            <a:ext cx="1135380" cy="2399665"/>
+          </a:xfrm>
+          <a:prstGeom prst="rect">
+            <a:avLst/>
+          </a:prstGeom>
+          <a:noFill/>
+        </p:spPr>
+        <p:txBody>
+          <a:bodyPr wrap="none" lIns="91440" tIns="45720" rIns="91440" bIns="45720">
+            <a:spAutoFit/>
+            <a:scene3d>
+              <a:camera prst="orthographicFront"/>
+              <a:lightRig rig="soft" dir="t">
+                <a:rot lat="0" lon="0" rev="15600000"/>
+              </a:lightRig>
+            </a:scene3d>
+            <a:sp3d extrusionH="57150" prstMaterial="softEdge">
+              <a:bevelT w="25400" h="38100"/>
+            </a:sp3d>
+          </a:bodyPr>
+          <a:lstStyle/>
+          <a:p>
+            <a:pPr algn="ctr"/>
+            <a:r>
+              <a:rPr lang="en-US" altLang="zh-CN" sz="15000" b="1" i="1" dirty="0">
+                <a:solidFill>
+                  <a:schemeClr val="accent4"/>
+                </a:solidFill>
+                <a:latin typeface="Times New Roman" panose="02020603050405020304" pitchFamily="18" charset="0"/>
+                <a:cs typeface="Times New Roman" panose="02020603050405020304" pitchFamily="18" charset="0"/>
+              </a:rPr>
+              <a:t>3</a:t>
+            </a:r>
+            <a:endParaRPr lang="en-US" altLang="zh-CN" sz="15000" b="1" i="1" dirty="0">
+              <a:solidFill>
+                <a:schemeClr val="accent4"/>
+              </a:solidFill>
+              <a:latin typeface="Times New Roman" panose="02020603050405020304" pitchFamily="18" charset="0"/>
+              <a:cs typeface="Times New Roman" panose="02020603050405020304" pitchFamily="18" charset="0"/>
+            </a:endParaRPr>
+          </a:p>
+        </p:txBody>
+      </p:sp>
+      <p:sp>
+        <p:nvSpPr>
+          <p:cNvPr id="3" name="文本框 2"/>
+          <p:cNvSpPr txBox="1"/>
+          <p:nvPr/>
+        </p:nvSpPr>
+        <p:spPr>
+          <a:xfrm>
+            <a:off x="4727575" y="2238375"/>
+            <a:ext cx="2723515" cy="829945"/>
+          </a:xfrm>
+          <a:prstGeom prst="rect">
+            <a:avLst/>
+          </a:prstGeom>
+          <a:noFill/>
+        </p:spPr>
+        <p:txBody>
+          <a:bodyPr wrap="square" rtlCol="0">
+            <a:spAutoFit/>
+          </a:bodyPr>
+          <a:p>
+            <a:r>
+              <a:rPr lang="zh-CN" altLang="en-US" sz="4800" b="1">
+                <a:solidFill>
+                  <a:schemeClr val="accent4"/>
+                </a:solidFill>
+                <a:latin typeface="微软雅黑" panose="020B0503020204020204" pitchFamily="34" charset="-122"/>
+                <a:ea typeface="微软雅黑" panose="020B0503020204020204" pitchFamily="34" charset="-122"/>
+              </a:rPr>
+              <a:t>研究问题</a:t>
+            </a:r>
+            <a:endParaRPr lang="zh-CN" altLang="en-US" sz="4800" b="1">
+              <a:solidFill>
+                <a:schemeClr val="accent4"/>
+              </a:solidFill>
+              <a:latin typeface="微软雅黑" panose="020B0503020204020204" pitchFamily="34" charset="-122"/>
+              <a:ea typeface="微软雅黑" panose="020B0503020204020204" pitchFamily="34" charset="-122"/>
+            </a:endParaRPr>
+          </a:p>
+        </p:txBody>
+      </p:sp>
     </p:spTree>
   </p:cSld>
   <p:clrMapOvr>
@@ -4874,7 +4645,7 @@
         <p:spPr>
           <a:xfrm>
             <a:off x="376974" y="898927"/>
-            <a:ext cx="11412504" cy="6063198"/>
+            <a:ext cx="11412504" cy="891540"/>
           </a:xfrm>
           <a:prstGeom prst="rect">
             <a:avLst/>
@@ -4899,7 +4670,7 @@
                 <a:latin typeface="微软雅黑" panose="020B0503020204020204" pitchFamily="34" charset="-122"/>
                 <a:ea typeface="微软雅黑" panose="020B0503020204020204" pitchFamily="34" charset="-122"/>
               </a:rPr>
-              <a:t>科学研究</a:t>
+              <a:t>研究意义</a:t>
             </a:r>
             <a:endParaRPr lang="en-US" altLang="zh-CN" sz="2800" b="1" dirty="0">
               <a:solidFill>
@@ -4910,232 +4681,6 @@
             </a:endParaRPr>
           </a:p>
           <a:p>
-            <a:pPr>
-              <a:lnSpc>
-                <a:spcPct val="200000"/>
-              </a:lnSpc>
-            </a:pPr>
-            <a:r>
-              <a:rPr lang="zh-CN" altLang="en-US" sz="2800" b="1" dirty="0">
-                <a:solidFill>
-                  <a:srgbClr val="7030A0"/>
-                </a:solidFill>
-                <a:latin typeface="微软雅黑" panose="020B0503020204020204" pitchFamily="34" charset="-122"/>
-                <a:ea typeface="微软雅黑" panose="020B0503020204020204" pitchFamily="34" charset="-122"/>
-              </a:rPr>
-              <a:t>（</a:t>
-            </a:r>
-            <a:r>
-              <a:rPr lang="en-US" altLang="zh-CN" sz="2800" b="1" dirty="0">
-                <a:solidFill>
-                  <a:srgbClr val="7030A0"/>
-                </a:solidFill>
-                <a:latin typeface="微软雅黑" panose="020B0503020204020204" pitchFamily="34" charset="-122"/>
-                <a:ea typeface="微软雅黑" panose="020B0503020204020204" pitchFamily="34" charset="-122"/>
-              </a:rPr>
-              <a:t>1</a:t>
-            </a:r>
-            <a:r>
-              <a:rPr lang="zh-CN" altLang="en-US" sz="2800" b="1" dirty="0">
-                <a:solidFill>
-                  <a:srgbClr val="7030A0"/>
-                </a:solidFill>
-                <a:latin typeface="微软雅黑" panose="020B0503020204020204" pitchFamily="34" charset="-122"/>
-                <a:ea typeface="微软雅黑" panose="020B0503020204020204" pitchFamily="34" charset="-122"/>
-              </a:rPr>
-              <a:t>）美国资源委员会的定义：</a:t>
-            </a:r>
-            <a:r>
-              <a:rPr lang="zh-CN" altLang="en-US" sz="2800" b="1" dirty="0">
-                <a:solidFill>
-                  <a:srgbClr val="FF0000"/>
-                </a:solidFill>
-                <a:latin typeface="微软雅黑" panose="020B0503020204020204" pitchFamily="34" charset="-122"/>
-                <a:ea typeface="微软雅黑" panose="020B0503020204020204" pitchFamily="34" charset="-122"/>
-              </a:rPr>
-              <a:t>科学研究是在科学领域中的探索和应用</a:t>
-            </a:r>
-            <a:endParaRPr lang="en-US" altLang="zh-CN" sz="2800" b="1" dirty="0">
-              <a:solidFill>
-                <a:srgbClr val="FF0000"/>
-              </a:solidFill>
-              <a:latin typeface="微软雅黑" panose="020B0503020204020204" pitchFamily="34" charset="-122"/>
-              <a:ea typeface="微软雅黑" panose="020B0503020204020204" pitchFamily="34" charset="-122"/>
-            </a:endParaRPr>
-          </a:p>
-          <a:p>
-            <a:pPr>
-              <a:lnSpc>
-                <a:spcPct val="200000"/>
-              </a:lnSpc>
-            </a:pPr>
-            <a:r>
-              <a:rPr lang="zh-CN" altLang="en-US" sz="2800" b="1" dirty="0">
-                <a:solidFill>
-                  <a:srgbClr val="7030A0"/>
-                </a:solidFill>
-                <a:latin typeface="微软雅黑" panose="020B0503020204020204" pitchFamily="34" charset="-122"/>
-                <a:ea typeface="微软雅黑" panose="020B0503020204020204" pitchFamily="34" charset="-122"/>
-              </a:rPr>
-              <a:t>（</a:t>
-            </a:r>
-            <a:r>
-              <a:rPr lang="en-US" altLang="zh-CN" sz="2800" b="1" dirty="0">
-                <a:solidFill>
-                  <a:srgbClr val="7030A0"/>
-                </a:solidFill>
-                <a:latin typeface="微软雅黑" panose="020B0503020204020204" pitchFamily="34" charset="-122"/>
-                <a:ea typeface="微软雅黑" panose="020B0503020204020204" pitchFamily="34" charset="-122"/>
-              </a:rPr>
-              <a:t>2</a:t>
-            </a:r>
-            <a:r>
-              <a:rPr lang="zh-CN" altLang="en-US" sz="2800" b="1" dirty="0">
-                <a:solidFill>
-                  <a:srgbClr val="7030A0"/>
-                </a:solidFill>
-                <a:latin typeface="微软雅黑" panose="020B0503020204020204" pitchFamily="34" charset="-122"/>
-                <a:ea typeface="微软雅黑" panose="020B0503020204020204" pitchFamily="34" charset="-122"/>
-              </a:rPr>
-              <a:t>）科学研究包括对科学和技术的研究，是运用观察、试验、比较、分析、归纳的方法，把感性材料加以研究，提高到理论水平的工作</a:t>
-            </a:r>
-            <a:endParaRPr lang="en-US" altLang="zh-CN" sz="2800" b="1" dirty="0">
-              <a:solidFill>
-                <a:srgbClr val="7030A0"/>
-              </a:solidFill>
-              <a:latin typeface="微软雅黑" panose="020B0503020204020204" pitchFamily="34" charset="-122"/>
-              <a:ea typeface="微软雅黑" panose="020B0503020204020204" pitchFamily="34" charset="-122"/>
-            </a:endParaRPr>
-          </a:p>
-          <a:p>
-            <a:pPr>
-              <a:lnSpc>
-                <a:spcPct val="200000"/>
-              </a:lnSpc>
-            </a:pPr>
-            <a:r>
-              <a:rPr lang="zh-CN" altLang="en-US" sz="2800" b="1" dirty="0">
-                <a:solidFill>
-                  <a:srgbClr val="7030A0"/>
-                </a:solidFill>
-                <a:latin typeface="微软雅黑" panose="020B0503020204020204" pitchFamily="34" charset="-122"/>
-                <a:ea typeface="微软雅黑" panose="020B0503020204020204" pitchFamily="34" charset="-122"/>
-              </a:rPr>
-              <a:t>（</a:t>
-            </a:r>
-            <a:r>
-              <a:rPr lang="en-US" altLang="zh-CN" sz="2800" b="1" dirty="0">
-                <a:solidFill>
-                  <a:srgbClr val="7030A0"/>
-                </a:solidFill>
-                <a:latin typeface="微软雅黑" panose="020B0503020204020204" pitchFamily="34" charset="-122"/>
-                <a:ea typeface="微软雅黑" panose="020B0503020204020204" pitchFamily="34" charset="-122"/>
-              </a:rPr>
-              <a:t>3</a:t>
-            </a:r>
-            <a:r>
-              <a:rPr lang="zh-CN" altLang="en-US" sz="2800" b="1" dirty="0">
-                <a:solidFill>
-                  <a:srgbClr val="7030A0"/>
-                </a:solidFill>
-                <a:latin typeface="微软雅黑" panose="020B0503020204020204" pitchFamily="34" charset="-122"/>
-                <a:ea typeface="微软雅黑" panose="020B0503020204020204" pitchFamily="34" charset="-122"/>
-              </a:rPr>
-              <a:t>）科学研究包括两部分内容：</a:t>
-            </a:r>
-            <a:r>
-              <a:rPr lang="en-US" altLang="zh-CN" sz="2800" b="1" dirty="0">
-                <a:solidFill>
-                  <a:srgbClr val="7030A0"/>
-                </a:solidFill>
-                <a:latin typeface="微软雅黑" panose="020B0503020204020204" pitchFamily="34" charset="-122"/>
-                <a:ea typeface="微软雅黑" panose="020B0503020204020204" pitchFamily="34" charset="-122"/>
-              </a:rPr>
-              <a:t>a. </a:t>
-            </a:r>
-            <a:r>
-              <a:rPr lang="zh-CN" altLang="en-US" sz="2800" b="1" dirty="0">
-                <a:solidFill>
-                  <a:srgbClr val="7030A0"/>
-                </a:solidFill>
-                <a:latin typeface="微软雅黑" panose="020B0503020204020204" pitchFamily="34" charset="-122"/>
-                <a:ea typeface="微软雅黑" panose="020B0503020204020204" pitchFamily="34" charset="-122"/>
-              </a:rPr>
-              <a:t>整理知识使知识系统化，</a:t>
-            </a:r>
-            <a:r>
-              <a:rPr lang="en-US" altLang="zh-CN" sz="2800" b="1" dirty="0">
-                <a:solidFill>
-                  <a:srgbClr val="7030A0"/>
-                </a:solidFill>
-                <a:latin typeface="微软雅黑" panose="020B0503020204020204" pitchFamily="34" charset="-122"/>
-                <a:ea typeface="微软雅黑" panose="020B0503020204020204" pitchFamily="34" charset="-122"/>
-              </a:rPr>
-              <a:t>b. </a:t>
-            </a:r>
-            <a:r>
-              <a:rPr lang="zh-CN" altLang="en-US" sz="2800" b="1" dirty="0">
-                <a:solidFill>
-                  <a:srgbClr val="7030A0"/>
-                </a:solidFill>
-                <a:latin typeface="微软雅黑" panose="020B0503020204020204" pitchFamily="34" charset="-122"/>
-                <a:ea typeface="微软雅黑" panose="020B0503020204020204" pitchFamily="34" charset="-122"/>
-              </a:rPr>
-              <a:t>创造知识来解决未知问题</a:t>
-            </a:r>
-            <a:endParaRPr lang="en-US" altLang="zh-CN" sz="2800" b="1" dirty="0">
-              <a:solidFill>
-                <a:srgbClr val="7030A0"/>
-              </a:solidFill>
-              <a:latin typeface="微软雅黑" panose="020B0503020204020204" pitchFamily="34" charset="-122"/>
-              <a:ea typeface="微软雅黑" panose="020B0503020204020204" pitchFamily="34" charset="-122"/>
-            </a:endParaRPr>
-          </a:p>
-          <a:p>
-            <a:pPr>
-              <a:lnSpc>
-                <a:spcPct val="200000"/>
-              </a:lnSpc>
-            </a:pPr>
-            <a:r>
-              <a:rPr lang="zh-CN" altLang="en-US" sz="2800" b="1" dirty="0">
-                <a:solidFill>
-                  <a:srgbClr val="7030A0"/>
-                </a:solidFill>
-                <a:latin typeface="微软雅黑" panose="020B0503020204020204" pitchFamily="34" charset="-122"/>
-                <a:ea typeface="微软雅黑" panose="020B0503020204020204" pitchFamily="34" charset="-122"/>
-              </a:rPr>
-              <a:t>（</a:t>
-            </a:r>
-            <a:r>
-              <a:rPr lang="en-US" altLang="zh-CN" sz="2800" b="1" dirty="0">
-                <a:solidFill>
-                  <a:srgbClr val="7030A0"/>
-                </a:solidFill>
-                <a:latin typeface="微软雅黑" panose="020B0503020204020204" pitchFamily="34" charset="-122"/>
-                <a:ea typeface="微软雅黑" panose="020B0503020204020204" pitchFamily="34" charset="-122"/>
-              </a:rPr>
-              <a:t>4</a:t>
-            </a:r>
-            <a:r>
-              <a:rPr lang="zh-CN" altLang="en-US" sz="2800" b="1" dirty="0">
-                <a:solidFill>
-                  <a:srgbClr val="7030A0"/>
-                </a:solidFill>
-                <a:latin typeface="微软雅黑" panose="020B0503020204020204" pitchFamily="34" charset="-122"/>
-                <a:ea typeface="微软雅黑" panose="020B0503020204020204" pitchFamily="34" charset="-122"/>
-              </a:rPr>
-              <a:t>）科学研究可以定义为：一种创造、修改、综合知识的探索行为</a:t>
-            </a:r>
-            <a:endParaRPr lang="en-US" altLang="zh-CN" sz="2800" b="1" dirty="0">
-              <a:solidFill>
-                <a:srgbClr val="7030A0"/>
-              </a:solidFill>
-              <a:latin typeface="微软雅黑" panose="020B0503020204020204" pitchFamily="34" charset="-122"/>
-              <a:ea typeface="微软雅黑" panose="020B0503020204020204" pitchFamily="34" charset="-122"/>
-            </a:endParaRPr>
-          </a:p>
-          <a:p>
             <a:endParaRPr lang="zh-CN" altLang="en-US" sz="2400" b="1" dirty="0">
               <a:solidFill>
                 <a:srgbClr val="7030A0"/>
@@ -5148,226 +4693,6 @@
       </p:sp>
       <p:sp>
         <p:nvSpPr>
-          <p:cNvPr id="14" name="文本框 11"/>
-          <p:cNvSpPr txBox="1"/>
-          <p:nvPr/>
-        </p:nvSpPr>
-        <p:spPr>
-          <a:xfrm>
-            <a:off x="6517640" y="4549140"/>
-            <a:ext cx="1242060" cy="337185"/>
-          </a:xfrm>
-          <a:prstGeom prst="rect">
-            <a:avLst/>
-          </a:prstGeom>
-          <a:noFill/>
-        </p:spPr>
-        <p:txBody>
-          <a:bodyPr wrap="square" rtlCol="0">
-            <a:spAutoFit/>
-          </a:bodyPr>
-          <a:lstStyle/>
-          <a:p>
-            <a:pPr algn="dist"/>
-            <a:r>
-              <a:rPr lang="zh-CN" altLang="en-US" sz="1600" b="1">
-                <a:solidFill>
-                  <a:schemeClr val="bg1"/>
-                </a:solidFill>
-                <a:latin typeface="微软雅黑" panose="020B0503020204020204" pitchFamily="34" charset="-122"/>
-                <a:ea typeface="微软雅黑" panose="020B0503020204020204" pitchFamily="34" charset="-122"/>
-              </a:rPr>
-              <a:t>请输入标题</a:t>
-            </a:r>
-            <a:endParaRPr lang="zh-CN" altLang="en-US" sz="1600" b="1">
-              <a:solidFill>
-                <a:schemeClr val="bg1"/>
-              </a:solidFill>
-              <a:latin typeface="微软雅黑" panose="020B0503020204020204" pitchFamily="34" charset="-122"/>
-              <a:ea typeface="微软雅黑" panose="020B0503020204020204" pitchFamily="34" charset="-122"/>
-            </a:endParaRPr>
-          </a:p>
-        </p:txBody>
-      </p:sp>
-      <p:sp>
-        <p:nvSpPr>
-          <p:cNvPr id="15" name="文本框 12"/>
-          <p:cNvSpPr txBox="1"/>
-          <p:nvPr/>
-        </p:nvSpPr>
-        <p:spPr>
-          <a:xfrm>
-            <a:off x="6517640" y="4874895"/>
-            <a:ext cx="1877060" cy="720725"/>
-          </a:xfrm>
-          <a:prstGeom prst="rect">
-            <a:avLst/>
-          </a:prstGeom>
-          <a:noFill/>
-        </p:spPr>
-        <p:txBody>
-          <a:bodyPr wrap="square" lIns="90170" tIns="46990" rIns="90170" bIns="46990" rtlCol="0">
-            <a:spAutoFit/>
-          </a:bodyPr>
-          <a:lstStyle/>
-          <a:p>
-            <a:pPr lvl="0" algn="just">
-              <a:lnSpc>
-                <a:spcPct val="170000"/>
-              </a:lnSpc>
-              <a:spcBef>
-                <a:spcPts val="0"/>
-              </a:spcBef>
-              <a:spcAft>
-                <a:spcPts val="0"/>
-              </a:spcAft>
-            </a:pPr>
-            <a:r>
-              <a:rPr lang="zh-CN" altLang="en-US" sz="800">
-                <a:solidFill>
-                  <a:schemeClr val="bg1"/>
-                </a:solidFill>
-                <a:latin typeface="微软雅黑" panose="020B0503020204020204" pitchFamily="34" charset="-122"/>
-                <a:ea typeface="微软雅黑" panose="020B0503020204020204" pitchFamily="34" charset="-122"/>
-              </a:rPr>
-              <a:t>客服部是最直接面对终端的部门，故要积极向客服部咨询及调差最新的顾客需求及意见</a:t>
-            </a:r>
-            <a:endParaRPr lang="zh-CN" altLang="en-US" sz="800">
-              <a:solidFill>
-                <a:schemeClr val="bg1"/>
-              </a:solidFill>
-              <a:latin typeface="微软雅黑" panose="020B0503020204020204" pitchFamily="34" charset="-122"/>
-              <a:ea typeface="微软雅黑" panose="020B0503020204020204" pitchFamily="34" charset="-122"/>
-            </a:endParaRPr>
-          </a:p>
-        </p:txBody>
-      </p:sp>
-      <p:sp>
-        <p:nvSpPr>
-          <p:cNvPr id="16" name="文本框 13"/>
-          <p:cNvSpPr txBox="1"/>
-          <p:nvPr/>
-        </p:nvSpPr>
-        <p:spPr>
-          <a:xfrm>
-            <a:off x="3691890" y="4549140"/>
-            <a:ext cx="1242060" cy="337185"/>
-          </a:xfrm>
-          <a:prstGeom prst="rect">
-            <a:avLst/>
-          </a:prstGeom>
-          <a:noFill/>
-        </p:spPr>
-        <p:txBody>
-          <a:bodyPr wrap="square" rtlCol="0">
-            <a:spAutoFit/>
-          </a:bodyPr>
-          <a:lstStyle/>
-          <a:p>
-            <a:pPr algn="dist"/>
-            <a:r>
-              <a:rPr lang="zh-CN" altLang="en-US" sz="1600" b="1">
-                <a:solidFill>
-                  <a:schemeClr val="bg1"/>
-                </a:solidFill>
-                <a:latin typeface="微软雅黑" panose="020B0503020204020204" pitchFamily="34" charset="-122"/>
-                <a:ea typeface="微软雅黑" panose="020B0503020204020204" pitchFamily="34" charset="-122"/>
-              </a:rPr>
-              <a:t>请输入标题</a:t>
-            </a:r>
-            <a:endParaRPr lang="zh-CN" altLang="en-US" sz="1600" b="1">
-              <a:solidFill>
-                <a:schemeClr val="bg1"/>
-              </a:solidFill>
-              <a:latin typeface="微软雅黑" panose="020B0503020204020204" pitchFamily="34" charset="-122"/>
-              <a:ea typeface="微软雅黑" panose="020B0503020204020204" pitchFamily="34" charset="-122"/>
-            </a:endParaRPr>
-          </a:p>
-        </p:txBody>
-      </p:sp>
-      <p:sp>
-        <p:nvSpPr>
-          <p:cNvPr id="18" name="文本框 14"/>
-          <p:cNvSpPr txBox="1"/>
-          <p:nvPr/>
-        </p:nvSpPr>
-        <p:spPr>
-          <a:xfrm>
-            <a:off x="3691890" y="4874895"/>
-            <a:ext cx="1877060" cy="720725"/>
-          </a:xfrm>
-          <a:prstGeom prst="rect">
-            <a:avLst/>
-          </a:prstGeom>
-          <a:noFill/>
-        </p:spPr>
-        <p:txBody>
-          <a:bodyPr wrap="square" lIns="90170" tIns="46990" rIns="90170" bIns="46990" rtlCol="0">
-            <a:spAutoFit/>
-          </a:bodyPr>
-          <a:lstStyle/>
-          <a:p>
-            <a:pPr lvl="0" algn="just">
-              <a:lnSpc>
-                <a:spcPct val="170000"/>
-              </a:lnSpc>
-              <a:spcBef>
-                <a:spcPts val="0"/>
-              </a:spcBef>
-              <a:spcAft>
-                <a:spcPts val="0"/>
-              </a:spcAft>
-            </a:pPr>
-            <a:r>
-              <a:rPr lang="zh-CN" altLang="en-US" sz="800" dirty="0">
-                <a:solidFill>
-                  <a:schemeClr val="bg1"/>
-                </a:solidFill>
-                <a:latin typeface="微软雅黑" panose="020B0503020204020204" pitchFamily="34" charset="-122"/>
-                <a:ea typeface="微软雅黑" panose="020B0503020204020204" pitchFamily="34" charset="-122"/>
-              </a:rPr>
-              <a:t>客服部是最直接面对终端的部门，故要积极向客服部咨询及调差最新的顾客需求及意见</a:t>
-            </a:r>
-            <a:endParaRPr lang="zh-CN" altLang="en-US" sz="800" dirty="0">
-              <a:solidFill>
-                <a:schemeClr val="bg1"/>
-              </a:solidFill>
-              <a:latin typeface="微软雅黑" panose="020B0503020204020204" pitchFamily="34" charset="-122"/>
-              <a:ea typeface="微软雅黑" panose="020B0503020204020204" pitchFamily="34" charset="-122"/>
-            </a:endParaRPr>
-          </a:p>
-        </p:txBody>
-      </p:sp>
-      <p:pic>
-        <p:nvPicPr>
-          <p:cNvPr id="28" name="Picture 5" descr="C:\Documents and Settings\Administrator\桌面\08.png"/>
-          <p:cNvPicPr>
-            <a:picLocks noGrp="1" noChangeAspect="1" noChangeArrowheads="1"/>
-          </p:cNvPicPr>
-          <p:nvPr>
-            <p:ph idx="4294967295"/>
-          </p:nvPr>
-        </p:nvPicPr>
-        <p:blipFill>
-          <a:blip r:embed="rId1" cstate="print"/>
-          <a:srcRect/>
-          <a:stretch>
-            <a:fillRect/>
-          </a:stretch>
-        </p:blipFill>
-        <p:spPr bwMode="auto">
-          <a:xfrm>
-            <a:off x="0" y="6324600"/>
-            <a:ext cx="12192000" cy="323850"/>
-          </a:xfrm>
-          <a:prstGeom prst="rect">
-            <a:avLst/>
-          </a:prstGeom>
-          <a:noFill/>
-        </p:spPr>
-      </p:pic>
-      <p:sp>
-        <p:nvSpPr>
           <p:cNvPr id="36" name="文本框 13"/>
           <p:cNvSpPr txBox="1"/>
           <p:nvPr/>
@@ -5403,7 +4728,7 @@
                 <a:latin typeface="微软雅黑" panose="020B0503020204020204" pitchFamily="34" charset="-122"/>
                 <a:ea typeface="微软雅黑" panose="020B0503020204020204" pitchFamily="34" charset="-122"/>
               </a:rPr>
-              <a:t>研究方法</a:t>
+              <a:t>研究问题</a:t>
             </a:r>
             <a:endParaRPr lang="zh-CN" altLang="en-US" sz="3200" b="1" dirty="0">
               <a:solidFill>
@@ -5450,6 +4775,92 @@
           </a:fontRef>
         </p:style>
       </p:cxnSp>
+      <p:sp>
+        <p:nvSpPr>
+          <p:cNvPr id="3" name="文本框 2"/>
+          <p:cNvSpPr txBox="1"/>
+          <p:nvPr/>
+        </p:nvSpPr>
+        <p:spPr>
+          <a:xfrm>
+            <a:off x="748030" y="2299335"/>
+            <a:ext cx="5587365" cy="3046095"/>
+          </a:xfrm>
+          <a:prstGeom prst="rect">
+            <a:avLst/>
+          </a:prstGeom>
+          <a:noFill/>
+          <a:ln w="9525">
+            <a:noFill/>
+          </a:ln>
+        </p:spPr>
+        <p:txBody>
+          <a:bodyPr wrap="square">
+            <a:spAutoFit/>
+          </a:bodyPr>
+          <a:p>
+            <a:pPr indent="0"/>
+            <a:r>
+              <a:rPr lang="zh-CN" sz="2400" b="0">
+                <a:latin typeface="Times New Roman" panose="02020603050405020304" pitchFamily="18" charset="0"/>
+                <a:ea typeface="宋体" panose="02010600030101010101" pitchFamily="2" charset="-122"/>
+              </a:rPr>
+              <a:t>近年来，各国已建、在建和将建的</a:t>
+            </a:r>
+            <a:r>
+              <a:rPr lang="zh-CN" sz="2400" b="1">
+                <a:solidFill>
+                  <a:srgbClr val="FFC000"/>
+                </a:solidFill>
+                <a:latin typeface="Times New Roman" panose="02020603050405020304" pitchFamily="18" charset="0"/>
+                <a:ea typeface="宋体" panose="02010600030101010101" pitchFamily="2" charset="-122"/>
+              </a:rPr>
+              <a:t>跨海大桥、海底隧道、海港码头以及沿海地区、除冰盐地区兴建的高速铁路、高速公路、桥梁、工业建筑</a:t>
+            </a:r>
+            <a:r>
+              <a:rPr lang="zh-CN" sz="2400" b="0">
+                <a:latin typeface="Times New Roman" panose="02020603050405020304" pitchFamily="18" charset="0"/>
+                <a:ea typeface="宋体" panose="02010600030101010101" pitchFamily="2" charset="-122"/>
+              </a:rPr>
+              <a:t>等重大工程都广泛采用预应力混凝土结构，这些环境下结构的耐久性面临巨大挑战，如何对结构进行良好的腐蚀防护和监测成为了研究的重点</a:t>
+            </a:r>
+            <a:endParaRPr lang="zh-CN" altLang="en-US" sz="2400"/>
+          </a:p>
+        </p:txBody>
+      </p:sp>
+      <p:sp>
+        <p:nvSpPr>
+          <p:cNvPr id="5" name="文本框 4"/>
+          <p:cNvSpPr txBox="1"/>
+          <p:nvPr/>
+        </p:nvSpPr>
+        <p:spPr>
+          <a:xfrm>
+            <a:off x="6335395" y="2299335"/>
+            <a:ext cx="5587365" cy="3046095"/>
+          </a:xfrm>
+          <a:prstGeom prst="rect">
+            <a:avLst/>
+          </a:prstGeom>
+          <a:noFill/>
+          <a:ln w="9525">
+            <a:noFill/>
+          </a:ln>
+        </p:spPr>
+        <p:txBody>
+          <a:bodyPr wrap="square">
+            <a:spAutoFit/>
+          </a:bodyPr>
+          <a:p>
+            <a:pPr indent="0"/>
+            <a:r>
+              <a:rPr lang="zh-CN" altLang="en-US" sz="2400"/>
+              <a:t>常规锚固体系已经不能满足腐蚀防护和监测的要求，通过研究电隔离防护技术，开展电隔离预应力锚固技术的研究，提升结构抗腐蚀性能并对其健康状况进行长期监测，对确保重大土木工程结构全寿命使用安全，推动混凝土结构理论与技术应用，实现经济社会绿色、可持续发展具有重要意义。</a:t>
+            </a:r>
+            <a:endParaRPr lang="zh-CN" altLang="en-US" sz="2400"/>
+          </a:p>
+        </p:txBody>
+      </p:sp>
     </p:spTree>
   </p:cSld>
   <p:clrMapOvr>
@@ -5477,53 +4888,111 @@
       </p:grpSpPr>
       <p:sp>
         <p:nvSpPr>
-          <p:cNvPr id="5" name="矩形 4"/>
-          <p:cNvSpPr/>
-          <p:nvPr/>
-        </p:nvSpPr>
-        <p:spPr>
-          <a:xfrm>
-            <a:off x="-31750" y="-19050"/>
-            <a:ext cx="12242165" cy="6887845"/>
-          </a:xfrm>
-          <a:prstGeom prst="rect">
-            <a:avLst/>
-          </a:prstGeom>
-          <a:solidFill>
-            <a:srgbClr val="00468B"/>
-          </a:solidFill>
-          <a:ln>
-            <a:noFill/>
-          </a:ln>
-        </p:spPr>
-        <p:style>
-          <a:lnRef idx="2">
-            <a:schemeClr val="accent1">
-              <a:shade val="50000"/>
-            </a:schemeClr>
-          </a:lnRef>
-          <a:fillRef idx="1">
-            <a:schemeClr val="accent1"/>
-          </a:fillRef>
-          <a:effectRef idx="0">
-            <a:schemeClr val="accent1"/>
-          </a:effectRef>
-          <a:fontRef idx="minor">
-            <a:schemeClr val="lt1"/>
-          </a:fontRef>
-        </p:style>
-        <p:txBody>
-          <a:bodyPr rtlCol="0" anchor="ctr"/>
-          <a:lstStyle/>
-          <a:p>
-            <a:pPr algn="ctr"/>
-            <a:endParaRPr lang="zh-CN" altLang="en-US"/>
+          <p:cNvPr id="9" name="文本框 4"/>
+          <p:cNvSpPr txBox="1"/>
+          <p:nvPr/>
+        </p:nvSpPr>
+        <p:spPr>
+          <a:xfrm>
+            <a:off x="376974" y="898927"/>
+            <a:ext cx="11412504" cy="891540"/>
+          </a:xfrm>
+          <a:prstGeom prst="rect">
+            <a:avLst/>
+          </a:prstGeom>
+          <a:noFill/>
+        </p:spPr>
+        <p:txBody>
+          <a:bodyPr wrap="square" rtlCol="0">
+            <a:spAutoFit/>
+          </a:bodyPr>
+          <a:lstStyle/>
+          <a:p>
+            <a:pPr marL="457200" indent="-457200">
+              <a:buFont typeface="Arial" panose="020B0604020202020204" pitchFamily="34" charset="0"/>
+              <a:buChar char="•"/>
+            </a:pPr>
+            <a:r>
+              <a:rPr lang="zh-CN" altLang="en-US" sz="2800" b="1" dirty="0">
+                <a:solidFill>
+                  <a:srgbClr val="7030A0"/>
+                </a:solidFill>
+                <a:latin typeface="微软雅黑" panose="020B0503020204020204" pitchFamily="34" charset="-122"/>
+                <a:ea typeface="微软雅黑" panose="020B0503020204020204" pitchFamily="34" charset="-122"/>
+              </a:rPr>
+              <a:t>研究意义</a:t>
+            </a:r>
+            <a:endParaRPr lang="en-US" altLang="zh-CN" sz="2800" b="1" dirty="0">
+              <a:solidFill>
+                <a:srgbClr val="7030A0"/>
+              </a:solidFill>
+              <a:latin typeface="微软雅黑" panose="020B0503020204020204" pitchFamily="34" charset="-122"/>
+              <a:ea typeface="微软雅黑" panose="020B0503020204020204" pitchFamily="34" charset="-122"/>
+            </a:endParaRPr>
+          </a:p>
+          <a:p>
+            <a:endParaRPr lang="zh-CN" altLang="en-US" sz="2400" b="1" dirty="0">
+              <a:solidFill>
+                <a:srgbClr val="7030A0"/>
+              </a:solidFill>
+              <a:latin typeface="微软雅黑" panose="020B0503020204020204" pitchFamily="34" charset="-122"/>
+              <a:ea typeface="微软雅黑" panose="020B0503020204020204" pitchFamily="34" charset="-122"/>
+            </a:endParaRPr>
+          </a:p>
+        </p:txBody>
+      </p:sp>
+      <p:sp>
+        <p:nvSpPr>
+          <p:cNvPr id="36" name="文本框 13"/>
+          <p:cNvSpPr txBox="1"/>
+          <p:nvPr/>
+        </p:nvSpPr>
+        <p:spPr>
+          <a:xfrm>
+            <a:off x="1261297" y="137443"/>
+            <a:ext cx="2209165" cy="583565"/>
+          </a:xfrm>
+          <a:prstGeom prst="rect">
+            <a:avLst/>
+          </a:prstGeom>
+          <a:noFill/>
+        </p:spPr>
+        <p:txBody>
+          <a:bodyPr wrap="none" rtlCol="0">
+            <a:spAutoFit/>
+          </a:bodyPr>
+          <a:lstStyle/>
+          <a:p>
+            <a:pPr marL="342900" indent="-342900">
+              <a:spcBef>
+                <a:spcPts val="1200"/>
+              </a:spcBef>
+              <a:buFont typeface="Wingdings" panose="05000000000000000000" pitchFamily="2" charset="2"/>
+              <a:buChar char="u"/>
+            </a:pPr>
+            <a:r>
+              <a:rPr lang="zh-CN" altLang="en-US" sz="3200" b="1" dirty="0">
+                <a:solidFill>
+                  <a:srgbClr val="CC9933"/>
+                </a:solidFill>
+                <a:latin typeface="微软雅黑" panose="020B0503020204020204" pitchFamily="34" charset="-122"/>
+                <a:ea typeface="微软雅黑" panose="020B0503020204020204" pitchFamily="34" charset="-122"/>
+              </a:rPr>
+              <a:t>研究问题</a:t>
+            </a:r>
+            <a:endParaRPr lang="zh-CN" altLang="en-US" sz="3200" b="1" dirty="0">
+              <a:solidFill>
+                <a:srgbClr val="CC9933"/>
+              </a:solidFill>
+              <a:latin typeface="微软雅黑" panose="020B0503020204020204" pitchFamily="34" charset="-122"/>
+              <a:ea typeface="微软雅黑" panose="020B0503020204020204" pitchFamily="34" charset="-122"/>
+            </a:endParaRPr>
           </a:p>
         </p:txBody>
       </p:sp>
       <p:cxnSp>
         <p:nvCxnSpPr>
-          <p:cNvPr id="21" name="直接连接符 20"/>
+          <p:cNvPr id="38" name="直接连接符 37"/>
           <p:cNvCxnSpPr/>
           <p:nvPr/>
         </p:nvCxnSpPr>
@@ -5537,7 +5006,7 @@
           </a:prstGeom>
           <a:ln w="9525">
             <a:solidFill>
-              <a:schemeClr val="bg1"/>
+              <a:schemeClr val="tx1"/>
             </a:solidFill>
           </a:ln>
         </p:spPr>
@@ -5558,268 +5027,87 @@
       </p:cxnSp>
       <p:sp>
         <p:nvSpPr>
-          <p:cNvPr id="16" name="文本框 13"/>
+          <p:cNvPr id="3" name="文本框 2"/>
           <p:cNvSpPr txBox="1"/>
           <p:nvPr/>
         </p:nvSpPr>
         <p:spPr>
           <a:xfrm>
-            <a:off x="1261297" y="137443"/>
-            <a:ext cx="2811780" cy="303530"/>
+            <a:off x="748030" y="2299335"/>
+            <a:ext cx="5587365" cy="3046095"/>
           </a:xfrm>
           <a:prstGeom prst="rect">
             <a:avLst/>
           </a:prstGeom>
           <a:noFill/>
-        </p:spPr>
-        <p:txBody>
-          <a:bodyPr wrap="none" rtlCol="0">
+          <a:ln w="9525">
+            <a:noFill/>
+          </a:ln>
+        </p:spPr>
+        <p:txBody>
+          <a:bodyPr wrap="square">
             <a:spAutoFit/>
           </a:bodyPr>
-          <a:lstStyle/>
-          <a:p>
-            <a:pPr algn="l"/>
-            <a:r>
-              <a:rPr lang="zh-CN" altLang="en-US" sz="1380" dirty="0">
+          <a:p>
+            <a:pPr indent="0"/>
+            <a:r>
+              <a:rPr lang="zh-CN" sz="2400" b="0">
+                <a:latin typeface="Times New Roman" panose="02020603050405020304" pitchFamily="18" charset="0"/>
+                <a:ea typeface="宋体" panose="02010600030101010101" pitchFamily="2" charset="-122"/>
+              </a:rPr>
+              <a:t>近年来，各国已建、在建和将建的</a:t>
+            </a:r>
+            <a:r>
+              <a:rPr lang="zh-CN" sz="2400" b="1">
                 <a:solidFill>
-                  <a:schemeClr val="bg1"/>
+                  <a:srgbClr val="FFC000"/>
                 </a:solidFill>
-                <a:latin typeface="微软雅黑" panose="020B0503020204020204" pitchFamily="34" charset="-122"/>
-                <a:ea typeface="微软雅黑" panose="020B0503020204020204" pitchFamily="34" charset="-122"/>
-              </a:rPr>
-              <a:t>电子科技大学机械与电气工程学院</a:t>
-            </a:r>
-            <a:endParaRPr lang="zh-CN" altLang="en-US" sz="1380" dirty="0">
-              <a:solidFill>
-                <a:schemeClr val="bg1"/>
-              </a:solidFill>
-              <a:latin typeface="微软雅黑" panose="020B0503020204020204" pitchFamily="34" charset="-122"/>
-              <a:ea typeface="微软雅黑" panose="020B0503020204020204" pitchFamily="34" charset="-122"/>
-            </a:endParaRPr>
-          </a:p>
-        </p:txBody>
-      </p:sp>
-      <p:sp>
-        <p:nvSpPr>
-          <p:cNvPr id="17" name="文本框 15"/>
+                <a:latin typeface="Times New Roman" panose="02020603050405020304" pitchFamily="18" charset="0"/>
+                <a:ea typeface="宋体" panose="02010600030101010101" pitchFamily="2" charset="-122"/>
+              </a:rPr>
+              <a:t>跨海大桥、海底隧道、海港码头以及沿海地区、除冰盐地区兴建的高速铁路、高速公路、桥梁、工业建筑</a:t>
+            </a:r>
+            <a:r>
+              <a:rPr lang="zh-CN" sz="2400" b="0">
+                <a:latin typeface="Times New Roman" panose="02020603050405020304" pitchFamily="18" charset="0"/>
+                <a:ea typeface="宋体" panose="02010600030101010101" pitchFamily="2" charset="-122"/>
+              </a:rPr>
+              <a:t>等重大工程都广泛采用预应力混凝土结构，这些环境下结构的耐久性面临巨大挑战，如何对结构进行良好的腐蚀防护和监测成为了研究的重点</a:t>
+            </a:r>
+            <a:endParaRPr lang="zh-CN" altLang="en-US" sz="2400"/>
+          </a:p>
+        </p:txBody>
+      </p:sp>
+      <p:sp>
+        <p:nvSpPr>
+          <p:cNvPr id="5" name="文本框 4"/>
           <p:cNvSpPr txBox="1"/>
           <p:nvPr/>
         </p:nvSpPr>
         <p:spPr>
           <a:xfrm>
-            <a:off x="1265107" y="385093"/>
-            <a:ext cx="2880360" cy="232410"/>
+            <a:off x="6335395" y="2299335"/>
+            <a:ext cx="5587365" cy="3046095"/>
           </a:xfrm>
           <a:prstGeom prst="rect">
             <a:avLst/>
           </a:prstGeom>
           <a:noFill/>
-        </p:spPr>
-        <p:txBody>
-          <a:bodyPr wrap="square" rtlCol="0">
+          <a:ln w="9525">
+            <a:noFill/>
+          </a:ln>
+        </p:spPr>
+        <p:txBody>
+          <a:bodyPr wrap="square">
             <a:spAutoFit/>
           </a:bodyPr>
-          <a:lstStyle/>
-          <a:p>
-            <a:r>
-              <a:rPr lang="zh-CN" altLang="en-US" sz="920" dirty="0">
-                <a:solidFill>
-                  <a:schemeClr val="bg1"/>
-                </a:solidFill>
-                <a:latin typeface="微软雅黑" panose="020B0503020204020204" pitchFamily="34" charset="-122"/>
-                <a:ea typeface="微软雅黑" panose="020B0503020204020204" pitchFamily="34" charset="-122"/>
-              </a:rPr>
-              <a:t>School of Mechanical and Electrical Engineering</a:t>
-            </a:r>
-            <a:endParaRPr lang="zh-CN" altLang="en-US" sz="920" dirty="0">
-              <a:solidFill>
-                <a:schemeClr val="bg1"/>
-              </a:solidFill>
-              <a:latin typeface="微软雅黑" panose="020B0503020204020204" pitchFamily="34" charset="-122"/>
-              <a:ea typeface="微软雅黑" panose="020B0503020204020204" pitchFamily="34" charset="-122"/>
-            </a:endParaRPr>
-          </a:p>
-        </p:txBody>
-      </p:sp>
-      <p:cxnSp>
-        <p:nvCxnSpPr>
-          <p:cNvPr id="18" name="直接连接符 17"/>
-          <p:cNvCxnSpPr/>
-          <p:nvPr/>
-        </p:nvCxnSpPr>
-        <p:spPr>
-          <a:xfrm>
-            <a:off x="1180017" y="44098"/>
-            <a:ext cx="0" cy="645160"/>
-          </a:xfrm>
-          <a:prstGeom prst="line">
-            <a:avLst/>
-          </a:prstGeom>
-          <a:ln w="9525">
-            <a:solidFill>
-              <a:schemeClr val="bg1"/>
-            </a:solidFill>
-          </a:ln>
-        </p:spPr>
-        <p:style>
-          <a:lnRef idx="1">
-            <a:schemeClr val="accent1"/>
-          </a:lnRef>
-          <a:fillRef idx="0">
-            <a:schemeClr val="accent1"/>
-          </a:fillRef>
-          <a:effectRef idx="0">
-            <a:schemeClr val="accent1"/>
-          </a:effectRef>
-          <a:fontRef idx="minor">
-            <a:schemeClr val="tx1"/>
-          </a:fontRef>
-        </p:style>
-      </p:cxnSp>
-      <p:pic>
-        <p:nvPicPr>
-          <p:cNvPr id="22" name="图片 21"/>
-          <p:cNvPicPr>
-            <a:picLocks noChangeAspect="1"/>
-          </p:cNvPicPr>
-          <p:nvPr/>
-        </p:nvPicPr>
-        <p:blipFill>
-          <a:blip r:embed="rId1" cstate="print">
-            <a:extLst>
-              <a:ext uri="{28A0092B-C50C-407E-A947-70E740481C1C}">
-                <a14:useLocalDpi xmlns:a14="http://schemas.microsoft.com/office/drawing/2010/main" val="0"/>
-              </a:ext>
-            </a:extLst>
-          </a:blip>
-          <a:stretch>
-            <a:fillRect/>
-          </a:stretch>
-        </p:blipFill>
-        <p:spPr>
-          <a:xfrm>
-            <a:off x="384649" y="26500"/>
-            <a:ext cx="583162" cy="680356"/>
-          </a:xfrm>
-          <a:prstGeom prst="rect">
-            <a:avLst/>
-          </a:prstGeom>
-        </p:spPr>
-      </p:pic>
-      <p:pic>
-        <p:nvPicPr>
-          <p:cNvPr id="23" name="图片 22" descr="03-1"/>
-          <p:cNvPicPr>
-            <a:picLocks noChangeAspect="1"/>
-          </p:cNvPicPr>
-          <p:nvPr/>
-        </p:nvPicPr>
-        <p:blipFill>
-          <a:blip r:embed="rId2" cstate="print"/>
-          <a:stretch>
-            <a:fillRect/>
-          </a:stretch>
-        </p:blipFill>
-        <p:spPr>
-          <a:xfrm>
-            <a:off x="2389505" y="5318125"/>
-            <a:ext cx="7412990" cy="1551305"/>
-          </a:xfrm>
-          <a:prstGeom prst="rect">
-            <a:avLst/>
-          </a:prstGeom>
-        </p:spPr>
-      </p:pic>
-      <p:sp>
-        <p:nvSpPr>
-          <p:cNvPr id="2" name="矩形 1"/>
-          <p:cNvSpPr/>
-          <p:nvPr/>
-        </p:nvSpPr>
-        <p:spPr>
-          <a:xfrm>
-            <a:off x="2672731" y="1452642"/>
-            <a:ext cx="1135380" cy="2399665"/>
-          </a:xfrm>
-          <a:prstGeom prst="rect">
-            <a:avLst/>
-          </a:prstGeom>
-          <a:noFill/>
-        </p:spPr>
-        <p:txBody>
-          <a:bodyPr wrap="none" lIns="91440" tIns="45720" rIns="91440" bIns="45720">
-            <a:spAutoFit/>
-            <a:scene3d>
-              <a:camera prst="orthographicFront"/>
-              <a:lightRig rig="soft" dir="t">
-                <a:rot lat="0" lon="0" rev="15600000"/>
-              </a:lightRig>
-            </a:scene3d>
-            <a:sp3d extrusionH="57150" prstMaterial="softEdge">
-              <a:bevelT w="25400" h="38100"/>
-            </a:sp3d>
-          </a:bodyPr>
-          <a:lstStyle/>
-          <a:p>
-            <a:pPr algn="ctr"/>
-            <a:r>
-              <a:rPr lang="en-US" altLang="zh-CN" sz="15000" b="1" i="1" dirty="0">
-                <a:solidFill>
-                  <a:schemeClr val="accent4"/>
-                </a:solidFill>
-                <a:latin typeface="Times New Roman" panose="02020603050405020304" pitchFamily="18" charset="0"/>
-                <a:cs typeface="Times New Roman" panose="02020603050405020304" pitchFamily="18" charset="0"/>
-              </a:rPr>
-              <a:t>5</a:t>
-            </a:r>
-            <a:endParaRPr lang="en-US" altLang="zh-CN" sz="15000" b="1" i="1" dirty="0">
-              <a:solidFill>
-                <a:schemeClr val="accent4"/>
-              </a:solidFill>
-              <a:latin typeface="Times New Roman" panose="02020603050405020304" pitchFamily="18" charset="0"/>
-              <a:cs typeface="Times New Roman" panose="02020603050405020304" pitchFamily="18" charset="0"/>
-            </a:endParaRPr>
-          </a:p>
-        </p:txBody>
-      </p:sp>
-      <p:sp>
-        <p:nvSpPr>
-          <p:cNvPr id="3" name="文本框 2"/>
-          <p:cNvSpPr txBox="1"/>
-          <p:nvPr/>
-        </p:nvSpPr>
-        <p:spPr>
-          <a:xfrm>
-            <a:off x="4727575" y="2238375"/>
-            <a:ext cx="3922395" cy="829945"/>
-          </a:xfrm>
-          <a:prstGeom prst="rect">
-            <a:avLst/>
-          </a:prstGeom>
-          <a:noFill/>
-        </p:spPr>
-        <p:txBody>
-          <a:bodyPr wrap="square" rtlCol="0">
-            <a:spAutoFit/>
-          </a:bodyPr>
-          <a:p>
-            <a:r>
-              <a:rPr lang="zh-CN" altLang="en-US" sz="4800" b="1">
-                <a:solidFill>
-                  <a:schemeClr val="accent4"/>
-                </a:solidFill>
-                <a:latin typeface="微软雅黑" panose="020B0503020204020204" pitchFamily="34" charset="-122"/>
-                <a:ea typeface="微软雅黑" panose="020B0503020204020204" pitchFamily="34" charset="-122"/>
-              </a:rPr>
-              <a:t>论文工作基础</a:t>
-            </a:r>
-            <a:endParaRPr lang="zh-CN" altLang="en-US" sz="4800" b="1">
-              <a:solidFill>
-                <a:schemeClr val="accent4"/>
-              </a:solidFill>
-              <a:latin typeface="微软雅黑" panose="020B0503020204020204" pitchFamily="34" charset="-122"/>
-              <a:ea typeface="微软雅黑" panose="020B0503020204020204" pitchFamily="34" charset="-122"/>
-            </a:endParaRPr>
+          <a:p>
+            <a:pPr indent="0"/>
+            <a:r>
+              <a:rPr lang="zh-CN" altLang="en-US" sz="2400"/>
+              <a:t>常规锚固体系已经不能满足腐蚀防护和监测的要求，通过研究电隔离防护技术，开展电隔离预应力锚固技术的研究，提升结构抗腐蚀性能并对其健康状况进行长期监测，对确保重大土木工程结构全寿命使用安全，推动混凝土结构理论与技术应用，实现经济社会绿色、可持续发展具有重要意义。</a:t>
+            </a:r>
+            <a:endParaRPr lang="zh-CN" altLang="en-US" sz="2400"/>
           </a:p>
         </p:txBody>
       </p:sp>
@@ -5857,7 +5145,7 @@
         <p:spPr>
           <a:xfrm>
             <a:off x="376974" y="898927"/>
-            <a:ext cx="11412504" cy="6063198"/>
+            <a:ext cx="11412504" cy="891540"/>
           </a:xfrm>
           <a:prstGeom prst="rect">
             <a:avLst/>
@@ -5882,7 +5170,7 @@
                 <a:latin typeface="微软雅黑" panose="020B0503020204020204" pitchFamily="34" charset="-122"/>
                 <a:ea typeface="微软雅黑" panose="020B0503020204020204" pitchFamily="34" charset="-122"/>
               </a:rPr>
-              <a:t>科学研究</a:t>
+              <a:t>研究意义</a:t>
             </a:r>
             <a:endParaRPr lang="en-US" altLang="zh-CN" sz="2800" b="1" dirty="0">
               <a:solidFill>
@@ -5893,232 +5181,6 @@
             </a:endParaRPr>
           </a:p>
           <a:p>
-            <a:pPr>
-              <a:lnSpc>
-                <a:spcPct val="200000"/>
-              </a:lnSpc>
-            </a:pPr>
-            <a:r>
-              <a:rPr lang="zh-CN" altLang="en-US" sz="2800" b="1" dirty="0">
-                <a:solidFill>
-                  <a:srgbClr val="7030A0"/>
-                </a:solidFill>
-                <a:latin typeface="微软雅黑" panose="020B0503020204020204" pitchFamily="34" charset="-122"/>
-                <a:ea typeface="微软雅黑" panose="020B0503020204020204" pitchFamily="34" charset="-122"/>
-              </a:rPr>
-              <a:t>（</a:t>
-            </a:r>
-            <a:r>
-              <a:rPr lang="en-US" altLang="zh-CN" sz="2800" b="1" dirty="0">
-                <a:solidFill>
-                  <a:srgbClr val="7030A0"/>
-                </a:solidFill>
-                <a:latin typeface="微软雅黑" panose="020B0503020204020204" pitchFamily="34" charset="-122"/>
-                <a:ea typeface="微软雅黑" panose="020B0503020204020204" pitchFamily="34" charset="-122"/>
-              </a:rPr>
-              <a:t>1</a:t>
-            </a:r>
-            <a:r>
-              <a:rPr lang="zh-CN" altLang="en-US" sz="2800" b="1" dirty="0">
-                <a:solidFill>
-                  <a:srgbClr val="7030A0"/>
-                </a:solidFill>
-                <a:latin typeface="微软雅黑" panose="020B0503020204020204" pitchFamily="34" charset="-122"/>
-                <a:ea typeface="微软雅黑" panose="020B0503020204020204" pitchFamily="34" charset="-122"/>
-              </a:rPr>
-              <a:t>）美国资源委员会的定义：</a:t>
-            </a:r>
-            <a:r>
-              <a:rPr lang="zh-CN" altLang="en-US" sz="2800" b="1" dirty="0">
-                <a:solidFill>
-                  <a:srgbClr val="FF0000"/>
-                </a:solidFill>
-                <a:latin typeface="微软雅黑" panose="020B0503020204020204" pitchFamily="34" charset="-122"/>
-                <a:ea typeface="微软雅黑" panose="020B0503020204020204" pitchFamily="34" charset="-122"/>
-              </a:rPr>
-              <a:t>科学研究是在科学领域中的探索和应用</a:t>
-            </a:r>
-            <a:endParaRPr lang="en-US" altLang="zh-CN" sz="2800" b="1" dirty="0">
-              <a:solidFill>
-                <a:srgbClr val="FF0000"/>
-              </a:solidFill>
-              <a:latin typeface="微软雅黑" panose="020B0503020204020204" pitchFamily="34" charset="-122"/>
-              <a:ea typeface="微软雅黑" panose="020B0503020204020204" pitchFamily="34" charset="-122"/>
-            </a:endParaRPr>
-          </a:p>
-          <a:p>
-            <a:pPr>
-              <a:lnSpc>
-                <a:spcPct val="200000"/>
-              </a:lnSpc>
-            </a:pPr>
-            <a:r>
-              <a:rPr lang="zh-CN" altLang="en-US" sz="2800" b="1" dirty="0">
-                <a:solidFill>
-                  <a:srgbClr val="7030A0"/>
-                </a:solidFill>
-                <a:latin typeface="微软雅黑" panose="020B0503020204020204" pitchFamily="34" charset="-122"/>
-                <a:ea typeface="微软雅黑" panose="020B0503020204020204" pitchFamily="34" charset="-122"/>
-              </a:rPr>
-              <a:t>（</a:t>
-            </a:r>
-            <a:r>
-              <a:rPr lang="en-US" altLang="zh-CN" sz="2800" b="1" dirty="0">
-                <a:solidFill>
-                  <a:srgbClr val="7030A0"/>
-                </a:solidFill>
-                <a:latin typeface="微软雅黑" panose="020B0503020204020204" pitchFamily="34" charset="-122"/>
-                <a:ea typeface="微软雅黑" panose="020B0503020204020204" pitchFamily="34" charset="-122"/>
-              </a:rPr>
-              <a:t>2</a:t>
-            </a:r>
-            <a:r>
-              <a:rPr lang="zh-CN" altLang="en-US" sz="2800" b="1" dirty="0">
-                <a:solidFill>
-                  <a:srgbClr val="7030A0"/>
-                </a:solidFill>
-                <a:latin typeface="微软雅黑" panose="020B0503020204020204" pitchFamily="34" charset="-122"/>
-                <a:ea typeface="微软雅黑" panose="020B0503020204020204" pitchFamily="34" charset="-122"/>
-              </a:rPr>
-              <a:t>）科学研究包括对科学和技术的研究，是运用观察、试验、比较、分析、归纳的方法，把感性材料加以研究，提高到理论水平的工作</a:t>
-            </a:r>
-            <a:endParaRPr lang="en-US" altLang="zh-CN" sz="2800" b="1" dirty="0">
-              <a:solidFill>
-                <a:srgbClr val="7030A0"/>
-              </a:solidFill>
-              <a:latin typeface="微软雅黑" panose="020B0503020204020204" pitchFamily="34" charset="-122"/>
-              <a:ea typeface="微软雅黑" panose="020B0503020204020204" pitchFamily="34" charset="-122"/>
-            </a:endParaRPr>
-          </a:p>
-          <a:p>
-            <a:pPr>
-              <a:lnSpc>
-                <a:spcPct val="200000"/>
-              </a:lnSpc>
-            </a:pPr>
-            <a:r>
-              <a:rPr lang="zh-CN" altLang="en-US" sz="2800" b="1" dirty="0">
-                <a:solidFill>
-                  <a:srgbClr val="7030A0"/>
-                </a:solidFill>
-                <a:latin typeface="微软雅黑" panose="020B0503020204020204" pitchFamily="34" charset="-122"/>
-                <a:ea typeface="微软雅黑" panose="020B0503020204020204" pitchFamily="34" charset="-122"/>
-              </a:rPr>
-              <a:t>（</a:t>
-            </a:r>
-            <a:r>
-              <a:rPr lang="en-US" altLang="zh-CN" sz="2800" b="1" dirty="0">
-                <a:solidFill>
-                  <a:srgbClr val="7030A0"/>
-                </a:solidFill>
-                <a:latin typeface="微软雅黑" panose="020B0503020204020204" pitchFamily="34" charset="-122"/>
-                <a:ea typeface="微软雅黑" panose="020B0503020204020204" pitchFamily="34" charset="-122"/>
-              </a:rPr>
-              <a:t>3</a:t>
-            </a:r>
-            <a:r>
-              <a:rPr lang="zh-CN" altLang="en-US" sz="2800" b="1" dirty="0">
-                <a:solidFill>
-                  <a:srgbClr val="7030A0"/>
-                </a:solidFill>
-                <a:latin typeface="微软雅黑" panose="020B0503020204020204" pitchFamily="34" charset="-122"/>
-                <a:ea typeface="微软雅黑" panose="020B0503020204020204" pitchFamily="34" charset="-122"/>
-              </a:rPr>
-              <a:t>）科学研究包括两部分内容：</a:t>
-            </a:r>
-            <a:r>
-              <a:rPr lang="en-US" altLang="zh-CN" sz="2800" b="1" dirty="0">
-                <a:solidFill>
-                  <a:srgbClr val="7030A0"/>
-                </a:solidFill>
-                <a:latin typeface="微软雅黑" panose="020B0503020204020204" pitchFamily="34" charset="-122"/>
-                <a:ea typeface="微软雅黑" panose="020B0503020204020204" pitchFamily="34" charset="-122"/>
-              </a:rPr>
-              <a:t>a. </a:t>
-            </a:r>
-            <a:r>
-              <a:rPr lang="zh-CN" altLang="en-US" sz="2800" b="1" dirty="0">
-                <a:solidFill>
-                  <a:srgbClr val="7030A0"/>
-                </a:solidFill>
-                <a:latin typeface="微软雅黑" panose="020B0503020204020204" pitchFamily="34" charset="-122"/>
-                <a:ea typeface="微软雅黑" panose="020B0503020204020204" pitchFamily="34" charset="-122"/>
-              </a:rPr>
-              <a:t>整理知识使知识系统化，</a:t>
-            </a:r>
-            <a:r>
-              <a:rPr lang="en-US" altLang="zh-CN" sz="2800" b="1" dirty="0">
-                <a:solidFill>
-                  <a:srgbClr val="7030A0"/>
-                </a:solidFill>
-                <a:latin typeface="微软雅黑" panose="020B0503020204020204" pitchFamily="34" charset="-122"/>
-                <a:ea typeface="微软雅黑" panose="020B0503020204020204" pitchFamily="34" charset="-122"/>
-              </a:rPr>
-              <a:t>b. </a:t>
-            </a:r>
-            <a:r>
-              <a:rPr lang="zh-CN" altLang="en-US" sz="2800" b="1" dirty="0">
-                <a:solidFill>
-                  <a:srgbClr val="7030A0"/>
-                </a:solidFill>
-                <a:latin typeface="微软雅黑" panose="020B0503020204020204" pitchFamily="34" charset="-122"/>
-                <a:ea typeface="微软雅黑" panose="020B0503020204020204" pitchFamily="34" charset="-122"/>
-              </a:rPr>
-              <a:t>创造知识来解决未知问题</a:t>
-            </a:r>
-            <a:endParaRPr lang="en-US" altLang="zh-CN" sz="2800" b="1" dirty="0">
-              <a:solidFill>
-                <a:srgbClr val="7030A0"/>
-              </a:solidFill>
-              <a:latin typeface="微软雅黑" panose="020B0503020204020204" pitchFamily="34" charset="-122"/>
-              <a:ea typeface="微软雅黑" panose="020B0503020204020204" pitchFamily="34" charset="-122"/>
-            </a:endParaRPr>
-          </a:p>
-          <a:p>
-            <a:pPr>
-              <a:lnSpc>
-                <a:spcPct val="200000"/>
-              </a:lnSpc>
-            </a:pPr>
-            <a:r>
-              <a:rPr lang="zh-CN" altLang="en-US" sz="2800" b="1" dirty="0">
-                <a:solidFill>
-                  <a:srgbClr val="7030A0"/>
-                </a:solidFill>
-                <a:latin typeface="微软雅黑" panose="020B0503020204020204" pitchFamily="34" charset="-122"/>
-                <a:ea typeface="微软雅黑" panose="020B0503020204020204" pitchFamily="34" charset="-122"/>
-              </a:rPr>
-              <a:t>（</a:t>
-            </a:r>
-            <a:r>
-              <a:rPr lang="en-US" altLang="zh-CN" sz="2800" b="1" dirty="0">
-                <a:solidFill>
-                  <a:srgbClr val="7030A0"/>
-                </a:solidFill>
-                <a:latin typeface="微软雅黑" panose="020B0503020204020204" pitchFamily="34" charset="-122"/>
-                <a:ea typeface="微软雅黑" panose="020B0503020204020204" pitchFamily="34" charset="-122"/>
-              </a:rPr>
-              <a:t>4</a:t>
-            </a:r>
-            <a:r>
-              <a:rPr lang="zh-CN" altLang="en-US" sz="2800" b="1" dirty="0">
-                <a:solidFill>
-                  <a:srgbClr val="7030A0"/>
-                </a:solidFill>
-                <a:latin typeface="微软雅黑" panose="020B0503020204020204" pitchFamily="34" charset="-122"/>
-                <a:ea typeface="微软雅黑" panose="020B0503020204020204" pitchFamily="34" charset="-122"/>
-              </a:rPr>
-              <a:t>）科学研究可以定义为：一种创造、修改、综合知识的探索行为</a:t>
-            </a:r>
-            <a:endParaRPr lang="en-US" altLang="zh-CN" sz="2800" b="1" dirty="0">
-              <a:solidFill>
-                <a:srgbClr val="7030A0"/>
-              </a:solidFill>
-              <a:latin typeface="微软雅黑" panose="020B0503020204020204" pitchFamily="34" charset="-122"/>
-              <a:ea typeface="微软雅黑" panose="020B0503020204020204" pitchFamily="34" charset="-122"/>
-            </a:endParaRPr>
-          </a:p>
-          <a:p>
             <a:endParaRPr lang="zh-CN" altLang="en-US" sz="2400" b="1" dirty="0">
               <a:solidFill>
                 <a:srgbClr val="7030A0"/>
@@ -6131,226 +5193,6 @@
       </p:sp>
       <p:sp>
         <p:nvSpPr>
-          <p:cNvPr id="14" name="文本框 11"/>
-          <p:cNvSpPr txBox="1"/>
-          <p:nvPr/>
-        </p:nvSpPr>
-        <p:spPr>
-          <a:xfrm>
-            <a:off x="6517640" y="4549140"/>
-            <a:ext cx="1242060" cy="337185"/>
-          </a:xfrm>
-          <a:prstGeom prst="rect">
-            <a:avLst/>
-          </a:prstGeom>
-          <a:noFill/>
-        </p:spPr>
-        <p:txBody>
-          <a:bodyPr wrap="square" rtlCol="0">
-            <a:spAutoFit/>
-          </a:bodyPr>
-          <a:lstStyle/>
-          <a:p>
-            <a:pPr algn="dist"/>
-            <a:r>
-              <a:rPr lang="zh-CN" altLang="en-US" sz="1600" b="1">
-                <a:solidFill>
-                  <a:schemeClr val="bg1"/>
-                </a:solidFill>
-                <a:latin typeface="微软雅黑" panose="020B0503020204020204" pitchFamily="34" charset="-122"/>
-                <a:ea typeface="微软雅黑" panose="020B0503020204020204" pitchFamily="34" charset="-122"/>
-              </a:rPr>
-              <a:t>请输入标题</a:t>
-            </a:r>
-            <a:endParaRPr lang="zh-CN" altLang="en-US" sz="1600" b="1">
-              <a:solidFill>
-                <a:schemeClr val="bg1"/>
-              </a:solidFill>
-              <a:latin typeface="微软雅黑" panose="020B0503020204020204" pitchFamily="34" charset="-122"/>
-              <a:ea typeface="微软雅黑" panose="020B0503020204020204" pitchFamily="34" charset="-122"/>
-            </a:endParaRPr>
-          </a:p>
-        </p:txBody>
-      </p:sp>
-      <p:sp>
-        <p:nvSpPr>
-          <p:cNvPr id="15" name="文本框 12"/>
-          <p:cNvSpPr txBox="1"/>
-          <p:nvPr/>
-        </p:nvSpPr>
-        <p:spPr>
-          <a:xfrm>
-            <a:off x="6517640" y="4874895"/>
-            <a:ext cx="1877060" cy="720725"/>
-          </a:xfrm>
-          <a:prstGeom prst="rect">
-            <a:avLst/>
-          </a:prstGeom>
-          <a:noFill/>
-        </p:spPr>
-        <p:txBody>
-          <a:bodyPr wrap="square" lIns="90170" tIns="46990" rIns="90170" bIns="46990" rtlCol="0">
-            <a:spAutoFit/>
-          </a:bodyPr>
-          <a:lstStyle/>
-          <a:p>
-            <a:pPr lvl="0" algn="just">
-              <a:lnSpc>
-                <a:spcPct val="170000"/>
-              </a:lnSpc>
-              <a:spcBef>
-                <a:spcPts val="0"/>
-              </a:spcBef>
-              <a:spcAft>
-                <a:spcPts val="0"/>
-              </a:spcAft>
-            </a:pPr>
-            <a:r>
-              <a:rPr lang="zh-CN" altLang="en-US" sz="800">
-                <a:solidFill>
-                  <a:schemeClr val="bg1"/>
-                </a:solidFill>
-                <a:latin typeface="微软雅黑" panose="020B0503020204020204" pitchFamily="34" charset="-122"/>
-                <a:ea typeface="微软雅黑" panose="020B0503020204020204" pitchFamily="34" charset="-122"/>
-              </a:rPr>
-              <a:t>客服部是最直接面对终端的部门，故要积极向客服部咨询及调差最新的顾客需求及意见</a:t>
-            </a:r>
-            <a:endParaRPr lang="zh-CN" altLang="en-US" sz="800">
-              <a:solidFill>
-                <a:schemeClr val="bg1"/>
-              </a:solidFill>
-              <a:latin typeface="微软雅黑" panose="020B0503020204020204" pitchFamily="34" charset="-122"/>
-              <a:ea typeface="微软雅黑" panose="020B0503020204020204" pitchFamily="34" charset="-122"/>
-            </a:endParaRPr>
-          </a:p>
-        </p:txBody>
-      </p:sp>
-      <p:sp>
-        <p:nvSpPr>
-          <p:cNvPr id="16" name="文本框 13"/>
-          <p:cNvSpPr txBox="1"/>
-          <p:nvPr/>
-        </p:nvSpPr>
-        <p:spPr>
-          <a:xfrm>
-            <a:off x="3691890" y="4549140"/>
-            <a:ext cx="1242060" cy="337185"/>
-          </a:xfrm>
-          <a:prstGeom prst="rect">
-            <a:avLst/>
-          </a:prstGeom>
-          <a:noFill/>
-        </p:spPr>
-        <p:txBody>
-          <a:bodyPr wrap="square" rtlCol="0">
-            <a:spAutoFit/>
-          </a:bodyPr>
-          <a:lstStyle/>
-          <a:p>
-            <a:pPr algn="dist"/>
-            <a:r>
-              <a:rPr lang="zh-CN" altLang="en-US" sz="1600" b="1">
-                <a:solidFill>
-                  <a:schemeClr val="bg1"/>
-                </a:solidFill>
-                <a:latin typeface="微软雅黑" panose="020B0503020204020204" pitchFamily="34" charset="-122"/>
-                <a:ea typeface="微软雅黑" panose="020B0503020204020204" pitchFamily="34" charset="-122"/>
-              </a:rPr>
-              <a:t>请输入标题</a:t>
-            </a:r>
-            <a:endParaRPr lang="zh-CN" altLang="en-US" sz="1600" b="1">
-              <a:solidFill>
-                <a:schemeClr val="bg1"/>
-              </a:solidFill>
-              <a:latin typeface="微软雅黑" panose="020B0503020204020204" pitchFamily="34" charset="-122"/>
-              <a:ea typeface="微软雅黑" panose="020B0503020204020204" pitchFamily="34" charset="-122"/>
-            </a:endParaRPr>
-          </a:p>
-        </p:txBody>
-      </p:sp>
-      <p:sp>
-        <p:nvSpPr>
-          <p:cNvPr id="18" name="文本框 14"/>
-          <p:cNvSpPr txBox="1"/>
-          <p:nvPr/>
-        </p:nvSpPr>
-        <p:spPr>
-          <a:xfrm>
-            <a:off x="3691890" y="4874895"/>
-            <a:ext cx="1877060" cy="720725"/>
-          </a:xfrm>
-          <a:prstGeom prst="rect">
-            <a:avLst/>
-          </a:prstGeom>
-          <a:noFill/>
-        </p:spPr>
-        <p:txBody>
-          <a:bodyPr wrap="square" lIns="90170" tIns="46990" rIns="90170" bIns="46990" rtlCol="0">
-            <a:spAutoFit/>
-          </a:bodyPr>
-          <a:lstStyle/>
-          <a:p>
-            <a:pPr lvl="0" algn="just">
-              <a:lnSpc>
-                <a:spcPct val="170000"/>
-              </a:lnSpc>
-              <a:spcBef>
-                <a:spcPts val="0"/>
-              </a:spcBef>
-              <a:spcAft>
-                <a:spcPts val="0"/>
-              </a:spcAft>
-            </a:pPr>
-            <a:r>
-              <a:rPr lang="zh-CN" altLang="en-US" sz="800" dirty="0">
-                <a:solidFill>
-                  <a:schemeClr val="bg1"/>
-                </a:solidFill>
-                <a:latin typeface="微软雅黑" panose="020B0503020204020204" pitchFamily="34" charset="-122"/>
-                <a:ea typeface="微软雅黑" panose="020B0503020204020204" pitchFamily="34" charset="-122"/>
-              </a:rPr>
-              <a:t>客服部是最直接面对终端的部门，故要积极向客服部咨询及调差最新的顾客需求及意见</a:t>
-            </a:r>
-            <a:endParaRPr lang="zh-CN" altLang="en-US" sz="800" dirty="0">
-              <a:solidFill>
-                <a:schemeClr val="bg1"/>
-              </a:solidFill>
-              <a:latin typeface="微软雅黑" panose="020B0503020204020204" pitchFamily="34" charset="-122"/>
-              <a:ea typeface="微软雅黑" panose="020B0503020204020204" pitchFamily="34" charset="-122"/>
-            </a:endParaRPr>
-          </a:p>
-        </p:txBody>
-      </p:sp>
-      <p:pic>
-        <p:nvPicPr>
-          <p:cNvPr id="28" name="Picture 5" descr="C:\Documents and Settings\Administrator\桌面\08.png"/>
-          <p:cNvPicPr>
-            <a:picLocks noGrp="1" noChangeAspect="1" noChangeArrowheads="1"/>
-          </p:cNvPicPr>
-          <p:nvPr>
-            <p:ph idx="4294967295"/>
-          </p:nvPr>
-        </p:nvPicPr>
-        <p:blipFill>
-          <a:blip r:embed="rId1" cstate="print"/>
-          <a:srcRect/>
-          <a:stretch>
-            <a:fillRect/>
-          </a:stretch>
-        </p:blipFill>
-        <p:spPr bwMode="auto">
-          <a:xfrm>
-            <a:off x="0" y="6324600"/>
-            <a:ext cx="12192000" cy="323850"/>
-          </a:xfrm>
-          <a:prstGeom prst="rect">
-            <a:avLst/>
-          </a:prstGeom>
-          <a:noFill/>
-        </p:spPr>
-      </p:pic>
-      <p:sp>
-        <p:nvSpPr>
           <p:cNvPr id="36" name="文本框 13"/>
           <p:cNvSpPr txBox="1"/>
           <p:nvPr/>
@@ -6358,7 +5200,7 @@
         <p:spPr>
           <a:xfrm>
             <a:off x="1261297" y="137443"/>
-            <a:ext cx="3021965" cy="583565"/>
+            <a:ext cx="2209165" cy="583565"/>
           </a:xfrm>
           <a:prstGeom prst="rect">
             <a:avLst/>
@@ -6386,7 +5228,7 @@
                 <a:latin typeface="微软雅黑" panose="020B0503020204020204" pitchFamily="34" charset="-122"/>
                 <a:ea typeface="微软雅黑" panose="020B0503020204020204" pitchFamily="34" charset="-122"/>
               </a:rPr>
-              <a:t>论文工作基础</a:t>
+              <a:t>研究问题</a:t>
             </a:r>
             <a:endParaRPr lang="zh-CN" altLang="en-US" sz="3200" b="1" dirty="0">
               <a:solidFill>
@@ -6433,6 +5275,1786 @@
           </a:fontRef>
         </p:style>
       </p:cxnSp>
+      <p:sp>
+        <p:nvSpPr>
+          <p:cNvPr id="3" name="文本框 2"/>
+          <p:cNvSpPr txBox="1"/>
+          <p:nvPr/>
+        </p:nvSpPr>
+        <p:spPr>
+          <a:xfrm>
+            <a:off x="748030" y="2299335"/>
+            <a:ext cx="5587365" cy="3046095"/>
+          </a:xfrm>
+          <a:prstGeom prst="rect">
+            <a:avLst/>
+          </a:prstGeom>
+          <a:noFill/>
+          <a:ln w="9525">
+            <a:noFill/>
+          </a:ln>
+        </p:spPr>
+        <p:txBody>
+          <a:bodyPr wrap="square">
+            <a:spAutoFit/>
+          </a:bodyPr>
+          <a:p>
+            <a:pPr indent="0"/>
+            <a:r>
+              <a:rPr lang="zh-CN" sz="2400" b="0">
+                <a:latin typeface="Times New Roman" panose="02020603050405020304" pitchFamily="18" charset="0"/>
+                <a:ea typeface="宋体" panose="02010600030101010101" pitchFamily="2" charset="-122"/>
+              </a:rPr>
+              <a:t>近年来，各国已建、在建和将建的</a:t>
+            </a:r>
+            <a:r>
+              <a:rPr lang="zh-CN" sz="2400" b="1">
+                <a:solidFill>
+                  <a:srgbClr val="FFC000"/>
+                </a:solidFill>
+                <a:latin typeface="Times New Roman" panose="02020603050405020304" pitchFamily="18" charset="0"/>
+                <a:ea typeface="宋体" panose="02010600030101010101" pitchFamily="2" charset="-122"/>
+              </a:rPr>
+              <a:t>跨海大桥、海底隧道、海港码头以及沿海地区、除冰盐地区兴建的高速铁路、高速公路、桥梁、工业建筑</a:t>
+            </a:r>
+            <a:r>
+              <a:rPr lang="zh-CN" sz="2400" b="0">
+                <a:latin typeface="Times New Roman" panose="02020603050405020304" pitchFamily="18" charset="0"/>
+                <a:ea typeface="宋体" panose="02010600030101010101" pitchFamily="2" charset="-122"/>
+              </a:rPr>
+              <a:t>等重大工程都广泛采用预应力混凝土结构，这些环境下结构的耐久性面临巨大挑战，如何对结构进行良好的腐蚀防护和监测成为了研究的重点</a:t>
+            </a:r>
+            <a:endParaRPr lang="zh-CN" altLang="en-US" sz="2400"/>
+          </a:p>
+        </p:txBody>
+      </p:sp>
+      <p:sp>
+        <p:nvSpPr>
+          <p:cNvPr id="5" name="文本框 4"/>
+          <p:cNvSpPr txBox="1"/>
+          <p:nvPr/>
+        </p:nvSpPr>
+        <p:spPr>
+          <a:xfrm>
+            <a:off x="6335395" y="2299335"/>
+            <a:ext cx="5587365" cy="3046095"/>
+          </a:xfrm>
+          <a:prstGeom prst="rect">
+            <a:avLst/>
+          </a:prstGeom>
+          <a:noFill/>
+          <a:ln w="9525">
+            <a:noFill/>
+          </a:ln>
+        </p:spPr>
+        <p:txBody>
+          <a:bodyPr wrap="square">
+            <a:spAutoFit/>
+          </a:bodyPr>
+          <a:p>
+            <a:pPr indent="0"/>
+            <a:r>
+              <a:rPr lang="zh-CN" altLang="en-US" sz="2400"/>
+              <a:t>常规锚固体系已经不能满足腐蚀防护和监测的要求，通过研究电隔离防护技术，开展电隔离预应力锚固技术的研究，提升结构抗腐蚀性能并对其健康状况进行长期监测，对确保重大土木工程结构全寿命使用安全，推动混凝土结构理论与技术应用，实现经济社会绿色、可持续发展具有重要意义。</a:t>
+            </a:r>
+            <a:endParaRPr lang="zh-CN" altLang="en-US" sz="2400"/>
+          </a:p>
+        </p:txBody>
+      </p:sp>
+    </p:spTree>
+  </p:cSld>
+  <p:clrMapOvr>
+    <a:masterClrMapping/>
+  </p:clrMapOvr>
+</p:sld>
+</file>
+
+<file path=ppt/slides/slide14.xml><?xml version="1.0" encoding="utf-8"?>
+<p:sld xmlns:a="http://schemas.openxmlformats.org/drawingml/2006/main" xmlns:r="http://schemas.openxmlformats.org/officeDocument/2006/relationships" xmlns:p="http://schemas.openxmlformats.org/presentationml/2006/main">
+  <p:cSld>
+    <p:spTree>
+      <p:nvGrpSpPr>
+        <p:cNvPr id="1" name=""/>
+        <p:cNvGrpSpPr/>
+        <p:nvPr/>
+      </p:nvGrpSpPr>
+      <p:grpSpPr>
+        <a:xfrm>
+          <a:off x="0" y="0"/>
+          <a:ext cx="0" cy="0"/>
+          <a:chOff x="0" y="0"/>
+          <a:chExt cx="0" cy="0"/>
+        </a:xfrm>
+      </p:grpSpPr>
+      <p:sp>
+        <p:nvSpPr>
+          <p:cNvPr id="5" name="矩形 4"/>
+          <p:cNvSpPr/>
+          <p:nvPr/>
+        </p:nvSpPr>
+        <p:spPr>
+          <a:xfrm>
+            <a:off x="-31750" y="-19050"/>
+            <a:ext cx="12242165" cy="6887845"/>
+          </a:xfrm>
+          <a:prstGeom prst="rect">
+            <a:avLst/>
+          </a:prstGeom>
+          <a:solidFill>
+            <a:srgbClr val="00468B"/>
+          </a:solidFill>
+          <a:ln>
+            <a:noFill/>
+          </a:ln>
+        </p:spPr>
+        <p:style>
+          <a:lnRef idx="2">
+            <a:schemeClr val="accent1">
+              <a:shade val="50000"/>
+            </a:schemeClr>
+          </a:lnRef>
+          <a:fillRef idx="1">
+            <a:schemeClr val="accent1"/>
+          </a:fillRef>
+          <a:effectRef idx="0">
+            <a:schemeClr val="accent1"/>
+          </a:effectRef>
+          <a:fontRef idx="minor">
+            <a:schemeClr val="lt1"/>
+          </a:fontRef>
+        </p:style>
+        <p:txBody>
+          <a:bodyPr rtlCol="0" anchor="ctr"/>
+          <a:lstStyle/>
+          <a:p>
+            <a:pPr algn="ctr"/>
+            <a:endParaRPr lang="zh-CN" altLang="en-US"/>
+          </a:p>
+        </p:txBody>
+      </p:sp>
+      <p:cxnSp>
+        <p:nvCxnSpPr>
+          <p:cNvPr id="21" name="直接连接符 20"/>
+          <p:cNvCxnSpPr/>
+          <p:nvPr/>
+        </p:nvCxnSpPr>
+        <p:spPr>
+          <a:xfrm>
+            <a:off x="1180017" y="44098"/>
+            <a:ext cx="0" cy="645160"/>
+          </a:xfrm>
+          <a:prstGeom prst="line">
+            <a:avLst/>
+          </a:prstGeom>
+          <a:ln w="9525">
+            <a:solidFill>
+              <a:schemeClr val="bg1"/>
+            </a:solidFill>
+          </a:ln>
+        </p:spPr>
+        <p:style>
+          <a:lnRef idx="1">
+            <a:schemeClr val="accent1"/>
+          </a:lnRef>
+          <a:fillRef idx="0">
+            <a:schemeClr val="accent1"/>
+          </a:fillRef>
+          <a:effectRef idx="0">
+            <a:schemeClr val="accent1"/>
+          </a:effectRef>
+          <a:fontRef idx="minor">
+            <a:schemeClr val="tx1"/>
+          </a:fontRef>
+        </p:style>
+      </p:cxnSp>
+      <p:sp>
+        <p:nvSpPr>
+          <p:cNvPr id="16" name="文本框 13"/>
+          <p:cNvSpPr txBox="1"/>
+          <p:nvPr/>
+        </p:nvSpPr>
+        <p:spPr>
+          <a:xfrm>
+            <a:off x="1261297" y="137443"/>
+            <a:ext cx="2811780" cy="303530"/>
+          </a:xfrm>
+          <a:prstGeom prst="rect">
+            <a:avLst/>
+          </a:prstGeom>
+          <a:noFill/>
+        </p:spPr>
+        <p:txBody>
+          <a:bodyPr wrap="none" rtlCol="0">
+            <a:spAutoFit/>
+          </a:bodyPr>
+          <a:lstStyle/>
+          <a:p>
+            <a:pPr algn="l"/>
+            <a:r>
+              <a:rPr lang="zh-CN" altLang="en-US" sz="1380" dirty="0">
+                <a:solidFill>
+                  <a:schemeClr val="bg1"/>
+                </a:solidFill>
+                <a:latin typeface="微软雅黑" panose="020B0503020204020204" pitchFamily="34" charset="-122"/>
+                <a:ea typeface="微软雅黑" panose="020B0503020204020204" pitchFamily="34" charset="-122"/>
+              </a:rPr>
+              <a:t>电子科技大学机械与电气工程学院</a:t>
+            </a:r>
+            <a:endParaRPr lang="zh-CN" altLang="en-US" sz="1380" dirty="0">
+              <a:solidFill>
+                <a:schemeClr val="bg1"/>
+              </a:solidFill>
+              <a:latin typeface="微软雅黑" panose="020B0503020204020204" pitchFamily="34" charset="-122"/>
+              <a:ea typeface="微软雅黑" panose="020B0503020204020204" pitchFamily="34" charset="-122"/>
+            </a:endParaRPr>
+          </a:p>
+        </p:txBody>
+      </p:sp>
+      <p:sp>
+        <p:nvSpPr>
+          <p:cNvPr id="17" name="文本框 15"/>
+          <p:cNvSpPr txBox="1"/>
+          <p:nvPr/>
+        </p:nvSpPr>
+        <p:spPr>
+          <a:xfrm>
+            <a:off x="1265107" y="385093"/>
+            <a:ext cx="2880360" cy="232410"/>
+          </a:xfrm>
+          <a:prstGeom prst="rect">
+            <a:avLst/>
+          </a:prstGeom>
+          <a:noFill/>
+        </p:spPr>
+        <p:txBody>
+          <a:bodyPr wrap="square" rtlCol="0">
+            <a:spAutoFit/>
+          </a:bodyPr>
+          <a:lstStyle/>
+          <a:p>
+            <a:r>
+              <a:rPr lang="zh-CN" altLang="en-US" sz="920" dirty="0">
+                <a:solidFill>
+                  <a:schemeClr val="bg1"/>
+                </a:solidFill>
+                <a:latin typeface="微软雅黑" panose="020B0503020204020204" pitchFamily="34" charset="-122"/>
+                <a:ea typeface="微软雅黑" panose="020B0503020204020204" pitchFamily="34" charset="-122"/>
+              </a:rPr>
+              <a:t>School of Mechanical and Electrical Engineering</a:t>
+            </a:r>
+            <a:endParaRPr lang="zh-CN" altLang="en-US" sz="920" dirty="0">
+              <a:solidFill>
+                <a:schemeClr val="bg1"/>
+              </a:solidFill>
+              <a:latin typeface="微软雅黑" panose="020B0503020204020204" pitchFamily="34" charset="-122"/>
+              <a:ea typeface="微软雅黑" panose="020B0503020204020204" pitchFamily="34" charset="-122"/>
+            </a:endParaRPr>
+          </a:p>
+        </p:txBody>
+      </p:sp>
+      <p:cxnSp>
+        <p:nvCxnSpPr>
+          <p:cNvPr id="18" name="直接连接符 17"/>
+          <p:cNvCxnSpPr/>
+          <p:nvPr/>
+        </p:nvCxnSpPr>
+        <p:spPr>
+          <a:xfrm>
+            <a:off x="1180017" y="44098"/>
+            <a:ext cx="0" cy="645160"/>
+          </a:xfrm>
+          <a:prstGeom prst="line">
+            <a:avLst/>
+          </a:prstGeom>
+          <a:ln w="9525">
+            <a:solidFill>
+              <a:schemeClr val="bg1"/>
+            </a:solidFill>
+          </a:ln>
+        </p:spPr>
+        <p:style>
+          <a:lnRef idx="1">
+            <a:schemeClr val="accent1"/>
+          </a:lnRef>
+          <a:fillRef idx="0">
+            <a:schemeClr val="accent1"/>
+          </a:fillRef>
+          <a:effectRef idx="0">
+            <a:schemeClr val="accent1"/>
+          </a:effectRef>
+          <a:fontRef idx="minor">
+            <a:schemeClr val="tx1"/>
+          </a:fontRef>
+        </p:style>
+      </p:cxnSp>
+      <p:pic>
+        <p:nvPicPr>
+          <p:cNvPr id="22" name="图片 21"/>
+          <p:cNvPicPr>
+            <a:picLocks noChangeAspect="1"/>
+          </p:cNvPicPr>
+          <p:nvPr/>
+        </p:nvPicPr>
+        <p:blipFill>
+          <a:blip r:embed="rId1" cstate="print">
+            <a:extLst>
+              <a:ext uri="{28A0092B-C50C-407E-A947-70E740481C1C}">
+                <a14:useLocalDpi xmlns:a14="http://schemas.microsoft.com/office/drawing/2010/main" val="0"/>
+              </a:ext>
+            </a:extLst>
+          </a:blip>
+          <a:stretch>
+            <a:fillRect/>
+          </a:stretch>
+        </p:blipFill>
+        <p:spPr>
+          <a:xfrm>
+            <a:off x="384649" y="26500"/>
+            <a:ext cx="583162" cy="680356"/>
+          </a:xfrm>
+          <a:prstGeom prst="rect">
+            <a:avLst/>
+          </a:prstGeom>
+        </p:spPr>
+      </p:pic>
+      <p:pic>
+        <p:nvPicPr>
+          <p:cNvPr id="23" name="图片 22" descr="03-1"/>
+          <p:cNvPicPr>
+            <a:picLocks noChangeAspect="1"/>
+          </p:cNvPicPr>
+          <p:nvPr/>
+        </p:nvPicPr>
+        <p:blipFill>
+          <a:blip r:embed="rId2" cstate="print"/>
+          <a:stretch>
+            <a:fillRect/>
+          </a:stretch>
+        </p:blipFill>
+        <p:spPr>
+          <a:xfrm>
+            <a:off x="2389505" y="5318125"/>
+            <a:ext cx="7412990" cy="1551305"/>
+          </a:xfrm>
+          <a:prstGeom prst="rect">
+            <a:avLst/>
+          </a:prstGeom>
+        </p:spPr>
+      </p:pic>
+      <p:sp>
+        <p:nvSpPr>
+          <p:cNvPr id="2" name="矩形 1"/>
+          <p:cNvSpPr/>
+          <p:nvPr/>
+        </p:nvSpPr>
+        <p:spPr>
+          <a:xfrm>
+            <a:off x="2672731" y="1452642"/>
+            <a:ext cx="1135380" cy="2399665"/>
+          </a:xfrm>
+          <a:prstGeom prst="rect">
+            <a:avLst/>
+          </a:prstGeom>
+          <a:noFill/>
+        </p:spPr>
+        <p:txBody>
+          <a:bodyPr wrap="none" lIns="91440" tIns="45720" rIns="91440" bIns="45720">
+            <a:spAutoFit/>
+            <a:scene3d>
+              <a:camera prst="orthographicFront"/>
+              <a:lightRig rig="soft" dir="t">
+                <a:rot lat="0" lon="0" rev="15600000"/>
+              </a:lightRig>
+            </a:scene3d>
+            <a:sp3d extrusionH="57150" prstMaterial="softEdge">
+              <a:bevelT w="25400" h="38100"/>
+            </a:sp3d>
+          </a:bodyPr>
+          <a:lstStyle/>
+          <a:p>
+            <a:pPr algn="ctr"/>
+            <a:r>
+              <a:rPr lang="en-US" altLang="zh-CN" sz="15000" b="1" i="1" dirty="0">
+                <a:solidFill>
+                  <a:schemeClr val="accent4"/>
+                </a:solidFill>
+                <a:latin typeface="Times New Roman" panose="02020603050405020304" pitchFamily="18" charset="0"/>
+                <a:cs typeface="Times New Roman" panose="02020603050405020304" pitchFamily="18" charset="0"/>
+              </a:rPr>
+              <a:t>4</a:t>
+            </a:r>
+            <a:endParaRPr lang="en-US" altLang="zh-CN" sz="15000" b="1" i="1" dirty="0">
+              <a:solidFill>
+                <a:schemeClr val="accent4"/>
+              </a:solidFill>
+              <a:latin typeface="Times New Roman" panose="02020603050405020304" pitchFamily="18" charset="0"/>
+              <a:cs typeface="Times New Roman" panose="02020603050405020304" pitchFamily="18" charset="0"/>
+            </a:endParaRPr>
+          </a:p>
+        </p:txBody>
+      </p:sp>
+      <p:sp>
+        <p:nvSpPr>
+          <p:cNvPr id="3" name="文本框 2"/>
+          <p:cNvSpPr txBox="1"/>
+          <p:nvPr/>
+        </p:nvSpPr>
+        <p:spPr>
+          <a:xfrm>
+            <a:off x="4727575" y="2238375"/>
+            <a:ext cx="4615815" cy="829945"/>
+          </a:xfrm>
+          <a:prstGeom prst="rect">
+            <a:avLst/>
+          </a:prstGeom>
+          <a:noFill/>
+        </p:spPr>
+        <p:txBody>
+          <a:bodyPr wrap="square" rtlCol="0">
+            <a:spAutoFit/>
+          </a:bodyPr>
+          <a:p>
+            <a:r>
+              <a:rPr lang="zh-CN" altLang="en-US" sz="4800" b="1">
+                <a:solidFill>
+                  <a:schemeClr val="accent4"/>
+                </a:solidFill>
+                <a:latin typeface="微软雅黑" panose="020B0503020204020204" pitchFamily="34" charset="-122"/>
+                <a:ea typeface="微软雅黑" panose="020B0503020204020204" pitchFamily="34" charset="-122"/>
+              </a:rPr>
+              <a:t>研究内容与方法</a:t>
+            </a:r>
+            <a:endParaRPr lang="zh-CN" altLang="en-US" sz="4800" b="1">
+              <a:solidFill>
+                <a:schemeClr val="accent4"/>
+              </a:solidFill>
+              <a:latin typeface="微软雅黑" panose="020B0503020204020204" pitchFamily="34" charset="-122"/>
+              <a:ea typeface="微软雅黑" panose="020B0503020204020204" pitchFamily="34" charset="-122"/>
+            </a:endParaRPr>
+          </a:p>
+        </p:txBody>
+      </p:sp>
+    </p:spTree>
+  </p:cSld>
+  <p:clrMapOvr>
+    <a:masterClrMapping/>
+  </p:clrMapOvr>
+</p:sld>
+</file>
+
+<file path=ppt/slides/slide15.xml><?xml version="1.0" encoding="utf-8"?>
+<p:sld xmlns:a="http://schemas.openxmlformats.org/drawingml/2006/main" xmlns:r="http://schemas.openxmlformats.org/officeDocument/2006/relationships" xmlns:p="http://schemas.openxmlformats.org/presentationml/2006/main">
+  <p:cSld>
+    <p:spTree>
+      <p:nvGrpSpPr>
+        <p:cNvPr id="1" name=""/>
+        <p:cNvGrpSpPr/>
+        <p:nvPr/>
+      </p:nvGrpSpPr>
+      <p:grpSpPr>
+        <a:xfrm>
+          <a:off x="0" y="0"/>
+          <a:ext cx="0" cy="0"/>
+          <a:chOff x="0" y="0"/>
+          <a:chExt cx="0" cy="0"/>
+        </a:xfrm>
+      </p:grpSpPr>
+      <p:sp>
+        <p:nvSpPr>
+          <p:cNvPr id="9" name="文本框 4"/>
+          <p:cNvSpPr txBox="1"/>
+          <p:nvPr/>
+        </p:nvSpPr>
+        <p:spPr>
+          <a:xfrm>
+            <a:off x="376974" y="898927"/>
+            <a:ext cx="11412504" cy="521970"/>
+          </a:xfrm>
+          <a:prstGeom prst="rect">
+            <a:avLst/>
+          </a:prstGeom>
+          <a:noFill/>
+        </p:spPr>
+        <p:txBody>
+          <a:bodyPr wrap="square" rtlCol="0">
+            <a:spAutoFit/>
+          </a:bodyPr>
+          <a:lstStyle/>
+          <a:p>
+            <a:pPr marL="457200" indent="-457200">
+              <a:buFont typeface="Arial" panose="020B0604020202020204" pitchFamily="34" charset="0"/>
+              <a:buChar char="•"/>
+            </a:pPr>
+            <a:r>
+              <a:rPr lang="zh-CN" altLang="en-US" sz="2800" b="1" dirty="0">
+                <a:solidFill>
+                  <a:srgbClr val="7030A0"/>
+                </a:solidFill>
+                <a:latin typeface="微软雅黑" panose="020B0503020204020204" pitchFamily="34" charset="-122"/>
+                <a:ea typeface="微软雅黑" panose="020B0503020204020204" pitchFamily="34" charset="-122"/>
+              </a:rPr>
+              <a:t>预应力混凝土结构腐蚀机理和电隔离防护原理分析</a:t>
+            </a:r>
+            <a:endParaRPr lang="zh-CN" altLang="en-US" sz="2400" b="1" dirty="0">
+              <a:solidFill>
+                <a:srgbClr val="7030A0"/>
+              </a:solidFill>
+              <a:latin typeface="微软雅黑" panose="020B0503020204020204" pitchFamily="34" charset="-122"/>
+              <a:ea typeface="微软雅黑" panose="020B0503020204020204" pitchFamily="34" charset="-122"/>
+            </a:endParaRPr>
+          </a:p>
+        </p:txBody>
+      </p:sp>
+      <p:sp>
+        <p:nvSpPr>
+          <p:cNvPr id="36" name="文本框 13"/>
+          <p:cNvSpPr txBox="1"/>
+          <p:nvPr/>
+        </p:nvSpPr>
+        <p:spPr>
+          <a:xfrm>
+            <a:off x="1261297" y="137443"/>
+            <a:ext cx="2209165" cy="583565"/>
+          </a:xfrm>
+          <a:prstGeom prst="rect">
+            <a:avLst/>
+          </a:prstGeom>
+          <a:noFill/>
+        </p:spPr>
+        <p:txBody>
+          <a:bodyPr wrap="none" rtlCol="0">
+            <a:spAutoFit/>
+          </a:bodyPr>
+          <a:lstStyle/>
+          <a:p>
+            <a:pPr marL="342900" indent="-342900">
+              <a:spcBef>
+                <a:spcPts val="1200"/>
+              </a:spcBef>
+              <a:buFont typeface="Wingdings" panose="05000000000000000000" pitchFamily="2" charset="2"/>
+              <a:buChar char="u"/>
+            </a:pPr>
+            <a:r>
+              <a:rPr lang="zh-CN" altLang="en-US" sz="3200" b="1" dirty="0">
+                <a:solidFill>
+                  <a:srgbClr val="CC9933"/>
+                </a:solidFill>
+                <a:latin typeface="微软雅黑" panose="020B0503020204020204" pitchFamily="34" charset="-122"/>
+                <a:ea typeface="微软雅黑" panose="020B0503020204020204" pitchFamily="34" charset="-122"/>
+              </a:rPr>
+              <a:t>研究内容</a:t>
+            </a:r>
+            <a:endParaRPr lang="zh-CN" altLang="en-US" sz="3200" b="1" dirty="0">
+              <a:solidFill>
+                <a:srgbClr val="CC9933"/>
+              </a:solidFill>
+              <a:latin typeface="微软雅黑" panose="020B0503020204020204" pitchFamily="34" charset="-122"/>
+              <a:ea typeface="微软雅黑" panose="020B0503020204020204" pitchFamily="34" charset="-122"/>
+            </a:endParaRPr>
+          </a:p>
+        </p:txBody>
+      </p:sp>
+      <p:cxnSp>
+        <p:nvCxnSpPr>
+          <p:cNvPr id="38" name="直接连接符 37"/>
+          <p:cNvCxnSpPr/>
+          <p:nvPr/>
+        </p:nvCxnSpPr>
+        <p:spPr>
+          <a:xfrm>
+            <a:off x="1180017" y="44098"/>
+            <a:ext cx="0" cy="645160"/>
+          </a:xfrm>
+          <a:prstGeom prst="line">
+            <a:avLst/>
+          </a:prstGeom>
+          <a:ln w="9525">
+            <a:solidFill>
+              <a:schemeClr val="tx1"/>
+            </a:solidFill>
+          </a:ln>
+        </p:spPr>
+        <p:style>
+          <a:lnRef idx="1">
+            <a:schemeClr val="accent1"/>
+          </a:lnRef>
+          <a:fillRef idx="0">
+            <a:schemeClr val="accent1"/>
+          </a:fillRef>
+          <a:effectRef idx="0">
+            <a:schemeClr val="accent1"/>
+          </a:effectRef>
+          <a:fontRef idx="minor">
+            <a:schemeClr val="tx1"/>
+          </a:fontRef>
+        </p:style>
+      </p:cxnSp>
+      <p:sp>
+        <p:nvSpPr>
+          <p:cNvPr id="100" name="文本框 99"/>
+          <p:cNvSpPr txBox="1"/>
+          <p:nvPr/>
+        </p:nvSpPr>
+        <p:spPr>
+          <a:xfrm>
+            <a:off x="578485" y="2073275"/>
+            <a:ext cx="11009630" cy="4154170"/>
+          </a:xfrm>
+          <a:prstGeom prst="rect">
+            <a:avLst/>
+          </a:prstGeom>
+          <a:noFill/>
+          <a:ln w="9525">
+            <a:noFill/>
+          </a:ln>
+        </p:spPr>
+        <p:txBody>
+          <a:bodyPr wrap="square">
+            <a:spAutoFit/>
+          </a:bodyPr>
+          <a:p>
+            <a:pPr indent="609600" fontAlgn="auto">
+              <a:extLst>
+                <a:ext uri="{35155182-B16C-46BC-9424-99874614C6A1}">
+                  <wpsdc:indentchars xmlns:wpsdc="http://www.wps.cn/officeDocument/2017/drawingmlCustomData" val="200" checksum="4158780845"/>
+                </a:ext>
+              </a:extLst>
+            </a:pPr>
+            <a:r>
+              <a:rPr lang="zh-CN" sz="2400" b="0">
+                <a:latin typeface="Times New Roman" panose="02020603050405020304" pitchFamily="18" charset="0"/>
+                <a:ea typeface="宋体" panose="02010600030101010101" pitchFamily="2" charset="-122"/>
+              </a:rPr>
+              <a:t>国内外已经有很多关于预应力筋腐蚀原因分析的研究，在对预应力筋进行防护之前需要分析其腐蚀原因和过程。本论文通过查阅国内外相关文献，得到预应力构件遭受周围环境的氯化物、杂散电流的侵蚀机理；提取影响预应力构件腐蚀进展的关键特征参量，为电隔离防护体系的建立提供依据。+电隔离技术作为解决预应力筋腐蚀防护的有效方案，已经被瑞士和意大利等欧洲国家写入相关技术标准中，同时关于电隔离体系应用的工程案例也被记录，但是国内对于电隔离防护技术的研究很少，本论文通过查阅国外电隔离预应力体系相关技术标准和工程案例，对电隔离防护原理进行分析，提炼电隔离体系对预应力筋防护的关键要素；通过对市场上现有的密封防腐产品进行调研，在常规锚具体系的基础上，结合国外现有电隔离体系，确定新型电隔离预应力锚固体系的设计方案并建立电隔离预应力体系等效电路模型，为电隔离监测提供理论依据。</a:t>
+            </a:r>
+            <a:endParaRPr lang="zh-CN" altLang="en-US" sz="2400"/>
+          </a:p>
+        </p:txBody>
+      </p:sp>
+    </p:spTree>
+  </p:cSld>
+  <p:clrMapOvr>
+    <a:masterClrMapping/>
+  </p:clrMapOvr>
+</p:sld>
+</file>
+
+<file path=ppt/slides/slide16.xml><?xml version="1.0" encoding="utf-8"?>
+<p:sld xmlns:a="http://schemas.openxmlformats.org/drawingml/2006/main" xmlns:r="http://schemas.openxmlformats.org/officeDocument/2006/relationships" xmlns:p="http://schemas.openxmlformats.org/presentationml/2006/main">
+  <p:cSld>
+    <p:spTree>
+      <p:nvGrpSpPr>
+        <p:cNvPr id="1" name=""/>
+        <p:cNvGrpSpPr/>
+        <p:nvPr/>
+      </p:nvGrpSpPr>
+      <p:grpSpPr>
+        <a:xfrm>
+          <a:off x="0" y="0"/>
+          <a:ext cx="0" cy="0"/>
+          <a:chOff x="0" y="0"/>
+          <a:chExt cx="0" cy="0"/>
+        </a:xfrm>
+      </p:grpSpPr>
+      <p:sp>
+        <p:nvSpPr>
+          <p:cNvPr id="9" name="文本框 4"/>
+          <p:cNvSpPr txBox="1"/>
+          <p:nvPr/>
+        </p:nvSpPr>
+        <p:spPr>
+          <a:xfrm>
+            <a:off x="376974" y="898927"/>
+            <a:ext cx="11412504" cy="891540"/>
+          </a:xfrm>
+          <a:prstGeom prst="rect">
+            <a:avLst/>
+          </a:prstGeom>
+          <a:noFill/>
+        </p:spPr>
+        <p:txBody>
+          <a:bodyPr wrap="square" rtlCol="0">
+            <a:spAutoFit/>
+          </a:bodyPr>
+          <a:lstStyle/>
+          <a:p>
+            <a:pPr marL="457200" indent="-457200">
+              <a:buFont typeface="Arial" panose="020B0604020202020204" pitchFamily="34" charset="0"/>
+              <a:buChar char="•"/>
+            </a:pPr>
+            <a:r>
+              <a:rPr lang="zh-CN" altLang="en-US" sz="2800" b="1" dirty="0">
+                <a:solidFill>
+                  <a:srgbClr val="7030A0"/>
+                </a:solidFill>
+                <a:latin typeface="微软雅黑" panose="020B0503020204020204" pitchFamily="34" charset="-122"/>
+                <a:ea typeface="微软雅黑" panose="020B0503020204020204" pitchFamily="34" charset="-122"/>
+              </a:rPr>
+              <a:t>研究意义</a:t>
+            </a:r>
+            <a:endParaRPr lang="en-US" altLang="zh-CN" sz="2800" b="1" dirty="0">
+              <a:solidFill>
+                <a:srgbClr val="7030A0"/>
+              </a:solidFill>
+              <a:latin typeface="微软雅黑" panose="020B0503020204020204" pitchFamily="34" charset="-122"/>
+              <a:ea typeface="微软雅黑" panose="020B0503020204020204" pitchFamily="34" charset="-122"/>
+            </a:endParaRPr>
+          </a:p>
+          <a:p>
+            <a:endParaRPr lang="zh-CN" altLang="en-US" sz="2400" b="1" dirty="0">
+              <a:solidFill>
+                <a:srgbClr val="7030A0"/>
+              </a:solidFill>
+              <a:latin typeface="微软雅黑" panose="020B0503020204020204" pitchFamily="34" charset="-122"/>
+              <a:ea typeface="微软雅黑" panose="020B0503020204020204" pitchFamily="34" charset="-122"/>
+            </a:endParaRPr>
+          </a:p>
+        </p:txBody>
+      </p:sp>
+      <p:sp>
+        <p:nvSpPr>
+          <p:cNvPr id="36" name="文本框 13"/>
+          <p:cNvSpPr txBox="1"/>
+          <p:nvPr/>
+        </p:nvSpPr>
+        <p:spPr>
+          <a:xfrm>
+            <a:off x="1261297" y="137443"/>
+            <a:ext cx="3428365" cy="583565"/>
+          </a:xfrm>
+          <a:prstGeom prst="rect">
+            <a:avLst/>
+          </a:prstGeom>
+          <a:noFill/>
+        </p:spPr>
+        <p:txBody>
+          <a:bodyPr wrap="none" rtlCol="0">
+            <a:spAutoFit/>
+          </a:bodyPr>
+          <a:lstStyle/>
+          <a:p>
+            <a:pPr marL="342900" indent="-342900">
+              <a:spcBef>
+                <a:spcPts val="1200"/>
+              </a:spcBef>
+              <a:buFont typeface="Wingdings" panose="05000000000000000000" pitchFamily="2" charset="2"/>
+              <a:buChar char="u"/>
+            </a:pPr>
+            <a:r>
+              <a:rPr lang="zh-CN" altLang="en-US" sz="3200" b="1" dirty="0">
+                <a:solidFill>
+                  <a:srgbClr val="CC9933"/>
+                </a:solidFill>
+                <a:latin typeface="微软雅黑" panose="020B0503020204020204" pitchFamily="34" charset="-122"/>
+                <a:ea typeface="微软雅黑" panose="020B0503020204020204" pitchFamily="34" charset="-122"/>
+              </a:rPr>
+              <a:t>研究内容与方法</a:t>
+            </a:r>
+            <a:endParaRPr lang="zh-CN" altLang="en-US" sz="3200" b="1" dirty="0">
+              <a:solidFill>
+                <a:srgbClr val="CC9933"/>
+              </a:solidFill>
+              <a:latin typeface="微软雅黑" panose="020B0503020204020204" pitchFamily="34" charset="-122"/>
+              <a:ea typeface="微软雅黑" panose="020B0503020204020204" pitchFamily="34" charset="-122"/>
+            </a:endParaRPr>
+          </a:p>
+        </p:txBody>
+      </p:sp>
+      <p:cxnSp>
+        <p:nvCxnSpPr>
+          <p:cNvPr id="38" name="直接连接符 37"/>
+          <p:cNvCxnSpPr/>
+          <p:nvPr/>
+        </p:nvCxnSpPr>
+        <p:spPr>
+          <a:xfrm>
+            <a:off x="1180017" y="44098"/>
+            <a:ext cx="0" cy="645160"/>
+          </a:xfrm>
+          <a:prstGeom prst="line">
+            <a:avLst/>
+          </a:prstGeom>
+          <a:ln w="9525">
+            <a:solidFill>
+              <a:schemeClr val="tx1"/>
+            </a:solidFill>
+          </a:ln>
+        </p:spPr>
+        <p:style>
+          <a:lnRef idx="1">
+            <a:schemeClr val="accent1"/>
+          </a:lnRef>
+          <a:fillRef idx="0">
+            <a:schemeClr val="accent1"/>
+          </a:fillRef>
+          <a:effectRef idx="0">
+            <a:schemeClr val="accent1"/>
+          </a:effectRef>
+          <a:fontRef idx="minor">
+            <a:schemeClr val="tx1"/>
+          </a:fontRef>
+        </p:style>
+      </p:cxnSp>
+      <p:sp>
+        <p:nvSpPr>
+          <p:cNvPr id="3" name="文本框 2"/>
+          <p:cNvSpPr txBox="1"/>
+          <p:nvPr/>
+        </p:nvSpPr>
+        <p:spPr>
+          <a:xfrm>
+            <a:off x="748030" y="2299335"/>
+            <a:ext cx="5587365" cy="3046095"/>
+          </a:xfrm>
+          <a:prstGeom prst="rect">
+            <a:avLst/>
+          </a:prstGeom>
+          <a:noFill/>
+          <a:ln w="9525">
+            <a:noFill/>
+          </a:ln>
+        </p:spPr>
+        <p:txBody>
+          <a:bodyPr wrap="square">
+            <a:spAutoFit/>
+          </a:bodyPr>
+          <a:p>
+            <a:pPr indent="0"/>
+            <a:r>
+              <a:rPr lang="zh-CN" sz="2400" b="0">
+                <a:latin typeface="Times New Roman" panose="02020603050405020304" pitchFamily="18" charset="0"/>
+                <a:ea typeface="宋体" panose="02010600030101010101" pitchFamily="2" charset="-122"/>
+              </a:rPr>
+              <a:t>近年来，各国已建、在建和将建的</a:t>
+            </a:r>
+            <a:r>
+              <a:rPr lang="zh-CN" sz="2400" b="1">
+                <a:solidFill>
+                  <a:srgbClr val="FFC000"/>
+                </a:solidFill>
+                <a:latin typeface="Times New Roman" panose="02020603050405020304" pitchFamily="18" charset="0"/>
+                <a:ea typeface="宋体" panose="02010600030101010101" pitchFamily="2" charset="-122"/>
+              </a:rPr>
+              <a:t>跨海大桥、海底隧道、海港码头以及沿海地区、除冰盐地区兴建的高速铁路、高速公路、桥梁、工业建筑</a:t>
+            </a:r>
+            <a:r>
+              <a:rPr lang="zh-CN" sz="2400" b="0">
+                <a:latin typeface="Times New Roman" panose="02020603050405020304" pitchFamily="18" charset="0"/>
+                <a:ea typeface="宋体" panose="02010600030101010101" pitchFamily="2" charset="-122"/>
+              </a:rPr>
+              <a:t>等重大工程都广泛采用预应力混凝土结构，这些环境下结构的耐久性面临巨大挑战，如何对结构进行良好的腐蚀防护和监测成为了研究的重点</a:t>
+            </a:r>
+            <a:endParaRPr lang="zh-CN" altLang="en-US" sz="2400"/>
+          </a:p>
+        </p:txBody>
+      </p:sp>
+      <p:sp>
+        <p:nvSpPr>
+          <p:cNvPr id="5" name="文本框 4"/>
+          <p:cNvSpPr txBox="1"/>
+          <p:nvPr/>
+        </p:nvSpPr>
+        <p:spPr>
+          <a:xfrm>
+            <a:off x="6335395" y="2299335"/>
+            <a:ext cx="5587365" cy="3046095"/>
+          </a:xfrm>
+          <a:prstGeom prst="rect">
+            <a:avLst/>
+          </a:prstGeom>
+          <a:noFill/>
+          <a:ln w="9525">
+            <a:noFill/>
+          </a:ln>
+        </p:spPr>
+        <p:txBody>
+          <a:bodyPr wrap="square">
+            <a:spAutoFit/>
+          </a:bodyPr>
+          <a:p>
+            <a:pPr indent="0"/>
+            <a:r>
+              <a:rPr lang="zh-CN" altLang="en-US" sz="2400"/>
+              <a:t>常规锚固体系已经不能满足腐蚀防护和监测的要求，通过研究电隔离防护技术，开展电隔离预应力锚固技术的研究，提升结构抗腐蚀性能并对其健康状况进行长期监测，对确保重大土木工程结构全寿命使用安全，推动混凝土结构理论与技术应用，实现经济社会绿色、可持续发展具有重要意义。</a:t>
+            </a:r>
+            <a:endParaRPr lang="zh-CN" altLang="en-US" sz="2400"/>
+          </a:p>
+        </p:txBody>
+      </p:sp>
+    </p:spTree>
+  </p:cSld>
+  <p:clrMapOvr>
+    <a:masterClrMapping/>
+  </p:clrMapOvr>
+</p:sld>
+</file>
+
+<file path=ppt/slides/slide17.xml><?xml version="1.0" encoding="utf-8"?>
+<p:sld xmlns:a="http://schemas.openxmlformats.org/drawingml/2006/main" xmlns:r="http://schemas.openxmlformats.org/officeDocument/2006/relationships" xmlns:p="http://schemas.openxmlformats.org/presentationml/2006/main">
+  <p:cSld>
+    <p:spTree>
+      <p:nvGrpSpPr>
+        <p:cNvPr id="1" name=""/>
+        <p:cNvGrpSpPr/>
+        <p:nvPr/>
+      </p:nvGrpSpPr>
+      <p:grpSpPr>
+        <a:xfrm>
+          <a:off x="0" y="0"/>
+          <a:ext cx="0" cy="0"/>
+          <a:chOff x="0" y="0"/>
+          <a:chExt cx="0" cy="0"/>
+        </a:xfrm>
+      </p:grpSpPr>
+      <p:sp>
+        <p:nvSpPr>
+          <p:cNvPr id="9" name="文本框 4"/>
+          <p:cNvSpPr txBox="1"/>
+          <p:nvPr/>
+        </p:nvSpPr>
+        <p:spPr>
+          <a:xfrm>
+            <a:off x="376974" y="898927"/>
+            <a:ext cx="11412504" cy="891540"/>
+          </a:xfrm>
+          <a:prstGeom prst="rect">
+            <a:avLst/>
+          </a:prstGeom>
+          <a:noFill/>
+        </p:spPr>
+        <p:txBody>
+          <a:bodyPr wrap="square" rtlCol="0">
+            <a:spAutoFit/>
+          </a:bodyPr>
+          <a:lstStyle/>
+          <a:p>
+            <a:pPr marL="457200" indent="-457200">
+              <a:buFont typeface="Arial" panose="020B0604020202020204" pitchFamily="34" charset="0"/>
+              <a:buChar char="•"/>
+            </a:pPr>
+            <a:r>
+              <a:rPr lang="zh-CN" altLang="en-US" sz="2800" b="1" dirty="0">
+                <a:solidFill>
+                  <a:srgbClr val="7030A0"/>
+                </a:solidFill>
+                <a:latin typeface="微软雅黑" panose="020B0503020204020204" pitchFamily="34" charset="-122"/>
+                <a:ea typeface="微软雅黑" panose="020B0503020204020204" pitchFamily="34" charset="-122"/>
+              </a:rPr>
+              <a:t>研究意义</a:t>
+            </a:r>
+            <a:endParaRPr lang="en-US" altLang="zh-CN" sz="2800" b="1" dirty="0">
+              <a:solidFill>
+                <a:srgbClr val="7030A0"/>
+              </a:solidFill>
+              <a:latin typeface="微软雅黑" panose="020B0503020204020204" pitchFamily="34" charset="-122"/>
+              <a:ea typeface="微软雅黑" panose="020B0503020204020204" pitchFamily="34" charset="-122"/>
+            </a:endParaRPr>
+          </a:p>
+          <a:p>
+            <a:endParaRPr lang="zh-CN" altLang="en-US" sz="2400" b="1" dirty="0">
+              <a:solidFill>
+                <a:srgbClr val="7030A0"/>
+              </a:solidFill>
+              <a:latin typeface="微软雅黑" panose="020B0503020204020204" pitchFamily="34" charset="-122"/>
+              <a:ea typeface="微软雅黑" panose="020B0503020204020204" pitchFamily="34" charset="-122"/>
+            </a:endParaRPr>
+          </a:p>
+        </p:txBody>
+      </p:sp>
+      <p:sp>
+        <p:nvSpPr>
+          <p:cNvPr id="36" name="文本框 13"/>
+          <p:cNvSpPr txBox="1"/>
+          <p:nvPr/>
+        </p:nvSpPr>
+        <p:spPr>
+          <a:xfrm>
+            <a:off x="1261297" y="137443"/>
+            <a:ext cx="3428365" cy="583565"/>
+          </a:xfrm>
+          <a:prstGeom prst="rect">
+            <a:avLst/>
+          </a:prstGeom>
+          <a:noFill/>
+        </p:spPr>
+        <p:txBody>
+          <a:bodyPr wrap="none" rtlCol="0">
+            <a:spAutoFit/>
+          </a:bodyPr>
+          <a:lstStyle/>
+          <a:p>
+            <a:pPr marL="342900" indent="-342900">
+              <a:spcBef>
+                <a:spcPts val="1200"/>
+              </a:spcBef>
+              <a:buFont typeface="Wingdings" panose="05000000000000000000" pitchFamily="2" charset="2"/>
+              <a:buChar char="u"/>
+            </a:pPr>
+            <a:r>
+              <a:rPr lang="zh-CN" altLang="en-US" sz="3200" b="1" dirty="0">
+                <a:solidFill>
+                  <a:srgbClr val="CC9933"/>
+                </a:solidFill>
+                <a:latin typeface="微软雅黑" panose="020B0503020204020204" pitchFamily="34" charset="-122"/>
+                <a:ea typeface="微软雅黑" panose="020B0503020204020204" pitchFamily="34" charset="-122"/>
+              </a:rPr>
+              <a:t>研究内容与方法</a:t>
+            </a:r>
+            <a:endParaRPr lang="zh-CN" altLang="en-US" sz="3200" b="1" dirty="0">
+              <a:solidFill>
+                <a:srgbClr val="CC9933"/>
+              </a:solidFill>
+              <a:latin typeface="微软雅黑" panose="020B0503020204020204" pitchFamily="34" charset="-122"/>
+              <a:ea typeface="微软雅黑" panose="020B0503020204020204" pitchFamily="34" charset="-122"/>
+            </a:endParaRPr>
+          </a:p>
+        </p:txBody>
+      </p:sp>
+      <p:cxnSp>
+        <p:nvCxnSpPr>
+          <p:cNvPr id="38" name="直接连接符 37"/>
+          <p:cNvCxnSpPr/>
+          <p:nvPr/>
+        </p:nvCxnSpPr>
+        <p:spPr>
+          <a:xfrm>
+            <a:off x="1180017" y="44098"/>
+            <a:ext cx="0" cy="645160"/>
+          </a:xfrm>
+          <a:prstGeom prst="line">
+            <a:avLst/>
+          </a:prstGeom>
+          <a:ln w="9525">
+            <a:solidFill>
+              <a:schemeClr val="tx1"/>
+            </a:solidFill>
+          </a:ln>
+        </p:spPr>
+        <p:style>
+          <a:lnRef idx="1">
+            <a:schemeClr val="accent1"/>
+          </a:lnRef>
+          <a:fillRef idx="0">
+            <a:schemeClr val="accent1"/>
+          </a:fillRef>
+          <a:effectRef idx="0">
+            <a:schemeClr val="accent1"/>
+          </a:effectRef>
+          <a:fontRef idx="minor">
+            <a:schemeClr val="tx1"/>
+          </a:fontRef>
+        </p:style>
+      </p:cxnSp>
+      <p:sp>
+        <p:nvSpPr>
+          <p:cNvPr id="3" name="文本框 2"/>
+          <p:cNvSpPr txBox="1"/>
+          <p:nvPr/>
+        </p:nvSpPr>
+        <p:spPr>
+          <a:xfrm>
+            <a:off x="748030" y="2299335"/>
+            <a:ext cx="5587365" cy="3046095"/>
+          </a:xfrm>
+          <a:prstGeom prst="rect">
+            <a:avLst/>
+          </a:prstGeom>
+          <a:noFill/>
+          <a:ln w="9525">
+            <a:noFill/>
+          </a:ln>
+        </p:spPr>
+        <p:txBody>
+          <a:bodyPr wrap="square">
+            <a:spAutoFit/>
+          </a:bodyPr>
+          <a:p>
+            <a:pPr indent="0"/>
+            <a:r>
+              <a:rPr lang="zh-CN" sz="2400" b="0">
+                <a:latin typeface="Times New Roman" panose="02020603050405020304" pitchFamily="18" charset="0"/>
+                <a:ea typeface="宋体" panose="02010600030101010101" pitchFamily="2" charset="-122"/>
+              </a:rPr>
+              <a:t>近年来，各国已建、在建和将建的</a:t>
+            </a:r>
+            <a:r>
+              <a:rPr lang="zh-CN" sz="2400" b="1">
+                <a:solidFill>
+                  <a:srgbClr val="FFC000"/>
+                </a:solidFill>
+                <a:latin typeface="Times New Roman" panose="02020603050405020304" pitchFamily="18" charset="0"/>
+                <a:ea typeface="宋体" panose="02010600030101010101" pitchFamily="2" charset="-122"/>
+              </a:rPr>
+              <a:t>跨海大桥、海底隧道、海港码头以及沿海地区、除冰盐地区兴建的高速铁路、高速公路、桥梁、工业建筑</a:t>
+            </a:r>
+            <a:r>
+              <a:rPr lang="zh-CN" sz="2400" b="0">
+                <a:latin typeface="Times New Roman" panose="02020603050405020304" pitchFamily="18" charset="0"/>
+                <a:ea typeface="宋体" panose="02010600030101010101" pitchFamily="2" charset="-122"/>
+              </a:rPr>
+              <a:t>等重大工程都广泛采用预应力混凝土结构，这些环境下结构的耐久性面临巨大挑战，如何对结构进行良好的腐蚀防护和监测成为了研究的重点</a:t>
+            </a:r>
+            <a:endParaRPr lang="zh-CN" altLang="en-US" sz="2400"/>
+          </a:p>
+        </p:txBody>
+      </p:sp>
+      <p:sp>
+        <p:nvSpPr>
+          <p:cNvPr id="5" name="文本框 4"/>
+          <p:cNvSpPr txBox="1"/>
+          <p:nvPr/>
+        </p:nvSpPr>
+        <p:spPr>
+          <a:xfrm>
+            <a:off x="6335395" y="2299335"/>
+            <a:ext cx="5587365" cy="3046095"/>
+          </a:xfrm>
+          <a:prstGeom prst="rect">
+            <a:avLst/>
+          </a:prstGeom>
+          <a:noFill/>
+          <a:ln w="9525">
+            <a:noFill/>
+          </a:ln>
+        </p:spPr>
+        <p:txBody>
+          <a:bodyPr wrap="square">
+            <a:spAutoFit/>
+          </a:bodyPr>
+          <a:p>
+            <a:pPr indent="0"/>
+            <a:r>
+              <a:rPr lang="zh-CN" altLang="en-US" sz="2400"/>
+              <a:t>常规锚固体系已经不能满足腐蚀防护和监测的要求，通过研究电隔离防护技术，开展电隔离预应力锚固技术的研究，提升结构抗腐蚀性能并对其健康状况进行长期监测，对确保重大土木工程结构全寿命使用安全，推动混凝土结构理论与技术应用，实现经济社会绿色、可持续发展具有重要意义。</a:t>
+            </a:r>
+            <a:endParaRPr lang="zh-CN" altLang="en-US" sz="2400"/>
+          </a:p>
+        </p:txBody>
+      </p:sp>
+    </p:spTree>
+  </p:cSld>
+  <p:clrMapOvr>
+    <a:masterClrMapping/>
+  </p:clrMapOvr>
+</p:sld>
+</file>
+
+<file path=ppt/slides/slide18.xml><?xml version="1.0" encoding="utf-8"?>
+<p:sld xmlns:a="http://schemas.openxmlformats.org/drawingml/2006/main" xmlns:r="http://schemas.openxmlformats.org/officeDocument/2006/relationships" xmlns:p="http://schemas.openxmlformats.org/presentationml/2006/main">
+  <p:cSld>
+    <p:spTree>
+      <p:nvGrpSpPr>
+        <p:cNvPr id="1" name=""/>
+        <p:cNvGrpSpPr/>
+        <p:nvPr/>
+      </p:nvGrpSpPr>
+      <p:grpSpPr>
+        <a:xfrm>
+          <a:off x="0" y="0"/>
+          <a:ext cx="0" cy="0"/>
+          <a:chOff x="0" y="0"/>
+          <a:chExt cx="0" cy="0"/>
+        </a:xfrm>
+      </p:grpSpPr>
+      <p:sp>
+        <p:nvSpPr>
+          <p:cNvPr id="5" name="矩形 4"/>
+          <p:cNvSpPr/>
+          <p:nvPr/>
+        </p:nvSpPr>
+        <p:spPr>
+          <a:xfrm>
+            <a:off x="-31750" y="-19050"/>
+            <a:ext cx="12242165" cy="6887845"/>
+          </a:xfrm>
+          <a:prstGeom prst="rect">
+            <a:avLst/>
+          </a:prstGeom>
+          <a:solidFill>
+            <a:srgbClr val="00468B"/>
+          </a:solidFill>
+          <a:ln>
+            <a:noFill/>
+          </a:ln>
+        </p:spPr>
+        <p:style>
+          <a:lnRef idx="2">
+            <a:schemeClr val="accent1">
+              <a:shade val="50000"/>
+            </a:schemeClr>
+          </a:lnRef>
+          <a:fillRef idx="1">
+            <a:schemeClr val="accent1"/>
+          </a:fillRef>
+          <a:effectRef idx="0">
+            <a:schemeClr val="accent1"/>
+          </a:effectRef>
+          <a:fontRef idx="minor">
+            <a:schemeClr val="lt1"/>
+          </a:fontRef>
+        </p:style>
+        <p:txBody>
+          <a:bodyPr rtlCol="0" anchor="ctr"/>
+          <a:lstStyle/>
+          <a:p>
+            <a:pPr algn="ctr"/>
+            <a:endParaRPr lang="zh-CN" altLang="en-US"/>
+          </a:p>
+        </p:txBody>
+      </p:sp>
+      <p:cxnSp>
+        <p:nvCxnSpPr>
+          <p:cNvPr id="21" name="直接连接符 20"/>
+          <p:cNvCxnSpPr/>
+          <p:nvPr/>
+        </p:nvCxnSpPr>
+        <p:spPr>
+          <a:xfrm>
+            <a:off x="1180017" y="44098"/>
+            <a:ext cx="0" cy="645160"/>
+          </a:xfrm>
+          <a:prstGeom prst="line">
+            <a:avLst/>
+          </a:prstGeom>
+          <a:ln w="9525">
+            <a:solidFill>
+              <a:schemeClr val="bg1"/>
+            </a:solidFill>
+          </a:ln>
+        </p:spPr>
+        <p:style>
+          <a:lnRef idx="1">
+            <a:schemeClr val="accent1"/>
+          </a:lnRef>
+          <a:fillRef idx="0">
+            <a:schemeClr val="accent1"/>
+          </a:fillRef>
+          <a:effectRef idx="0">
+            <a:schemeClr val="accent1"/>
+          </a:effectRef>
+          <a:fontRef idx="minor">
+            <a:schemeClr val="tx1"/>
+          </a:fontRef>
+        </p:style>
+      </p:cxnSp>
+      <p:sp>
+        <p:nvSpPr>
+          <p:cNvPr id="16" name="文本框 13"/>
+          <p:cNvSpPr txBox="1"/>
+          <p:nvPr/>
+        </p:nvSpPr>
+        <p:spPr>
+          <a:xfrm>
+            <a:off x="1261297" y="137443"/>
+            <a:ext cx="2811780" cy="303530"/>
+          </a:xfrm>
+          <a:prstGeom prst="rect">
+            <a:avLst/>
+          </a:prstGeom>
+          <a:noFill/>
+        </p:spPr>
+        <p:txBody>
+          <a:bodyPr wrap="none" rtlCol="0">
+            <a:spAutoFit/>
+          </a:bodyPr>
+          <a:lstStyle/>
+          <a:p>
+            <a:pPr algn="l"/>
+            <a:r>
+              <a:rPr lang="zh-CN" altLang="en-US" sz="1380" dirty="0">
+                <a:solidFill>
+                  <a:schemeClr val="bg1"/>
+                </a:solidFill>
+                <a:latin typeface="微软雅黑" panose="020B0503020204020204" pitchFamily="34" charset="-122"/>
+                <a:ea typeface="微软雅黑" panose="020B0503020204020204" pitchFamily="34" charset="-122"/>
+              </a:rPr>
+              <a:t>电子科技大学机械与电气工程学院</a:t>
+            </a:r>
+            <a:endParaRPr lang="zh-CN" altLang="en-US" sz="1380" dirty="0">
+              <a:solidFill>
+                <a:schemeClr val="bg1"/>
+              </a:solidFill>
+              <a:latin typeface="微软雅黑" panose="020B0503020204020204" pitchFamily="34" charset="-122"/>
+              <a:ea typeface="微软雅黑" panose="020B0503020204020204" pitchFamily="34" charset="-122"/>
+            </a:endParaRPr>
+          </a:p>
+        </p:txBody>
+      </p:sp>
+      <p:sp>
+        <p:nvSpPr>
+          <p:cNvPr id="17" name="文本框 15"/>
+          <p:cNvSpPr txBox="1"/>
+          <p:nvPr/>
+        </p:nvSpPr>
+        <p:spPr>
+          <a:xfrm>
+            <a:off x="1265107" y="385093"/>
+            <a:ext cx="2880360" cy="232410"/>
+          </a:xfrm>
+          <a:prstGeom prst="rect">
+            <a:avLst/>
+          </a:prstGeom>
+          <a:noFill/>
+        </p:spPr>
+        <p:txBody>
+          <a:bodyPr wrap="square" rtlCol="0">
+            <a:spAutoFit/>
+          </a:bodyPr>
+          <a:lstStyle/>
+          <a:p>
+            <a:r>
+              <a:rPr lang="zh-CN" altLang="en-US" sz="920" dirty="0">
+                <a:solidFill>
+                  <a:schemeClr val="bg1"/>
+                </a:solidFill>
+                <a:latin typeface="微软雅黑" panose="020B0503020204020204" pitchFamily="34" charset="-122"/>
+                <a:ea typeface="微软雅黑" panose="020B0503020204020204" pitchFamily="34" charset="-122"/>
+              </a:rPr>
+              <a:t>School of Mechanical and Electrical Engineering</a:t>
+            </a:r>
+            <a:endParaRPr lang="zh-CN" altLang="en-US" sz="920" dirty="0">
+              <a:solidFill>
+                <a:schemeClr val="bg1"/>
+              </a:solidFill>
+              <a:latin typeface="微软雅黑" panose="020B0503020204020204" pitchFamily="34" charset="-122"/>
+              <a:ea typeface="微软雅黑" panose="020B0503020204020204" pitchFamily="34" charset="-122"/>
+            </a:endParaRPr>
+          </a:p>
+        </p:txBody>
+      </p:sp>
+      <p:cxnSp>
+        <p:nvCxnSpPr>
+          <p:cNvPr id="18" name="直接连接符 17"/>
+          <p:cNvCxnSpPr/>
+          <p:nvPr/>
+        </p:nvCxnSpPr>
+        <p:spPr>
+          <a:xfrm>
+            <a:off x="1180017" y="44098"/>
+            <a:ext cx="0" cy="645160"/>
+          </a:xfrm>
+          <a:prstGeom prst="line">
+            <a:avLst/>
+          </a:prstGeom>
+          <a:ln w="9525">
+            <a:solidFill>
+              <a:schemeClr val="bg1"/>
+            </a:solidFill>
+          </a:ln>
+        </p:spPr>
+        <p:style>
+          <a:lnRef idx="1">
+            <a:schemeClr val="accent1"/>
+          </a:lnRef>
+          <a:fillRef idx="0">
+            <a:schemeClr val="accent1"/>
+          </a:fillRef>
+          <a:effectRef idx="0">
+            <a:schemeClr val="accent1"/>
+          </a:effectRef>
+          <a:fontRef idx="minor">
+            <a:schemeClr val="tx1"/>
+          </a:fontRef>
+        </p:style>
+      </p:cxnSp>
+      <p:pic>
+        <p:nvPicPr>
+          <p:cNvPr id="22" name="图片 21"/>
+          <p:cNvPicPr>
+            <a:picLocks noChangeAspect="1"/>
+          </p:cNvPicPr>
+          <p:nvPr/>
+        </p:nvPicPr>
+        <p:blipFill>
+          <a:blip r:embed="rId1" cstate="print">
+            <a:extLst>
+              <a:ext uri="{28A0092B-C50C-407E-A947-70E740481C1C}">
+                <a14:useLocalDpi xmlns:a14="http://schemas.microsoft.com/office/drawing/2010/main" val="0"/>
+              </a:ext>
+            </a:extLst>
+          </a:blip>
+          <a:stretch>
+            <a:fillRect/>
+          </a:stretch>
+        </p:blipFill>
+        <p:spPr>
+          <a:xfrm>
+            <a:off x="384649" y="26500"/>
+            <a:ext cx="583162" cy="680356"/>
+          </a:xfrm>
+          <a:prstGeom prst="rect">
+            <a:avLst/>
+          </a:prstGeom>
+        </p:spPr>
+      </p:pic>
+      <p:pic>
+        <p:nvPicPr>
+          <p:cNvPr id="23" name="图片 22" descr="03-1"/>
+          <p:cNvPicPr>
+            <a:picLocks noChangeAspect="1"/>
+          </p:cNvPicPr>
+          <p:nvPr/>
+        </p:nvPicPr>
+        <p:blipFill>
+          <a:blip r:embed="rId2" cstate="print"/>
+          <a:stretch>
+            <a:fillRect/>
+          </a:stretch>
+        </p:blipFill>
+        <p:spPr>
+          <a:xfrm>
+            <a:off x="2389505" y="5318125"/>
+            <a:ext cx="7412990" cy="1551305"/>
+          </a:xfrm>
+          <a:prstGeom prst="rect">
+            <a:avLst/>
+          </a:prstGeom>
+        </p:spPr>
+      </p:pic>
+      <p:sp>
+        <p:nvSpPr>
+          <p:cNvPr id="2" name="矩形 1"/>
+          <p:cNvSpPr/>
+          <p:nvPr/>
+        </p:nvSpPr>
+        <p:spPr>
+          <a:xfrm>
+            <a:off x="2672731" y="1452642"/>
+            <a:ext cx="1135380" cy="2399665"/>
+          </a:xfrm>
+          <a:prstGeom prst="rect">
+            <a:avLst/>
+          </a:prstGeom>
+          <a:noFill/>
+        </p:spPr>
+        <p:txBody>
+          <a:bodyPr wrap="none" lIns="91440" tIns="45720" rIns="91440" bIns="45720">
+            <a:spAutoFit/>
+            <a:scene3d>
+              <a:camera prst="orthographicFront"/>
+              <a:lightRig rig="soft" dir="t">
+                <a:rot lat="0" lon="0" rev="15600000"/>
+              </a:lightRig>
+            </a:scene3d>
+            <a:sp3d extrusionH="57150" prstMaterial="softEdge">
+              <a:bevelT w="25400" h="38100"/>
+            </a:sp3d>
+          </a:bodyPr>
+          <a:lstStyle/>
+          <a:p>
+            <a:pPr algn="ctr"/>
+            <a:r>
+              <a:rPr lang="en-US" altLang="zh-CN" sz="15000" b="1" i="1" dirty="0">
+                <a:solidFill>
+                  <a:schemeClr val="accent4"/>
+                </a:solidFill>
+                <a:latin typeface="Times New Roman" panose="02020603050405020304" pitchFamily="18" charset="0"/>
+                <a:cs typeface="Times New Roman" panose="02020603050405020304" pitchFamily="18" charset="0"/>
+              </a:rPr>
+              <a:t>5</a:t>
+            </a:r>
+            <a:endParaRPr lang="en-US" altLang="zh-CN" sz="15000" b="1" i="1" dirty="0">
+              <a:solidFill>
+                <a:schemeClr val="accent4"/>
+              </a:solidFill>
+              <a:latin typeface="Times New Roman" panose="02020603050405020304" pitchFamily="18" charset="0"/>
+              <a:cs typeface="Times New Roman" panose="02020603050405020304" pitchFamily="18" charset="0"/>
+            </a:endParaRPr>
+          </a:p>
+        </p:txBody>
+      </p:sp>
+      <p:sp>
+        <p:nvSpPr>
+          <p:cNvPr id="3" name="文本框 2"/>
+          <p:cNvSpPr txBox="1"/>
+          <p:nvPr/>
+        </p:nvSpPr>
+        <p:spPr>
+          <a:xfrm>
+            <a:off x="4727575" y="2238375"/>
+            <a:ext cx="3922395" cy="829945"/>
+          </a:xfrm>
+          <a:prstGeom prst="rect">
+            <a:avLst/>
+          </a:prstGeom>
+          <a:noFill/>
+        </p:spPr>
+        <p:txBody>
+          <a:bodyPr wrap="square" rtlCol="0">
+            <a:spAutoFit/>
+          </a:bodyPr>
+          <a:p>
+            <a:r>
+              <a:rPr lang="zh-CN" altLang="en-US" sz="4800" b="1">
+                <a:solidFill>
+                  <a:schemeClr val="accent4"/>
+                </a:solidFill>
+                <a:latin typeface="微软雅黑" panose="020B0503020204020204" pitchFamily="34" charset="-122"/>
+                <a:ea typeface="微软雅黑" panose="020B0503020204020204" pitchFamily="34" charset="-122"/>
+              </a:rPr>
+              <a:t>论文工作基础</a:t>
+            </a:r>
+            <a:endParaRPr lang="zh-CN" altLang="en-US" sz="4800" b="1">
+              <a:solidFill>
+                <a:schemeClr val="accent4"/>
+              </a:solidFill>
+              <a:latin typeface="微软雅黑" panose="020B0503020204020204" pitchFamily="34" charset="-122"/>
+              <a:ea typeface="微软雅黑" panose="020B0503020204020204" pitchFamily="34" charset="-122"/>
+            </a:endParaRPr>
+          </a:p>
+        </p:txBody>
+      </p:sp>
+    </p:spTree>
+  </p:cSld>
+  <p:clrMapOvr>
+    <a:masterClrMapping/>
+  </p:clrMapOvr>
+</p:sld>
+</file>
+
+<file path=ppt/slides/slide19.xml><?xml version="1.0" encoding="utf-8"?>
+<p:sld xmlns:a="http://schemas.openxmlformats.org/drawingml/2006/main" xmlns:r="http://schemas.openxmlformats.org/officeDocument/2006/relationships" xmlns:p="http://schemas.openxmlformats.org/presentationml/2006/main">
+  <p:cSld>
+    <p:spTree>
+      <p:nvGrpSpPr>
+        <p:cNvPr id="1" name=""/>
+        <p:cNvGrpSpPr/>
+        <p:nvPr/>
+      </p:nvGrpSpPr>
+      <p:grpSpPr>
+        <a:xfrm>
+          <a:off x="0" y="0"/>
+          <a:ext cx="0" cy="0"/>
+          <a:chOff x="0" y="0"/>
+          <a:chExt cx="0" cy="0"/>
+        </a:xfrm>
+      </p:grpSpPr>
+      <p:sp>
+        <p:nvSpPr>
+          <p:cNvPr id="9" name="文本框 4"/>
+          <p:cNvSpPr txBox="1"/>
+          <p:nvPr/>
+        </p:nvSpPr>
+        <p:spPr>
+          <a:xfrm>
+            <a:off x="376974" y="898927"/>
+            <a:ext cx="11412504" cy="891540"/>
+          </a:xfrm>
+          <a:prstGeom prst="rect">
+            <a:avLst/>
+          </a:prstGeom>
+          <a:noFill/>
+        </p:spPr>
+        <p:txBody>
+          <a:bodyPr wrap="square" rtlCol="0">
+            <a:spAutoFit/>
+          </a:bodyPr>
+          <a:lstStyle/>
+          <a:p>
+            <a:pPr marL="457200" indent="-457200">
+              <a:buFont typeface="Arial" panose="020B0604020202020204" pitchFamily="34" charset="0"/>
+              <a:buChar char="•"/>
+            </a:pPr>
+            <a:r>
+              <a:rPr lang="zh-CN" altLang="en-US" sz="2800" b="1" dirty="0">
+                <a:solidFill>
+                  <a:srgbClr val="7030A0"/>
+                </a:solidFill>
+                <a:latin typeface="微软雅黑" panose="020B0503020204020204" pitchFamily="34" charset="-122"/>
+                <a:ea typeface="微软雅黑" panose="020B0503020204020204" pitchFamily="34" charset="-122"/>
+              </a:rPr>
+              <a:t>研究意义</a:t>
+            </a:r>
+            <a:endParaRPr lang="en-US" altLang="zh-CN" sz="2800" b="1" dirty="0">
+              <a:solidFill>
+                <a:srgbClr val="7030A0"/>
+              </a:solidFill>
+              <a:latin typeface="微软雅黑" panose="020B0503020204020204" pitchFamily="34" charset="-122"/>
+              <a:ea typeface="微软雅黑" panose="020B0503020204020204" pitchFamily="34" charset="-122"/>
+            </a:endParaRPr>
+          </a:p>
+          <a:p>
+            <a:endParaRPr lang="zh-CN" altLang="en-US" sz="2400" b="1" dirty="0">
+              <a:solidFill>
+                <a:srgbClr val="7030A0"/>
+              </a:solidFill>
+              <a:latin typeface="微软雅黑" panose="020B0503020204020204" pitchFamily="34" charset="-122"/>
+              <a:ea typeface="微软雅黑" panose="020B0503020204020204" pitchFamily="34" charset="-122"/>
+            </a:endParaRPr>
+          </a:p>
+        </p:txBody>
+      </p:sp>
+      <p:sp>
+        <p:nvSpPr>
+          <p:cNvPr id="36" name="文本框 13"/>
+          <p:cNvSpPr txBox="1"/>
+          <p:nvPr/>
+        </p:nvSpPr>
+        <p:spPr>
+          <a:xfrm>
+            <a:off x="1261297" y="137443"/>
+            <a:ext cx="3021965" cy="583565"/>
+          </a:xfrm>
+          <a:prstGeom prst="rect">
+            <a:avLst/>
+          </a:prstGeom>
+          <a:noFill/>
+        </p:spPr>
+        <p:txBody>
+          <a:bodyPr wrap="none" rtlCol="0">
+            <a:spAutoFit/>
+          </a:bodyPr>
+          <a:lstStyle/>
+          <a:p>
+            <a:pPr marL="342900" indent="-342900">
+              <a:spcBef>
+                <a:spcPts val="1200"/>
+              </a:spcBef>
+              <a:buFont typeface="Wingdings" panose="05000000000000000000" pitchFamily="2" charset="2"/>
+              <a:buChar char="u"/>
+            </a:pPr>
+            <a:r>
+              <a:rPr lang="zh-CN" altLang="en-US" sz="3200" b="1" dirty="0">
+                <a:solidFill>
+                  <a:srgbClr val="CC9933"/>
+                </a:solidFill>
+                <a:latin typeface="微软雅黑" panose="020B0503020204020204" pitchFamily="34" charset="-122"/>
+                <a:ea typeface="微软雅黑" panose="020B0503020204020204" pitchFamily="34" charset="-122"/>
+              </a:rPr>
+              <a:t>论文工作基础</a:t>
+            </a:r>
+            <a:endParaRPr lang="zh-CN" altLang="en-US" sz="3200" b="1" dirty="0">
+              <a:solidFill>
+                <a:srgbClr val="CC9933"/>
+              </a:solidFill>
+              <a:latin typeface="微软雅黑" panose="020B0503020204020204" pitchFamily="34" charset="-122"/>
+              <a:ea typeface="微软雅黑" panose="020B0503020204020204" pitchFamily="34" charset="-122"/>
+            </a:endParaRPr>
+          </a:p>
+        </p:txBody>
+      </p:sp>
+      <p:cxnSp>
+        <p:nvCxnSpPr>
+          <p:cNvPr id="38" name="直接连接符 37"/>
+          <p:cNvCxnSpPr/>
+          <p:nvPr/>
+        </p:nvCxnSpPr>
+        <p:spPr>
+          <a:xfrm>
+            <a:off x="1180017" y="44098"/>
+            <a:ext cx="0" cy="645160"/>
+          </a:xfrm>
+          <a:prstGeom prst="line">
+            <a:avLst/>
+          </a:prstGeom>
+          <a:ln w="9525">
+            <a:solidFill>
+              <a:schemeClr val="tx1"/>
+            </a:solidFill>
+          </a:ln>
+        </p:spPr>
+        <p:style>
+          <a:lnRef idx="1">
+            <a:schemeClr val="accent1"/>
+          </a:lnRef>
+          <a:fillRef idx="0">
+            <a:schemeClr val="accent1"/>
+          </a:fillRef>
+          <a:effectRef idx="0">
+            <a:schemeClr val="accent1"/>
+          </a:effectRef>
+          <a:fontRef idx="minor">
+            <a:schemeClr val="tx1"/>
+          </a:fontRef>
+        </p:style>
+      </p:cxnSp>
+      <p:sp>
+        <p:nvSpPr>
+          <p:cNvPr id="3" name="文本框 2"/>
+          <p:cNvSpPr txBox="1"/>
+          <p:nvPr/>
+        </p:nvSpPr>
+        <p:spPr>
+          <a:xfrm>
+            <a:off x="748030" y="2299335"/>
+            <a:ext cx="5587365" cy="3046095"/>
+          </a:xfrm>
+          <a:prstGeom prst="rect">
+            <a:avLst/>
+          </a:prstGeom>
+          <a:noFill/>
+          <a:ln w="9525">
+            <a:noFill/>
+          </a:ln>
+        </p:spPr>
+        <p:txBody>
+          <a:bodyPr wrap="square">
+            <a:spAutoFit/>
+          </a:bodyPr>
+          <a:p>
+            <a:pPr indent="0"/>
+            <a:r>
+              <a:rPr lang="zh-CN" sz="2400" b="0">
+                <a:latin typeface="Times New Roman" panose="02020603050405020304" pitchFamily="18" charset="0"/>
+                <a:ea typeface="宋体" panose="02010600030101010101" pitchFamily="2" charset="-122"/>
+              </a:rPr>
+              <a:t>近年来，各国已建、在建和将建的</a:t>
+            </a:r>
+            <a:r>
+              <a:rPr lang="zh-CN" sz="2400" b="1">
+                <a:solidFill>
+                  <a:srgbClr val="FFC000"/>
+                </a:solidFill>
+                <a:latin typeface="Times New Roman" panose="02020603050405020304" pitchFamily="18" charset="0"/>
+                <a:ea typeface="宋体" panose="02010600030101010101" pitchFamily="2" charset="-122"/>
+              </a:rPr>
+              <a:t>跨海大桥、海底隧道、海港码头以及沿海地区、除冰盐地区兴建的高速铁路、高速公路、桥梁、工业建筑</a:t>
+            </a:r>
+            <a:r>
+              <a:rPr lang="zh-CN" sz="2400" b="0">
+                <a:latin typeface="Times New Roman" panose="02020603050405020304" pitchFamily="18" charset="0"/>
+                <a:ea typeface="宋体" panose="02010600030101010101" pitchFamily="2" charset="-122"/>
+              </a:rPr>
+              <a:t>等重大工程都广泛采用预应力混凝土结构，这些环境下结构的耐久性面临巨大挑战，如何对结构进行良好的腐蚀防护和监测成为了研究的重点</a:t>
+            </a:r>
+            <a:endParaRPr lang="zh-CN" altLang="en-US" sz="2400"/>
+          </a:p>
+        </p:txBody>
+      </p:sp>
+      <p:sp>
+        <p:nvSpPr>
+          <p:cNvPr id="5" name="文本框 4"/>
+          <p:cNvSpPr txBox="1"/>
+          <p:nvPr/>
+        </p:nvSpPr>
+        <p:spPr>
+          <a:xfrm>
+            <a:off x="6335395" y="2299335"/>
+            <a:ext cx="5587365" cy="3046095"/>
+          </a:xfrm>
+          <a:prstGeom prst="rect">
+            <a:avLst/>
+          </a:prstGeom>
+          <a:noFill/>
+          <a:ln w="9525">
+            <a:noFill/>
+          </a:ln>
+        </p:spPr>
+        <p:txBody>
+          <a:bodyPr wrap="square">
+            <a:spAutoFit/>
+          </a:bodyPr>
+          <a:p>
+            <a:pPr indent="0"/>
+            <a:r>
+              <a:rPr lang="zh-CN" altLang="en-US" sz="2400"/>
+              <a:t>常规锚固体系已经不能满足腐蚀防护和监测的要求，通过研究电隔离防护技术，开展电隔离预应力锚固技术的研究，提升结构抗腐蚀性能并对其健康状况进行长期监测，对确保重大土木工程结构全寿命使用安全，推动混凝土结构理论与技术应用，实现经济社会绿色、可持续发展具有重要意义。</a:t>
+            </a:r>
+            <a:endParaRPr lang="zh-CN" altLang="en-US" sz="2400"/>
+          </a:p>
+        </p:txBody>
+      </p:sp>
     </p:spTree>
   </p:cSld>
   <p:clrMapOvr>
@@ -6740,6 +7362,506 @@
 </p:sld>
 </file>
 
+<file path=ppt/slides/slide20.xml><?xml version="1.0" encoding="utf-8"?>
+<p:sld xmlns:a="http://schemas.openxmlformats.org/drawingml/2006/main" xmlns:r="http://schemas.openxmlformats.org/officeDocument/2006/relationships" xmlns:p="http://schemas.openxmlformats.org/presentationml/2006/main">
+  <p:cSld>
+    <p:spTree>
+      <p:nvGrpSpPr>
+        <p:cNvPr id="1" name=""/>
+        <p:cNvGrpSpPr/>
+        <p:nvPr/>
+      </p:nvGrpSpPr>
+      <p:grpSpPr>
+        <a:xfrm>
+          <a:off x="0" y="0"/>
+          <a:ext cx="0" cy="0"/>
+          <a:chOff x="0" y="0"/>
+          <a:chExt cx="0" cy="0"/>
+        </a:xfrm>
+      </p:grpSpPr>
+      <p:sp>
+        <p:nvSpPr>
+          <p:cNvPr id="9" name="文本框 4"/>
+          <p:cNvSpPr txBox="1"/>
+          <p:nvPr/>
+        </p:nvSpPr>
+        <p:spPr>
+          <a:xfrm>
+            <a:off x="376974" y="898927"/>
+            <a:ext cx="11412504" cy="891540"/>
+          </a:xfrm>
+          <a:prstGeom prst="rect">
+            <a:avLst/>
+          </a:prstGeom>
+          <a:noFill/>
+        </p:spPr>
+        <p:txBody>
+          <a:bodyPr wrap="square" rtlCol="0">
+            <a:spAutoFit/>
+          </a:bodyPr>
+          <a:lstStyle/>
+          <a:p>
+            <a:pPr marL="457200" indent="-457200">
+              <a:buFont typeface="Arial" panose="020B0604020202020204" pitchFamily="34" charset="0"/>
+              <a:buChar char="•"/>
+            </a:pPr>
+            <a:r>
+              <a:rPr lang="zh-CN" altLang="en-US" sz="2800" b="1" dirty="0">
+                <a:solidFill>
+                  <a:srgbClr val="7030A0"/>
+                </a:solidFill>
+                <a:latin typeface="微软雅黑" panose="020B0503020204020204" pitchFamily="34" charset="-122"/>
+                <a:ea typeface="微软雅黑" panose="020B0503020204020204" pitchFamily="34" charset="-122"/>
+              </a:rPr>
+              <a:t>研究意义</a:t>
+            </a:r>
+            <a:endParaRPr lang="en-US" altLang="zh-CN" sz="2800" b="1" dirty="0">
+              <a:solidFill>
+                <a:srgbClr val="7030A0"/>
+              </a:solidFill>
+              <a:latin typeface="微软雅黑" panose="020B0503020204020204" pitchFamily="34" charset="-122"/>
+              <a:ea typeface="微软雅黑" panose="020B0503020204020204" pitchFamily="34" charset="-122"/>
+            </a:endParaRPr>
+          </a:p>
+          <a:p>
+            <a:endParaRPr lang="zh-CN" altLang="en-US" sz="2400" b="1" dirty="0">
+              <a:solidFill>
+                <a:srgbClr val="7030A0"/>
+              </a:solidFill>
+              <a:latin typeface="微软雅黑" panose="020B0503020204020204" pitchFamily="34" charset="-122"/>
+              <a:ea typeface="微软雅黑" panose="020B0503020204020204" pitchFamily="34" charset="-122"/>
+            </a:endParaRPr>
+          </a:p>
+        </p:txBody>
+      </p:sp>
+      <p:sp>
+        <p:nvSpPr>
+          <p:cNvPr id="36" name="文本框 13"/>
+          <p:cNvSpPr txBox="1"/>
+          <p:nvPr/>
+        </p:nvSpPr>
+        <p:spPr>
+          <a:xfrm>
+            <a:off x="1261297" y="137443"/>
+            <a:ext cx="3021965" cy="583565"/>
+          </a:xfrm>
+          <a:prstGeom prst="rect">
+            <a:avLst/>
+          </a:prstGeom>
+          <a:noFill/>
+        </p:spPr>
+        <p:txBody>
+          <a:bodyPr wrap="none" rtlCol="0">
+            <a:spAutoFit/>
+          </a:bodyPr>
+          <a:lstStyle/>
+          <a:p>
+            <a:pPr marL="342900" indent="-342900">
+              <a:spcBef>
+                <a:spcPts val="1200"/>
+              </a:spcBef>
+              <a:buFont typeface="Wingdings" panose="05000000000000000000" pitchFamily="2" charset="2"/>
+              <a:buChar char="u"/>
+            </a:pPr>
+            <a:r>
+              <a:rPr lang="zh-CN" altLang="en-US" sz="3200" b="1" dirty="0">
+                <a:solidFill>
+                  <a:srgbClr val="CC9933"/>
+                </a:solidFill>
+                <a:latin typeface="微软雅黑" panose="020B0503020204020204" pitchFamily="34" charset="-122"/>
+                <a:ea typeface="微软雅黑" panose="020B0503020204020204" pitchFamily="34" charset="-122"/>
+              </a:rPr>
+              <a:t>论文工作基础</a:t>
+            </a:r>
+            <a:endParaRPr lang="zh-CN" altLang="en-US" sz="3200" b="1" dirty="0">
+              <a:solidFill>
+                <a:srgbClr val="CC9933"/>
+              </a:solidFill>
+              <a:latin typeface="微软雅黑" panose="020B0503020204020204" pitchFamily="34" charset="-122"/>
+              <a:ea typeface="微软雅黑" panose="020B0503020204020204" pitchFamily="34" charset="-122"/>
+            </a:endParaRPr>
+          </a:p>
+        </p:txBody>
+      </p:sp>
+      <p:cxnSp>
+        <p:nvCxnSpPr>
+          <p:cNvPr id="38" name="直接连接符 37"/>
+          <p:cNvCxnSpPr/>
+          <p:nvPr/>
+        </p:nvCxnSpPr>
+        <p:spPr>
+          <a:xfrm>
+            <a:off x="1180017" y="44098"/>
+            <a:ext cx="0" cy="645160"/>
+          </a:xfrm>
+          <a:prstGeom prst="line">
+            <a:avLst/>
+          </a:prstGeom>
+          <a:ln w="9525">
+            <a:solidFill>
+              <a:schemeClr val="tx1"/>
+            </a:solidFill>
+          </a:ln>
+        </p:spPr>
+        <p:style>
+          <a:lnRef idx="1">
+            <a:schemeClr val="accent1"/>
+          </a:lnRef>
+          <a:fillRef idx="0">
+            <a:schemeClr val="accent1"/>
+          </a:fillRef>
+          <a:effectRef idx="0">
+            <a:schemeClr val="accent1"/>
+          </a:effectRef>
+          <a:fontRef idx="minor">
+            <a:schemeClr val="tx1"/>
+          </a:fontRef>
+        </p:style>
+      </p:cxnSp>
+      <p:sp>
+        <p:nvSpPr>
+          <p:cNvPr id="3" name="文本框 2"/>
+          <p:cNvSpPr txBox="1"/>
+          <p:nvPr/>
+        </p:nvSpPr>
+        <p:spPr>
+          <a:xfrm>
+            <a:off x="748030" y="2299335"/>
+            <a:ext cx="5587365" cy="3046095"/>
+          </a:xfrm>
+          <a:prstGeom prst="rect">
+            <a:avLst/>
+          </a:prstGeom>
+          <a:noFill/>
+          <a:ln w="9525">
+            <a:noFill/>
+          </a:ln>
+        </p:spPr>
+        <p:txBody>
+          <a:bodyPr wrap="square">
+            <a:spAutoFit/>
+          </a:bodyPr>
+          <a:p>
+            <a:pPr indent="0"/>
+            <a:r>
+              <a:rPr lang="zh-CN" sz="2400" b="0">
+                <a:latin typeface="Times New Roman" panose="02020603050405020304" pitchFamily="18" charset="0"/>
+                <a:ea typeface="宋体" panose="02010600030101010101" pitchFamily="2" charset="-122"/>
+              </a:rPr>
+              <a:t>近年来，各国已建、在建和将建的</a:t>
+            </a:r>
+            <a:r>
+              <a:rPr lang="zh-CN" sz="2400" b="1">
+                <a:solidFill>
+                  <a:srgbClr val="FFC000"/>
+                </a:solidFill>
+                <a:latin typeface="Times New Roman" panose="02020603050405020304" pitchFamily="18" charset="0"/>
+                <a:ea typeface="宋体" panose="02010600030101010101" pitchFamily="2" charset="-122"/>
+              </a:rPr>
+              <a:t>跨海大桥、海底隧道、海港码头以及沿海地区、除冰盐地区兴建的高速铁路、高速公路、桥梁、工业建筑</a:t>
+            </a:r>
+            <a:r>
+              <a:rPr lang="zh-CN" sz="2400" b="0">
+                <a:latin typeface="Times New Roman" panose="02020603050405020304" pitchFamily="18" charset="0"/>
+                <a:ea typeface="宋体" panose="02010600030101010101" pitchFamily="2" charset="-122"/>
+              </a:rPr>
+              <a:t>等重大工程都广泛采用预应力混凝土结构，这些环境下结构的耐久性面临巨大挑战，如何对结构进行良好的腐蚀防护和监测成为了研究的重点</a:t>
+            </a:r>
+            <a:endParaRPr lang="zh-CN" altLang="en-US" sz="2400"/>
+          </a:p>
+        </p:txBody>
+      </p:sp>
+      <p:sp>
+        <p:nvSpPr>
+          <p:cNvPr id="5" name="文本框 4"/>
+          <p:cNvSpPr txBox="1"/>
+          <p:nvPr/>
+        </p:nvSpPr>
+        <p:spPr>
+          <a:xfrm>
+            <a:off x="6335395" y="2299335"/>
+            <a:ext cx="5587365" cy="3046095"/>
+          </a:xfrm>
+          <a:prstGeom prst="rect">
+            <a:avLst/>
+          </a:prstGeom>
+          <a:noFill/>
+          <a:ln w="9525">
+            <a:noFill/>
+          </a:ln>
+        </p:spPr>
+        <p:txBody>
+          <a:bodyPr wrap="square">
+            <a:spAutoFit/>
+          </a:bodyPr>
+          <a:p>
+            <a:pPr indent="0"/>
+            <a:r>
+              <a:rPr lang="zh-CN" altLang="en-US" sz="2400"/>
+              <a:t>常规锚固体系已经不能满足腐蚀防护和监测的要求，通过研究电隔离防护技术，开展电隔离预应力锚固技术的研究，提升结构抗腐蚀性能并对其健康状况进行长期监测，对确保重大土木工程结构全寿命使用安全，推动混凝土结构理论与技术应用，实现经济社会绿色、可持续发展具有重要意义。</a:t>
+            </a:r>
+            <a:endParaRPr lang="zh-CN" altLang="en-US" sz="2400"/>
+          </a:p>
+        </p:txBody>
+      </p:sp>
+    </p:spTree>
+  </p:cSld>
+  <p:clrMapOvr>
+    <a:masterClrMapping/>
+  </p:clrMapOvr>
+</p:sld>
+</file>
+
+<file path=ppt/slides/slide21.xml><?xml version="1.0" encoding="utf-8"?>
+<p:sld xmlns:a="http://schemas.openxmlformats.org/drawingml/2006/main" xmlns:r="http://schemas.openxmlformats.org/officeDocument/2006/relationships" xmlns:p="http://schemas.openxmlformats.org/presentationml/2006/main">
+  <p:cSld>
+    <p:spTree>
+      <p:nvGrpSpPr>
+        <p:cNvPr id="1" name=""/>
+        <p:cNvGrpSpPr/>
+        <p:nvPr/>
+      </p:nvGrpSpPr>
+      <p:grpSpPr>
+        <a:xfrm>
+          <a:off x="0" y="0"/>
+          <a:ext cx="0" cy="0"/>
+          <a:chOff x="0" y="0"/>
+          <a:chExt cx="0" cy="0"/>
+        </a:xfrm>
+      </p:grpSpPr>
+      <p:sp>
+        <p:nvSpPr>
+          <p:cNvPr id="9" name="文本框 4"/>
+          <p:cNvSpPr txBox="1"/>
+          <p:nvPr/>
+        </p:nvSpPr>
+        <p:spPr>
+          <a:xfrm>
+            <a:off x="376974" y="898927"/>
+            <a:ext cx="11412504" cy="891540"/>
+          </a:xfrm>
+          <a:prstGeom prst="rect">
+            <a:avLst/>
+          </a:prstGeom>
+          <a:noFill/>
+        </p:spPr>
+        <p:txBody>
+          <a:bodyPr wrap="square" rtlCol="0">
+            <a:spAutoFit/>
+          </a:bodyPr>
+          <a:lstStyle/>
+          <a:p>
+            <a:pPr marL="457200" indent="-457200">
+              <a:buFont typeface="Arial" panose="020B0604020202020204" pitchFamily="34" charset="0"/>
+              <a:buChar char="•"/>
+            </a:pPr>
+            <a:r>
+              <a:rPr lang="zh-CN" altLang="en-US" sz="2800" b="1" dirty="0">
+                <a:solidFill>
+                  <a:srgbClr val="7030A0"/>
+                </a:solidFill>
+                <a:latin typeface="微软雅黑" panose="020B0503020204020204" pitchFamily="34" charset="-122"/>
+                <a:ea typeface="微软雅黑" panose="020B0503020204020204" pitchFamily="34" charset="-122"/>
+              </a:rPr>
+              <a:t>研究意义</a:t>
+            </a:r>
+            <a:endParaRPr lang="en-US" altLang="zh-CN" sz="2800" b="1" dirty="0">
+              <a:solidFill>
+                <a:srgbClr val="7030A0"/>
+              </a:solidFill>
+              <a:latin typeface="微软雅黑" panose="020B0503020204020204" pitchFamily="34" charset="-122"/>
+              <a:ea typeface="微软雅黑" panose="020B0503020204020204" pitchFamily="34" charset="-122"/>
+            </a:endParaRPr>
+          </a:p>
+          <a:p>
+            <a:endParaRPr lang="zh-CN" altLang="en-US" sz="2400" b="1" dirty="0">
+              <a:solidFill>
+                <a:srgbClr val="7030A0"/>
+              </a:solidFill>
+              <a:latin typeface="微软雅黑" panose="020B0503020204020204" pitchFamily="34" charset="-122"/>
+              <a:ea typeface="微软雅黑" panose="020B0503020204020204" pitchFamily="34" charset="-122"/>
+            </a:endParaRPr>
+          </a:p>
+        </p:txBody>
+      </p:sp>
+      <p:sp>
+        <p:nvSpPr>
+          <p:cNvPr id="36" name="文本框 13"/>
+          <p:cNvSpPr txBox="1"/>
+          <p:nvPr/>
+        </p:nvSpPr>
+        <p:spPr>
+          <a:xfrm>
+            <a:off x="1261297" y="137443"/>
+            <a:ext cx="3021965" cy="583565"/>
+          </a:xfrm>
+          <a:prstGeom prst="rect">
+            <a:avLst/>
+          </a:prstGeom>
+          <a:noFill/>
+        </p:spPr>
+        <p:txBody>
+          <a:bodyPr wrap="none" rtlCol="0">
+            <a:spAutoFit/>
+          </a:bodyPr>
+          <a:lstStyle/>
+          <a:p>
+            <a:pPr marL="342900" indent="-342900">
+              <a:spcBef>
+                <a:spcPts val="1200"/>
+              </a:spcBef>
+              <a:buFont typeface="Wingdings" panose="05000000000000000000" pitchFamily="2" charset="2"/>
+              <a:buChar char="u"/>
+            </a:pPr>
+            <a:r>
+              <a:rPr lang="zh-CN" altLang="en-US" sz="3200" b="1" dirty="0">
+                <a:solidFill>
+                  <a:srgbClr val="CC9933"/>
+                </a:solidFill>
+                <a:latin typeface="微软雅黑" panose="020B0503020204020204" pitchFamily="34" charset="-122"/>
+                <a:ea typeface="微软雅黑" panose="020B0503020204020204" pitchFamily="34" charset="-122"/>
+              </a:rPr>
+              <a:t>论文工作基础</a:t>
+            </a:r>
+            <a:endParaRPr lang="zh-CN" altLang="en-US" sz="3200" b="1" dirty="0">
+              <a:solidFill>
+                <a:srgbClr val="CC9933"/>
+              </a:solidFill>
+              <a:latin typeface="微软雅黑" panose="020B0503020204020204" pitchFamily="34" charset="-122"/>
+              <a:ea typeface="微软雅黑" panose="020B0503020204020204" pitchFamily="34" charset="-122"/>
+            </a:endParaRPr>
+          </a:p>
+        </p:txBody>
+      </p:sp>
+      <p:cxnSp>
+        <p:nvCxnSpPr>
+          <p:cNvPr id="38" name="直接连接符 37"/>
+          <p:cNvCxnSpPr/>
+          <p:nvPr/>
+        </p:nvCxnSpPr>
+        <p:spPr>
+          <a:xfrm>
+            <a:off x="1180017" y="44098"/>
+            <a:ext cx="0" cy="645160"/>
+          </a:xfrm>
+          <a:prstGeom prst="line">
+            <a:avLst/>
+          </a:prstGeom>
+          <a:ln w="9525">
+            <a:solidFill>
+              <a:schemeClr val="tx1"/>
+            </a:solidFill>
+          </a:ln>
+        </p:spPr>
+        <p:style>
+          <a:lnRef idx="1">
+            <a:schemeClr val="accent1"/>
+          </a:lnRef>
+          <a:fillRef idx="0">
+            <a:schemeClr val="accent1"/>
+          </a:fillRef>
+          <a:effectRef idx="0">
+            <a:schemeClr val="accent1"/>
+          </a:effectRef>
+          <a:fontRef idx="minor">
+            <a:schemeClr val="tx1"/>
+          </a:fontRef>
+        </p:style>
+      </p:cxnSp>
+      <p:sp>
+        <p:nvSpPr>
+          <p:cNvPr id="3" name="文本框 2"/>
+          <p:cNvSpPr txBox="1"/>
+          <p:nvPr/>
+        </p:nvSpPr>
+        <p:spPr>
+          <a:xfrm>
+            <a:off x="748030" y="2299335"/>
+            <a:ext cx="5587365" cy="3046095"/>
+          </a:xfrm>
+          <a:prstGeom prst="rect">
+            <a:avLst/>
+          </a:prstGeom>
+          <a:noFill/>
+          <a:ln w="9525">
+            <a:noFill/>
+          </a:ln>
+        </p:spPr>
+        <p:txBody>
+          <a:bodyPr wrap="square">
+            <a:spAutoFit/>
+          </a:bodyPr>
+          <a:p>
+            <a:pPr indent="0"/>
+            <a:r>
+              <a:rPr lang="zh-CN" sz="2400" b="0">
+                <a:latin typeface="Times New Roman" panose="02020603050405020304" pitchFamily="18" charset="0"/>
+                <a:ea typeface="宋体" panose="02010600030101010101" pitchFamily="2" charset="-122"/>
+              </a:rPr>
+              <a:t>近年来，各国已建、在建和将建的</a:t>
+            </a:r>
+            <a:r>
+              <a:rPr lang="zh-CN" sz="2400" b="1">
+                <a:solidFill>
+                  <a:srgbClr val="FFC000"/>
+                </a:solidFill>
+                <a:latin typeface="Times New Roman" panose="02020603050405020304" pitchFamily="18" charset="0"/>
+                <a:ea typeface="宋体" panose="02010600030101010101" pitchFamily="2" charset="-122"/>
+              </a:rPr>
+              <a:t>跨海大桥、海底隧道、海港码头以及沿海地区、除冰盐地区兴建的高速铁路、高速公路、桥梁、工业建筑</a:t>
+            </a:r>
+            <a:r>
+              <a:rPr lang="zh-CN" sz="2400" b="0">
+                <a:latin typeface="Times New Roman" panose="02020603050405020304" pitchFamily="18" charset="0"/>
+                <a:ea typeface="宋体" panose="02010600030101010101" pitchFamily="2" charset="-122"/>
+              </a:rPr>
+              <a:t>等重大工程都广泛采用预应力混凝土结构，这些环境下结构的耐久性面临巨大挑战，如何对结构进行良好的腐蚀防护和监测成为了研究的重点</a:t>
+            </a:r>
+            <a:endParaRPr lang="zh-CN" altLang="en-US" sz="2400"/>
+          </a:p>
+        </p:txBody>
+      </p:sp>
+      <p:sp>
+        <p:nvSpPr>
+          <p:cNvPr id="5" name="文本框 4"/>
+          <p:cNvSpPr txBox="1"/>
+          <p:nvPr/>
+        </p:nvSpPr>
+        <p:spPr>
+          <a:xfrm>
+            <a:off x="6335395" y="2299335"/>
+            <a:ext cx="5587365" cy="3046095"/>
+          </a:xfrm>
+          <a:prstGeom prst="rect">
+            <a:avLst/>
+          </a:prstGeom>
+          <a:noFill/>
+          <a:ln w="9525">
+            <a:noFill/>
+          </a:ln>
+        </p:spPr>
+        <p:txBody>
+          <a:bodyPr wrap="square">
+            <a:spAutoFit/>
+          </a:bodyPr>
+          <a:p>
+            <a:pPr indent="0"/>
+            <a:r>
+              <a:rPr lang="zh-CN" altLang="en-US" sz="2400"/>
+              <a:t>常规锚固体系已经不能满足腐蚀防护和监测的要求，通过研究电隔离防护技术，开展电隔离预应力锚固技术的研究，提升结构抗腐蚀性能并对其健康状况进行长期监测，对确保重大土木工程结构全寿命使用安全，推动混凝土结构理论与技术应用，实现经济社会绿色、可持续发展具有重要意义。</a:t>
+            </a:r>
+            <a:endParaRPr lang="zh-CN" altLang="en-US" sz="2400"/>
+          </a:p>
+        </p:txBody>
+      </p:sp>
+    </p:spTree>
+  </p:cSld>
+  <p:clrMapOvr>
+    <a:masterClrMapping/>
+  </p:clrMapOvr>
+</p:sld>
+</file>
+
 <file path=ppt/slides/slide3.xml><?xml version="1.0" encoding="utf-8"?>
 <p:sld xmlns:a="http://schemas.openxmlformats.org/drawingml/2006/main" xmlns:r="http://schemas.openxmlformats.org/officeDocument/2006/relationships" xmlns:p="http://schemas.openxmlformats.org/presentationml/2006/main">
   <p:cSld>
@@ -7157,14 +8279,14 @@
               <a:buChar char="•"/>
             </a:pPr>
             <a:r>
-              <a:rPr lang="zh-CN" altLang="en-US" sz="2800" b="1" dirty="0">
+              <a:rPr lang="zh-CN" altLang="zh-CN" sz="2800" b="1" dirty="0">
                 <a:solidFill>
                   <a:srgbClr val="7030A0"/>
                 </a:solidFill>
                 <a:latin typeface="微软雅黑" panose="020B0503020204020204" pitchFamily="34" charset="-122"/>
                 <a:ea typeface="微软雅黑" panose="020B0503020204020204" pitchFamily="34" charset="-122"/>
               </a:rPr>
-              <a:t>科学研究</a:t>
+              <a:t>选题依据</a:t>
             </a:r>
             <a:endParaRPr lang="en-US" altLang="zh-CN" sz="2800" b="1" dirty="0">
               <a:solidFill>
@@ -7185,226 +8307,6 @@
           </a:p>
         </p:txBody>
       </p:sp>
-      <p:sp>
-        <p:nvSpPr>
-          <p:cNvPr id="14" name="文本框 11"/>
-          <p:cNvSpPr txBox="1"/>
-          <p:nvPr/>
-        </p:nvSpPr>
-        <p:spPr>
-          <a:xfrm>
-            <a:off x="6517640" y="4549140"/>
-            <a:ext cx="1242060" cy="337185"/>
-          </a:xfrm>
-          <a:prstGeom prst="rect">
-            <a:avLst/>
-          </a:prstGeom>
-          <a:noFill/>
-        </p:spPr>
-        <p:txBody>
-          <a:bodyPr wrap="square" rtlCol="0">
-            <a:spAutoFit/>
-          </a:bodyPr>
-          <a:lstStyle/>
-          <a:p>
-            <a:pPr algn="dist"/>
-            <a:r>
-              <a:rPr lang="zh-CN" altLang="en-US" sz="1600" b="1">
-                <a:solidFill>
-                  <a:schemeClr val="bg1"/>
-                </a:solidFill>
-                <a:latin typeface="微软雅黑" panose="020B0503020204020204" pitchFamily="34" charset="-122"/>
-                <a:ea typeface="微软雅黑" panose="020B0503020204020204" pitchFamily="34" charset="-122"/>
-              </a:rPr>
-              <a:t>请输入标题</a:t>
-            </a:r>
-            <a:endParaRPr lang="zh-CN" altLang="en-US" sz="1600" b="1">
-              <a:solidFill>
-                <a:schemeClr val="bg1"/>
-              </a:solidFill>
-              <a:latin typeface="微软雅黑" panose="020B0503020204020204" pitchFamily="34" charset="-122"/>
-              <a:ea typeface="微软雅黑" panose="020B0503020204020204" pitchFamily="34" charset="-122"/>
-            </a:endParaRPr>
-          </a:p>
-        </p:txBody>
-      </p:sp>
-      <p:sp>
-        <p:nvSpPr>
-          <p:cNvPr id="15" name="文本框 12"/>
-          <p:cNvSpPr txBox="1"/>
-          <p:nvPr/>
-        </p:nvSpPr>
-        <p:spPr>
-          <a:xfrm>
-            <a:off x="6517640" y="4874895"/>
-            <a:ext cx="1877060" cy="720725"/>
-          </a:xfrm>
-          <a:prstGeom prst="rect">
-            <a:avLst/>
-          </a:prstGeom>
-          <a:noFill/>
-        </p:spPr>
-        <p:txBody>
-          <a:bodyPr wrap="square" lIns="90170" tIns="46990" rIns="90170" bIns="46990" rtlCol="0">
-            <a:spAutoFit/>
-          </a:bodyPr>
-          <a:lstStyle/>
-          <a:p>
-            <a:pPr lvl="0" algn="just">
-              <a:lnSpc>
-                <a:spcPct val="170000"/>
-              </a:lnSpc>
-              <a:spcBef>
-                <a:spcPts val="0"/>
-              </a:spcBef>
-              <a:spcAft>
-                <a:spcPts val="0"/>
-              </a:spcAft>
-            </a:pPr>
-            <a:r>
-              <a:rPr lang="zh-CN" altLang="en-US" sz="800">
-                <a:solidFill>
-                  <a:schemeClr val="bg1"/>
-                </a:solidFill>
-                <a:latin typeface="微软雅黑" panose="020B0503020204020204" pitchFamily="34" charset="-122"/>
-                <a:ea typeface="微软雅黑" panose="020B0503020204020204" pitchFamily="34" charset="-122"/>
-              </a:rPr>
-              <a:t>客服部是最直接面对终端的部门，故要积极向客服部咨询及调差最新的顾客需求及意见</a:t>
-            </a:r>
-            <a:endParaRPr lang="zh-CN" altLang="en-US" sz="800">
-              <a:solidFill>
-                <a:schemeClr val="bg1"/>
-              </a:solidFill>
-              <a:latin typeface="微软雅黑" panose="020B0503020204020204" pitchFamily="34" charset="-122"/>
-              <a:ea typeface="微软雅黑" panose="020B0503020204020204" pitchFamily="34" charset="-122"/>
-            </a:endParaRPr>
-          </a:p>
-        </p:txBody>
-      </p:sp>
-      <p:sp>
-        <p:nvSpPr>
-          <p:cNvPr id="16" name="文本框 13"/>
-          <p:cNvSpPr txBox="1"/>
-          <p:nvPr/>
-        </p:nvSpPr>
-        <p:spPr>
-          <a:xfrm>
-            <a:off x="3691890" y="4549140"/>
-            <a:ext cx="1242060" cy="337185"/>
-          </a:xfrm>
-          <a:prstGeom prst="rect">
-            <a:avLst/>
-          </a:prstGeom>
-          <a:noFill/>
-        </p:spPr>
-        <p:txBody>
-          <a:bodyPr wrap="square" rtlCol="0">
-            <a:spAutoFit/>
-          </a:bodyPr>
-          <a:lstStyle/>
-          <a:p>
-            <a:pPr algn="dist"/>
-            <a:r>
-              <a:rPr lang="zh-CN" altLang="en-US" sz="1600" b="1">
-                <a:solidFill>
-                  <a:schemeClr val="bg1"/>
-                </a:solidFill>
-                <a:latin typeface="微软雅黑" panose="020B0503020204020204" pitchFamily="34" charset="-122"/>
-                <a:ea typeface="微软雅黑" panose="020B0503020204020204" pitchFamily="34" charset="-122"/>
-              </a:rPr>
-              <a:t>请输入标题</a:t>
-            </a:r>
-            <a:endParaRPr lang="zh-CN" altLang="en-US" sz="1600" b="1">
-              <a:solidFill>
-                <a:schemeClr val="bg1"/>
-              </a:solidFill>
-              <a:latin typeface="微软雅黑" panose="020B0503020204020204" pitchFamily="34" charset="-122"/>
-              <a:ea typeface="微软雅黑" panose="020B0503020204020204" pitchFamily="34" charset="-122"/>
-            </a:endParaRPr>
-          </a:p>
-        </p:txBody>
-      </p:sp>
-      <p:sp>
-        <p:nvSpPr>
-          <p:cNvPr id="18" name="文本框 14"/>
-          <p:cNvSpPr txBox="1"/>
-          <p:nvPr/>
-        </p:nvSpPr>
-        <p:spPr>
-          <a:xfrm>
-            <a:off x="3691890" y="4874895"/>
-            <a:ext cx="1877060" cy="720725"/>
-          </a:xfrm>
-          <a:prstGeom prst="rect">
-            <a:avLst/>
-          </a:prstGeom>
-          <a:noFill/>
-        </p:spPr>
-        <p:txBody>
-          <a:bodyPr wrap="square" lIns="90170" tIns="46990" rIns="90170" bIns="46990" rtlCol="0">
-            <a:spAutoFit/>
-          </a:bodyPr>
-          <a:lstStyle/>
-          <a:p>
-            <a:pPr lvl="0" algn="just">
-              <a:lnSpc>
-                <a:spcPct val="170000"/>
-              </a:lnSpc>
-              <a:spcBef>
-                <a:spcPts val="0"/>
-              </a:spcBef>
-              <a:spcAft>
-                <a:spcPts val="0"/>
-              </a:spcAft>
-            </a:pPr>
-            <a:r>
-              <a:rPr lang="zh-CN" altLang="en-US" sz="800" dirty="0">
-                <a:solidFill>
-                  <a:schemeClr val="bg1"/>
-                </a:solidFill>
-                <a:latin typeface="微软雅黑" panose="020B0503020204020204" pitchFamily="34" charset="-122"/>
-                <a:ea typeface="微软雅黑" panose="020B0503020204020204" pitchFamily="34" charset="-122"/>
-              </a:rPr>
-              <a:t>客服部是最直接面对终端的部门，故要积极向客服部咨询及调差最新的顾客需求及意见</a:t>
-            </a:r>
-            <a:endParaRPr lang="zh-CN" altLang="en-US" sz="800" dirty="0">
-              <a:solidFill>
-                <a:schemeClr val="bg1"/>
-              </a:solidFill>
-              <a:latin typeface="微软雅黑" panose="020B0503020204020204" pitchFamily="34" charset="-122"/>
-              <a:ea typeface="微软雅黑" panose="020B0503020204020204" pitchFamily="34" charset="-122"/>
-            </a:endParaRPr>
-          </a:p>
-        </p:txBody>
-      </p:sp>
-      <p:pic>
-        <p:nvPicPr>
-          <p:cNvPr id="28" name="Picture 5" descr="C:\Documents and Settings\Administrator\桌面\08.png"/>
-          <p:cNvPicPr>
-            <a:picLocks noGrp="1" noChangeAspect="1" noChangeArrowheads="1"/>
-          </p:cNvPicPr>
-          <p:nvPr>
-            <p:ph idx="4294967295"/>
-          </p:nvPr>
-        </p:nvPicPr>
-        <p:blipFill>
-          <a:blip r:embed="rId1" cstate="print"/>
-          <a:srcRect/>
-          <a:stretch>
-            <a:fillRect/>
-          </a:stretch>
-        </p:blipFill>
-        <p:spPr bwMode="auto">
-          <a:xfrm>
-            <a:off x="0" y="6324600"/>
-            <a:ext cx="12192000" cy="323850"/>
-          </a:xfrm>
-          <a:prstGeom prst="rect">
-            <a:avLst/>
-          </a:prstGeom>
-          <a:noFill/>
-        </p:spPr>
-      </p:pic>
       <p:sp>
         <p:nvSpPr>
           <p:cNvPr id="36" name="文本框 13"/>
@@ -7489,6 +8391,169 @@
           </a:fontRef>
         </p:style>
       </p:cxnSp>
+      <p:sp>
+        <p:nvSpPr>
+          <p:cNvPr id="100" name="文本框 99"/>
+          <p:cNvSpPr txBox="1"/>
+          <p:nvPr/>
+        </p:nvSpPr>
+        <p:spPr>
+          <a:xfrm>
+            <a:off x="529590" y="2275205"/>
+            <a:ext cx="6085205" cy="2306955"/>
+          </a:xfrm>
+          <a:prstGeom prst="rect">
+            <a:avLst/>
+          </a:prstGeom>
+          <a:noFill/>
+          <a:ln w="9525">
+            <a:noFill/>
+          </a:ln>
+        </p:spPr>
+        <p:txBody>
+          <a:bodyPr wrap="square">
+            <a:spAutoFit/>
+          </a:bodyPr>
+          <a:p>
+            <a:pPr indent="0"/>
+            <a:r>
+              <a:rPr lang="zh-CN" sz="2400" b="0">
+                <a:latin typeface="Times New Roman" panose="02020603050405020304" pitchFamily="18" charset="0"/>
+                <a:ea typeface="宋体" panose="02010600030101010101" pitchFamily="2" charset="-122"/>
+              </a:rPr>
+              <a:t>预应力混凝土结构作为</a:t>
+            </a:r>
+            <a:r>
+              <a:rPr lang="zh-CN" sz="2400" b="1">
+                <a:solidFill>
+                  <a:srgbClr val="FFC000"/>
+                </a:solidFill>
+                <a:latin typeface="Times New Roman" panose="02020603050405020304" pitchFamily="18" charset="0"/>
+                <a:ea typeface="宋体" panose="02010600030101010101" pitchFamily="2" charset="-122"/>
+              </a:rPr>
+              <a:t>桥梁、铁路、核安全壳、</a:t>
+            </a:r>
+            <a:r>
+              <a:rPr lang="en-US" sz="2400" b="1">
+                <a:solidFill>
+                  <a:srgbClr val="FFC000"/>
+                </a:solidFill>
+                <a:latin typeface="Times New Roman" panose="02020603050405020304" pitchFamily="18" charset="0"/>
+                <a:ea typeface="宋体" panose="02010600030101010101" pitchFamily="2" charset="-122"/>
+                <a:cs typeface="Times New Roman" panose="02020603050405020304" pitchFamily="18" charset="0"/>
+              </a:rPr>
+              <a:t>LNG</a:t>
+            </a:r>
+            <a:r>
+              <a:rPr lang="zh-CN" sz="2400" b="1">
+                <a:solidFill>
+                  <a:srgbClr val="FFC000"/>
+                </a:solidFill>
+                <a:latin typeface="Times New Roman" panose="02020603050405020304" pitchFamily="18" charset="0"/>
+                <a:ea typeface="宋体" panose="02010600030101010101" pitchFamily="2" charset="-122"/>
+              </a:rPr>
+              <a:t>储罐</a:t>
+            </a:r>
+            <a:r>
+              <a:rPr lang="zh-CN" sz="2400" b="0">
+                <a:latin typeface="Times New Roman" panose="02020603050405020304" pitchFamily="18" charset="0"/>
+                <a:ea typeface="宋体" panose="02010600030101010101" pitchFamily="2" charset="-122"/>
+              </a:rPr>
+              <a:t>等大型基础设施的主要受力部件，结构中的锚具和预应力筋均为金属件，极易受到来自周围环境的</a:t>
+            </a:r>
+            <a:r>
+              <a:rPr lang="zh-CN" sz="2400" b="1">
+                <a:solidFill>
+                  <a:srgbClr val="FF0000"/>
+                </a:solidFill>
+                <a:latin typeface="Times New Roman" panose="02020603050405020304" pitchFamily="18" charset="0"/>
+                <a:ea typeface="宋体" panose="02010600030101010101" pitchFamily="2" charset="-122"/>
+              </a:rPr>
+              <a:t>氯化物、杂散电流、金属溶解电解质、材料的氢脆、微动疲劳、电接触</a:t>
+            </a:r>
+            <a:r>
+              <a:rPr lang="zh-CN" sz="2400" b="0">
+                <a:latin typeface="Times New Roman" panose="02020603050405020304" pitchFamily="18" charset="0"/>
+                <a:ea typeface="宋体" panose="02010600030101010101" pitchFamily="2" charset="-122"/>
+              </a:rPr>
+              <a:t>等方面的影响造成结构的腐蚀</a:t>
+            </a:r>
+            <a:endParaRPr lang="zh-CN" altLang="en-US" sz="2400"/>
+          </a:p>
+        </p:txBody>
+      </p:sp>
+      <p:sp>
+        <p:nvSpPr>
+          <p:cNvPr id="2" name="文本框 1"/>
+          <p:cNvSpPr txBox="1"/>
+          <p:nvPr/>
+        </p:nvSpPr>
+        <p:spPr>
+          <a:xfrm>
+            <a:off x="6811010" y="2275840"/>
+            <a:ext cx="5080000" cy="2306955"/>
+          </a:xfrm>
+          <a:prstGeom prst="rect">
+            <a:avLst/>
+          </a:prstGeom>
+          <a:noFill/>
+          <a:ln w="9525">
+            <a:noFill/>
+          </a:ln>
+        </p:spPr>
+        <p:txBody>
+          <a:bodyPr>
+            <a:spAutoFit/>
+          </a:bodyPr>
+          <a:p>
+            <a:pPr indent="0"/>
+            <a:r>
+              <a:rPr lang="zh-CN" sz="2400" b="0">
+                <a:latin typeface="Times New Roman" panose="02020603050405020304" pitchFamily="18" charset="0"/>
+                <a:ea typeface="宋体" panose="02010600030101010101" pitchFamily="2" charset="-122"/>
+              </a:rPr>
+              <a:t>为了防止杂散电流以及侵蚀介质对预应力筋的腐蚀，一种</a:t>
+            </a:r>
+            <a:r>
+              <a:rPr lang="zh-CN" sz="2400" b="0">
+                <a:latin typeface="Times New Roman" panose="02020603050405020304" pitchFamily="18" charset="0"/>
+                <a:ea typeface="宋体" panose="02010600030101010101" pitchFamily="2" charset="-122"/>
+                <a:cs typeface="Times New Roman" panose="02020603050405020304" pitchFamily="18" charset="0"/>
+              </a:rPr>
+              <a:t>“电隔离筋（</a:t>
+            </a:r>
+            <a:r>
+              <a:rPr lang="en-US" sz="2400" b="0">
+                <a:latin typeface="Times New Roman" panose="02020603050405020304" pitchFamily="18" charset="0"/>
+                <a:ea typeface="宋体" panose="02010600030101010101" pitchFamily="2" charset="-122"/>
+              </a:rPr>
+              <a:t>Electrically Isolation Tendons</a:t>
+            </a:r>
+            <a:r>
+              <a:rPr lang="zh-CN" sz="2400" b="0">
+                <a:latin typeface="Times New Roman" panose="02020603050405020304" pitchFamily="18" charset="0"/>
+                <a:ea typeface="宋体" panose="02010600030101010101" pitchFamily="2" charset="-122"/>
+              </a:rPr>
+              <a:t>，</a:t>
+            </a:r>
+            <a:r>
+              <a:rPr lang="en-US" sz="2400" b="0">
+                <a:latin typeface="Times New Roman" panose="02020603050405020304" pitchFamily="18" charset="0"/>
+                <a:ea typeface="宋体" panose="02010600030101010101" pitchFamily="2" charset="-122"/>
+              </a:rPr>
+              <a:t>EIT</a:t>
+            </a:r>
+            <a:r>
+              <a:rPr lang="zh-CN" sz="2400" b="0">
+                <a:latin typeface="Times New Roman" panose="02020603050405020304" pitchFamily="18" charset="0"/>
+                <a:ea typeface="宋体" panose="02010600030101010101" pitchFamily="2" charset="-122"/>
+              </a:rPr>
+              <a:t>）”体系应运而生，该体系在对预应力混凝土内部结构进行防腐的同事也能对结构进行健康监测</a:t>
+            </a:r>
+            <a:endParaRPr lang="zh-CN" altLang="en-US" sz="2400"/>
+          </a:p>
+        </p:txBody>
+      </p:sp>
     </p:spTree>
   </p:cSld>
   <p:clrMapOvr>
@@ -7516,53 +8581,111 @@
       </p:grpSpPr>
       <p:sp>
         <p:nvSpPr>
-          <p:cNvPr id="5" name="矩形 4"/>
-          <p:cNvSpPr/>
-          <p:nvPr/>
-        </p:nvSpPr>
-        <p:spPr>
-          <a:xfrm>
-            <a:off x="-31750" y="-19050"/>
-            <a:ext cx="12242165" cy="6887845"/>
-          </a:xfrm>
-          <a:prstGeom prst="rect">
-            <a:avLst/>
-          </a:prstGeom>
-          <a:solidFill>
-            <a:srgbClr val="00468B"/>
-          </a:solidFill>
-          <a:ln>
-            <a:noFill/>
-          </a:ln>
-        </p:spPr>
-        <p:style>
-          <a:lnRef idx="2">
-            <a:schemeClr val="accent1">
-              <a:shade val="50000"/>
-            </a:schemeClr>
-          </a:lnRef>
-          <a:fillRef idx="1">
-            <a:schemeClr val="accent1"/>
-          </a:fillRef>
-          <a:effectRef idx="0">
-            <a:schemeClr val="accent1"/>
-          </a:effectRef>
-          <a:fontRef idx="minor">
-            <a:schemeClr val="lt1"/>
-          </a:fontRef>
-        </p:style>
-        <p:txBody>
-          <a:bodyPr rtlCol="0" anchor="ctr"/>
-          <a:lstStyle/>
-          <a:p>
-            <a:pPr algn="ctr"/>
-            <a:endParaRPr lang="zh-CN" altLang="en-US"/>
+          <p:cNvPr id="9" name="文本框 4"/>
+          <p:cNvSpPr txBox="1"/>
+          <p:nvPr/>
+        </p:nvSpPr>
+        <p:spPr>
+          <a:xfrm>
+            <a:off x="376974" y="898927"/>
+            <a:ext cx="11412504" cy="891540"/>
+          </a:xfrm>
+          <a:prstGeom prst="rect">
+            <a:avLst/>
+          </a:prstGeom>
+          <a:noFill/>
+        </p:spPr>
+        <p:txBody>
+          <a:bodyPr wrap="square" rtlCol="0">
+            <a:spAutoFit/>
+          </a:bodyPr>
+          <a:lstStyle/>
+          <a:p>
+            <a:pPr marL="457200" indent="-457200">
+              <a:buFont typeface="Arial" panose="020B0604020202020204" pitchFamily="34" charset="0"/>
+              <a:buChar char="•"/>
+            </a:pPr>
+            <a:r>
+              <a:rPr lang="zh-CN" altLang="en-US" sz="2800" b="1" dirty="0">
+                <a:solidFill>
+                  <a:srgbClr val="7030A0"/>
+                </a:solidFill>
+                <a:latin typeface="微软雅黑" panose="020B0503020204020204" pitchFamily="34" charset="-122"/>
+                <a:ea typeface="微软雅黑" panose="020B0503020204020204" pitchFamily="34" charset="-122"/>
+              </a:rPr>
+              <a:t>研究意义</a:t>
+            </a:r>
+            <a:endParaRPr lang="en-US" altLang="zh-CN" sz="2800" b="1" dirty="0">
+              <a:solidFill>
+                <a:srgbClr val="7030A0"/>
+              </a:solidFill>
+              <a:latin typeface="微软雅黑" panose="020B0503020204020204" pitchFamily="34" charset="-122"/>
+              <a:ea typeface="微软雅黑" panose="020B0503020204020204" pitchFamily="34" charset="-122"/>
+            </a:endParaRPr>
+          </a:p>
+          <a:p>
+            <a:endParaRPr lang="zh-CN" altLang="en-US" sz="2400" b="1" dirty="0">
+              <a:solidFill>
+                <a:srgbClr val="7030A0"/>
+              </a:solidFill>
+              <a:latin typeface="微软雅黑" panose="020B0503020204020204" pitchFamily="34" charset="-122"/>
+              <a:ea typeface="微软雅黑" panose="020B0503020204020204" pitchFamily="34" charset="-122"/>
+            </a:endParaRPr>
+          </a:p>
+        </p:txBody>
+      </p:sp>
+      <p:sp>
+        <p:nvSpPr>
+          <p:cNvPr id="36" name="文本框 13"/>
+          <p:cNvSpPr txBox="1"/>
+          <p:nvPr/>
+        </p:nvSpPr>
+        <p:spPr>
+          <a:xfrm>
+            <a:off x="1261297" y="137443"/>
+            <a:ext cx="2209165" cy="583565"/>
+          </a:xfrm>
+          <a:prstGeom prst="rect">
+            <a:avLst/>
+          </a:prstGeom>
+          <a:noFill/>
+        </p:spPr>
+        <p:txBody>
+          <a:bodyPr wrap="none" rtlCol="0">
+            <a:spAutoFit/>
+          </a:bodyPr>
+          <a:lstStyle/>
+          <a:p>
+            <a:pPr marL="342900" indent="-342900">
+              <a:spcBef>
+                <a:spcPts val="1200"/>
+              </a:spcBef>
+              <a:buFont typeface="Wingdings" panose="05000000000000000000" pitchFamily="2" charset="2"/>
+              <a:buChar char="u"/>
+            </a:pPr>
+            <a:r>
+              <a:rPr lang="zh-CN" altLang="en-US" sz="3200" b="1" dirty="0">
+                <a:solidFill>
+                  <a:srgbClr val="CC9933"/>
+                </a:solidFill>
+                <a:latin typeface="微软雅黑" panose="020B0503020204020204" pitchFamily="34" charset="-122"/>
+                <a:ea typeface="微软雅黑" panose="020B0503020204020204" pitchFamily="34" charset="-122"/>
+              </a:rPr>
+              <a:t>研究背景</a:t>
+            </a:r>
+            <a:endParaRPr lang="zh-CN" altLang="en-US" sz="3200" b="1" dirty="0">
+              <a:solidFill>
+                <a:srgbClr val="CC9933"/>
+              </a:solidFill>
+              <a:latin typeface="微软雅黑" panose="020B0503020204020204" pitchFamily="34" charset="-122"/>
+              <a:ea typeface="微软雅黑" panose="020B0503020204020204" pitchFamily="34" charset="-122"/>
+            </a:endParaRPr>
           </a:p>
         </p:txBody>
       </p:sp>
       <p:cxnSp>
         <p:nvCxnSpPr>
-          <p:cNvPr id="21" name="直接连接符 20"/>
+          <p:cNvPr id="38" name="直接连接符 37"/>
           <p:cNvCxnSpPr/>
           <p:nvPr/>
         </p:nvCxnSpPr>
@@ -7576,7 +8699,7 @@
           </a:prstGeom>
           <a:ln w="9525">
             <a:solidFill>
-              <a:schemeClr val="bg1"/>
+              <a:schemeClr val="tx1"/>
             </a:solidFill>
           </a:ln>
         </p:spPr>
@@ -7597,268 +8720,87 @@
       </p:cxnSp>
       <p:sp>
         <p:nvSpPr>
-          <p:cNvPr id="16" name="文本框 13"/>
+          <p:cNvPr id="3" name="文本框 2"/>
           <p:cNvSpPr txBox="1"/>
           <p:nvPr/>
         </p:nvSpPr>
         <p:spPr>
           <a:xfrm>
-            <a:off x="1261297" y="137443"/>
-            <a:ext cx="2811780" cy="303530"/>
+            <a:off x="748030" y="2299335"/>
+            <a:ext cx="5587365" cy="3046095"/>
           </a:xfrm>
           <a:prstGeom prst="rect">
             <a:avLst/>
           </a:prstGeom>
           <a:noFill/>
-        </p:spPr>
-        <p:txBody>
-          <a:bodyPr wrap="none" rtlCol="0">
+          <a:ln w="9525">
+            <a:noFill/>
+          </a:ln>
+        </p:spPr>
+        <p:txBody>
+          <a:bodyPr wrap="square">
             <a:spAutoFit/>
           </a:bodyPr>
-          <a:lstStyle/>
-          <a:p>
-            <a:pPr algn="l"/>
-            <a:r>
-              <a:rPr lang="zh-CN" altLang="en-US" sz="1380" dirty="0">
+          <a:p>
+            <a:pPr indent="0"/>
+            <a:r>
+              <a:rPr lang="zh-CN" sz="2400" b="0">
+                <a:latin typeface="Times New Roman" panose="02020603050405020304" pitchFamily="18" charset="0"/>
+                <a:ea typeface="宋体" panose="02010600030101010101" pitchFamily="2" charset="-122"/>
+              </a:rPr>
+              <a:t>近年来，各国已建、在建和将建的</a:t>
+            </a:r>
+            <a:r>
+              <a:rPr lang="zh-CN" sz="2400" b="1">
                 <a:solidFill>
-                  <a:schemeClr val="bg1"/>
+                  <a:srgbClr val="FFC000"/>
                 </a:solidFill>
-                <a:latin typeface="微软雅黑" panose="020B0503020204020204" pitchFamily="34" charset="-122"/>
-                <a:ea typeface="微软雅黑" panose="020B0503020204020204" pitchFamily="34" charset="-122"/>
-              </a:rPr>
-              <a:t>电子科技大学机械与电气工程学院</a:t>
-            </a:r>
-            <a:endParaRPr lang="zh-CN" altLang="en-US" sz="1380" dirty="0">
-              <a:solidFill>
-                <a:schemeClr val="bg1"/>
-              </a:solidFill>
-              <a:latin typeface="微软雅黑" panose="020B0503020204020204" pitchFamily="34" charset="-122"/>
-              <a:ea typeface="微软雅黑" panose="020B0503020204020204" pitchFamily="34" charset="-122"/>
-            </a:endParaRPr>
-          </a:p>
-        </p:txBody>
-      </p:sp>
-      <p:sp>
-        <p:nvSpPr>
-          <p:cNvPr id="17" name="文本框 15"/>
+                <a:latin typeface="Times New Roman" panose="02020603050405020304" pitchFamily="18" charset="0"/>
+                <a:ea typeface="宋体" panose="02010600030101010101" pitchFamily="2" charset="-122"/>
+              </a:rPr>
+              <a:t>跨海大桥、海底隧道、海港码头以及沿海地区、除冰盐地区兴建的高速铁路、高速公路、桥梁、工业建筑</a:t>
+            </a:r>
+            <a:r>
+              <a:rPr lang="zh-CN" sz="2400" b="0">
+                <a:latin typeface="Times New Roman" panose="02020603050405020304" pitchFamily="18" charset="0"/>
+                <a:ea typeface="宋体" panose="02010600030101010101" pitchFamily="2" charset="-122"/>
+              </a:rPr>
+              <a:t>等重大工程都广泛采用预应力混凝土结构，这些环境下结构的耐久性面临巨大挑战，如何对结构进行良好的腐蚀防护和监测成为了研究的重点</a:t>
+            </a:r>
+            <a:endParaRPr lang="zh-CN" altLang="en-US" sz="2400"/>
+          </a:p>
+        </p:txBody>
+      </p:sp>
+      <p:sp>
+        <p:nvSpPr>
+          <p:cNvPr id="5" name="文本框 4"/>
           <p:cNvSpPr txBox="1"/>
           <p:nvPr/>
         </p:nvSpPr>
         <p:spPr>
           <a:xfrm>
-            <a:off x="1265107" y="385093"/>
-            <a:ext cx="2880360" cy="232410"/>
+            <a:off x="6335395" y="2299335"/>
+            <a:ext cx="5587365" cy="3046095"/>
           </a:xfrm>
           <a:prstGeom prst="rect">
             <a:avLst/>
           </a:prstGeom>
           <a:noFill/>
-        </p:spPr>
-        <p:txBody>
-          <a:bodyPr wrap="square" rtlCol="0">
+          <a:ln w="9525">
+            <a:noFill/>
+          </a:ln>
+        </p:spPr>
+        <p:txBody>
+          <a:bodyPr wrap="square">
             <a:spAutoFit/>
           </a:bodyPr>
-          <a:lstStyle/>
-          <a:p>
-            <a:r>
-              <a:rPr lang="zh-CN" altLang="en-US" sz="920" dirty="0">
-                <a:solidFill>
-                  <a:schemeClr val="bg1"/>
-                </a:solidFill>
-                <a:latin typeface="微软雅黑" panose="020B0503020204020204" pitchFamily="34" charset="-122"/>
-                <a:ea typeface="微软雅黑" panose="020B0503020204020204" pitchFamily="34" charset="-122"/>
-              </a:rPr>
-              <a:t>School of Mechanical and Electrical Engineering</a:t>
-            </a:r>
-            <a:endParaRPr lang="zh-CN" altLang="en-US" sz="920" dirty="0">
-              <a:solidFill>
-                <a:schemeClr val="bg1"/>
-              </a:solidFill>
-              <a:latin typeface="微软雅黑" panose="020B0503020204020204" pitchFamily="34" charset="-122"/>
-              <a:ea typeface="微软雅黑" panose="020B0503020204020204" pitchFamily="34" charset="-122"/>
-            </a:endParaRPr>
-          </a:p>
-        </p:txBody>
-      </p:sp>
-      <p:cxnSp>
-        <p:nvCxnSpPr>
-          <p:cNvPr id="18" name="直接连接符 17"/>
-          <p:cNvCxnSpPr/>
-          <p:nvPr/>
-        </p:nvCxnSpPr>
-        <p:spPr>
-          <a:xfrm>
-            <a:off x="1180017" y="44098"/>
-            <a:ext cx="0" cy="645160"/>
-          </a:xfrm>
-          <a:prstGeom prst="line">
-            <a:avLst/>
-          </a:prstGeom>
-          <a:ln w="9525">
-            <a:solidFill>
-              <a:schemeClr val="bg1"/>
-            </a:solidFill>
-          </a:ln>
-        </p:spPr>
-        <p:style>
-          <a:lnRef idx="1">
-            <a:schemeClr val="accent1"/>
-          </a:lnRef>
-          <a:fillRef idx="0">
-            <a:schemeClr val="accent1"/>
-          </a:fillRef>
-          <a:effectRef idx="0">
-            <a:schemeClr val="accent1"/>
-          </a:effectRef>
-          <a:fontRef idx="minor">
-            <a:schemeClr val="tx1"/>
-          </a:fontRef>
-        </p:style>
-      </p:cxnSp>
-      <p:pic>
-        <p:nvPicPr>
-          <p:cNvPr id="22" name="图片 21"/>
-          <p:cNvPicPr>
-            <a:picLocks noChangeAspect="1"/>
-          </p:cNvPicPr>
-          <p:nvPr/>
-        </p:nvPicPr>
-        <p:blipFill>
-          <a:blip r:embed="rId1" cstate="print">
-            <a:extLst>
-              <a:ext uri="{28A0092B-C50C-407E-A947-70E740481C1C}">
-                <a14:useLocalDpi xmlns:a14="http://schemas.microsoft.com/office/drawing/2010/main" val="0"/>
-              </a:ext>
-            </a:extLst>
-          </a:blip>
-          <a:stretch>
-            <a:fillRect/>
-          </a:stretch>
-        </p:blipFill>
-        <p:spPr>
-          <a:xfrm>
-            <a:off x="384649" y="26500"/>
-            <a:ext cx="583162" cy="680356"/>
-          </a:xfrm>
-          <a:prstGeom prst="rect">
-            <a:avLst/>
-          </a:prstGeom>
-        </p:spPr>
-      </p:pic>
-      <p:pic>
-        <p:nvPicPr>
-          <p:cNvPr id="23" name="图片 22" descr="03-1"/>
-          <p:cNvPicPr>
-            <a:picLocks noChangeAspect="1"/>
-          </p:cNvPicPr>
-          <p:nvPr/>
-        </p:nvPicPr>
-        <p:blipFill>
-          <a:blip r:embed="rId2" cstate="print"/>
-          <a:stretch>
-            <a:fillRect/>
-          </a:stretch>
-        </p:blipFill>
-        <p:spPr>
-          <a:xfrm>
-            <a:off x="2389505" y="5318125"/>
-            <a:ext cx="7412990" cy="1551305"/>
-          </a:xfrm>
-          <a:prstGeom prst="rect">
-            <a:avLst/>
-          </a:prstGeom>
-        </p:spPr>
-      </p:pic>
-      <p:sp>
-        <p:nvSpPr>
-          <p:cNvPr id="2" name="矩形 1"/>
-          <p:cNvSpPr/>
-          <p:nvPr/>
-        </p:nvSpPr>
-        <p:spPr>
-          <a:xfrm>
-            <a:off x="2672731" y="1452642"/>
-            <a:ext cx="1135380" cy="2399665"/>
-          </a:xfrm>
-          <a:prstGeom prst="rect">
-            <a:avLst/>
-          </a:prstGeom>
-          <a:noFill/>
-        </p:spPr>
-        <p:txBody>
-          <a:bodyPr wrap="none" lIns="91440" tIns="45720" rIns="91440" bIns="45720">
-            <a:spAutoFit/>
-            <a:scene3d>
-              <a:camera prst="orthographicFront"/>
-              <a:lightRig rig="soft" dir="t">
-                <a:rot lat="0" lon="0" rev="15600000"/>
-              </a:lightRig>
-            </a:scene3d>
-            <a:sp3d extrusionH="57150" prstMaterial="softEdge">
-              <a:bevelT w="25400" h="38100"/>
-            </a:sp3d>
-          </a:bodyPr>
-          <a:lstStyle/>
-          <a:p>
-            <a:pPr algn="ctr"/>
-            <a:r>
-              <a:rPr lang="en-US" altLang="zh-CN" sz="15000" b="1" i="1" dirty="0">
-                <a:solidFill>
-                  <a:schemeClr val="accent4"/>
-                </a:solidFill>
-                <a:latin typeface="Times New Roman" panose="02020603050405020304" pitchFamily="18" charset="0"/>
-                <a:cs typeface="Times New Roman" panose="02020603050405020304" pitchFamily="18" charset="0"/>
-              </a:rPr>
-              <a:t>2</a:t>
-            </a:r>
-            <a:endParaRPr lang="en-US" altLang="zh-CN" sz="15000" b="1" i="1" dirty="0">
-              <a:solidFill>
-                <a:schemeClr val="accent4"/>
-              </a:solidFill>
-              <a:latin typeface="Times New Roman" panose="02020603050405020304" pitchFamily="18" charset="0"/>
-              <a:cs typeface="Times New Roman" panose="02020603050405020304" pitchFamily="18" charset="0"/>
-            </a:endParaRPr>
-          </a:p>
-        </p:txBody>
-      </p:sp>
-      <p:sp>
-        <p:nvSpPr>
-          <p:cNvPr id="3" name="文本框 2"/>
-          <p:cNvSpPr txBox="1"/>
-          <p:nvPr/>
-        </p:nvSpPr>
-        <p:spPr>
-          <a:xfrm>
-            <a:off x="4727575" y="2238375"/>
-            <a:ext cx="2723515" cy="829945"/>
-          </a:xfrm>
-          <a:prstGeom prst="rect">
-            <a:avLst/>
-          </a:prstGeom>
-          <a:noFill/>
-        </p:spPr>
-        <p:txBody>
-          <a:bodyPr wrap="square" rtlCol="0">
-            <a:spAutoFit/>
-          </a:bodyPr>
-          <a:p>
-            <a:r>
-              <a:rPr lang="zh-CN" altLang="en-US" sz="4800" b="1">
-                <a:solidFill>
-                  <a:schemeClr val="accent4"/>
-                </a:solidFill>
-                <a:latin typeface="微软雅黑" panose="020B0503020204020204" pitchFamily="34" charset="-122"/>
-                <a:ea typeface="微软雅黑" panose="020B0503020204020204" pitchFamily="34" charset="-122"/>
-              </a:rPr>
-              <a:t>研究现状</a:t>
-            </a:r>
-            <a:endParaRPr lang="zh-CN" altLang="en-US" sz="4800" b="1">
-              <a:solidFill>
-                <a:schemeClr val="accent4"/>
-              </a:solidFill>
-              <a:latin typeface="微软雅黑" panose="020B0503020204020204" pitchFamily="34" charset="-122"/>
-              <a:ea typeface="微软雅黑" panose="020B0503020204020204" pitchFamily="34" charset="-122"/>
-            </a:endParaRPr>
+          <a:p>
+            <a:pPr indent="0"/>
+            <a:r>
+              <a:rPr lang="zh-CN" altLang="en-US" sz="2400"/>
+              <a:t>常规锚固体系已经不能满足腐蚀防护和监测的要求，通过研究电隔离防护技术，开展电隔离预应力锚固技术的研究，提升结构抗腐蚀性能并对其健康状况进行长期监测，对确保重大土木工程结构全寿命使用安全，推动混凝土结构理论与技术应用，实现经济社会绿色、可持续发展具有重要意义。</a:t>
+            </a:r>
+            <a:endParaRPr lang="zh-CN" altLang="en-US" sz="2400"/>
           </a:p>
         </p:txBody>
       </p:sp>
@@ -7889,557 +8831,53 @@
       </p:grpSpPr>
       <p:sp>
         <p:nvSpPr>
-          <p:cNvPr id="9" name="文本框 4"/>
-          <p:cNvSpPr txBox="1"/>
-          <p:nvPr/>
-        </p:nvSpPr>
-        <p:spPr>
-          <a:xfrm>
-            <a:off x="376974" y="898927"/>
-            <a:ext cx="11412504" cy="6063198"/>
-          </a:xfrm>
-          <a:prstGeom prst="rect">
-            <a:avLst/>
-          </a:prstGeom>
-          <a:noFill/>
-        </p:spPr>
-        <p:txBody>
-          <a:bodyPr wrap="square" rtlCol="0">
-            <a:spAutoFit/>
-          </a:bodyPr>
-          <a:lstStyle/>
-          <a:p>
-            <a:pPr marL="457200" indent="-457200">
-              <a:buFont typeface="Arial" panose="020B0604020202020204" pitchFamily="34" charset="0"/>
-              <a:buChar char="•"/>
-            </a:pPr>
-            <a:r>
-              <a:rPr lang="zh-CN" altLang="en-US" sz="2800" b="1" dirty="0">
-                <a:solidFill>
-                  <a:srgbClr val="7030A0"/>
-                </a:solidFill>
-                <a:latin typeface="微软雅黑" panose="020B0503020204020204" pitchFamily="34" charset="-122"/>
-                <a:ea typeface="微软雅黑" panose="020B0503020204020204" pitchFamily="34" charset="-122"/>
-              </a:rPr>
-              <a:t>科学研究</a:t>
-            </a:r>
-            <a:endParaRPr lang="en-US" altLang="zh-CN" sz="2800" b="1" dirty="0">
-              <a:solidFill>
-                <a:srgbClr val="7030A0"/>
-              </a:solidFill>
-              <a:latin typeface="微软雅黑" panose="020B0503020204020204" pitchFamily="34" charset="-122"/>
-              <a:ea typeface="微软雅黑" panose="020B0503020204020204" pitchFamily="34" charset="-122"/>
-            </a:endParaRPr>
-          </a:p>
-          <a:p>
-            <a:pPr>
-              <a:lnSpc>
-                <a:spcPct val="200000"/>
-              </a:lnSpc>
-            </a:pPr>
-            <a:r>
-              <a:rPr lang="zh-CN" altLang="en-US" sz="2800" b="1" dirty="0">
-                <a:solidFill>
-                  <a:srgbClr val="7030A0"/>
-                </a:solidFill>
-                <a:latin typeface="微软雅黑" panose="020B0503020204020204" pitchFamily="34" charset="-122"/>
-                <a:ea typeface="微软雅黑" panose="020B0503020204020204" pitchFamily="34" charset="-122"/>
-              </a:rPr>
-              <a:t>（</a:t>
-            </a:r>
-            <a:r>
-              <a:rPr lang="en-US" altLang="zh-CN" sz="2800" b="1" dirty="0">
-                <a:solidFill>
-                  <a:srgbClr val="7030A0"/>
-                </a:solidFill>
-                <a:latin typeface="微软雅黑" panose="020B0503020204020204" pitchFamily="34" charset="-122"/>
-                <a:ea typeface="微软雅黑" panose="020B0503020204020204" pitchFamily="34" charset="-122"/>
-              </a:rPr>
-              <a:t>1</a:t>
-            </a:r>
-            <a:r>
-              <a:rPr lang="zh-CN" altLang="en-US" sz="2800" b="1" dirty="0">
-                <a:solidFill>
-                  <a:srgbClr val="7030A0"/>
-                </a:solidFill>
-                <a:latin typeface="微软雅黑" panose="020B0503020204020204" pitchFamily="34" charset="-122"/>
-                <a:ea typeface="微软雅黑" panose="020B0503020204020204" pitchFamily="34" charset="-122"/>
-              </a:rPr>
-              <a:t>）美国资源委员会的定义：</a:t>
-            </a:r>
-            <a:r>
-              <a:rPr lang="zh-CN" altLang="en-US" sz="2800" b="1" dirty="0">
-                <a:solidFill>
-                  <a:srgbClr val="FF0000"/>
-                </a:solidFill>
-                <a:latin typeface="微软雅黑" panose="020B0503020204020204" pitchFamily="34" charset="-122"/>
-                <a:ea typeface="微软雅黑" panose="020B0503020204020204" pitchFamily="34" charset="-122"/>
-              </a:rPr>
-              <a:t>科学研究是在科学领域中的探索和应用</a:t>
-            </a:r>
-            <a:endParaRPr lang="en-US" altLang="zh-CN" sz="2800" b="1" dirty="0">
-              <a:solidFill>
-                <a:srgbClr val="FF0000"/>
-              </a:solidFill>
-              <a:latin typeface="微软雅黑" panose="020B0503020204020204" pitchFamily="34" charset="-122"/>
-              <a:ea typeface="微软雅黑" panose="020B0503020204020204" pitchFamily="34" charset="-122"/>
-            </a:endParaRPr>
-          </a:p>
-          <a:p>
-            <a:pPr>
-              <a:lnSpc>
-                <a:spcPct val="200000"/>
-              </a:lnSpc>
-            </a:pPr>
-            <a:r>
-              <a:rPr lang="zh-CN" altLang="en-US" sz="2800" b="1" dirty="0">
-                <a:solidFill>
-                  <a:srgbClr val="7030A0"/>
-                </a:solidFill>
-                <a:latin typeface="微软雅黑" panose="020B0503020204020204" pitchFamily="34" charset="-122"/>
-                <a:ea typeface="微软雅黑" panose="020B0503020204020204" pitchFamily="34" charset="-122"/>
-              </a:rPr>
-              <a:t>（</a:t>
-            </a:r>
-            <a:r>
-              <a:rPr lang="en-US" altLang="zh-CN" sz="2800" b="1" dirty="0">
-                <a:solidFill>
-                  <a:srgbClr val="7030A0"/>
-                </a:solidFill>
-                <a:latin typeface="微软雅黑" panose="020B0503020204020204" pitchFamily="34" charset="-122"/>
-                <a:ea typeface="微软雅黑" panose="020B0503020204020204" pitchFamily="34" charset="-122"/>
-              </a:rPr>
-              <a:t>2</a:t>
-            </a:r>
-            <a:r>
-              <a:rPr lang="zh-CN" altLang="en-US" sz="2800" b="1" dirty="0">
-                <a:solidFill>
-                  <a:srgbClr val="7030A0"/>
-                </a:solidFill>
-                <a:latin typeface="微软雅黑" panose="020B0503020204020204" pitchFamily="34" charset="-122"/>
-                <a:ea typeface="微软雅黑" panose="020B0503020204020204" pitchFamily="34" charset="-122"/>
-              </a:rPr>
-              <a:t>）科学研究包括对科学和技术的研究，是运用观察、试验、比较、分析、归纳的方法，把感性材料加以研究，提高到理论水平的工作</a:t>
-            </a:r>
-            <a:endParaRPr lang="en-US" altLang="zh-CN" sz="2800" b="1" dirty="0">
-              <a:solidFill>
-                <a:srgbClr val="7030A0"/>
-              </a:solidFill>
-              <a:latin typeface="微软雅黑" panose="020B0503020204020204" pitchFamily="34" charset="-122"/>
-              <a:ea typeface="微软雅黑" panose="020B0503020204020204" pitchFamily="34" charset="-122"/>
-            </a:endParaRPr>
-          </a:p>
-          <a:p>
-            <a:pPr>
-              <a:lnSpc>
-                <a:spcPct val="200000"/>
-              </a:lnSpc>
-            </a:pPr>
-            <a:r>
-              <a:rPr lang="zh-CN" altLang="en-US" sz="2800" b="1" dirty="0">
-                <a:solidFill>
-                  <a:srgbClr val="7030A0"/>
-                </a:solidFill>
-                <a:latin typeface="微软雅黑" panose="020B0503020204020204" pitchFamily="34" charset="-122"/>
-                <a:ea typeface="微软雅黑" panose="020B0503020204020204" pitchFamily="34" charset="-122"/>
-              </a:rPr>
-              <a:t>（</a:t>
-            </a:r>
-            <a:r>
-              <a:rPr lang="en-US" altLang="zh-CN" sz="2800" b="1" dirty="0">
-                <a:solidFill>
-                  <a:srgbClr val="7030A0"/>
-                </a:solidFill>
-                <a:latin typeface="微软雅黑" panose="020B0503020204020204" pitchFamily="34" charset="-122"/>
-                <a:ea typeface="微软雅黑" panose="020B0503020204020204" pitchFamily="34" charset="-122"/>
-              </a:rPr>
-              <a:t>3</a:t>
-            </a:r>
-            <a:r>
-              <a:rPr lang="zh-CN" altLang="en-US" sz="2800" b="1" dirty="0">
-                <a:solidFill>
-                  <a:srgbClr val="7030A0"/>
-                </a:solidFill>
-                <a:latin typeface="微软雅黑" panose="020B0503020204020204" pitchFamily="34" charset="-122"/>
-                <a:ea typeface="微软雅黑" panose="020B0503020204020204" pitchFamily="34" charset="-122"/>
-              </a:rPr>
-              <a:t>）科学研究包括两部分内容：</a:t>
-            </a:r>
-            <a:r>
-              <a:rPr lang="en-US" altLang="zh-CN" sz="2800" b="1" dirty="0">
-                <a:solidFill>
-                  <a:srgbClr val="7030A0"/>
-                </a:solidFill>
-                <a:latin typeface="微软雅黑" panose="020B0503020204020204" pitchFamily="34" charset="-122"/>
-                <a:ea typeface="微软雅黑" panose="020B0503020204020204" pitchFamily="34" charset="-122"/>
-              </a:rPr>
-              <a:t>a. </a:t>
-            </a:r>
-            <a:r>
-              <a:rPr lang="zh-CN" altLang="en-US" sz="2800" b="1" dirty="0">
-                <a:solidFill>
-                  <a:srgbClr val="7030A0"/>
-                </a:solidFill>
-                <a:latin typeface="微软雅黑" panose="020B0503020204020204" pitchFamily="34" charset="-122"/>
-                <a:ea typeface="微软雅黑" panose="020B0503020204020204" pitchFamily="34" charset="-122"/>
-              </a:rPr>
-              <a:t>整理知识使知识系统化，</a:t>
-            </a:r>
-            <a:r>
-              <a:rPr lang="en-US" altLang="zh-CN" sz="2800" b="1" dirty="0">
-                <a:solidFill>
-                  <a:srgbClr val="7030A0"/>
-                </a:solidFill>
-                <a:latin typeface="微软雅黑" panose="020B0503020204020204" pitchFamily="34" charset="-122"/>
-                <a:ea typeface="微软雅黑" panose="020B0503020204020204" pitchFamily="34" charset="-122"/>
-              </a:rPr>
-              <a:t>b. </a:t>
-            </a:r>
-            <a:r>
-              <a:rPr lang="zh-CN" altLang="en-US" sz="2800" b="1" dirty="0">
-                <a:solidFill>
-                  <a:srgbClr val="7030A0"/>
-                </a:solidFill>
-                <a:latin typeface="微软雅黑" panose="020B0503020204020204" pitchFamily="34" charset="-122"/>
-                <a:ea typeface="微软雅黑" panose="020B0503020204020204" pitchFamily="34" charset="-122"/>
-              </a:rPr>
-              <a:t>创造知识来解决未知问题</a:t>
-            </a:r>
-            <a:endParaRPr lang="en-US" altLang="zh-CN" sz="2800" b="1" dirty="0">
-              <a:solidFill>
-                <a:srgbClr val="7030A0"/>
-              </a:solidFill>
-              <a:latin typeface="微软雅黑" panose="020B0503020204020204" pitchFamily="34" charset="-122"/>
-              <a:ea typeface="微软雅黑" panose="020B0503020204020204" pitchFamily="34" charset="-122"/>
-            </a:endParaRPr>
-          </a:p>
-          <a:p>
-            <a:pPr>
-              <a:lnSpc>
-                <a:spcPct val="200000"/>
-              </a:lnSpc>
-            </a:pPr>
-            <a:r>
-              <a:rPr lang="zh-CN" altLang="en-US" sz="2800" b="1" dirty="0">
-                <a:solidFill>
-                  <a:srgbClr val="7030A0"/>
-                </a:solidFill>
-                <a:latin typeface="微软雅黑" panose="020B0503020204020204" pitchFamily="34" charset="-122"/>
-                <a:ea typeface="微软雅黑" panose="020B0503020204020204" pitchFamily="34" charset="-122"/>
-              </a:rPr>
-              <a:t>（</a:t>
-            </a:r>
-            <a:r>
-              <a:rPr lang="en-US" altLang="zh-CN" sz="2800" b="1" dirty="0">
-                <a:solidFill>
-                  <a:srgbClr val="7030A0"/>
-                </a:solidFill>
-                <a:latin typeface="微软雅黑" panose="020B0503020204020204" pitchFamily="34" charset="-122"/>
-                <a:ea typeface="微软雅黑" panose="020B0503020204020204" pitchFamily="34" charset="-122"/>
-              </a:rPr>
-              <a:t>4</a:t>
-            </a:r>
-            <a:r>
-              <a:rPr lang="zh-CN" altLang="en-US" sz="2800" b="1" dirty="0">
-                <a:solidFill>
-                  <a:srgbClr val="7030A0"/>
-                </a:solidFill>
-                <a:latin typeface="微软雅黑" panose="020B0503020204020204" pitchFamily="34" charset="-122"/>
-                <a:ea typeface="微软雅黑" panose="020B0503020204020204" pitchFamily="34" charset="-122"/>
-              </a:rPr>
-              <a:t>）科学研究可以定义为：一种创造、修改、综合知识的探索行为</a:t>
-            </a:r>
-            <a:endParaRPr lang="en-US" altLang="zh-CN" sz="2800" b="1" dirty="0">
-              <a:solidFill>
-                <a:srgbClr val="7030A0"/>
-              </a:solidFill>
-              <a:latin typeface="微软雅黑" panose="020B0503020204020204" pitchFamily="34" charset="-122"/>
-              <a:ea typeface="微软雅黑" panose="020B0503020204020204" pitchFamily="34" charset="-122"/>
-            </a:endParaRPr>
-          </a:p>
-          <a:p>
-            <a:endParaRPr lang="zh-CN" altLang="en-US" sz="2400" b="1" dirty="0">
-              <a:solidFill>
-                <a:srgbClr val="7030A0"/>
-              </a:solidFill>
-              <a:latin typeface="微软雅黑" panose="020B0503020204020204" pitchFamily="34" charset="-122"/>
-              <a:ea typeface="微软雅黑" panose="020B0503020204020204" pitchFamily="34" charset="-122"/>
-            </a:endParaRPr>
-          </a:p>
-        </p:txBody>
-      </p:sp>
-      <p:sp>
-        <p:nvSpPr>
-          <p:cNvPr id="14" name="文本框 11"/>
-          <p:cNvSpPr txBox="1"/>
-          <p:nvPr/>
-        </p:nvSpPr>
-        <p:spPr>
-          <a:xfrm>
-            <a:off x="6517640" y="4549140"/>
-            <a:ext cx="1242060" cy="337185"/>
-          </a:xfrm>
-          <a:prstGeom prst="rect">
-            <a:avLst/>
-          </a:prstGeom>
-          <a:noFill/>
-        </p:spPr>
-        <p:txBody>
-          <a:bodyPr wrap="square" rtlCol="0">
-            <a:spAutoFit/>
-          </a:bodyPr>
-          <a:lstStyle/>
-          <a:p>
-            <a:pPr algn="dist"/>
-            <a:r>
-              <a:rPr lang="zh-CN" altLang="en-US" sz="1600" b="1">
-                <a:solidFill>
-                  <a:schemeClr val="bg1"/>
-                </a:solidFill>
-                <a:latin typeface="微软雅黑" panose="020B0503020204020204" pitchFamily="34" charset="-122"/>
-                <a:ea typeface="微软雅黑" panose="020B0503020204020204" pitchFamily="34" charset="-122"/>
-              </a:rPr>
-              <a:t>请输入标题</a:t>
-            </a:r>
-            <a:endParaRPr lang="zh-CN" altLang="en-US" sz="1600" b="1">
-              <a:solidFill>
-                <a:schemeClr val="bg1"/>
-              </a:solidFill>
-              <a:latin typeface="微软雅黑" panose="020B0503020204020204" pitchFamily="34" charset="-122"/>
-              <a:ea typeface="微软雅黑" panose="020B0503020204020204" pitchFamily="34" charset="-122"/>
-            </a:endParaRPr>
-          </a:p>
-        </p:txBody>
-      </p:sp>
-      <p:sp>
-        <p:nvSpPr>
-          <p:cNvPr id="15" name="文本框 12"/>
-          <p:cNvSpPr txBox="1"/>
-          <p:nvPr/>
-        </p:nvSpPr>
-        <p:spPr>
-          <a:xfrm>
-            <a:off x="6517640" y="4874895"/>
-            <a:ext cx="1877060" cy="720725"/>
-          </a:xfrm>
-          <a:prstGeom prst="rect">
-            <a:avLst/>
-          </a:prstGeom>
-          <a:noFill/>
-        </p:spPr>
-        <p:txBody>
-          <a:bodyPr wrap="square" lIns="90170" tIns="46990" rIns="90170" bIns="46990" rtlCol="0">
-            <a:spAutoFit/>
-          </a:bodyPr>
-          <a:lstStyle/>
-          <a:p>
-            <a:pPr lvl="0" algn="just">
-              <a:lnSpc>
-                <a:spcPct val="170000"/>
-              </a:lnSpc>
-              <a:spcBef>
-                <a:spcPts val="0"/>
-              </a:spcBef>
-              <a:spcAft>
-                <a:spcPts val="0"/>
-              </a:spcAft>
-            </a:pPr>
-            <a:r>
-              <a:rPr lang="zh-CN" altLang="en-US" sz="800">
-                <a:solidFill>
-                  <a:schemeClr val="bg1"/>
-                </a:solidFill>
-                <a:latin typeface="微软雅黑" panose="020B0503020204020204" pitchFamily="34" charset="-122"/>
-                <a:ea typeface="微软雅黑" panose="020B0503020204020204" pitchFamily="34" charset="-122"/>
-              </a:rPr>
-              <a:t>客服部是最直接面对终端的部门，故要积极向客服部咨询及调差最新的顾客需求及意见</a:t>
-            </a:r>
-            <a:endParaRPr lang="zh-CN" altLang="en-US" sz="800">
-              <a:solidFill>
-                <a:schemeClr val="bg1"/>
-              </a:solidFill>
-              <a:latin typeface="微软雅黑" panose="020B0503020204020204" pitchFamily="34" charset="-122"/>
-              <a:ea typeface="微软雅黑" panose="020B0503020204020204" pitchFamily="34" charset="-122"/>
-            </a:endParaRPr>
-          </a:p>
-        </p:txBody>
-      </p:sp>
-      <p:sp>
-        <p:nvSpPr>
-          <p:cNvPr id="16" name="文本框 13"/>
-          <p:cNvSpPr txBox="1"/>
-          <p:nvPr/>
-        </p:nvSpPr>
-        <p:spPr>
-          <a:xfrm>
-            <a:off x="3691890" y="4549140"/>
-            <a:ext cx="1242060" cy="337185"/>
-          </a:xfrm>
-          <a:prstGeom prst="rect">
-            <a:avLst/>
-          </a:prstGeom>
-          <a:noFill/>
-        </p:spPr>
-        <p:txBody>
-          <a:bodyPr wrap="square" rtlCol="0">
-            <a:spAutoFit/>
-          </a:bodyPr>
-          <a:lstStyle/>
-          <a:p>
-            <a:pPr algn="dist"/>
-            <a:r>
-              <a:rPr lang="zh-CN" altLang="en-US" sz="1600" b="1">
-                <a:solidFill>
-                  <a:schemeClr val="bg1"/>
-                </a:solidFill>
-                <a:latin typeface="微软雅黑" panose="020B0503020204020204" pitchFamily="34" charset="-122"/>
-                <a:ea typeface="微软雅黑" panose="020B0503020204020204" pitchFamily="34" charset="-122"/>
-              </a:rPr>
-              <a:t>请输入标题</a:t>
-            </a:r>
-            <a:endParaRPr lang="zh-CN" altLang="en-US" sz="1600" b="1">
-              <a:solidFill>
-                <a:schemeClr val="bg1"/>
-              </a:solidFill>
-              <a:latin typeface="微软雅黑" panose="020B0503020204020204" pitchFamily="34" charset="-122"/>
-              <a:ea typeface="微软雅黑" panose="020B0503020204020204" pitchFamily="34" charset="-122"/>
-            </a:endParaRPr>
-          </a:p>
-        </p:txBody>
-      </p:sp>
-      <p:sp>
-        <p:nvSpPr>
-          <p:cNvPr id="18" name="文本框 14"/>
-          <p:cNvSpPr txBox="1"/>
-          <p:nvPr/>
-        </p:nvSpPr>
-        <p:spPr>
-          <a:xfrm>
-            <a:off x="3691890" y="4874895"/>
-            <a:ext cx="1877060" cy="720725"/>
-          </a:xfrm>
-          <a:prstGeom prst="rect">
-            <a:avLst/>
-          </a:prstGeom>
-          <a:noFill/>
-        </p:spPr>
-        <p:txBody>
-          <a:bodyPr wrap="square" lIns="90170" tIns="46990" rIns="90170" bIns="46990" rtlCol="0">
-            <a:spAutoFit/>
-          </a:bodyPr>
-          <a:lstStyle/>
-          <a:p>
-            <a:pPr lvl="0" algn="just">
-              <a:lnSpc>
-                <a:spcPct val="170000"/>
-              </a:lnSpc>
-              <a:spcBef>
-                <a:spcPts val="0"/>
-              </a:spcBef>
-              <a:spcAft>
-                <a:spcPts val="0"/>
-              </a:spcAft>
-            </a:pPr>
-            <a:r>
-              <a:rPr lang="zh-CN" altLang="en-US" sz="800" dirty="0">
-                <a:solidFill>
-                  <a:schemeClr val="bg1"/>
-                </a:solidFill>
-                <a:latin typeface="微软雅黑" panose="020B0503020204020204" pitchFamily="34" charset="-122"/>
-                <a:ea typeface="微软雅黑" panose="020B0503020204020204" pitchFamily="34" charset="-122"/>
-              </a:rPr>
-              <a:t>客服部是最直接面对终端的部门，故要积极向客服部咨询及调差最新的顾客需求及意见</a:t>
-            </a:r>
-            <a:endParaRPr lang="zh-CN" altLang="en-US" sz="800" dirty="0">
-              <a:solidFill>
-                <a:schemeClr val="bg1"/>
-              </a:solidFill>
-              <a:latin typeface="微软雅黑" panose="020B0503020204020204" pitchFamily="34" charset="-122"/>
-              <a:ea typeface="微软雅黑" panose="020B0503020204020204" pitchFamily="34" charset="-122"/>
-            </a:endParaRPr>
-          </a:p>
-        </p:txBody>
-      </p:sp>
-      <p:pic>
-        <p:nvPicPr>
-          <p:cNvPr id="28" name="Picture 5" descr="C:\Documents and Settings\Administrator\桌面\08.png"/>
-          <p:cNvPicPr>
-            <a:picLocks noGrp="1" noChangeAspect="1" noChangeArrowheads="1"/>
-          </p:cNvPicPr>
-          <p:nvPr>
-            <p:ph idx="4294967295"/>
-          </p:nvPr>
-        </p:nvPicPr>
-        <p:blipFill>
-          <a:blip r:embed="rId1" cstate="print"/>
-          <a:srcRect/>
-          <a:stretch>
-            <a:fillRect/>
-          </a:stretch>
-        </p:blipFill>
-        <p:spPr bwMode="auto">
-          <a:xfrm>
-            <a:off x="0" y="6324600"/>
-            <a:ext cx="12192000" cy="323850"/>
-          </a:xfrm>
-          <a:prstGeom prst="rect">
-            <a:avLst/>
-          </a:prstGeom>
-          <a:noFill/>
-        </p:spPr>
-      </p:pic>
-      <p:sp>
-        <p:nvSpPr>
-          <p:cNvPr id="36" name="文本框 13"/>
-          <p:cNvSpPr txBox="1"/>
-          <p:nvPr/>
-        </p:nvSpPr>
-        <p:spPr>
-          <a:xfrm>
-            <a:off x="1261297" y="137443"/>
-            <a:ext cx="2209165" cy="583565"/>
-          </a:xfrm>
-          <a:prstGeom prst="rect">
-            <a:avLst/>
-          </a:prstGeom>
-          <a:noFill/>
-        </p:spPr>
-        <p:txBody>
-          <a:bodyPr wrap="none" rtlCol="0">
-            <a:spAutoFit/>
-          </a:bodyPr>
-          <a:lstStyle/>
-          <a:p>
-            <a:pPr marL="342900" indent="-342900">
-              <a:spcBef>
-                <a:spcPts val="1200"/>
-              </a:spcBef>
-              <a:buFont typeface="Wingdings" panose="05000000000000000000" pitchFamily="2" charset="2"/>
-              <a:buChar char="u"/>
-            </a:pPr>
-            <a:r>
-              <a:rPr lang="zh-CN" altLang="en-US" sz="3200" b="1" dirty="0">
-                <a:solidFill>
-                  <a:srgbClr val="CC9933"/>
-                </a:solidFill>
-                <a:latin typeface="微软雅黑" panose="020B0503020204020204" pitchFamily="34" charset="-122"/>
-                <a:ea typeface="微软雅黑" panose="020B0503020204020204" pitchFamily="34" charset="-122"/>
-              </a:rPr>
-              <a:t>研究现状</a:t>
-            </a:r>
-            <a:endParaRPr lang="zh-CN" altLang="en-US" sz="3200" b="1" dirty="0">
-              <a:solidFill>
-                <a:srgbClr val="CC9933"/>
-              </a:solidFill>
-              <a:latin typeface="微软雅黑" panose="020B0503020204020204" pitchFamily="34" charset="-122"/>
-              <a:ea typeface="微软雅黑" panose="020B0503020204020204" pitchFamily="34" charset="-122"/>
-            </a:endParaRPr>
+          <p:cNvPr id="5" name="矩形 4"/>
+          <p:cNvSpPr/>
+          <p:nvPr/>
+        </p:nvSpPr>
+        <p:spPr>
+          <a:xfrm>
+            <a:off x="-31750" y="-19050"/>
+            <a:ext cx="12242165" cy="6887845"/>
+          </a:xfrm>
+          <a:prstGeom prst="rect">
+            <a:avLst/>
+          </a:prstGeom>
+          <a:solidFill>
+            <a:srgbClr val="00468B"/>
+          </a:solidFill>
+          <a:ln>
+            <a:noFill/>
+          </a:ln>
+        </p:spPr>
+        <p:style>
+          <a:lnRef idx="2">
+            <a:schemeClr val="accent1">
+              <a:shade val="50000"/>
+            </a:schemeClr>
+          </a:lnRef>
+          <a:fillRef idx="1">
+            <a:schemeClr val="accent1"/>
+          </a:fillRef>
+          <a:effectRef idx="0">
+            <a:schemeClr val="accent1"/>
+          </a:effectRef>
+          <a:fontRef idx="minor">
+            <a:schemeClr val="lt1"/>
+          </a:fontRef>
+        </p:style>
+        <p:txBody>
+          <a:bodyPr rtlCol="0" anchor="ctr"/>
+          <a:lstStyle/>
+          <a:p>
+            <a:pPr algn="ctr"/>
+            <a:endParaRPr lang="zh-CN" altLang="en-US"/>
           </a:p>
         </p:txBody>
       </p:sp>
       <p:cxnSp>
         <p:nvCxnSpPr>
-          <p:cNvPr id="38" name="直接连接符 37"/>
+          <p:cNvPr id="21" name="直接连接符 20"/>
           <p:cNvCxnSpPr/>
           <p:nvPr/>
         </p:nvCxnSpPr>
@@ -8453,7 +8891,7 @@
           </a:prstGeom>
           <a:ln w="9525">
             <a:solidFill>
-              <a:schemeClr val="tx1"/>
+              <a:schemeClr val="bg1"/>
             </a:solidFill>
           </a:ln>
         </p:spPr>
@@ -8472,6 +8910,273 @@
           </a:fontRef>
         </p:style>
       </p:cxnSp>
+      <p:sp>
+        <p:nvSpPr>
+          <p:cNvPr id="16" name="文本框 13"/>
+          <p:cNvSpPr txBox="1"/>
+          <p:nvPr/>
+        </p:nvSpPr>
+        <p:spPr>
+          <a:xfrm>
+            <a:off x="1261297" y="137443"/>
+            <a:ext cx="2811780" cy="303530"/>
+          </a:xfrm>
+          <a:prstGeom prst="rect">
+            <a:avLst/>
+          </a:prstGeom>
+          <a:noFill/>
+        </p:spPr>
+        <p:txBody>
+          <a:bodyPr wrap="none" rtlCol="0">
+            <a:spAutoFit/>
+          </a:bodyPr>
+          <a:lstStyle/>
+          <a:p>
+            <a:pPr algn="l"/>
+            <a:r>
+              <a:rPr lang="zh-CN" altLang="en-US" sz="1380" dirty="0">
+                <a:solidFill>
+                  <a:schemeClr val="bg1"/>
+                </a:solidFill>
+                <a:latin typeface="微软雅黑" panose="020B0503020204020204" pitchFamily="34" charset="-122"/>
+                <a:ea typeface="微软雅黑" panose="020B0503020204020204" pitchFamily="34" charset="-122"/>
+              </a:rPr>
+              <a:t>电子科技大学机械与电气工程学院</a:t>
+            </a:r>
+            <a:endParaRPr lang="zh-CN" altLang="en-US" sz="1380" dirty="0">
+              <a:solidFill>
+                <a:schemeClr val="bg1"/>
+              </a:solidFill>
+              <a:latin typeface="微软雅黑" panose="020B0503020204020204" pitchFamily="34" charset="-122"/>
+              <a:ea typeface="微软雅黑" panose="020B0503020204020204" pitchFamily="34" charset="-122"/>
+            </a:endParaRPr>
+          </a:p>
+        </p:txBody>
+      </p:sp>
+      <p:sp>
+        <p:nvSpPr>
+          <p:cNvPr id="17" name="文本框 15"/>
+          <p:cNvSpPr txBox="1"/>
+          <p:nvPr/>
+        </p:nvSpPr>
+        <p:spPr>
+          <a:xfrm>
+            <a:off x="1265107" y="385093"/>
+            <a:ext cx="2880360" cy="232410"/>
+          </a:xfrm>
+          <a:prstGeom prst="rect">
+            <a:avLst/>
+          </a:prstGeom>
+          <a:noFill/>
+        </p:spPr>
+        <p:txBody>
+          <a:bodyPr wrap="square" rtlCol="0">
+            <a:spAutoFit/>
+          </a:bodyPr>
+          <a:lstStyle/>
+          <a:p>
+            <a:r>
+              <a:rPr lang="zh-CN" altLang="en-US" sz="920" dirty="0">
+                <a:solidFill>
+                  <a:schemeClr val="bg1"/>
+                </a:solidFill>
+                <a:latin typeface="微软雅黑" panose="020B0503020204020204" pitchFamily="34" charset="-122"/>
+                <a:ea typeface="微软雅黑" panose="020B0503020204020204" pitchFamily="34" charset="-122"/>
+              </a:rPr>
+              <a:t>School of Mechanical and Electrical Engineering</a:t>
+            </a:r>
+            <a:endParaRPr lang="zh-CN" altLang="en-US" sz="920" dirty="0">
+              <a:solidFill>
+                <a:schemeClr val="bg1"/>
+              </a:solidFill>
+              <a:latin typeface="微软雅黑" panose="020B0503020204020204" pitchFamily="34" charset="-122"/>
+              <a:ea typeface="微软雅黑" panose="020B0503020204020204" pitchFamily="34" charset="-122"/>
+            </a:endParaRPr>
+          </a:p>
+        </p:txBody>
+      </p:sp>
+      <p:cxnSp>
+        <p:nvCxnSpPr>
+          <p:cNvPr id="18" name="直接连接符 17"/>
+          <p:cNvCxnSpPr/>
+          <p:nvPr/>
+        </p:nvCxnSpPr>
+        <p:spPr>
+          <a:xfrm>
+            <a:off x="1180017" y="44098"/>
+            <a:ext cx="0" cy="645160"/>
+          </a:xfrm>
+          <a:prstGeom prst="line">
+            <a:avLst/>
+          </a:prstGeom>
+          <a:ln w="9525">
+            <a:solidFill>
+              <a:schemeClr val="bg1"/>
+            </a:solidFill>
+          </a:ln>
+        </p:spPr>
+        <p:style>
+          <a:lnRef idx="1">
+            <a:schemeClr val="accent1"/>
+          </a:lnRef>
+          <a:fillRef idx="0">
+            <a:schemeClr val="accent1"/>
+          </a:fillRef>
+          <a:effectRef idx="0">
+            <a:schemeClr val="accent1"/>
+          </a:effectRef>
+          <a:fontRef idx="minor">
+            <a:schemeClr val="tx1"/>
+          </a:fontRef>
+        </p:style>
+      </p:cxnSp>
+      <p:pic>
+        <p:nvPicPr>
+          <p:cNvPr id="22" name="图片 21"/>
+          <p:cNvPicPr>
+            <a:picLocks noChangeAspect="1"/>
+          </p:cNvPicPr>
+          <p:nvPr/>
+        </p:nvPicPr>
+        <p:blipFill>
+          <a:blip r:embed="rId1" cstate="print">
+            <a:extLst>
+              <a:ext uri="{28A0092B-C50C-407E-A947-70E740481C1C}">
+                <a14:useLocalDpi xmlns:a14="http://schemas.microsoft.com/office/drawing/2010/main" val="0"/>
+              </a:ext>
+            </a:extLst>
+          </a:blip>
+          <a:stretch>
+            <a:fillRect/>
+          </a:stretch>
+        </p:blipFill>
+        <p:spPr>
+          <a:xfrm>
+            <a:off x="384649" y="26500"/>
+            <a:ext cx="583162" cy="680356"/>
+          </a:xfrm>
+          <a:prstGeom prst="rect">
+            <a:avLst/>
+          </a:prstGeom>
+        </p:spPr>
+      </p:pic>
+      <p:pic>
+        <p:nvPicPr>
+          <p:cNvPr id="23" name="图片 22" descr="03-1"/>
+          <p:cNvPicPr>
+            <a:picLocks noChangeAspect="1"/>
+          </p:cNvPicPr>
+          <p:nvPr/>
+        </p:nvPicPr>
+        <p:blipFill>
+          <a:blip r:embed="rId2" cstate="print"/>
+          <a:stretch>
+            <a:fillRect/>
+          </a:stretch>
+        </p:blipFill>
+        <p:spPr>
+          <a:xfrm>
+            <a:off x="2389505" y="5318125"/>
+            <a:ext cx="7412990" cy="1551305"/>
+          </a:xfrm>
+          <a:prstGeom prst="rect">
+            <a:avLst/>
+          </a:prstGeom>
+        </p:spPr>
+      </p:pic>
+      <p:sp>
+        <p:nvSpPr>
+          <p:cNvPr id="2" name="矩形 1"/>
+          <p:cNvSpPr/>
+          <p:nvPr/>
+        </p:nvSpPr>
+        <p:spPr>
+          <a:xfrm>
+            <a:off x="2672731" y="1452642"/>
+            <a:ext cx="1135380" cy="2399665"/>
+          </a:xfrm>
+          <a:prstGeom prst="rect">
+            <a:avLst/>
+          </a:prstGeom>
+          <a:noFill/>
+        </p:spPr>
+        <p:txBody>
+          <a:bodyPr wrap="none" lIns="91440" tIns="45720" rIns="91440" bIns="45720">
+            <a:spAutoFit/>
+            <a:scene3d>
+              <a:camera prst="orthographicFront"/>
+              <a:lightRig rig="soft" dir="t">
+                <a:rot lat="0" lon="0" rev="15600000"/>
+              </a:lightRig>
+            </a:scene3d>
+            <a:sp3d extrusionH="57150" prstMaterial="softEdge">
+              <a:bevelT w="25400" h="38100"/>
+            </a:sp3d>
+          </a:bodyPr>
+          <a:lstStyle/>
+          <a:p>
+            <a:pPr algn="ctr"/>
+            <a:r>
+              <a:rPr lang="en-US" altLang="zh-CN" sz="15000" b="1" i="1" dirty="0">
+                <a:solidFill>
+                  <a:schemeClr val="accent4"/>
+                </a:solidFill>
+                <a:latin typeface="Times New Roman" panose="02020603050405020304" pitchFamily="18" charset="0"/>
+                <a:cs typeface="Times New Roman" panose="02020603050405020304" pitchFamily="18" charset="0"/>
+              </a:rPr>
+              <a:t>2</a:t>
+            </a:r>
+            <a:endParaRPr lang="en-US" altLang="zh-CN" sz="15000" b="1" i="1" dirty="0">
+              <a:solidFill>
+                <a:schemeClr val="accent4"/>
+              </a:solidFill>
+              <a:latin typeface="Times New Roman" panose="02020603050405020304" pitchFamily="18" charset="0"/>
+              <a:cs typeface="Times New Roman" panose="02020603050405020304" pitchFamily="18" charset="0"/>
+            </a:endParaRPr>
+          </a:p>
+        </p:txBody>
+      </p:sp>
+      <p:sp>
+        <p:nvSpPr>
+          <p:cNvPr id="3" name="文本框 2"/>
+          <p:cNvSpPr txBox="1"/>
+          <p:nvPr/>
+        </p:nvSpPr>
+        <p:spPr>
+          <a:xfrm>
+            <a:off x="4727575" y="2238375"/>
+            <a:ext cx="2723515" cy="829945"/>
+          </a:xfrm>
+          <a:prstGeom prst="rect">
+            <a:avLst/>
+          </a:prstGeom>
+          <a:noFill/>
+        </p:spPr>
+        <p:txBody>
+          <a:bodyPr wrap="square" rtlCol="0">
+            <a:spAutoFit/>
+          </a:bodyPr>
+          <a:p>
+            <a:r>
+              <a:rPr lang="zh-CN" altLang="en-US" sz="4800" b="1">
+                <a:solidFill>
+                  <a:schemeClr val="accent4"/>
+                </a:solidFill>
+                <a:latin typeface="微软雅黑" panose="020B0503020204020204" pitchFamily="34" charset="-122"/>
+                <a:ea typeface="微软雅黑" panose="020B0503020204020204" pitchFamily="34" charset="-122"/>
+              </a:rPr>
+              <a:t>研究现状</a:t>
+            </a:r>
+            <a:endParaRPr lang="zh-CN" altLang="en-US" sz="4800" b="1">
+              <a:solidFill>
+                <a:schemeClr val="accent4"/>
+              </a:solidFill>
+              <a:latin typeface="微软雅黑" panose="020B0503020204020204" pitchFamily="34" charset="-122"/>
+              <a:ea typeface="微软雅黑" panose="020B0503020204020204" pitchFamily="34" charset="-122"/>
+            </a:endParaRPr>
+          </a:p>
+        </p:txBody>
+      </p:sp>
     </p:spTree>
   </p:cSld>
   <p:clrMapOvr>
@@ -8499,53 +9204,111 @@
       </p:grpSpPr>
       <p:sp>
         <p:nvSpPr>
-          <p:cNvPr id="5" name="矩形 4"/>
-          <p:cNvSpPr/>
-          <p:nvPr/>
-        </p:nvSpPr>
-        <p:spPr>
-          <a:xfrm>
-            <a:off x="-31750" y="-19050"/>
-            <a:ext cx="12242165" cy="6887845"/>
-          </a:xfrm>
-          <a:prstGeom prst="rect">
-            <a:avLst/>
-          </a:prstGeom>
-          <a:solidFill>
-            <a:srgbClr val="00468B"/>
-          </a:solidFill>
-          <a:ln>
-            <a:noFill/>
-          </a:ln>
-        </p:spPr>
-        <p:style>
-          <a:lnRef idx="2">
-            <a:schemeClr val="accent1">
-              <a:shade val="50000"/>
-            </a:schemeClr>
-          </a:lnRef>
-          <a:fillRef idx="1">
-            <a:schemeClr val="accent1"/>
-          </a:fillRef>
-          <a:effectRef idx="0">
-            <a:schemeClr val="accent1"/>
-          </a:effectRef>
-          <a:fontRef idx="minor">
-            <a:schemeClr val="lt1"/>
-          </a:fontRef>
-        </p:style>
-        <p:txBody>
-          <a:bodyPr rtlCol="0" anchor="ctr"/>
-          <a:lstStyle/>
-          <a:p>
-            <a:pPr algn="ctr"/>
-            <a:endParaRPr lang="zh-CN" altLang="en-US"/>
+          <p:cNvPr id="9" name="文本框 4"/>
+          <p:cNvSpPr txBox="1"/>
+          <p:nvPr/>
+        </p:nvSpPr>
+        <p:spPr>
+          <a:xfrm>
+            <a:off x="376974" y="898927"/>
+            <a:ext cx="11412504" cy="891540"/>
+          </a:xfrm>
+          <a:prstGeom prst="rect">
+            <a:avLst/>
+          </a:prstGeom>
+          <a:noFill/>
+        </p:spPr>
+        <p:txBody>
+          <a:bodyPr wrap="square" rtlCol="0">
+            <a:spAutoFit/>
+          </a:bodyPr>
+          <a:lstStyle/>
+          <a:p>
+            <a:pPr marL="457200" indent="-457200">
+              <a:buFont typeface="Arial" panose="020B0604020202020204" pitchFamily="34" charset="0"/>
+              <a:buChar char="•"/>
+            </a:pPr>
+            <a:r>
+              <a:rPr lang="zh-CN" altLang="en-US" sz="2800" b="1" dirty="0">
+                <a:solidFill>
+                  <a:srgbClr val="7030A0"/>
+                </a:solidFill>
+                <a:latin typeface="微软雅黑" panose="020B0503020204020204" pitchFamily="34" charset="-122"/>
+                <a:ea typeface="微软雅黑" panose="020B0503020204020204" pitchFamily="34" charset="-122"/>
+              </a:rPr>
+              <a:t>研究意义</a:t>
+            </a:r>
+            <a:endParaRPr lang="en-US" altLang="zh-CN" sz="2800" b="1" dirty="0">
+              <a:solidFill>
+                <a:srgbClr val="7030A0"/>
+              </a:solidFill>
+              <a:latin typeface="微软雅黑" panose="020B0503020204020204" pitchFamily="34" charset="-122"/>
+              <a:ea typeface="微软雅黑" panose="020B0503020204020204" pitchFamily="34" charset="-122"/>
+            </a:endParaRPr>
+          </a:p>
+          <a:p>
+            <a:endParaRPr lang="zh-CN" altLang="en-US" sz="2400" b="1" dirty="0">
+              <a:solidFill>
+                <a:srgbClr val="7030A0"/>
+              </a:solidFill>
+              <a:latin typeface="微软雅黑" panose="020B0503020204020204" pitchFamily="34" charset="-122"/>
+              <a:ea typeface="微软雅黑" panose="020B0503020204020204" pitchFamily="34" charset="-122"/>
+            </a:endParaRPr>
+          </a:p>
+        </p:txBody>
+      </p:sp>
+      <p:sp>
+        <p:nvSpPr>
+          <p:cNvPr id="36" name="文本框 13"/>
+          <p:cNvSpPr txBox="1"/>
+          <p:nvPr/>
+        </p:nvSpPr>
+        <p:spPr>
+          <a:xfrm>
+            <a:off x="1261297" y="137443"/>
+            <a:ext cx="2209165" cy="583565"/>
+          </a:xfrm>
+          <a:prstGeom prst="rect">
+            <a:avLst/>
+          </a:prstGeom>
+          <a:noFill/>
+        </p:spPr>
+        <p:txBody>
+          <a:bodyPr wrap="none" rtlCol="0">
+            <a:spAutoFit/>
+          </a:bodyPr>
+          <a:lstStyle/>
+          <a:p>
+            <a:pPr marL="342900" indent="-342900">
+              <a:spcBef>
+                <a:spcPts val="1200"/>
+              </a:spcBef>
+              <a:buFont typeface="Wingdings" panose="05000000000000000000" pitchFamily="2" charset="2"/>
+              <a:buChar char="u"/>
+            </a:pPr>
+            <a:r>
+              <a:rPr lang="zh-CN" altLang="en-US" sz="3200" b="1" dirty="0">
+                <a:solidFill>
+                  <a:srgbClr val="CC9933"/>
+                </a:solidFill>
+                <a:latin typeface="微软雅黑" panose="020B0503020204020204" pitchFamily="34" charset="-122"/>
+                <a:ea typeface="微软雅黑" panose="020B0503020204020204" pitchFamily="34" charset="-122"/>
+              </a:rPr>
+              <a:t>研究现状</a:t>
+            </a:r>
+            <a:endParaRPr lang="zh-CN" altLang="en-US" sz="3200" b="1" dirty="0">
+              <a:solidFill>
+                <a:srgbClr val="CC9933"/>
+              </a:solidFill>
+              <a:latin typeface="微软雅黑" panose="020B0503020204020204" pitchFamily="34" charset="-122"/>
+              <a:ea typeface="微软雅黑" panose="020B0503020204020204" pitchFamily="34" charset="-122"/>
+            </a:endParaRPr>
           </a:p>
         </p:txBody>
       </p:sp>
       <p:cxnSp>
         <p:nvCxnSpPr>
-          <p:cNvPr id="21" name="直接连接符 20"/>
+          <p:cNvPr id="38" name="直接连接符 37"/>
           <p:cNvCxnSpPr/>
           <p:nvPr/>
         </p:nvCxnSpPr>
@@ -8559,7 +9322,7 @@
           </a:prstGeom>
           <a:ln w="9525">
             <a:solidFill>
-              <a:schemeClr val="bg1"/>
+              <a:schemeClr val="tx1"/>
             </a:solidFill>
           </a:ln>
         </p:spPr>
@@ -8580,268 +9343,87 @@
       </p:cxnSp>
       <p:sp>
         <p:nvSpPr>
-          <p:cNvPr id="16" name="文本框 13"/>
+          <p:cNvPr id="3" name="文本框 2"/>
           <p:cNvSpPr txBox="1"/>
           <p:nvPr/>
         </p:nvSpPr>
         <p:spPr>
           <a:xfrm>
-            <a:off x="1261297" y="137443"/>
-            <a:ext cx="2811780" cy="303530"/>
+            <a:off x="748030" y="2299335"/>
+            <a:ext cx="5587365" cy="3046095"/>
           </a:xfrm>
           <a:prstGeom prst="rect">
             <a:avLst/>
           </a:prstGeom>
           <a:noFill/>
-        </p:spPr>
-        <p:txBody>
-          <a:bodyPr wrap="none" rtlCol="0">
+          <a:ln w="9525">
+            <a:noFill/>
+          </a:ln>
+        </p:spPr>
+        <p:txBody>
+          <a:bodyPr wrap="square">
             <a:spAutoFit/>
           </a:bodyPr>
-          <a:lstStyle/>
-          <a:p>
-            <a:pPr algn="l"/>
-            <a:r>
-              <a:rPr lang="zh-CN" altLang="en-US" sz="1380" dirty="0">
+          <a:p>
+            <a:pPr indent="0"/>
+            <a:r>
+              <a:rPr lang="zh-CN" sz="2400" b="0">
+                <a:latin typeface="Times New Roman" panose="02020603050405020304" pitchFamily="18" charset="0"/>
+                <a:ea typeface="宋体" panose="02010600030101010101" pitchFamily="2" charset="-122"/>
+              </a:rPr>
+              <a:t>近年来，各国已建、在建和将建的</a:t>
+            </a:r>
+            <a:r>
+              <a:rPr lang="zh-CN" sz="2400" b="1">
                 <a:solidFill>
-                  <a:schemeClr val="bg1"/>
+                  <a:srgbClr val="FFC000"/>
                 </a:solidFill>
-                <a:latin typeface="微软雅黑" panose="020B0503020204020204" pitchFamily="34" charset="-122"/>
-                <a:ea typeface="微软雅黑" panose="020B0503020204020204" pitchFamily="34" charset="-122"/>
-              </a:rPr>
-              <a:t>电子科技大学机械与电气工程学院</a:t>
-            </a:r>
-            <a:endParaRPr lang="zh-CN" altLang="en-US" sz="1380" dirty="0">
-              <a:solidFill>
-                <a:schemeClr val="bg1"/>
-              </a:solidFill>
-              <a:latin typeface="微软雅黑" panose="020B0503020204020204" pitchFamily="34" charset="-122"/>
-              <a:ea typeface="微软雅黑" panose="020B0503020204020204" pitchFamily="34" charset="-122"/>
-            </a:endParaRPr>
-          </a:p>
-        </p:txBody>
-      </p:sp>
-      <p:sp>
-        <p:nvSpPr>
-          <p:cNvPr id="17" name="文本框 15"/>
+                <a:latin typeface="Times New Roman" panose="02020603050405020304" pitchFamily="18" charset="0"/>
+                <a:ea typeface="宋体" panose="02010600030101010101" pitchFamily="2" charset="-122"/>
+              </a:rPr>
+              <a:t>跨海大桥、海底隧道、海港码头以及沿海地区、除冰盐地区兴建的高速铁路、高速公路、桥梁、工业建筑</a:t>
+            </a:r>
+            <a:r>
+              <a:rPr lang="zh-CN" sz="2400" b="0">
+                <a:latin typeface="Times New Roman" panose="02020603050405020304" pitchFamily="18" charset="0"/>
+                <a:ea typeface="宋体" panose="02010600030101010101" pitchFamily="2" charset="-122"/>
+              </a:rPr>
+              <a:t>等重大工程都广泛采用预应力混凝土结构，这些环境下结构的耐久性面临巨大挑战，如何对结构进行良好的腐蚀防护和监测成为了研究的重点</a:t>
+            </a:r>
+            <a:endParaRPr lang="zh-CN" altLang="en-US" sz="2400"/>
+          </a:p>
+        </p:txBody>
+      </p:sp>
+      <p:sp>
+        <p:nvSpPr>
+          <p:cNvPr id="5" name="文本框 4"/>
           <p:cNvSpPr txBox="1"/>
           <p:nvPr/>
         </p:nvSpPr>
         <p:spPr>
           <a:xfrm>
-            <a:off x="1265107" y="385093"/>
-            <a:ext cx="2880360" cy="232410"/>
+            <a:off x="6335395" y="2299335"/>
+            <a:ext cx="5587365" cy="3046095"/>
           </a:xfrm>
           <a:prstGeom prst="rect">
             <a:avLst/>
           </a:prstGeom>
           <a:noFill/>
-        </p:spPr>
-        <p:txBody>
-          <a:bodyPr wrap="square" rtlCol="0">
+          <a:ln w="9525">
+            <a:noFill/>
+          </a:ln>
+        </p:spPr>
+        <p:txBody>
+          <a:bodyPr wrap="square">
             <a:spAutoFit/>
           </a:bodyPr>
-          <a:lstStyle/>
-          <a:p>
-            <a:r>
-              <a:rPr lang="zh-CN" altLang="en-US" sz="920" dirty="0">
-                <a:solidFill>
-                  <a:schemeClr val="bg1"/>
-                </a:solidFill>
-                <a:latin typeface="微软雅黑" panose="020B0503020204020204" pitchFamily="34" charset="-122"/>
-                <a:ea typeface="微软雅黑" panose="020B0503020204020204" pitchFamily="34" charset="-122"/>
-              </a:rPr>
-              <a:t>School of Mechanical and Electrical Engineering</a:t>
-            </a:r>
-            <a:endParaRPr lang="zh-CN" altLang="en-US" sz="920" dirty="0">
-              <a:solidFill>
-                <a:schemeClr val="bg1"/>
-              </a:solidFill>
-              <a:latin typeface="微软雅黑" panose="020B0503020204020204" pitchFamily="34" charset="-122"/>
-              <a:ea typeface="微软雅黑" panose="020B0503020204020204" pitchFamily="34" charset="-122"/>
-            </a:endParaRPr>
-          </a:p>
-        </p:txBody>
-      </p:sp>
-      <p:cxnSp>
-        <p:nvCxnSpPr>
-          <p:cNvPr id="18" name="直接连接符 17"/>
-          <p:cNvCxnSpPr/>
-          <p:nvPr/>
-        </p:nvCxnSpPr>
-        <p:spPr>
-          <a:xfrm>
-            <a:off x="1180017" y="44098"/>
-            <a:ext cx="0" cy="645160"/>
-          </a:xfrm>
-          <a:prstGeom prst="line">
-            <a:avLst/>
-          </a:prstGeom>
-          <a:ln w="9525">
-            <a:solidFill>
-              <a:schemeClr val="bg1"/>
-            </a:solidFill>
-          </a:ln>
-        </p:spPr>
-        <p:style>
-          <a:lnRef idx="1">
-            <a:schemeClr val="accent1"/>
-          </a:lnRef>
-          <a:fillRef idx="0">
-            <a:schemeClr val="accent1"/>
-          </a:fillRef>
-          <a:effectRef idx="0">
-            <a:schemeClr val="accent1"/>
-          </a:effectRef>
-          <a:fontRef idx="minor">
-            <a:schemeClr val="tx1"/>
-          </a:fontRef>
-        </p:style>
-      </p:cxnSp>
-      <p:pic>
-        <p:nvPicPr>
-          <p:cNvPr id="22" name="图片 21"/>
-          <p:cNvPicPr>
-            <a:picLocks noChangeAspect="1"/>
-          </p:cNvPicPr>
-          <p:nvPr/>
-        </p:nvPicPr>
-        <p:blipFill>
-          <a:blip r:embed="rId1" cstate="print">
-            <a:extLst>
-              <a:ext uri="{28A0092B-C50C-407E-A947-70E740481C1C}">
-                <a14:useLocalDpi xmlns:a14="http://schemas.microsoft.com/office/drawing/2010/main" val="0"/>
-              </a:ext>
-            </a:extLst>
-          </a:blip>
-          <a:stretch>
-            <a:fillRect/>
-          </a:stretch>
-        </p:blipFill>
-        <p:spPr>
-          <a:xfrm>
-            <a:off x="384649" y="26500"/>
-            <a:ext cx="583162" cy="680356"/>
-          </a:xfrm>
-          <a:prstGeom prst="rect">
-            <a:avLst/>
-          </a:prstGeom>
-        </p:spPr>
-      </p:pic>
-      <p:pic>
-        <p:nvPicPr>
-          <p:cNvPr id="23" name="图片 22" descr="03-1"/>
-          <p:cNvPicPr>
-            <a:picLocks noChangeAspect="1"/>
-          </p:cNvPicPr>
-          <p:nvPr/>
-        </p:nvPicPr>
-        <p:blipFill>
-          <a:blip r:embed="rId2" cstate="print"/>
-          <a:stretch>
-            <a:fillRect/>
-          </a:stretch>
-        </p:blipFill>
-        <p:spPr>
-          <a:xfrm>
-            <a:off x="2389505" y="5318125"/>
-            <a:ext cx="7412990" cy="1551305"/>
-          </a:xfrm>
-          <a:prstGeom prst="rect">
-            <a:avLst/>
-          </a:prstGeom>
-        </p:spPr>
-      </p:pic>
-      <p:sp>
-        <p:nvSpPr>
-          <p:cNvPr id="2" name="矩形 1"/>
-          <p:cNvSpPr/>
-          <p:nvPr/>
-        </p:nvSpPr>
-        <p:spPr>
-          <a:xfrm>
-            <a:off x="2672731" y="1452642"/>
-            <a:ext cx="1135380" cy="2399665"/>
-          </a:xfrm>
-          <a:prstGeom prst="rect">
-            <a:avLst/>
-          </a:prstGeom>
-          <a:noFill/>
-        </p:spPr>
-        <p:txBody>
-          <a:bodyPr wrap="none" lIns="91440" tIns="45720" rIns="91440" bIns="45720">
-            <a:spAutoFit/>
-            <a:scene3d>
-              <a:camera prst="orthographicFront"/>
-              <a:lightRig rig="soft" dir="t">
-                <a:rot lat="0" lon="0" rev="15600000"/>
-              </a:lightRig>
-            </a:scene3d>
-            <a:sp3d extrusionH="57150" prstMaterial="softEdge">
-              <a:bevelT w="25400" h="38100"/>
-            </a:sp3d>
-          </a:bodyPr>
-          <a:lstStyle/>
-          <a:p>
-            <a:pPr algn="ctr"/>
-            <a:r>
-              <a:rPr lang="en-US" altLang="zh-CN" sz="15000" b="1" i="1" dirty="0">
-                <a:solidFill>
-                  <a:schemeClr val="accent4"/>
-                </a:solidFill>
-                <a:latin typeface="Times New Roman" panose="02020603050405020304" pitchFamily="18" charset="0"/>
-                <a:cs typeface="Times New Roman" panose="02020603050405020304" pitchFamily="18" charset="0"/>
-              </a:rPr>
-              <a:t>3</a:t>
-            </a:r>
-            <a:endParaRPr lang="en-US" altLang="zh-CN" sz="15000" b="1" i="1" dirty="0">
-              <a:solidFill>
-                <a:schemeClr val="accent4"/>
-              </a:solidFill>
-              <a:latin typeface="Times New Roman" panose="02020603050405020304" pitchFamily="18" charset="0"/>
-              <a:cs typeface="Times New Roman" panose="02020603050405020304" pitchFamily="18" charset="0"/>
-            </a:endParaRPr>
-          </a:p>
-        </p:txBody>
-      </p:sp>
-      <p:sp>
-        <p:nvSpPr>
-          <p:cNvPr id="3" name="文本框 2"/>
-          <p:cNvSpPr txBox="1"/>
-          <p:nvPr/>
-        </p:nvSpPr>
-        <p:spPr>
-          <a:xfrm>
-            <a:off x="4727575" y="2238375"/>
-            <a:ext cx="2723515" cy="829945"/>
-          </a:xfrm>
-          <a:prstGeom prst="rect">
-            <a:avLst/>
-          </a:prstGeom>
-          <a:noFill/>
-        </p:spPr>
-        <p:txBody>
-          <a:bodyPr wrap="square" rtlCol="0">
-            <a:spAutoFit/>
-          </a:bodyPr>
-          <a:p>
-            <a:r>
-              <a:rPr lang="zh-CN" altLang="en-US" sz="4800" b="1">
-                <a:solidFill>
-                  <a:schemeClr val="accent4"/>
-                </a:solidFill>
-                <a:latin typeface="微软雅黑" panose="020B0503020204020204" pitchFamily="34" charset="-122"/>
-                <a:ea typeface="微软雅黑" panose="020B0503020204020204" pitchFamily="34" charset="-122"/>
-              </a:rPr>
-              <a:t>研究问题</a:t>
-            </a:r>
-            <a:endParaRPr lang="zh-CN" altLang="en-US" sz="4800" b="1">
-              <a:solidFill>
-                <a:schemeClr val="accent4"/>
-              </a:solidFill>
-              <a:latin typeface="微软雅黑" panose="020B0503020204020204" pitchFamily="34" charset="-122"/>
-              <a:ea typeface="微软雅黑" panose="020B0503020204020204" pitchFamily="34" charset="-122"/>
-            </a:endParaRPr>
+          <a:p>
+            <a:pPr indent="0"/>
+            <a:r>
+              <a:rPr lang="zh-CN" altLang="en-US" sz="2400"/>
+              <a:t>常规锚固体系已经不能满足腐蚀防护和监测的要求，通过研究电隔离防护技术，开展电隔离预应力锚固技术的研究，提升结构抗腐蚀性能并对其健康状况进行长期监测，对确保重大土木工程结构全寿命使用安全，推动混凝土结构理论与技术应用，实现经济社会绿色、可持续发展具有重要意义。</a:t>
+            </a:r>
+            <a:endParaRPr lang="zh-CN" altLang="en-US" sz="2400"/>
           </a:p>
         </p:txBody>
       </p:sp>
@@ -8879,7 +9461,7 @@
         <p:spPr>
           <a:xfrm>
             <a:off x="376974" y="898927"/>
-            <a:ext cx="11412504" cy="6063198"/>
+            <a:ext cx="11412504" cy="891540"/>
           </a:xfrm>
           <a:prstGeom prst="rect">
             <a:avLst/>
@@ -8904,7 +9486,7 @@
                 <a:latin typeface="微软雅黑" panose="020B0503020204020204" pitchFamily="34" charset="-122"/>
                 <a:ea typeface="微软雅黑" panose="020B0503020204020204" pitchFamily="34" charset="-122"/>
               </a:rPr>
-              <a:t>科学研究</a:t>
+              <a:t>研究意义</a:t>
             </a:r>
             <a:endParaRPr lang="en-US" altLang="zh-CN" sz="2800" b="1" dirty="0">
               <a:solidFill>
@@ -8915,232 +9497,6 @@
             </a:endParaRPr>
           </a:p>
           <a:p>
-            <a:pPr>
-              <a:lnSpc>
-                <a:spcPct val="200000"/>
-              </a:lnSpc>
-            </a:pPr>
-            <a:r>
-              <a:rPr lang="zh-CN" altLang="en-US" sz="2800" b="1" dirty="0">
-                <a:solidFill>
-                  <a:srgbClr val="7030A0"/>
-                </a:solidFill>
-                <a:latin typeface="微软雅黑" panose="020B0503020204020204" pitchFamily="34" charset="-122"/>
-                <a:ea typeface="微软雅黑" panose="020B0503020204020204" pitchFamily="34" charset="-122"/>
-              </a:rPr>
-              <a:t>（</a:t>
-            </a:r>
-            <a:r>
-              <a:rPr lang="en-US" altLang="zh-CN" sz="2800" b="1" dirty="0">
-                <a:solidFill>
-                  <a:srgbClr val="7030A0"/>
-                </a:solidFill>
-                <a:latin typeface="微软雅黑" panose="020B0503020204020204" pitchFamily="34" charset="-122"/>
-                <a:ea typeface="微软雅黑" panose="020B0503020204020204" pitchFamily="34" charset="-122"/>
-              </a:rPr>
-              <a:t>1</a:t>
-            </a:r>
-            <a:r>
-              <a:rPr lang="zh-CN" altLang="en-US" sz="2800" b="1" dirty="0">
-                <a:solidFill>
-                  <a:srgbClr val="7030A0"/>
-                </a:solidFill>
-                <a:latin typeface="微软雅黑" panose="020B0503020204020204" pitchFamily="34" charset="-122"/>
-                <a:ea typeface="微软雅黑" panose="020B0503020204020204" pitchFamily="34" charset="-122"/>
-              </a:rPr>
-              <a:t>）美国资源委员会的定义：</a:t>
-            </a:r>
-            <a:r>
-              <a:rPr lang="zh-CN" altLang="en-US" sz="2800" b="1" dirty="0">
-                <a:solidFill>
-                  <a:srgbClr val="FF0000"/>
-                </a:solidFill>
-                <a:latin typeface="微软雅黑" panose="020B0503020204020204" pitchFamily="34" charset="-122"/>
-                <a:ea typeface="微软雅黑" panose="020B0503020204020204" pitchFamily="34" charset="-122"/>
-              </a:rPr>
-              <a:t>科学研究是在科学领域中的探索和应用</a:t>
-            </a:r>
-            <a:endParaRPr lang="en-US" altLang="zh-CN" sz="2800" b="1" dirty="0">
-              <a:solidFill>
-                <a:srgbClr val="FF0000"/>
-              </a:solidFill>
-              <a:latin typeface="微软雅黑" panose="020B0503020204020204" pitchFamily="34" charset="-122"/>
-              <a:ea typeface="微软雅黑" panose="020B0503020204020204" pitchFamily="34" charset="-122"/>
-            </a:endParaRPr>
-          </a:p>
-          <a:p>
-            <a:pPr>
-              <a:lnSpc>
-                <a:spcPct val="200000"/>
-              </a:lnSpc>
-            </a:pPr>
-            <a:r>
-              <a:rPr lang="zh-CN" altLang="en-US" sz="2800" b="1" dirty="0">
-                <a:solidFill>
-                  <a:srgbClr val="7030A0"/>
-                </a:solidFill>
-                <a:latin typeface="微软雅黑" panose="020B0503020204020204" pitchFamily="34" charset="-122"/>
-                <a:ea typeface="微软雅黑" panose="020B0503020204020204" pitchFamily="34" charset="-122"/>
-              </a:rPr>
-              <a:t>（</a:t>
-            </a:r>
-            <a:r>
-              <a:rPr lang="en-US" altLang="zh-CN" sz="2800" b="1" dirty="0">
-                <a:solidFill>
-                  <a:srgbClr val="7030A0"/>
-                </a:solidFill>
-                <a:latin typeface="微软雅黑" panose="020B0503020204020204" pitchFamily="34" charset="-122"/>
-                <a:ea typeface="微软雅黑" panose="020B0503020204020204" pitchFamily="34" charset="-122"/>
-              </a:rPr>
-              <a:t>2</a:t>
-            </a:r>
-            <a:r>
-              <a:rPr lang="zh-CN" altLang="en-US" sz="2800" b="1" dirty="0">
-                <a:solidFill>
-                  <a:srgbClr val="7030A0"/>
-                </a:solidFill>
-                <a:latin typeface="微软雅黑" panose="020B0503020204020204" pitchFamily="34" charset="-122"/>
-                <a:ea typeface="微软雅黑" panose="020B0503020204020204" pitchFamily="34" charset="-122"/>
-              </a:rPr>
-              <a:t>）科学研究包括对科学和技术的研究，是运用观察、试验、比较、分析、归纳的方法，把感性材料加以研究，提高到理论水平的工作</a:t>
-            </a:r>
-            <a:endParaRPr lang="en-US" altLang="zh-CN" sz="2800" b="1" dirty="0">
-              <a:solidFill>
-                <a:srgbClr val="7030A0"/>
-              </a:solidFill>
-              <a:latin typeface="微软雅黑" panose="020B0503020204020204" pitchFamily="34" charset="-122"/>
-              <a:ea typeface="微软雅黑" panose="020B0503020204020204" pitchFamily="34" charset="-122"/>
-            </a:endParaRPr>
-          </a:p>
-          <a:p>
-            <a:pPr>
-              <a:lnSpc>
-                <a:spcPct val="200000"/>
-              </a:lnSpc>
-            </a:pPr>
-            <a:r>
-              <a:rPr lang="zh-CN" altLang="en-US" sz="2800" b="1" dirty="0">
-                <a:solidFill>
-                  <a:srgbClr val="7030A0"/>
-                </a:solidFill>
-                <a:latin typeface="微软雅黑" panose="020B0503020204020204" pitchFamily="34" charset="-122"/>
-                <a:ea typeface="微软雅黑" panose="020B0503020204020204" pitchFamily="34" charset="-122"/>
-              </a:rPr>
-              <a:t>（</a:t>
-            </a:r>
-            <a:r>
-              <a:rPr lang="en-US" altLang="zh-CN" sz="2800" b="1" dirty="0">
-                <a:solidFill>
-                  <a:srgbClr val="7030A0"/>
-                </a:solidFill>
-                <a:latin typeface="微软雅黑" panose="020B0503020204020204" pitchFamily="34" charset="-122"/>
-                <a:ea typeface="微软雅黑" panose="020B0503020204020204" pitchFamily="34" charset="-122"/>
-              </a:rPr>
-              <a:t>3</a:t>
-            </a:r>
-            <a:r>
-              <a:rPr lang="zh-CN" altLang="en-US" sz="2800" b="1" dirty="0">
-                <a:solidFill>
-                  <a:srgbClr val="7030A0"/>
-                </a:solidFill>
-                <a:latin typeface="微软雅黑" panose="020B0503020204020204" pitchFamily="34" charset="-122"/>
-                <a:ea typeface="微软雅黑" panose="020B0503020204020204" pitchFamily="34" charset="-122"/>
-              </a:rPr>
-              <a:t>）科学研究包括两部分内容：</a:t>
-            </a:r>
-            <a:r>
-              <a:rPr lang="en-US" altLang="zh-CN" sz="2800" b="1" dirty="0">
-                <a:solidFill>
-                  <a:srgbClr val="7030A0"/>
-                </a:solidFill>
-                <a:latin typeface="微软雅黑" panose="020B0503020204020204" pitchFamily="34" charset="-122"/>
-                <a:ea typeface="微软雅黑" panose="020B0503020204020204" pitchFamily="34" charset="-122"/>
-              </a:rPr>
-              <a:t>a. </a:t>
-            </a:r>
-            <a:r>
-              <a:rPr lang="zh-CN" altLang="en-US" sz="2800" b="1" dirty="0">
-                <a:solidFill>
-                  <a:srgbClr val="7030A0"/>
-                </a:solidFill>
-                <a:latin typeface="微软雅黑" panose="020B0503020204020204" pitchFamily="34" charset="-122"/>
-                <a:ea typeface="微软雅黑" panose="020B0503020204020204" pitchFamily="34" charset="-122"/>
-              </a:rPr>
-              <a:t>整理知识使知识系统化，</a:t>
-            </a:r>
-            <a:r>
-              <a:rPr lang="en-US" altLang="zh-CN" sz="2800" b="1" dirty="0">
-                <a:solidFill>
-                  <a:srgbClr val="7030A0"/>
-                </a:solidFill>
-                <a:latin typeface="微软雅黑" panose="020B0503020204020204" pitchFamily="34" charset="-122"/>
-                <a:ea typeface="微软雅黑" panose="020B0503020204020204" pitchFamily="34" charset="-122"/>
-              </a:rPr>
-              <a:t>b. </a:t>
-            </a:r>
-            <a:r>
-              <a:rPr lang="zh-CN" altLang="en-US" sz="2800" b="1" dirty="0">
-                <a:solidFill>
-                  <a:srgbClr val="7030A0"/>
-                </a:solidFill>
-                <a:latin typeface="微软雅黑" panose="020B0503020204020204" pitchFamily="34" charset="-122"/>
-                <a:ea typeface="微软雅黑" panose="020B0503020204020204" pitchFamily="34" charset="-122"/>
-              </a:rPr>
-              <a:t>创造知识来解决未知问题</a:t>
-            </a:r>
-            <a:endParaRPr lang="en-US" altLang="zh-CN" sz="2800" b="1" dirty="0">
-              <a:solidFill>
-                <a:srgbClr val="7030A0"/>
-              </a:solidFill>
-              <a:latin typeface="微软雅黑" panose="020B0503020204020204" pitchFamily="34" charset="-122"/>
-              <a:ea typeface="微软雅黑" panose="020B0503020204020204" pitchFamily="34" charset="-122"/>
-            </a:endParaRPr>
-          </a:p>
-          <a:p>
-            <a:pPr>
-              <a:lnSpc>
-                <a:spcPct val="200000"/>
-              </a:lnSpc>
-            </a:pPr>
-            <a:r>
-              <a:rPr lang="zh-CN" altLang="en-US" sz="2800" b="1" dirty="0">
-                <a:solidFill>
-                  <a:srgbClr val="7030A0"/>
-                </a:solidFill>
-                <a:latin typeface="微软雅黑" panose="020B0503020204020204" pitchFamily="34" charset="-122"/>
-                <a:ea typeface="微软雅黑" panose="020B0503020204020204" pitchFamily="34" charset="-122"/>
-              </a:rPr>
-              <a:t>（</a:t>
-            </a:r>
-            <a:r>
-              <a:rPr lang="en-US" altLang="zh-CN" sz="2800" b="1" dirty="0">
-                <a:solidFill>
-                  <a:srgbClr val="7030A0"/>
-                </a:solidFill>
-                <a:latin typeface="微软雅黑" panose="020B0503020204020204" pitchFamily="34" charset="-122"/>
-                <a:ea typeface="微软雅黑" panose="020B0503020204020204" pitchFamily="34" charset="-122"/>
-              </a:rPr>
-              <a:t>4</a:t>
-            </a:r>
-            <a:r>
-              <a:rPr lang="zh-CN" altLang="en-US" sz="2800" b="1" dirty="0">
-                <a:solidFill>
-                  <a:srgbClr val="7030A0"/>
-                </a:solidFill>
-                <a:latin typeface="微软雅黑" panose="020B0503020204020204" pitchFamily="34" charset="-122"/>
-                <a:ea typeface="微软雅黑" panose="020B0503020204020204" pitchFamily="34" charset="-122"/>
-              </a:rPr>
-              <a:t>）科学研究可以定义为：一种创造、修改、综合知识的探索行为</a:t>
-            </a:r>
-            <a:endParaRPr lang="en-US" altLang="zh-CN" sz="2800" b="1" dirty="0">
-              <a:solidFill>
-                <a:srgbClr val="7030A0"/>
-              </a:solidFill>
-              <a:latin typeface="微软雅黑" panose="020B0503020204020204" pitchFamily="34" charset="-122"/>
-              <a:ea typeface="微软雅黑" panose="020B0503020204020204" pitchFamily="34" charset="-122"/>
-            </a:endParaRPr>
-          </a:p>
-          <a:p>
             <a:endParaRPr lang="zh-CN" altLang="en-US" sz="2400" b="1" dirty="0">
               <a:solidFill>
                 <a:srgbClr val="7030A0"/>
@@ -9153,226 +9509,6 @@
       </p:sp>
       <p:sp>
         <p:nvSpPr>
-          <p:cNvPr id="14" name="文本框 11"/>
-          <p:cNvSpPr txBox="1"/>
-          <p:nvPr/>
-        </p:nvSpPr>
-        <p:spPr>
-          <a:xfrm>
-            <a:off x="6517640" y="4549140"/>
-            <a:ext cx="1242060" cy="337185"/>
-          </a:xfrm>
-          <a:prstGeom prst="rect">
-            <a:avLst/>
-          </a:prstGeom>
-          <a:noFill/>
-        </p:spPr>
-        <p:txBody>
-          <a:bodyPr wrap="square" rtlCol="0">
-            <a:spAutoFit/>
-          </a:bodyPr>
-          <a:lstStyle/>
-          <a:p>
-            <a:pPr algn="dist"/>
-            <a:r>
-              <a:rPr lang="zh-CN" altLang="en-US" sz="1600" b="1">
-                <a:solidFill>
-                  <a:schemeClr val="bg1"/>
-                </a:solidFill>
-                <a:latin typeface="微软雅黑" panose="020B0503020204020204" pitchFamily="34" charset="-122"/>
-                <a:ea typeface="微软雅黑" panose="020B0503020204020204" pitchFamily="34" charset="-122"/>
-              </a:rPr>
-              <a:t>请输入标题</a:t>
-            </a:r>
-            <a:endParaRPr lang="zh-CN" altLang="en-US" sz="1600" b="1">
-              <a:solidFill>
-                <a:schemeClr val="bg1"/>
-              </a:solidFill>
-              <a:latin typeface="微软雅黑" panose="020B0503020204020204" pitchFamily="34" charset="-122"/>
-              <a:ea typeface="微软雅黑" panose="020B0503020204020204" pitchFamily="34" charset="-122"/>
-            </a:endParaRPr>
-          </a:p>
-        </p:txBody>
-      </p:sp>
-      <p:sp>
-        <p:nvSpPr>
-          <p:cNvPr id="15" name="文本框 12"/>
-          <p:cNvSpPr txBox="1"/>
-          <p:nvPr/>
-        </p:nvSpPr>
-        <p:spPr>
-          <a:xfrm>
-            <a:off x="6517640" y="4874895"/>
-            <a:ext cx="1877060" cy="720725"/>
-          </a:xfrm>
-          <a:prstGeom prst="rect">
-            <a:avLst/>
-          </a:prstGeom>
-          <a:noFill/>
-        </p:spPr>
-        <p:txBody>
-          <a:bodyPr wrap="square" lIns="90170" tIns="46990" rIns="90170" bIns="46990" rtlCol="0">
-            <a:spAutoFit/>
-          </a:bodyPr>
-          <a:lstStyle/>
-          <a:p>
-            <a:pPr lvl="0" algn="just">
-              <a:lnSpc>
-                <a:spcPct val="170000"/>
-              </a:lnSpc>
-              <a:spcBef>
-                <a:spcPts val="0"/>
-              </a:spcBef>
-              <a:spcAft>
-                <a:spcPts val="0"/>
-              </a:spcAft>
-            </a:pPr>
-            <a:r>
-              <a:rPr lang="zh-CN" altLang="en-US" sz="800">
-                <a:solidFill>
-                  <a:schemeClr val="bg1"/>
-                </a:solidFill>
-                <a:latin typeface="微软雅黑" panose="020B0503020204020204" pitchFamily="34" charset="-122"/>
-                <a:ea typeface="微软雅黑" panose="020B0503020204020204" pitchFamily="34" charset="-122"/>
-              </a:rPr>
-              <a:t>客服部是最直接面对终端的部门，故要积极向客服部咨询及调差最新的顾客需求及意见</a:t>
-            </a:r>
-            <a:endParaRPr lang="zh-CN" altLang="en-US" sz="800">
-              <a:solidFill>
-                <a:schemeClr val="bg1"/>
-              </a:solidFill>
-              <a:latin typeface="微软雅黑" panose="020B0503020204020204" pitchFamily="34" charset="-122"/>
-              <a:ea typeface="微软雅黑" panose="020B0503020204020204" pitchFamily="34" charset="-122"/>
-            </a:endParaRPr>
-          </a:p>
-        </p:txBody>
-      </p:sp>
-      <p:sp>
-        <p:nvSpPr>
-          <p:cNvPr id="16" name="文本框 13"/>
-          <p:cNvSpPr txBox="1"/>
-          <p:nvPr/>
-        </p:nvSpPr>
-        <p:spPr>
-          <a:xfrm>
-            <a:off x="3691890" y="4549140"/>
-            <a:ext cx="1242060" cy="337185"/>
-          </a:xfrm>
-          <a:prstGeom prst="rect">
-            <a:avLst/>
-          </a:prstGeom>
-          <a:noFill/>
-        </p:spPr>
-        <p:txBody>
-          <a:bodyPr wrap="square" rtlCol="0">
-            <a:spAutoFit/>
-          </a:bodyPr>
-          <a:lstStyle/>
-          <a:p>
-            <a:pPr algn="dist"/>
-            <a:r>
-              <a:rPr lang="zh-CN" altLang="en-US" sz="1600" b="1">
-                <a:solidFill>
-                  <a:schemeClr val="bg1"/>
-                </a:solidFill>
-                <a:latin typeface="微软雅黑" panose="020B0503020204020204" pitchFamily="34" charset="-122"/>
-                <a:ea typeface="微软雅黑" panose="020B0503020204020204" pitchFamily="34" charset="-122"/>
-              </a:rPr>
-              <a:t>请输入标题</a:t>
-            </a:r>
-            <a:endParaRPr lang="zh-CN" altLang="en-US" sz="1600" b="1">
-              <a:solidFill>
-                <a:schemeClr val="bg1"/>
-              </a:solidFill>
-              <a:latin typeface="微软雅黑" panose="020B0503020204020204" pitchFamily="34" charset="-122"/>
-              <a:ea typeface="微软雅黑" panose="020B0503020204020204" pitchFamily="34" charset="-122"/>
-            </a:endParaRPr>
-          </a:p>
-        </p:txBody>
-      </p:sp>
-      <p:sp>
-        <p:nvSpPr>
-          <p:cNvPr id="18" name="文本框 14"/>
-          <p:cNvSpPr txBox="1"/>
-          <p:nvPr/>
-        </p:nvSpPr>
-        <p:spPr>
-          <a:xfrm>
-            <a:off x="3691890" y="4874895"/>
-            <a:ext cx="1877060" cy="720725"/>
-          </a:xfrm>
-          <a:prstGeom prst="rect">
-            <a:avLst/>
-          </a:prstGeom>
-          <a:noFill/>
-        </p:spPr>
-        <p:txBody>
-          <a:bodyPr wrap="square" lIns="90170" tIns="46990" rIns="90170" bIns="46990" rtlCol="0">
-            <a:spAutoFit/>
-          </a:bodyPr>
-          <a:lstStyle/>
-          <a:p>
-            <a:pPr lvl="0" algn="just">
-              <a:lnSpc>
-                <a:spcPct val="170000"/>
-              </a:lnSpc>
-              <a:spcBef>
-                <a:spcPts val="0"/>
-              </a:spcBef>
-              <a:spcAft>
-                <a:spcPts val="0"/>
-              </a:spcAft>
-            </a:pPr>
-            <a:r>
-              <a:rPr lang="zh-CN" altLang="en-US" sz="800" dirty="0">
-                <a:solidFill>
-                  <a:schemeClr val="bg1"/>
-                </a:solidFill>
-                <a:latin typeface="微软雅黑" panose="020B0503020204020204" pitchFamily="34" charset="-122"/>
-                <a:ea typeface="微软雅黑" panose="020B0503020204020204" pitchFamily="34" charset="-122"/>
-              </a:rPr>
-              <a:t>客服部是最直接面对终端的部门，故要积极向客服部咨询及调差最新的顾客需求及意见</a:t>
-            </a:r>
-            <a:endParaRPr lang="zh-CN" altLang="en-US" sz="800" dirty="0">
-              <a:solidFill>
-                <a:schemeClr val="bg1"/>
-              </a:solidFill>
-              <a:latin typeface="微软雅黑" panose="020B0503020204020204" pitchFamily="34" charset="-122"/>
-              <a:ea typeface="微软雅黑" panose="020B0503020204020204" pitchFamily="34" charset="-122"/>
-            </a:endParaRPr>
-          </a:p>
-        </p:txBody>
-      </p:sp>
-      <p:pic>
-        <p:nvPicPr>
-          <p:cNvPr id="28" name="Picture 5" descr="C:\Documents and Settings\Administrator\桌面\08.png"/>
-          <p:cNvPicPr>
-            <a:picLocks noGrp="1" noChangeAspect="1" noChangeArrowheads="1"/>
-          </p:cNvPicPr>
-          <p:nvPr>
-            <p:ph idx="4294967295"/>
-          </p:nvPr>
-        </p:nvPicPr>
-        <p:blipFill>
-          <a:blip r:embed="rId1" cstate="print"/>
-          <a:srcRect/>
-          <a:stretch>
-            <a:fillRect/>
-          </a:stretch>
-        </p:blipFill>
-        <p:spPr bwMode="auto">
-          <a:xfrm>
-            <a:off x="0" y="6324600"/>
-            <a:ext cx="12192000" cy="323850"/>
-          </a:xfrm>
-          <a:prstGeom prst="rect">
-            <a:avLst/>
-          </a:prstGeom>
-          <a:noFill/>
-        </p:spPr>
-      </p:pic>
-      <p:sp>
-        <p:nvSpPr>
           <p:cNvPr id="36" name="文本框 13"/>
           <p:cNvSpPr txBox="1"/>
           <p:nvPr/>
@@ -9408,7 +9544,7 @@
                 <a:latin typeface="微软雅黑" panose="020B0503020204020204" pitchFamily="34" charset="-122"/>
                 <a:ea typeface="微软雅黑" panose="020B0503020204020204" pitchFamily="34" charset="-122"/>
               </a:rPr>
-              <a:t>研究问题</a:t>
+              <a:t>研究现状</a:t>
             </a:r>
             <a:endParaRPr lang="zh-CN" altLang="en-US" sz="3200" b="1" dirty="0">
               <a:solidFill>
@@ -9455,6 +9591,92 @@
           </a:fontRef>
         </p:style>
       </p:cxnSp>
+      <p:sp>
+        <p:nvSpPr>
+          <p:cNvPr id="3" name="文本框 2"/>
+          <p:cNvSpPr txBox="1"/>
+          <p:nvPr/>
+        </p:nvSpPr>
+        <p:spPr>
+          <a:xfrm>
+            <a:off x="748030" y="2299335"/>
+            <a:ext cx="5587365" cy="3046095"/>
+          </a:xfrm>
+          <a:prstGeom prst="rect">
+            <a:avLst/>
+          </a:prstGeom>
+          <a:noFill/>
+          <a:ln w="9525">
+            <a:noFill/>
+          </a:ln>
+        </p:spPr>
+        <p:txBody>
+          <a:bodyPr wrap="square">
+            <a:spAutoFit/>
+          </a:bodyPr>
+          <a:p>
+            <a:pPr indent="0"/>
+            <a:r>
+              <a:rPr lang="zh-CN" sz="2400" b="0">
+                <a:latin typeface="Times New Roman" panose="02020603050405020304" pitchFamily="18" charset="0"/>
+                <a:ea typeface="宋体" panose="02010600030101010101" pitchFamily="2" charset="-122"/>
+              </a:rPr>
+              <a:t>近年来，各国已建、在建和将建的</a:t>
+            </a:r>
+            <a:r>
+              <a:rPr lang="zh-CN" sz="2400" b="1">
+                <a:solidFill>
+                  <a:srgbClr val="FFC000"/>
+                </a:solidFill>
+                <a:latin typeface="Times New Roman" panose="02020603050405020304" pitchFamily="18" charset="0"/>
+                <a:ea typeface="宋体" panose="02010600030101010101" pitchFamily="2" charset="-122"/>
+              </a:rPr>
+              <a:t>跨海大桥、海底隧道、海港码头以及沿海地区、除冰盐地区兴建的高速铁路、高速公路、桥梁、工业建筑</a:t>
+            </a:r>
+            <a:r>
+              <a:rPr lang="zh-CN" sz="2400" b="0">
+                <a:latin typeface="Times New Roman" panose="02020603050405020304" pitchFamily="18" charset="0"/>
+                <a:ea typeface="宋体" panose="02010600030101010101" pitchFamily="2" charset="-122"/>
+              </a:rPr>
+              <a:t>等重大工程都广泛采用预应力混凝土结构，这些环境下结构的耐久性面临巨大挑战，如何对结构进行良好的腐蚀防护和监测成为了研究的重点</a:t>
+            </a:r>
+            <a:endParaRPr lang="zh-CN" altLang="en-US" sz="2400"/>
+          </a:p>
+        </p:txBody>
+      </p:sp>
+      <p:sp>
+        <p:nvSpPr>
+          <p:cNvPr id="5" name="文本框 4"/>
+          <p:cNvSpPr txBox="1"/>
+          <p:nvPr/>
+        </p:nvSpPr>
+        <p:spPr>
+          <a:xfrm>
+            <a:off x="6335395" y="2299335"/>
+            <a:ext cx="5587365" cy="3046095"/>
+          </a:xfrm>
+          <a:prstGeom prst="rect">
+            <a:avLst/>
+          </a:prstGeom>
+          <a:noFill/>
+          <a:ln w="9525">
+            <a:noFill/>
+          </a:ln>
+        </p:spPr>
+        <p:txBody>
+          <a:bodyPr wrap="square">
+            <a:spAutoFit/>
+          </a:bodyPr>
+          <a:p>
+            <a:pPr indent="0"/>
+            <a:r>
+              <a:rPr lang="zh-CN" altLang="en-US" sz="2400"/>
+              <a:t>常规锚固体系已经不能满足腐蚀防护和监测的要求，通过研究电隔离防护技术，开展电隔离预应力锚固技术的研究，提升结构抗腐蚀性能并对其健康状况进行长期监测，对确保重大土木工程结构全寿命使用安全，推动混凝土结构理论与技术应用，实现经济社会绿色、可持续发展具有重要意义。</a:t>
+            </a:r>
+            <a:endParaRPr lang="zh-CN" altLang="en-US" sz="2400"/>
+          </a:p>
+        </p:txBody>
+      </p:sp>
     </p:spTree>
   </p:cSld>
   <p:clrMapOvr>
@@ -9482,53 +9704,111 @@
       </p:grpSpPr>
       <p:sp>
         <p:nvSpPr>
-          <p:cNvPr id="5" name="矩形 4"/>
-          <p:cNvSpPr/>
-          <p:nvPr/>
-        </p:nvSpPr>
-        <p:spPr>
-          <a:xfrm>
-            <a:off x="-31750" y="-19050"/>
-            <a:ext cx="12242165" cy="6887845"/>
-          </a:xfrm>
-          <a:prstGeom prst="rect">
-            <a:avLst/>
-          </a:prstGeom>
-          <a:solidFill>
-            <a:srgbClr val="00468B"/>
-          </a:solidFill>
-          <a:ln>
-            <a:noFill/>
-          </a:ln>
-        </p:spPr>
-        <p:style>
-          <a:lnRef idx="2">
-            <a:schemeClr val="accent1">
-              <a:shade val="50000"/>
-            </a:schemeClr>
-          </a:lnRef>
-          <a:fillRef idx="1">
-            <a:schemeClr val="accent1"/>
-          </a:fillRef>
-          <a:effectRef idx="0">
-            <a:schemeClr val="accent1"/>
-          </a:effectRef>
-          <a:fontRef idx="minor">
-            <a:schemeClr val="lt1"/>
-          </a:fontRef>
-        </p:style>
-        <p:txBody>
-          <a:bodyPr rtlCol="0" anchor="ctr"/>
-          <a:lstStyle/>
-          <a:p>
-            <a:pPr algn="ctr"/>
-            <a:endParaRPr lang="zh-CN" altLang="en-US"/>
+          <p:cNvPr id="9" name="文本框 4"/>
+          <p:cNvSpPr txBox="1"/>
+          <p:nvPr/>
+        </p:nvSpPr>
+        <p:spPr>
+          <a:xfrm>
+            <a:off x="376974" y="898927"/>
+            <a:ext cx="11412504" cy="891540"/>
+          </a:xfrm>
+          <a:prstGeom prst="rect">
+            <a:avLst/>
+          </a:prstGeom>
+          <a:noFill/>
+        </p:spPr>
+        <p:txBody>
+          <a:bodyPr wrap="square" rtlCol="0">
+            <a:spAutoFit/>
+          </a:bodyPr>
+          <a:lstStyle/>
+          <a:p>
+            <a:pPr marL="457200" indent="-457200">
+              <a:buFont typeface="Arial" panose="020B0604020202020204" pitchFamily="34" charset="0"/>
+              <a:buChar char="•"/>
+            </a:pPr>
+            <a:r>
+              <a:rPr lang="zh-CN" altLang="en-US" sz="2800" b="1" dirty="0">
+                <a:solidFill>
+                  <a:srgbClr val="7030A0"/>
+                </a:solidFill>
+                <a:latin typeface="微软雅黑" panose="020B0503020204020204" pitchFamily="34" charset="-122"/>
+                <a:ea typeface="微软雅黑" panose="020B0503020204020204" pitchFamily="34" charset="-122"/>
+              </a:rPr>
+              <a:t>研究意义</a:t>
+            </a:r>
+            <a:endParaRPr lang="en-US" altLang="zh-CN" sz="2800" b="1" dirty="0">
+              <a:solidFill>
+                <a:srgbClr val="7030A0"/>
+              </a:solidFill>
+              <a:latin typeface="微软雅黑" panose="020B0503020204020204" pitchFamily="34" charset="-122"/>
+              <a:ea typeface="微软雅黑" panose="020B0503020204020204" pitchFamily="34" charset="-122"/>
+            </a:endParaRPr>
+          </a:p>
+          <a:p>
+            <a:endParaRPr lang="zh-CN" altLang="en-US" sz="2400" b="1" dirty="0">
+              <a:solidFill>
+                <a:srgbClr val="7030A0"/>
+              </a:solidFill>
+              <a:latin typeface="微软雅黑" panose="020B0503020204020204" pitchFamily="34" charset="-122"/>
+              <a:ea typeface="微软雅黑" panose="020B0503020204020204" pitchFamily="34" charset="-122"/>
+            </a:endParaRPr>
+          </a:p>
+        </p:txBody>
+      </p:sp>
+      <p:sp>
+        <p:nvSpPr>
+          <p:cNvPr id="36" name="文本框 13"/>
+          <p:cNvSpPr txBox="1"/>
+          <p:nvPr/>
+        </p:nvSpPr>
+        <p:spPr>
+          <a:xfrm>
+            <a:off x="1261297" y="137443"/>
+            <a:ext cx="2209165" cy="583565"/>
+          </a:xfrm>
+          <a:prstGeom prst="rect">
+            <a:avLst/>
+          </a:prstGeom>
+          <a:noFill/>
+        </p:spPr>
+        <p:txBody>
+          <a:bodyPr wrap="none" rtlCol="0">
+            <a:spAutoFit/>
+          </a:bodyPr>
+          <a:lstStyle/>
+          <a:p>
+            <a:pPr marL="342900" indent="-342900">
+              <a:spcBef>
+                <a:spcPts val="1200"/>
+              </a:spcBef>
+              <a:buFont typeface="Wingdings" panose="05000000000000000000" pitchFamily="2" charset="2"/>
+              <a:buChar char="u"/>
+            </a:pPr>
+            <a:r>
+              <a:rPr lang="zh-CN" altLang="en-US" sz="3200" b="1" dirty="0">
+                <a:solidFill>
+                  <a:srgbClr val="CC9933"/>
+                </a:solidFill>
+                <a:latin typeface="微软雅黑" panose="020B0503020204020204" pitchFamily="34" charset="-122"/>
+                <a:ea typeface="微软雅黑" panose="020B0503020204020204" pitchFamily="34" charset="-122"/>
+              </a:rPr>
+              <a:t>研究现状</a:t>
+            </a:r>
+            <a:endParaRPr lang="zh-CN" altLang="en-US" sz="3200" b="1" dirty="0">
+              <a:solidFill>
+                <a:srgbClr val="CC9933"/>
+              </a:solidFill>
+              <a:latin typeface="微软雅黑" panose="020B0503020204020204" pitchFamily="34" charset="-122"/>
+              <a:ea typeface="微软雅黑" panose="020B0503020204020204" pitchFamily="34" charset="-122"/>
+            </a:endParaRPr>
           </a:p>
         </p:txBody>
       </p:sp>
       <p:cxnSp>
         <p:nvCxnSpPr>
-          <p:cNvPr id="21" name="直接连接符 20"/>
+          <p:cNvPr id="38" name="直接连接符 37"/>
           <p:cNvCxnSpPr/>
           <p:nvPr/>
         </p:nvCxnSpPr>
@@ -9542,7 +9822,7 @@
           </a:prstGeom>
           <a:ln w="9525">
             <a:solidFill>
-              <a:schemeClr val="bg1"/>
+              <a:schemeClr val="tx1"/>
             </a:solidFill>
           </a:ln>
         </p:spPr>
@@ -9563,268 +9843,87 @@
       </p:cxnSp>
       <p:sp>
         <p:nvSpPr>
-          <p:cNvPr id="16" name="文本框 13"/>
+          <p:cNvPr id="3" name="文本框 2"/>
           <p:cNvSpPr txBox="1"/>
           <p:nvPr/>
         </p:nvSpPr>
         <p:spPr>
           <a:xfrm>
-            <a:off x="1261297" y="137443"/>
-            <a:ext cx="2811780" cy="303530"/>
+            <a:off x="748030" y="2299335"/>
+            <a:ext cx="5587365" cy="3046095"/>
           </a:xfrm>
           <a:prstGeom prst="rect">
             <a:avLst/>
           </a:prstGeom>
           <a:noFill/>
-        </p:spPr>
-        <p:txBody>
-          <a:bodyPr wrap="none" rtlCol="0">
+          <a:ln w="9525">
+            <a:noFill/>
+          </a:ln>
+        </p:spPr>
+        <p:txBody>
+          <a:bodyPr wrap="square">
             <a:spAutoFit/>
           </a:bodyPr>
-          <a:lstStyle/>
-          <a:p>
-            <a:pPr algn="l"/>
-            <a:r>
-              <a:rPr lang="zh-CN" altLang="en-US" sz="1380" dirty="0">
+          <a:p>
+            <a:pPr indent="0"/>
+            <a:r>
+              <a:rPr lang="zh-CN" sz="2400" b="0">
+                <a:latin typeface="Times New Roman" panose="02020603050405020304" pitchFamily="18" charset="0"/>
+                <a:ea typeface="宋体" panose="02010600030101010101" pitchFamily="2" charset="-122"/>
+              </a:rPr>
+              <a:t>近年来，各国已建、在建和将建的</a:t>
+            </a:r>
+            <a:r>
+              <a:rPr lang="zh-CN" sz="2400" b="1">
                 <a:solidFill>
-                  <a:schemeClr val="bg1"/>
+                  <a:srgbClr val="FFC000"/>
                 </a:solidFill>
-                <a:latin typeface="微软雅黑" panose="020B0503020204020204" pitchFamily="34" charset="-122"/>
-                <a:ea typeface="微软雅黑" panose="020B0503020204020204" pitchFamily="34" charset="-122"/>
-              </a:rPr>
-              <a:t>电子科技大学机械与电气工程学院</a:t>
-            </a:r>
-            <a:endParaRPr lang="zh-CN" altLang="en-US" sz="1380" dirty="0">
-              <a:solidFill>
-                <a:schemeClr val="bg1"/>
-              </a:solidFill>
-              <a:latin typeface="微软雅黑" panose="020B0503020204020204" pitchFamily="34" charset="-122"/>
-              <a:ea typeface="微软雅黑" panose="020B0503020204020204" pitchFamily="34" charset="-122"/>
-            </a:endParaRPr>
-          </a:p>
-        </p:txBody>
-      </p:sp>
-      <p:sp>
-        <p:nvSpPr>
-          <p:cNvPr id="17" name="文本框 15"/>
+                <a:latin typeface="Times New Roman" panose="02020603050405020304" pitchFamily="18" charset="0"/>
+                <a:ea typeface="宋体" panose="02010600030101010101" pitchFamily="2" charset="-122"/>
+              </a:rPr>
+              <a:t>跨海大桥、海底隧道、海港码头以及沿海地区、除冰盐地区兴建的高速铁路、高速公路、桥梁、工业建筑</a:t>
+            </a:r>
+            <a:r>
+              <a:rPr lang="zh-CN" sz="2400" b="0">
+                <a:latin typeface="Times New Roman" panose="02020603050405020304" pitchFamily="18" charset="0"/>
+                <a:ea typeface="宋体" panose="02010600030101010101" pitchFamily="2" charset="-122"/>
+              </a:rPr>
+              <a:t>等重大工程都广泛采用预应力混凝土结构，这些环境下结构的耐久性面临巨大挑战，如何对结构进行良好的腐蚀防护和监测成为了研究的重点</a:t>
+            </a:r>
+            <a:endParaRPr lang="zh-CN" altLang="en-US" sz="2400"/>
+          </a:p>
+        </p:txBody>
+      </p:sp>
+      <p:sp>
+        <p:nvSpPr>
+          <p:cNvPr id="5" name="文本框 4"/>
           <p:cNvSpPr txBox="1"/>
           <p:nvPr/>
         </p:nvSpPr>
         <p:spPr>
           <a:xfrm>
-            <a:off x="1265107" y="385093"/>
-            <a:ext cx="2880360" cy="232410"/>
+            <a:off x="6335395" y="2299335"/>
+            <a:ext cx="5587365" cy="3046095"/>
           </a:xfrm>
           <a:prstGeom prst="rect">
             <a:avLst/>
           </a:prstGeom>
           <a:noFill/>
-        </p:spPr>
-        <p:txBody>
-          <a:bodyPr wrap="square" rtlCol="0">
+          <a:ln w="9525">
+            <a:noFill/>
+          </a:ln>
+        </p:spPr>
+        <p:txBody>
+          <a:bodyPr wrap="square">
             <a:spAutoFit/>
           </a:bodyPr>
-          <a:lstStyle/>
-          <a:p>
-            <a:r>
-              <a:rPr lang="zh-CN" altLang="en-US" sz="920" dirty="0">
-                <a:solidFill>
-                  <a:schemeClr val="bg1"/>
-                </a:solidFill>
-                <a:latin typeface="微软雅黑" panose="020B0503020204020204" pitchFamily="34" charset="-122"/>
-                <a:ea typeface="微软雅黑" panose="020B0503020204020204" pitchFamily="34" charset="-122"/>
-              </a:rPr>
-              <a:t>School of Mechanical and Electrical Engineering</a:t>
-            </a:r>
-            <a:endParaRPr lang="zh-CN" altLang="en-US" sz="920" dirty="0">
-              <a:solidFill>
-                <a:schemeClr val="bg1"/>
-              </a:solidFill>
-              <a:latin typeface="微软雅黑" panose="020B0503020204020204" pitchFamily="34" charset="-122"/>
-              <a:ea typeface="微软雅黑" panose="020B0503020204020204" pitchFamily="34" charset="-122"/>
-            </a:endParaRPr>
-          </a:p>
-        </p:txBody>
-      </p:sp>
-      <p:cxnSp>
-        <p:nvCxnSpPr>
-          <p:cNvPr id="18" name="直接连接符 17"/>
-          <p:cNvCxnSpPr/>
-          <p:nvPr/>
-        </p:nvCxnSpPr>
-        <p:spPr>
-          <a:xfrm>
-            <a:off x="1180017" y="44098"/>
-            <a:ext cx="0" cy="645160"/>
-          </a:xfrm>
-          <a:prstGeom prst="line">
-            <a:avLst/>
-          </a:prstGeom>
-          <a:ln w="9525">
-            <a:solidFill>
-              <a:schemeClr val="bg1"/>
-            </a:solidFill>
-          </a:ln>
-        </p:spPr>
-        <p:style>
-          <a:lnRef idx="1">
-            <a:schemeClr val="accent1"/>
-          </a:lnRef>
-          <a:fillRef idx="0">
-            <a:schemeClr val="accent1"/>
-          </a:fillRef>
-          <a:effectRef idx="0">
-            <a:schemeClr val="accent1"/>
-          </a:effectRef>
-          <a:fontRef idx="minor">
-            <a:schemeClr val="tx1"/>
-          </a:fontRef>
-        </p:style>
-      </p:cxnSp>
-      <p:pic>
-        <p:nvPicPr>
-          <p:cNvPr id="22" name="图片 21"/>
-          <p:cNvPicPr>
-            <a:picLocks noChangeAspect="1"/>
-          </p:cNvPicPr>
-          <p:nvPr/>
-        </p:nvPicPr>
-        <p:blipFill>
-          <a:blip r:embed="rId1" cstate="print">
-            <a:extLst>
-              <a:ext uri="{28A0092B-C50C-407E-A947-70E740481C1C}">
-                <a14:useLocalDpi xmlns:a14="http://schemas.microsoft.com/office/drawing/2010/main" val="0"/>
-              </a:ext>
-            </a:extLst>
-          </a:blip>
-          <a:stretch>
-            <a:fillRect/>
-          </a:stretch>
-        </p:blipFill>
-        <p:spPr>
-          <a:xfrm>
-            <a:off x="384649" y="26500"/>
-            <a:ext cx="583162" cy="680356"/>
-          </a:xfrm>
-          <a:prstGeom prst="rect">
-            <a:avLst/>
-          </a:prstGeom>
-        </p:spPr>
-      </p:pic>
-      <p:pic>
-        <p:nvPicPr>
-          <p:cNvPr id="23" name="图片 22" descr="03-1"/>
-          <p:cNvPicPr>
-            <a:picLocks noChangeAspect="1"/>
-          </p:cNvPicPr>
-          <p:nvPr/>
-        </p:nvPicPr>
-        <p:blipFill>
-          <a:blip r:embed="rId2" cstate="print"/>
-          <a:stretch>
-            <a:fillRect/>
-          </a:stretch>
-        </p:blipFill>
-        <p:spPr>
-          <a:xfrm>
-            <a:off x="2389505" y="5318125"/>
-            <a:ext cx="7412990" cy="1551305"/>
-          </a:xfrm>
-          <a:prstGeom prst="rect">
-            <a:avLst/>
-          </a:prstGeom>
-        </p:spPr>
-      </p:pic>
-      <p:sp>
-        <p:nvSpPr>
-          <p:cNvPr id="2" name="矩形 1"/>
-          <p:cNvSpPr/>
-          <p:nvPr/>
-        </p:nvSpPr>
-        <p:spPr>
-          <a:xfrm>
-            <a:off x="2672731" y="1452642"/>
-            <a:ext cx="1135380" cy="2399665"/>
-          </a:xfrm>
-          <a:prstGeom prst="rect">
-            <a:avLst/>
-          </a:prstGeom>
-          <a:noFill/>
-        </p:spPr>
-        <p:txBody>
-          <a:bodyPr wrap="none" lIns="91440" tIns="45720" rIns="91440" bIns="45720">
-            <a:spAutoFit/>
-            <a:scene3d>
-              <a:camera prst="orthographicFront"/>
-              <a:lightRig rig="soft" dir="t">
-                <a:rot lat="0" lon="0" rev="15600000"/>
-              </a:lightRig>
-            </a:scene3d>
-            <a:sp3d extrusionH="57150" prstMaterial="softEdge">
-              <a:bevelT w="25400" h="38100"/>
-            </a:sp3d>
-          </a:bodyPr>
-          <a:lstStyle/>
-          <a:p>
-            <a:pPr algn="ctr"/>
-            <a:r>
-              <a:rPr lang="en-US" altLang="zh-CN" sz="15000" b="1" i="1" dirty="0">
-                <a:solidFill>
-                  <a:schemeClr val="accent4"/>
-                </a:solidFill>
-                <a:latin typeface="Times New Roman" panose="02020603050405020304" pitchFamily="18" charset="0"/>
-                <a:cs typeface="Times New Roman" panose="02020603050405020304" pitchFamily="18" charset="0"/>
-              </a:rPr>
-              <a:t>4</a:t>
-            </a:r>
-            <a:endParaRPr lang="en-US" altLang="zh-CN" sz="15000" b="1" i="1" dirty="0">
-              <a:solidFill>
-                <a:schemeClr val="accent4"/>
-              </a:solidFill>
-              <a:latin typeface="Times New Roman" panose="02020603050405020304" pitchFamily="18" charset="0"/>
-              <a:cs typeface="Times New Roman" panose="02020603050405020304" pitchFamily="18" charset="0"/>
-            </a:endParaRPr>
-          </a:p>
-        </p:txBody>
-      </p:sp>
-      <p:sp>
-        <p:nvSpPr>
-          <p:cNvPr id="3" name="文本框 2"/>
-          <p:cNvSpPr txBox="1"/>
-          <p:nvPr/>
-        </p:nvSpPr>
-        <p:spPr>
-          <a:xfrm>
-            <a:off x="4727575" y="2238375"/>
-            <a:ext cx="4615815" cy="829945"/>
-          </a:xfrm>
-          <a:prstGeom prst="rect">
-            <a:avLst/>
-          </a:prstGeom>
-          <a:noFill/>
-        </p:spPr>
-        <p:txBody>
-          <a:bodyPr wrap="square" rtlCol="0">
-            <a:spAutoFit/>
-          </a:bodyPr>
-          <a:p>
-            <a:r>
-              <a:rPr lang="zh-CN" altLang="en-US" sz="4800" b="1">
-                <a:solidFill>
-                  <a:schemeClr val="accent4"/>
-                </a:solidFill>
-                <a:latin typeface="微软雅黑" panose="020B0503020204020204" pitchFamily="34" charset="-122"/>
-                <a:ea typeface="微软雅黑" panose="020B0503020204020204" pitchFamily="34" charset="-122"/>
-              </a:rPr>
-              <a:t>研究内容与方法</a:t>
-            </a:r>
-            <a:endParaRPr lang="zh-CN" altLang="en-US" sz="4800" b="1">
-              <a:solidFill>
-                <a:schemeClr val="accent4"/>
-              </a:solidFill>
-              <a:latin typeface="微软雅黑" panose="020B0503020204020204" pitchFamily="34" charset="-122"/>
-              <a:ea typeface="微软雅黑" panose="020B0503020204020204" pitchFamily="34" charset="-122"/>
-            </a:endParaRPr>
+          <a:p>
+            <a:pPr indent="0"/>
+            <a:r>
+              <a:rPr lang="zh-CN" altLang="en-US" sz="2400"/>
+              <a:t>常规锚固体系已经不能满足腐蚀防护和监测的要求，通过研究电隔离防护技术，开展电隔离预应力锚固技术的研究，提升结构抗腐蚀性能并对其健康状况进行长期监测，对确保重大土木工程结构全寿命使用安全，推动混凝土结构理论与技术应用，实现经济社会绿色、可持续发展具有重要意义。</a:t>
+            </a:r>
+            <a:endParaRPr lang="zh-CN" altLang="en-US" sz="2400"/>
           </a:p>
         </p:txBody>
       </p:sp>

--- a/EIT/开题答辩slide.pptx
+++ b/EIT/开题答辩slide.pptx
@@ -5,30 +5,27 @@
     <p:sldMasterId id="2147483648" r:id="rId1"/>
   </p:sldMasterIdLst>
   <p:notesMasterIdLst>
-    <p:notesMasterId r:id="rId6"/>
+    <p:notesMasterId r:id="rId21"/>
   </p:notesMasterIdLst>
   <p:sldIdLst>
     <p:sldId id="274" r:id="rId3"/>
     <p:sldId id="256" r:id="rId4"/>
-    <p:sldId id="520" r:id="rId5"/>
-    <p:sldId id="481" r:id="rId7"/>
-    <p:sldId id="2761" r:id="rId8"/>
-    <p:sldId id="2749" r:id="rId9"/>
-    <p:sldId id="2762" r:id="rId10"/>
-    <p:sldId id="2763" r:id="rId11"/>
-    <p:sldId id="2764" r:id="rId12"/>
-    <p:sldId id="2750" r:id="rId13"/>
-    <p:sldId id="2765" r:id="rId14"/>
-    <p:sldId id="2766" r:id="rId15"/>
-    <p:sldId id="2767" r:id="rId16"/>
-    <p:sldId id="2751" r:id="rId17"/>
-    <p:sldId id="2768" r:id="rId18"/>
-    <p:sldId id="2769" r:id="rId19"/>
-    <p:sldId id="2770" r:id="rId20"/>
-    <p:sldId id="2752" r:id="rId21"/>
-    <p:sldId id="2771" r:id="rId22"/>
-    <p:sldId id="2772" r:id="rId23"/>
-    <p:sldId id="2773" r:id="rId24"/>
+    <p:sldId id="481" r:id="rId5"/>
+    <p:sldId id="2761" r:id="rId6"/>
+    <p:sldId id="2774" r:id="rId7"/>
+    <p:sldId id="2775" r:id="rId8"/>
+    <p:sldId id="2762" r:id="rId9"/>
+    <p:sldId id="2763" r:id="rId10"/>
+    <p:sldId id="2764" r:id="rId11"/>
+    <p:sldId id="2765" r:id="rId12"/>
+    <p:sldId id="2766" r:id="rId13"/>
+    <p:sldId id="2767" r:id="rId14"/>
+    <p:sldId id="2768" r:id="rId15"/>
+    <p:sldId id="2769" r:id="rId16"/>
+    <p:sldId id="2770" r:id="rId17"/>
+    <p:sldId id="2771" r:id="rId18"/>
+    <p:sldId id="2772" r:id="rId19"/>
+    <p:sldId id="2773" r:id="rId20"/>
   </p:sldIdLst>
   <p:sldSz cx="12192000" cy="6858000"/>
   <p:notesSz cx="7103745" cy="10234295"/>
@@ -475,311 +472,6 @@
     </a:lvl9pPr>
   </p:notesStyle>
 </p:notesMaster>
-</file>
-
-<file path=ppt/notesSlides/notesSlide1.xml><?xml version="1.0" encoding="utf-8"?>
-<p:notes xmlns:a="http://schemas.openxmlformats.org/drawingml/2006/main" xmlns:r="http://schemas.openxmlformats.org/officeDocument/2006/relationships" xmlns:p="http://schemas.openxmlformats.org/presentationml/2006/main">
-  <p:cSld>
-    <p:spTree>
-      <p:nvGrpSpPr>
-        <p:cNvPr id="1" name=""/>
-        <p:cNvGrpSpPr/>
-        <p:nvPr/>
-      </p:nvGrpSpPr>
-      <p:grpSpPr>
-        <a:xfrm>
-          <a:off x="0" y="0"/>
-          <a:ext cx="0" cy="0"/>
-          <a:chOff x="0" y="0"/>
-          <a:chExt cx="0" cy="0"/>
-        </a:xfrm>
-      </p:grpSpPr>
-      <p:sp>
-        <p:nvSpPr>
-          <p:cNvPr id="2" name="幻灯片图像占位符 1"/>
-          <p:cNvSpPr>
-            <a:spLocks noGrp="1" noRot="1" noChangeAspect="1"/>
-          </p:cNvSpPr>
-          <p:nvPr>
-            <p:ph type="sldImg" idx="2"/>
-          </p:nvPr>
-        </p:nvSpPr>
-        <p:spPr>
-          <a:xfrm>
-            <a:off x="481013" y="1279525"/>
-            <a:ext cx="6142037" cy="3454400"/>
-          </a:xfrm>
-        </p:spPr>
-      </p:sp>
-      <p:sp>
-        <p:nvSpPr>
-          <p:cNvPr id="3" name="文本占位符 2"/>
-          <p:cNvSpPr>
-            <a:spLocks noGrp="1"/>
-          </p:cNvSpPr>
-          <p:nvPr>
-            <p:ph type="body" idx="3"/>
-          </p:nvPr>
-        </p:nvSpPr>
-        <p:spPr/>
-        <p:txBody>
-          <a:bodyPr/>
-          <a:lstStyle/>
-          <a:p>
-            <a:endParaRPr lang="zh-CN" altLang="en-US"/>
-          </a:p>
-        </p:txBody>
-      </p:sp>
-    </p:spTree>
-  </p:cSld>
-  <p:clrMapOvr>
-    <a:masterClrMapping/>
-  </p:clrMapOvr>
-</p:notes>
-</file>
-
-<file path=ppt/notesSlides/notesSlide2.xml><?xml version="1.0" encoding="utf-8"?>
-<p:notes xmlns:a="http://schemas.openxmlformats.org/drawingml/2006/main" xmlns:r="http://schemas.openxmlformats.org/officeDocument/2006/relationships" xmlns:p="http://schemas.openxmlformats.org/presentationml/2006/main">
-  <p:cSld>
-    <p:spTree>
-      <p:nvGrpSpPr>
-        <p:cNvPr id="1" name=""/>
-        <p:cNvGrpSpPr/>
-        <p:nvPr/>
-      </p:nvGrpSpPr>
-      <p:grpSpPr>
-        <a:xfrm>
-          <a:off x="0" y="0"/>
-          <a:ext cx="0" cy="0"/>
-          <a:chOff x="0" y="0"/>
-          <a:chExt cx="0" cy="0"/>
-        </a:xfrm>
-      </p:grpSpPr>
-      <p:sp>
-        <p:nvSpPr>
-          <p:cNvPr id="2" name="幻灯片图像占位符 1"/>
-          <p:cNvSpPr>
-            <a:spLocks noGrp="1" noRot="1" noChangeAspect="1"/>
-          </p:cNvSpPr>
-          <p:nvPr>
-            <p:ph type="sldImg" idx="2"/>
-          </p:nvPr>
-        </p:nvSpPr>
-        <p:spPr>
-          <a:xfrm>
-            <a:off x="481013" y="1279525"/>
-            <a:ext cx="6142037" cy="3454400"/>
-          </a:xfrm>
-        </p:spPr>
-      </p:sp>
-      <p:sp>
-        <p:nvSpPr>
-          <p:cNvPr id="3" name="文本占位符 2"/>
-          <p:cNvSpPr>
-            <a:spLocks noGrp="1"/>
-          </p:cNvSpPr>
-          <p:nvPr>
-            <p:ph type="body" idx="3"/>
-          </p:nvPr>
-        </p:nvSpPr>
-        <p:spPr/>
-        <p:txBody>
-          <a:bodyPr/>
-          <a:lstStyle/>
-          <a:p>
-            <a:endParaRPr lang="zh-CN" altLang="en-US"/>
-          </a:p>
-        </p:txBody>
-      </p:sp>
-    </p:spTree>
-  </p:cSld>
-  <p:clrMapOvr>
-    <a:masterClrMapping/>
-  </p:clrMapOvr>
-</p:notes>
-</file>
-
-<file path=ppt/notesSlides/notesSlide3.xml><?xml version="1.0" encoding="utf-8"?>
-<p:notes xmlns:a="http://schemas.openxmlformats.org/drawingml/2006/main" xmlns:r="http://schemas.openxmlformats.org/officeDocument/2006/relationships" xmlns:p="http://schemas.openxmlformats.org/presentationml/2006/main">
-  <p:cSld>
-    <p:spTree>
-      <p:nvGrpSpPr>
-        <p:cNvPr id="1" name=""/>
-        <p:cNvGrpSpPr/>
-        <p:nvPr/>
-      </p:nvGrpSpPr>
-      <p:grpSpPr>
-        <a:xfrm>
-          <a:off x="0" y="0"/>
-          <a:ext cx="0" cy="0"/>
-          <a:chOff x="0" y="0"/>
-          <a:chExt cx="0" cy="0"/>
-        </a:xfrm>
-      </p:grpSpPr>
-      <p:sp>
-        <p:nvSpPr>
-          <p:cNvPr id="2" name="幻灯片图像占位符 1"/>
-          <p:cNvSpPr>
-            <a:spLocks noGrp="1" noRot="1" noChangeAspect="1"/>
-          </p:cNvSpPr>
-          <p:nvPr>
-            <p:ph type="sldImg" idx="2"/>
-          </p:nvPr>
-        </p:nvSpPr>
-        <p:spPr>
-          <a:xfrm>
-            <a:off x="481013" y="1279525"/>
-            <a:ext cx="6142037" cy="3454400"/>
-          </a:xfrm>
-        </p:spPr>
-      </p:sp>
-      <p:sp>
-        <p:nvSpPr>
-          <p:cNvPr id="3" name="文本占位符 2"/>
-          <p:cNvSpPr>
-            <a:spLocks noGrp="1"/>
-          </p:cNvSpPr>
-          <p:nvPr>
-            <p:ph type="body" idx="3"/>
-          </p:nvPr>
-        </p:nvSpPr>
-        <p:spPr/>
-        <p:txBody>
-          <a:bodyPr/>
-          <a:lstStyle/>
-          <a:p>
-            <a:endParaRPr lang="zh-CN" altLang="en-US"/>
-          </a:p>
-        </p:txBody>
-      </p:sp>
-    </p:spTree>
-  </p:cSld>
-  <p:clrMapOvr>
-    <a:masterClrMapping/>
-  </p:clrMapOvr>
-</p:notes>
-</file>
-
-<file path=ppt/notesSlides/notesSlide4.xml><?xml version="1.0" encoding="utf-8"?>
-<p:notes xmlns:a="http://schemas.openxmlformats.org/drawingml/2006/main" xmlns:r="http://schemas.openxmlformats.org/officeDocument/2006/relationships" xmlns:p="http://schemas.openxmlformats.org/presentationml/2006/main">
-  <p:cSld>
-    <p:spTree>
-      <p:nvGrpSpPr>
-        <p:cNvPr id="1" name=""/>
-        <p:cNvGrpSpPr/>
-        <p:nvPr/>
-      </p:nvGrpSpPr>
-      <p:grpSpPr>
-        <a:xfrm>
-          <a:off x="0" y="0"/>
-          <a:ext cx="0" cy="0"/>
-          <a:chOff x="0" y="0"/>
-          <a:chExt cx="0" cy="0"/>
-        </a:xfrm>
-      </p:grpSpPr>
-      <p:sp>
-        <p:nvSpPr>
-          <p:cNvPr id="2" name="幻灯片图像占位符 1"/>
-          <p:cNvSpPr>
-            <a:spLocks noGrp="1" noRot="1" noChangeAspect="1"/>
-          </p:cNvSpPr>
-          <p:nvPr>
-            <p:ph type="sldImg" idx="2"/>
-          </p:nvPr>
-        </p:nvSpPr>
-        <p:spPr>
-          <a:xfrm>
-            <a:off x="481013" y="1279525"/>
-            <a:ext cx="6142037" cy="3454400"/>
-          </a:xfrm>
-        </p:spPr>
-      </p:sp>
-      <p:sp>
-        <p:nvSpPr>
-          <p:cNvPr id="3" name="文本占位符 2"/>
-          <p:cNvSpPr>
-            <a:spLocks noGrp="1"/>
-          </p:cNvSpPr>
-          <p:nvPr>
-            <p:ph type="body" idx="3"/>
-          </p:nvPr>
-        </p:nvSpPr>
-        <p:spPr/>
-        <p:txBody>
-          <a:bodyPr/>
-          <a:lstStyle/>
-          <a:p>
-            <a:endParaRPr lang="zh-CN" altLang="en-US"/>
-          </a:p>
-        </p:txBody>
-      </p:sp>
-    </p:spTree>
-  </p:cSld>
-  <p:clrMapOvr>
-    <a:masterClrMapping/>
-  </p:clrMapOvr>
-</p:notes>
-</file>
-
-<file path=ppt/notesSlides/notesSlide5.xml><?xml version="1.0" encoding="utf-8"?>
-<p:notes xmlns:a="http://schemas.openxmlformats.org/drawingml/2006/main" xmlns:r="http://schemas.openxmlformats.org/officeDocument/2006/relationships" xmlns:p="http://schemas.openxmlformats.org/presentationml/2006/main">
-  <p:cSld>
-    <p:spTree>
-      <p:nvGrpSpPr>
-        <p:cNvPr id="1" name=""/>
-        <p:cNvGrpSpPr/>
-        <p:nvPr/>
-      </p:nvGrpSpPr>
-      <p:grpSpPr>
-        <a:xfrm>
-          <a:off x="0" y="0"/>
-          <a:ext cx="0" cy="0"/>
-          <a:chOff x="0" y="0"/>
-          <a:chExt cx="0" cy="0"/>
-        </a:xfrm>
-      </p:grpSpPr>
-      <p:sp>
-        <p:nvSpPr>
-          <p:cNvPr id="2" name="幻灯片图像占位符 1"/>
-          <p:cNvSpPr>
-            <a:spLocks noGrp="1" noRot="1" noChangeAspect="1"/>
-          </p:cNvSpPr>
-          <p:nvPr>
-            <p:ph type="sldImg" idx="2"/>
-          </p:nvPr>
-        </p:nvSpPr>
-        <p:spPr>
-          <a:xfrm>
-            <a:off x="481013" y="1279525"/>
-            <a:ext cx="6142037" cy="3454400"/>
-          </a:xfrm>
-        </p:spPr>
-      </p:sp>
-      <p:sp>
-        <p:nvSpPr>
-          <p:cNvPr id="3" name="文本占位符 2"/>
-          <p:cNvSpPr>
-            <a:spLocks noGrp="1"/>
-          </p:cNvSpPr>
-          <p:nvPr>
-            <p:ph type="body" idx="3"/>
-          </p:nvPr>
-        </p:nvSpPr>
-        <p:spPr/>
-        <p:txBody>
-          <a:bodyPr/>
-          <a:lstStyle/>
-          <a:p>
-            <a:endParaRPr lang="zh-CN" altLang="en-US"/>
-          </a:p>
-        </p:txBody>
-      </p:sp>
-    </p:spTree>
-  </p:cSld>
-  <p:clrMapOvr>
-    <a:masterClrMapping/>
-  </p:clrMapOvr>
-</p:notes>
 </file>
 
 <file path=ppt/slideLayouts/slideLayout1.xml><?xml version="1.0" encoding="utf-8"?>
@@ -4265,53 +3957,111 @@
       </p:grpSpPr>
       <p:sp>
         <p:nvSpPr>
-          <p:cNvPr id="5" name="矩形 4"/>
-          <p:cNvSpPr/>
-          <p:nvPr/>
-        </p:nvSpPr>
-        <p:spPr>
-          <a:xfrm>
-            <a:off x="-31750" y="-19050"/>
-            <a:ext cx="12242165" cy="6887845"/>
-          </a:xfrm>
-          <a:prstGeom prst="rect">
-            <a:avLst/>
-          </a:prstGeom>
-          <a:solidFill>
-            <a:srgbClr val="00468B"/>
-          </a:solidFill>
-          <a:ln>
-            <a:noFill/>
-          </a:ln>
-        </p:spPr>
-        <p:style>
-          <a:lnRef idx="2">
-            <a:schemeClr val="accent1">
-              <a:shade val="50000"/>
-            </a:schemeClr>
-          </a:lnRef>
-          <a:fillRef idx="1">
-            <a:schemeClr val="accent1"/>
-          </a:fillRef>
-          <a:effectRef idx="0">
-            <a:schemeClr val="accent1"/>
-          </a:effectRef>
-          <a:fontRef idx="minor">
-            <a:schemeClr val="lt1"/>
-          </a:fontRef>
-        </p:style>
-        <p:txBody>
-          <a:bodyPr rtlCol="0" anchor="ctr"/>
+          <p:cNvPr id="9" name="文本框 4"/>
+          <p:cNvSpPr txBox="1"/>
+          <p:nvPr/>
+        </p:nvSpPr>
+        <p:spPr>
+          <a:xfrm>
+            <a:off x="376974" y="898927"/>
+            <a:ext cx="11412504" cy="891540"/>
+          </a:xfrm>
+          <a:prstGeom prst="rect">
+            <a:avLst/>
+          </a:prstGeom>
+          <a:noFill/>
+        </p:spPr>
+        <p:txBody>
+          <a:bodyPr wrap="square" rtlCol="0">
+            <a:spAutoFit/>
+          </a:bodyPr>
           <a:lstStyle/>
           <a:p>
-            <a:pPr algn="ctr"/>
-            <a:endParaRPr lang="zh-CN" altLang="en-US"/>
+            <a:pPr marL="457200" indent="-457200">
+              <a:buFont typeface="Arial" panose="020B0604020202020204" pitchFamily="34" charset="0"/>
+              <a:buChar char="•"/>
+            </a:pPr>
+            <a:r>
+              <a:rPr lang="zh-CN" altLang="en-US" sz="2800" b="1" dirty="0">
+                <a:solidFill>
+                  <a:srgbClr val="7030A0"/>
+                </a:solidFill>
+                <a:latin typeface="微软雅黑" panose="020B0503020204020204" pitchFamily="34" charset="-122"/>
+                <a:ea typeface="微软雅黑" panose="020B0503020204020204" pitchFamily="34" charset="-122"/>
+              </a:rPr>
+              <a:t>研究意义</a:t>
+            </a:r>
+            <a:endParaRPr lang="en-US" altLang="zh-CN" sz="2800" b="1" dirty="0">
+              <a:solidFill>
+                <a:srgbClr val="7030A0"/>
+              </a:solidFill>
+              <a:latin typeface="微软雅黑" panose="020B0503020204020204" pitchFamily="34" charset="-122"/>
+              <a:ea typeface="微软雅黑" panose="020B0503020204020204" pitchFamily="34" charset="-122"/>
+            </a:endParaRPr>
+          </a:p>
+          <a:p>
+            <a:endParaRPr lang="zh-CN" altLang="en-US" sz="2400" b="1" dirty="0">
+              <a:solidFill>
+                <a:srgbClr val="7030A0"/>
+              </a:solidFill>
+              <a:latin typeface="微软雅黑" panose="020B0503020204020204" pitchFamily="34" charset="-122"/>
+              <a:ea typeface="微软雅黑" panose="020B0503020204020204" pitchFamily="34" charset="-122"/>
+            </a:endParaRPr>
+          </a:p>
+        </p:txBody>
+      </p:sp>
+      <p:sp>
+        <p:nvSpPr>
+          <p:cNvPr id="36" name="文本框 13"/>
+          <p:cNvSpPr txBox="1"/>
+          <p:nvPr/>
+        </p:nvSpPr>
+        <p:spPr>
+          <a:xfrm>
+            <a:off x="1261297" y="137443"/>
+            <a:ext cx="2209165" cy="583565"/>
+          </a:xfrm>
+          <a:prstGeom prst="rect">
+            <a:avLst/>
+          </a:prstGeom>
+          <a:noFill/>
+        </p:spPr>
+        <p:txBody>
+          <a:bodyPr wrap="none" rtlCol="0">
+            <a:spAutoFit/>
+          </a:bodyPr>
+          <a:lstStyle/>
+          <a:p>
+            <a:pPr marL="342900" indent="-342900">
+              <a:spcBef>
+                <a:spcPts val="1200"/>
+              </a:spcBef>
+              <a:buFont typeface="Wingdings" panose="05000000000000000000" pitchFamily="2" charset="2"/>
+              <a:buChar char="u"/>
+            </a:pPr>
+            <a:r>
+              <a:rPr lang="zh-CN" altLang="en-US" sz="3200" b="1" dirty="0">
+                <a:solidFill>
+                  <a:srgbClr val="CC9933"/>
+                </a:solidFill>
+                <a:latin typeface="微软雅黑" panose="020B0503020204020204" pitchFamily="34" charset="-122"/>
+                <a:ea typeface="微软雅黑" panose="020B0503020204020204" pitchFamily="34" charset="-122"/>
+              </a:rPr>
+              <a:t>研究问题</a:t>
+            </a:r>
+            <a:endParaRPr lang="zh-CN" altLang="en-US" sz="3200" b="1" dirty="0">
+              <a:solidFill>
+                <a:srgbClr val="CC9933"/>
+              </a:solidFill>
+              <a:latin typeface="微软雅黑" panose="020B0503020204020204" pitchFamily="34" charset="-122"/>
+              <a:ea typeface="微软雅黑" panose="020B0503020204020204" pitchFamily="34" charset="-122"/>
+            </a:endParaRPr>
           </a:p>
         </p:txBody>
       </p:sp>
       <p:cxnSp>
         <p:nvCxnSpPr>
-          <p:cNvPr id="21" name="直接连接符 20"/>
+          <p:cNvPr id="38" name="直接连接符 37"/>
           <p:cNvCxnSpPr/>
           <p:nvPr/>
         </p:nvCxnSpPr>
@@ -4325,7 +4075,7 @@
           </a:prstGeom>
           <a:ln w="9525">
             <a:solidFill>
-              <a:schemeClr val="bg1"/>
+              <a:schemeClr val="tx1"/>
             </a:solidFill>
           </a:ln>
         </p:spPr>
@@ -4346,268 +4096,87 @@
       </p:cxnSp>
       <p:sp>
         <p:nvSpPr>
-          <p:cNvPr id="16" name="文本框 13"/>
+          <p:cNvPr id="3" name="文本框 2"/>
           <p:cNvSpPr txBox="1"/>
           <p:nvPr/>
         </p:nvSpPr>
         <p:spPr>
           <a:xfrm>
-            <a:off x="1261297" y="137443"/>
-            <a:ext cx="2811780" cy="303530"/>
+            <a:off x="748030" y="2299335"/>
+            <a:ext cx="5587365" cy="3046095"/>
           </a:xfrm>
           <a:prstGeom prst="rect">
             <a:avLst/>
           </a:prstGeom>
           <a:noFill/>
-        </p:spPr>
-        <p:txBody>
-          <a:bodyPr wrap="none" rtlCol="0">
+          <a:ln w="9525">
+            <a:noFill/>
+          </a:ln>
+        </p:spPr>
+        <p:txBody>
+          <a:bodyPr wrap="square">
             <a:spAutoFit/>
           </a:bodyPr>
-          <a:lstStyle/>
-          <a:p>
-            <a:pPr algn="l"/>
-            <a:r>
-              <a:rPr lang="zh-CN" altLang="en-US" sz="1380" dirty="0">
+          <a:p>
+            <a:pPr indent="0"/>
+            <a:r>
+              <a:rPr lang="zh-CN" sz="2400" b="0">
+                <a:latin typeface="Times New Roman" panose="02020603050405020304" pitchFamily="18" charset="0"/>
+                <a:ea typeface="宋体" panose="02010600030101010101" pitchFamily="2" charset="-122"/>
+              </a:rPr>
+              <a:t>近年来，各国已建、在建和将建的</a:t>
+            </a:r>
+            <a:r>
+              <a:rPr lang="zh-CN" sz="2400" b="1">
                 <a:solidFill>
-                  <a:schemeClr val="bg1"/>
+                  <a:srgbClr val="FFC000"/>
                 </a:solidFill>
-                <a:latin typeface="微软雅黑" panose="020B0503020204020204" pitchFamily="34" charset="-122"/>
-                <a:ea typeface="微软雅黑" panose="020B0503020204020204" pitchFamily="34" charset="-122"/>
-              </a:rPr>
-              <a:t>电子科技大学机械与电气工程学院</a:t>
-            </a:r>
-            <a:endParaRPr lang="zh-CN" altLang="en-US" sz="1380" dirty="0">
-              <a:solidFill>
-                <a:schemeClr val="bg1"/>
-              </a:solidFill>
-              <a:latin typeface="微软雅黑" panose="020B0503020204020204" pitchFamily="34" charset="-122"/>
-              <a:ea typeface="微软雅黑" panose="020B0503020204020204" pitchFamily="34" charset="-122"/>
-            </a:endParaRPr>
-          </a:p>
-        </p:txBody>
-      </p:sp>
-      <p:sp>
-        <p:nvSpPr>
-          <p:cNvPr id="17" name="文本框 15"/>
+                <a:latin typeface="Times New Roman" panose="02020603050405020304" pitchFamily="18" charset="0"/>
+                <a:ea typeface="宋体" panose="02010600030101010101" pitchFamily="2" charset="-122"/>
+              </a:rPr>
+              <a:t>跨海大桥、海底隧道、海港码头以及沿海地区、除冰盐地区兴建的高速铁路、高速公路、桥梁、工业建筑</a:t>
+            </a:r>
+            <a:r>
+              <a:rPr lang="zh-CN" sz="2400" b="0">
+                <a:latin typeface="Times New Roman" panose="02020603050405020304" pitchFamily="18" charset="0"/>
+                <a:ea typeface="宋体" panose="02010600030101010101" pitchFamily="2" charset="-122"/>
+              </a:rPr>
+              <a:t>等重大工程都广泛采用预应力混凝土结构，这些环境下结构的耐久性面临巨大挑战，如何对结构进行良好的腐蚀防护和监测成为了研究的重点</a:t>
+            </a:r>
+            <a:endParaRPr lang="zh-CN" altLang="en-US" sz="2400"/>
+          </a:p>
+        </p:txBody>
+      </p:sp>
+      <p:sp>
+        <p:nvSpPr>
+          <p:cNvPr id="5" name="文本框 4"/>
           <p:cNvSpPr txBox="1"/>
           <p:nvPr/>
         </p:nvSpPr>
         <p:spPr>
           <a:xfrm>
-            <a:off x="1265107" y="385093"/>
-            <a:ext cx="2880360" cy="232410"/>
+            <a:off x="6335395" y="2299335"/>
+            <a:ext cx="5587365" cy="3046095"/>
           </a:xfrm>
           <a:prstGeom prst="rect">
             <a:avLst/>
           </a:prstGeom>
           <a:noFill/>
-        </p:spPr>
-        <p:txBody>
-          <a:bodyPr wrap="square" rtlCol="0">
+          <a:ln w="9525">
+            <a:noFill/>
+          </a:ln>
+        </p:spPr>
+        <p:txBody>
+          <a:bodyPr wrap="square">
             <a:spAutoFit/>
           </a:bodyPr>
-          <a:lstStyle/>
-          <a:p>
-            <a:r>
-              <a:rPr lang="zh-CN" altLang="en-US" sz="920" dirty="0">
-                <a:solidFill>
-                  <a:schemeClr val="bg1"/>
-                </a:solidFill>
-                <a:latin typeface="微软雅黑" panose="020B0503020204020204" pitchFamily="34" charset="-122"/>
-                <a:ea typeface="微软雅黑" panose="020B0503020204020204" pitchFamily="34" charset="-122"/>
-              </a:rPr>
-              <a:t>School of Mechanical and Electrical Engineering</a:t>
-            </a:r>
-            <a:endParaRPr lang="zh-CN" altLang="en-US" sz="920" dirty="0">
-              <a:solidFill>
-                <a:schemeClr val="bg1"/>
-              </a:solidFill>
-              <a:latin typeface="微软雅黑" panose="020B0503020204020204" pitchFamily="34" charset="-122"/>
-              <a:ea typeface="微软雅黑" panose="020B0503020204020204" pitchFamily="34" charset="-122"/>
-            </a:endParaRPr>
-          </a:p>
-        </p:txBody>
-      </p:sp>
-      <p:cxnSp>
-        <p:nvCxnSpPr>
-          <p:cNvPr id="18" name="直接连接符 17"/>
-          <p:cNvCxnSpPr/>
-          <p:nvPr/>
-        </p:nvCxnSpPr>
-        <p:spPr>
-          <a:xfrm>
-            <a:off x="1180017" y="44098"/>
-            <a:ext cx="0" cy="645160"/>
-          </a:xfrm>
-          <a:prstGeom prst="line">
-            <a:avLst/>
-          </a:prstGeom>
-          <a:ln w="9525">
-            <a:solidFill>
-              <a:schemeClr val="bg1"/>
-            </a:solidFill>
-          </a:ln>
-        </p:spPr>
-        <p:style>
-          <a:lnRef idx="1">
-            <a:schemeClr val="accent1"/>
-          </a:lnRef>
-          <a:fillRef idx="0">
-            <a:schemeClr val="accent1"/>
-          </a:fillRef>
-          <a:effectRef idx="0">
-            <a:schemeClr val="accent1"/>
-          </a:effectRef>
-          <a:fontRef idx="minor">
-            <a:schemeClr val="tx1"/>
-          </a:fontRef>
-        </p:style>
-      </p:cxnSp>
-      <p:pic>
-        <p:nvPicPr>
-          <p:cNvPr id="22" name="图片 21"/>
-          <p:cNvPicPr>
-            <a:picLocks noChangeAspect="1"/>
-          </p:cNvPicPr>
-          <p:nvPr/>
-        </p:nvPicPr>
-        <p:blipFill>
-          <a:blip r:embed="rId1" cstate="print">
-            <a:extLst>
-              <a:ext uri="{28A0092B-C50C-407E-A947-70E740481C1C}">
-                <a14:useLocalDpi xmlns:a14="http://schemas.microsoft.com/office/drawing/2010/main" val="0"/>
-              </a:ext>
-            </a:extLst>
-          </a:blip>
-          <a:stretch>
-            <a:fillRect/>
-          </a:stretch>
-        </p:blipFill>
-        <p:spPr>
-          <a:xfrm>
-            <a:off x="384649" y="26500"/>
-            <a:ext cx="583162" cy="680356"/>
-          </a:xfrm>
-          <a:prstGeom prst="rect">
-            <a:avLst/>
-          </a:prstGeom>
-        </p:spPr>
-      </p:pic>
-      <p:pic>
-        <p:nvPicPr>
-          <p:cNvPr id="23" name="图片 22" descr="03-1"/>
-          <p:cNvPicPr>
-            <a:picLocks noChangeAspect="1"/>
-          </p:cNvPicPr>
-          <p:nvPr/>
-        </p:nvPicPr>
-        <p:blipFill>
-          <a:blip r:embed="rId2" cstate="print"/>
-          <a:stretch>
-            <a:fillRect/>
-          </a:stretch>
-        </p:blipFill>
-        <p:spPr>
-          <a:xfrm>
-            <a:off x="2389505" y="5318125"/>
-            <a:ext cx="7412990" cy="1551305"/>
-          </a:xfrm>
-          <a:prstGeom prst="rect">
-            <a:avLst/>
-          </a:prstGeom>
-        </p:spPr>
-      </p:pic>
-      <p:sp>
-        <p:nvSpPr>
-          <p:cNvPr id="2" name="矩形 1"/>
-          <p:cNvSpPr/>
-          <p:nvPr/>
-        </p:nvSpPr>
-        <p:spPr>
-          <a:xfrm>
-            <a:off x="2672731" y="1452642"/>
-            <a:ext cx="1135380" cy="2399665"/>
-          </a:xfrm>
-          <a:prstGeom prst="rect">
-            <a:avLst/>
-          </a:prstGeom>
-          <a:noFill/>
-        </p:spPr>
-        <p:txBody>
-          <a:bodyPr wrap="none" lIns="91440" tIns="45720" rIns="91440" bIns="45720">
-            <a:spAutoFit/>
-            <a:scene3d>
-              <a:camera prst="orthographicFront"/>
-              <a:lightRig rig="soft" dir="t">
-                <a:rot lat="0" lon="0" rev="15600000"/>
-              </a:lightRig>
-            </a:scene3d>
-            <a:sp3d extrusionH="57150" prstMaterial="softEdge">
-              <a:bevelT w="25400" h="38100"/>
-            </a:sp3d>
-          </a:bodyPr>
-          <a:lstStyle/>
-          <a:p>
-            <a:pPr algn="ctr"/>
-            <a:r>
-              <a:rPr lang="en-US" altLang="zh-CN" sz="15000" b="1" i="1" dirty="0">
-                <a:solidFill>
-                  <a:schemeClr val="accent4"/>
-                </a:solidFill>
-                <a:latin typeface="Times New Roman" panose="02020603050405020304" pitchFamily="18" charset="0"/>
-                <a:cs typeface="Times New Roman" panose="02020603050405020304" pitchFamily="18" charset="0"/>
-              </a:rPr>
-              <a:t>3</a:t>
-            </a:r>
-            <a:endParaRPr lang="en-US" altLang="zh-CN" sz="15000" b="1" i="1" dirty="0">
-              <a:solidFill>
-                <a:schemeClr val="accent4"/>
-              </a:solidFill>
-              <a:latin typeface="Times New Roman" panose="02020603050405020304" pitchFamily="18" charset="0"/>
-              <a:cs typeface="Times New Roman" panose="02020603050405020304" pitchFamily="18" charset="0"/>
-            </a:endParaRPr>
-          </a:p>
-        </p:txBody>
-      </p:sp>
-      <p:sp>
-        <p:nvSpPr>
-          <p:cNvPr id="3" name="文本框 2"/>
-          <p:cNvSpPr txBox="1"/>
-          <p:nvPr/>
-        </p:nvSpPr>
-        <p:spPr>
-          <a:xfrm>
-            <a:off x="4727575" y="2238375"/>
-            <a:ext cx="2723515" cy="829945"/>
-          </a:xfrm>
-          <a:prstGeom prst="rect">
-            <a:avLst/>
-          </a:prstGeom>
-          <a:noFill/>
-        </p:spPr>
-        <p:txBody>
-          <a:bodyPr wrap="square" rtlCol="0">
-            <a:spAutoFit/>
-          </a:bodyPr>
-          <a:p>
-            <a:r>
-              <a:rPr lang="zh-CN" altLang="en-US" sz="4800" b="1">
-                <a:solidFill>
-                  <a:schemeClr val="accent4"/>
-                </a:solidFill>
-                <a:latin typeface="微软雅黑" panose="020B0503020204020204" pitchFamily="34" charset="-122"/>
-                <a:ea typeface="微软雅黑" panose="020B0503020204020204" pitchFamily="34" charset="-122"/>
-              </a:rPr>
-              <a:t>研究问题</a:t>
-            </a:r>
-            <a:endParaRPr lang="zh-CN" altLang="en-US" sz="4800" b="1">
-              <a:solidFill>
-                <a:schemeClr val="accent4"/>
-              </a:solidFill>
-              <a:latin typeface="微软雅黑" panose="020B0503020204020204" pitchFamily="34" charset="-122"/>
-              <a:ea typeface="微软雅黑" panose="020B0503020204020204" pitchFamily="34" charset="-122"/>
-            </a:endParaRPr>
+          <a:p>
+            <a:pPr indent="0"/>
+            <a:r>
+              <a:rPr lang="zh-CN" altLang="en-US" sz="2400"/>
+              <a:t>常规锚固体系已经不能满足腐蚀防护和监测的要求，通过研究电隔离防护技术，开展电隔离预应力锚固技术的研究，提升结构抗腐蚀性能并对其健康状况进行长期监测，对确保重大土木工程结构全寿命使用安全，推动混凝土结构理论与技术应用，实现经济社会绿色、可持续发展具有重要意义。</a:t>
+            </a:r>
+            <a:endParaRPr lang="zh-CN" altLang="en-US" sz="2400"/>
           </a:p>
         </p:txBody>
       </p:sp>
@@ -5145,7 +4714,7 @@
         <p:spPr>
           <a:xfrm>
             <a:off x="376974" y="898927"/>
-            <a:ext cx="11412504" cy="891540"/>
+            <a:ext cx="11412504" cy="521970"/>
           </a:xfrm>
           <a:prstGeom prst="rect">
             <a:avLst/>
@@ -5170,17 +4739,8 @@
                 <a:latin typeface="微软雅黑" panose="020B0503020204020204" pitchFamily="34" charset="-122"/>
                 <a:ea typeface="微软雅黑" panose="020B0503020204020204" pitchFamily="34" charset="-122"/>
               </a:rPr>
-              <a:t>研究意义</a:t>
-            </a:r>
-            <a:endParaRPr lang="en-US" altLang="zh-CN" sz="2800" b="1" dirty="0">
-              <a:solidFill>
-                <a:srgbClr val="7030A0"/>
-              </a:solidFill>
-              <a:latin typeface="微软雅黑" panose="020B0503020204020204" pitchFamily="34" charset="-122"/>
-              <a:ea typeface="微软雅黑" panose="020B0503020204020204" pitchFamily="34" charset="-122"/>
-            </a:endParaRPr>
-          </a:p>
-          <a:p>
+              <a:t>预应力混凝土结构腐蚀机理和电隔离防护原理分析</a:t>
+            </a:r>
             <a:endParaRPr lang="zh-CN" altLang="en-US" sz="2400" b="1" dirty="0">
               <a:solidFill>
                 <a:srgbClr val="7030A0"/>
@@ -5228,7 +4788,7 @@
                 <a:latin typeface="微软雅黑" panose="020B0503020204020204" pitchFamily="34" charset="-122"/>
                 <a:ea typeface="微软雅黑" panose="020B0503020204020204" pitchFamily="34" charset="-122"/>
               </a:rPr>
-              <a:t>研究问题</a:t>
+              <a:t>研究内容</a:t>
             </a:r>
             <a:endParaRPr lang="zh-CN" altLang="en-US" sz="3200" b="1" dirty="0">
               <a:solidFill>
@@ -5277,14 +4837,14 @@
       </p:cxnSp>
       <p:sp>
         <p:nvSpPr>
-          <p:cNvPr id="3" name="文本框 2"/>
+          <p:cNvPr id="100" name="文本框 99"/>
           <p:cNvSpPr txBox="1"/>
           <p:nvPr/>
         </p:nvSpPr>
         <p:spPr>
           <a:xfrm>
-            <a:off x="748030" y="2299335"/>
-            <a:ext cx="5587365" cy="3046095"/>
+            <a:off x="1576070" y="2204720"/>
+            <a:ext cx="9013825" cy="2999740"/>
           </a:xfrm>
           <a:prstGeom prst="rect">
             <a:avLst/>
@@ -5299,65 +4859,104 @@
             <a:spAutoFit/>
           </a:bodyPr>
           <a:p>
-            <a:pPr indent="0"/>
-            <a:r>
-              <a:rPr lang="zh-CN" sz="2400" b="0">
+            <a:pPr indent="0" algn="l" fontAlgn="auto">
+              <a:lnSpc>
+                <a:spcPct val="150000"/>
+              </a:lnSpc>
+            </a:pPr>
+            <a:r>
+              <a:rPr lang="en-US" altLang="zh-CN" b="0">
                 <a:latin typeface="Times New Roman" panose="02020603050405020304" pitchFamily="18" charset="0"/>
                 <a:ea typeface="宋体" panose="02010600030101010101" pitchFamily="2" charset="-122"/>
               </a:rPr>
-              <a:t>近年来，各国已建、在建和将建的</a:t>
-            </a:r>
-            <a:r>
-              <a:rPr lang="zh-CN" sz="2400" b="1">
-                <a:solidFill>
-                  <a:srgbClr val="FFC000"/>
-                </a:solidFill>
+              <a:t>1.</a:t>
+            </a:r>
+            <a:r>
+              <a:rPr lang="zh-CN" b="0">
                 <a:latin typeface="Times New Roman" panose="02020603050405020304" pitchFamily="18" charset="0"/>
                 <a:ea typeface="宋体" panose="02010600030101010101" pitchFamily="2" charset="-122"/>
               </a:rPr>
-              <a:t>跨海大桥、海底隧道、海港码头以及沿海地区、除冰盐地区兴建的高速铁路、高速公路、桥梁、工业建筑</a:t>
-            </a:r>
-            <a:r>
-              <a:rPr lang="zh-CN" sz="2400" b="0">
+              <a:t>通过查阅国内外相关文献，得到预应力构件遭受周围环境的氯化物、杂散电流的侵蚀机理；提取影响预应力构件腐蚀进展的关键特征参量；</a:t>
+            </a:r>
+            <a:endParaRPr lang="zh-CN" b="0">
+              <a:latin typeface="Times New Roman" panose="02020603050405020304" pitchFamily="18" charset="0"/>
+              <a:ea typeface="宋体" panose="02010600030101010101" pitchFamily="2" charset="-122"/>
+            </a:endParaRPr>
+          </a:p>
+          <a:p>
+            <a:pPr indent="0" algn="l" fontAlgn="auto">
+              <a:lnSpc>
+                <a:spcPct val="150000"/>
+              </a:lnSpc>
+            </a:pPr>
+            <a:r>
+              <a:rPr lang="en-US" altLang="zh-CN" b="0">
                 <a:latin typeface="Times New Roman" panose="02020603050405020304" pitchFamily="18" charset="0"/>
                 <a:ea typeface="宋体" panose="02010600030101010101" pitchFamily="2" charset="-122"/>
               </a:rPr>
-              <a:t>等重大工程都广泛采用预应力混凝土结构，这些环境下结构的耐久性面临巨大挑战，如何对结构进行良好的腐蚀防护和监测成为了研究的重点</a:t>
-            </a:r>
-            <a:endParaRPr lang="zh-CN" altLang="en-US" sz="2400"/>
-          </a:p>
-        </p:txBody>
-      </p:sp>
-      <p:sp>
-        <p:nvSpPr>
-          <p:cNvPr id="5" name="文本框 4"/>
-          <p:cNvSpPr txBox="1"/>
-          <p:nvPr/>
-        </p:nvSpPr>
-        <p:spPr>
-          <a:xfrm>
-            <a:off x="6335395" y="2299335"/>
-            <a:ext cx="5587365" cy="3046095"/>
-          </a:xfrm>
-          <a:prstGeom prst="rect">
-            <a:avLst/>
-          </a:prstGeom>
-          <a:noFill/>
-          <a:ln w="9525">
-            <a:noFill/>
-          </a:ln>
-        </p:spPr>
-        <p:txBody>
-          <a:bodyPr wrap="square">
-            <a:spAutoFit/>
-          </a:bodyPr>
-          <a:p>
-            <a:pPr indent="0"/>
-            <a:r>
-              <a:rPr lang="zh-CN" altLang="en-US" sz="2400"/>
-              <a:t>常规锚固体系已经不能满足腐蚀防护和监测的要求，通过研究电隔离防护技术，开展电隔离预应力锚固技术的研究，提升结构抗腐蚀性能并对其健康状况进行长期监测，对确保重大土木工程结构全寿命使用安全，推动混凝土结构理论与技术应用，实现经济社会绿色、可持续发展具有重要意义。</a:t>
-            </a:r>
-            <a:endParaRPr lang="zh-CN" altLang="en-US" sz="2400"/>
+              <a:t>2.</a:t>
+            </a:r>
+            <a:r>
+              <a:rPr lang="zh-CN" b="0">
+                <a:latin typeface="Times New Roman" panose="02020603050405020304" pitchFamily="18" charset="0"/>
+                <a:ea typeface="宋体" panose="02010600030101010101" pitchFamily="2" charset="-122"/>
+              </a:rPr>
+              <a:t>查阅国外电隔离预应力体系相关技术标准和工程案例，对电隔离防护原理进行分析，提炼电隔离体系对预应力筋防护的关键要素；</a:t>
+            </a:r>
+            <a:endParaRPr lang="zh-CN" b="0">
+              <a:latin typeface="Times New Roman" panose="02020603050405020304" pitchFamily="18" charset="0"/>
+              <a:ea typeface="宋体" panose="02010600030101010101" pitchFamily="2" charset="-122"/>
+            </a:endParaRPr>
+          </a:p>
+          <a:p>
+            <a:pPr indent="0" algn="l" fontAlgn="auto">
+              <a:lnSpc>
+                <a:spcPct val="150000"/>
+              </a:lnSpc>
+            </a:pPr>
+            <a:r>
+              <a:rPr lang="en-US" altLang="zh-CN" b="0">
+                <a:latin typeface="Times New Roman" panose="02020603050405020304" pitchFamily="18" charset="0"/>
+                <a:ea typeface="宋体" panose="02010600030101010101" pitchFamily="2" charset="-122"/>
+              </a:rPr>
+              <a:t>3.</a:t>
+            </a:r>
+            <a:r>
+              <a:rPr lang="zh-CN" b="0">
+                <a:latin typeface="Times New Roman" panose="02020603050405020304" pitchFamily="18" charset="0"/>
+                <a:ea typeface="宋体" panose="02010600030101010101" pitchFamily="2" charset="-122"/>
+              </a:rPr>
+              <a:t>对市场上现有的密封防腐产品进行调研，在常规锚具体系的基础上，结合国外现有电隔离体系，确定新型电隔离预应力锚固体系的设计方案；</a:t>
+            </a:r>
+            <a:endParaRPr lang="zh-CN" b="0">
+              <a:latin typeface="Times New Roman" panose="02020603050405020304" pitchFamily="18" charset="0"/>
+              <a:ea typeface="宋体" panose="02010600030101010101" pitchFamily="2" charset="-122"/>
+            </a:endParaRPr>
+          </a:p>
+          <a:p>
+            <a:pPr indent="0" algn="l" fontAlgn="auto">
+              <a:lnSpc>
+                <a:spcPct val="150000"/>
+              </a:lnSpc>
+            </a:pPr>
+            <a:r>
+              <a:rPr lang="en-US" altLang="zh-CN" b="0">
+                <a:latin typeface="Times New Roman" panose="02020603050405020304" pitchFamily="18" charset="0"/>
+                <a:ea typeface="宋体" panose="02010600030101010101" pitchFamily="2" charset="-122"/>
+              </a:rPr>
+              <a:t>4.</a:t>
+            </a:r>
+            <a:r>
+              <a:rPr lang="zh-CN" b="0">
+                <a:latin typeface="Times New Roman" panose="02020603050405020304" pitchFamily="18" charset="0"/>
+                <a:ea typeface="宋体" panose="02010600030101010101" pitchFamily="2" charset="-122"/>
+              </a:rPr>
+              <a:t>建立电隔离预应力体系等效电路模型，为电隔离监测提供理论依据。</a:t>
+            </a:r>
+            <a:endParaRPr lang="zh-CN" altLang="en-US" b="0">
+              <a:latin typeface="Times New Roman" panose="02020603050405020304" pitchFamily="18" charset="0"/>
+              <a:ea typeface="宋体" panose="02010600030101010101" pitchFamily="2" charset="-122"/>
+            </a:endParaRPr>
           </a:p>
         </p:txBody>
       </p:sp>
@@ -5388,53 +4987,111 @@
       </p:grpSpPr>
       <p:sp>
         <p:nvSpPr>
-          <p:cNvPr id="5" name="矩形 4"/>
-          <p:cNvSpPr/>
-          <p:nvPr/>
-        </p:nvSpPr>
-        <p:spPr>
-          <a:xfrm>
-            <a:off x="-31750" y="-19050"/>
-            <a:ext cx="12242165" cy="6887845"/>
-          </a:xfrm>
-          <a:prstGeom prst="rect">
-            <a:avLst/>
-          </a:prstGeom>
-          <a:solidFill>
-            <a:srgbClr val="00468B"/>
-          </a:solidFill>
-          <a:ln>
-            <a:noFill/>
-          </a:ln>
-        </p:spPr>
-        <p:style>
-          <a:lnRef idx="2">
-            <a:schemeClr val="accent1">
-              <a:shade val="50000"/>
-            </a:schemeClr>
-          </a:lnRef>
-          <a:fillRef idx="1">
-            <a:schemeClr val="accent1"/>
-          </a:fillRef>
-          <a:effectRef idx="0">
-            <a:schemeClr val="accent1"/>
-          </a:effectRef>
-          <a:fontRef idx="minor">
-            <a:schemeClr val="lt1"/>
-          </a:fontRef>
-        </p:style>
-        <p:txBody>
-          <a:bodyPr rtlCol="0" anchor="ctr"/>
+          <p:cNvPr id="9" name="文本框 4"/>
+          <p:cNvSpPr txBox="1"/>
+          <p:nvPr/>
+        </p:nvSpPr>
+        <p:spPr>
+          <a:xfrm>
+            <a:off x="376974" y="898927"/>
+            <a:ext cx="11412504" cy="891540"/>
+          </a:xfrm>
+          <a:prstGeom prst="rect">
+            <a:avLst/>
+          </a:prstGeom>
+          <a:noFill/>
+        </p:spPr>
+        <p:txBody>
+          <a:bodyPr wrap="square" rtlCol="0">
+            <a:spAutoFit/>
+          </a:bodyPr>
           <a:lstStyle/>
           <a:p>
-            <a:pPr algn="ctr"/>
-            <a:endParaRPr lang="zh-CN" altLang="en-US"/>
+            <a:pPr marL="457200" indent="-457200">
+              <a:buFont typeface="Arial" panose="020B0604020202020204" pitchFamily="34" charset="0"/>
+              <a:buChar char="•"/>
+            </a:pPr>
+            <a:r>
+              <a:rPr lang="en-US" altLang="zh-CN" sz="2800" b="1" dirty="0">
+                <a:solidFill>
+                  <a:srgbClr val="7030A0"/>
+                </a:solidFill>
+                <a:latin typeface="微软雅黑" panose="020B0503020204020204" pitchFamily="34" charset="-122"/>
+                <a:ea typeface="微软雅黑" panose="020B0503020204020204" pitchFamily="34" charset="-122"/>
+              </a:rPr>
+              <a:t>电隔离体系关键组件结构设计和分析</a:t>
+            </a:r>
+            <a:endParaRPr lang="en-US" altLang="zh-CN" sz="2800" b="1" dirty="0">
+              <a:solidFill>
+                <a:srgbClr val="7030A0"/>
+              </a:solidFill>
+              <a:latin typeface="微软雅黑" panose="020B0503020204020204" pitchFamily="34" charset="-122"/>
+              <a:ea typeface="微软雅黑" panose="020B0503020204020204" pitchFamily="34" charset="-122"/>
+            </a:endParaRPr>
+          </a:p>
+          <a:p>
+            <a:endParaRPr lang="zh-CN" altLang="en-US" sz="2400" b="1" dirty="0">
+              <a:solidFill>
+                <a:srgbClr val="7030A0"/>
+              </a:solidFill>
+              <a:latin typeface="微软雅黑" panose="020B0503020204020204" pitchFamily="34" charset="-122"/>
+              <a:ea typeface="微软雅黑" panose="020B0503020204020204" pitchFamily="34" charset="-122"/>
+            </a:endParaRPr>
+          </a:p>
+        </p:txBody>
+      </p:sp>
+      <p:sp>
+        <p:nvSpPr>
+          <p:cNvPr id="36" name="文本框 13"/>
+          <p:cNvSpPr txBox="1"/>
+          <p:nvPr/>
+        </p:nvSpPr>
+        <p:spPr>
+          <a:xfrm>
+            <a:off x="1261297" y="137443"/>
+            <a:ext cx="2209165" cy="583565"/>
+          </a:xfrm>
+          <a:prstGeom prst="rect">
+            <a:avLst/>
+          </a:prstGeom>
+          <a:noFill/>
+        </p:spPr>
+        <p:txBody>
+          <a:bodyPr wrap="none" rtlCol="0">
+            <a:spAutoFit/>
+          </a:bodyPr>
+          <a:lstStyle/>
+          <a:p>
+            <a:pPr marL="342900" indent="-342900">
+              <a:spcBef>
+                <a:spcPts val="1200"/>
+              </a:spcBef>
+              <a:buFont typeface="Wingdings" panose="05000000000000000000" pitchFamily="2" charset="2"/>
+              <a:buChar char="u"/>
+            </a:pPr>
+            <a:r>
+              <a:rPr lang="zh-CN" altLang="en-US" sz="3200" b="1" dirty="0">
+                <a:solidFill>
+                  <a:srgbClr val="CC9933"/>
+                </a:solidFill>
+                <a:latin typeface="微软雅黑" panose="020B0503020204020204" pitchFamily="34" charset="-122"/>
+                <a:ea typeface="微软雅黑" panose="020B0503020204020204" pitchFamily="34" charset="-122"/>
+              </a:rPr>
+              <a:t>研究内容</a:t>
+            </a:r>
+            <a:endParaRPr lang="zh-CN" altLang="en-US" sz="3200" b="1" dirty="0">
+              <a:solidFill>
+                <a:srgbClr val="CC9933"/>
+              </a:solidFill>
+              <a:latin typeface="微软雅黑" panose="020B0503020204020204" pitchFamily="34" charset="-122"/>
+              <a:ea typeface="微软雅黑" panose="020B0503020204020204" pitchFamily="34" charset="-122"/>
+            </a:endParaRPr>
           </a:p>
         </p:txBody>
       </p:sp>
       <p:cxnSp>
         <p:nvCxnSpPr>
-          <p:cNvPr id="21" name="直接连接符 20"/>
+          <p:cNvPr id="38" name="直接连接符 37"/>
           <p:cNvCxnSpPr/>
           <p:nvPr/>
         </p:nvCxnSpPr>
@@ -5448,7 +5105,7 @@
           </a:prstGeom>
           <a:ln w="9525">
             <a:solidFill>
-              <a:schemeClr val="bg1"/>
+              <a:schemeClr val="tx1"/>
             </a:solidFill>
           </a:ln>
         </p:spPr>
@@ -5469,268 +5126,102 @@
       </p:cxnSp>
       <p:sp>
         <p:nvSpPr>
-          <p:cNvPr id="16" name="文本框 13"/>
+          <p:cNvPr id="100" name="文本框 99"/>
           <p:cNvSpPr txBox="1"/>
           <p:nvPr/>
         </p:nvSpPr>
         <p:spPr>
           <a:xfrm>
-            <a:off x="1261297" y="137443"/>
-            <a:ext cx="2811780" cy="303530"/>
+            <a:off x="377190" y="2536190"/>
+            <a:ext cx="5477510" cy="2168525"/>
           </a:xfrm>
           <a:prstGeom prst="rect">
             <a:avLst/>
           </a:prstGeom>
           <a:noFill/>
-        </p:spPr>
-        <p:txBody>
-          <a:bodyPr wrap="none" rtlCol="0">
+          <a:ln w="9525">
+            <a:noFill/>
+          </a:ln>
+        </p:spPr>
+        <p:txBody>
+          <a:bodyPr wrap="square">
             <a:spAutoFit/>
           </a:bodyPr>
-          <a:lstStyle/>
-          <a:p>
-            <a:pPr algn="l"/>
-            <a:r>
-              <a:rPr lang="zh-CN" altLang="en-US" sz="1380" dirty="0">
-                <a:solidFill>
-                  <a:schemeClr val="bg1"/>
-                </a:solidFill>
-                <a:latin typeface="微软雅黑" panose="020B0503020204020204" pitchFamily="34" charset="-122"/>
-                <a:ea typeface="微软雅黑" panose="020B0503020204020204" pitchFamily="34" charset="-122"/>
-              </a:rPr>
-              <a:t>电子科技大学机械与电气工程学院</a:t>
-            </a:r>
-            <a:endParaRPr lang="zh-CN" altLang="en-US" sz="1380" dirty="0">
-              <a:solidFill>
-                <a:schemeClr val="bg1"/>
-              </a:solidFill>
-              <a:latin typeface="微软雅黑" panose="020B0503020204020204" pitchFamily="34" charset="-122"/>
-              <a:ea typeface="微软雅黑" panose="020B0503020204020204" pitchFamily="34" charset="-122"/>
+          <a:p>
+            <a:pPr indent="0" fontAlgn="auto">
+              <a:lnSpc>
+                <a:spcPct val="150000"/>
+              </a:lnSpc>
+            </a:pPr>
+            <a:r>
+              <a:rPr lang="en-US" altLang="zh-CN" b="0">
+                <a:latin typeface="Times New Roman" panose="02020603050405020304" pitchFamily="18" charset="0"/>
+                <a:ea typeface="宋体" panose="02010600030101010101" pitchFamily="2" charset="-122"/>
+              </a:rPr>
+              <a:t>1.</a:t>
+            </a:r>
+            <a:r>
+              <a:rPr lang="zh-CN" b="0">
+                <a:latin typeface="Times New Roman" panose="02020603050405020304" pitchFamily="18" charset="0"/>
+                <a:ea typeface="宋体" panose="02010600030101010101" pitchFamily="2" charset="-122"/>
+              </a:rPr>
+              <a:t>利用</a:t>
+            </a:r>
+            <a:r>
+              <a:rPr lang="en-US" b="0">
+                <a:latin typeface="Times New Roman" panose="02020603050405020304" pitchFamily="18" charset="0"/>
+                <a:ea typeface="宋体" panose="02010600030101010101" pitchFamily="2" charset="-122"/>
+                <a:cs typeface="Times New Roman" panose="02020603050405020304" pitchFamily="18" charset="0"/>
+              </a:rPr>
+              <a:t>SolidWorks</a:t>
+            </a:r>
+            <a:r>
+              <a:rPr lang="zh-CN" b="0">
+                <a:latin typeface="Times New Roman" panose="02020603050405020304" pitchFamily="18" charset="0"/>
+                <a:ea typeface="宋体" panose="02010600030101010101" pitchFamily="2" charset="-122"/>
+              </a:rPr>
+              <a:t>三维建模软件对电隔离体系锚具和关键连接组件进行结构设计；</a:t>
+            </a:r>
+            <a:endParaRPr lang="zh-CN" b="0">
+              <a:latin typeface="Times New Roman" panose="02020603050405020304" pitchFamily="18" charset="0"/>
+              <a:ea typeface="宋体" panose="02010600030101010101" pitchFamily="2" charset="-122"/>
             </a:endParaRPr>
           </a:p>
-        </p:txBody>
-      </p:sp>
-      <p:sp>
-        <p:nvSpPr>
-          <p:cNvPr id="17" name="文本框 15"/>
-          <p:cNvSpPr txBox="1"/>
-          <p:nvPr/>
-        </p:nvSpPr>
-        <p:spPr>
-          <a:xfrm>
-            <a:off x="1265107" y="385093"/>
-            <a:ext cx="2880360" cy="232410"/>
-          </a:xfrm>
-          <a:prstGeom prst="rect">
-            <a:avLst/>
-          </a:prstGeom>
-          <a:noFill/>
-        </p:spPr>
-        <p:txBody>
-          <a:bodyPr wrap="square" rtlCol="0">
-            <a:spAutoFit/>
-          </a:bodyPr>
-          <a:lstStyle/>
-          <a:p>
-            <a:r>
-              <a:rPr lang="zh-CN" altLang="en-US" sz="920" dirty="0">
-                <a:solidFill>
-                  <a:schemeClr val="bg1"/>
-                </a:solidFill>
-                <a:latin typeface="微软雅黑" panose="020B0503020204020204" pitchFamily="34" charset="-122"/>
-                <a:ea typeface="微软雅黑" panose="020B0503020204020204" pitchFamily="34" charset="-122"/>
-              </a:rPr>
-              <a:t>School of Mechanical and Electrical Engineering</a:t>
-            </a:r>
-            <a:endParaRPr lang="zh-CN" altLang="en-US" sz="920" dirty="0">
-              <a:solidFill>
-                <a:schemeClr val="bg1"/>
-              </a:solidFill>
-              <a:latin typeface="微软雅黑" panose="020B0503020204020204" pitchFamily="34" charset="-122"/>
-              <a:ea typeface="微软雅黑" panose="020B0503020204020204" pitchFamily="34" charset="-122"/>
-            </a:endParaRPr>
-          </a:p>
-        </p:txBody>
-      </p:sp>
-      <p:cxnSp>
-        <p:nvCxnSpPr>
-          <p:cNvPr id="18" name="直接连接符 17"/>
-          <p:cNvCxnSpPr/>
-          <p:nvPr/>
-        </p:nvCxnSpPr>
-        <p:spPr>
-          <a:xfrm>
-            <a:off x="1180017" y="44098"/>
-            <a:ext cx="0" cy="645160"/>
-          </a:xfrm>
-          <a:prstGeom prst="line">
-            <a:avLst/>
-          </a:prstGeom>
-          <a:ln w="9525">
-            <a:solidFill>
-              <a:schemeClr val="bg1"/>
-            </a:solidFill>
-          </a:ln>
-        </p:spPr>
-        <p:style>
-          <a:lnRef idx="1">
-            <a:schemeClr val="accent1"/>
-          </a:lnRef>
-          <a:fillRef idx="0">
-            <a:schemeClr val="accent1"/>
-          </a:fillRef>
-          <a:effectRef idx="0">
-            <a:schemeClr val="accent1"/>
-          </a:effectRef>
-          <a:fontRef idx="minor">
-            <a:schemeClr val="tx1"/>
-          </a:fontRef>
-        </p:style>
-      </p:cxnSp>
-      <p:pic>
-        <p:nvPicPr>
-          <p:cNvPr id="22" name="图片 21"/>
-          <p:cNvPicPr>
-            <a:picLocks noChangeAspect="1"/>
-          </p:cNvPicPr>
-          <p:nvPr/>
-        </p:nvPicPr>
-        <p:blipFill>
-          <a:blip r:embed="rId1" cstate="print">
-            <a:extLst>
-              <a:ext uri="{28A0092B-C50C-407E-A947-70E740481C1C}">
-                <a14:useLocalDpi xmlns:a14="http://schemas.microsoft.com/office/drawing/2010/main" val="0"/>
-              </a:ext>
-            </a:extLst>
-          </a:blip>
-          <a:stretch>
-            <a:fillRect/>
-          </a:stretch>
-        </p:blipFill>
-        <p:spPr>
-          <a:xfrm>
-            <a:off x="384649" y="26500"/>
-            <a:ext cx="583162" cy="680356"/>
-          </a:xfrm>
-          <a:prstGeom prst="rect">
-            <a:avLst/>
-          </a:prstGeom>
-        </p:spPr>
-      </p:pic>
-      <p:pic>
-        <p:nvPicPr>
-          <p:cNvPr id="23" name="图片 22" descr="03-1"/>
-          <p:cNvPicPr>
-            <a:picLocks noChangeAspect="1"/>
-          </p:cNvPicPr>
-          <p:nvPr/>
-        </p:nvPicPr>
-        <p:blipFill>
-          <a:blip r:embed="rId2" cstate="print"/>
-          <a:stretch>
-            <a:fillRect/>
-          </a:stretch>
-        </p:blipFill>
-        <p:spPr>
-          <a:xfrm>
-            <a:off x="2389505" y="5318125"/>
-            <a:ext cx="7412990" cy="1551305"/>
-          </a:xfrm>
-          <a:prstGeom prst="rect">
-            <a:avLst/>
-          </a:prstGeom>
-        </p:spPr>
-      </p:pic>
-      <p:sp>
-        <p:nvSpPr>
-          <p:cNvPr id="2" name="矩形 1"/>
-          <p:cNvSpPr/>
-          <p:nvPr/>
-        </p:nvSpPr>
-        <p:spPr>
-          <a:xfrm>
-            <a:off x="2672731" y="1452642"/>
-            <a:ext cx="1135380" cy="2399665"/>
-          </a:xfrm>
-          <a:prstGeom prst="rect">
-            <a:avLst/>
-          </a:prstGeom>
-          <a:noFill/>
-        </p:spPr>
-        <p:txBody>
-          <a:bodyPr wrap="none" lIns="91440" tIns="45720" rIns="91440" bIns="45720">
-            <a:spAutoFit/>
-            <a:scene3d>
-              <a:camera prst="orthographicFront"/>
-              <a:lightRig rig="soft" dir="t">
-                <a:rot lat="0" lon="0" rev="15600000"/>
-              </a:lightRig>
-            </a:scene3d>
-            <a:sp3d extrusionH="57150" prstMaterial="softEdge">
-              <a:bevelT w="25400" h="38100"/>
-            </a:sp3d>
-          </a:bodyPr>
-          <a:lstStyle/>
-          <a:p>
-            <a:pPr algn="ctr"/>
-            <a:r>
-              <a:rPr lang="en-US" altLang="zh-CN" sz="15000" b="1" i="1" dirty="0">
-                <a:solidFill>
-                  <a:schemeClr val="accent4"/>
-                </a:solidFill>
+          <a:p>
+            <a:pPr indent="0" fontAlgn="auto">
+              <a:lnSpc>
+                <a:spcPct val="150000"/>
+              </a:lnSpc>
+            </a:pPr>
+            <a:r>
+              <a:rPr lang="en-US" altLang="zh-CN" b="0">
                 <a:latin typeface="Times New Roman" panose="02020603050405020304" pitchFamily="18" charset="0"/>
-                <a:cs typeface="Times New Roman" panose="02020603050405020304" pitchFamily="18" charset="0"/>
-              </a:rPr>
-              <a:t>4</a:t>
-            </a:r>
-            <a:endParaRPr lang="en-US" altLang="zh-CN" sz="15000" b="1" i="1" dirty="0">
-              <a:solidFill>
-                <a:schemeClr val="accent4"/>
-              </a:solidFill>
-              <a:latin typeface="Times New Roman" panose="02020603050405020304" pitchFamily="18" charset="0"/>
-              <a:cs typeface="Times New Roman" panose="02020603050405020304" pitchFamily="18" charset="0"/>
-            </a:endParaRPr>
-          </a:p>
-        </p:txBody>
-      </p:sp>
-      <p:sp>
-        <p:nvSpPr>
-          <p:cNvPr id="3" name="文本框 2"/>
-          <p:cNvSpPr txBox="1"/>
-          <p:nvPr/>
-        </p:nvSpPr>
-        <p:spPr>
-          <a:xfrm>
-            <a:off x="4727575" y="2238375"/>
-            <a:ext cx="4615815" cy="829945"/>
-          </a:xfrm>
-          <a:prstGeom prst="rect">
-            <a:avLst/>
-          </a:prstGeom>
-          <a:noFill/>
-        </p:spPr>
-        <p:txBody>
-          <a:bodyPr wrap="square" rtlCol="0">
-            <a:spAutoFit/>
-          </a:bodyPr>
-          <a:p>
-            <a:r>
-              <a:rPr lang="zh-CN" altLang="en-US" sz="4800" b="1">
-                <a:solidFill>
-                  <a:schemeClr val="accent4"/>
-                </a:solidFill>
-                <a:latin typeface="微软雅黑" panose="020B0503020204020204" pitchFamily="34" charset="-122"/>
-                <a:ea typeface="微软雅黑" panose="020B0503020204020204" pitchFamily="34" charset="-122"/>
-              </a:rPr>
-              <a:t>研究内容与方法</a:t>
-            </a:r>
-            <a:endParaRPr lang="zh-CN" altLang="en-US" sz="4800" b="1">
-              <a:solidFill>
-                <a:schemeClr val="accent4"/>
-              </a:solidFill>
-              <a:latin typeface="微软雅黑" panose="020B0503020204020204" pitchFamily="34" charset="-122"/>
-              <a:ea typeface="微软雅黑" panose="020B0503020204020204" pitchFamily="34" charset="-122"/>
-            </a:endParaRPr>
+                <a:ea typeface="宋体" panose="02010600030101010101" pitchFamily="2" charset="-122"/>
+              </a:rPr>
+              <a:t>2.</a:t>
+            </a:r>
+            <a:r>
+              <a:rPr lang="zh-CN" b="0">
+                <a:latin typeface="Times New Roman" panose="02020603050405020304" pitchFamily="18" charset="0"/>
+                <a:ea typeface="宋体" panose="02010600030101010101" pitchFamily="2" charset="-122"/>
+              </a:rPr>
+              <a:t>通过</a:t>
+            </a:r>
+            <a:r>
+              <a:rPr lang="en-US" b="0">
+                <a:latin typeface="Times New Roman" panose="02020603050405020304" pitchFamily="18" charset="0"/>
+                <a:ea typeface="宋体" panose="02010600030101010101" pitchFamily="2" charset="-122"/>
+              </a:rPr>
+              <a:t>ANSYS</a:t>
+            </a:r>
+            <a:r>
+              <a:rPr lang="zh-CN" b="0">
+                <a:latin typeface="Times New Roman" panose="02020603050405020304" pitchFamily="18" charset="0"/>
+                <a:ea typeface="宋体" panose="02010600030101010101" pitchFamily="2" charset="-122"/>
+              </a:rPr>
+              <a:t>有限元分析软件对锚具进行力学仿真分析和计算，模拟预应力筋工作状态下锚具的受力情况，初步验证结构的力学性能。</a:t>
+            </a:r>
+            <a:endParaRPr lang="zh-CN" altLang="en-US"/>
           </a:p>
         </p:txBody>
       </p:sp>
@@ -5768,7 +5259,7 @@
         <p:spPr>
           <a:xfrm>
             <a:off x="376974" y="898927"/>
-            <a:ext cx="11412504" cy="521970"/>
+            <a:ext cx="11412504" cy="891540"/>
           </a:xfrm>
           <a:prstGeom prst="rect">
             <a:avLst/>
@@ -5786,15 +5277,24 @@
               <a:buChar char="•"/>
             </a:pPr>
             <a:r>
-              <a:rPr lang="zh-CN" altLang="en-US" sz="2800" b="1" dirty="0">
+              <a:rPr lang="en-US" altLang="zh-CN" sz="2800" b="1" dirty="0">
                 <a:solidFill>
                   <a:srgbClr val="7030A0"/>
                 </a:solidFill>
                 <a:latin typeface="微软雅黑" panose="020B0503020204020204" pitchFamily="34" charset="-122"/>
                 <a:ea typeface="微软雅黑" panose="020B0503020204020204" pitchFamily="34" charset="-122"/>
               </a:rPr>
-              <a:t>预应力混凝土结构腐蚀机理和电隔离防护原理分析</a:t>
-            </a:r>
+              <a:t>关键构件的预应力试验和分析</a:t>
+            </a:r>
+            <a:endParaRPr lang="en-US" altLang="zh-CN" sz="2800" b="1" dirty="0">
+              <a:solidFill>
+                <a:srgbClr val="7030A0"/>
+              </a:solidFill>
+              <a:latin typeface="微软雅黑" panose="020B0503020204020204" pitchFamily="34" charset="-122"/>
+              <a:ea typeface="微软雅黑" panose="020B0503020204020204" pitchFamily="34" charset="-122"/>
+            </a:endParaRPr>
+          </a:p>
+          <a:p>
             <a:endParaRPr lang="zh-CN" altLang="en-US" sz="2400" b="1" dirty="0">
               <a:solidFill>
                 <a:srgbClr val="7030A0"/>
@@ -5897,8 +5397,8 @@
         </p:nvSpPr>
         <p:spPr>
           <a:xfrm>
-            <a:off x="578485" y="2073275"/>
-            <a:ext cx="11009630" cy="4154170"/>
+            <a:off x="748030" y="2553017"/>
+            <a:ext cx="5080000" cy="1476375"/>
           </a:xfrm>
           <a:prstGeom prst="rect">
             <a:avLst/>
@@ -5909,26 +5409,22 @@
           </a:ln>
         </p:spPr>
         <p:txBody>
-          <a:bodyPr wrap="square">
+          <a:bodyPr>
             <a:spAutoFit/>
           </a:bodyPr>
           <a:p>
-            <a:pPr indent="609600" fontAlgn="auto">
-              <a:extLst>
-                <a:ext uri="{35155182-B16C-46BC-9424-99874614C6A1}">
-                  <wpsdc:indentchars xmlns:wpsdc="http://www.wps.cn/officeDocument/2017/drawingmlCustomData" val="200" checksum="4158780845"/>
-                </a:ext>
-              </a:extLst>
-            </a:pPr>
-            <a:r>
-              <a:rPr lang="zh-CN" sz="2400" b="0">
+            <a:pPr indent="0"/>
+            <a:r>
+              <a:rPr lang="zh-CN" b="0">
                 <a:latin typeface="Times New Roman" panose="02020603050405020304" pitchFamily="18" charset="0"/>
                 <a:ea typeface="宋体" panose="02010600030101010101" pitchFamily="2" charset="-122"/>
               </a:rPr>
-              <a:t>国内外已经有很多关于预应力筋腐蚀原因分析的研究，在对预应力筋进行防护之前需要分析其腐蚀原因和过程。本论文通过查阅国内外相关文献，得到预应力构件遭受周围环境的氯化物、杂散电流的侵蚀机理；提取影响预应力构件腐蚀进展的关键特征参量，为电隔离防护体系的建立提供依据。-电隔离技术作为解决预应力筋腐蚀防护的有效方案，已经被瑞士和意大利等欧洲国家写入相关技术标准中，同时关于电隔离体系应用的工程案例也被记录，但是国内对于电隔离防护技术的研究很少，本论文通过查阅国外电隔离预应力体系相关技术标准和工程案例，对电隔离防护原理进行分析，提炼电隔离体系对预应力筋防护的关键要素；通过对市场上现有的密封防腐产品进行调研，在常规锚具体系的基础上，结合国外现有电隔离体系，确定新型电隔离预应力锚固体系的设计方案并建立电隔离预应力体系等效电路模型，为电隔离监测提供理论依据。</a:t>
-            </a:r>
-            <a:endParaRPr lang="zh-CN" altLang="en-US" sz="2400"/>
+              <a:t>新型电隔离锚固体系下的锚具在结构上和常规体系存在差异，需要对新型体系中关键构件进行预应力试验研究，达到相应的预应力试验标准才能进行工程应用，其中主要试验包括：锚垫板的荷载传递试验和锚罩的油压试验。</a:t>
+            </a:r>
+            <a:endParaRPr lang="zh-CN" altLang="en-US" b="0">
+              <a:latin typeface="Times New Roman" panose="02020603050405020304" pitchFamily="18" charset="0"/>
+              <a:ea typeface="宋体" panose="02010600030101010101" pitchFamily="2" charset="-122"/>
+            </a:endParaRPr>
           </a:p>
         </p:txBody>
       </p:sp>
@@ -5984,14 +5480,14 @@
               <a:buChar char="•"/>
             </a:pPr>
             <a:r>
-              <a:rPr lang="zh-CN" altLang="en-US" sz="2800" b="1" dirty="0">
+              <a:rPr lang="en-US" altLang="zh-CN" sz="2800" b="1" dirty="0">
                 <a:solidFill>
                   <a:srgbClr val="7030A0"/>
                 </a:solidFill>
                 <a:latin typeface="微软雅黑" panose="020B0503020204020204" pitchFamily="34" charset="-122"/>
                 <a:ea typeface="微软雅黑" panose="020B0503020204020204" pitchFamily="34" charset="-122"/>
               </a:rPr>
-              <a:t>研究意义</a:t>
+              <a:t>电隔离性能试验和分析</a:t>
             </a:r>
             <a:endParaRPr lang="en-US" altLang="zh-CN" sz="2800" b="1" dirty="0">
               <a:solidFill>
@@ -6021,7 +5517,7 @@
         <p:spPr>
           <a:xfrm>
             <a:off x="1261297" y="137443"/>
-            <a:ext cx="3428365" cy="583565"/>
+            <a:ext cx="2209165" cy="583565"/>
           </a:xfrm>
           <a:prstGeom prst="rect">
             <a:avLst/>
@@ -6042,16 +5538,16 @@
               <a:buChar char="u"/>
             </a:pPr>
             <a:r>
-              <a:rPr lang="zh-CN" altLang="en-US" sz="3200" b="1" dirty="0">
+              <a:rPr lang="zh-CN" altLang="zh-CN" sz="3200" b="1" dirty="0">
                 <a:solidFill>
                   <a:srgbClr val="CC9933"/>
                 </a:solidFill>
                 <a:latin typeface="微软雅黑" panose="020B0503020204020204" pitchFamily="34" charset="-122"/>
                 <a:ea typeface="微软雅黑" panose="020B0503020204020204" pitchFamily="34" charset="-122"/>
               </a:rPr>
-              <a:t>研究内容与方法</a:t>
-            </a:r>
-            <a:endParaRPr lang="zh-CN" altLang="en-US" sz="3200" b="1" dirty="0">
+              <a:t>研究内容</a:t>
+            </a:r>
+            <a:endParaRPr lang="zh-CN" altLang="zh-CN" sz="3200" b="1" dirty="0">
               <a:solidFill>
                 <a:srgbClr val="CC9933"/>
               </a:solidFill>
@@ -6098,14 +5594,14 @@
       </p:cxnSp>
       <p:sp>
         <p:nvSpPr>
-          <p:cNvPr id="3" name="文本框 2"/>
+          <p:cNvPr id="100" name="文本框 99"/>
           <p:cNvSpPr txBox="1"/>
           <p:nvPr/>
         </p:nvSpPr>
         <p:spPr>
           <a:xfrm>
-            <a:off x="748030" y="2299335"/>
-            <a:ext cx="5587365" cy="3046095"/>
+            <a:off x="612775" y="2690495"/>
+            <a:ext cx="5080000" cy="1476375"/>
           </a:xfrm>
           <a:prstGeom prst="rect">
             <a:avLst/>
@@ -6116,69 +5612,22 @@
           </a:ln>
         </p:spPr>
         <p:txBody>
-          <a:bodyPr wrap="square">
+          <a:bodyPr>
             <a:spAutoFit/>
           </a:bodyPr>
           <a:p>
-            <a:pPr indent="0"/>
-            <a:r>
-              <a:rPr lang="zh-CN" sz="2400" b="0">
+            <a:pPr indent="0" fontAlgn="auto"/>
+            <a:r>
+              <a:rPr lang="zh-CN" b="0">
                 <a:latin typeface="Times New Roman" panose="02020603050405020304" pitchFamily="18" charset="0"/>
                 <a:ea typeface="宋体" panose="02010600030101010101" pitchFamily="2" charset="-122"/>
               </a:rPr>
-              <a:t>近年来，各国已建、在建和将建的</a:t>
-            </a:r>
-            <a:r>
-              <a:rPr lang="zh-CN" sz="2400" b="1">
-                <a:solidFill>
-                  <a:srgbClr val="FFC000"/>
-                </a:solidFill>
-                <a:latin typeface="Times New Roman" panose="02020603050405020304" pitchFamily="18" charset="0"/>
-                <a:ea typeface="宋体" panose="02010600030101010101" pitchFamily="2" charset="-122"/>
-              </a:rPr>
-              <a:t>跨海大桥、海底隧道、海港码头以及沿海地区、除冰盐地区兴建的高速铁路、高速公路、桥梁、工业建筑</a:t>
-            </a:r>
-            <a:r>
-              <a:rPr lang="zh-CN" sz="2400" b="0">
-                <a:latin typeface="Times New Roman" panose="02020603050405020304" pitchFamily="18" charset="0"/>
-                <a:ea typeface="宋体" panose="02010600030101010101" pitchFamily="2" charset="-122"/>
-              </a:rPr>
-              <a:t>等重大工程都广泛采用预应力混凝土结构，这些环境下结构的耐久性面临巨大挑战，如何对结构进行良好的腐蚀防护和监测成为了研究的重点</a:t>
-            </a:r>
-            <a:endParaRPr lang="zh-CN" altLang="en-US" sz="2400"/>
-          </a:p>
-        </p:txBody>
-      </p:sp>
-      <p:sp>
-        <p:nvSpPr>
-          <p:cNvPr id="5" name="文本框 4"/>
-          <p:cNvSpPr txBox="1"/>
-          <p:nvPr/>
-        </p:nvSpPr>
-        <p:spPr>
-          <a:xfrm>
-            <a:off x="6335395" y="2299335"/>
-            <a:ext cx="5587365" cy="3046095"/>
-          </a:xfrm>
-          <a:prstGeom prst="rect">
-            <a:avLst/>
-          </a:prstGeom>
-          <a:noFill/>
-          <a:ln w="9525">
-            <a:noFill/>
-          </a:ln>
-        </p:spPr>
-        <p:txBody>
-          <a:bodyPr wrap="square">
-            <a:spAutoFit/>
-          </a:bodyPr>
-          <a:p>
-            <a:pPr indent="0"/>
-            <a:r>
-              <a:rPr lang="zh-CN" altLang="en-US" sz="2400"/>
-              <a:t>常规锚固体系已经不能满足腐蚀防护和监测的要求，通过研究电隔离防护技术，开展电隔离预应力锚固技术的研究，提升结构抗腐蚀性能并对其健康状况进行长期监测，对确保重大土木工程结构全寿命使用安全，推动混凝土结构理论与技术应用，实现经济社会绿色、可持续发展具有重要意义。</a:t>
-            </a:r>
-            <a:endParaRPr lang="zh-CN" altLang="en-US" sz="2400"/>
+              <a:t>通过电反馈的方式测量结构内部的阻抗值验证工作状态下预应力筋是否受到周围环境的影响。验证电隔离体系能否对预应力筋的健康状况进行监测，并结合试验数据与理论研究，建立各影响因素和预应管道内部健康状况之间的数学关系。</a:t>
+            </a:r>
+            <a:endParaRPr lang="zh-CN" altLang="en-US" b="0">
+              <a:latin typeface="Times New Roman" panose="02020603050405020304" pitchFamily="18" charset="0"/>
+              <a:ea typeface="宋体" panose="02010600030101010101" pitchFamily="2" charset="-122"/>
+            </a:endParaRPr>
           </a:p>
         </p:txBody>
       </p:sp>
@@ -6271,7 +5720,7 @@
         <p:spPr>
           <a:xfrm>
             <a:off x="1261297" y="137443"/>
-            <a:ext cx="3428365" cy="583565"/>
+            <a:ext cx="3021965" cy="583565"/>
           </a:xfrm>
           <a:prstGeom prst="rect">
             <a:avLst/>
@@ -6299,7 +5748,7 @@
                 <a:latin typeface="微软雅黑" panose="020B0503020204020204" pitchFamily="34" charset="-122"/>
                 <a:ea typeface="微软雅黑" panose="020B0503020204020204" pitchFamily="34" charset="-122"/>
               </a:rPr>
-              <a:t>研究内容与方法</a:t>
+              <a:t>论文工作基础</a:t>
             </a:r>
             <a:endParaRPr lang="zh-CN" altLang="en-US" sz="3200" b="1" dirty="0">
               <a:solidFill>
@@ -6459,379 +5908,6 @@
       </p:grpSpPr>
       <p:sp>
         <p:nvSpPr>
-          <p:cNvPr id="5" name="矩形 4"/>
-          <p:cNvSpPr/>
-          <p:nvPr/>
-        </p:nvSpPr>
-        <p:spPr>
-          <a:xfrm>
-            <a:off x="-31750" y="-19050"/>
-            <a:ext cx="12242165" cy="6887845"/>
-          </a:xfrm>
-          <a:prstGeom prst="rect">
-            <a:avLst/>
-          </a:prstGeom>
-          <a:solidFill>
-            <a:srgbClr val="00468B"/>
-          </a:solidFill>
-          <a:ln>
-            <a:noFill/>
-          </a:ln>
-        </p:spPr>
-        <p:style>
-          <a:lnRef idx="2">
-            <a:schemeClr val="accent1">
-              <a:shade val="50000"/>
-            </a:schemeClr>
-          </a:lnRef>
-          <a:fillRef idx="1">
-            <a:schemeClr val="accent1"/>
-          </a:fillRef>
-          <a:effectRef idx="0">
-            <a:schemeClr val="accent1"/>
-          </a:effectRef>
-          <a:fontRef idx="minor">
-            <a:schemeClr val="lt1"/>
-          </a:fontRef>
-        </p:style>
-        <p:txBody>
-          <a:bodyPr rtlCol="0" anchor="ctr"/>
-          <a:lstStyle/>
-          <a:p>
-            <a:pPr algn="ctr"/>
-            <a:endParaRPr lang="zh-CN" altLang="en-US"/>
-          </a:p>
-        </p:txBody>
-      </p:sp>
-      <p:cxnSp>
-        <p:nvCxnSpPr>
-          <p:cNvPr id="21" name="直接连接符 20"/>
-          <p:cNvCxnSpPr/>
-          <p:nvPr/>
-        </p:nvCxnSpPr>
-        <p:spPr>
-          <a:xfrm>
-            <a:off x="1180017" y="44098"/>
-            <a:ext cx="0" cy="645160"/>
-          </a:xfrm>
-          <a:prstGeom prst="line">
-            <a:avLst/>
-          </a:prstGeom>
-          <a:ln w="9525">
-            <a:solidFill>
-              <a:schemeClr val="bg1"/>
-            </a:solidFill>
-          </a:ln>
-        </p:spPr>
-        <p:style>
-          <a:lnRef idx="1">
-            <a:schemeClr val="accent1"/>
-          </a:lnRef>
-          <a:fillRef idx="0">
-            <a:schemeClr val="accent1"/>
-          </a:fillRef>
-          <a:effectRef idx="0">
-            <a:schemeClr val="accent1"/>
-          </a:effectRef>
-          <a:fontRef idx="minor">
-            <a:schemeClr val="tx1"/>
-          </a:fontRef>
-        </p:style>
-      </p:cxnSp>
-      <p:sp>
-        <p:nvSpPr>
-          <p:cNvPr id="16" name="文本框 13"/>
-          <p:cNvSpPr txBox="1"/>
-          <p:nvPr/>
-        </p:nvSpPr>
-        <p:spPr>
-          <a:xfrm>
-            <a:off x="1261297" y="137443"/>
-            <a:ext cx="2811780" cy="303530"/>
-          </a:xfrm>
-          <a:prstGeom prst="rect">
-            <a:avLst/>
-          </a:prstGeom>
-          <a:noFill/>
-        </p:spPr>
-        <p:txBody>
-          <a:bodyPr wrap="none" rtlCol="0">
-            <a:spAutoFit/>
-          </a:bodyPr>
-          <a:lstStyle/>
-          <a:p>
-            <a:pPr algn="l"/>
-            <a:r>
-              <a:rPr lang="zh-CN" altLang="en-US" sz="1380" dirty="0">
-                <a:solidFill>
-                  <a:schemeClr val="bg1"/>
-                </a:solidFill>
-                <a:latin typeface="微软雅黑" panose="020B0503020204020204" pitchFamily="34" charset="-122"/>
-                <a:ea typeface="微软雅黑" panose="020B0503020204020204" pitchFamily="34" charset="-122"/>
-              </a:rPr>
-              <a:t>电子科技大学机械与电气工程学院</a:t>
-            </a:r>
-            <a:endParaRPr lang="zh-CN" altLang="en-US" sz="1380" dirty="0">
-              <a:solidFill>
-                <a:schemeClr val="bg1"/>
-              </a:solidFill>
-              <a:latin typeface="微软雅黑" panose="020B0503020204020204" pitchFamily="34" charset="-122"/>
-              <a:ea typeface="微软雅黑" panose="020B0503020204020204" pitchFamily="34" charset="-122"/>
-            </a:endParaRPr>
-          </a:p>
-        </p:txBody>
-      </p:sp>
-      <p:sp>
-        <p:nvSpPr>
-          <p:cNvPr id="17" name="文本框 15"/>
-          <p:cNvSpPr txBox="1"/>
-          <p:nvPr/>
-        </p:nvSpPr>
-        <p:spPr>
-          <a:xfrm>
-            <a:off x="1265107" y="385093"/>
-            <a:ext cx="2880360" cy="232410"/>
-          </a:xfrm>
-          <a:prstGeom prst="rect">
-            <a:avLst/>
-          </a:prstGeom>
-          <a:noFill/>
-        </p:spPr>
-        <p:txBody>
-          <a:bodyPr wrap="square" rtlCol="0">
-            <a:spAutoFit/>
-          </a:bodyPr>
-          <a:lstStyle/>
-          <a:p>
-            <a:r>
-              <a:rPr lang="zh-CN" altLang="en-US" sz="920" dirty="0">
-                <a:solidFill>
-                  <a:schemeClr val="bg1"/>
-                </a:solidFill>
-                <a:latin typeface="微软雅黑" panose="020B0503020204020204" pitchFamily="34" charset="-122"/>
-                <a:ea typeface="微软雅黑" panose="020B0503020204020204" pitchFamily="34" charset="-122"/>
-              </a:rPr>
-              <a:t>School of Mechanical and Electrical Engineering</a:t>
-            </a:r>
-            <a:endParaRPr lang="zh-CN" altLang="en-US" sz="920" dirty="0">
-              <a:solidFill>
-                <a:schemeClr val="bg1"/>
-              </a:solidFill>
-              <a:latin typeface="微软雅黑" panose="020B0503020204020204" pitchFamily="34" charset="-122"/>
-              <a:ea typeface="微软雅黑" panose="020B0503020204020204" pitchFamily="34" charset="-122"/>
-            </a:endParaRPr>
-          </a:p>
-        </p:txBody>
-      </p:sp>
-      <p:cxnSp>
-        <p:nvCxnSpPr>
-          <p:cNvPr id="18" name="直接连接符 17"/>
-          <p:cNvCxnSpPr/>
-          <p:nvPr/>
-        </p:nvCxnSpPr>
-        <p:spPr>
-          <a:xfrm>
-            <a:off x="1180017" y="44098"/>
-            <a:ext cx="0" cy="645160"/>
-          </a:xfrm>
-          <a:prstGeom prst="line">
-            <a:avLst/>
-          </a:prstGeom>
-          <a:ln w="9525">
-            <a:solidFill>
-              <a:schemeClr val="bg1"/>
-            </a:solidFill>
-          </a:ln>
-        </p:spPr>
-        <p:style>
-          <a:lnRef idx="1">
-            <a:schemeClr val="accent1"/>
-          </a:lnRef>
-          <a:fillRef idx="0">
-            <a:schemeClr val="accent1"/>
-          </a:fillRef>
-          <a:effectRef idx="0">
-            <a:schemeClr val="accent1"/>
-          </a:effectRef>
-          <a:fontRef idx="minor">
-            <a:schemeClr val="tx1"/>
-          </a:fontRef>
-        </p:style>
-      </p:cxnSp>
-      <p:pic>
-        <p:nvPicPr>
-          <p:cNvPr id="22" name="图片 21"/>
-          <p:cNvPicPr>
-            <a:picLocks noChangeAspect="1"/>
-          </p:cNvPicPr>
-          <p:nvPr/>
-        </p:nvPicPr>
-        <p:blipFill>
-          <a:blip r:embed="rId1" cstate="print">
-            <a:extLst>
-              <a:ext uri="{28A0092B-C50C-407E-A947-70E740481C1C}">
-                <a14:useLocalDpi xmlns:a14="http://schemas.microsoft.com/office/drawing/2010/main" val="0"/>
-              </a:ext>
-            </a:extLst>
-          </a:blip>
-          <a:stretch>
-            <a:fillRect/>
-          </a:stretch>
-        </p:blipFill>
-        <p:spPr>
-          <a:xfrm>
-            <a:off x="384649" y="26500"/>
-            <a:ext cx="583162" cy="680356"/>
-          </a:xfrm>
-          <a:prstGeom prst="rect">
-            <a:avLst/>
-          </a:prstGeom>
-        </p:spPr>
-      </p:pic>
-      <p:pic>
-        <p:nvPicPr>
-          <p:cNvPr id="23" name="图片 22" descr="03-1"/>
-          <p:cNvPicPr>
-            <a:picLocks noChangeAspect="1"/>
-          </p:cNvPicPr>
-          <p:nvPr/>
-        </p:nvPicPr>
-        <p:blipFill>
-          <a:blip r:embed="rId2" cstate="print"/>
-          <a:stretch>
-            <a:fillRect/>
-          </a:stretch>
-        </p:blipFill>
-        <p:spPr>
-          <a:xfrm>
-            <a:off x="2389505" y="5318125"/>
-            <a:ext cx="7412990" cy="1551305"/>
-          </a:xfrm>
-          <a:prstGeom prst="rect">
-            <a:avLst/>
-          </a:prstGeom>
-        </p:spPr>
-      </p:pic>
-      <p:sp>
-        <p:nvSpPr>
-          <p:cNvPr id="2" name="矩形 1"/>
-          <p:cNvSpPr/>
-          <p:nvPr/>
-        </p:nvSpPr>
-        <p:spPr>
-          <a:xfrm>
-            <a:off x="2672731" y="1452642"/>
-            <a:ext cx="1135380" cy="2399665"/>
-          </a:xfrm>
-          <a:prstGeom prst="rect">
-            <a:avLst/>
-          </a:prstGeom>
-          <a:noFill/>
-        </p:spPr>
-        <p:txBody>
-          <a:bodyPr wrap="none" lIns="91440" tIns="45720" rIns="91440" bIns="45720">
-            <a:spAutoFit/>
-            <a:scene3d>
-              <a:camera prst="orthographicFront"/>
-              <a:lightRig rig="soft" dir="t">
-                <a:rot lat="0" lon="0" rev="15600000"/>
-              </a:lightRig>
-            </a:scene3d>
-            <a:sp3d extrusionH="57150" prstMaterial="softEdge">
-              <a:bevelT w="25400" h="38100"/>
-            </a:sp3d>
-          </a:bodyPr>
-          <a:lstStyle/>
-          <a:p>
-            <a:pPr algn="ctr"/>
-            <a:r>
-              <a:rPr lang="en-US" altLang="zh-CN" sz="15000" b="1" i="1" dirty="0">
-                <a:solidFill>
-                  <a:schemeClr val="accent4"/>
-                </a:solidFill>
-                <a:latin typeface="Times New Roman" panose="02020603050405020304" pitchFamily="18" charset="0"/>
-                <a:cs typeface="Times New Roman" panose="02020603050405020304" pitchFamily="18" charset="0"/>
-              </a:rPr>
-              <a:t>5</a:t>
-            </a:r>
-            <a:endParaRPr lang="en-US" altLang="zh-CN" sz="15000" b="1" i="1" dirty="0">
-              <a:solidFill>
-                <a:schemeClr val="accent4"/>
-              </a:solidFill>
-              <a:latin typeface="Times New Roman" panose="02020603050405020304" pitchFamily="18" charset="0"/>
-              <a:cs typeface="Times New Roman" panose="02020603050405020304" pitchFamily="18" charset="0"/>
-            </a:endParaRPr>
-          </a:p>
-        </p:txBody>
-      </p:sp>
-      <p:sp>
-        <p:nvSpPr>
-          <p:cNvPr id="3" name="文本框 2"/>
-          <p:cNvSpPr txBox="1"/>
-          <p:nvPr/>
-        </p:nvSpPr>
-        <p:spPr>
-          <a:xfrm>
-            <a:off x="4727575" y="2238375"/>
-            <a:ext cx="3922395" cy="829945"/>
-          </a:xfrm>
-          <a:prstGeom prst="rect">
-            <a:avLst/>
-          </a:prstGeom>
-          <a:noFill/>
-        </p:spPr>
-        <p:txBody>
-          <a:bodyPr wrap="square" rtlCol="0">
-            <a:spAutoFit/>
-          </a:bodyPr>
-          <a:p>
-            <a:r>
-              <a:rPr lang="zh-CN" altLang="en-US" sz="4800" b="1">
-                <a:solidFill>
-                  <a:schemeClr val="accent4"/>
-                </a:solidFill>
-                <a:latin typeface="微软雅黑" panose="020B0503020204020204" pitchFamily="34" charset="-122"/>
-                <a:ea typeface="微软雅黑" panose="020B0503020204020204" pitchFamily="34" charset="-122"/>
-              </a:rPr>
-              <a:t>论文工作基础</a:t>
-            </a:r>
-            <a:endParaRPr lang="zh-CN" altLang="en-US" sz="4800" b="1">
-              <a:solidFill>
-                <a:schemeClr val="accent4"/>
-              </a:solidFill>
-              <a:latin typeface="微软雅黑" panose="020B0503020204020204" pitchFamily="34" charset="-122"/>
-              <a:ea typeface="微软雅黑" panose="020B0503020204020204" pitchFamily="34" charset="-122"/>
-            </a:endParaRPr>
-          </a:p>
-        </p:txBody>
-      </p:sp>
-    </p:spTree>
-  </p:cSld>
-  <p:clrMapOvr>
-    <a:masterClrMapping/>
-  </p:clrMapOvr>
-</p:sld>
-</file>
-
-<file path=ppt/slides/slide19.xml><?xml version="1.0" encoding="utf-8"?>
-<p:sld xmlns:a="http://schemas.openxmlformats.org/drawingml/2006/main" xmlns:r="http://schemas.openxmlformats.org/officeDocument/2006/relationships" xmlns:p="http://schemas.openxmlformats.org/presentationml/2006/main">
-  <p:cSld>
-    <p:spTree>
-      <p:nvGrpSpPr>
-        <p:cNvPr id="1" name=""/>
-        <p:cNvGrpSpPr/>
-        <p:nvPr/>
-      </p:nvGrpSpPr>
-      <p:grpSpPr>
-        <a:xfrm>
-          <a:off x="0" y="0"/>
-          <a:ext cx="0" cy="0"/>
-          <a:chOff x="0" y="0"/>
-          <a:chExt cx="0" cy="0"/>
-        </a:xfrm>
-      </p:grpSpPr>
-      <p:sp>
-        <p:nvSpPr>
           <p:cNvPr id="9" name="文本框 4"/>
           <p:cNvSpPr txBox="1"/>
           <p:nvPr/>
@@ -7362,506 +6438,6 @@
 </p:sld>
 </file>
 
-<file path=ppt/slides/slide20.xml><?xml version="1.0" encoding="utf-8"?>
-<p:sld xmlns:a="http://schemas.openxmlformats.org/drawingml/2006/main" xmlns:r="http://schemas.openxmlformats.org/officeDocument/2006/relationships" xmlns:p="http://schemas.openxmlformats.org/presentationml/2006/main">
-  <p:cSld>
-    <p:spTree>
-      <p:nvGrpSpPr>
-        <p:cNvPr id="1" name=""/>
-        <p:cNvGrpSpPr/>
-        <p:nvPr/>
-      </p:nvGrpSpPr>
-      <p:grpSpPr>
-        <a:xfrm>
-          <a:off x="0" y="0"/>
-          <a:ext cx="0" cy="0"/>
-          <a:chOff x="0" y="0"/>
-          <a:chExt cx="0" cy="0"/>
-        </a:xfrm>
-      </p:grpSpPr>
-      <p:sp>
-        <p:nvSpPr>
-          <p:cNvPr id="9" name="文本框 4"/>
-          <p:cNvSpPr txBox="1"/>
-          <p:nvPr/>
-        </p:nvSpPr>
-        <p:spPr>
-          <a:xfrm>
-            <a:off x="376974" y="898927"/>
-            <a:ext cx="11412504" cy="891540"/>
-          </a:xfrm>
-          <a:prstGeom prst="rect">
-            <a:avLst/>
-          </a:prstGeom>
-          <a:noFill/>
-        </p:spPr>
-        <p:txBody>
-          <a:bodyPr wrap="square" rtlCol="0">
-            <a:spAutoFit/>
-          </a:bodyPr>
-          <a:lstStyle/>
-          <a:p>
-            <a:pPr marL="457200" indent="-457200">
-              <a:buFont typeface="Arial" panose="020B0604020202020204" pitchFamily="34" charset="0"/>
-              <a:buChar char="•"/>
-            </a:pPr>
-            <a:r>
-              <a:rPr lang="zh-CN" altLang="en-US" sz="2800" b="1" dirty="0">
-                <a:solidFill>
-                  <a:srgbClr val="7030A0"/>
-                </a:solidFill>
-                <a:latin typeface="微软雅黑" panose="020B0503020204020204" pitchFamily="34" charset="-122"/>
-                <a:ea typeface="微软雅黑" panose="020B0503020204020204" pitchFamily="34" charset="-122"/>
-              </a:rPr>
-              <a:t>研究意义</a:t>
-            </a:r>
-            <a:endParaRPr lang="en-US" altLang="zh-CN" sz="2800" b="1" dirty="0">
-              <a:solidFill>
-                <a:srgbClr val="7030A0"/>
-              </a:solidFill>
-              <a:latin typeface="微软雅黑" panose="020B0503020204020204" pitchFamily="34" charset="-122"/>
-              <a:ea typeface="微软雅黑" panose="020B0503020204020204" pitchFamily="34" charset="-122"/>
-            </a:endParaRPr>
-          </a:p>
-          <a:p>
-            <a:endParaRPr lang="zh-CN" altLang="en-US" sz="2400" b="1" dirty="0">
-              <a:solidFill>
-                <a:srgbClr val="7030A0"/>
-              </a:solidFill>
-              <a:latin typeface="微软雅黑" panose="020B0503020204020204" pitchFamily="34" charset="-122"/>
-              <a:ea typeface="微软雅黑" panose="020B0503020204020204" pitchFamily="34" charset="-122"/>
-            </a:endParaRPr>
-          </a:p>
-        </p:txBody>
-      </p:sp>
-      <p:sp>
-        <p:nvSpPr>
-          <p:cNvPr id="36" name="文本框 13"/>
-          <p:cNvSpPr txBox="1"/>
-          <p:nvPr/>
-        </p:nvSpPr>
-        <p:spPr>
-          <a:xfrm>
-            <a:off x="1261297" y="137443"/>
-            <a:ext cx="3021965" cy="583565"/>
-          </a:xfrm>
-          <a:prstGeom prst="rect">
-            <a:avLst/>
-          </a:prstGeom>
-          <a:noFill/>
-        </p:spPr>
-        <p:txBody>
-          <a:bodyPr wrap="none" rtlCol="0">
-            <a:spAutoFit/>
-          </a:bodyPr>
-          <a:lstStyle/>
-          <a:p>
-            <a:pPr marL="342900" indent="-342900">
-              <a:spcBef>
-                <a:spcPts val="1200"/>
-              </a:spcBef>
-              <a:buFont typeface="Wingdings" panose="05000000000000000000" pitchFamily="2" charset="2"/>
-              <a:buChar char="u"/>
-            </a:pPr>
-            <a:r>
-              <a:rPr lang="zh-CN" altLang="en-US" sz="3200" b="1" dirty="0">
-                <a:solidFill>
-                  <a:srgbClr val="CC9933"/>
-                </a:solidFill>
-                <a:latin typeface="微软雅黑" panose="020B0503020204020204" pitchFamily="34" charset="-122"/>
-                <a:ea typeface="微软雅黑" panose="020B0503020204020204" pitchFamily="34" charset="-122"/>
-              </a:rPr>
-              <a:t>论文工作基础</a:t>
-            </a:r>
-            <a:endParaRPr lang="zh-CN" altLang="en-US" sz="3200" b="1" dirty="0">
-              <a:solidFill>
-                <a:srgbClr val="CC9933"/>
-              </a:solidFill>
-              <a:latin typeface="微软雅黑" panose="020B0503020204020204" pitchFamily="34" charset="-122"/>
-              <a:ea typeface="微软雅黑" panose="020B0503020204020204" pitchFamily="34" charset="-122"/>
-            </a:endParaRPr>
-          </a:p>
-        </p:txBody>
-      </p:sp>
-      <p:cxnSp>
-        <p:nvCxnSpPr>
-          <p:cNvPr id="38" name="直接连接符 37"/>
-          <p:cNvCxnSpPr/>
-          <p:nvPr/>
-        </p:nvCxnSpPr>
-        <p:spPr>
-          <a:xfrm>
-            <a:off x="1180017" y="44098"/>
-            <a:ext cx="0" cy="645160"/>
-          </a:xfrm>
-          <a:prstGeom prst="line">
-            <a:avLst/>
-          </a:prstGeom>
-          <a:ln w="9525">
-            <a:solidFill>
-              <a:schemeClr val="tx1"/>
-            </a:solidFill>
-          </a:ln>
-        </p:spPr>
-        <p:style>
-          <a:lnRef idx="1">
-            <a:schemeClr val="accent1"/>
-          </a:lnRef>
-          <a:fillRef idx="0">
-            <a:schemeClr val="accent1"/>
-          </a:fillRef>
-          <a:effectRef idx="0">
-            <a:schemeClr val="accent1"/>
-          </a:effectRef>
-          <a:fontRef idx="minor">
-            <a:schemeClr val="tx1"/>
-          </a:fontRef>
-        </p:style>
-      </p:cxnSp>
-      <p:sp>
-        <p:nvSpPr>
-          <p:cNvPr id="3" name="文本框 2"/>
-          <p:cNvSpPr txBox="1"/>
-          <p:nvPr/>
-        </p:nvSpPr>
-        <p:spPr>
-          <a:xfrm>
-            <a:off x="748030" y="2299335"/>
-            <a:ext cx="5587365" cy="3046095"/>
-          </a:xfrm>
-          <a:prstGeom prst="rect">
-            <a:avLst/>
-          </a:prstGeom>
-          <a:noFill/>
-          <a:ln w="9525">
-            <a:noFill/>
-          </a:ln>
-        </p:spPr>
-        <p:txBody>
-          <a:bodyPr wrap="square">
-            <a:spAutoFit/>
-          </a:bodyPr>
-          <a:p>
-            <a:pPr indent="0"/>
-            <a:r>
-              <a:rPr lang="zh-CN" sz="2400" b="0">
-                <a:latin typeface="Times New Roman" panose="02020603050405020304" pitchFamily="18" charset="0"/>
-                <a:ea typeface="宋体" panose="02010600030101010101" pitchFamily="2" charset="-122"/>
-              </a:rPr>
-              <a:t>近年来，各国已建、在建和将建的</a:t>
-            </a:r>
-            <a:r>
-              <a:rPr lang="zh-CN" sz="2400" b="1">
-                <a:solidFill>
-                  <a:srgbClr val="FFC000"/>
-                </a:solidFill>
-                <a:latin typeface="Times New Roman" panose="02020603050405020304" pitchFamily="18" charset="0"/>
-                <a:ea typeface="宋体" panose="02010600030101010101" pitchFamily="2" charset="-122"/>
-              </a:rPr>
-              <a:t>跨海大桥、海底隧道、海港码头以及沿海地区、除冰盐地区兴建的高速铁路、高速公路、桥梁、工业建筑</a:t>
-            </a:r>
-            <a:r>
-              <a:rPr lang="zh-CN" sz="2400" b="0">
-                <a:latin typeface="Times New Roman" panose="02020603050405020304" pitchFamily="18" charset="0"/>
-                <a:ea typeface="宋体" panose="02010600030101010101" pitchFamily="2" charset="-122"/>
-              </a:rPr>
-              <a:t>等重大工程都广泛采用预应力混凝土结构，这些环境下结构的耐久性面临巨大挑战，如何对结构进行良好的腐蚀防护和监测成为了研究的重点</a:t>
-            </a:r>
-            <a:endParaRPr lang="zh-CN" altLang="en-US" sz="2400"/>
-          </a:p>
-        </p:txBody>
-      </p:sp>
-      <p:sp>
-        <p:nvSpPr>
-          <p:cNvPr id="5" name="文本框 4"/>
-          <p:cNvSpPr txBox="1"/>
-          <p:nvPr/>
-        </p:nvSpPr>
-        <p:spPr>
-          <a:xfrm>
-            <a:off x="6335395" y="2299335"/>
-            <a:ext cx="5587365" cy="3046095"/>
-          </a:xfrm>
-          <a:prstGeom prst="rect">
-            <a:avLst/>
-          </a:prstGeom>
-          <a:noFill/>
-          <a:ln w="9525">
-            <a:noFill/>
-          </a:ln>
-        </p:spPr>
-        <p:txBody>
-          <a:bodyPr wrap="square">
-            <a:spAutoFit/>
-          </a:bodyPr>
-          <a:p>
-            <a:pPr indent="0"/>
-            <a:r>
-              <a:rPr lang="zh-CN" altLang="en-US" sz="2400"/>
-              <a:t>常规锚固体系已经不能满足腐蚀防护和监测的要求，通过研究电隔离防护技术，开展电隔离预应力锚固技术的研究，提升结构抗腐蚀性能并对其健康状况进行长期监测，对确保重大土木工程结构全寿命使用安全，推动混凝土结构理论与技术应用，实现经济社会绿色、可持续发展具有重要意义。</a:t>
-            </a:r>
-            <a:endParaRPr lang="zh-CN" altLang="en-US" sz="2400"/>
-          </a:p>
-        </p:txBody>
-      </p:sp>
-    </p:spTree>
-  </p:cSld>
-  <p:clrMapOvr>
-    <a:masterClrMapping/>
-  </p:clrMapOvr>
-</p:sld>
-</file>
-
-<file path=ppt/slides/slide21.xml><?xml version="1.0" encoding="utf-8"?>
-<p:sld xmlns:a="http://schemas.openxmlformats.org/drawingml/2006/main" xmlns:r="http://schemas.openxmlformats.org/officeDocument/2006/relationships" xmlns:p="http://schemas.openxmlformats.org/presentationml/2006/main">
-  <p:cSld>
-    <p:spTree>
-      <p:nvGrpSpPr>
-        <p:cNvPr id="1" name=""/>
-        <p:cNvGrpSpPr/>
-        <p:nvPr/>
-      </p:nvGrpSpPr>
-      <p:grpSpPr>
-        <a:xfrm>
-          <a:off x="0" y="0"/>
-          <a:ext cx="0" cy="0"/>
-          <a:chOff x="0" y="0"/>
-          <a:chExt cx="0" cy="0"/>
-        </a:xfrm>
-      </p:grpSpPr>
-      <p:sp>
-        <p:nvSpPr>
-          <p:cNvPr id="9" name="文本框 4"/>
-          <p:cNvSpPr txBox="1"/>
-          <p:nvPr/>
-        </p:nvSpPr>
-        <p:spPr>
-          <a:xfrm>
-            <a:off x="376974" y="898927"/>
-            <a:ext cx="11412504" cy="891540"/>
-          </a:xfrm>
-          <a:prstGeom prst="rect">
-            <a:avLst/>
-          </a:prstGeom>
-          <a:noFill/>
-        </p:spPr>
-        <p:txBody>
-          <a:bodyPr wrap="square" rtlCol="0">
-            <a:spAutoFit/>
-          </a:bodyPr>
-          <a:lstStyle/>
-          <a:p>
-            <a:pPr marL="457200" indent="-457200">
-              <a:buFont typeface="Arial" panose="020B0604020202020204" pitchFamily="34" charset="0"/>
-              <a:buChar char="•"/>
-            </a:pPr>
-            <a:r>
-              <a:rPr lang="zh-CN" altLang="en-US" sz="2800" b="1" dirty="0">
-                <a:solidFill>
-                  <a:srgbClr val="7030A0"/>
-                </a:solidFill>
-                <a:latin typeface="微软雅黑" panose="020B0503020204020204" pitchFamily="34" charset="-122"/>
-                <a:ea typeface="微软雅黑" panose="020B0503020204020204" pitchFamily="34" charset="-122"/>
-              </a:rPr>
-              <a:t>研究意义</a:t>
-            </a:r>
-            <a:endParaRPr lang="en-US" altLang="zh-CN" sz="2800" b="1" dirty="0">
-              <a:solidFill>
-                <a:srgbClr val="7030A0"/>
-              </a:solidFill>
-              <a:latin typeface="微软雅黑" panose="020B0503020204020204" pitchFamily="34" charset="-122"/>
-              <a:ea typeface="微软雅黑" panose="020B0503020204020204" pitchFamily="34" charset="-122"/>
-            </a:endParaRPr>
-          </a:p>
-          <a:p>
-            <a:endParaRPr lang="zh-CN" altLang="en-US" sz="2400" b="1" dirty="0">
-              <a:solidFill>
-                <a:srgbClr val="7030A0"/>
-              </a:solidFill>
-              <a:latin typeface="微软雅黑" panose="020B0503020204020204" pitchFamily="34" charset="-122"/>
-              <a:ea typeface="微软雅黑" panose="020B0503020204020204" pitchFamily="34" charset="-122"/>
-            </a:endParaRPr>
-          </a:p>
-        </p:txBody>
-      </p:sp>
-      <p:sp>
-        <p:nvSpPr>
-          <p:cNvPr id="36" name="文本框 13"/>
-          <p:cNvSpPr txBox="1"/>
-          <p:nvPr/>
-        </p:nvSpPr>
-        <p:spPr>
-          <a:xfrm>
-            <a:off x="1261297" y="137443"/>
-            <a:ext cx="3021965" cy="583565"/>
-          </a:xfrm>
-          <a:prstGeom prst="rect">
-            <a:avLst/>
-          </a:prstGeom>
-          <a:noFill/>
-        </p:spPr>
-        <p:txBody>
-          <a:bodyPr wrap="none" rtlCol="0">
-            <a:spAutoFit/>
-          </a:bodyPr>
-          <a:lstStyle/>
-          <a:p>
-            <a:pPr marL="342900" indent="-342900">
-              <a:spcBef>
-                <a:spcPts val="1200"/>
-              </a:spcBef>
-              <a:buFont typeface="Wingdings" panose="05000000000000000000" pitchFamily="2" charset="2"/>
-              <a:buChar char="u"/>
-            </a:pPr>
-            <a:r>
-              <a:rPr lang="zh-CN" altLang="en-US" sz="3200" b="1" dirty="0">
-                <a:solidFill>
-                  <a:srgbClr val="CC9933"/>
-                </a:solidFill>
-                <a:latin typeface="微软雅黑" panose="020B0503020204020204" pitchFamily="34" charset="-122"/>
-                <a:ea typeface="微软雅黑" panose="020B0503020204020204" pitchFamily="34" charset="-122"/>
-              </a:rPr>
-              <a:t>论文工作基础</a:t>
-            </a:r>
-            <a:endParaRPr lang="zh-CN" altLang="en-US" sz="3200" b="1" dirty="0">
-              <a:solidFill>
-                <a:srgbClr val="CC9933"/>
-              </a:solidFill>
-              <a:latin typeface="微软雅黑" panose="020B0503020204020204" pitchFamily="34" charset="-122"/>
-              <a:ea typeface="微软雅黑" panose="020B0503020204020204" pitchFamily="34" charset="-122"/>
-            </a:endParaRPr>
-          </a:p>
-        </p:txBody>
-      </p:sp>
-      <p:cxnSp>
-        <p:nvCxnSpPr>
-          <p:cNvPr id="38" name="直接连接符 37"/>
-          <p:cNvCxnSpPr/>
-          <p:nvPr/>
-        </p:nvCxnSpPr>
-        <p:spPr>
-          <a:xfrm>
-            <a:off x="1180017" y="44098"/>
-            <a:ext cx="0" cy="645160"/>
-          </a:xfrm>
-          <a:prstGeom prst="line">
-            <a:avLst/>
-          </a:prstGeom>
-          <a:ln w="9525">
-            <a:solidFill>
-              <a:schemeClr val="tx1"/>
-            </a:solidFill>
-          </a:ln>
-        </p:spPr>
-        <p:style>
-          <a:lnRef idx="1">
-            <a:schemeClr val="accent1"/>
-          </a:lnRef>
-          <a:fillRef idx="0">
-            <a:schemeClr val="accent1"/>
-          </a:fillRef>
-          <a:effectRef idx="0">
-            <a:schemeClr val="accent1"/>
-          </a:effectRef>
-          <a:fontRef idx="minor">
-            <a:schemeClr val="tx1"/>
-          </a:fontRef>
-        </p:style>
-      </p:cxnSp>
-      <p:sp>
-        <p:nvSpPr>
-          <p:cNvPr id="3" name="文本框 2"/>
-          <p:cNvSpPr txBox="1"/>
-          <p:nvPr/>
-        </p:nvSpPr>
-        <p:spPr>
-          <a:xfrm>
-            <a:off x="748030" y="2299335"/>
-            <a:ext cx="5587365" cy="3046095"/>
-          </a:xfrm>
-          <a:prstGeom prst="rect">
-            <a:avLst/>
-          </a:prstGeom>
-          <a:noFill/>
-          <a:ln w="9525">
-            <a:noFill/>
-          </a:ln>
-        </p:spPr>
-        <p:txBody>
-          <a:bodyPr wrap="square">
-            <a:spAutoFit/>
-          </a:bodyPr>
-          <a:p>
-            <a:pPr indent="0"/>
-            <a:r>
-              <a:rPr lang="zh-CN" sz="2400" b="0">
-                <a:latin typeface="Times New Roman" panose="02020603050405020304" pitchFamily="18" charset="0"/>
-                <a:ea typeface="宋体" panose="02010600030101010101" pitchFamily="2" charset="-122"/>
-              </a:rPr>
-              <a:t>近年来，各国已建、在建和将建的</a:t>
-            </a:r>
-            <a:r>
-              <a:rPr lang="zh-CN" sz="2400" b="1">
-                <a:solidFill>
-                  <a:srgbClr val="FFC000"/>
-                </a:solidFill>
-                <a:latin typeface="Times New Roman" panose="02020603050405020304" pitchFamily="18" charset="0"/>
-                <a:ea typeface="宋体" panose="02010600030101010101" pitchFamily="2" charset="-122"/>
-              </a:rPr>
-              <a:t>跨海大桥、海底隧道、海港码头以及沿海地区、除冰盐地区兴建的高速铁路、高速公路、桥梁、工业建筑</a:t>
-            </a:r>
-            <a:r>
-              <a:rPr lang="zh-CN" sz="2400" b="0">
-                <a:latin typeface="Times New Roman" panose="02020603050405020304" pitchFamily="18" charset="0"/>
-                <a:ea typeface="宋体" panose="02010600030101010101" pitchFamily="2" charset="-122"/>
-              </a:rPr>
-              <a:t>等重大工程都广泛采用预应力混凝土结构，这些环境下结构的耐久性面临巨大挑战，如何对结构进行良好的腐蚀防护和监测成为了研究的重点</a:t>
-            </a:r>
-            <a:endParaRPr lang="zh-CN" altLang="en-US" sz="2400"/>
-          </a:p>
-        </p:txBody>
-      </p:sp>
-      <p:sp>
-        <p:nvSpPr>
-          <p:cNvPr id="5" name="文本框 4"/>
-          <p:cNvSpPr txBox="1"/>
-          <p:nvPr/>
-        </p:nvSpPr>
-        <p:spPr>
-          <a:xfrm>
-            <a:off x="6335395" y="2299335"/>
-            <a:ext cx="5587365" cy="3046095"/>
-          </a:xfrm>
-          <a:prstGeom prst="rect">
-            <a:avLst/>
-          </a:prstGeom>
-          <a:noFill/>
-          <a:ln w="9525">
-            <a:noFill/>
-          </a:ln>
-        </p:spPr>
-        <p:txBody>
-          <a:bodyPr wrap="square">
-            <a:spAutoFit/>
-          </a:bodyPr>
-          <a:p>
-            <a:pPr indent="0"/>
-            <a:r>
-              <a:rPr lang="zh-CN" altLang="en-US" sz="2400"/>
-              <a:t>常规锚固体系已经不能满足腐蚀防护和监测的要求，通过研究电隔离防护技术，开展电隔离预应力锚固技术的研究，提升结构抗腐蚀性能并对其健康状况进行长期监测，对确保重大土木工程结构全寿命使用安全，推动混凝土结构理论与技术应用，实现经济社会绿色、可持续发展具有重要意义。</a:t>
-            </a:r>
-            <a:endParaRPr lang="zh-CN" altLang="en-US" sz="2400"/>
-          </a:p>
-        </p:txBody>
-      </p:sp>
-    </p:spTree>
-  </p:cSld>
-  <p:clrMapOvr>
-    <a:masterClrMapping/>
-  </p:clrMapOvr>
-</p:sld>
-</file>
-
 <file path=ppt/slides/slide3.xml><?xml version="1.0" encoding="utf-8"?>
 <p:sld xmlns:a="http://schemas.openxmlformats.org/drawingml/2006/main" xmlns:r="http://schemas.openxmlformats.org/officeDocument/2006/relationships" xmlns:p="http://schemas.openxmlformats.org/presentationml/2006/main">
   <p:cSld>
@@ -7881,53 +6457,111 @@
       </p:grpSpPr>
       <p:sp>
         <p:nvSpPr>
-          <p:cNvPr id="5" name="矩形 4"/>
-          <p:cNvSpPr/>
-          <p:nvPr/>
-        </p:nvSpPr>
-        <p:spPr>
-          <a:xfrm>
-            <a:off x="-31750" y="-19050"/>
-            <a:ext cx="12242165" cy="6887845"/>
-          </a:xfrm>
-          <a:prstGeom prst="rect">
-            <a:avLst/>
-          </a:prstGeom>
-          <a:solidFill>
-            <a:srgbClr val="00468B"/>
-          </a:solidFill>
-          <a:ln>
-            <a:noFill/>
-          </a:ln>
-        </p:spPr>
-        <p:style>
-          <a:lnRef idx="2">
-            <a:schemeClr val="accent1">
-              <a:shade val="50000"/>
-            </a:schemeClr>
-          </a:lnRef>
-          <a:fillRef idx="1">
-            <a:schemeClr val="accent1"/>
-          </a:fillRef>
-          <a:effectRef idx="0">
-            <a:schemeClr val="accent1"/>
-          </a:effectRef>
-          <a:fontRef idx="minor">
-            <a:schemeClr val="lt1"/>
-          </a:fontRef>
-        </p:style>
-        <p:txBody>
-          <a:bodyPr rtlCol="0" anchor="ctr"/>
+          <p:cNvPr id="9" name="文本框 4"/>
+          <p:cNvSpPr txBox="1"/>
+          <p:nvPr/>
+        </p:nvSpPr>
+        <p:spPr>
+          <a:xfrm>
+            <a:off x="376974" y="898927"/>
+            <a:ext cx="11412504" cy="891540"/>
+          </a:xfrm>
+          <a:prstGeom prst="rect">
+            <a:avLst/>
+          </a:prstGeom>
+          <a:noFill/>
+        </p:spPr>
+        <p:txBody>
+          <a:bodyPr wrap="square" rtlCol="0">
+            <a:spAutoFit/>
+          </a:bodyPr>
           <a:lstStyle/>
           <a:p>
-            <a:pPr algn="ctr"/>
-            <a:endParaRPr lang="zh-CN" altLang="en-US"/>
+            <a:pPr marL="457200" indent="-457200">
+              <a:buFont typeface="Arial" panose="020B0604020202020204" pitchFamily="34" charset="0"/>
+              <a:buChar char="•"/>
+            </a:pPr>
+            <a:r>
+              <a:rPr lang="zh-CN" altLang="zh-CN" sz="2800" b="1" dirty="0">
+                <a:solidFill>
+                  <a:srgbClr val="7030A0"/>
+                </a:solidFill>
+                <a:latin typeface="微软雅黑" panose="020B0503020204020204" pitchFamily="34" charset="-122"/>
+                <a:ea typeface="微软雅黑" panose="020B0503020204020204" pitchFamily="34" charset="-122"/>
+              </a:rPr>
+              <a:t>存在的问题</a:t>
+            </a:r>
+            <a:endParaRPr lang="en-US" altLang="zh-CN" sz="2800" b="1" dirty="0">
+              <a:solidFill>
+                <a:srgbClr val="7030A0"/>
+              </a:solidFill>
+              <a:latin typeface="微软雅黑" panose="020B0503020204020204" pitchFamily="34" charset="-122"/>
+              <a:ea typeface="微软雅黑" panose="020B0503020204020204" pitchFamily="34" charset="-122"/>
+            </a:endParaRPr>
+          </a:p>
+          <a:p>
+            <a:endParaRPr lang="zh-CN" altLang="en-US" sz="2400" b="1" dirty="0">
+              <a:solidFill>
+                <a:srgbClr val="7030A0"/>
+              </a:solidFill>
+              <a:latin typeface="微软雅黑" panose="020B0503020204020204" pitchFamily="34" charset="-122"/>
+              <a:ea typeface="微软雅黑" panose="020B0503020204020204" pitchFamily="34" charset="-122"/>
+            </a:endParaRPr>
+          </a:p>
+        </p:txBody>
+      </p:sp>
+      <p:sp>
+        <p:nvSpPr>
+          <p:cNvPr id="36" name="文本框 13"/>
+          <p:cNvSpPr txBox="1"/>
+          <p:nvPr/>
+        </p:nvSpPr>
+        <p:spPr>
+          <a:xfrm>
+            <a:off x="1261297" y="137443"/>
+            <a:ext cx="2209165" cy="583565"/>
+          </a:xfrm>
+          <a:prstGeom prst="rect">
+            <a:avLst/>
+          </a:prstGeom>
+          <a:noFill/>
+        </p:spPr>
+        <p:txBody>
+          <a:bodyPr wrap="none" rtlCol="0">
+            <a:spAutoFit/>
+          </a:bodyPr>
+          <a:lstStyle/>
+          <a:p>
+            <a:pPr marL="342900" indent="-342900">
+              <a:spcBef>
+                <a:spcPts val="1200"/>
+              </a:spcBef>
+              <a:buFont typeface="Wingdings" panose="05000000000000000000" pitchFamily="2" charset="2"/>
+              <a:buChar char="u"/>
+            </a:pPr>
+            <a:r>
+              <a:rPr lang="zh-CN" altLang="en-US" sz="3200" b="1" dirty="0">
+                <a:solidFill>
+                  <a:srgbClr val="CC9933"/>
+                </a:solidFill>
+                <a:latin typeface="微软雅黑" panose="020B0503020204020204" pitchFamily="34" charset="-122"/>
+                <a:ea typeface="微软雅黑" panose="020B0503020204020204" pitchFamily="34" charset="-122"/>
+              </a:rPr>
+              <a:t>研究背景</a:t>
+            </a:r>
+            <a:endParaRPr lang="zh-CN" altLang="en-US" sz="3200" b="1" dirty="0">
+              <a:solidFill>
+                <a:srgbClr val="CC9933"/>
+              </a:solidFill>
+              <a:latin typeface="微软雅黑" panose="020B0503020204020204" pitchFamily="34" charset="-122"/>
+              <a:ea typeface="微软雅黑" panose="020B0503020204020204" pitchFamily="34" charset="-122"/>
+            </a:endParaRPr>
           </a:p>
         </p:txBody>
       </p:sp>
       <p:cxnSp>
         <p:nvCxnSpPr>
-          <p:cNvPr id="21" name="直接连接符 20"/>
+          <p:cNvPr id="38" name="直接连接符 37"/>
           <p:cNvCxnSpPr/>
           <p:nvPr/>
         </p:nvCxnSpPr>
@@ -7941,7 +6575,7 @@
           </a:prstGeom>
           <a:ln w="9525">
             <a:solidFill>
-              <a:schemeClr val="bg1"/>
+              <a:schemeClr val="tx1"/>
             </a:solidFill>
           </a:ln>
         </p:spPr>
@@ -7962,148 +6596,115 @@
       </p:cxnSp>
       <p:sp>
         <p:nvSpPr>
-          <p:cNvPr id="16" name="文本框 13"/>
+          <p:cNvPr id="100" name="文本框 99"/>
           <p:cNvSpPr txBox="1"/>
           <p:nvPr/>
         </p:nvSpPr>
         <p:spPr>
           <a:xfrm>
-            <a:off x="1261297" y="137443"/>
-            <a:ext cx="2811780" cy="303530"/>
+            <a:off x="487680" y="2293620"/>
+            <a:ext cx="5855970" cy="1337945"/>
           </a:xfrm>
           <a:prstGeom prst="rect">
             <a:avLst/>
           </a:prstGeom>
           <a:noFill/>
-        </p:spPr>
-        <p:txBody>
-          <a:bodyPr wrap="none" rtlCol="0">
+          <a:ln w="9525">
+            <a:noFill/>
+          </a:ln>
+        </p:spPr>
+        <p:txBody>
+          <a:bodyPr wrap="square">
             <a:spAutoFit/>
           </a:bodyPr>
-          <a:lstStyle/>
-          <a:p>
-            <a:pPr algn="l"/>
-            <a:r>
-              <a:rPr lang="zh-CN" altLang="en-US" sz="1380" dirty="0">
+          <a:p>
+            <a:pPr marL="342900" indent="-342900" fontAlgn="auto">
+              <a:lnSpc>
+                <a:spcPct val="150000"/>
+              </a:lnSpc>
+              <a:buFont typeface="Wingdings" panose="05000000000000000000" charset="0"/>
+              <a:buChar char="l"/>
+            </a:pPr>
+            <a:r>
+              <a:rPr lang="zh-CN" b="0">
+                <a:latin typeface="Times New Roman" panose="02020603050405020304" pitchFamily="18" charset="0"/>
+                <a:ea typeface="宋体" panose="02010600030101010101" pitchFamily="2" charset="-122"/>
+              </a:rPr>
+              <a:t>预应力混凝土结构作为</a:t>
+            </a:r>
+            <a:r>
+              <a:rPr lang="zh-CN" b="1">
                 <a:solidFill>
-                  <a:schemeClr val="bg1"/>
+                  <a:srgbClr val="FFC000"/>
                 </a:solidFill>
-                <a:latin typeface="微软雅黑" panose="020B0503020204020204" pitchFamily="34" charset="-122"/>
-                <a:ea typeface="微软雅黑" panose="020B0503020204020204" pitchFamily="34" charset="-122"/>
-              </a:rPr>
-              <a:t>电子科技大学机械与电气工程学院</a:t>
-            </a:r>
-            <a:endParaRPr lang="zh-CN" altLang="en-US" sz="1380" dirty="0">
-              <a:solidFill>
-                <a:schemeClr val="bg1"/>
-              </a:solidFill>
-              <a:latin typeface="微软雅黑" panose="020B0503020204020204" pitchFamily="34" charset="-122"/>
-              <a:ea typeface="微软雅黑" panose="020B0503020204020204" pitchFamily="34" charset="-122"/>
+                <a:latin typeface="Times New Roman" panose="02020603050405020304" pitchFamily="18" charset="0"/>
+                <a:ea typeface="宋体" panose="02010600030101010101" pitchFamily="2" charset="-122"/>
+              </a:rPr>
+              <a:t>桥梁、铁路、核安全壳、</a:t>
+            </a:r>
+            <a:r>
+              <a:rPr lang="en-US" b="1">
+                <a:solidFill>
+                  <a:srgbClr val="FFC000"/>
+                </a:solidFill>
+                <a:latin typeface="Times New Roman" panose="02020603050405020304" pitchFamily="18" charset="0"/>
+                <a:ea typeface="宋体" panose="02010600030101010101" pitchFamily="2" charset="-122"/>
+                <a:cs typeface="Times New Roman" panose="02020603050405020304" pitchFamily="18" charset="0"/>
+              </a:rPr>
+              <a:t>LNG</a:t>
+            </a:r>
+            <a:r>
+              <a:rPr lang="zh-CN" b="1">
+                <a:solidFill>
+                  <a:srgbClr val="FFC000"/>
+                </a:solidFill>
+                <a:latin typeface="Times New Roman" panose="02020603050405020304" pitchFamily="18" charset="0"/>
+                <a:ea typeface="宋体" panose="02010600030101010101" pitchFamily="2" charset="-122"/>
+              </a:rPr>
+              <a:t>储罐</a:t>
+            </a:r>
+            <a:r>
+              <a:rPr lang="zh-CN" b="0">
+                <a:latin typeface="Times New Roman" panose="02020603050405020304" pitchFamily="18" charset="0"/>
+                <a:ea typeface="宋体" panose="02010600030101010101" pitchFamily="2" charset="-122"/>
+              </a:rPr>
+              <a:t>等大型基础设施的主要受力部件</a:t>
+            </a:r>
+            <a:endParaRPr lang="zh-CN" b="0">
+              <a:latin typeface="Times New Roman" panose="02020603050405020304" pitchFamily="18" charset="0"/>
+              <a:ea typeface="宋体" panose="02010600030101010101" pitchFamily="2" charset="-122"/>
             </a:endParaRPr>
           </a:p>
-        </p:txBody>
-      </p:sp>
-      <p:sp>
-        <p:nvSpPr>
-          <p:cNvPr id="17" name="文本框 15"/>
-          <p:cNvSpPr txBox="1"/>
-          <p:nvPr/>
-        </p:nvSpPr>
-        <p:spPr>
-          <a:xfrm>
-            <a:off x="1265107" y="385093"/>
-            <a:ext cx="2880360" cy="232410"/>
-          </a:xfrm>
-          <a:prstGeom prst="rect">
-            <a:avLst/>
-          </a:prstGeom>
-          <a:noFill/>
-        </p:spPr>
-        <p:txBody>
-          <a:bodyPr wrap="square" rtlCol="0">
-            <a:spAutoFit/>
-          </a:bodyPr>
-          <a:lstStyle/>
-          <a:p>
-            <a:r>
-              <a:rPr lang="zh-CN" altLang="en-US" sz="920" dirty="0">
-                <a:solidFill>
-                  <a:schemeClr val="bg1"/>
-                </a:solidFill>
-                <a:latin typeface="微软雅黑" panose="020B0503020204020204" pitchFamily="34" charset="-122"/>
-                <a:ea typeface="微软雅黑" panose="020B0503020204020204" pitchFamily="34" charset="-122"/>
-              </a:rPr>
-              <a:t>School of Mechanical and Electrical Engineering</a:t>
-            </a:r>
-            <a:endParaRPr lang="zh-CN" altLang="en-US" sz="920" dirty="0">
-              <a:solidFill>
-                <a:schemeClr val="bg1"/>
-              </a:solidFill>
-              <a:latin typeface="微软雅黑" panose="020B0503020204020204" pitchFamily="34" charset="-122"/>
-              <a:ea typeface="微软雅黑" panose="020B0503020204020204" pitchFamily="34" charset="-122"/>
-            </a:endParaRPr>
-          </a:p>
-        </p:txBody>
-      </p:sp>
-      <p:cxnSp>
-        <p:nvCxnSpPr>
-          <p:cNvPr id="18" name="直接连接符 17"/>
-          <p:cNvCxnSpPr/>
-          <p:nvPr/>
-        </p:nvCxnSpPr>
-        <p:spPr>
-          <a:xfrm>
-            <a:off x="1180017" y="44098"/>
-            <a:ext cx="0" cy="645160"/>
-          </a:xfrm>
-          <a:prstGeom prst="line">
-            <a:avLst/>
-          </a:prstGeom>
-          <a:ln w="9525">
-            <a:solidFill>
-              <a:schemeClr val="bg1"/>
-            </a:solidFill>
-          </a:ln>
-        </p:spPr>
-        <p:style>
-          <a:lnRef idx="1">
-            <a:schemeClr val="accent1"/>
-          </a:lnRef>
-          <a:fillRef idx="0">
-            <a:schemeClr val="accent1"/>
-          </a:fillRef>
-          <a:effectRef idx="0">
-            <a:schemeClr val="accent1"/>
-          </a:effectRef>
-          <a:fontRef idx="minor">
-            <a:schemeClr val="tx1"/>
-          </a:fontRef>
-        </p:style>
-      </p:cxnSp>
+          <a:p>
+            <a:pPr marL="342900" indent="-342900" fontAlgn="auto">
+              <a:lnSpc>
+                <a:spcPct val="150000"/>
+              </a:lnSpc>
+              <a:buFont typeface="Wingdings" panose="05000000000000000000" charset="0"/>
+              <a:buChar char="l"/>
+            </a:pPr>
+            <a:endParaRPr lang="zh-CN" altLang="en-US"/>
+          </a:p>
+        </p:txBody>
+      </p:sp>
       <p:pic>
         <p:nvPicPr>
-          <p:cNvPr id="22" name="图片 21"/>
+          <p:cNvPr id="2" name="图片 1" descr="核安全壳"/>
           <p:cNvPicPr>
             <a:picLocks noChangeAspect="1"/>
           </p:cNvPicPr>
           <p:nvPr/>
         </p:nvPicPr>
         <p:blipFill>
-          <a:blip r:embed="rId1" cstate="print">
-            <a:extLst>
-              <a:ext uri="{28A0092B-C50C-407E-A947-70E740481C1C}">
-                <a14:useLocalDpi xmlns:a14="http://schemas.microsoft.com/office/drawing/2010/main" val="0"/>
-              </a:ext>
-            </a:extLst>
-          </a:blip>
+          <a:blip r:embed="rId1"/>
           <a:stretch>
             <a:fillRect/>
           </a:stretch>
         </p:blipFill>
         <p:spPr>
           <a:xfrm>
-            <a:off x="384649" y="26500"/>
-            <a:ext cx="583162" cy="680356"/>
+            <a:off x="7238365" y="3822700"/>
+            <a:ext cx="1990725" cy="1326515"/>
           </a:xfrm>
           <a:prstGeom prst="rect">
             <a:avLst/>
@@ -8112,118 +6713,242 @@
       </p:pic>
       <p:pic>
         <p:nvPicPr>
-          <p:cNvPr id="23" name="图片 22" descr="03-1"/>
+          <p:cNvPr id="3" name="图片 2"/>
           <p:cNvPicPr>
             <a:picLocks noChangeAspect="1"/>
           </p:cNvPicPr>
           <p:nvPr/>
         </p:nvPicPr>
         <p:blipFill>
-          <a:blip r:embed="rId2" cstate="print"/>
+          <a:blip r:embed="rId2"/>
+          <a:srcRect r="28519"/>
           <a:stretch>
             <a:fillRect/>
           </a:stretch>
         </p:blipFill>
         <p:spPr>
           <a:xfrm>
-            <a:off x="2389505" y="5318125"/>
-            <a:ext cx="7412990" cy="1551305"/>
+            <a:off x="7238365" y="5227320"/>
+            <a:ext cx="1990725" cy="1465580"/>
           </a:xfrm>
           <a:prstGeom prst="rect">
             <a:avLst/>
           </a:prstGeom>
         </p:spPr>
       </p:pic>
-      <p:sp>
-        <p:nvSpPr>
-          <p:cNvPr id="2" name="矩形 1"/>
-          <p:cNvSpPr/>
-          <p:nvPr/>
-        </p:nvSpPr>
-        <p:spPr>
-          <a:xfrm>
-            <a:off x="2667187" y="1452642"/>
-            <a:ext cx="1146469" cy="2400657"/>
+      <p:pic>
+        <p:nvPicPr>
+          <p:cNvPr id="5" name="图片 4" descr="铁路桥梁"/>
+          <p:cNvPicPr>
+            <a:picLocks noChangeAspect="1"/>
+          </p:cNvPicPr>
+          <p:nvPr/>
+        </p:nvPicPr>
+        <p:blipFill>
+          <a:blip r:embed="rId3"/>
+          <a:stretch>
+            <a:fillRect/>
+          </a:stretch>
+        </p:blipFill>
+        <p:spPr>
+          <a:xfrm>
+            <a:off x="7237730" y="2431415"/>
+            <a:ext cx="1991360" cy="1322705"/>
+          </a:xfrm>
+          <a:prstGeom prst="rect">
+            <a:avLst/>
+          </a:prstGeom>
+        </p:spPr>
+      </p:pic>
+      <p:pic>
+        <p:nvPicPr>
+          <p:cNvPr id="6" name="图片 5" descr="斜拉桥"/>
+          <p:cNvPicPr>
+            <a:picLocks noChangeAspect="1"/>
+          </p:cNvPicPr>
+          <p:nvPr/>
+        </p:nvPicPr>
+        <p:blipFill>
+          <a:blip r:embed="rId4"/>
+          <a:stretch>
+            <a:fillRect/>
+          </a:stretch>
+        </p:blipFill>
+        <p:spPr>
+          <a:xfrm>
+            <a:off x="7237730" y="981075"/>
+            <a:ext cx="1991360" cy="1372235"/>
+          </a:xfrm>
+          <a:prstGeom prst="rect">
+            <a:avLst/>
+          </a:prstGeom>
+        </p:spPr>
+      </p:pic>
+      <p:pic>
+        <p:nvPicPr>
+          <p:cNvPr id="4" name="图片 32"/>
+          <p:cNvPicPr>
+            <a:picLocks noChangeAspect="1"/>
+          </p:cNvPicPr>
+          <p:nvPr/>
+        </p:nvPicPr>
+        <p:blipFill>
+          <a:blip r:embed="rId5"/>
+          <a:stretch>
+            <a:fillRect/>
+          </a:stretch>
+        </p:blipFill>
+        <p:spPr>
+          <a:xfrm>
+            <a:off x="9775190" y="981075"/>
+            <a:ext cx="1794510" cy="1375410"/>
           </a:xfrm>
           <a:prstGeom prst="rect">
             <a:avLst/>
           </a:prstGeom>
           <a:noFill/>
-        </p:spPr>
-        <p:txBody>
-          <a:bodyPr wrap="none" lIns="91440" tIns="45720" rIns="91440" bIns="45720">
+          <a:ln w="9525">
+            <a:noFill/>
+          </a:ln>
+        </p:spPr>
+      </p:pic>
+      <p:pic>
+        <p:nvPicPr>
+          <p:cNvPr id="7" name="图片 36"/>
+          <p:cNvPicPr>
+            <a:picLocks noChangeAspect="1"/>
+          </p:cNvPicPr>
+          <p:nvPr/>
+        </p:nvPicPr>
+        <p:blipFill>
+          <a:blip r:embed="rId6"/>
+          <a:stretch>
+            <a:fillRect/>
+          </a:stretch>
+        </p:blipFill>
+        <p:spPr>
+          <a:xfrm>
+            <a:off x="9758045" y="3815080"/>
+            <a:ext cx="1793875" cy="1341755"/>
+          </a:xfrm>
+          <a:prstGeom prst="rect">
+            <a:avLst/>
+          </a:prstGeom>
+          <a:noFill/>
+          <a:ln w="9525">
+            <a:noFill/>
+          </a:ln>
+        </p:spPr>
+      </p:pic>
+      <p:pic>
+        <p:nvPicPr>
+          <p:cNvPr id="8" name="图片 7"/>
+          <p:cNvPicPr>
+            <a:picLocks noChangeAspect="1"/>
+          </p:cNvPicPr>
+          <p:nvPr/>
+        </p:nvPicPr>
+        <p:blipFill>
+          <a:blip r:embed="rId7"/>
+          <a:srcRect l="14475" r="9889"/>
+          <a:stretch>
+            <a:fillRect/>
+          </a:stretch>
+        </p:blipFill>
+        <p:spPr>
+          <a:xfrm>
+            <a:off x="9758045" y="2459355"/>
+            <a:ext cx="1811655" cy="1294765"/>
+          </a:xfrm>
+          <a:prstGeom prst="rect">
+            <a:avLst/>
+          </a:prstGeom>
+        </p:spPr>
+      </p:pic>
+      <p:pic>
+        <p:nvPicPr>
+          <p:cNvPr id="10" name="图片 41"/>
+          <p:cNvPicPr>
+            <a:picLocks noChangeAspect="1"/>
+          </p:cNvPicPr>
+          <p:nvPr/>
+        </p:nvPicPr>
+        <p:blipFill>
+          <a:blip r:embed="rId8"/>
+          <a:stretch>
+            <a:fillRect/>
+          </a:stretch>
+        </p:blipFill>
+        <p:spPr>
+          <a:xfrm>
+            <a:off x="9758045" y="5328920"/>
+            <a:ext cx="1700530" cy="1262380"/>
+          </a:xfrm>
+          <a:prstGeom prst="rect">
+            <a:avLst/>
+          </a:prstGeom>
+          <a:noFill/>
+          <a:ln w="9525">
+            <a:noFill/>
+          </a:ln>
+        </p:spPr>
+      </p:pic>
+      <p:sp>
+        <p:nvSpPr>
+          <p:cNvPr id="11" name="文本框 10"/>
+          <p:cNvSpPr txBox="1"/>
+          <p:nvPr/>
+        </p:nvSpPr>
+        <p:spPr>
+          <a:xfrm>
+            <a:off x="487680" y="3568065"/>
+            <a:ext cx="5822950" cy="1337945"/>
+          </a:xfrm>
+          <a:prstGeom prst="rect">
+            <a:avLst/>
+          </a:prstGeom>
+          <a:noFill/>
+        </p:spPr>
+        <p:txBody>
+          <a:bodyPr wrap="square" rtlCol="0" anchor="t">
             <a:spAutoFit/>
-            <a:scene3d>
-              <a:camera prst="orthographicFront"/>
-              <a:lightRig rig="soft" dir="t">
-                <a:rot lat="0" lon="0" rev="15600000"/>
-              </a:lightRig>
-            </a:scene3d>
-            <a:sp3d extrusionH="57150" prstMaterial="softEdge">
-              <a:bevelT w="25400" h="38100"/>
-            </a:sp3d>
           </a:bodyPr>
-          <a:lstStyle/>
-          <a:p>
-            <a:pPr algn="ctr"/>
-            <a:r>
-              <a:rPr lang="en-US" altLang="zh-CN" sz="15000" b="1" i="1" dirty="0">
+          <a:p>
+            <a:pPr marL="342900" indent="-342900" fontAlgn="auto">
+              <a:lnSpc>
+                <a:spcPct val="150000"/>
+              </a:lnSpc>
+              <a:buFont typeface="Wingdings" panose="05000000000000000000" charset="0"/>
+              <a:buChar char="l"/>
+            </a:pPr>
+            <a:r>
+              <a:rPr lang="zh-CN">
+                <a:latin typeface="Times New Roman" panose="02020603050405020304" pitchFamily="18" charset="0"/>
+                <a:ea typeface="宋体" panose="02010600030101010101" pitchFamily="2" charset="-122"/>
+                <a:sym typeface="+mn-ea"/>
+              </a:rPr>
+              <a:t>结构中的锚具和预应力筋均为金属件，极易受到来自周围环境的</a:t>
+            </a:r>
+            <a:r>
+              <a:rPr lang="zh-CN" b="1">
                 <a:solidFill>
-                  <a:schemeClr val="accent4"/>
+                  <a:srgbClr val="FF0000"/>
                 </a:solidFill>
                 <a:latin typeface="Times New Roman" panose="02020603050405020304" pitchFamily="18" charset="0"/>
-                <a:cs typeface="Times New Roman" panose="02020603050405020304" pitchFamily="18" charset="0"/>
-              </a:rPr>
-              <a:t>1</a:t>
-            </a:r>
-            <a:endParaRPr lang="zh-CN" altLang="en-US" sz="15000" b="1" i="1" dirty="0">
-              <a:solidFill>
-                <a:schemeClr val="accent4"/>
-              </a:solidFill>
-              <a:latin typeface="Times New Roman" panose="02020603050405020304" pitchFamily="18" charset="0"/>
-              <a:cs typeface="Times New Roman" panose="02020603050405020304" pitchFamily="18" charset="0"/>
-            </a:endParaRPr>
-          </a:p>
-        </p:txBody>
-      </p:sp>
-      <p:sp>
-        <p:nvSpPr>
-          <p:cNvPr id="3" name="文本框 2"/>
-          <p:cNvSpPr txBox="1"/>
-          <p:nvPr/>
-        </p:nvSpPr>
-        <p:spPr>
-          <a:xfrm>
-            <a:off x="4727575" y="2238375"/>
-            <a:ext cx="2723515" cy="829945"/>
-          </a:xfrm>
-          <a:prstGeom prst="rect">
-            <a:avLst/>
-          </a:prstGeom>
-          <a:noFill/>
-        </p:spPr>
-        <p:txBody>
-          <a:bodyPr wrap="square" rtlCol="0">
-            <a:spAutoFit/>
-          </a:bodyPr>
-          <a:p>
-            <a:r>
-              <a:rPr lang="zh-CN" altLang="en-US" sz="4800" b="1">
-                <a:solidFill>
-                  <a:schemeClr val="accent4"/>
-                </a:solidFill>
-                <a:latin typeface="微软雅黑" panose="020B0503020204020204" pitchFamily="34" charset="-122"/>
-                <a:ea typeface="微软雅黑" panose="020B0503020204020204" pitchFamily="34" charset="-122"/>
-              </a:rPr>
-              <a:t>研究背景</a:t>
-            </a:r>
-            <a:endParaRPr lang="zh-CN" altLang="en-US" sz="4800" b="1">
-              <a:solidFill>
-                <a:schemeClr val="accent4"/>
-              </a:solidFill>
-              <a:latin typeface="微软雅黑" panose="020B0503020204020204" pitchFamily="34" charset="-122"/>
-              <a:ea typeface="微软雅黑" panose="020B0503020204020204" pitchFamily="34" charset="-122"/>
-            </a:endParaRPr>
+                <a:ea typeface="宋体" panose="02010600030101010101" pitchFamily="2" charset="-122"/>
+                <a:sym typeface="+mn-ea"/>
+              </a:rPr>
+              <a:t>氯化物、杂散电流、金属溶解电解质、材料的氢脆、微动疲劳、电接触</a:t>
+            </a:r>
+            <a:r>
+              <a:rPr lang="zh-CN">
+                <a:latin typeface="Times New Roman" panose="02020603050405020304" pitchFamily="18" charset="0"/>
+                <a:ea typeface="宋体" panose="02010600030101010101" pitchFamily="2" charset="-122"/>
+                <a:sym typeface="+mn-ea"/>
+              </a:rPr>
+              <a:t>的影响造成腐蚀</a:t>
+            </a:r>
+            <a:endParaRPr lang="zh-CN" altLang="en-US"/>
           </a:p>
         </p:txBody>
       </p:sp>
@@ -8232,6 +6957,14 @@
   <p:clrMapOvr>
     <a:masterClrMapping/>
   </p:clrMapOvr>
+  <p:transition/>
+  <p:timing>
+    <p:tnLst>
+      <p:par>
+        <p:cTn id="1" dur="indefinite" restart="never" nodeType="tmRoot"/>
+      </p:par>
+    </p:tnLst>
+  </p:timing>
 </p:sld>
 </file>
 
@@ -8260,7 +6993,7 @@
         </p:nvSpPr>
         <p:spPr>
           <a:xfrm>
-            <a:off x="376974" y="898927"/>
+            <a:off x="389674" y="898927"/>
             <a:ext cx="11412504" cy="891540"/>
           </a:xfrm>
           <a:prstGeom prst="rect">
@@ -8279,14 +7012,14 @@
               <a:buChar char="•"/>
             </a:pPr>
             <a:r>
-              <a:rPr lang="zh-CN" altLang="zh-CN" sz="2800" b="1" dirty="0">
+              <a:rPr lang="zh-CN" altLang="en-US" sz="2800" b="1" dirty="0">
                 <a:solidFill>
                   <a:srgbClr val="7030A0"/>
                 </a:solidFill>
                 <a:latin typeface="微软雅黑" panose="020B0503020204020204" pitchFamily="34" charset="-122"/>
                 <a:ea typeface="微软雅黑" panose="020B0503020204020204" pitchFamily="34" charset="-122"/>
               </a:rPr>
-              <a:t>选题依据</a:t>
+              <a:t>存在的问题</a:t>
             </a:r>
             <a:endParaRPr lang="en-US" altLang="zh-CN" sz="2800" b="1" dirty="0">
               <a:solidFill>
@@ -8391,16 +7124,193 @@
           </a:fontRef>
         </p:style>
       </p:cxnSp>
-      <p:sp>
-        <p:nvSpPr>
-          <p:cNvPr id="100" name="文本框 99"/>
-          <p:cNvSpPr txBox="1"/>
-          <p:nvPr/>
-        </p:nvSpPr>
-        <p:spPr>
-          <a:xfrm>
-            <a:off x="529590" y="2275205"/>
-            <a:ext cx="6085205" cy="2306955"/>
+      <p:graphicFrame>
+        <p:nvGraphicFramePr>
+          <p:cNvPr id="4" name="表格 3"/>
+          <p:cNvGraphicFramePr/>
+          <p:nvPr/>
+        </p:nvGraphicFramePr>
+        <p:xfrm>
+          <a:off x="1102360" y="1630045"/>
+          <a:ext cx="4797425" cy="4953635"/>
+        </p:xfrm>
+        <a:graphic>
+          <a:graphicData uri="http://schemas.openxmlformats.org/drawingml/2006/table">
+            <a:tbl>
+              <a:tblPr firstRow="1" bandRow="1">
+                <a:tableStyleId>{5940675A-B579-460E-94D1-54222C63F5DA}</a:tableStyleId>
+              </a:tblPr>
+              <a:tblGrid>
+                <a:gridCol w="2133600"/>
+                <a:gridCol w="2664000"/>
+              </a:tblGrid>
+              <a:tr h="381000">
+                <a:tc gridSpan="2">
+                  <a:txBody>
+                    <a:bodyPr/>
+                    <a:p>
+                      <a:pPr algn="ctr">
+                        <a:buNone/>
+                      </a:pPr>
+                      <a:r>
+                        <a:rPr lang="zh-CN" altLang="en-US"/>
+                        <a:t>防腐措施</a:t>
+                      </a:r>
+                      <a:endParaRPr lang="zh-CN" altLang="en-US"/>
+                    </a:p>
+                  </a:txBody>
+                  <a:tcPr anchor="ctr" anchorCtr="0">
+                    <a:solidFill>
+                      <a:srgbClr val="FFC000"/>
+                    </a:solidFill>
+                  </a:tcPr>
+                </a:tc>
+                <a:tc hMerge="1">
+                  <a:tcPr/>
+                </a:tc>
+              </a:tr>
+              <a:tr h="1188000">
+                <a:tc>
+                  <a:txBody>
+                    <a:bodyPr/>
+                    <a:p>
+                      <a:pPr algn="ctr">
+                        <a:buNone/>
+                      </a:pPr>
+                      <a:r>
+                        <a:rPr lang="zh-CN" altLang="en-US"/>
+                        <a:t>预应力筋和锚具的表面防腐工艺</a:t>
+                      </a:r>
+                      <a:endParaRPr lang="zh-CN" altLang="en-US"/>
+                    </a:p>
+                  </a:txBody>
+                  <a:tcPr anchor="ctr" anchorCtr="0"/>
+                </a:tc>
+                <a:tc>
+                  <a:txBody>
+                    <a:bodyPr/>
+                    <a:p>
+                      <a:pPr algn="ctr">
+                        <a:buNone/>
+                      </a:pPr>
+                      <a:endParaRPr lang="zh-CN" altLang="en-US"/>
+                    </a:p>
+                  </a:txBody>
+                  <a:tcPr anchor="ctr" anchorCtr="0"/>
+                </a:tc>
+              </a:tr>
+              <a:tr h="1152000">
+                <a:tc>
+                  <a:txBody>
+                    <a:bodyPr/>
+                    <a:p>
+                      <a:pPr algn="ctr">
+                        <a:buNone/>
+                      </a:pPr>
+                      <a:r>
+                        <a:rPr lang="zh-CN" altLang="en-US"/>
+                        <a:t>无粘结保护</a:t>
+                      </a:r>
+                      <a:endParaRPr lang="zh-CN" altLang="en-US"/>
+                    </a:p>
+                  </a:txBody>
+                  <a:tcPr anchor="ctr" anchorCtr="0"/>
+                </a:tc>
+                <a:tc>
+                  <a:txBody>
+                    <a:bodyPr/>
+                    <a:p>
+                      <a:pPr algn="ctr">
+                        <a:buNone/>
+                      </a:pPr>
+                      <a:endParaRPr lang="zh-CN" altLang="en-US"/>
+                    </a:p>
+                  </a:txBody>
+                  <a:tcPr anchor="ctr" anchorCtr="0"/>
+                </a:tc>
+              </a:tr>
+              <a:tr h="1116330">
+                <a:tc>
+                  <a:txBody>
+                    <a:bodyPr/>
+                    <a:p>
+                      <a:pPr algn="ctr">
+                        <a:buNone/>
+                      </a:pPr>
+                      <a:r>
+                        <a:rPr lang="zh-CN" altLang="en-US"/>
+                        <a:t>预应力孔道灌浆</a:t>
+                      </a:r>
+                      <a:endParaRPr lang="zh-CN" altLang="en-US"/>
+                    </a:p>
+                  </a:txBody>
+                  <a:tcPr anchor="ctr" anchorCtr="0"/>
+                </a:tc>
+                <a:tc>
+                  <a:txBody>
+                    <a:bodyPr/>
+                    <a:p>
+                      <a:pPr algn="ctr">
+                        <a:buNone/>
+                      </a:pPr>
+                      <a:endParaRPr lang="zh-CN" altLang="en-US"/>
+                    </a:p>
+                  </a:txBody>
+                  <a:tcPr anchor="ctr" anchorCtr="0"/>
+                </a:tc>
+              </a:tr>
+              <a:tr h="1116330">
+                <a:tc>
+                  <a:txBody>
+                    <a:bodyPr/>
+                    <a:p>
+                      <a:pPr algn="ctr">
+                        <a:buNone/>
+                      </a:pPr>
+                      <a:r>
+                        <a:rPr lang="zh-CN" altLang="en-US"/>
+                        <a:t>阴极保护</a:t>
+                      </a:r>
+                      <a:endParaRPr lang="zh-CN" altLang="en-US"/>
+                    </a:p>
+                  </a:txBody>
+                  <a:tcPr anchor="ctr" anchorCtr="0"/>
+                </a:tc>
+                <a:tc>
+                  <a:txBody>
+                    <a:bodyPr/>
+                    <a:p>
+                      <a:pPr algn="ctr">
+                        <a:buNone/>
+                      </a:pPr>
+                      <a:endParaRPr lang="zh-CN" altLang="en-US"/>
+                    </a:p>
+                  </a:txBody>
+                  <a:tcPr anchor="ctr" anchorCtr="0"/>
+                </a:tc>
+              </a:tr>
+            </a:tbl>
+          </a:graphicData>
+        </a:graphic>
+      </p:graphicFrame>
+      <p:pic>
+        <p:nvPicPr>
+          <p:cNvPr id="-2147482607" name="图片 179" descr="镀锌钢绞线"/>
+          <p:cNvPicPr>
+            <a:picLocks noChangeAspect="1"/>
+          </p:cNvPicPr>
+          <p:nvPr/>
+        </p:nvPicPr>
+        <p:blipFill>
+          <a:blip r:embed="rId1"/>
+          <a:stretch>
+            <a:fillRect/>
+          </a:stretch>
+        </p:blipFill>
+        <p:spPr>
+          <a:xfrm>
+            <a:off x="3369310" y="2076450"/>
+            <a:ext cx="1201420" cy="1069975"/>
           </a:xfrm>
           <a:prstGeom prst="rect">
             <a:avLst/>
@@ -8410,88 +7320,26 @@
             <a:noFill/>
           </a:ln>
         </p:spPr>
-        <p:txBody>
-          <a:bodyPr wrap="square">
-            <a:spAutoFit/>
-          </a:bodyPr>
-          <a:p>
-            <a:pPr indent="0"/>
-            <a:r>
-              <a:rPr lang="zh-CN" sz="2400" b="0">
-                <a:latin typeface="Times New Roman" panose="02020603050405020304" pitchFamily="18" charset="0"/>
-                <a:ea typeface="宋体" panose="02010600030101010101" pitchFamily="2" charset="-122"/>
-              </a:rPr>
-              <a:t>预应力混凝土结构作为</a:t>
-            </a:r>
-            <a:r>
-              <a:rPr lang="zh-CN" sz="2400" b="1">
-                <a:solidFill>
-                  <a:srgbClr val="FFC000"/>
-                </a:solidFill>
-                <a:latin typeface="Times New Roman" panose="02020603050405020304" pitchFamily="18" charset="0"/>
-                <a:ea typeface="宋体" panose="02010600030101010101" pitchFamily="2" charset="-122"/>
-              </a:rPr>
-              <a:t>桥梁、铁路、核安全壳、</a:t>
-            </a:r>
-            <a:r>
-              <a:rPr lang="en-US" sz="2400" b="1">
-                <a:solidFill>
-                  <a:srgbClr val="FFC000"/>
-                </a:solidFill>
-                <a:latin typeface="Times New Roman" panose="02020603050405020304" pitchFamily="18" charset="0"/>
-                <a:ea typeface="宋体" panose="02010600030101010101" pitchFamily="2" charset="-122"/>
-                <a:cs typeface="Times New Roman" panose="02020603050405020304" pitchFamily="18" charset="0"/>
-              </a:rPr>
-              <a:t>LNG</a:t>
-            </a:r>
-            <a:r>
-              <a:rPr lang="zh-CN" sz="2400" b="1">
-                <a:solidFill>
-                  <a:srgbClr val="FFC000"/>
-                </a:solidFill>
-                <a:latin typeface="Times New Roman" panose="02020603050405020304" pitchFamily="18" charset="0"/>
-                <a:ea typeface="宋体" panose="02010600030101010101" pitchFamily="2" charset="-122"/>
-              </a:rPr>
-              <a:t>储罐</a:t>
-            </a:r>
-            <a:r>
-              <a:rPr lang="zh-CN" sz="2400" b="0">
-                <a:latin typeface="Times New Roman" panose="02020603050405020304" pitchFamily="18" charset="0"/>
-                <a:ea typeface="宋体" panose="02010600030101010101" pitchFamily="2" charset="-122"/>
-              </a:rPr>
-              <a:t>等大型基础设施的主要受力部件，结构中的锚具和预应力筋均为金属件，极易受到来自周围环境的</a:t>
-            </a:r>
-            <a:r>
-              <a:rPr lang="zh-CN" sz="2400" b="1">
-                <a:solidFill>
-                  <a:srgbClr val="FF0000"/>
-                </a:solidFill>
-                <a:latin typeface="Times New Roman" panose="02020603050405020304" pitchFamily="18" charset="0"/>
-                <a:ea typeface="宋体" panose="02010600030101010101" pitchFamily="2" charset="-122"/>
-              </a:rPr>
-              <a:t>氯化物、杂散电流、金属溶解电解质、材料的氢脆、微动疲劳、电接触</a:t>
-            </a:r>
-            <a:r>
-              <a:rPr lang="zh-CN" sz="2400" b="0">
-                <a:latin typeface="Times New Roman" panose="02020603050405020304" pitchFamily="18" charset="0"/>
-                <a:ea typeface="宋体" panose="02010600030101010101" pitchFamily="2" charset="-122"/>
-              </a:rPr>
-              <a:t>等方面的影响造成结构的腐蚀</a:t>
-            </a:r>
-            <a:endParaRPr lang="zh-CN" altLang="en-US" sz="2400"/>
-          </a:p>
-        </p:txBody>
-      </p:sp>
-      <p:sp>
-        <p:nvSpPr>
-          <p:cNvPr id="2" name="文本框 1"/>
-          <p:cNvSpPr txBox="1"/>
-          <p:nvPr/>
-        </p:nvSpPr>
-        <p:spPr>
-          <a:xfrm>
-            <a:off x="6811010" y="2275840"/>
-            <a:ext cx="5080000" cy="2306955"/>
+      </p:pic>
+      <p:pic>
+        <p:nvPicPr>
+          <p:cNvPr id="-2147482606" name="图片 180" descr="环氧钢绞线"/>
+          <p:cNvPicPr>
+            <a:picLocks noChangeAspect="1"/>
+          </p:cNvPicPr>
+          <p:nvPr/>
+        </p:nvPicPr>
+        <p:blipFill>
+          <a:blip r:embed="rId2"/>
+          <a:srcRect l="24487" r="18212" b="25487"/>
+          <a:stretch>
+            <a:fillRect/>
+          </a:stretch>
+        </p:blipFill>
+        <p:spPr>
+          <a:xfrm>
+            <a:off x="4700270" y="2076450"/>
+            <a:ext cx="1120775" cy="1059815"/>
           </a:xfrm>
           <a:prstGeom prst="rect">
             <a:avLst/>
@@ -8501,56 +7349,295 @@
             <a:noFill/>
           </a:ln>
         </p:spPr>
-        <p:txBody>
-          <a:bodyPr>
+      </p:pic>
+      <p:pic>
+        <p:nvPicPr>
+          <p:cNvPr id="-2147482603" name="图片 182" descr="预留灌浆孔道"/>
+          <p:cNvPicPr>
+            <a:picLocks noChangeAspect="1"/>
+          </p:cNvPicPr>
+          <p:nvPr/>
+        </p:nvPicPr>
+        <p:blipFill>
+          <a:blip r:embed="rId3"/>
+          <a:srcRect r="8925"/>
+          <a:stretch>
+            <a:fillRect/>
+          </a:stretch>
+        </p:blipFill>
+        <p:spPr>
+          <a:xfrm>
+            <a:off x="3419475" y="4448175"/>
+            <a:ext cx="1205230" cy="880110"/>
+          </a:xfrm>
+          <a:prstGeom prst="rect">
+            <a:avLst/>
+          </a:prstGeom>
+          <a:noFill/>
+          <a:ln w="9525">
+            <a:noFill/>
+          </a:ln>
+        </p:spPr>
+      </p:pic>
+      <p:pic>
+        <p:nvPicPr>
+          <p:cNvPr id="-2147482602" name="图片 183" descr="孔道灌浆"/>
+          <p:cNvPicPr>
+            <a:picLocks noChangeAspect="1"/>
+          </p:cNvPicPr>
+          <p:nvPr/>
+        </p:nvPicPr>
+        <p:blipFill>
+          <a:blip r:embed="rId4"/>
+          <a:stretch>
+            <a:fillRect/>
+          </a:stretch>
+        </p:blipFill>
+        <p:spPr>
+          <a:xfrm>
+            <a:off x="4668520" y="4448175"/>
+            <a:ext cx="1183640" cy="878840"/>
+          </a:xfrm>
+          <a:prstGeom prst="rect">
+            <a:avLst/>
+          </a:prstGeom>
+          <a:noFill/>
+          <a:ln w="9525">
+            <a:noFill/>
+          </a:ln>
+        </p:spPr>
+      </p:pic>
+      <p:pic>
+        <p:nvPicPr>
+          <p:cNvPr id="-2147482604" name="图片 185" descr="无粘结筋"/>
+          <p:cNvPicPr>
+            <a:picLocks noChangeAspect="1"/>
+          </p:cNvPicPr>
+          <p:nvPr/>
+        </p:nvPicPr>
+        <p:blipFill>
+          <a:blip r:embed="rId5"/>
+          <a:srcRect l="5258" r="16847"/>
+          <a:stretch>
+            <a:fillRect/>
+          </a:stretch>
+        </p:blipFill>
+        <p:spPr>
+          <a:xfrm>
+            <a:off x="3419475" y="3280410"/>
+            <a:ext cx="2300605" cy="989330"/>
+          </a:xfrm>
+          <a:prstGeom prst="rect">
+            <a:avLst/>
+          </a:prstGeom>
+          <a:noFill/>
+          <a:ln w="9525">
+            <a:noFill/>
+          </a:ln>
+        </p:spPr>
+      </p:pic>
+      <p:graphicFrame>
+        <p:nvGraphicFramePr>
+          <p:cNvPr id="6" name="表格 5"/>
+          <p:cNvGraphicFramePr/>
+          <p:nvPr/>
+        </p:nvGraphicFramePr>
+        <p:xfrm>
+          <a:off x="7623175" y="2002790"/>
+          <a:ext cx="8533765" cy="1905000"/>
+        </p:xfrm>
+        <a:graphic>
+          <a:graphicData uri="http://schemas.openxmlformats.org/drawingml/2006/table">
+            <a:tbl>
+              <a:tblPr firstRow="1" bandRow="1">
+                <a:tableStyleId>{5940675A-B579-460E-94D1-54222C63F5DA}</a:tableStyleId>
+              </a:tblPr>
+              <a:tblGrid>
+                <a:gridCol w="2916000"/>
+              </a:tblGrid>
+              <a:tr h="381000">
+                <a:tc>
+                  <a:txBody>
+                    <a:bodyPr/>
+                    <a:p>
+                      <a:pPr algn="ctr">
+                        <a:buNone/>
+                      </a:pPr>
+                      <a:r>
+                        <a:rPr lang="zh-CN" altLang="en-US"/>
+                        <a:t>腐蚀检测</a:t>
+                      </a:r>
+                      <a:endParaRPr lang="zh-CN" altLang="en-US"/>
+                    </a:p>
+                  </a:txBody>
+                  <a:tcPr anchor="ctr" anchorCtr="0">
+                    <a:solidFill>
+                      <a:schemeClr val="accent4"/>
+                    </a:solidFill>
+                  </a:tcPr>
+                </a:tc>
+              </a:tr>
+              <a:tr h="381000">
+                <a:tc>
+                  <a:txBody>
+                    <a:bodyPr/>
+                    <a:p>
+                      <a:pPr algn="ctr">
+                        <a:buNone/>
+                      </a:pPr>
+                      <a:r>
+                        <a:rPr lang="zh-CN" altLang="en-US"/>
+                        <a:t>声发射检测</a:t>
+                      </a:r>
+                      <a:endParaRPr lang="zh-CN" altLang="en-US"/>
+                    </a:p>
+                  </a:txBody>
+                  <a:tcPr anchor="ctr" anchorCtr="0"/>
+                </a:tc>
+              </a:tr>
+              <a:tr h="381000">
+                <a:tc>
+                  <a:txBody>
+                    <a:bodyPr/>
+                    <a:p>
+                      <a:pPr algn="ctr">
+                        <a:buNone/>
+                      </a:pPr>
+                      <a:r>
+                        <a:rPr lang="zh-CN" altLang="en-US"/>
+                        <a:t>超声波检测</a:t>
+                      </a:r>
+                      <a:endParaRPr lang="zh-CN" altLang="en-US"/>
+                    </a:p>
+                  </a:txBody>
+                  <a:tcPr anchor="ctr" anchorCtr="0"/>
+                </a:tc>
+              </a:tr>
+              <a:tr h="381000">
+                <a:tc>
+                  <a:txBody>
+                    <a:bodyPr/>
+                    <a:p>
+                      <a:pPr algn="ctr">
+                        <a:buNone/>
+                      </a:pPr>
+                      <a:r>
+                        <a:rPr lang="zh-CN" altLang="en-US"/>
+                        <a:t>磁性检测</a:t>
+                      </a:r>
+                      <a:endParaRPr lang="zh-CN" altLang="en-US"/>
+                    </a:p>
+                  </a:txBody>
+                  <a:tcPr anchor="ctr" anchorCtr="0"/>
+                </a:tc>
+              </a:tr>
+              <a:tr h="381000">
+                <a:tc>
+                  <a:txBody>
+                    <a:bodyPr/>
+                    <a:p>
+                      <a:pPr algn="ctr">
+                        <a:buNone/>
+                      </a:pPr>
+                      <a:r>
+                        <a:rPr lang="zh-CN" altLang="en-US"/>
+                        <a:t>射线照相检测</a:t>
+                      </a:r>
+                      <a:endParaRPr lang="zh-CN" altLang="en-US"/>
+                    </a:p>
+                  </a:txBody>
+                  <a:tcPr anchor="ctr" anchorCtr="0"/>
+                </a:tc>
+              </a:tr>
+            </a:tbl>
+          </a:graphicData>
+        </a:graphic>
+      </p:graphicFrame>
+      <p:sp>
+        <p:nvSpPr>
+          <p:cNvPr id="11" name="文本框 10"/>
+          <p:cNvSpPr txBox="1"/>
+          <p:nvPr/>
+        </p:nvSpPr>
+        <p:spPr>
+          <a:xfrm>
+            <a:off x="6896100" y="4390390"/>
+            <a:ext cx="4369435" cy="1337945"/>
+          </a:xfrm>
+          <a:prstGeom prst="rect">
+            <a:avLst/>
+          </a:prstGeom>
+          <a:noFill/>
+        </p:spPr>
+        <p:txBody>
+          <a:bodyPr wrap="square" rtlCol="0" anchor="t">
             <a:spAutoFit/>
           </a:bodyPr>
           <a:p>
-            <a:pPr indent="0"/>
-            <a:r>
-              <a:rPr lang="zh-CN" sz="2400" b="0">
+            <a:pPr marL="342900" indent="-342900" fontAlgn="auto">
+              <a:lnSpc>
+                <a:spcPct val="150000"/>
+              </a:lnSpc>
+              <a:buFont typeface="Wingdings" panose="05000000000000000000" charset="0"/>
+              <a:buChar char="l"/>
+            </a:pPr>
+            <a:r>
+              <a:rPr lang="zh-CN">
                 <a:latin typeface="Times New Roman" panose="02020603050405020304" pitchFamily="18" charset="0"/>
                 <a:ea typeface="宋体" panose="02010600030101010101" pitchFamily="2" charset="-122"/>
-              </a:rPr>
-              <a:t>为了防止杂散电流以及侵蚀介质对预应力筋的腐蚀，一种</a:t>
-            </a:r>
-            <a:r>
-              <a:rPr lang="zh-CN" sz="2400" b="0">
+                <a:sym typeface="+mn-ea"/>
+              </a:rPr>
+              <a:t>实地应用效果却不好</a:t>
+            </a:r>
+            <a:endParaRPr lang="zh-CN">
+              <a:latin typeface="Times New Roman" panose="02020603050405020304" pitchFamily="18" charset="0"/>
+              <a:ea typeface="宋体" panose="02010600030101010101" pitchFamily="2" charset="-122"/>
+              <a:sym typeface="+mn-ea"/>
+            </a:endParaRPr>
+          </a:p>
+          <a:p>
+            <a:pPr marL="342900" indent="-342900" fontAlgn="auto">
+              <a:lnSpc>
+                <a:spcPct val="150000"/>
+              </a:lnSpc>
+              <a:buFont typeface="Wingdings" panose="05000000000000000000" charset="0"/>
+              <a:buChar char="l"/>
+            </a:pPr>
+            <a:r>
+              <a:rPr lang="zh-CN">
                 <a:latin typeface="Times New Roman" panose="02020603050405020304" pitchFamily="18" charset="0"/>
                 <a:ea typeface="宋体" panose="02010600030101010101" pitchFamily="2" charset="-122"/>
-                <a:cs typeface="Times New Roman" panose="02020603050405020304" pitchFamily="18" charset="0"/>
-              </a:rPr>
-              <a:t>“电隔离筋（</a:t>
-            </a:r>
-            <a:r>
-              <a:rPr lang="en-US" sz="2400" b="0">
+                <a:sym typeface="+mn-ea"/>
+              </a:rPr>
+              <a:t>不适用于长期监测</a:t>
+            </a:r>
+            <a:endParaRPr lang="zh-CN">
+              <a:latin typeface="Times New Roman" panose="02020603050405020304" pitchFamily="18" charset="0"/>
+              <a:ea typeface="宋体" panose="02010600030101010101" pitchFamily="2" charset="-122"/>
+              <a:sym typeface="+mn-ea"/>
+            </a:endParaRPr>
+          </a:p>
+          <a:p>
+            <a:pPr marL="342900" indent="-342900" fontAlgn="auto">
+              <a:lnSpc>
+                <a:spcPct val="150000"/>
+              </a:lnSpc>
+              <a:buFont typeface="Wingdings" panose="05000000000000000000" charset="0"/>
+              <a:buChar char="l"/>
+            </a:pPr>
+            <a:r>
+              <a:rPr lang="zh-CN">
                 <a:latin typeface="Times New Roman" panose="02020603050405020304" pitchFamily="18" charset="0"/>
                 <a:ea typeface="宋体" panose="02010600030101010101" pitchFamily="2" charset="-122"/>
-              </a:rPr>
-              <a:t>Electrically Isolation Tendons</a:t>
-            </a:r>
-            <a:r>
-              <a:rPr lang="zh-CN" sz="2400" b="0">
-                <a:latin typeface="Times New Roman" panose="02020603050405020304" pitchFamily="18" charset="0"/>
-                <a:ea typeface="宋体" panose="02010600030101010101" pitchFamily="2" charset="-122"/>
-              </a:rPr>
-              <a:t>，</a:t>
-            </a:r>
-            <a:r>
-              <a:rPr lang="en-US" sz="2400" b="0">
-                <a:latin typeface="Times New Roman" panose="02020603050405020304" pitchFamily="18" charset="0"/>
-                <a:ea typeface="宋体" panose="02010600030101010101" pitchFamily="2" charset="-122"/>
-              </a:rPr>
-              <a:t>EIT</a:t>
-            </a:r>
-            <a:r>
-              <a:rPr lang="zh-CN" sz="2400" b="0">
-                <a:latin typeface="Times New Roman" panose="02020603050405020304" pitchFamily="18" charset="0"/>
-                <a:ea typeface="宋体" panose="02010600030101010101" pitchFamily="2" charset="-122"/>
-              </a:rPr>
-              <a:t>）”体系应运而生，该体系在对预应力混凝土内部结构进行防腐的同事也能对结构进行健康监测</a:t>
-            </a:r>
-            <a:endParaRPr lang="zh-CN" altLang="en-US" sz="2400"/>
+                <a:sym typeface="+mn-ea"/>
+              </a:rPr>
+              <a:t>很难将防腐和监测结合到一起应用</a:t>
+            </a:r>
+            <a:endParaRPr lang="zh-CN">
+              <a:latin typeface="Times New Roman" panose="02020603050405020304" pitchFamily="18" charset="0"/>
+              <a:ea typeface="宋体" panose="02010600030101010101" pitchFamily="2" charset="-122"/>
+              <a:sym typeface="+mn-ea"/>
+            </a:endParaRPr>
           </a:p>
         </p:txBody>
       </p:sp>
@@ -8613,7 +7700,7 @@
                 <a:latin typeface="微软雅黑" panose="020B0503020204020204" pitchFamily="34" charset="-122"/>
                 <a:ea typeface="微软雅黑" panose="020B0503020204020204" pitchFamily="34" charset="-122"/>
               </a:rPr>
-              <a:t>研究意义</a:t>
+              <a:t>解决方案</a:t>
             </a:r>
             <a:endParaRPr lang="en-US" altLang="zh-CN" sz="2800" b="1" dirty="0">
               <a:solidFill>
@@ -8720,14 +7807,14 @@
       </p:cxnSp>
       <p:sp>
         <p:nvSpPr>
-          <p:cNvPr id="3" name="文本框 2"/>
+          <p:cNvPr id="12" name="文本框 11"/>
           <p:cNvSpPr txBox="1"/>
           <p:nvPr/>
         </p:nvSpPr>
         <p:spPr>
           <a:xfrm>
-            <a:off x="748030" y="2299335"/>
-            <a:ext cx="5587365" cy="3046095"/>
+            <a:off x="815975" y="2027555"/>
+            <a:ext cx="5080000" cy="4246245"/>
           </a:xfrm>
           <a:prstGeom prst="rect">
             <a:avLst/>
@@ -8738,69 +7825,104 @@
           </a:ln>
         </p:spPr>
         <p:txBody>
-          <a:bodyPr wrap="square">
+          <a:bodyPr>
             <a:spAutoFit/>
           </a:bodyPr>
           <a:p>
-            <a:pPr indent="0"/>
-            <a:r>
-              <a:rPr lang="zh-CN" sz="2400" b="0">
+            <a:pPr indent="0" fontAlgn="auto">
+              <a:lnSpc>
+                <a:spcPct val="150000"/>
+              </a:lnSpc>
+            </a:pPr>
+            <a:r>
+              <a:rPr lang="zh-CN" b="0">
+                <a:solidFill>
+                  <a:schemeClr val="tx1"/>
+                </a:solidFill>
+                <a:uFillTx/>
                 <a:latin typeface="Times New Roman" panose="02020603050405020304" pitchFamily="18" charset="0"/>
                 <a:ea typeface="宋体" panose="02010600030101010101" pitchFamily="2" charset="-122"/>
               </a:rPr>
-              <a:t>近年来，各国已建、在建和将建的</a:t>
-            </a:r>
-            <a:r>
-              <a:rPr lang="zh-CN" sz="2400" b="1">
+              <a:t>为了防止杂散电流以及侵蚀介质对预应力筋的腐蚀，并对内部结构的腐蚀和灌浆情况进行监测，一种“电隔离力（</a:t>
+            </a:r>
+            <a:r>
+              <a:rPr lang="en-US" b="0">
                 <a:solidFill>
-                  <a:srgbClr val="FFC000"/>
+                  <a:schemeClr val="tx1"/>
                 </a:solidFill>
+                <a:uFillTx/>
                 <a:latin typeface="Times New Roman" panose="02020603050405020304" pitchFamily="18" charset="0"/>
                 <a:ea typeface="宋体" panose="02010600030101010101" pitchFamily="2" charset="-122"/>
               </a:rPr>
-              <a:t>跨海大桥、海底隧道、海港码头以及沿海地区、除冰盐地区兴建的高速铁路、高速公路、桥梁、工业建筑</a:t>
-            </a:r>
-            <a:r>
-              <a:rPr lang="zh-CN" sz="2400" b="0">
+              <a:t>Electrically Isolation Tendons</a:t>
+            </a:r>
+            <a:r>
+              <a:rPr lang="zh-CN" b="0">
+                <a:solidFill>
+                  <a:schemeClr val="tx1"/>
+                </a:solidFill>
+                <a:uFillTx/>
                 <a:latin typeface="Times New Roman" panose="02020603050405020304" pitchFamily="18" charset="0"/>
                 <a:ea typeface="宋体" panose="02010600030101010101" pitchFamily="2" charset="-122"/>
               </a:rPr>
-              <a:t>等重大工程都广泛采用预应力混凝土结构，这些环境下结构的耐久性面临巨大挑战，如何对结构进行良好的腐蚀防护和监测成为了研究的重点</a:t>
-            </a:r>
-            <a:endParaRPr lang="zh-CN" altLang="en-US" sz="2400"/>
-          </a:p>
-        </p:txBody>
-      </p:sp>
-      <p:sp>
-        <p:nvSpPr>
-          <p:cNvPr id="5" name="文本框 4"/>
-          <p:cNvSpPr txBox="1"/>
-          <p:nvPr/>
-        </p:nvSpPr>
-        <p:spPr>
-          <a:xfrm>
-            <a:off x="6335395" y="2299335"/>
-            <a:ext cx="5587365" cy="3046095"/>
-          </a:xfrm>
-          <a:prstGeom prst="rect">
-            <a:avLst/>
-          </a:prstGeom>
-          <a:noFill/>
-          <a:ln w="9525">
-            <a:noFill/>
-          </a:ln>
-        </p:spPr>
-        <p:txBody>
-          <a:bodyPr wrap="square">
-            <a:spAutoFit/>
-          </a:bodyPr>
-          <a:p>
-            <a:pPr indent="0"/>
-            <a:r>
-              <a:rPr lang="zh-CN" altLang="en-US" sz="2400"/>
-              <a:t>常规锚固体系已经不能满足腐蚀防护和监测的要求，通过研究电隔离防护技术，开展电隔离预应力锚固技术的研究，提升结构抗腐蚀性能并对其健康状况进行长期监测，对确保重大土木工程结构全寿命使用安全，推动混凝土结构理论与技术应用，实现经济社会绿色、可持续发展具有重要意义。</a:t>
-            </a:r>
-            <a:endParaRPr lang="zh-CN" altLang="en-US" sz="2400"/>
+              <a:t>，</a:t>
+            </a:r>
+            <a:r>
+              <a:rPr lang="en-US" b="0">
+                <a:solidFill>
+                  <a:schemeClr val="tx1"/>
+                </a:solidFill>
+                <a:uFillTx/>
+                <a:latin typeface="Times New Roman" panose="02020603050405020304" pitchFamily="18" charset="0"/>
+                <a:ea typeface="宋体" panose="02010600030101010101" pitchFamily="2" charset="-122"/>
+              </a:rPr>
+              <a:t>EIT</a:t>
+            </a:r>
+            <a:r>
+              <a:rPr lang="zh-CN" b="0">
+                <a:solidFill>
+                  <a:schemeClr val="tx1"/>
+                </a:solidFill>
+                <a:uFillTx/>
+                <a:latin typeface="Times New Roman" panose="02020603050405020304" pitchFamily="18" charset="0"/>
+                <a:ea typeface="宋体" panose="02010600030101010101" pitchFamily="2" charset="-122"/>
+              </a:rPr>
+              <a:t>）”体系应运而生，</a:t>
+            </a:r>
+            <a:endParaRPr lang="zh-CN" b="0">
+              <a:solidFill>
+                <a:schemeClr val="tx1"/>
+              </a:solidFill>
+              <a:uFillTx/>
+              <a:latin typeface="Times New Roman" panose="02020603050405020304" pitchFamily="18" charset="0"/>
+              <a:ea typeface="宋体" panose="02010600030101010101" pitchFamily="2" charset="-122"/>
+            </a:endParaRPr>
+          </a:p>
+          <a:p>
+            <a:pPr indent="0" fontAlgn="auto">
+              <a:lnSpc>
+                <a:spcPct val="150000"/>
+              </a:lnSpc>
+            </a:pPr>
+            <a:r>
+              <a:rPr lang="zh-CN" b="0">
+                <a:solidFill>
+                  <a:schemeClr val="tx1"/>
+                </a:solidFill>
+                <a:uFillTx/>
+                <a:latin typeface="Times New Roman" panose="02020603050405020304" pitchFamily="18" charset="0"/>
+                <a:ea typeface="宋体" panose="02010600030101010101" pitchFamily="2" charset="-122"/>
+              </a:rPr>
+              <a:t>采用塑料波纹管成孔以保证力筋长度范围内的绝缘与密封，然后在力筋两端锚头部位进行专门的绝缘与密封处理，并使整个预应力筋与锚头体系的绝缘与密封保持连续，该锚固体系兼顾预应力管道内部灌浆情况和预应力筋健康状况在线监测系统</a:t>
+            </a:r>
+            <a:endParaRPr lang="zh-CN" altLang="en-US" b="0">
+              <a:solidFill>
+                <a:schemeClr val="tx1"/>
+              </a:solidFill>
+              <a:uFillTx/>
+              <a:latin typeface="Times New Roman" panose="02020603050405020304" pitchFamily="18" charset="0"/>
+              <a:ea typeface="宋体" panose="02010600030101010101" pitchFamily="2" charset="-122"/>
+            </a:endParaRPr>
           </a:p>
         </p:txBody>
       </p:sp>
@@ -8809,6 +7931,14 @@
   <p:clrMapOvr>
     <a:masterClrMapping/>
   </p:clrMapOvr>
+  <p:transition/>
+  <p:timing>
+    <p:tnLst>
+      <p:par>
+        <p:cTn id="1" dur="indefinite" restart="never" nodeType="tmRoot"/>
+      </p:par>
+    </p:tnLst>
+  </p:timing>
 </p:sld>
 </file>
 
@@ -8831,53 +7961,111 @@
       </p:grpSpPr>
       <p:sp>
         <p:nvSpPr>
-          <p:cNvPr id="5" name="矩形 4"/>
-          <p:cNvSpPr/>
-          <p:nvPr/>
-        </p:nvSpPr>
-        <p:spPr>
-          <a:xfrm>
-            <a:off x="-31750" y="-19050"/>
-            <a:ext cx="12242165" cy="6887845"/>
-          </a:xfrm>
-          <a:prstGeom prst="rect">
-            <a:avLst/>
-          </a:prstGeom>
-          <a:solidFill>
-            <a:srgbClr val="00468B"/>
-          </a:solidFill>
-          <a:ln>
-            <a:noFill/>
-          </a:ln>
-        </p:spPr>
-        <p:style>
-          <a:lnRef idx="2">
-            <a:schemeClr val="accent1">
-              <a:shade val="50000"/>
-            </a:schemeClr>
-          </a:lnRef>
-          <a:fillRef idx="1">
-            <a:schemeClr val="accent1"/>
-          </a:fillRef>
-          <a:effectRef idx="0">
-            <a:schemeClr val="accent1"/>
-          </a:effectRef>
-          <a:fontRef idx="minor">
-            <a:schemeClr val="lt1"/>
-          </a:fontRef>
-        </p:style>
-        <p:txBody>
-          <a:bodyPr rtlCol="0" anchor="ctr"/>
+          <p:cNvPr id="9" name="文本框 4"/>
+          <p:cNvSpPr txBox="1"/>
+          <p:nvPr/>
+        </p:nvSpPr>
+        <p:spPr>
+          <a:xfrm>
+            <a:off x="376974" y="898927"/>
+            <a:ext cx="11412504" cy="891540"/>
+          </a:xfrm>
+          <a:prstGeom prst="rect">
+            <a:avLst/>
+          </a:prstGeom>
+          <a:noFill/>
+        </p:spPr>
+        <p:txBody>
+          <a:bodyPr wrap="square" rtlCol="0">
+            <a:spAutoFit/>
+          </a:bodyPr>
           <a:lstStyle/>
           <a:p>
-            <a:pPr algn="ctr"/>
-            <a:endParaRPr lang="zh-CN" altLang="en-US"/>
+            <a:pPr marL="457200" indent="-457200">
+              <a:buFont typeface="Arial" panose="020B0604020202020204" pitchFamily="34" charset="0"/>
+              <a:buChar char="•"/>
+            </a:pPr>
+            <a:r>
+              <a:rPr lang="zh-CN" altLang="en-US" sz="2800" b="1" dirty="0">
+                <a:solidFill>
+                  <a:srgbClr val="7030A0"/>
+                </a:solidFill>
+                <a:latin typeface="微软雅黑" panose="020B0503020204020204" pitchFamily="34" charset="-122"/>
+                <a:ea typeface="微软雅黑" panose="020B0503020204020204" pitchFamily="34" charset="-122"/>
+              </a:rPr>
+              <a:t>研究目标</a:t>
+            </a:r>
+            <a:endParaRPr lang="en-US" altLang="zh-CN" sz="2800" b="1" dirty="0">
+              <a:solidFill>
+                <a:srgbClr val="7030A0"/>
+              </a:solidFill>
+              <a:latin typeface="微软雅黑" panose="020B0503020204020204" pitchFamily="34" charset="-122"/>
+              <a:ea typeface="微软雅黑" panose="020B0503020204020204" pitchFamily="34" charset="-122"/>
+            </a:endParaRPr>
+          </a:p>
+          <a:p>
+            <a:endParaRPr lang="zh-CN" altLang="en-US" sz="2400" b="1" dirty="0">
+              <a:solidFill>
+                <a:srgbClr val="7030A0"/>
+              </a:solidFill>
+              <a:latin typeface="微软雅黑" panose="020B0503020204020204" pitchFamily="34" charset="-122"/>
+              <a:ea typeface="微软雅黑" panose="020B0503020204020204" pitchFamily="34" charset="-122"/>
+            </a:endParaRPr>
+          </a:p>
+        </p:txBody>
+      </p:sp>
+      <p:sp>
+        <p:nvSpPr>
+          <p:cNvPr id="36" name="文本框 13"/>
+          <p:cNvSpPr txBox="1"/>
+          <p:nvPr/>
+        </p:nvSpPr>
+        <p:spPr>
+          <a:xfrm>
+            <a:off x="1261297" y="137443"/>
+            <a:ext cx="2209165" cy="583565"/>
+          </a:xfrm>
+          <a:prstGeom prst="rect">
+            <a:avLst/>
+          </a:prstGeom>
+          <a:noFill/>
+        </p:spPr>
+        <p:txBody>
+          <a:bodyPr wrap="none" rtlCol="0">
+            <a:spAutoFit/>
+          </a:bodyPr>
+          <a:lstStyle/>
+          <a:p>
+            <a:pPr marL="342900" indent="-342900">
+              <a:spcBef>
+                <a:spcPts val="1200"/>
+              </a:spcBef>
+              <a:buFont typeface="Wingdings" panose="05000000000000000000" pitchFamily="2" charset="2"/>
+              <a:buChar char="u"/>
+            </a:pPr>
+            <a:r>
+              <a:rPr lang="zh-CN" altLang="en-US" sz="3200" b="1" dirty="0">
+                <a:solidFill>
+                  <a:srgbClr val="CC9933"/>
+                </a:solidFill>
+                <a:latin typeface="微软雅黑" panose="020B0503020204020204" pitchFamily="34" charset="-122"/>
+                <a:ea typeface="微软雅黑" panose="020B0503020204020204" pitchFamily="34" charset="-122"/>
+              </a:rPr>
+              <a:t>研究背景</a:t>
+            </a:r>
+            <a:endParaRPr lang="zh-CN" altLang="en-US" sz="3200" b="1" dirty="0">
+              <a:solidFill>
+                <a:srgbClr val="CC9933"/>
+              </a:solidFill>
+              <a:latin typeface="微软雅黑" panose="020B0503020204020204" pitchFamily="34" charset="-122"/>
+              <a:ea typeface="微软雅黑" panose="020B0503020204020204" pitchFamily="34" charset="-122"/>
+            </a:endParaRPr>
           </a:p>
         </p:txBody>
       </p:sp>
       <p:cxnSp>
         <p:nvCxnSpPr>
-          <p:cNvPr id="21" name="直接连接符 20"/>
+          <p:cNvPr id="38" name="直接连接符 37"/>
           <p:cNvCxnSpPr/>
           <p:nvPr/>
         </p:nvCxnSpPr>
@@ -8891,7 +8079,7 @@
           </a:prstGeom>
           <a:ln w="9525">
             <a:solidFill>
-              <a:schemeClr val="bg1"/>
+              <a:schemeClr val="tx1"/>
             </a:solidFill>
           </a:ln>
         </p:spPr>
@@ -8912,267 +8100,70 @@
       </p:cxnSp>
       <p:sp>
         <p:nvSpPr>
-          <p:cNvPr id="16" name="文本框 13"/>
+          <p:cNvPr id="100" name="文本框 99"/>
           <p:cNvSpPr txBox="1"/>
           <p:nvPr/>
         </p:nvSpPr>
         <p:spPr>
           <a:xfrm>
-            <a:off x="1261297" y="137443"/>
-            <a:ext cx="2811780" cy="303530"/>
+            <a:off x="782320" y="2553017"/>
+            <a:ext cx="5080000" cy="1753235"/>
           </a:xfrm>
           <a:prstGeom prst="rect">
             <a:avLst/>
           </a:prstGeom>
           <a:noFill/>
-        </p:spPr>
-        <p:txBody>
-          <a:bodyPr wrap="none" rtlCol="0">
+          <a:ln w="9525">
+            <a:noFill/>
+          </a:ln>
+        </p:spPr>
+        <p:txBody>
+          <a:bodyPr>
             <a:spAutoFit/>
           </a:bodyPr>
-          <a:lstStyle/>
-          <a:p>
-            <a:pPr algn="l"/>
-            <a:r>
-              <a:rPr lang="zh-CN" altLang="en-US" sz="1380" dirty="0">
+          <a:p>
+            <a:pPr indent="0"/>
+            <a:r>
+              <a:rPr lang="zh-CN" b="0">
                 <a:solidFill>
-                  <a:schemeClr val="bg1"/>
+                  <a:schemeClr val="tx1"/>
                 </a:solidFill>
-                <a:latin typeface="微软雅黑" panose="020B0503020204020204" pitchFamily="34" charset="-122"/>
-                <a:ea typeface="微软雅黑" panose="020B0503020204020204" pitchFamily="34" charset="-122"/>
-              </a:rPr>
-              <a:t>电子科技大学机械与电气工程学院</a:t>
-            </a:r>
-            <a:endParaRPr lang="zh-CN" altLang="en-US" sz="1380" dirty="0">
+                <a:uFillTx/>
+                <a:latin typeface="Times New Roman" panose="02020603050405020304" pitchFamily="18" charset="0"/>
+                <a:ea typeface="宋体" panose="02010600030101010101" pitchFamily="2" charset="-122"/>
+              </a:rPr>
+              <a:t>本课题依托柳州</a:t>
+            </a:r>
+            <a:r>
+              <a:rPr lang="en-US" b="0">
+                <a:solidFill>
+                  <a:schemeClr val="tx1"/>
+                </a:solidFill>
+                <a:uFillTx/>
+                <a:latin typeface="Times New Roman" panose="02020603050405020304" pitchFamily="18" charset="0"/>
+                <a:ea typeface="宋体" panose="02010600030101010101" pitchFamily="2" charset="-122"/>
+                <a:cs typeface="Times New Roman" panose="02020603050405020304" pitchFamily="18" charset="0"/>
+              </a:rPr>
+              <a:t>OVM</a:t>
+            </a:r>
+            <a:r>
+              <a:rPr lang="zh-CN" b="0">
+                <a:solidFill>
+                  <a:schemeClr val="tx1"/>
+                </a:solidFill>
+                <a:uFillTx/>
+                <a:latin typeface="Times New Roman" panose="02020603050405020304" pitchFamily="18" charset="0"/>
+                <a:ea typeface="宋体" panose="02010600030101010101" pitchFamily="2" charset="-122"/>
+              </a:rPr>
+              <a:t>公司平台开展新型电隔离预应力锚固体系的相关研究，主要的研究目标为：结合国外现有电隔离锚固体系，设计开发出一套新的适用于实际工程应用的电隔离预应力锚固体系，体系结构能够满足预应力标准下相关力学性能要求和电隔离防护性能要求。</a:t>
+            </a:r>
+            <a:endParaRPr lang="zh-CN" altLang="en-US" b="0">
               <a:solidFill>
-                <a:schemeClr val="bg1"/>
+                <a:schemeClr val="tx1"/>
               </a:solidFill>
-              <a:latin typeface="微软雅黑" panose="020B0503020204020204" pitchFamily="34" charset="-122"/>
-              <a:ea typeface="微软雅黑" panose="020B0503020204020204" pitchFamily="34" charset="-122"/>
-            </a:endParaRPr>
-          </a:p>
-        </p:txBody>
-      </p:sp>
-      <p:sp>
-        <p:nvSpPr>
-          <p:cNvPr id="17" name="文本框 15"/>
-          <p:cNvSpPr txBox="1"/>
-          <p:nvPr/>
-        </p:nvSpPr>
-        <p:spPr>
-          <a:xfrm>
-            <a:off x="1265107" y="385093"/>
-            <a:ext cx="2880360" cy="232410"/>
-          </a:xfrm>
-          <a:prstGeom prst="rect">
-            <a:avLst/>
-          </a:prstGeom>
-          <a:noFill/>
-        </p:spPr>
-        <p:txBody>
-          <a:bodyPr wrap="square" rtlCol="0">
-            <a:spAutoFit/>
-          </a:bodyPr>
-          <a:lstStyle/>
-          <a:p>
-            <a:r>
-              <a:rPr lang="zh-CN" altLang="en-US" sz="920" dirty="0">
-                <a:solidFill>
-                  <a:schemeClr val="bg1"/>
-                </a:solidFill>
-                <a:latin typeface="微软雅黑" panose="020B0503020204020204" pitchFamily="34" charset="-122"/>
-                <a:ea typeface="微软雅黑" panose="020B0503020204020204" pitchFamily="34" charset="-122"/>
-              </a:rPr>
-              <a:t>School of Mechanical and Electrical Engineering</a:t>
-            </a:r>
-            <a:endParaRPr lang="zh-CN" altLang="en-US" sz="920" dirty="0">
-              <a:solidFill>
-                <a:schemeClr val="bg1"/>
-              </a:solidFill>
-              <a:latin typeface="微软雅黑" panose="020B0503020204020204" pitchFamily="34" charset="-122"/>
-              <a:ea typeface="微软雅黑" panose="020B0503020204020204" pitchFamily="34" charset="-122"/>
-            </a:endParaRPr>
-          </a:p>
-        </p:txBody>
-      </p:sp>
-      <p:cxnSp>
-        <p:nvCxnSpPr>
-          <p:cNvPr id="18" name="直接连接符 17"/>
-          <p:cNvCxnSpPr/>
-          <p:nvPr/>
-        </p:nvCxnSpPr>
-        <p:spPr>
-          <a:xfrm>
-            <a:off x="1180017" y="44098"/>
-            <a:ext cx="0" cy="645160"/>
-          </a:xfrm>
-          <a:prstGeom prst="line">
-            <a:avLst/>
-          </a:prstGeom>
-          <a:ln w="9525">
-            <a:solidFill>
-              <a:schemeClr val="bg1"/>
-            </a:solidFill>
-          </a:ln>
-        </p:spPr>
-        <p:style>
-          <a:lnRef idx="1">
-            <a:schemeClr val="accent1"/>
-          </a:lnRef>
-          <a:fillRef idx="0">
-            <a:schemeClr val="accent1"/>
-          </a:fillRef>
-          <a:effectRef idx="0">
-            <a:schemeClr val="accent1"/>
-          </a:effectRef>
-          <a:fontRef idx="minor">
-            <a:schemeClr val="tx1"/>
-          </a:fontRef>
-        </p:style>
-      </p:cxnSp>
-      <p:pic>
-        <p:nvPicPr>
-          <p:cNvPr id="22" name="图片 21"/>
-          <p:cNvPicPr>
-            <a:picLocks noChangeAspect="1"/>
-          </p:cNvPicPr>
-          <p:nvPr/>
-        </p:nvPicPr>
-        <p:blipFill>
-          <a:blip r:embed="rId1" cstate="print">
-            <a:extLst>
-              <a:ext uri="{28A0092B-C50C-407E-A947-70E740481C1C}">
-                <a14:useLocalDpi xmlns:a14="http://schemas.microsoft.com/office/drawing/2010/main" val="0"/>
-              </a:ext>
-            </a:extLst>
-          </a:blip>
-          <a:stretch>
-            <a:fillRect/>
-          </a:stretch>
-        </p:blipFill>
-        <p:spPr>
-          <a:xfrm>
-            <a:off x="384649" y="26500"/>
-            <a:ext cx="583162" cy="680356"/>
-          </a:xfrm>
-          <a:prstGeom prst="rect">
-            <a:avLst/>
-          </a:prstGeom>
-        </p:spPr>
-      </p:pic>
-      <p:pic>
-        <p:nvPicPr>
-          <p:cNvPr id="23" name="图片 22" descr="03-1"/>
-          <p:cNvPicPr>
-            <a:picLocks noChangeAspect="1"/>
-          </p:cNvPicPr>
-          <p:nvPr/>
-        </p:nvPicPr>
-        <p:blipFill>
-          <a:blip r:embed="rId2" cstate="print"/>
-          <a:stretch>
-            <a:fillRect/>
-          </a:stretch>
-        </p:blipFill>
-        <p:spPr>
-          <a:xfrm>
-            <a:off x="2389505" y="5318125"/>
-            <a:ext cx="7412990" cy="1551305"/>
-          </a:xfrm>
-          <a:prstGeom prst="rect">
-            <a:avLst/>
-          </a:prstGeom>
-        </p:spPr>
-      </p:pic>
-      <p:sp>
-        <p:nvSpPr>
-          <p:cNvPr id="2" name="矩形 1"/>
-          <p:cNvSpPr/>
-          <p:nvPr/>
-        </p:nvSpPr>
-        <p:spPr>
-          <a:xfrm>
-            <a:off x="2672731" y="1452642"/>
-            <a:ext cx="1135380" cy="2399665"/>
-          </a:xfrm>
-          <a:prstGeom prst="rect">
-            <a:avLst/>
-          </a:prstGeom>
-          <a:noFill/>
-        </p:spPr>
-        <p:txBody>
-          <a:bodyPr wrap="none" lIns="91440" tIns="45720" rIns="91440" bIns="45720">
-            <a:spAutoFit/>
-            <a:scene3d>
-              <a:camera prst="orthographicFront"/>
-              <a:lightRig rig="soft" dir="t">
-                <a:rot lat="0" lon="0" rev="15600000"/>
-              </a:lightRig>
-            </a:scene3d>
-            <a:sp3d extrusionH="57150" prstMaterial="softEdge">
-              <a:bevelT w="25400" h="38100"/>
-            </a:sp3d>
-          </a:bodyPr>
-          <a:lstStyle/>
-          <a:p>
-            <a:pPr algn="ctr"/>
-            <a:r>
-              <a:rPr lang="en-US" altLang="zh-CN" sz="15000" b="1" i="1" dirty="0">
-                <a:solidFill>
-                  <a:schemeClr val="accent4"/>
-                </a:solidFill>
-                <a:latin typeface="Times New Roman" panose="02020603050405020304" pitchFamily="18" charset="0"/>
-                <a:cs typeface="Times New Roman" panose="02020603050405020304" pitchFamily="18" charset="0"/>
-              </a:rPr>
-              <a:t>2</a:t>
-            </a:r>
-            <a:endParaRPr lang="en-US" altLang="zh-CN" sz="15000" b="1" i="1" dirty="0">
-              <a:solidFill>
-                <a:schemeClr val="accent4"/>
-              </a:solidFill>
+              <a:uFillTx/>
               <a:latin typeface="Times New Roman" panose="02020603050405020304" pitchFamily="18" charset="0"/>
-              <a:cs typeface="Times New Roman" panose="02020603050405020304" pitchFamily="18" charset="0"/>
-            </a:endParaRPr>
-          </a:p>
-        </p:txBody>
-      </p:sp>
-      <p:sp>
-        <p:nvSpPr>
-          <p:cNvPr id="3" name="文本框 2"/>
-          <p:cNvSpPr txBox="1"/>
-          <p:nvPr/>
-        </p:nvSpPr>
-        <p:spPr>
-          <a:xfrm>
-            <a:off x="4727575" y="2238375"/>
-            <a:ext cx="2723515" cy="829945"/>
-          </a:xfrm>
-          <a:prstGeom prst="rect">
-            <a:avLst/>
-          </a:prstGeom>
-          <a:noFill/>
-        </p:spPr>
-        <p:txBody>
-          <a:bodyPr wrap="square" rtlCol="0">
-            <a:spAutoFit/>
-          </a:bodyPr>
-          <a:p>
-            <a:r>
-              <a:rPr lang="zh-CN" altLang="en-US" sz="4800" b="1">
-                <a:solidFill>
-                  <a:schemeClr val="accent4"/>
-                </a:solidFill>
-                <a:latin typeface="微软雅黑" panose="020B0503020204020204" pitchFamily="34" charset="-122"/>
-                <a:ea typeface="微软雅黑" panose="020B0503020204020204" pitchFamily="34" charset="-122"/>
-              </a:rPr>
-              <a:t>研究现状</a:t>
-            </a:r>
-            <a:endParaRPr lang="zh-CN" altLang="en-US" sz="4800" b="1">
-              <a:solidFill>
-                <a:schemeClr val="accent4"/>
-              </a:solidFill>
-              <a:latin typeface="微软雅黑" panose="020B0503020204020204" pitchFamily="34" charset="-122"/>
-              <a:ea typeface="微软雅黑" panose="020B0503020204020204" pitchFamily="34" charset="-122"/>
+              <a:ea typeface="宋体" panose="02010600030101010101" pitchFamily="2" charset="-122"/>
             </a:endParaRPr>
           </a:p>
         </p:txBody>
@@ -9182,6 +8173,14 @@
   <p:clrMapOvr>
     <a:masterClrMapping/>
   </p:clrMapOvr>
+  <p:transition/>
+  <p:timing>
+    <p:tnLst>
+      <p:par>
+        <p:cTn id="1" dur="indefinite" restart="never" nodeType="tmRoot"/>
+      </p:par>
+    </p:tnLst>
+  </p:timing>
 </p:sld>
 </file>
 

--- a/EIT/开题答辩slide.pptx
+++ b/EIT/开题答辩slide.pptx
@@ -5,33 +5,28 @@
     <p:sldMasterId id="2147483648" r:id="rId1"/>
   </p:sldMasterIdLst>
   <p:notesMasterIdLst>
-    <p:notesMasterId r:id="rId6"/>
+    <p:notesMasterId r:id="rId18"/>
   </p:notesMasterIdLst>
   <p:sldIdLst>
-    <p:sldId id="274" r:id="rId3"/>
-    <p:sldId id="256" r:id="rId4"/>
-    <p:sldId id="520" r:id="rId5"/>
-    <p:sldId id="481" r:id="rId7"/>
-    <p:sldId id="2761" r:id="rId8"/>
-    <p:sldId id="2749" r:id="rId9"/>
-    <p:sldId id="2762" r:id="rId10"/>
-    <p:sldId id="2763" r:id="rId11"/>
-    <p:sldId id="2764" r:id="rId12"/>
-    <p:sldId id="2750" r:id="rId13"/>
-    <p:sldId id="2765" r:id="rId14"/>
-    <p:sldId id="2766" r:id="rId15"/>
-    <p:sldId id="2767" r:id="rId16"/>
-    <p:sldId id="2751" r:id="rId17"/>
-    <p:sldId id="2768" r:id="rId18"/>
-    <p:sldId id="2769" r:id="rId19"/>
-    <p:sldId id="2770" r:id="rId20"/>
-    <p:sldId id="2752" r:id="rId21"/>
-    <p:sldId id="2771" r:id="rId22"/>
-    <p:sldId id="2772" r:id="rId23"/>
-    <p:sldId id="2773" r:id="rId24"/>
+    <p:sldId id="274" r:id="rId2"/>
+    <p:sldId id="256" r:id="rId3"/>
+    <p:sldId id="481" r:id="rId4"/>
+    <p:sldId id="2761" r:id="rId5"/>
+    <p:sldId id="2762" r:id="rId6"/>
+    <p:sldId id="2763" r:id="rId7"/>
+    <p:sldId id="2764" r:id="rId8"/>
+    <p:sldId id="2765" r:id="rId9"/>
+    <p:sldId id="2766" r:id="rId10"/>
+    <p:sldId id="2767" r:id="rId11"/>
+    <p:sldId id="2768" r:id="rId12"/>
+    <p:sldId id="2769" r:id="rId13"/>
+    <p:sldId id="2770" r:id="rId14"/>
+    <p:sldId id="2771" r:id="rId15"/>
+    <p:sldId id="2772" r:id="rId16"/>
+    <p:sldId id="2773" r:id="rId17"/>
   </p:sldIdLst>
   <p:sldSz cx="12192000" cy="6858000"/>
-  <p:notesSz cx="7103745" cy="10234295"/>
+  <p:notesSz cx="7104063" cy="10234613"/>
   <p:defaultTextStyle>
     <a:defPPr>
       <a:defRPr lang="zh-CN"/>
@@ -127,6 +122,22 @@
       </a:defRPr>
     </a:lvl9pPr>
   </p:defaultTextStyle>
+  <p:extLst>
+    <p:ext uri="{EFAFB233-063F-42B5-8137-9DF3F51BA10A}">
+      <p15:sldGuideLst xmlns:p15="http://schemas.microsoft.com/office/powerpoint/2012/main">
+        <p15:guide id="1" orient="horz" pos="2160">
+          <p15:clr>
+            <a:srgbClr val="A4A3A4"/>
+          </p15:clr>
+        </p15:guide>
+        <p15:guide id="2" pos="3832">
+          <p15:clr>
+            <a:srgbClr val="A4A3A4"/>
+          </p15:clr>
+        </p15:guide>
+      </p15:sldGuideLst>
+    </p:ext>
+  </p:extLst>
 </p:presentation>
 </file>
 
@@ -212,6 +223,7 @@
           <a:p>
             <a:fld id="{D2A48B96-639E-45A3-A0BA-2464DFDB1FAA}" type="datetimeFigureOut">
               <a:rPr lang="zh-CN" altLang="en-US" smtClean="0"/>
+              <a:t>2022/1/4</a:t>
             </a:fld>
             <a:endParaRPr lang="zh-CN" altLang="en-US"/>
           </a:p>
@@ -278,7 +290,6 @@
               <a:rPr lang="zh-CN" altLang="en-US"/>
               <a:t>单击此处编辑母版文本样式</a:t>
             </a:r>
-            <a:endParaRPr lang="zh-CN" altLang="en-US"/>
           </a:p>
           <a:p>
             <a:pPr lvl="1"/>
@@ -286,7 +297,6 @@
               <a:rPr lang="zh-CN" altLang="en-US"/>
               <a:t>第二级</a:t>
             </a:r>
-            <a:endParaRPr lang="zh-CN" altLang="en-US"/>
           </a:p>
           <a:p>
             <a:pPr lvl="2"/>
@@ -294,7 +304,6 @@
               <a:rPr lang="zh-CN" altLang="en-US"/>
               <a:t>第三级</a:t>
             </a:r>
-            <a:endParaRPr lang="zh-CN" altLang="en-US"/>
           </a:p>
           <a:p>
             <a:pPr lvl="3"/>
@@ -302,7 +311,6 @@
               <a:rPr lang="zh-CN" altLang="en-US"/>
               <a:t>第四级</a:t>
             </a:r>
-            <a:endParaRPr lang="zh-CN" altLang="en-US"/>
           </a:p>
           <a:p>
             <a:pPr lvl="4"/>
@@ -310,7 +318,6 @@
               <a:rPr lang="zh-CN" altLang="en-US"/>
               <a:t>第五级</a:t>
             </a:r>
-            <a:endParaRPr lang="zh-CN" altLang="en-US"/>
           </a:p>
         </p:txBody>
       </p:sp>
@@ -374,6 +381,7 @@
           <a:p>
             <a:fld id="{A6837353-30EB-4A48-80EB-173D804AEFBD}" type="slidenum">
               <a:rPr lang="zh-CN" altLang="en-US" smtClean="0"/>
+              <a:t>‹#›</a:t>
             </a:fld>
             <a:endParaRPr lang="zh-CN" altLang="en-US"/>
           </a:p>
@@ -477,311 +485,6 @@
 </p:notesMaster>
 </file>
 
-<file path=ppt/notesSlides/notesSlide1.xml><?xml version="1.0" encoding="utf-8"?>
-<p:notes xmlns:a="http://schemas.openxmlformats.org/drawingml/2006/main" xmlns:r="http://schemas.openxmlformats.org/officeDocument/2006/relationships" xmlns:p="http://schemas.openxmlformats.org/presentationml/2006/main">
-  <p:cSld>
-    <p:spTree>
-      <p:nvGrpSpPr>
-        <p:cNvPr id="1" name=""/>
-        <p:cNvGrpSpPr/>
-        <p:nvPr/>
-      </p:nvGrpSpPr>
-      <p:grpSpPr>
-        <a:xfrm>
-          <a:off x="0" y="0"/>
-          <a:ext cx="0" cy="0"/>
-          <a:chOff x="0" y="0"/>
-          <a:chExt cx="0" cy="0"/>
-        </a:xfrm>
-      </p:grpSpPr>
-      <p:sp>
-        <p:nvSpPr>
-          <p:cNvPr id="2" name="幻灯片图像占位符 1"/>
-          <p:cNvSpPr>
-            <a:spLocks noGrp="1" noRot="1" noChangeAspect="1"/>
-          </p:cNvSpPr>
-          <p:nvPr>
-            <p:ph type="sldImg" idx="2"/>
-          </p:nvPr>
-        </p:nvSpPr>
-        <p:spPr>
-          <a:xfrm>
-            <a:off x="481013" y="1279525"/>
-            <a:ext cx="6142037" cy="3454400"/>
-          </a:xfrm>
-        </p:spPr>
-      </p:sp>
-      <p:sp>
-        <p:nvSpPr>
-          <p:cNvPr id="3" name="文本占位符 2"/>
-          <p:cNvSpPr>
-            <a:spLocks noGrp="1"/>
-          </p:cNvSpPr>
-          <p:nvPr>
-            <p:ph type="body" idx="3"/>
-          </p:nvPr>
-        </p:nvSpPr>
-        <p:spPr/>
-        <p:txBody>
-          <a:bodyPr/>
-          <a:lstStyle/>
-          <a:p>
-            <a:endParaRPr lang="zh-CN" altLang="en-US"/>
-          </a:p>
-        </p:txBody>
-      </p:sp>
-    </p:spTree>
-  </p:cSld>
-  <p:clrMapOvr>
-    <a:masterClrMapping/>
-  </p:clrMapOvr>
-</p:notes>
-</file>
-
-<file path=ppt/notesSlides/notesSlide2.xml><?xml version="1.0" encoding="utf-8"?>
-<p:notes xmlns:a="http://schemas.openxmlformats.org/drawingml/2006/main" xmlns:r="http://schemas.openxmlformats.org/officeDocument/2006/relationships" xmlns:p="http://schemas.openxmlformats.org/presentationml/2006/main">
-  <p:cSld>
-    <p:spTree>
-      <p:nvGrpSpPr>
-        <p:cNvPr id="1" name=""/>
-        <p:cNvGrpSpPr/>
-        <p:nvPr/>
-      </p:nvGrpSpPr>
-      <p:grpSpPr>
-        <a:xfrm>
-          <a:off x="0" y="0"/>
-          <a:ext cx="0" cy="0"/>
-          <a:chOff x="0" y="0"/>
-          <a:chExt cx="0" cy="0"/>
-        </a:xfrm>
-      </p:grpSpPr>
-      <p:sp>
-        <p:nvSpPr>
-          <p:cNvPr id="2" name="幻灯片图像占位符 1"/>
-          <p:cNvSpPr>
-            <a:spLocks noGrp="1" noRot="1" noChangeAspect="1"/>
-          </p:cNvSpPr>
-          <p:nvPr>
-            <p:ph type="sldImg" idx="2"/>
-          </p:nvPr>
-        </p:nvSpPr>
-        <p:spPr>
-          <a:xfrm>
-            <a:off x="481013" y="1279525"/>
-            <a:ext cx="6142037" cy="3454400"/>
-          </a:xfrm>
-        </p:spPr>
-      </p:sp>
-      <p:sp>
-        <p:nvSpPr>
-          <p:cNvPr id="3" name="文本占位符 2"/>
-          <p:cNvSpPr>
-            <a:spLocks noGrp="1"/>
-          </p:cNvSpPr>
-          <p:nvPr>
-            <p:ph type="body" idx="3"/>
-          </p:nvPr>
-        </p:nvSpPr>
-        <p:spPr/>
-        <p:txBody>
-          <a:bodyPr/>
-          <a:lstStyle/>
-          <a:p>
-            <a:endParaRPr lang="zh-CN" altLang="en-US"/>
-          </a:p>
-        </p:txBody>
-      </p:sp>
-    </p:spTree>
-  </p:cSld>
-  <p:clrMapOvr>
-    <a:masterClrMapping/>
-  </p:clrMapOvr>
-</p:notes>
-</file>
-
-<file path=ppt/notesSlides/notesSlide3.xml><?xml version="1.0" encoding="utf-8"?>
-<p:notes xmlns:a="http://schemas.openxmlformats.org/drawingml/2006/main" xmlns:r="http://schemas.openxmlformats.org/officeDocument/2006/relationships" xmlns:p="http://schemas.openxmlformats.org/presentationml/2006/main">
-  <p:cSld>
-    <p:spTree>
-      <p:nvGrpSpPr>
-        <p:cNvPr id="1" name=""/>
-        <p:cNvGrpSpPr/>
-        <p:nvPr/>
-      </p:nvGrpSpPr>
-      <p:grpSpPr>
-        <a:xfrm>
-          <a:off x="0" y="0"/>
-          <a:ext cx="0" cy="0"/>
-          <a:chOff x="0" y="0"/>
-          <a:chExt cx="0" cy="0"/>
-        </a:xfrm>
-      </p:grpSpPr>
-      <p:sp>
-        <p:nvSpPr>
-          <p:cNvPr id="2" name="幻灯片图像占位符 1"/>
-          <p:cNvSpPr>
-            <a:spLocks noGrp="1" noRot="1" noChangeAspect="1"/>
-          </p:cNvSpPr>
-          <p:nvPr>
-            <p:ph type="sldImg" idx="2"/>
-          </p:nvPr>
-        </p:nvSpPr>
-        <p:spPr>
-          <a:xfrm>
-            <a:off x="481013" y="1279525"/>
-            <a:ext cx="6142037" cy="3454400"/>
-          </a:xfrm>
-        </p:spPr>
-      </p:sp>
-      <p:sp>
-        <p:nvSpPr>
-          <p:cNvPr id="3" name="文本占位符 2"/>
-          <p:cNvSpPr>
-            <a:spLocks noGrp="1"/>
-          </p:cNvSpPr>
-          <p:nvPr>
-            <p:ph type="body" idx="3"/>
-          </p:nvPr>
-        </p:nvSpPr>
-        <p:spPr/>
-        <p:txBody>
-          <a:bodyPr/>
-          <a:lstStyle/>
-          <a:p>
-            <a:endParaRPr lang="zh-CN" altLang="en-US"/>
-          </a:p>
-        </p:txBody>
-      </p:sp>
-    </p:spTree>
-  </p:cSld>
-  <p:clrMapOvr>
-    <a:masterClrMapping/>
-  </p:clrMapOvr>
-</p:notes>
-</file>
-
-<file path=ppt/notesSlides/notesSlide4.xml><?xml version="1.0" encoding="utf-8"?>
-<p:notes xmlns:a="http://schemas.openxmlformats.org/drawingml/2006/main" xmlns:r="http://schemas.openxmlformats.org/officeDocument/2006/relationships" xmlns:p="http://schemas.openxmlformats.org/presentationml/2006/main">
-  <p:cSld>
-    <p:spTree>
-      <p:nvGrpSpPr>
-        <p:cNvPr id="1" name=""/>
-        <p:cNvGrpSpPr/>
-        <p:nvPr/>
-      </p:nvGrpSpPr>
-      <p:grpSpPr>
-        <a:xfrm>
-          <a:off x="0" y="0"/>
-          <a:ext cx="0" cy="0"/>
-          <a:chOff x="0" y="0"/>
-          <a:chExt cx="0" cy="0"/>
-        </a:xfrm>
-      </p:grpSpPr>
-      <p:sp>
-        <p:nvSpPr>
-          <p:cNvPr id="2" name="幻灯片图像占位符 1"/>
-          <p:cNvSpPr>
-            <a:spLocks noGrp="1" noRot="1" noChangeAspect="1"/>
-          </p:cNvSpPr>
-          <p:nvPr>
-            <p:ph type="sldImg" idx="2"/>
-          </p:nvPr>
-        </p:nvSpPr>
-        <p:spPr>
-          <a:xfrm>
-            <a:off x="481013" y="1279525"/>
-            <a:ext cx="6142037" cy="3454400"/>
-          </a:xfrm>
-        </p:spPr>
-      </p:sp>
-      <p:sp>
-        <p:nvSpPr>
-          <p:cNvPr id="3" name="文本占位符 2"/>
-          <p:cNvSpPr>
-            <a:spLocks noGrp="1"/>
-          </p:cNvSpPr>
-          <p:nvPr>
-            <p:ph type="body" idx="3"/>
-          </p:nvPr>
-        </p:nvSpPr>
-        <p:spPr/>
-        <p:txBody>
-          <a:bodyPr/>
-          <a:lstStyle/>
-          <a:p>
-            <a:endParaRPr lang="zh-CN" altLang="en-US"/>
-          </a:p>
-        </p:txBody>
-      </p:sp>
-    </p:spTree>
-  </p:cSld>
-  <p:clrMapOvr>
-    <a:masterClrMapping/>
-  </p:clrMapOvr>
-</p:notes>
-</file>
-
-<file path=ppt/notesSlides/notesSlide5.xml><?xml version="1.0" encoding="utf-8"?>
-<p:notes xmlns:a="http://schemas.openxmlformats.org/drawingml/2006/main" xmlns:r="http://schemas.openxmlformats.org/officeDocument/2006/relationships" xmlns:p="http://schemas.openxmlformats.org/presentationml/2006/main">
-  <p:cSld>
-    <p:spTree>
-      <p:nvGrpSpPr>
-        <p:cNvPr id="1" name=""/>
-        <p:cNvGrpSpPr/>
-        <p:nvPr/>
-      </p:nvGrpSpPr>
-      <p:grpSpPr>
-        <a:xfrm>
-          <a:off x="0" y="0"/>
-          <a:ext cx="0" cy="0"/>
-          <a:chOff x="0" y="0"/>
-          <a:chExt cx="0" cy="0"/>
-        </a:xfrm>
-      </p:grpSpPr>
-      <p:sp>
-        <p:nvSpPr>
-          <p:cNvPr id="2" name="幻灯片图像占位符 1"/>
-          <p:cNvSpPr>
-            <a:spLocks noGrp="1" noRot="1" noChangeAspect="1"/>
-          </p:cNvSpPr>
-          <p:nvPr>
-            <p:ph type="sldImg" idx="2"/>
-          </p:nvPr>
-        </p:nvSpPr>
-        <p:spPr>
-          <a:xfrm>
-            <a:off x="481013" y="1279525"/>
-            <a:ext cx="6142037" cy="3454400"/>
-          </a:xfrm>
-        </p:spPr>
-      </p:sp>
-      <p:sp>
-        <p:nvSpPr>
-          <p:cNvPr id="3" name="文本占位符 2"/>
-          <p:cNvSpPr>
-            <a:spLocks noGrp="1"/>
-          </p:cNvSpPr>
-          <p:nvPr>
-            <p:ph type="body" idx="3"/>
-          </p:nvPr>
-        </p:nvSpPr>
-        <p:spPr/>
-        <p:txBody>
-          <a:bodyPr/>
-          <a:lstStyle/>
-          <a:p>
-            <a:endParaRPr lang="zh-CN" altLang="en-US"/>
-          </a:p>
-        </p:txBody>
-      </p:sp>
-    </p:spTree>
-  </p:cSld>
-  <p:clrMapOvr>
-    <a:masterClrMapping/>
-  </p:clrMapOvr>
-</p:notes>
-</file>
-
 <file path=ppt/slideLayouts/slideLayout1.xml><?xml version="1.0" encoding="utf-8"?>
 <p:sldLayout xmlns:a="http://schemas.openxmlformats.org/drawingml/2006/main" xmlns:r="http://schemas.openxmlformats.org/officeDocument/2006/relationships" xmlns:p="http://schemas.openxmlformats.org/presentationml/2006/main" type="title" preserve="1">
   <p:cSld name="标题幻灯片">
@@ -827,7 +530,6 @@
               <a:rPr lang="zh-CN" altLang="en-US"/>
               <a:t>单击此处编辑母版标题样式</a:t>
             </a:r>
-            <a:endParaRPr lang="zh-CN" altLang="en-US"/>
           </a:p>
         </p:txBody>
       </p:sp>
@@ -892,7 +594,6 @@
               <a:rPr lang="zh-CN" altLang="en-US"/>
               <a:t>单击此处编辑母版副标题样式</a:t>
             </a:r>
-            <a:endParaRPr lang="zh-CN" altLang="en-US"/>
           </a:p>
         </p:txBody>
       </p:sp>
@@ -913,6 +614,7 @@
           <a:p>
             <a:fld id="{82F288E0-7875-42C4-84C8-98DBBD3BF4D2}" type="datetimeFigureOut">
               <a:rPr lang="zh-CN" altLang="en-US" smtClean="0"/>
+              <a:t>2022/1/4</a:t>
             </a:fld>
             <a:endParaRPr lang="zh-CN" altLang="en-US"/>
           </a:p>
@@ -954,6 +656,7 @@
           <a:p>
             <a:fld id="{7D9BB5D0-35E4-459D-AEF3-FE4D7C45CC19}" type="slidenum">
               <a:rPr lang="zh-CN" altLang="en-US" smtClean="0"/>
+              <a:t>‹#›</a:t>
             </a:fld>
             <a:endParaRPr lang="zh-CN" altLang="en-US"/>
           </a:p>
@@ -1009,7 +712,6 @@
               <a:rPr lang="zh-CN" altLang="en-US"/>
               <a:t>单击此处编辑母版文本样式</a:t>
             </a:r>
-            <a:endParaRPr lang="zh-CN" altLang="en-US"/>
           </a:p>
           <a:p>
             <a:pPr lvl="1"/>
@@ -1017,7 +719,6 @@
               <a:rPr lang="zh-CN" altLang="en-US"/>
               <a:t>第二级</a:t>
             </a:r>
-            <a:endParaRPr lang="zh-CN" altLang="en-US"/>
           </a:p>
           <a:p>
             <a:pPr lvl="2"/>
@@ -1025,7 +726,6 @@
               <a:rPr lang="zh-CN" altLang="en-US"/>
               <a:t>第三级</a:t>
             </a:r>
-            <a:endParaRPr lang="zh-CN" altLang="en-US"/>
           </a:p>
           <a:p>
             <a:pPr lvl="3"/>
@@ -1033,7 +733,6 @@
               <a:rPr lang="zh-CN" altLang="en-US"/>
               <a:t>第四级</a:t>
             </a:r>
-            <a:endParaRPr lang="zh-CN" altLang="en-US"/>
           </a:p>
           <a:p>
             <a:pPr lvl="4"/>
@@ -1041,7 +740,6 @@
               <a:rPr lang="zh-CN" altLang="en-US"/>
               <a:t>第五级</a:t>
             </a:r>
-            <a:endParaRPr lang="zh-CN" altLang="en-US"/>
           </a:p>
         </p:txBody>
       </p:sp>
@@ -1062,6 +760,7 @@
           <a:p>
             <a:fld id="{82F288E0-7875-42C4-84C8-98DBBD3BF4D2}" type="datetimeFigureOut">
               <a:rPr lang="zh-CN" altLang="en-US" smtClean="0"/>
+              <a:t>2022/1/4</a:t>
             </a:fld>
             <a:endParaRPr lang="zh-CN" altLang="en-US"/>
           </a:p>
@@ -1103,6 +802,7 @@
           <a:p>
             <a:fld id="{7D9BB5D0-35E4-459D-AEF3-FE4D7C45CC19}" type="slidenum">
               <a:rPr lang="zh-CN" altLang="en-US" smtClean="0"/>
+              <a:t>‹#›</a:t>
             </a:fld>
             <a:endParaRPr lang="zh-CN" altLang="en-US"/>
           </a:p>
@@ -1160,7 +860,6 @@
               <a:rPr lang="zh-TW" altLang="en-US"/>
               <a:t>按一下以編輯母片標題樣式</a:t>
             </a:r>
-            <a:endParaRPr lang="zh-TW" altLang="en-US"/>
           </a:p>
         </p:txBody>
       </p:sp>
@@ -1192,7 +891,6 @@
               <a:rPr lang="zh-TW" altLang="en-US"/>
               <a:t>按一下以編輯母片文字樣式</a:t>
             </a:r>
-            <a:endParaRPr lang="zh-TW" altLang="en-US"/>
           </a:p>
           <a:p>
             <a:pPr lvl="1"/>
@@ -1200,7 +898,6 @@
               <a:rPr lang="zh-TW" altLang="en-US"/>
               <a:t>第二層</a:t>
             </a:r>
-            <a:endParaRPr lang="zh-TW" altLang="en-US"/>
           </a:p>
           <a:p>
             <a:pPr lvl="2"/>
@@ -1208,7 +905,6 @@
               <a:rPr lang="zh-TW" altLang="en-US"/>
               <a:t>第三層</a:t>
             </a:r>
-            <a:endParaRPr lang="zh-TW" altLang="en-US"/>
           </a:p>
           <a:p>
             <a:pPr lvl="3"/>
@@ -1216,7 +912,6 @@
               <a:rPr lang="zh-TW" altLang="en-US"/>
               <a:t>第四層</a:t>
             </a:r>
-            <a:endParaRPr lang="zh-TW" altLang="en-US"/>
           </a:p>
           <a:p>
             <a:pPr lvl="4"/>
@@ -1224,7 +919,6 @@
               <a:rPr lang="zh-TW" altLang="en-US"/>
               <a:t>第五層</a:t>
             </a:r>
-            <a:endParaRPr lang="zh-TW" altLang="en-US"/>
           </a:p>
         </p:txBody>
       </p:sp>
@@ -1277,7 +971,6 @@
               <a:rPr lang="zh-CN" altLang="en-US"/>
               <a:t>单击此处编辑母版标题样式</a:t>
             </a:r>
-            <a:endParaRPr lang="zh-CN" altLang="en-US"/>
           </a:p>
         </p:txBody>
       </p:sp>
@@ -1306,7 +999,6 @@
               <a:rPr lang="zh-CN" altLang="en-US"/>
               <a:t>编辑母版文本样式</a:t>
             </a:r>
-            <a:endParaRPr lang="zh-CN" altLang="en-US"/>
           </a:p>
           <a:p>
             <a:pPr lvl="1"/>
@@ -1314,7 +1006,6 @@
               <a:rPr lang="zh-CN" altLang="en-US"/>
               <a:t>第二级</a:t>
             </a:r>
-            <a:endParaRPr lang="zh-CN" altLang="en-US"/>
           </a:p>
           <a:p>
             <a:pPr lvl="2"/>
@@ -1322,7 +1013,6 @@
               <a:rPr lang="zh-CN" altLang="en-US"/>
               <a:t>第三级</a:t>
             </a:r>
-            <a:endParaRPr lang="zh-CN" altLang="en-US"/>
           </a:p>
           <a:p>
             <a:pPr lvl="3"/>
@@ -1330,7 +1020,6 @@
               <a:rPr lang="zh-CN" altLang="en-US"/>
               <a:t>第四级</a:t>
             </a:r>
-            <a:endParaRPr lang="zh-CN" altLang="en-US"/>
           </a:p>
           <a:p>
             <a:pPr lvl="4"/>
@@ -1338,7 +1027,6 @@
               <a:rPr lang="zh-CN" altLang="en-US"/>
               <a:t>第五级</a:t>
             </a:r>
-            <a:endParaRPr lang="zh-CN" altLang="en-US"/>
           </a:p>
         </p:txBody>
       </p:sp>
@@ -1367,7 +1055,6 @@
               <a:rPr lang="zh-CN" altLang="en-US"/>
               <a:t>编辑母版文本样式</a:t>
             </a:r>
-            <a:endParaRPr lang="zh-CN" altLang="en-US"/>
           </a:p>
           <a:p>
             <a:pPr lvl="1"/>
@@ -1375,7 +1062,6 @@
               <a:rPr lang="zh-CN" altLang="en-US"/>
               <a:t>第二级</a:t>
             </a:r>
-            <a:endParaRPr lang="zh-CN" altLang="en-US"/>
           </a:p>
           <a:p>
             <a:pPr lvl="2"/>
@@ -1383,7 +1069,6 @@
               <a:rPr lang="zh-CN" altLang="en-US"/>
               <a:t>第三级</a:t>
             </a:r>
-            <a:endParaRPr lang="zh-CN" altLang="en-US"/>
           </a:p>
           <a:p>
             <a:pPr lvl="3"/>
@@ -1391,7 +1076,6 @@
               <a:rPr lang="zh-CN" altLang="en-US"/>
               <a:t>第四级</a:t>
             </a:r>
-            <a:endParaRPr lang="zh-CN" altLang="en-US"/>
           </a:p>
           <a:p>
             <a:pPr lvl="4"/>
@@ -1399,7 +1083,6 @@
               <a:rPr lang="zh-CN" altLang="en-US"/>
               <a:t>第五级</a:t>
             </a:r>
-            <a:endParaRPr lang="zh-CN" altLang="en-US"/>
           </a:p>
         </p:txBody>
       </p:sp>
@@ -1485,6 +1168,7 @@
           <a:p>
             <a:fld id="{41C36C74-D7D1-45F0-AB40-8D821714F54C}" type="slidenum">
               <a:rPr lang="en-US" altLang="zh-CN"/>
+              <a:t>‹#›</a:t>
             </a:fld>
             <a:endParaRPr lang="en-US" altLang="zh-CN"/>
           </a:p>
@@ -1535,7 +1219,6 @@
               <a:rPr lang="zh-CN" altLang="en-US"/>
               <a:t>单击此处编辑母版文本样式</a:t>
             </a:r>
-            <a:endParaRPr lang="zh-CN" altLang="en-US"/>
           </a:p>
           <a:p>
             <a:pPr lvl="1"/>
@@ -1543,7 +1226,6 @@
               <a:rPr lang="zh-CN" altLang="en-US"/>
               <a:t>第二级</a:t>
             </a:r>
-            <a:endParaRPr lang="zh-CN" altLang="en-US"/>
           </a:p>
           <a:p>
             <a:pPr lvl="2"/>
@@ -1551,7 +1233,6 @@
               <a:rPr lang="zh-CN" altLang="en-US"/>
               <a:t>第三级</a:t>
             </a:r>
-            <a:endParaRPr lang="zh-CN" altLang="en-US"/>
           </a:p>
           <a:p>
             <a:pPr lvl="3"/>
@@ -1559,7 +1240,6 @@
               <a:rPr lang="zh-CN" altLang="en-US"/>
               <a:t>第四级</a:t>
             </a:r>
-            <a:endParaRPr lang="zh-CN" altLang="en-US"/>
           </a:p>
           <a:p>
             <a:pPr lvl="4"/>
@@ -1567,7 +1247,6 @@
               <a:rPr lang="zh-CN" altLang="en-US"/>
               <a:t>第五级</a:t>
             </a:r>
-            <a:endParaRPr lang="zh-CN" altLang="en-US"/>
           </a:p>
         </p:txBody>
       </p:sp>
@@ -1689,7 +1368,6 @@
               <a:rPr lang="zh-CN" altLang="en-US" dirty="0"/>
               <a:t>单击此处编辑母版标题样式</a:t>
             </a:r>
-            <a:endParaRPr lang="zh-CN" altLang="en-US" dirty="0"/>
           </a:p>
         </p:txBody>
       </p:sp>
@@ -1746,7 +1424,6 @@
               <a:rPr lang="zh-CN" altLang="en-US"/>
               <a:t>单击此处编辑母版标题样式</a:t>
             </a:r>
-            <a:endParaRPr lang="zh-CN" altLang="en-US"/>
           </a:p>
         </p:txBody>
       </p:sp>
@@ -1866,7 +1543,6 @@
               <a:rPr lang="zh-CN" altLang="en-US"/>
               <a:t>单击此处编辑母版文本样式</a:t>
             </a:r>
-            <a:endParaRPr lang="zh-CN" altLang="en-US"/>
           </a:p>
         </p:txBody>
       </p:sp>
@@ -1887,6 +1563,7 @@
           <a:p>
             <a:fld id="{82F288E0-7875-42C4-84C8-98DBBD3BF4D2}" type="datetimeFigureOut">
               <a:rPr lang="zh-CN" altLang="en-US" smtClean="0"/>
+              <a:t>2022/1/4</a:t>
             </a:fld>
             <a:endParaRPr lang="zh-CN" altLang="en-US"/>
           </a:p>
@@ -1928,6 +1605,7 @@
           <a:p>
             <a:fld id="{7D9BB5D0-35E4-459D-AEF3-FE4D7C45CC19}" type="slidenum">
               <a:rPr lang="zh-CN" altLang="en-US" smtClean="0"/>
+              <a:t>‹#›</a:t>
             </a:fld>
             <a:endParaRPr lang="zh-CN" altLang="en-US"/>
           </a:p>
@@ -1977,7 +1655,6 @@
               <a:rPr lang="zh-CN" altLang="en-US"/>
               <a:t>单击此处编辑母版标题样式</a:t>
             </a:r>
-            <a:endParaRPr lang="zh-CN" altLang="en-US"/>
           </a:p>
         </p:txBody>
       </p:sp>
@@ -2006,7 +1683,6 @@
               <a:rPr lang="zh-CN" altLang="en-US"/>
               <a:t>单击此处编辑母版文本样式</a:t>
             </a:r>
-            <a:endParaRPr lang="zh-CN" altLang="en-US"/>
           </a:p>
           <a:p>
             <a:pPr lvl="1"/>
@@ -2014,7 +1690,6 @@
               <a:rPr lang="zh-CN" altLang="en-US"/>
               <a:t>第二级</a:t>
             </a:r>
-            <a:endParaRPr lang="zh-CN" altLang="en-US"/>
           </a:p>
           <a:p>
             <a:pPr lvl="2"/>
@@ -2022,7 +1697,6 @@
               <a:rPr lang="zh-CN" altLang="en-US"/>
               <a:t>第三级</a:t>
             </a:r>
-            <a:endParaRPr lang="zh-CN" altLang="en-US"/>
           </a:p>
           <a:p>
             <a:pPr lvl="3"/>
@@ -2030,7 +1704,6 @@
               <a:rPr lang="zh-CN" altLang="en-US"/>
               <a:t>第四级</a:t>
             </a:r>
-            <a:endParaRPr lang="zh-CN" altLang="en-US"/>
           </a:p>
           <a:p>
             <a:pPr lvl="4"/>
@@ -2038,7 +1711,6 @@
               <a:rPr lang="zh-CN" altLang="en-US"/>
               <a:t>第五级</a:t>
             </a:r>
-            <a:endParaRPr lang="zh-CN" altLang="en-US"/>
           </a:p>
         </p:txBody>
       </p:sp>
@@ -2067,7 +1739,6 @@
               <a:rPr lang="zh-CN" altLang="en-US"/>
               <a:t>单击此处编辑母版文本样式</a:t>
             </a:r>
-            <a:endParaRPr lang="zh-CN" altLang="en-US"/>
           </a:p>
           <a:p>
             <a:pPr lvl="1"/>
@@ -2075,7 +1746,6 @@
               <a:rPr lang="zh-CN" altLang="en-US"/>
               <a:t>第二级</a:t>
             </a:r>
-            <a:endParaRPr lang="zh-CN" altLang="en-US"/>
           </a:p>
           <a:p>
             <a:pPr lvl="2"/>
@@ -2083,7 +1753,6 @@
               <a:rPr lang="zh-CN" altLang="en-US"/>
               <a:t>第三级</a:t>
             </a:r>
-            <a:endParaRPr lang="zh-CN" altLang="en-US"/>
           </a:p>
           <a:p>
             <a:pPr lvl="3"/>
@@ -2091,7 +1760,6 @@
               <a:rPr lang="zh-CN" altLang="en-US"/>
               <a:t>第四级</a:t>
             </a:r>
-            <a:endParaRPr lang="zh-CN" altLang="en-US"/>
           </a:p>
           <a:p>
             <a:pPr lvl="4"/>
@@ -2099,7 +1767,6 @@
               <a:rPr lang="zh-CN" altLang="en-US"/>
               <a:t>第五级</a:t>
             </a:r>
-            <a:endParaRPr lang="zh-CN" altLang="en-US"/>
           </a:p>
         </p:txBody>
       </p:sp>
@@ -2120,6 +1787,7 @@
           <a:p>
             <a:fld id="{82F288E0-7875-42C4-84C8-98DBBD3BF4D2}" type="datetimeFigureOut">
               <a:rPr lang="zh-CN" altLang="en-US" smtClean="0"/>
+              <a:t>2022/1/4</a:t>
             </a:fld>
             <a:endParaRPr lang="zh-CN" altLang="en-US"/>
           </a:p>
@@ -2161,6 +1829,7 @@
           <a:p>
             <a:fld id="{7D9BB5D0-35E4-459D-AEF3-FE4D7C45CC19}" type="slidenum">
               <a:rPr lang="zh-CN" altLang="en-US" smtClean="0"/>
+              <a:t>‹#›</a:t>
             </a:fld>
             <a:endParaRPr lang="zh-CN" altLang="en-US"/>
           </a:p>
@@ -2215,7 +1884,6 @@
               <a:rPr lang="zh-CN" altLang="en-US"/>
               <a:t>单击此处编辑母版标题样式</a:t>
             </a:r>
-            <a:endParaRPr lang="zh-CN" altLang="en-US"/>
           </a:p>
         </p:txBody>
       </p:sp>
@@ -2281,7 +1949,6 @@
               <a:rPr lang="zh-CN" altLang="en-US"/>
               <a:t>单击此处编辑母版文本样式</a:t>
             </a:r>
-            <a:endParaRPr lang="zh-CN" altLang="en-US"/>
           </a:p>
         </p:txBody>
       </p:sp>
@@ -2310,7 +1977,6 @@
               <a:rPr lang="zh-CN" altLang="en-US"/>
               <a:t>单击此处编辑母版文本样式</a:t>
             </a:r>
-            <a:endParaRPr lang="zh-CN" altLang="en-US"/>
           </a:p>
           <a:p>
             <a:pPr lvl="1"/>
@@ -2318,7 +1984,6 @@
               <a:rPr lang="zh-CN" altLang="en-US"/>
               <a:t>第二级</a:t>
             </a:r>
-            <a:endParaRPr lang="zh-CN" altLang="en-US"/>
           </a:p>
           <a:p>
             <a:pPr lvl="2"/>
@@ -2326,7 +1991,6 @@
               <a:rPr lang="zh-CN" altLang="en-US"/>
               <a:t>第三级</a:t>
             </a:r>
-            <a:endParaRPr lang="zh-CN" altLang="en-US"/>
           </a:p>
           <a:p>
             <a:pPr lvl="3"/>
@@ -2334,7 +1998,6 @@
               <a:rPr lang="zh-CN" altLang="en-US"/>
               <a:t>第四级</a:t>
             </a:r>
-            <a:endParaRPr lang="zh-CN" altLang="en-US"/>
           </a:p>
           <a:p>
             <a:pPr lvl="4"/>
@@ -2342,7 +2005,6 @@
               <a:rPr lang="zh-CN" altLang="en-US"/>
               <a:t>第五级</a:t>
             </a:r>
-            <a:endParaRPr lang="zh-CN" altLang="en-US"/>
           </a:p>
         </p:txBody>
       </p:sp>
@@ -2408,7 +2070,6 @@
               <a:rPr lang="zh-CN" altLang="en-US"/>
               <a:t>单击此处编辑母版文本样式</a:t>
             </a:r>
-            <a:endParaRPr lang="zh-CN" altLang="en-US"/>
           </a:p>
         </p:txBody>
       </p:sp>
@@ -2437,7 +2098,6 @@
               <a:rPr lang="zh-CN" altLang="en-US"/>
               <a:t>单击此处编辑母版文本样式</a:t>
             </a:r>
-            <a:endParaRPr lang="zh-CN" altLang="en-US"/>
           </a:p>
           <a:p>
             <a:pPr lvl="1"/>
@@ -2445,7 +2105,6 @@
               <a:rPr lang="zh-CN" altLang="en-US"/>
               <a:t>第二级</a:t>
             </a:r>
-            <a:endParaRPr lang="zh-CN" altLang="en-US"/>
           </a:p>
           <a:p>
             <a:pPr lvl="2"/>
@@ -2453,7 +2112,6 @@
               <a:rPr lang="zh-CN" altLang="en-US"/>
               <a:t>第三级</a:t>
             </a:r>
-            <a:endParaRPr lang="zh-CN" altLang="en-US"/>
           </a:p>
           <a:p>
             <a:pPr lvl="3"/>
@@ -2461,7 +2119,6 @@
               <a:rPr lang="zh-CN" altLang="en-US"/>
               <a:t>第四级</a:t>
             </a:r>
-            <a:endParaRPr lang="zh-CN" altLang="en-US"/>
           </a:p>
           <a:p>
             <a:pPr lvl="4"/>
@@ -2469,7 +2126,6 @@
               <a:rPr lang="zh-CN" altLang="en-US"/>
               <a:t>第五级</a:t>
             </a:r>
-            <a:endParaRPr lang="zh-CN" altLang="en-US"/>
           </a:p>
         </p:txBody>
       </p:sp>
@@ -2490,6 +2146,7 @@
           <a:p>
             <a:fld id="{82F288E0-7875-42C4-84C8-98DBBD3BF4D2}" type="datetimeFigureOut">
               <a:rPr lang="zh-CN" altLang="en-US" smtClean="0"/>
+              <a:t>2022/1/4</a:t>
             </a:fld>
             <a:endParaRPr lang="zh-CN" altLang="en-US"/>
           </a:p>
@@ -2531,6 +2188,7 @@
           <a:p>
             <a:fld id="{7D9BB5D0-35E4-459D-AEF3-FE4D7C45CC19}" type="slidenum">
               <a:rPr lang="zh-CN" altLang="en-US" smtClean="0"/>
+              <a:t>‹#›</a:t>
             </a:fld>
             <a:endParaRPr lang="zh-CN" altLang="en-US"/>
           </a:p>
@@ -2578,6 +2236,7 @@
           <a:p>
             <a:fld id="{82F288E0-7875-42C4-84C8-98DBBD3BF4D2}" type="datetimeFigureOut">
               <a:rPr lang="zh-CN" altLang="en-US" smtClean="0"/>
+              <a:t>2022/1/4</a:t>
             </a:fld>
             <a:endParaRPr lang="zh-CN" altLang="en-US"/>
           </a:p>
@@ -2619,6 +2278,7 @@
           <a:p>
             <a:fld id="{7D9BB5D0-35E4-459D-AEF3-FE4D7C45CC19}" type="slidenum">
               <a:rPr lang="zh-CN" altLang="en-US" smtClean="0"/>
+              <a:t>‹#›</a:t>
             </a:fld>
             <a:endParaRPr lang="zh-CN" altLang="en-US"/>
           </a:p>
@@ -2716,7 +2376,6 @@
               <a:rPr lang="zh-CN" altLang="en-US" dirty="0"/>
               <a:t>单击此处编辑母版标题样式</a:t>
             </a:r>
-            <a:endParaRPr lang="zh-CN" altLang="en-US" dirty="0"/>
           </a:p>
         </p:txBody>
       </p:sp>
@@ -2762,6 +2421,7 @@
           <a:p>
             <a:fld id="{82F288E0-7875-42C4-84C8-98DBBD3BF4D2}" type="datetimeFigureOut">
               <a:rPr lang="zh-CN" altLang="en-US" smtClean="0"/>
+              <a:t>2022/1/4</a:t>
             </a:fld>
             <a:endParaRPr lang="zh-CN" altLang="en-US"/>
           </a:p>
@@ -2803,6 +2463,7 @@
           <a:p>
             <a:fld id="{7D9BB5D0-35E4-459D-AEF3-FE4D7C45CC19}" type="slidenum">
               <a:rPr lang="zh-CN" altLang="en-US" smtClean="0"/>
+              <a:t>‹#›</a:t>
             </a:fld>
             <a:endParaRPr lang="zh-CN" altLang="en-US"/>
           </a:p>
@@ -2909,7 +2570,6 @@
               <a:rPr lang="zh-CN" altLang="en-US"/>
               <a:t>单击此处编辑母版标题样式</a:t>
             </a:r>
-            <a:endParaRPr lang="zh-CN" altLang="en-US"/>
           </a:p>
         </p:txBody>
       </p:sp>
@@ -3036,7 +2696,6 @@
               <a:rPr lang="zh-CN" altLang="en-US"/>
               <a:t>单击此处编辑母版文本样式</a:t>
             </a:r>
-            <a:endParaRPr lang="zh-CN" altLang="en-US"/>
           </a:p>
         </p:txBody>
       </p:sp>
@@ -3057,6 +2716,7 @@
           <a:p>
             <a:fld id="{82F288E0-7875-42C4-84C8-98DBBD3BF4D2}" type="datetimeFigureOut">
               <a:rPr lang="zh-CN" altLang="en-US" smtClean="0"/>
+              <a:t>2022/1/4</a:t>
             </a:fld>
             <a:endParaRPr lang="zh-CN" altLang="en-US"/>
           </a:p>
@@ -3098,6 +2758,7 @@
           <a:p>
             <a:fld id="{7D9BB5D0-35E4-459D-AEF3-FE4D7C45CC19}" type="slidenum">
               <a:rPr lang="zh-CN" altLang="en-US" smtClean="0"/>
+              <a:t>‹#›</a:t>
             </a:fld>
             <a:endParaRPr lang="zh-CN" altLang="en-US"/>
           </a:p>
@@ -3152,7 +2813,6 @@
               <a:rPr lang="zh-CN" altLang="en-US"/>
               <a:t>单击此处编辑母版标题样式</a:t>
             </a:r>
-            <a:endParaRPr lang="zh-CN" altLang="en-US"/>
           </a:p>
         </p:txBody>
       </p:sp>
@@ -3181,7 +2841,6 @@
               <a:rPr lang="zh-CN" altLang="en-US"/>
               <a:t>单击此处编辑母版文本样式</a:t>
             </a:r>
-            <a:endParaRPr lang="zh-CN" altLang="en-US"/>
           </a:p>
           <a:p>
             <a:pPr lvl="1"/>
@@ -3189,7 +2848,6 @@
               <a:rPr lang="zh-CN" altLang="en-US"/>
               <a:t>第二级</a:t>
             </a:r>
-            <a:endParaRPr lang="zh-CN" altLang="en-US"/>
           </a:p>
           <a:p>
             <a:pPr lvl="2"/>
@@ -3197,7 +2855,6 @@
               <a:rPr lang="zh-CN" altLang="en-US"/>
               <a:t>第三级</a:t>
             </a:r>
-            <a:endParaRPr lang="zh-CN" altLang="en-US"/>
           </a:p>
           <a:p>
             <a:pPr lvl="3"/>
@@ -3205,7 +2862,6 @@
               <a:rPr lang="zh-CN" altLang="en-US"/>
               <a:t>第四级</a:t>
             </a:r>
-            <a:endParaRPr lang="zh-CN" altLang="en-US"/>
           </a:p>
           <a:p>
             <a:pPr lvl="4"/>
@@ -3213,7 +2869,6 @@
               <a:rPr lang="zh-CN" altLang="en-US"/>
               <a:t>第五级</a:t>
             </a:r>
-            <a:endParaRPr lang="zh-CN" altLang="en-US"/>
           </a:p>
         </p:txBody>
       </p:sp>
@@ -3234,6 +2889,7 @@
           <a:p>
             <a:fld id="{82F288E0-7875-42C4-84C8-98DBBD3BF4D2}" type="datetimeFigureOut">
               <a:rPr lang="zh-CN" altLang="en-US" smtClean="0"/>
+              <a:t>2022/1/4</a:t>
             </a:fld>
             <a:endParaRPr lang="zh-CN" altLang="en-US"/>
           </a:p>
@@ -3275,6 +2931,7 @@
           <a:p>
             <a:fld id="{7D9BB5D0-35E4-459D-AEF3-FE4D7C45CC19}" type="slidenum">
               <a:rPr lang="zh-CN" altLang="en-US" smtClean="0"/>
+              <a:t>‹#›</a:t>
             </a:fld>
             <a:endParaRPr lang="zh-CN" altLang="en-US"/>
           </a:p>
@@ -3339,7 +2996,6 @@
               <a:rPr lang="zh-CN" altLang="en-US"/>
               <a:t>单击此处编辑母版标题样式</a:t>
             </a:r>
-            <a:endParaRPr lang="zh-CN" altLang="en-US"/>
           </a:p>
         </p:txBody>
       </p:sp>
@@ -3373,7 +3029,6 @@
               <a:rPr lang="zh-CN" altLang="en-US"/>
               <a:t>单击此处编辑母版文本样式</a:t>
             </a:r>
-            <a:endParaRPr lang="zh-CN" altLang="en-US"/>
           </a:p>
           <a:p>
             <a:pPr lvl="1"/>
@@ -3381,7 +3036,6 @@
               <a:rPr lang="zh-CN" altLang="en-US"/>
               <a:t>第二级</a:t>
             </a:r>
-            <a:endParaRPr lang="zh-CN" altLang="en-US"/>
           </a:p>
           <a:p>
             <a:pPr lvl="2"/>
@@ -3389,7 +3043,6 @@
               <a:rPr lang="zh-CN" altLang="en-US"/>
               <a:t>第三级</a:t>
             </a:r>
-            <a:endParaRPr lang="zh-CN" altLang="en-US"/>
           </a:p>
           <a:p>
             <a:pPr lvl="3"/>
@@ -3397,7 +3050,6 @@
               <a:rPr lang="zh-CN" altLang="en-US"/>
               <a:t>第四级</a:t>
             </a:r>
-            <a:endParaRPr lang="zh-CN" altLang="en-US"/>
           </a:p>
           <a:p>
             <a:pPr lvl="4"/>
@@ -3405,7 +3057,6 @@
               <a:rPr lang="zh-CN" altLang="en-US"/>
               <a:t>第五级</a:t>
             </a:r>
-            <a:endParaRPr lang="zh-CN" altLang="en-US"/>
           </a:p>
         </p:txBody>
       </p:sp>
@@ -3444,6 +3095,7 @@
           <a:p>
             <a:fld id="{82F288E0-7875-42C4-84C8-98DBBD3BF4D2}" type="datetimeFigureOut">
               <a:rPr lang="zh-CN" altLang="en-US" smtClean="0"/>
+              <a:t>2022/1/4</a:t>
             </a:fld>
             <a:endParaRPr lang="zh-CN" altLang="en-US"/>
           </a:p>
@@ -3521,6 +3173,7 @@
           <a:p>
             <a:fld id="{7D9BB5D0-35E4-459D-AEF3-FE4D7C45CC19}" type="slidenum">
               <a:rPr lang="zh-CN" altLang="en-US" smtClean="0"/>
+              <a:t>‹#›</a:t>
             </a:fld>
             <a:endParaRPr lang="zh-CN" altLang="en-US"/>
           </a:p>
@@ -3852,7 +3505,7 @@
           <p:nvPr/>
         </p:nvPicPr>
         <p:blipFill>
-          <a:blip r:embed="rId1" cstate="print"/>
+          <a:blip r:embed="rId2" cstate="print"/>
           <a:stretch>
             <a:fillRect/>
           </a:stretch>
@@ -3927,10 +3580,6 @@
               </a:rPr>
               <a:t>电子科技大学机械与电气工程学院</a:t>
             </a:r>
-            <a:endParaRPr lang="zh-CN" altLang="en-US" sz="1380" dirty="0">
-              <a:latin typeface="微软雅黑" panose="020B0503020204020204" pitchFamily="34" charset="-122"/>
-              <a:ea typeface="微软雅黑" panose="020B0503020204020204" pitchFamily="34" charset="-122"/>
-            </a:endParaRPr>
           </a:p>
         </p:txBody>
       </p:sp>
@@ -3963,10 +3612,6 @@
               </a:rPr>
               <a:t>School of Mechanical and Electrical Engineering</a:t>
             </a:r>
-            <a:endParaRPr lang="zh-CN" altLang="en-US" sz="920" dirty="0">
-              <a:latin typeface="微软雅黑" panose="020B0503020204020204" pitchFamily="34" charset="-122"/>
-              <a:ea typeface="微软雅黑" panose="020B0503020204020204" pitchFamily="34" charset="-122"/>
-            </a:endParaRPr>
           </a:p>
         </p:txBody>
       </p:sp>
@@ -4014,7 +3659,7 @@
           <p:nvPr/>
         </p:nvPicPr>
         <p:blipFill>
-          <a:blip r:embed="rId2" cstate="print"/>
+          <a:blip r:embed="rId3" cstate="print"/>
           <a:stretch>
             <a:fillRect/>
           </a:stretch>
@@ -4062,13 +3707,6 @@
               </a:rPr>
               <a:t>www.smee.uestc.edu.cn</a:t>
             </a:r>
-            <a:endParaRPr lang="zh-CN" altLang="en-US" sz="900">
-              <a:solidFill>
-                <a:srgbClr val="183884"/>
-              </a:solidFill>
-              <a:latin typeface="方正兰亭粗黑简体" panose="02000000000000000000" charset="-122"/>
-              <a:ea typeface="方正兰亭粗黑简体" panose="02000000000000000000" charset="-122"/>
-            </a:endParaRPr>
           </a:p>
         </p:txBody>
       </p:sp>
@@ -4081,7 +3719,7 @@
           <p:nvPr/>
         </p:nvPicPr>
         <p:blipFill>
-          <a:blip r:embed="rId3" cstate="print"/>
+          <a:blip r:embed="rId4" cstate="print"/>
           <a:stretch>
             <a:fillRect/>
           </a:stretch>
@@ -4105,7 +3743,7 @@
           <p:nvPr/>
         </p:nvPicPr>
         <p:blipFill>
-          <a:blip r:embed="rId4" cstate="print">
+          <a:blip r:embed="rId5" cstate="print">
             <a:extLst>
               <a:ext uri="{28A0092B-C50C-407E-A947-70E740481C1C}">
                 <a14:useLocalDpi xmlns:a14="http://schemas.microsoft.com/office/drawing/2010/main" val="0"/>
@@ -4165,14 +3803,6 @@
               </a:rPr>
               <a:t>新型电隔离预应力锚固体系的性能研究</a:t>
             </a:r>
-            <a:endParaRPr lang="zh-CN" altLang="en-US" sz="3600" b="1" dirty="0">
-              <a:solidFill>
-                <a:srgbClr val="183783"/>
-              </a:solidFill>
-              <a:latin typeface="微软雅黑" panose="020B0503020204020204" pitchFamily="34" charset="-122"/>
-              <a:ea typeface="微软雅黑" panose="020B0503020204020204" pitchFamily="34" charset="-122"/>
-              <a:cs typeface="微软雅黑" panose="020B0503020204020204" pitchFamily="34" charset="-122"/>
-            </a:endParaRPr>
           </a:p>
         </p:txBody>
       </p:sp>
@@ -4205,10 +3835,6 @@
               </a:rPr>
               <a:t>答辩人：施杰越</a:t>
             </a:r>
-            <a:endParaRPr lang="zh-CN" altLang="en-US" sz="2000" b="1" dirty="0">
-              <a:latin typeface="微软雅黑" panose="020B0503020204020204" pitchFamily="34" charset="-122"/>
-              <a:ea typeface="微软雅黑" panose="020B0503020204020204" pitchFamily="34" charset="-122"/>
-            </a:endParaRPr>
           </a:p>
           <a:p>
             <a:r>
@@ -4218,10 +3844,6 @@
               </a:rPr>
               <a:t>指导教师：李坚</a:t>
             </a:r>
-            <a:endParaRPr lang="zh-CN" altLang="en-US" sz="2000" b="1" dirty="0">
-              <a:latin typeface="微软雅黑" panose="020B0503020204020204" pitchFamily="34" charset="-122"/>
-              <a:ea typeface="微软雅黑" panose="020B0503020204020204" pitchFamily="34" charset="-122"/>
-            </a:endParaRPr>
           </a:p>
           <a:p>
             <a:r>
@@ -4231,10 +3853,6 @@
               </a:rPr>
               <a:t>校外指导教师：邹易清</a:t>
             </a:r>
-            <a:endParaRPr lang="zh-CN" altLang="en-US" sz="2000" b="1" dirty="0">
-              <a:latin typeface="微软雅黑" panose="020B0503020204020204" pitchFamily="34" charset="-122"/>
-              <a:ea typeface="微软雅黑" panose="020B0503020204020204" pitchFamily="34" charset="-122"/>
-            </a:endParaRPr>
           </a:p>
         </p:txBody>
       </p:sp>
@@ -4265,53 +3883,104 @@
       </p:grpSpPr>
       <p:sp>
         <p:nvSpPr>
-          <p:cNvPr id="5" name="矩形 4"/>
-          <p:cNvSpPr/>
+          <p:cNvPr id="9" name="文本框 4"/>
+          <p:cNvSpPr txBox="1"/>
           <p:nvPr/>
         </p:nvSpPr>
         <p:spPr>
           <a:xfrm>
-            <a:off x="-31750" y="-19050"/>
-            <a:ext cx="12242165" cy="6887845"/>
+            <a:off x="376974" y="898927"/>
+            <a:ext cx="11412504" cy="891540"/>
           </a:xfrm>
           <a:prstGeom prst="rect">
             <a:avLst/>
           </a:prstGeom>
-          <a:solidFill>
-            <a:srgbClr val="00468B"/>
-          </a:solidFill>
-          <a:ln>
-            <a:noFill/>
-          </a:ln>
-        </p:spPr>
-        <p:style>
-          <a:lnRef idx="2">
-            <a:schemeClr val="accent1">
-              <a:shade val="50000"/>
-            </a:schemeClr>
-          </a:lnRef>
-          <a:fillRef idx="1">
-            <a:schemeClr val="accent1"/>
-          </a:fillRef>
-          <a:effectRef idx="0">
-            <a:schemeClr val="accent1"/>
-          </a:effectRef>
-          <a:fontRef idx="minor">
-            <a:schemeClr val="lt1"/>
-          </a:fontRef>
-        </p:style>
-        <p:txBody>
-          <a:bodyPr rtlCol="0" anchor="ctr"/>
-          <a:lstStyle/>
-          <a:p>
-            <a:pPr algn="ctr"/>
-            <a:endParaRPr lang="zh-CN" altLang="en-US"/>
+          <a:noFill/>
+        </p:spPr>
+        <p:txBody>
+          <a:bodyPr wrap="square" rtlCol="0">
+            <a:spAutoFit/>
+          </a:bodyPr>
+          <a:lstStyle/>
+          <a:p>
+            <a:pPr marL="457200" indent="-457200">
+              <a:buFont typeface="Arial" panose="020B0604020202020204" pitchFamily="34" charset="0"/>
+              <a:buChar char="•"/>
+            </a:pPr>
+            <a:r>
+              <a:rPr lang="zh-CN" altLang="en-US" sz="2800" b="1" dirty="0">
+                <a:solidFill>
+                  <a:srgbClr val="7030A0"/>
+                </a:solidFill>
+                <a:latin typeface="微软雅黑" panose="020B0503020204020204" pitchFamily="34" charset="-122"/>
+                <a:ea typeface="微软雅黑" panose="020B0503020204020204" pitchFamily="34" charset="-122"/>
+              </a:rPr>
+              <a:t>研究意义</a:t>
+            </a:r>
+            <a:endParaRPr lang="en-US" altLang="zh-CN" sz="2800" b="1" dirty="0">
+              <a:solidFill>
+                <a:srgbClr val="7030A0"/>
+              </a:solidFill>
+              <a:latin typeface="微软雅黑" panose="020B0503020204020204" pitchFamily="34" charset="-122"/>
+              <a:ea typeface="微软雅黑" panose="020B0503020204020204" pitchFamily="34" charset="-122"/>
+            </a:endParaRPr>
+          </a:p>
+          <a:p>
+            <a:endParaRPr lang="zh-CN" altLang="en-US" sz="2400" b="1" dirty="0">
+              <a:solidFill>
+                <a:srgbClr val="7030A0"/>
+              </a:solidFill>
+              <a:latin typeface="微软雅黑" panose="020B0503020204020204" pitchFamily="34" charset="-122"/>
+              <a:ea typeface="微软雅黑" panose="020B0503020204020204" pitchFamily="34" charset="-122"/>
+            </a:endParaRPr>
+          </a:p>
+        </p:txBody>
+      </p:sp>
+      <p:sp>
+        <p:nvSpPr>
+          <p:cNvPr id="36" name="文本框 13"/>
+          <p:cNvSpPr txBox="1"/>
+          <p:nvPr/>
+        </p:nvSpPr>
+        <p:spPr>
+          <a:xfrm>
+            <a:off x="1261297" y="137443"/>
+            <a:ext cx="2209165" cy="583565"/>
+          </a:xfrm>
+          <a:prstGeom prst="rect">
+            <a:avLst/>
+          </a:prstGeom>
+          <a:noFill/>
+        </p:spPr>
+        <p:txBody>
+          <a:bodyPr wrap="none" rtlCol="0">
+            <a:spAutoFit/>
+          </a:bodyPr>
+          <a:lstStyle/>
+          <a:p>
+            <a:pPr marL="342900" indent="-342900">
+              <a:spcBef>
+                <a:spcPts val="1200"/>
+              </a:spcBef>
+              <a:buFont typeface="Wingdings" panose="05000000000000000000" pitchFamily="2" charset="2"/>
+              <a:buChar char="u"/>
+            </a:pPr>
+            <a:r>
+              <a:rPr lang="zh-CN" altLang="en-US" sz="3200" b="1" dirty="0">
+                <a:solidFill>
+                  <a:srgbClr val="CC9933"/>
+                </a:solidFill>
+                <a:latin typeface="微软雅黑" panose="020B0503020204020204" pitchFamily="34" charset="-122"/>
+                <a:ea typeface="微软雅黑" panose="020B0503020204020204" pitchFamily="34" charset="-122"/>
+              </a:rPr>
+              <a:t>研究问题</a:t>
+            </a:r>
           </a:p>
         </p:txBody>
       </p:sp>
       <p:cxnSp>
         <p:nvCxnSpPr>
-          <p:cNvPr id="21" name="直接连接符 20"/>
+          <p:cNvPr id="38" name="直接连接符 37"/>
           <p:cNvCxnSpPr/>
           <p:nvPr/>
         </p:nvCxnSpPr>
@@ -4325,7 +3994,7 @@
           </a:prstGeom>
           <a:ln w="9525">
             <a:solidFill>
-              <a:schemeClr val="bg1"/>
+              <a:schemeClr val="tx1"/>
             </a:solidFill>
           </a:ln>
         </p:spPr>
@@ -4344,273 +4013,6 @@
           </a:fontRef>
         </p:style>
       </p:cxnSp>
-      <p:sp>
-        <p:nvSpPr>
-          <p:cNvPr id="16" name="文本框 13"/>
-          <p:cNvSpPr txBox="1"/>
-          <p:nvPr/>
-        </p:nvSpPr>
-        <p:spPr>
-          <a:xfrm>
-            <a:off x="1261297" y="137443"/>
-            <a:ext cx="2811780" cy="303530"/>
-          </a:xfrm>
-          <a:prstGeom prst="rect">
-            <a:avLst/>
-          </a:prstGeom>
-          <a:noFill/>
-        </p:spPr>
-        <p:txBody>
-          <a:bodyPr wrap="none" rtlCol="0">
-            <a:spAutoFit/>
-          </a:bodyPr>
-          <a:lstStyle/>
-          <a:p>
-            <a:pPr algn="l"/>
-            <a:r>
-              <a:rPr lang="zh-CN" altLang="en-US" sz="1380" dirty="0">
-                <a:solidFill>
-                  <a:schemeClr val="bg1"/>
-                </a:solidFill>
-                <a:latin typeface="微软雅黑" panose="020B0503020204020204" pitchFamily="34" charset="-122"/>
-                <a:ea typeface="微软雅黑" panose="020B0503020204020204" pitchFamily="34" charset="-122"/>
-              </a:rPr>
-              <a:t>电子科技大学机械与电气工程学院</a:t>
-            </a:r>
-            <a:endParaRPr lang="zh-CN" altLang="en-US" sz="1380" dirty="0">
-              <a:solidFill>
-                <a:schemeClr val="bg1"/>
-              </a:solidFill>
-              <a:latin typeface="微软雅黑" panose="020B0503020204020204" pitchFamily="34" charset="-122"/>
-              <a:ea typeface="微软雅黑" panose="020B0503020204020204" pitchFamily="34" charset="-122"/>
-            </a:endParaRPr>
-          </a:p>
-        </p:txBody>
-      </p:sp>
-      <p:sp>
-        <p:nvSpPr>
-          <p:cNvPr id="17" name="文本框 15"/>
-          <p:cNvSpPr txBox="1"/>
-          <p:nvPr/>
-        </p:nvSpPr>
-        <p:spPr>
-          <a:xfrm>
-            <a:off x="1265107" y="385093"/>
-            <a:ext cx="2880360" cy="232410"/>
-          </a:xfrm>
-          <a:prstGeom prst="rect">
-            <a:avLst/>
-          </a:prstGeom>
-          <a:noFill/>
-        </p:spPr>
-        <p:txBody>
-          <a:bodyPr wrap="square" rtlCol="0">
-            <a:spAutoFit/>
-          </a:bodyPr>
-          <a:lstStyle/>
-          <a:p>
-            <a:r>
-              <a:rPr lang="zh-CN" altLang="en-US" sz="920" dirty="0">
-                <a:solidFill>
-                  <a:schemeClr val="bg1"/>
-                </a:solidFill>
-                <a:latin typeface="微软雅黑" panose="020B0503020204020204" pitchFamily="34" charset="-122"/>
-                <a:ea typeface="微软雅黑" panose="020B0503020204020204" pitchFamily="34" charset="-122"/>
-              </a:rPr>
-              <a:t>School of Mechanical and Electrical Engineering</a:t>
-            </a:r>
-            <a:endParaRPr lang="zh-CN" altLang="en-US" sz="920" dirty="0">
-              <a:solidFill>
-                <a:schemeClr val="bg1"/>
-              </a:solidFill>
-              <a:latin typeface="微软雅黑" panose="020B0503020204020204" pitchFamily="34" charset="-122"/>
-              <a:ea typeface="微软雅黑" panose="020B0503020204020204" pitchFamily="34" charset="-122"/>
-            </a:endParaRPr>
-          </a:p>
-        </p:txBody>
-      </p:sp>
-      <p:cxnSp>
-        <p:nvCxnSpPr>
-          <p:cNvPr id="18" name="直接连接符 17"/>
-          <p:cNvCxnSpPr/>
-          <p:nvPr/>
-        </p:nvCxnSpPr>
-        <p:spPr>
-          <a:xfrm>
-            <a:off x="1180017" y="44098"/>
-            <a:ext cx="0" cy="645160"/>
-          </a:xfrm>
-          <a:prstGeom prst="line">
-            <a:avLst/>
-          </a:prstGeom>
-          <a:ln w="9525">
-            <a:solidFill>
-              <a:schemeClr val="bg1"/>
-            </a:solidFill>
-          </a:ln>
-        </p:spPr>
-        <p:style>
-          <a:lnRef idx="1">
-            <a:schemeClr val="accent1"/>
-          </a:lnRef>
-          <a:fillRef idx="0">
-            <a:schemeClr val="accent1"/>
-          </a:fillRef>
-          <a:effectRef idx="0">
-            <a:schemeClr val="accent1"/>
-          </a:effectRef>
-          <a:fontRef idx="minor">
-            <a:schemeClr val="tx1"/>
-          </a:fontRef>
-        </p:style>
-      </p:cxnSp>
-      <p:pic>
-        <p:nvPicPr>
-          <p:cNvPr id="22" name="图片 21"/>
-          <p:cNvPicPr>
-            <a:picLocks noChangeAspect="1"/>
-          </p:cNvPicPr>
-          <p:nvPr/>
-        </p:nvPicPr>
-        <p:blipFill>
-          <a:blip r:embed="rId1" cstate="print">
-            <a:extLst>
-              <a:ext uri="{28A0092B-C50C-407E-A947-70E740481C1C}">
-                <a14:useLocalDpi xmlns:a14="http://schemas.microsoft.com/office/drawing/2010/main" val="0"/>
-              </a:ext>
-            </a:extLst>
-          </a:blip>
-          <a:stretch>
-            <a:fillRect/>
-          </a:stretch>
-        </p:blipFill>
-        <p:spPr>
-          <a:xfrm>
-            <a:off x="384649" y="26500"/>
-            <a:ext cx="583162" cy="680356"/>
-          </a:xfrm>
-          <a:prstGeom prst="rect">
-            <a:avLst/>
-          </a:prstGeom>
-        </p:spPr>
-      </p:pic>
-      <p:pic>
-        <p:nvPicPr>
-          <p:cNvPr id="23" name="图片 22" descr="03-1"/>
-          <p:cNvPicPr>
-            <a:picLocks noChangeAspect="1"/>
-          </p:cNvPicPr>
-          <p:nvPr/>
-        </p:nvPicPr>
-        <p:blipFill>
-          <a:blip r:embed="rId2" cstate="print"/>
-          <a:stretch>
-            <a:fillRect/>
-          </a:stretch>
-        </p:blipFill>
-        <p:spPr>
-          <a:xfrm>
-            <a:off x="2389505" y="5318125"/>
-            <a:ext cx="7412990" cy="1551305"/>
-          </a:xfrm>
-          <a:prstGeom prst="rect">
-            <a:avLst/>
-          </a:prstGeom>
-        </p:spPr>
-      </p:pic>
-      <p:sp>
-        <p:nvSpPr>
-          <p:cNvPr id="2" name="矩形 1"/>
-          <p:cNvSpPr/>
-          <p:nvPr/>
-        </p:nvSpPr>
-        <p:spPr>
-          <a:xfrm>
-            <a:off x="2672731" y="1452642"/>
-            <a:ext cx="1135380" cy="2399665"/>
-          </a:xfrm>
-          <a:prstGeom prst="rect">
-            <a:avLst/>
-          </a:prstGeom>
-          <a:noFill/>
-        </p:spPr>
-        <p:txBody>
-          <a:bodyPr wrap="none" lIns="91440" tIns="45720" rIns="91440" bIns="45720">
-            <a:spAutoFit/>
-            <a:scene3d>
-              <a:camera prst="orthographicFront"/>
-              <a:lightRig rig="soft" dir="t">
-                <a:rot lat="0" lon="0" rev="15600000"/>
-              </a:lightRig>
-            </a:scene3d>
-            <a:sp3d extrusionH="57150" prstMaterial="softEdge">
-              <a:bevelT w="25400" h="38100"/>
-            </a:sp3d>
-          </a:bodyPr>
-          <a:lstStyle/>
-          <a:p>
-            <a:pPr algn="ctr"/>
-            <a:r>
-              <a:rPr lang="en-US" altLang="zh-CN" sz="15000" b="1" i="1" dirty="0">
-                <a:solidFill>
-                  <a:schemeClr val="accent4"/>
-                </a:solidFill>
-                <a:latin typeface="Times New Roman" panose="02020603050405020304" pitchFamily="18" charset="0"/>
-                <a:cs typeface="Times New Roman" panose="02020603050405020304" pitchFamily="18" charset="0"/>
-              </a:rPr>
-              <a:t>3</a:t>
-            </a:r>
-            <a:endParaRPr lang="en-US" altLang="zh-CN" sz="15000" b="1" i="1" dirty="0">
-              <a:solidFill>
-                <a:schemeClr val="accent4"/>
-              </a:solidFill>
-              <a:latin typeface="Times New Roman" panose="02020603050405020304" pitchFamily="18" charset="0"/>
-              <a:cs typeface="Times New Roman" panose="02020603050405020304" pitchFamily="18" charset="0"/>
-            </a:endParaRPr>
-          </a:p>
-        </p:txBody>
-      </p:sp>
-      <p:sp>
-        <p:nvSpPr>
-          <p:cNvPr id="3" name="文本框 2"/>
-          <p:cNvSpPr txBox="1"/>
-          <p:nvPr/>
-        </p:nvSpPr>
-        <p:spPr>
-          <a:xfrm>
-            <a:off x="4727575" y="2238375"/>
-            <a:ext cx="2723515" cy="829945"/>
-          </a:xfrm>
-          <a:prstGeom prst="rect">
-            <a:avLst/>
-          </a:prstGeom>
-          <a:noFill/>
-        </p:spPr>
-        <p:txBody>
-          <a:bodyPr wrap="square" rtlCol="0">
-            <a:spAutoFit/>
-          </a:bodyPr>
-          <a:p>
-            <a:r>
-              <a:rPr lang="zh-CN" altLang="en-US" sz="4800" b="1">
-                <a:solidFill>
-                  <a:schemeClr val="accent4"/>
-                </a:solidFill>
-                <a:latin typeface="微软雅黑" panose="020B0503020204020204" pitchFamily="34" charset="-122"/>
-                <a:ea typeface="微软雅黑" panose="020B0503020204020204" pitchFamily="34" charset="-122"/>
-              </a:rPr>
-              <a:t>研究问题</a:t>
-            </a:r>
-            <a:endParaRPr lang="zh-CN" altLang="en-US" sz="4800" b="1">
-              <a:solidFill>
-                <a:schemeClr val="accent4"/>
-              </a:solidFill>
-              <a:latin typeface="微软雅黑" panose="020B0503020204020204" pitchFamily="34" charset="-122"/>
-              <a:ea typeface="微软雅黑" panose="020B0503020204020204" pitchFamily="34" charset="-122"/>
-            </a:endParaRPr>
-          </a:p>
-        </p:txBody>
-      </p:sp>
     </p:spTree>
   </p:cSld>
   <p:clrMapOvr>
@@ -4645,7 +4047,7 @@
         <p:spPr>
           <a:xfrm>
             <a:off x="376974" y="898927"/>
-            <a:ext cx="11412504" cy="891540"/>
+            <a:ext cx="11412504" cy="521970"/>
           </a:xfrm>
           <a:prstGeom prst="rect">
             <a:avLst/>
@@ -4670,17 +4072,8 @@
                 <a:latin typeface="微软雅黑" panose="020B0503020204020204" pitchFamily="34" charset="-122"/>
                 <a:ea typeface="微软雅黑" panose="020B0503020204020204" pitchFamily="34" charset="-122"/>
               </a:rPr>
-              <a:t>研究意义</a:t>
-            </a:r>
-            <a:endParaRPr lang="en-US" altLang="zh-CN" sz="2800" b="1" dirty="0">
-              <a:solidFill>
-                <a:srgbClr val="7030A0"/>
-              </a:solidFill>
-              <a:latin typeface="微软雅黑" panose="020B0503020204020204" pitchFamily="34" charset="-122"/>
-              <a:ea typeface="微软雅黑" panose="020B0503020204020204" pitchFamily="34" charset="-122"/>
-            </a:endParaRPr>
-          </a:p>
-          <a:p>
+              <a:t>预应力混凝土结构腐蚀机理和电隔离防护原理分析</a:t>
+            </a:r>
             <a:endParaRPr lang="zh-CN" altLang="en-US" sz="2400" b="1" dirty="0">
               <a:solidFill>
                 <a:srgbClr val="7030A0"/>
@@ -4728,15 +4121,8 @@
                 <a:latin typeface="微软雅黑" panose="020B0503020204020204" pitchFamily="34" charset="-122"/>
                 <a:ea typeface="微软雅黑" panose="020B0503020204020204" pitchFamily="34" charset="-122"/>
               </a:rPr>
-              <a:t>研究问题</a:t>
-            </a:r>
-            <a:endParaRPr lang="zh-CN" altLang="en-US" sz="3200" b="1" dirty="0">
-              <a:solidFill>
-                <a:srgbClr val="CC9933"/>
-              </a:solidFill>
-              <a:latin typeface="微软雅黑" panose="020B0503020204020204" pitchFamily="34" charset="-122"/>
-              <a:ea typeface="微软雅黑" panose="020B0503020204020204" pitchFamily="34" charset="-122"/>
-            </a:endParaRPr>
+              <a:t>研究内容</a:t>
+            </a:r>
           </a:p>
         </p:txBody>
       </p:sp>
@@ -4777,14 +4163,14 @@
       </p:cxnSp>
       <p:sp>
         <p:nvSpPr>
-          <p:cNvPr id="3" name="文本框 2"/>
+          <p:cNvPr id="100" name="文本框 99"/>
           <p:cNvSpPr txBox="1"/>
           <p:nvPr/>
         </p:nvSpPr>
         <p:spPr>
           <a:xfrm>
-            <a:off x="748030" y="2299335"/>
-            <a:ext cx="5587365" cy="3046095"/>
+            <a:off x="578485" y="2073275"/>
+            <a:ext cx="11009630" cy="4154170"/>
           </a:xfrm>
           <a:prstGeom prst="rect">
             <a:avLst/>
@@ -4798,64 +4184,37 @@
           <a:bodyPr wrap="square">
             <a:spAutoFit/>
           </a:bodyPr>
-          <a:p>
-            <a:pPr indent="0"/>
+          <a:lstStyle/>
+          <a:p>
+            <a:pPr indent="609600" fontAlgn="auto">
+              <a:extLst>
+                <a:ext uri="{35155182-B16C-46BC-9424-99874614C6A1}">
+                  <wpsdc:indentchars xmlns:wpsdc="http://www.wps.cn/officeDocument/2017/drawingmlCustomData" xmlns="" val="200" checksum="4158780845"/>
+                </a:ext>
+              </a:extLst>
+            </a:pPr>
             <a:r>
               <a:rPr lang="zh-CN" sz="2400" b="0">
                 <a:latin typeface="Times New Roman" panose="02020603050405020304" pitchFamily="18" charset="0"/>
                 <a:ea typeface="宋体" panose="02010600030101010101" pitchFamily="2" charset="-122"/>
               </a:rPr>
-              <a:t>近年来，各国已建、在建和将建的</a:t>
-            </a:r>
-            <a:r>
-              <a:rPr lang="zh-CN" sz="2400" b="1">
-                <a:solidFill>
-                  <a:srgbClr val="FFC000"/>
-                </a:solidFill>
-                <a:latin typeface="Times New Roman" panose="02020603050405020304" pitchFamily="18" charset="0"/>
-                <a:ea typeface="宋体" panose="02010600030101010101" pitchFamily="2" charset="-122"/>
-              </a:rPr>
-              <a:t>跨海大桥、海底隧道、海港码头以及沿海地区、除冰盐地区兴建的高速铁路、高速公路、桥梁、工业建筑</a:t>
-            </a:r>
+              <a:t>国内外已经有很多关于预应力筋腐蚀原因分析的研究，在对预应力筋进行防护之前需要分析其腐蚀原因和过程。本论文通过查阅国内外相关文献，得到预应力构件遭受周围环境的氯化物、杂散电流的侵蚀机理；提取影响预应力构件腐蚀进展的关键特征参量，为电隔离防护体系的建立提供依据。</a:t>
+            </a:r>
+          </a:p>
+          <a:p>
+            <a:pPr indent="609600" fontAlgn="auto">
+              <a:extLst>
+                <a:ext uri="{35155182-B16C-46BC-9424-99874614C6A1}">
+                  <wpsdc:indentchars xmlns:wpsdc="http://www.wps.cn/officeDocument/2017/drawingmlCustomData" xmlns="" val="200" checksum="4158780845"/>
+                </a:ext>
+              </a:extLst>
+            </a:pPr>
             <a:r>
               <a:rPr lang="zh-CN" sz="2400" b="0">
                 <a:latin typeface="Times New Roman" panose="02020603050405020304" pitchFamily="18" charset="0"/>
                 <a:ea typeface="宋体" panose="02010600030101010101" pitchFamily="2" charset="-122"/>
               </a:rPr>
-              <a:t>等重大工程都广泛采用预应力混凝土结构，这些环境下结构的耐久性面临巨大挑战，如何对结构进行良好的腐蚀防护和监测成为了研究的重点</a:t>
-            </a:r>
-            <a:endParaRPr lang="zh-CN" altLang="en-US" sz="2400"/>
-          </a:p>
-        </p:txBody>
-      </p:sp>
-      <p:sp>
-        <p:nvSpPr>
-          <p:cNvPr id="5" name="文本框 4"/>
-          <p:cNvSpPr txBox="1"/>
-          <p:nvPr/>
-        </p:nvSpPr>
-        <p:spPr>
-          <a:xfrm>
-            <a:off x="6335395" y="2299335"/>
-            <a:ext cx="5587365" cy="3046095"/>
-          </a:xfrm>
-          <a:prstGeom prst="rect">
-            <a:avLst/>
-          </a:prstGeom>
-          <a:noFill/>
-          <a:ln w="9525">
-            <a:noFill/>
-          </a:ln>
-        </p:spPr>
-        <p:txBody>
-          <a:bodyPr wrap="square">
-            <a:spAutoFit/>
-          </a:bodyPr>
-          <a:p>
-            <a:pPr indent="0"/>
-            <a:r>
-              <a:rPr lang="zh-CN" altLang="en-US" sz="2400"/>
-              <a:t>常规锚固体系已经不能满足腐蚀防护和监测的要求，通过研究电隔离防护技术，开展电隔离预应力锚固技术的研究，提升结构抗腐蚀性能并对其健康状况进行长期监测，对确保重大土木工程结构全寿命使用安全，推动混凝土结构理论与技术应用，实现经济社会绿色、可持续发展具有重要意义。</a:t>
+              <a:t>电隔离技术作为解决预应力筋腐蚀防护的有效方案，已经被瑞士和意大利等欧洲国家写入相关技术标准中，同时关于电隔离体系应用的工程案例也被记录，但是国内对于电隔离防护技术的研究很少，本论文通过查阅国外电隔离预应力体系相关技术标准和工程案例，对电隔离防护原理进行分析，提炼电隔离体系对预应力筋防护的关键要素；通过对市场上现有的密封防腐产品进行调研，在常规锚具体系的基础上，结合国外现有电隔离体系，确定新型电隔离预应力锚固体系的设计方案并建立电隔离预应力体系等效电路模型，为电隔离监测提供理论依据。</a:t>
             </a:r>
             <a:endParaRPr lang="zh-CN" altLang="en-US" sz="2400"/>
           </a:p>
@@ -4950,7 +4309,7 @@
         <p:spPr>
           <a:xfrm>
             <a:off x="1261297" y="137443"/>
-            <a:ext cx="2209165" cy="583565"/>
+            <a:ext cx="3428365" cy="583565"/>
           </a:xfrm>
           <a:prstGeom prst="rect">
             <a:avLst/>
@@ -4978,15 +4337,8 @@
                 <a:latin typeface="微软雅黑" panose="020B0503020204020204" pitchFamily="34" charset="-122"/>
                 <a:ea typeface="微软雅黑" panose="020B0503020204020204" pitchFamily="34" charset="-122"/>
               </a:rPr>
-              <a:t>研究问题</a:t>
-            </a:r>
-            <a:endParaRPr lang="zh-CN" altLang="en-US" sz="3200" b="1" dirty="0">
-              <a:solidFill>
-                <a:srgbClr val="CC9933"/>
-              </a:solidFill>
-              <a:latin typeface="微软雅黑" panose="020B0503020204020204" pitchFamily="34" charset="-122"/>
-              <a:ea typeface="微软雅黑" panose="020B0503020204020204" pitchFamily="34" charset="-122"/>
-            </a:endParaRPr>
+              <a:t>研究内容与方法</a:t>
+            </a:r>
           </a:p>
         </p:txBody>
       </p:sp>
@@ -5048,6 +4400,7 @@
           <a:bodyPr wrap="square">
             <a:spAutoFit/>
           </a:bodyPr>
+          <a:lstStyle/>
           <a:p>
             <a:pPr indent="0"/>
             <a:r>
@@ -5101,13 +4454,13 @@
           <a:bodyPr wrap="square">
             <a:spAutoFit/>
           </a:bodyPr>
+          <a:lstStyle/>
           <a:p>
             <a:pPr indent="0"/>
             <a:r>
               <a:rPr lang="zh-CN" altLang="en-US" sz="2400"/>
               <a:t>常规锚固体系已经不能满足腐蚀防护和监测的要求，通过研究电隔离防护技术，开展电隔离预应力锚固技术的研究，提升结构抗腐蚀性能并对其健康状况进行长期监测，对确保重大土木工程结构全寿命使用安全，推动混凝土结构理论与技术应用，实现经济社会绿色、可持续发展具有重要意义。</a:t>
             </a:r>
-            <a:endParaRPr lang="zh-CN" altLang="en-US" sz="2400"/>
           </a:p>
         </p:txBody>
       </p:sp>
@@ -5200,7 +4553,7 @@
         <p:spPr>
           <a:xfrm>
             <a:off x="1261297" y="137443"/>
-            <a:ext cx="2209165" cy="583565"/>
+            <a:ext cx="3428365" cy="583565"/>
           </a:xfrm>
           <a:prstGeom prst="rect">
             <a:avLst/>
@@ -5228,15 +4581,8 @@
                 <a:latin typeface="微软雅黑" panose="020B0503020204020204" pitchFamily="34" charset="-122"/>
                 <a:ea typeface="微软雅黑" panose="020B0503020204020204" pitchFamily="34" charset="-122"/>
               </a:rPr>
-              <a:t>研究问题</a:t>
-            </a:r>
-            <a:endParaRPr lang="zh-CN" altLang="en-US" sz="3200" b="1" dirty="0">
-              <a:solidFill>
-                <a:srgbClr val="CC9933"/>
-              </a:solidFill>
-              <a:latin typeface="微软雅黑" panose="020B0503020204020204" pitchFamily="34" charset="-122"/>
-              <a:ea typeface="微软雅黑" panose="020B0503020204020204" pitchFamily="34" charset="-122"/>
-            </a:endParaRPr>
+              <a:t>研究内容与方法</a:t>
+            </a:r>
           </a:p>
         </p:txBody>
       </p:sp>
@@ -5298,6 +4644,7 @@
           <a:bodyPr wrap="square">
             <a:spAutoFit/>
           </a:bodyPr>
+          <a:lstStyle/>
           <a:p>
             <a:pPr indent="0"/>
             <a:r>
@@ -5351,13 +4698,13 @@
           <a:bodyPr wrap="square">
             <a:spAutoFit/>
           </a:bodyPr>
+          <a:lstStyle/>
           <a:p>
             <a:pPr indent="0"/>
             <a:r>
               <a:rPr lang="zh-CN" altLang="en-US" sz="2400"/>
               <a:t>常规锚固体系已经不能满足腐蚀防护和监测的要求，通过研究电隔离防护技术，开展电隔离预应力锚固技术的研究，提升结构抗腐蚀性能并对其健康状况进行长期监测，对确保重大土木工程结构全寿命使用安全，推动混凝土结构理论与技术应用，实现经济社会绿色、可持续发展具有重要意义。</a:t>
             </a:r>
-            <a:endParaRPr lang="zh-CN" altLang="en-US" sz="2400"/>
           </a:p>
         </p:txBody>
       </p:sp>
@@ -5388,53 +4735,104 @@
       </p:grpSpPr>
       <p:sp>
         <p:nvSpPr>
-          <p:cNvPr id="5" name="矩形 4"/>
-          <p:cNvSpPr/>
+          <p:cNvPr id="9" name="文本框 4"/>
+          <p:cNvSpPr txBox="1"/>
           <p:nvPr/>
         </p:nvSpPr>
         <p:spPr>
           <a:xfrm>
-            <a:off x="-31750" y="-19050"/>
-            <a:ext cx="12242165" cy="6887845"/>
+            <a:off x="376974" y="898927"/>
+            <a:ext cx="11412504" cy="891540"/>
           </a:xfrm>
           <a:prstGeom prst="rect">
             <a:avLst/>
           </a:prstGeom>
-          <a:solidFill>
-            <a:srgbClr val="00468B"/>
-          </a:solidFill>
-          <a:ln>
-            <a:noFill/>
-          </a:ln>
-        </p:spPr>
-        <p:style>
-          <a:lnRef idx="2">
-            <a:schemeClr val="accent1">
-              <a:shade val="50000"/>
-            </a:schemeClr>
-          </a:lnRef>
-          <a:fillRef idx="1">
-            <a:schemeClr val="accent1"/>
-          </a:fillRef>
-          <a:effectRef idx="0">
-            <a:schemeClr val="accent1"/>
-          </a:effectRef>
-          <a:fontRef idx="minor">
-            <a:schemeClr val="lt1"/>
-          </a:fontRef>
-        </p:style>
-        <p:txBody>
-          <a:bodyPr rtlCol="0" anchor="ctr"/>
-          <a:lstStyle/>
-          <a:p>
-            <a:pPr algn="ctr"/>
-            <a:endParaRPr lang="zh-CN" altLang="en-US"/>
+          <a:noFill/>
+        </p:spPr>
+        <p:txBody>
+          <a:bodyPr wrap="square" rtlCol="0">
+            <a:spAutoFit/>
+          </a:bodyPr>
+          <a:lstStyle/>
+          <a:p>
+            <a:pPr marL="457200" indent="-457200">
+              <a:buFont typeface="Arial" panose="020B0604020202020204" pitchFamily="34" charset="0"/>
+              <a:buChar char="•"/>
+            </a:pPr>
+            <a:r>
+              <a:rPr lang="zh-CN" altLang="en-US" sz="2800" b="1" dirty="0">
+                <a:solidFill>
+                  <a:srgbClr val="7030A0"/>
+                </a:solidFill>
+                <a:latin typeface="微软雅黑" panose="020B0503020204020204" pitchFamily="34" charset="-122"/>
+                <a:ea typeface="微软雅黑" panose="020B0503020204020204" pitchFamily="34" charset="-122"/>
+              </a:rPr>
+              <a:t>研究意义</a:t>
+            </a:r>
+            <a:endParaRPr lang="en-US" altLang="zh-CN" sz="2800" b="1" dirty="0">
+              <a:solidFill>
+                <a:srgbClr val="7030A0"/>
+              </a:solidFill>
+              <a:latin typeface="微软雅黑" panose="020B0503020204020204" pitchFamily="34" charset="-122"/>
+              <a:ea typeface="微软雅黑" panose="020B0503020204020204" pitchFamily="34" charset="-122"/>
+            </a:endParaRPr>
+          </a:p>
+          <a:p>
+            <a:endParaRPr lang="zh-CN" altLang="en-US" sz="2400" b="1" dirty="0">
+              <a:solidFill>
+                <a:srgbClr val="7030A0"/>
+              </a:solidFill>
+              <a:latin typeface="微软雅黑" panose="020B0503020204020204" pitchFamily="34" charset="-122"/>
+              <a:ea typeface="微软雅黑" panose="020B0503020204020204" pitchFamily="34" charset="-122"/>
+            </a:endParaRPr>
+          </a:p>
+        </p:txBody>
+      </p:sp>
+      <p:sp>
+        <p:nvSpPr>
+          <p:cNvPr id="36" name="文本框 13"/>
+          <p:cNvSpPr txBox="1"/>
+          <p:nvPr/>
+        </p:nvSpPr>
+        <p:spPr>
+          <a:xfrm>
+            <a:off x="1261297" y="137443"/>
+            <a:ext cx="3021965" cy="583565"/>
+          </a:xfrm>
+          <a:prstGeom prst="rect">
+            <a:avLst/>
+          </a:prstGeom>
+          <a:noFill/>
+        </p:spPr>
+        <p:txBody>
+          <a:bodyPr wrap="none" rtlCol="0">
+            <a:spAutoFit/>
+          </a:bodyPr>
+          <a:lstStyle/>
+          <a:p>
+            <a:pPr marL="342900" indent="-342900">
+              <a:spcBef>
+                <a:spcPts val="1200"/>
+              </a:spcBef>
+              <a:buFont typeface="Wingdings" panose="05000000000000000000" pitchFamily="2" charset="2"/>
+              <a:buChar char="u"/>
+            </a:pPr>
+            <a:r>
+              <a:rPr lang="zh-CN" altLang="en-US" sz="3200" b="1" dirty="0">
+                <a:solidFill>
+                  <a:srgbClr val="CC9933"/>
+                </a:solidFill>
+                <a:latin typeface="微软雅黑" panose="020B0503020204020204" pitchFamily="34" charset="-122"/>
+                <a:ea typeface="微软雅黑" panose="020B0503020204020204" pitchFamily="34" charset="-122"/>
+              </a:rPr>
+              <a:t>论文工作基础</a:t>
+            </a:r>
           </a:p>
         </p:txBody>
       </p:sp>
       <p:cxnSp>
         <p:nvCxnSpPr>
-          <p:cNvPr id="21" name="直接连接符 20"/>
+          <p:cNvPr id="38" name="直接连接符 37"/>
           <p:cNvCxnSpPr/>
           <p:nvPr/>
         </p:nvCxnSpPr>
@@ -5448,7 +4846,7 @@
           </a:prstGeom>
           <a:ln w="9525">
             <a:solidFill>
-              <a:schemeClr val="bg1"/>
+              <a:schemeClr val="tx1"/>
             </a:solidFill>
           </a:ln>
         </p:spPr>
@@ -5469,268 +4867,88 @@
       </p:cxnSp>
       <p:sp>
         <p:nvSpPr>
-          <p:cNvPr id="16" name="文本框 13"/>
-          <p:cNvSpPr txBox="1"/>
-          <p:nvPr/>
-        </p:nvSpPr>
-        <p:spPr>
-          <a:xfrm>
-            <a:off x="1261297" y="137443"/>
-            <a:ext cx="2811780" cy="303530"/>
-          </a:xfrm>
-          <a:prstGeom prst="rect">
-            <a:avLst/>
-          </a:prstGeom>
-          <a:noFill/>
-        </p:spPr>
-        <p:txBody>
-          <a:bodyPr wrap="none" rtlCol="0">
-            <a:spAutoFit/>
-          </a:bodyPr>
-          <a:lstStyle/>
-          <a:p>
-            <a:pPr algn="l"/>
-            <a:r>
-              <a:rPr lang="zh-CN" altLang="en-US" sz="1380" dirty="0">
-                <a:solidFill>
-                  <a:schemeClr val="bg1"/>
-                </a:solidFill>
-                <a:latin typeface="微软雅黑" panose="020B0503020204020204" pitchFamily="34" charset="-122"/>
-                <a:ea typeface="微软雅黑" panose="020B0503020204020204" pitchFamily="34" charset="-122"/>
-              </a:rPr>
-              <a:t>电子科技大学机械与电气工程学院</a:t>
-            </a:r>
-            <a:endParaRPr lang="zh-CN" altLang="en-US" sz="1380" dirty="0">
-              <a:solidFill>
-                <a:schemeClr val="bg1"/>
-              </a:solidFill>
-              <a:latin typeface="微软雅黑" panose="020B0503020204020204" pitchFamily="34" charset="-122"/>
-              <a:ea typeface="微软雅黑" panose="020B0503020204020204" pitchFamily="34" charset="-122"/>
-            </a:endParaRPr>
-          </a:p>
-        </p:txBody>
-      </p:sp>
-      <p:sp>
-        <p:nvSpPr>
-          <p:cNvPr id="17" name="文本框 15"/>
-          <p:cNvSpPr txBox="1"/>
-          <p:nvPr/>
-        </p:nvSpPr>
-        <p:spPr>
-          <a:xfrm>
-            <a:off x="1265107" y="385093"/>
-            <a:ext cx="2880360" cy="232410"/>
-          </a:xfrm>
-          <a:prstGeom prst="rect">
-            <a:avLst/>
-          </a:prstGeom>
-          <a:noFill/>
-        </p:spPr>
-        <p:txBody>
-          <a:bodyPr wrap="square" rtlCol="0">
-            <a:spAutoFit/>
-          </a:bodyPr>
-          <a:lstStyle/>
-          <a:p>
-            <a:r>
-              <a:rPr lang="zh-CN" altLang="en-US" sz="920" dirty="0">
-                <a:solidFill>
-                  <a:schemeClr val="bg1"/>
-                </a:solidFill>
-                <a:latin typeface="微软雅黑" panose="020B0503020204020204" pitchFamily="34" charset="-122"/>
-                <a:ea typeface="微软雅黑" panose="020B0503020204020204" pitchFamily="34" charset="-122"/>
-              </a:rPr>
-              <a:t>School of Mechanical and Electrical Engineering</a:t>
-            </a:r>
-            <a:endParaRPr lang="zh-CN" altLang="en-US" sz="920" dirty="0">
-              <a:solidFill>
-                <a:schemeClr val="bg1"/>
-              </a:solidFill>
-              <a:latin typeface="微软雅黑" panose="020B0503020204020204" pitchFamily="34" charset="-122"/>
-              <a:ea typeface="微软雅黑" panose="020B0503020204020204" pitchFamily="34" charset="-122"/>
-            </a:endParaRPr>
-          </a:p>
-        </p:txBody>
-      </p:sp>
-      <p:cxnSp>
-        <p:nvCxnSpPr>
-          <p:cNvPr id="18" name="直接连接符 17"/>
-          <p:cNvCxnSpPr/>
-          <p:nvPr/>
-        </p:nvCxnSpPr>
-        <p:spPr>
-          <a:xfrm>
-            <a:off x="1180017" y="44098"/>
-            <a:ext cx="0" cy="645160"/>
-          </a:xfrm>
-          <a:prstGeom prst="line">
-            <a:avLst/>
-          </a:prstGeom>
-          <a:ln w="9525">
-            <a:solidFill>
-              <a:schemeClr val="bg1"/>
-            </a:solidFill>
-          </a:ln>
-        </p:spPr>
-        <p:style>
-          <a:lnRef idx="1">
-            <a:schemeClr val="accent1"/>
-          </a:lnRef>
-          <a:fillRef idx="0">
-            <a:schemeClr val="accent1"/>
-          </a:fillRef>
-          <a:effectRef idx="0">
-            <a:schemeClr val="accent1"/>
-          </a:effectRef>
-          <a:fontRef idx="minor">
-            <a:schemeClr val="tx1"/>
-          </a:fontRef>
-        </p:style>
-      </p:cxnSp>
-      <p:pic>
-        <p:nvPicPr>
-          <p:cNvPr id="22" name="图片 21"/>
-          <p:cNvPicPr>
-            <a:picLocks noChangeAspect="1"/>
-          </p:cNvPicPr>
-          <p:nvPr/>
-        </p:nvPicPr>
-        <p:blipFill>
-          <a:blip r:embed="rId1" cstate="print">
-            <a:extLst>
-              <a:ext uri="{28A0092B-C50C-407E-A947-70E740481C1C}">
-                <a14:useLocalDpi xmlns:a14="http://schemas.microsoft.com/office/drawing/2010/main" val="0"/>
-              </a:ext>
-            </a:extLst>
-          </a:blip>
-          <a:stretch>
-            <a:fillRect/>
-          </a:stretch>
-        </p:blipFill>
-        <p:spPr>
-          <a:xfrm>
-            <a:off x="384649" y="26500"/>
-            <a:ext cx="583162" cy="680356"/>
-          </a:xfrm>
-          <a:prstGeom prst="rect">
-            <a:avLst/>
-          </a:prstGeom>
-        </p:spPr>
-      </p:pic>
-      <p:pic>
-        <p:nvPicPr>
-          <p:cNvPr id="23" name="图片 22" descr="03-1"/>
-          <p:cNvPicPr>
-            <a:picLocks noChangeAspect="1"/>
-          </p:cNvPicPr>
-          <p:nvPr/>
-        </p:nvPicPr>
-        <p:blipFill>
-          <a:blip r:embed="rId2" cstate="print"/>
-          <a:stretch>
-            <a:fillRect/>
-          </a:stretch>
-        </p:blipFill>
-        <p:spPr>
-          <a:xfrm>
-            <a:off x="2389505" y="5318125"/>
-            <a:ext cx="7412990" cy="1551305"/>
-          </a:xfrm>
-          <a:prstGeom prst="rect">
-            <a:avLst/>
-          </a:prstGeom>
-        </p:spPr>
-      </p:pic>
-      <p:sp>
-        <p:nvSpPr>
-          <p:cNvPr id="2" name="矩形 1"/>
-          <p:cNvSpPr/>
-          <p:nvPr/>
-        </p:nvSpPr>
-        <p:spPr>
-          <a:xfrm>
-            <a:off x="2672731" y="1452642"/>
-            <a:ext cx="1135380" cy="2399665"/>
-          </a:xfrm>
-          <a:prstGeom prst="rect">
-            <a:avLst/>
-          </a:prstGeom>
-          <a:noFill/>
-        </p:spPr>
-        <p:txBody>
-          <a:bodyPr wrap="none" lIns="91440" tIns="45720" rIns="91440" bIns="45720">
-            <a:spAutoFit/>
-            <a:scene3d>
-              <a:camera prst="orthographicFront"/>
-              <a:lightRig rig="soft" dir="t">
-                <a:rot lat="0" lon="0" rev="15600000"/>
-              </a:lightRig>
-            </a:scene3d>
-            <a:sp3d extrusionH="57150" prstMaterial="softEdge">
-              <a:bevelT w="25400" h="38100"/>
-            </a:sp3d>
-          </a:bodyPr>
-          <a:lstStyle/>
-          <a:p>
-            <a:pPr algn="ctr"/>
-            <a:r>
-              <a:rPr lang="en-US" altLang="zh-CN" sz="15000" b="1" i="1" dirty="0">
-                <a:solidFill>
-                  <a:schemeClr val="accent4"/>
-                </a:solidFill>
-                <a:latin typeface="Times New Roman" panose="02020603050405020304" pitchFamily="18" charset="0"/>
-                <a:cs typeface="Times New Roman" panose="02020603050405020304" pitchFamily="18" charset="0"/>
-              </a:rPr>
-              <a:t>4</a:t>
-            </a:r>
-            <a:endParaRPr lang="en-US" altLang="zh-CN" sz="15000" b="1" i="1" dirty="0">
-              <a:solidFill>
-                <a:schemeClr val="accent4"/>
-              </a:solidFill>
-              <a:latin typeface="Times New Roman" panose="02020603050405020304" pitchFamily="18" charset="0"/>
-              <a:cs typeface="Times New Roman" panose="02020603050405020304" pitchFamily="18" charset="0"/>
-            </a:endParaRPr>
-          </a:p>
-        </p:txBody>
-      </p:sp>
-      <p:sp>
-        <p:nvSpPr>
           <p:cNvPr id="3" name="文本框 2"/>
           <p:cNvSpPr txBox="1"/>
           <p:nvPr/>
         </p:nvSpPr>
         <p:spPr>
           <a:xfrm>
-            <a:off x="4727575" y="2238375"/>
-            <a:ext cx="4615815" cy="829945"/>
+            <a:off x="748030" y="2299335"/>
+            <a:ext cx="5587365" cy="3046095"/>
           </a:xfrm>
           <a:prstGeom prst="rect">
             <a:avLst/>
           </a:prstGeom>
           <a:noFill/>
-        </p:spPr>
-        <p:txBody>
-          <a:bodyPr wrap="square" rtlCol="0">
+          <a:ln w="9525">
+            <a:noFill/>
+          </a:ln>
+        </p:spPr>
+        <p:txBody>
+          <a:bodyPr wrap="square">
             <a:spAutoFit/>
           </a:bodyPr>
-          <a:p>
-            <a:r>
-              <a:rPr lang="zh-CN" altLang="en-US" sz="4800" b="1">
+          <a:lstStyle/>
+          <a:p>
+            <a:pPr indent="0"/>
+            <a:r>
+              <a:rPr lang="zh-CN" sz="2400" b="0">
+                <a:latin typeface="Times New Roman" panose="02020603050405020304" pitchFamily="18" charset="0"/>
+                <a:ea typeface="宋体" panose="02010600030101010101" pitchFamily="2" charset="-122"/>
+              </a:rPr>
+              <a:t>近年来，各国已建、在建和将建的</a:t>
+            </a:r>
+            <a:r>
+              <a:rPr lang="zh-CN" sz="2400" b="1">
                 <a:solidFill>
-                  <a:schemeClr val="accent4"/>
+                  <a:srgbClr val="FFC000"/>
                 </a:solidFill>
-                <a:latin typeface="微软雅黑" panose="020B0503020204020204" pitchFamily="34" charset="-122"/>
-                <a:ea typeface="微软雅黑" panose="020B0503020204020204" pitchFamily="34" charset="-122"/>
-              </a:rPr>
-              <a:t>研究内容与方法</a:t>
-            </a:r>
-            <a:endParaRPr lang="zh-CN" altLang="en-US" sz="4800" b="1">
-              <a:solidFill>
-                <a:schemeClr val="accent4"/>
-              </a:solidFill>
-              <a:latin typeface="微软雅黑" panose="020B0503020204020204" pitchFamily="34" charset="-122"/>
-              <a:ea typeface="微软雅黑" panose="020B0503020204020204" pitchFamily="34" charset="-122"/>
-            </a:endParaRPr>
+                <a:latin typeface="Times New Roman" panose="02020603050405020304" pitchFamily="18" charset="0"/>
+                <a:ea typeface="宋体" panose="02010600030101010101" pitchFamily="2" charset="-122"/>
+              </a:rPr>
+              <a:t>跨海大桥、海底隧道、海港码头以及沿海地区、除冰盐地区兴建的高速铁路、高速公路、桥梁、工业建筑</a:t>
+            </a:r>
+            <a:r>
+              <a:rPr lang="zh-CN" sz="2400" b="0">
+                <a:latin typeface="Times New Roman" panose="02020603050405020304" pitchFamily="18" charset="0"/>
+                <a:ea typeface="宋体" panose="02010600030101010101" pitchFamily="2" charset="-122"/>
+              </a:rPr>
+              <a:t>等重大工程都广泛采用预应力混凝土结构，这些环境下结构的耐久性面临巨大挑战，如何对结构进行良好的腐蚀防护和监测成为了研究的重点</a:t>
+            </a:r>
+            <a:endParaRPr lang="zh-CN" altLang="en-US" sz="2400"/>
+          </a:p>
+        </p:txBody>
+      </p:sp>
+      <p:sp>
+        <p:nvSpPr>
+          <p:cNvPr id="5" name="文本框 4"/>
+          <p:cNvSpPr txBox="1"/>
+          <p:nvPr/>
+        </p:nvSpPr>
+        <p:spPr>
+          <a:xfrm>
+            <a:off x="6335395" y="2299335"/>
+            <a:ext cx="5587365" cy="3046095"/>
+          </a:xfrm>
+          <a:prstGeom prst="rect">
+            <a:avLst/>
+          </a:prstGeom>
+          <a:noFill/>
+          <a:ln w="9525">
+            <a:noFill/>
+          </a:ln>
+        </p:spPr>
+        <p:txBody>
+          <a:bodyPr wrap="square">
+            <a:spAutoFit/>
+          </a:bodyPr>
+          <a:lstStyle/>
+          <a:p>
+            <a:pPr indent="0"/>
+            <a:r>
+              <a:rPr lang="zh-CN" altLang="en-US" sz="2400"/>
+              <a:t>常规锚固体系已经不能满足腐蚀防护和监测的要求，通过研究电隔离防护技术，开展电隔离预应力锚固技术的研究，提升结构抗腐蚀性能并对其健康状况进行长期监测，对确保重大土木工程结构全寿命使用安全，推动混凝土结构理论与技术应用，实现经济社会绿色、可持续发展具有重要意义。</a:t>
+            </a:r>
           </a:p>
         </p:txBody>
       </p:sp>
@@ -5768,7 +4986,7 @@
         <p:spPr>
           <a:xfrm>
             <a:off x="376974" y="898927"/>
-            <a:ext cx="11412504" cy="521970"/>
+            <a:ext cx="11412504" cy="891540"/>
           </a:xfrm>
           <a:prstGeom prst="rect">
             <a:avLst/>
@@ -5793,8 +5011,17 @@
                 <a:latin typeface="微软雅黑" panose="020B0503020204020204" pitchFamily="34" charset="-122"/>
                 <a:ea typeface="微软雅黑" panose="020B0503020204020204" pitchFamily="34" charset="-122"/>
               </a:rPr>
-              <a:t>预应力混凝土结构腐蚀机理和电隔离防护原理分析</a:t>
-            </a:r>
+              <a:t>研究意义</a:t>
+            </a:r>
+            <a:endParaRPr lang="en-US" altLang="zh-CN" sz="2800" b="1" dirty="0">
+              <a:solidFill>
+                <a:srgbClr val="7030A0"/>
+              </a:solidFill>
+              <a:latin typeface="微软雅黑" panose="020B0503020204020204" pitchFamily="34" charset="-122"/>
+              <a:ea typeface="微软雅黑" panose="020B0503020204020204" pitchFamily="34" charset="-122"/>
+            </a:endParaRPr>
+          </a:p>
+          <a:p>
             <a:endParaRPr lang="zh-CN" altLang="en-US" sz="2400" b="1" dirty="0">
               <a:solidFill>
                 <a:srgbClr val="7030A0"/>
@@ -5814,7 +5041,7 @@
         <p:spPr>
           <a:xfrm>
             <a:off x="1261297" y="137443"/>
-            <a:ext cx="2209165" cy="583565"/>
+            <a:ext cx="3021965" cy="583565"/>
           </a:xfrm>
           <a:prstGeom prst="rect">
             <a:avLst/>
@@ -5842,15 +5069,8 @@
                 <a:latin typeface="微软雅黑" panose="020B0503020204020204" pitchFamily="34" charset="-122"/>
                 <a:ea typeface="微软雅黑" panose="020B0503020204020204" pitchFamily="34" charset="-122"/>
               </a:rPr>
-              <a:t>研究内容</a:t>
-            </a:r>
-            <a:endParaRPr lang="zh-CN" altLang="en-US" sz="3200" b="1" dirty="0">
-              <a:solidFill>
-                <a:srgbClr val="CC9933"/>
-              </a:solidFill>
-              <a:latin typeface="微软雅黑" panose="020B0503020204020204" pitchFamily="34" charset="-122"/>
-              <a:ea typeface="微软雅黑" panose="020B0503020204020204" pitchFamily="34" charset="-122"/>
-            </a:endParaRPr>
+              <a:t>论文工作基础</a:t>
+            </a:r>
           </a:p>
         </p:txBody>
       </p:sp>
@@ -5891,14 +5111,14 @@
       </p:cxnSp>
       <p:sp>
         <p:nvSpPr>
-          <p:cNvPr id="100" name="文本框 99"/>
+          <p:cNvPr id="3" name="文本框 2"/>
           <p:cNvSpPr txBox="1"/>
           <p:nvPr/>
         </p:nvSpPr>
         <p:spPr>
           <a:xfrm>
-            <a:off x="578485" y="2073275"/>
-            <a:ext cx="11009630" cy="4154170"/>
+            <a:off x="748030" y="2299335"/>
+            <a:ext cx="5587365" cy="3046095"/>
           </a:xfrm>
           <a:prstGeom prst="rect">
             <a:avLst/>
@@ -5912,23 +5132,67 @@
           <a:bodyPr wrap="square">
             <a:spAutoFit/>
           </a:bodyPr>
-          <a:p>
-            <a:pPr indent="609600" fontAlgn="auto">
-              <a:extLst>
-                <a:ext uri="{35155182-B16C-46BC-9424-99874614C6A1}">
-                  <wpsdc:indentchars xmlns:wpsdc="http://www.wps.cn/officeDocument/2017/drawingmlCustomData" val="200" checksum="4158780845"/>
-                </a:ext>
-              </a:extLst>
-            </a:pPr>
+          <a:lstStyle/>
+          <a:p>
+            <a:pPr indent="0"/>
             <a:r>
               <a:rPr lang="zh-CN" sz="2400" b="0">
                 <a:latin typeface="Times New Roman" panose="02020603050405020304" pitchFamily="18" charset="0"/>
                 <a:ea typeface="宋体" panose="02010600030101010101" pitchFamily="2" charset="-122"/>
               </a:rPr>
-              <a:t>国内外已经有很多关于预应力筋腐蚀原因分析的研究，在对预应力筋进行防护之前需要分析其腐蚀原因和过程。本论文通过查阅国内外相关文献，得到预应力构件遭受周围环境的氯化物、杂散电流的侵蚀机理；提取影响预应力构件腐蚀进展的关键特征参量，为电隔离防护体系的建立提供依据。-电隔离技术作为解决预应力筋腐蚀防护的有效方案，已经被瑞士和意大利等欧洲国家写入相关技术标准中，同时关于电隔离体系应用的工程案例也被记录，但是国内对于电隔离防护技术的研究很少，本论文通过查阅国外电隔离预应力体系相关技术标准和工程案例，对电隔离防护原理进行分析，提炼电隔离体系对预应力筋防护的关键要素；通过对市场上现有的密封防腐产品进行调研，在常规锚具体系的基础上，结合国外现有电隔离体系，确定新型电隔离预应力锚固体系的设计方案并建立电隔离预应力体系等效电路模型，为电隔离监测提供理论依据。</a:t>
+              <a:t>近年来，各国已建、在建和将建的</a:t>
+            </a:r>
+            <a:r>
+              <a:rPr lang="zh-CN" sz="2400" b="1">
+                <a:solidFill>
+                  <a:srgbClr val="FFC000"/>
+                </a:solidFill>
+                <a:latin typeface="Times New Roman" panose="02020603050405020304" pitchFamily="18" charset="0"/>
+                <a:ea typeface="宋体" panose="02010600030101010101" pitchFamily="2" charset="-122"/>
+              </a:rPr>
+              <a:t>跨海大桥、海底隧道、海港码头以及沿海地区、除冰盐地区兴建的高速铁路、高速公路、桥梁、工业建筑</a:t>
+            </a:r>
+            <a:r>
+              <a:rPr lang="zh-CN" sz="2400" b="0">
+                <a:latin typeface="Times New Roman" panose="02020603050405020304" pitchFamily="18" charset="0"/>
+                <a:ea typeface="宋体" panose="02010600030101010101" pitchFamily="2" charset="-122"/>
+              </a:rPr>
+              <a:t>等重大工程都广泛采用预应力混凝土结构，这些环境下结构的耐久性面临巨大挑战，如何对结构进行良好的腐蚀防护和监测成为了研究的重点</a:t>
             </a:r>
             <a:endParaRPr lang="zh-CN" altLang="en-US" sz="2400"/>
+          </a:p>
+        </p:txBody>
+      </p:sp>
+      <p:sp>
+        <p:nvSpPr>
+          <p:cNvPr id="5" name="文本框 4"/>
+          <p:cNvSpPr txBox="1"/>
+          <p:nvPr/>
+        </p:nvSpPr>
+        <p:spPr>
+          <a:xfrm>
+            <a:off x="6335395" y="2299335"/>
+            <a:ext cx="5587365" cy="3046095"/>
+          </a:xfrm>
+          <a:prstGeom prst="rect">
+            <a:avLst/>
+          </a:prstGeom>
+          <a:noFill/>
+          <a:ln w="9525">
+            <a:noFill/>
+          </a:ln>
+        </p:spPr>
+        <p:txBody>
+          <a:bodyPr wrap="square">
+            <a:spAutoFit/>
+          </a:bodyPr>
+          <a:lstStyle/>
+          <a:p>
+            <a:pPr indent="0"/>
+            <a:r>
+              <a:rPr lang="zh-CN" altLang="en-US" sz="2400"/>
+              <a:t>常规锚固体系已经不能满足腐蚀防护和监测的要求，通过研究电隔离防护技术，开展电隔离预应力锚固技术的研究，提升结构抗腐蚀性能并对其健康状况进行长期监测，对确保重大土木工程结构全寿命使用安全，推动混凝土结构理论与技术应用，实现经济社会绿色、可持续发展具有重要意义。</a:t>
+            </a:r>
           </a:p>
         </p:txBody>
       </p:sp>
@@ -6021,7 +5285,7 @@
         <p:spPr>
           <a:xfrm>
             <a:off x="1261297" y="137443"/>
-            <a:ext cx="3428365" cy="583565"/>
+            <a:ext cx="3021965" cy="583565"/>
           </a:xfrm>
           <a:prstGeom prst="rect">
             <a:avLst/>
@@ -6049,15 +5313,8 @@
                 <a:latin typeface="微软雅黑" panose="020B0503020204020204" pitchFamily="34" charset="-122"/>
                 <a:ea typeface="微软雅黑" panose="020B0503020204020204" pitchFamily="34" charset="-122"/>
               </a:rPr>
-              <a:t>研究内容与方法</a:t>
-            </a:r>
-            <a:endParaRPr lang="zh-CN" altLang="en-US" sz="3200" b="1" dirty="0">
-              <a:solidFill>
-                <a:srgbClr val="CC9933"/>
-              </a:solidFill>
-              <a:latin typeface="微软雅黑" panose="020B0503020204020204" pitchFamily="34" charset="-122"/>
-              <a:ea typeface="微软雅黑" panose="020B0503020204020204" pitchFamily="34" charset="-122"/>
-            </a:endParaRPr>
+              <a:t>论文工作基础</a:t>
+            </a:r>
           </a:p>
         </p:txBody>
       </p:sp>
@@ -6119,6 +5376,7 @@
           <a:bodyPr wrap="square">
             <a:spAutoFit/>
           </a:bodyPr>
+          <a:lstStyle/>
           <a:p>
             <a:pPr indent="0"/>
             <a:r>
@@ -6172,886 +5430,13 @@
           <a:bodyPr wrap="square">
             <a:spAutoFit/>
           </a:bodyPr>
+          <a:lstStyle/>
           <a:p>
             <a:pPr indent="0"/>
             <a:r>
               <a:rPr lang="zh-CN" altLang="en-US" sz="2400"/>
               <a:t>常规锚固体系已经不能满足腐蚀防护和监测的要求，通过研究电隔离防护技术，开展电隔离预应力锚固技术的研究，提升结构抗腐蚀性能并对其健康状况进行长期监测，对确保重大土木工程结构全寿命使用安全，推动混凝土结构理论与技术应用，实现经济社会绿色、可持续发展具有重要意义。</a:t>
             </a:r>
-            <a:endParaRPr lang="zh-CN" altLang="en-US" sz="2400"/>
-          </a:p>
-        </p:txBody>
-      </p:sp>
-    </p:spTree>
-  </p:cSld>
-  <p:clrMapOvr>
-    <a:masterClrMapping/>
-  </p:clrMapOvr>
-</p:sld>
-</file>
-
-<file path=ppt/slides/slide17.xml><?xml version="1.0" encoding="utf-8"?>
-<p:sld xmlns:a="http://schemas.openxmlformats.org/drawingml/2006/main" xmlns:r="http://schemas.openxmlformats.org/officeDocument/2006/relationships" xmlns:p="http://schemas.openxmlformats.org/presentationml/2006/main">
-  <p:cSld>
-    <p:spTree>
-      <p:nvGrpSpPr>
-        <p:cNvPr id="1" name=""/>
-        <p:cNvGrpSpPr/>
-        <p:nvPr/>
-      </p:nvGrpSpPr>
-      <p:grpSpPr>
-        <a:xfrm>
-          <a:off x="0" y="0"/>
-          <a:ext cx="0" cy="0"/>
-          <a:chOff x="0" y="0"/>
-          <a:chExt cx="0" cy="0"/>
-        </a:xfrm>
-      </p:grpSpPr>
-      <p:sp>
-        <p:nvSpPr>
-          <p:cNvPr id="9" name="文本框 4"/>
-          <p:cNvSpPr txBox="1"/>
-          <p:nvPr/>
-        </p:nvSpPr>
-        <p:spPr>
-          <a:xfrm>
-            <a:off x="376974" y="898927"/>
-            <a:ext cx="11412504" cy="891540"/>
-          </a:xfrm>
-          <a:prstGeom prst="rect">
-            <a:avLst/>
-          </a:prstGeom>
-          <a:noFill/>
-        </p:spPr>
-        <p:txBody>
-          <a:bodyPr wrap="square" rtlCol="0">
-            <a:spAutoFit/>
-          </a:bodyPr>
-          <a:lstStyle/>
-          <a:p>
-            <a:pPr marL="457200" indent="-457200">
-              <a:buFont typeface="Arial" panose="020B0604020202020204" pitchFamily="34" charset="0"/>
-              <a:buChar char="•"/>
-            </a:pPr>
-            <a:r>
-              <a:rPr lang="zh-CN" altLang="en-US" sz="2800" b="1" dirty="0">
-                <a:solidFill>
-                  <a:srgbClr val="7030A0"/>
-                </a:solidFill>
-                <a:latin typeface="微软雅黑" panose="020B0503020204020204" pitchFamily="34" charset="-122"/>
-                <a:ea typeface="微软雅黑" panose="020B0503020204020204" pitchFamily="34" charset="-122"/>
-              </a:rPr>
-              <a:t>研究意义</a:t>
-            </a:r>
-            <a:endParaRPr lang="en-US" altLang="zh-CN" sz="2800" b="1" dirty="0">
-              <a:solidFill>
-                <a:srgbClr val="7030A0"/>
-              </a:solidFill>
-              <a:latin typeface="微软雅黑" panose="020B0503020204020204" pitchFamily="34" charset="-122"/>
-              <a:ea typeface="微软雅黑" panose="020B0503020204020204" pitchFamily="34" charset="-122"/>
-            </a:endParaRPr>
-          </a:p>
-          <a:p>
-            <a:endParaRPr lang="zh-CN" altLang="en-US" sz="2400" b="1" dirty="0">
-              <a:solidFill>
-                <a:srgbClr val="7030A0"/>
-              </a:solidFill>
-              <a:latin typeface="微软雅黑" panose="020B0503020204020204" pitchFamily="34" charset="-122"/>
-              <a:ea typeface="微软雅黑" panose="020B0503020204020204" pitchFamily="34" charset="-122"/>
-            </a:endParaRPr>
-          </a:p>
-        </p:txBody>
-      </p:sp>
-      <p:sp>
-        <p:nvSpPr>
-          <p:cNvPr id="36" name="文本框 13"/>
-          <p:cNvSpPr txBox="1"/>
-          <p:nvPr/>
-        </p:nvSpPr>
-        <p:spPr>
-          <a:xfrm>
-            <a:off x="1261297" y="137443"/>
-            <a:ext cx="3428365" cy="583565"/>
-          </a:xfrm>
-          <a:prstGeom prst="rect">
-            <a:avLst/>
-          </a:prstGeom>
-          <a:noFill/>
-        </p:spPr>
-        <p:txBody>
-          <a:bodyPr wrap="none" rtlCol="0">
-            <a:spAutoFit/>
-          </a:bodyPr>
-          <a:lstStyle/>
-          <a:p>
-            <a:pPr marL="342900" indent="-342900">
-              <a:spcBef>
-                <a:spcPts val="1200"/>
-              </a:spcBef>
-              <a:buFont typeface="Wingdings" panose="05000000000000000000" pitchFamily="2" charset="2"/>
-              <a:buChar char="u"/>
-            </a:pPr>
-            <a:r>
-              <a:rPr lang="zh-CN" altLang="en-US" sz="3200" b="1" dirty="0">
-                <a:solidFill>
-                  <a:srgbClr val="CC9933"/>
-                </a:solidFill>
-                <a:latin typeface="微软雅黑" panose="020B0503020204020204" pitchFamily="34" charset="-122"/>
-                <a:ea typeface="微软雅黑" panose="020B0503020204020204" pitchFamily="34" charset="-122"/>
-              </a:rPr>
-              <a:t>研究内容与方法</a:t>
-            </a:r>
-            <a:endParaRPr lang="zh-CN" altLang="en-US" sz="3200" b="1" dirty="0">
-              <a:solidFill>
-                <a:srgbClr val="CC9933"/>
-              </a:solidFill>
-              <a:latin typeface="微软雅黑" panose="020B0503020204020204" pitchFamily="34" charset="-122"/>
-              <a:ea typeface="微软雅黑" panose="020B0503020204020204" pitchFamily="34" charset="-122"/>
-            </a:endParaRPr>
-          </a:p>
-        </p:txBody>
-      </p:sp>
-      <p:cxnSp>
-        <p:nvCxnSpPr>
-          <p:cNvPr id="38" name="直接连接符 37"/>
-          <p:cNvCxnSpPr/>
-          <p:nvPr/>
-        </p:nvCxnSpPr>
-        <p:spPr>
-          <a:xfrm>
-            <a:off x="1180017" y="44098"/>
-            <a:ext cx="0" cy="645160"/>
-          </a:xfrm>
-          <a:prstGeom prst="line">
-            <a:avLst/>
-          </a:prstGeom>
-          <a:ln w="9525">
-            <a:solidFill>
-              <a:schemeClr val="tx1"/>
-            </a:solidFill>
-          </a:ln>
-        </p:spPr>
-        <p:style>
-          <a:lnRef idx="1">
-            <a:schemeClr val="accent1"/>
-          </a:lnRef>
-          <a:fillRef idx="0">
-            <a:schemeClr val="accent1"/>
-          </a:fillRef>
-          <a:effectRef idx="0">
-            <a:schemeClr val="accent1"/>
-          </a:effectRef>
-          <a:fontRef idx="minor">
-            <a:schemeClr val="tx1"/>
-          </a:fontRef>
-        </p:style>
-      </p:cxnSp>
-      <p:sp>
-        <p:nvSpPr>
-          <p:cNvPr id="3" name="文本框 2"/>
-          <p:cNvSpPr txBox="1"/>
-          <p:nvPr/>
-        </p:nvSpPr>
-        <p:spPr>
-          <a:xfrm>
-            <a:off x="748030" y="2299335"/>
-            <a:ext cx="5587365" cy="3046095"/>
-          </a:xfrm>
-          <a:prstGeom prst="rect">
-            <a:avLst/>
-          </a:prstGeom>
-          <a:noFill/>
-          <a:ln w="9525">
-            <a:noFill/>
-          </a:ln>
-        </p:spPr>
-        <p:txBody>
-          <a:bodyPr wrap="square">
-            <a:spAutoFit/>
-          </a:bodyPr>
-          <a:p>
-            <a:pPr indent="0"/>
-            <a:r>
-              <a:rPr lang="zh-CN" sz="2400" b="0">
-                <a:latin typeface="Times New Roman" panose="02020603050405020304" pitchFamily="18" charset="0"/>
-                <a:ea typeface="宋体" panose="02010600030101010101" pitchFamily="2" charset="-122"/>
-              </a:rPr>
-              <a:t>近年来，各国已建、在建和将建的</a:t>
-            </a:r>
-            <a:r>
-              <a:rPr lang="zh-CN" sz="2400" b="1">
-                <a:solidFill>
-                  <a:srgbClr val="FFC000"/>
-                </a:solidFill>
-                <a:latin typeface="Times New Roman" panose="02020603050405020304" pitchFamily="18" charset="0"/>
-                <a:ea typeface="宋体" panose="02010600030101010101" pitchFamily="2" charset="-122"/>
-              </a:rPr>
-              <a:t>跨海大桥、海底隧道、海港码头以及沿海地区、除冰盐地区兴建的高速铁路、高速公路、桥梁、工业建筑</a:t>
-            </a:r>
-            <a:r>
-              <a:rPr lang="zh-CN" sz="2400" b="0">
-                <a:latin typeface="Times New Roman" panose="02020603050405020304" pitchFamily="18" charset="0"/>
-                <a:ea typeface="宋体" panose="02010600030101010101" pitchFamily="2" charset="-122"/>
-              </a:rPr>
-              <a:t>等重大工程都广泛采用预应力混凝土结构，这些环境下结构的耐久性面临巨大挑战，如何对结构进行良好的腐蚀防护和监测成为了研究的重点</a:t>
-            </a:r>
-            <a:endParaRPr lang="zh-CN" altLang="en-US" sz="2400"/>
-          </a:p>
-        </p:txBody>
-      </p:sp>
-      <p:sp>
-        <p:nvSpPr>
-          <p:cNvPr id="5" name="文本框 4"/>
-          <p:cNvSpPr txBox="1"/>
-          <p:nvPr/>
-        </p:nvSpPr>
-        <p:spPr>
-          <a:xfrm>
-            <a:off x="6335395" y="2299335"/>
-            <a:ext cx="5587365" cy="3046095"/>
-          </a:xfrm>
-          <a:prstGeom prst="rect">
-            <a:avLst/>
-          </a:prstGeom>
-          <a:noFill/>
-          <a:ln w="9525">
-            <a:noFill/>
-          </a:ln>
-        </p:spPr>
-        <p:txBody>
-          <a:bodyPr wrap="square">
-            <a:spAutoFit/>
-          </a:bodyPr>
-          <a:p>
-            <a:pPr indent="0"/>
-            <a:r>
-              <a:rPr lang="zh-CN" altLang="en-US" sz="2400"/>
-              <a:t>常规锚固体系已经不能满足腐蚀防护和监测的要求，通过研究电隔离防护技术，开展电隔离预应力锚固技术的研究，提升结构抗腐蚀性能并对其健康状况进行长期监测，对确保重大土木工程结构全寿命使用安全，推动混凝土结构理论与技术应用，实现经济社会绿色、可持续发展具有重要意义。</a:t>
-            </a:r>
-            <a:endParaRPr lang="zh-CN" altLang="en-US" sz="2400"/>
-          </a:p>
-        </p:txBody>
-      </p:sp>
-    </p:spTree>
-  </p:cSld>
-  <p:clrMapOvr>
-    <a:masterClrMapping/>
-  </p:clrMapOvr>
-</p:sld>
-</file>
-
-<file path=ppt/slides/slide18.xml><?xml version="1.0" encoding="utf-8"?>
-<p:sld xmlns:a="http://schemas.openxmlformats.org/drawingml/2006/main" xmlns:r="http://schemas.openxmlformats.org/officeDocument/2006/relationships" xmlns:p="http://schemas.openxmlformats.org/presentationml/2006/main">
-  <p:cSld>
-    <p:spTree>
-      <p:nvGrpSpPr>
-        <p:cNvPr id="1" name=""/>
-        <p:cNvGrpSpPr/>
-        <p:nvPr/>
-      </p:nvGrpSpPr>
-      <p:grpSpPr>
-        <a:xfrm>
-          <a:off x="0" y="0"/>
-          <a:ext cx="0" cy="0"/>
-          <a:chOff x="0" y="0"/>
-          <a:chExt cx="0" cy="0"/>
-        </a:xfrm>
-      </p:grpSpPr>
-      <p:sp>
-        <p:nvSpPr>
-          <p:cNvPr id="5" name="矩形 4"/>
-          <p:cNvSpPr/>
-          <p:nvPr/>
-        </p:nvSpPr>
-        <p:spPr>
-          <a:xfrm>
-            <a:off x="-31750" y="-19050"/>
-            <a:ext cx="12242165" cy="6887845"/>
-          </a:xfrm>
-          <a:prstGeom prst="rect">
-            <a:avLst/>
-          </a:prstGeom>
-          <a:solidFill>
-            <a:srgbClr val="00468B"/>
-          </a:solidFill>
-          <a:ln>
-            <a:noFill/>
-          </a:ln>
-        </p:spPr>
-        <p:style>
-          <a:lnRef idx="2">
-            <a:schemeClr val="accent1">
-              <a:shade val="50000"/>
-            </a:schemeClr>
-          </a:lnRef>
-          <a:fillRef idx="1">
-            <a:schemeClr val="accent1"/>
-          </a:fillRef>
-          <a:effectRef idx="0">
-            <a:schemeClr val="accent1"/>
-          </a:effectRef>
-          <a:fontRef idx="minor">
-            <a:schemeClr val="lt1"/>
-          </a:fontRef>
-        </p:style>
-        <p:txBody>
-          <a:bodyPr rtlCol="0" anchor="ctr"/>
-          <a:lstStyle/>
-          <a:p>
-            <a:pPr algn="ctr"/>
-            <a:endParaRPr lang="zh-CN" altLang="en-US"/>
-          </a:p>
-        </p:txBody>
-      </p:sp>
-      <p:cxnSp>
-        <p:nvCxnSpPr>
-          <p:cNvPr id="21" name="直接连接符 20"/>
-          <p:cNvCxnSpPr/>
-          <p:nvPr/>
-        </p:nvCxnSpPr>
-        <p:spPr>
-          <a:xfrm>
-            <a:off x="1180017" y="44098"/>
-            <a:ext cx="0" cy="645160"/>
-          </a:xfrm>
-          <a:prstGeom prst="line">
-            <a:avLst/>
-          </a:prstGeom>
-          <a:ln w="9525">
-            <a:solidFill>
-              <a:schemeClr val="bg1"/>
-            </a:solidFill>
-          </a:ln>
-        </p:spPr>
-        <p:style>
-          <a:lnRef idx="1">
-            <a:schemeClr val="accent1"/>
-          </a:lnRef>
-          <a:fillRef idx="0">
-            <a:schemeClr val="accent1"/>
-          </a:fillRef>
-          <a:effectRef idx="0">
-            <a:schemeClr val="accent1"/>
-          </a:effectRef>
-          <a:fontRef idx="minor">
-            <a:schemeClr val="tx1"/>
-          </a:fontRef>
-        </p:style>
-      </p:cxnSp>
-      <p:sp>
-        <p:nvSpPr>
-          <p:cNvPr id="16" name="文本框 13"/>
-          <p:cNvSpPr txBox="1"/>
-          <p:nvPr/>
-        </p:nvSpPr>
-        <p:spPr>
-          <a:xfrm>
-            <a:off x="1261297" y="137443"/>
-            <a:ext cx="2811780" cy="303530"/>
-          </a:xfrm>
-          <a:prstGeom prst="rect">
-            <a:avLst/>
-          </a:prstGeom>
-          <a:noFill/>
-        </p:spPr>
-        <p:txBody>
-          <a:bodyPr wrap="none" rtlCol="0">
-            <a:spAutoFit/>
-          </a:bodyPr>
-          <a:lstStyle/>
-          <a:p>
-            <a:pPr algn="l"/>
-            <a:r>
-              <a:rPr lang="zh-CN" altLang="en-US" sz="1380" dirty="0">
-                <a:solidFill>
-                  <a:schemeClr val="bg1"/>
-                </a:solidFill>
-                <a:latin typeface="微软雅黑" panose="020B0503020204020204" pitchFamily="34" charset="-122"/>
-                <a:ea typeface="微软雅黑" panose="020B0503020204020204" pitchFamily="34" charset="-122"/>
-              </a:rPr>
-              <a:t>电子科技大学机械与电气工程学院</a:t>
-            </a:r>
-            <a:endParaRPr lang="zh-CN" altLang="en-US" sz="1380" dirty="0">
-              <a:solidFill>
-                <a:schemeClr val="bg1"/>
-              </a:solidFill>
-              <a:latin typeface="微软雅黑" panose="020B0503020204020204" pitchFamily="34" charset="-122"/>
-              <a:ea typeface="微软雅黑" panose="020B0503020204020204" pitchFamily="34" charset="-122"/>
-            </a:endParaRPr>
-          </a:p>
-        </p:txBody>
-      </p:sp>
-      <p:sp>
-        <p:nvSpPr>
-          <p:cNvPr id="17" name="文本框 15"/>
-          <p:cNvSpPr txBox="1"/>
-          <p:nvPr/>
-        </p:nvSpPr>
-        <p:spPr>
-          <a:xfrm>
-            <a:off x="1265107" y="385093"/>
-            <a:ext cx="2880360" cy="232410"/>
-          </a:xfrm>
-          <a:prstGeom prst="rect">
-            <a:avLst/>
-          </a:prstGeom>
-          <a:noFill/>
-        </p:spPr>
-        <p:txBody>
-          <a:bodyPr wrap="square" rtlCol="0">
-            <a:spAutoFit/>
-          </a:bodyPr>
-          <a:lstStyle/>
-          <a:p>
-            <a:r>
-              <a:rPr lang="zh-CN" altLang="en-US" sz="920" dirty="0">
-                <a:solidFill>
-                  <a:schemeClr val="bg1"/>
-                </a:solidFill>
-                <a:latin typeface="微软雅黑" panose="020B0503020204020204" pitchFamily="34" charset="-122"/>
-                <a:ea typeface="微软雅黑" panose="020B0503020204020204" pitchFamily="34" charset="-122"/>
-              </a:rPr>
-              <a:t>School of Mechanical and Electrical Engineering</a:t>
-            </a:r>
-            <a:endParaRPr lang="zh-CN" altLang="en-US" sz="920" dirty="0">
-              <a:solidFill>
-                <a:schemeClr val="bg1"/>
-              </a:solidFill>
-              <a:latin typeface="微软雅黑" panose="020B0503020204020204" pitchFamily="34" charset="-122"/>
-              <a:ea typeface="微软雅黑" panose="020B0503020204020204" pitchFamily="34" charset="-122"/>
-            </a:endParaRPr>
-          </a:p>
-        </p:txBody>
-      </p:sp>
-      <p:cxnSp>
-        <p:nvCxnSpPr>
-          <p:cNvPr id="18" name="直接连接符 17"/>
-          <p:cNvCxnSpPr/>
-          <p:nvPr/>
-        </p:nvCxnSpPr>
-        <p:spPr>
-          <a:xfrm>
-            <a:off x="1180017" y="44098"/>
-            <a:ext cx="0" cy="645160"/>
-          </a:xfrm>
-          <a:prstGeom prst="line">
-            <a:avLst/>
-          </a:prstGeom>
-          <a:ln w="9525">
-            <a:solidFill>
-              <a:schemeClr val="bg1"/>
-            </a:solidFill>
-          </a:ln>
-        </p:spPr>
-        <p:style>
-          <a:lnRef idx="1">
-            <a:schemeClr val="accent1"/>
-          </a:lnRef>
-          <a:fillRef idx="0">
-            <a:schemeClr val="accent1"/>
-          </a:fillRef>
-          <a:effectRef idx="0">
-            <a:schemeClr val="accent1"/>
-          </a:effectRef>
-          <a:fontRef idx="minor">
-            <a:schemeClr val="tx1"/>
-          </a:fontRef>
-        </p:style>
-      </p:cxnSp>
-      <p:pic>
-        <p:nvPicPr>
-          <p:cNvPr id="22" name="图片 21"/>
-          <p:cNvPicPr>
-            <a:picLocks noChangeAspect="1"/>
-          </p:cNvPicPr>
-          <p:nvPr/>
-        </p:nvPicPr>
-        <p:blipFill>
-          <a:blip r:embed="rId1" cstate="print">
-            <a:extLst>
-              <a:ext uri="{28A0092B-C50C-407E-A947-70E740481C1C}">
-                <a14:useLocalDpi xmlns:a14="http://schemas.microsoft.com/office/drawing/2010/main" val="0"/>
-              </a:ext>
-            </a:extLst>
-          </a:blip>
-          <a:stretch>
-            <a:fillRect/>
-          </a:stretch>
-        </p:blipFill>
-        <p:spPr>
-          <a:xfrm>
-            <a:off x="384649" y="26500"/>
-            <a:ext cx="583162" cy="680356"/>
-          </a:xfrm>
-          <a:prstGeom prst="rect">
-            <a:avLst/>
-          </a:prstGeom>
-        </p:spPr>
-      </p:pic>
-      <p:pic>
-        <p:nvPicPr>
-          <p:cNvPr id="23" name="图片 22" descr="03-1"/>
-          <p:cNvPicPr>
-            <a:picLocks noChangeAspect="1"/>
-          </p:cNvPicPr>
-          <p:nvPr/>
-        </p:nvPicPr>
-        <p:blipFill>
-          <a:blip r:embed="rId2" cstate="print"/>
-          <a:stretch>
-            <a:fillRect/>
-          </a:stretch>
-        </p:blipFill>
-        <p:spPr>
-          <a:xfrm>
-            <a:off x="2389505" y="5318125"/>
-            <a:ext cx="7412990" cy="1551305"/>
-          </a:xfrm>
-          <a:prstGeom prst="rect">
-            <a:avLst/>
-          </a:prstGeom>
-        </p:spPr>
-      </p:pic>
-      <p:sp>
-        <p:nvSpPr>
-          <p:cNvPr id="2" name="矩形 1"/>
-          <p:cNvSpPr/>
-          <p:nvPr/>
-        </p:nvSpPr>
-        <p:spPr>
-          <a:xfrm>
-            <a:off x="2672731" y="1452642"/>
-            <a:ext cx="1135380" cy="2399665"/>
-          </a:xfrm>
-          <a:prstGeom prst="rect">
-            <a:avLst/>
-          </a:prstGeom>
-          <a:noFill/>
-        </p:spPr>
-        <p:txBody>
-          <a:bodyPr wrap="none" lIns="91440" tIns="45720" rIns="91440" bIns="45720">
-            <a:spAutoFit/>
-            <a:scene3d>
-              <a:camera prst="orthographicFront"/>
-              <a:lightRig rig="soft" dir="t">
-                <a:rot lat="0" lon="0" rev="15600000"/>
-              </a:lightRig>
-            </a:scene3d>
-            <a:sp3d extrusionH="57150" prstMaterial="softEdge">
-              <a:bevelT w="25400" h="38100"/>
-            </a:sp3d>
-          </a:bodyPr>
-          <a:lstStyle/>
-          <a:p>
-            <a:pPr algn="ctr"/>
-            <a:r>
-              <a:rPr lang="en-US" altLang="zh-CN" sz="15000" b="1" i="1" dirty="0">
-                <a:solidFill>
-                  <a:schemeClr val="accent4"/>
-                </a:solidFill>
-                <a:latin typeface="Times New Roman" panose="02020603050405020304" pitchFamily="18" charset="0"/>
-                <a:cs typeface="Times New Roman" panose="02020603050405020304" pitchFamily="18" charset="0"/>
-              </a:rPr>
-              <a:t>5</a:t>
-            </a:r>
-            <a:endParaRPr lang="en-US" altLang="zh-CN" sz="15000" b="1" i="1" dirty="0">
-              <a:solidFill>
-                <a:schemeClr val="accent4"/>
-              </a:solidFill>
-              <a:latin typeface="Times New Roman" panose="02020603050405020304" pitchFamily="18" charset="0"/>
-              <a:cs typeface="Times New Roman" panose="02020603050405020304" pitchFamily="18" charset="0"/>
-            </a:endParaRPr>
-          </a:p>
-        </p:txBody>
-      </p:sp>
-      <p:sp>
-        <p:nvSpPr>
-          <p:cNvPr id="3" name="文本框 2"/>
-          <p:cNvSpPr txBox="1"/>
-          <p:nvPr/>
-        </p:nvSpPr>
-        <p:spPr>
-          <a:xfrm>
-            <a:off x="4727575" y="2238375"/>
-            <a:ext cx="3922395" cy="829945"/>
-          </a:xfrm>
-          <a:prstGeom prst="rect">
-            <a:avLst/>
-          </a:prstGeom>
-          <a:noFill/>
-        </p:spPr>
-        <p:txBody>
-          <a:bodyPr wrap="square" rtlCol="0">
-            <a:spAutoFit/>
-          </a:bodyPr>
-          <a:p>
-            <a:r>
-              <a:rPr lang="zh-CN" altLang="en-US" sz="4800" b="1">
-                <a:solidFill>
-                  <a:schemeClr val="accent4"/>
-                </a:solidFill>
-                <a:latin typeface="微软雅黑" panose="020B0503020204020204" pitchFamily="34" charset="-122"/>
-                <a:ea typeface="微软雅黑" panose="020B0503020204020204" pitchFamily="34" charset="-122"/>
-              </a:rPr>
-              <a:t>论文工作基础</a:t>
-            </a:r>
-            <a:endParaRPr lang="zh-CN" altLang="en-US" sz="4800" b="1">
-              <a:solidFill>
-                <a:schemeClr val="accent4"/>
-              </a:solidFill>
-              <a:latin typeface="微软雅黑" panose="020B0503020204020204" pitchFamily="34" charset="-122"/>
-              <a:ea typeface="微软雅黑" panose="020B0503020204020204" pitchFamily="34" charset="-122"/>
-            </a:endParaRPr>
-          </a:p>
-        </p:txBody>
-      </p:sp>
-    </p:spTree>
-  </p:cSld>
-  <p:clrMapOvr>
-    <a:masterClrMapping/>
-  </p:clrMapOvr>
-</p:sld>
-</file>
-
-<file path=ppt/slides/slide19.xml><?xml version="1.0" encoding="utf-8"?>
-<p:sld xmlns:a="http://schemas.openxmlformats.org/drawingml/2006/main" xmlns:r="http://schemas.openxmlformats.org/officeDocument/2006/relationships" xmlns:p="http://schemas.openxmlformats.org/presentationml/2006/main">
-  <p:cSld>
-    <p:spTree>
-      <p:nvGrpSpPr>
-        <p:cNvPr id="1" name=""/>
-        <p:cNvGrpSpPr/>
-        <p:nvPr/>
-      </p:nvGrpSpPr>
-      <p:grpSpPr>
-        <a:xfrm>
-          <a:off x="0" y="0"/>
-          <a:ext cx="0" cy="0"/>
-          <a:chOff x="0" y="0"/>
-          <a:chExt cx="0" cy="0"/>
-        </a:xfrm>
-      </p:grpSpPr>
-      <p:sp>
-        <p:nvSpPr>
-          <p:cNvPr id="9" name="文本框 4"/>
-          <p:cNvSpPr txBox="1"/>
-          <p:nvPr/>
-        </p:nvSpPr>
-        <p:spPr>
-          <a:xfrm>
-            <a:off x="376974" y="898927"/>
-            <a:ext cx="11412504" cy="891540"/>
-          </a:xfrm>
-          <a:prstGeom prst="rect">
-            <a:avLst/>
-          </a:prstGeom>
-          <a:noFill/>
-        </p:spPr>
-        <p:txBody>
-          <a:bodyPr wrap="square" rtlCol="0">
-            <a:spAutoFit/>
-          </a:bodyPr>
-          <a:lstStyle/>
-          <a:p>
-            <a:pPr marL="457200" indent="-457200">
-              <a:buFont typeface="Arial" panose="020B0604020202020204" pitchFamily="34" charset="0"/>
-              <a:buChar char="•"/>
-            </a:pPr>
-            <a:r>
-              <a:rPr lang="zh-CN" altLang="en-US" sz="2800" b="1" dirty="0">
-                <a:solidFill>
-                  <a:srgbClr val="7030A0"/>
-                </a:solidFill>
-                <a:latin typeface="微软雅黑" panose="020B0503020204020204" pitchFamily="34" charset="-122"/>
-                <a:ea typeface="微软雅黑" panose="020B0503020204020204" pitchFamily="34" charset="-122"/>
-              </a:rPr>
-              <a:t>研究意义</a:t>
-            </a:r>
-            <a:endParaRPr lang="en-US" altLang="zh-CN" sz="2800" b="1" dirty="0">
-              <a:solidFill>
-                <a:srgbClr val="7030A0"/>
-              </a:solidFill>
-              <a:latin typeface="微软雅黑" panose="020B0503020204020204" pitchFamily="34" charset="-122"/>
-              <a:ea typeface="微软雅黑" panose="020B0503020204020204" pitchFamily="34" charset="-122"/>
-            </a:endParaRPr>
-          </a:p>
-          <a:p>
-            <a:endParaRPr lang="zh-CN" altLang="en-US" sz="2400" b="1" dirty="0">
-              <a:solidFill>
-                <a:srgbClr val="7030A0"/>
-              </a:solidFill>
-              <a:latin typeface="微软雅黑" panose="020B0503020204020204" pitchFamily="34" charset="-122"/>
-              <a:ea typeface="微软雅黑" panose="020B0503020204020204" pitchFamily="34" charset="-122"/>
-            </a:endParaRPr>
-          </a:p>
-        </p:txBody>
-      </p:sp>
-      <p:sp>
-        <p:nvSpPr>
-          <p:cNvPr id="36" name="文本框 13"/>
-          <p:cNvSpPr txBox="1"/>
-          <p:nvPr/>
-        </p:nvSpPr>
-        <p:spPr>
-          <a:xfrm>
-            <a:off x="1261297" y="137443"/>
-            <a:ext cx="3021965" cy="583565"/>
-          </a:xfrm>
-          <a:prstGeom prst="rect">
-            <a:avLst/>
-          </a:prstGeom>
-          <a:noFill/>
-        </p:spPr>
-        <p:txBody>
-          <a:bodyPr wrap="none" rtlCol="0">
-            <a:spAutoFit/>
-          </a:bodyPr>
-          <a:lstStyle/>
-          <a:p>
-            <a:pPr marL="342900" indent="-342900">
-              <a:spcBef>
-                <a:spcPts val="1200"/>
-              </a:spcBef>
-              <a:buFont typeface="Wingdings" panose="05000000000000000000" pitchFamily="2" charset="2"/>
-              <a:buChar char="u"/>
-            </a:pPr>
-            <a:r>
-              <a:rPr lang="zh-CN" altLang="en-US" sz="3200" b="1" dirty="0">
-                <a:solidFill>
-                  <a:srgbClr val="CC9933"/>
-                </a:solidFill>
-                <a:latin typeface="微软雅黑" panose="020B0503020204020204" pitchFamily="34" charset="-122"/>
-                <a:ea typeface="微软雅黑" panose="020B0503020204020204" pitchFamily="34" charset="-122"/>
-              </a:rPr>
-              <a:t>论文工作基础</a:t>
-            </a:r>
-            <a:endParaRPr lang="zh-CN" altLang="en-US" sz="3200" b="1" dirty="0">
-              <a:solidFill>
-                <a:srgbClr val="CC9933"/>
-              </a:solidFill>
-              <a:latin typeface="微软雅黑" panose="020B0503020204020204" pitchFamily="34" charset="-122"/>
-              <a:ea typeface="微软雅黑" panose="020B0503020204020204" pitchFamily="34" charset="-122"/>
-            </a:endParaRPr>
-          </a:p>
-        </p:txBody>
-      </p:sp>
-      <p:cxnSp>
-        <p:nvCxnSpPr>
-          <p:cNvPr id="38" name="直接连接符 37"/>
-          <p:cNvCxnSpPr/>
-          <p:nvPr/>
-        </p:nvCxnSpPr>
-        <p:spPr>
-          <a:xfrm>
-            <a:off x="1180017" y="44098"/>
-            <a:ext cx="0" cy="645160"/>
-          </a:xfrm>
-          <a:prstGeom prst="line">
-            <a:avLst/>
-          </a:prstGeom>
-          <a:ln w="9525">
-            <a:solidFill>
-              <a:schemeClr val="tx1"/>
-            </a:solidFill>
-          </a:ln>
-        </p:spPr>
-        <p:style>
-          <a:lnRef idx="1">
-            <a:schemeClr val="accent1"/>
-          </a:lnRef>
-          <a:fillRef idx="0">
-            <a:schemeClr val="accent1"/>
-          </a:fillRef>
-          <a:effectRef idx="0">
-            <a:schemeClr val="accent1"/>
-          </a:effectRef>
-          <a:fontRef idx="minor">
-            <a:schemeClr val="tx1"/>
-          </a:fontRef>
-        </p:style>
-      </p:cxnSp>
-      <p:sp>
-        <p:nvSpPr>
-          <p:cNvPr id="3" name="文本框 2"/>
-          <p:cNvSpPr txBox="1"/>
-          <p:nvPr/>
-        </p:nvSpPr>
-        <p:spPr>
-          <a:xfrm>
-            <a:off x="748030" y="2299335"/>
-            <a:ext cx="5587365" cy="3046095"/>
-          </a:xfrm>
-          <a:prstGeom prst="rect">
-            <a:avLst/>
-          </a:prstGeom>
-          <a:noFill/>
-          <a:ln w="9525">
-            <a:noFill/>
-          </a:ln>
-        </p:spPr>
-        <p:txBody>
-          <a:bodyPr wrap="square">
-            <a:spAutoFit/>
-          </a:bodyPr>
-          <a:p>
-            <a:pPr indent="0"/>
-            <a:r>
-              <a:rPr lang="zh-CN" sz="2400" b="0">
-                <a:latin typeface="Times New Roman" panose="02020603050405020304" pitchFamily="18" charset="0"/>
-                <a:ea typeface="宋体" panose="02010600030101010101" pitchFamily="2" charset="-122"/>
-              </a:rPr>
-              <a:t>近年来，各国已建、在建和将建的</a:t>
-            </a:r>
-            <a:r>
-              <a:rPr lang="zh-CN" sz="2400" b="1">
-                <a:solidFill>
-                  <a:srgbClr val="FFC000"/>
-                </a:solidFill>
-                <a:latin typeface="Times New Roman" panose="02020603050405020304" pitchFamily="18" charset="0"/>
-                <a:ea typeface="宋体" panose="02010600030101010101" pitchFamily="2" charset="-122"/>
-              </a:rPr>
-              <a:t>跨海大桥、海底隧道、海港码头以及沿海地区、除冰盐地区兴建的高速铁路、高速公路、桥梁、工业建筑</a:t>
-            </a:r>
-            <a:r>
-              <a:rPr lang="zh-CN" sz="2400" b="0">
-                <a:latin typeface="Times New Roman" panose="02020603050405020304" pitchFamily="18" charset="0"/>
-                <a:ea typeface="宋体" panose="02010600030101010101" pitchFamily="2" charset="-122"/>
-              </a:rPr>
-              <a:t>等重大工程都广泛采用预应力混凝土结构，这些环境下结构的耐久性面临巨大挑战，如何对结构进行良好的腐蚀防护和监测成为了研究的重点</a:t>
-            </a:r>
-            <a:endParaRPr lang="zh-CN" altLang="en-US" sz="2400"/>
-          </a:p>
-        </p:txBody>
-      </p:sp>
-      <p:sp>
-        <p:nvSpPr>
-          <p:cNvPr id="5" name="文本框 4"/>
-          <p:cNvSpPr txBox="1"/>
-          <p:nvPr/>
-        </p:nvSpPr>
-        <p:spPr>
-          <a:xfrm>
-            <a:off x="6335395" y="2299335"/>
-            <a:ext cx="5587365" cy="3046095"/>
-          </a:xfrm>
-          <a:prstGeom prst="rect">
-            <a:avLst/>
-          </a:prstGeom>
-          <a:noFill/>
-          <a:ln w="9525">
-            <a:noFill/>
-          </a:ln>
-        </p:spPr>
-        <p:txBody>
-          <a:bodyPr wrap="square">
-            <a:spAutoFit/>
-          </a:bodyPr>
-          <a:p>
-            <a:pPr indent="0"/>
-            <a:r>
-              <a:rPr lang="zh-CN" altLang="en-US" sz="2400"/>
-              <a:t>常规锚固体系已经不能满足腐蚀防护和监测的要求，通过研究电隔离防护技术，开展电隔离预应力锚固技术的研究，提升结构抗腐蚀性能并对其健康状况进行长期监测，对确保重大土木工程结构全寿命使用安全，推动混凝土结构理论与技术应用，实现经济社会绿色、可持续发展具有重要意义。</a:t>
-            </a:r>
-            <a:endParaRPr lang="zh-CN" altLang="en-US" sz="2400"/>
           </a:p>
         </p:txBody>
       </p:sp>
@@ -7195,13 +5580,6 @@
               </a:rPr>
               <a:t>研究问题</a:t>
             </a:r>
-            <a:endParaRPr lang="zh-CN" altLang="en-US" sz="4000" b="1" dirty="0">
-              <a:solidFill>
-                <a:srgbClr val="183783"/>
-              </a:solidFill>
-              <a:latin typeface="微软雅黑" panose="020B0503020204020204" pitchFamily="34" charset="-122"/>
-              <a:ea typeface="微软雅黑" panose="020B0503020204020204" pitchFamily="34" charset="-122"/>
-            </a:endParaRPr>
           </a:p>
           <a:p>
             <a:pPr>
@@ -7229,13 +5607,6 @@
               </a:rPr>
               <a:t>研究内容与方法</a:t>
             </a:r>
-            <a:endParaRPr lang="zh-CN" altLang="en-US" sz="4000" b="1" dirty="0">
-              <a:solidFill>
-                <a:srgbClr val="183783"/>
-              </a:solidFill>
-              <a:latin typeface="微软雅黑" panose="020B0503020204020204" pitchFamily="34" charset="-122"/>
-              <a:ea typeface="微软雅黑" panose="020B0503020204020204" pitchFamily="34" charset="-122"/>
-            </a:endParaRPr>
           </a:p>
           <a:p>
             <a:pPr>
@@ -7263,13 +5634,6 @@
               </a:rPr>
               <a:t>论文工作基础</a:t>
             </a:r>
-            <a:endParaRPr lang="zh-CN" altLang="en-US" sz="4000" b="1" dirty="0">
-              <a:solidFill>
-                <a:srgbClr val="183783"/>
-              </a:solidFill>
-              <a:latin typeface="微软雅黑" panose="020B0503020204020204" pitchFamily="34" charset="-122"/>
-              <a:ea typeface="微软雅黑" panose="020B0503020204020204" pitchFamily="34" charset="-122"/>
-            </a:endParaRPr>
           </a:p>
         </p:txBody>
       </p:sp>
@@ -7343,514 +5707,6 @@
               </a:rPr>
               <a:t>目录</a:t>
             </a:r>
-            <a:endParaRPr lang="zh-CN" altLang="en-US" sz="7200" b="1" dirty="0">
-              <a:solidFill>
-                <a:srgbClr val="183783"/>
-              </a:solidFill>
-              <a:latin typeface="微软雅黑" panose="020B0503020204020204" pitchFamily="34" charset="-122"/>
-              <a:ea typeface="微软雅黑" panose="020B0503020204020204" pitchFamily="34" charset="-122"/>
-              <a:cs typeface="微软雅黑" panose="020B0503020204020204" pitchFamily="34" charset="-122"/>
-            </a:endParaRPr>
-          </a:p>
-        </p:txBody>
-      </p:sp>
-    </p:spTree>
-  </p:cSld>
-  <p:clrMapOvr>
-    <a:masterClrMapping/>
-  </p:clrMapOvr>
-</p:sld>
-</file>
-
-<file path=ppt/slides/slide20.xml><?xml version="1.0" encoding="utf-8"?>
-<p:sld xmlns:a="http://schemas.openxmlformats.org/drawingml/2006/main" xmlns:r="http://schemas.openxmlformats.org/officeDocument/2006/relationships" xmlns:p="http://schemas.openxmlformats.org/presentationml/2006/main">
-  <p:cSld>
-    <p:spTree>
-      <p:nvGrpSpPr>
-        <p:cNvPr id="1" name=""/>
-        <p:cNvGrpSpPr/>
-        <p:nvPr/>
-      </p:nvGrpSpPr>
-      <p:grpSpPr>
-        <a:xfrm>
-          <a:off x="0" y="0"/>
-          <a:ext cx="0" cy="0"/>
-          <a:chOff x="0" y="0"/>
-          <a:chExt cx="0" cy="0"/>
-        </a:xfrm>
-      </p:grpSpPr>
-      <p:sp>
-        <p:nvSpPr>
-          <p:cNvPr id="9" name="文本框 4"/>
-          <p:cNvSpPr txBox="1"/>
-          <p:nvPr/>
-        </p:nvSpPr>
-        <p:spPr>
-          <a:xfrm>
-            <a:off x="376974" y="898927"/>
-            <a:ext cx="11412504" cy="891540"/>
-          </a:xfrm>
-          <a:prstGeom prst="rect">
-            <a:avLst/>
-          </a:prstGeom>
-          <a:noFill/>
-        </p:spPr>
-        <p:txBody>
-          <a:bodyPr wrap="square" rtlCol="0">
-            <a:spAutoFit/>
-          </a:bodyPr>
-          <a:lstStyle/>
-          <a:p>
-            <a:pPr marL="457200" indent="-457200">
-              <a:buFont typeface="Arial" panose="020B0604020202020204" pitchFamily="34" charset="0"/>
-              <a:buChar char="•"/>
-            </a:pPr>
-            <a:r>
-              <a:rPr lang="zh-CN" altLang="en-US" sz="2800" b="1" dirty="0">
-                <a:solidFill>
-                  <a:srgbClr val="7030A0"/>
-                </a:solidFill>
-                <a:latin typeface="微软雅黑" panose="020B0503020204020204" pitchFamily="34" charset="-122"/>
-                <a:ea typeface="微软雅黑" panose="020B0503020204020204" pitchFamily="34" charset="-122"/>
-              </a:rPr>
-              <a:t>研究意义</a:t>
-            </a:r>
-            <a:endParaRPr lang="en-US" altLang="zh-CN" sz="2800" b="1" dirty="0">
-              <a:solidFill>
-                <a:srgbClr val="7030A0"/>
-              </a:solidFill>
-              <a:latin typeface="微软雅黑" panose="020B0503020204020204" pitchFamily="34" charset="-122"/>
-              <a:ea typeface="微软雅黑" panose="020B0503020204020204" pitchFamily="34" charset="-122"/>
-            </a:endParaRPr>
-          </a:p>
-          <a:p>
-            <a:endParaRPr lang="zh-CN" altLang="en-US" sz="2400" b="1" dirty="0">
-              <a:solidFill>
-                <a:srgbClr val="7030A0"/>
-              </a:solidFill>
-              <a:latin typeface="微软雅黑" panose="020B0503020204020204" pitchFamily="34" charset="-122"/>
-              <a:ea typeface="微软雅黑" panose="020B0503020204020204" pitchFamily="34" charset="-122"/>
-            </a:endParaRPr>
-          </a:p>
-        </p:txBody>
-      </p:sp>
-      <p:sp>
-        <p:nvSpPr>
-          <p:cNvPr id="36" name="文本框 13"/>
-          <p:cNvSpPr txBox="1"/>
-          <p:nvPr/>
-        </p:nvSpPr>
-        <p:spPr>
-          <a:xfrm>
-            <a:off x="1261297" y="137443"/>
-            <a:ext cx="3021965" cy="583565"/>
-          </a:xfrm>
-          <a:prstGeom prst="rect">
-            <a:avLst/>
-          </a:prstGeom>
-          <a:noFill/>
-        </p:spPr>
-        <p:txBody>
-          <a:bodyPr wrap="none" rtlCol="0">
-            <a:spAutoFit/>
-          </a:bodyPr>
-          <a:lstStyle/>
-          <a:p>
-            <a:pPr marL="342900" indent="-342900">
-              <a:spcBef>
-                <a:spcPts val="1200"/>
-              </a:spcBef>
-              <a:buFont typeface="Wingdings" panose="05000000000000000000" pitchFamily="2" charset="2"/>
-              <a:buChar char="u"/>
-            </a:pPr>
-            <a:r>
-              <a:rPr lang="zh-CN" altLang="en-US" sz="3200" b="1" dirty="0">
-                <a:solidFill>
-                  <a:srgbClr val="CC9933"/>
-                </a:solidFill>
-                <a:latin typeface="微软雅黑" panose="020B0503020204020204" pitchFamily="34" charset="-122"/>
-                <a:ea typeface="微软雅黑" panose="020B0503020204020204" pitchFamily="34" charset="-122"/>
-              </a:rPr>
-              <a:t>论文工作基础</a:t>
-            </a:r>
-            <a:endParaRPr lang="zh-CN" altLang="en-US" sz="3200" b="1" dirty="0">
-              <a:solidFill>
-                <a:srgbClr val="CC9933"/>
-              </a:solidFill>
-              <a:latin typeface="微软雅黑" panose="020B0503020204020204" pitchFamily="34" charset="-122"/>
-              <a:ea typeface="微软雅黑" panose="020B0503020204020204" pitchFamily="34" charset="-122"/>
-            </a:endParaRPr>
-          </a:p>
-        </p:txBody>
-      </p:sp>
-      <p:cxnSp>
-        <p:nvCxnSpPr>
-          <p:cNvPr id="38" name="直接连接符 37"/>
-          <p:cNvCxnSpPr/>
-          <p:nvPr/>
-        </p:nvCxnSpPr>
-        <p:spPr>
-          <a:xfrm>
-            <a:off x="1180017" y="44098"/>
-            <a:ext cx="0" cy="645160"/>
-          </a:xfrm>
-          <a:prstGeom prst="line">
-            <a:avLst/>
-          </a:prstGeom>
-          <a:ln w="9525">
-            <a:solidFill>
-              <a:schemeClr val="tx1"/>
-            </a:solidFill>
-          </a:ln>
-        </p:spPr>
-        <p:style>
-          <a:lnRef idx="1">
-            <a:schemeClr val="accent1"/>
-          </a:lnRef>
-          <a:fillRef idx="0">
-            <a:schemeClr val="accent1"/>
-          </a:fillRef>
-          <a:effectRef idx="0">
-            <a:schemeClr val="accent1"/>
-          </a:effectRef>
-          <a:fontRef idx="minor">
-            <a:schemeClr val="tx1"/>
-          </a:fontRef>
-        </p:style>
-      </p:cxnSp>
-      <p:sp>
-        <p:nvSpPr>
-          <p:cNvPr id="3" name="文本框 2"/>
-          <p:cNvSpPr txBox="1"/>
-          <p:nvPr/>
-        </p:nvSpPr>
-        <p:spPr>
-          <a:xfrm>
-            <a:off x="748030" y="2299335"/>
-            <a:ext cx="5587365" cy="3046095"/>
-          </a:xfrm>
-          <a:prstGeom prst="rect">
-            <a:avLst/>
-          </a:prstGeom>
-          <a:noFill/>
-          <a:ln w="9525">
-            <a:noFill/>
-          </a:ln>
-        </p:spPr>
-        <p:txBody>
-          <a:bodyPr wrap="square">
-            <a:spAutoFit/>
-          </a:bodyPr>
-          <a:p>
-            <a:pPr indent="0"/>
-            <a:r>
-              <a:rPr lang="zh-CN" sz="2400" b="0">
-                <a:latin typeface="Times New Roman" panose="02020603050405020304" pitchFamily="18" charset="0"/>
-                <a:ea typeface="宋体" panose="02010600030101010101" pitchFamily="2" charset="-122"/>
-              </a:rPr>
-              <a:t>近年来，各国已建、在建和将建的</a:t>
-            </a:r>
-            <a:r>
-              <a:rPr lang="zh-CN" sz="2400" b="1">
-                <a:solidFill>
-                  <a:srgbClr val="FFC000"/>
-                </a:solidFill>
-                <a:latin typeface="Times New Roman" panose="02020603050405020304" pitchFamily="18" charset="0"/>
-                <a:ea typeface="宋体" panose="02010600030101010101" pitchFamily="2" charset="-122"/>
-              </a:rPr>
-              <a:t>跨海大桥、海底隧道、海港码头以及沿海地区、除冰盐地区兴建的高速铁路、高速公路、桥梁、工业建筑</a:t>
-            </a:r>
-            <a:r>
-              <a:rPr lang="zh-CN" sz="2400" b="0">
-                <a:latin typeface="Times New Roman" panose="02020603050405020304" pitchFamily="18" charset="0"/>
-                <a:ea typeface="宋体" panose="02010600030101010101" pitchFamily="2" charset="-122"/>
-              </a:rPr>
-              <a:t>等重大工程都广泛采用预应力混凝土结构，这些环境下结构的耐久性面临巨大挑战，如何对结构进行良好的腐蚀防护和监测成为了研究的重点</a:t>
-            </a:r>
-            <a:endParaRPr lang="zh-CN" altLang="en-US" sz="2400"/>
-          </a:p>
-        </p:txBody>
-      </p:sp>
-      <p:sp>
-        <p:nvSpPr>
-          <p:cNvPr id="5" name="文本框 4"/>
-          <p:cNvSpPr txBox="1"/>
-          <p:nvPr/>
-        </p:nvSpPr>
-        <p:spPr>
-          <a:xfrm>
-            <a:off x="6335395" y="2299335"/>
-            <a:ext cx="5587365" cy="3046095"/>
-          </a:xfrm>
-          <a:prstGeom prst="rect">
-            <a:avLst/>
-          </a:prstGeom>
-          <a:noFill/>
-          <a:ln w="9525">
-            <a:noFill/>
-          </a:ln>
-        </p:spPr>
-        <p:txBody>
-          <a:bodyPr wrap="square">
-            <a:spAutoFit/>
-          </a:bodyPr>
-          <a:p>
-            <a:pPr indent="0"/>
-            <a:r>
-              <a:rPr lang="zh-CN" altLang="en-US" sz="2400"/>
-              <a:t>常规锚固体系已经不能满足腐蚀防护和监测的要求，通过研究电隔离防护技术，开展电隔离预应力锚固技术的研究，提升结构抗腐蚀性能并对其健康状况进行长期监测，对确保重大土木工程结构全寿命使用安全，推动混凝土结构理论与技术应用，实现经济社会绿色、可持续发展具有重要意义。</a:t>
-            </a:r>
-            <a:endParaRPr lang="zh-CN" altLang="en-US" sz="2400"/>
-          </a:p>
-        </p:txBody>
-      </p:sp>
-    </p:spTree>
-  </p:cSld>
-  <p:clrMapOvr>
-    <a:masterClrMapping/>
-  </p:clrMapOvr>
-</p:sld>
-</file>
-
-<file path=ppt/slides/slide21.xml><?xml version="1.0" encoding="utf-8"?>
-<p:sld xmlns:a="http://schemas.openxmlformats.org/drawingml/2006/main" xmlns:r="http://schemas.openxmlformats.org/officeDocument/2006/relationships" xmlns:p="http://schemas.openxmlformats.org/presentationml/2006/main">
-  <p:cSld>
-    <p:spTree>
-      <p:nvGrpSpPr>
-        <p:cNvPr id="1" name=""/>
-        <p:cNvGrpSpPr/>
-        <p:nvPr/>
-      </p:nvGrpSpPr>
-      <p:grpSpPr>
-        <a:xfrm>
-          <a:off x="0" y="0"/>
-          <a:ext cx="0" cy="0"/>
-          <a:chOff x="0" y="0"/>
-          <a:chExt cx="0" cy="0"/>
-        </a:xfrm>
-      </p:grpSpPr>
-      <p:sp>
-        <p:nvSpPr>
-          <p:cNvPr id="9" name="文本框 4"/>
-          <p:cNvSpPr txBox="1"/>
-          <p:nvPr/>
-        </p:nvSpPr>
-        <p:spPr>
-          <a:xfrm>
-            <a:off x="376974" y="898927"/>
-            <a:ext cx="11412504" cy="891540"/>
-          </a:xfrm>
-          <a:prstGeom prst="rect">
-            <a:avLst/>
-          </a:prstGeom>
-          <a:noFill/>
-        </p:spPr>
-        <p:txBody>
-          <a:bodyPr wrap="square" rtlCol="0">
-            <a:spAutoFit/>
-          </a:bodyPr>
-          <a:lstStyle/>
-          <a:p>
-            <a:pPr marL="457200" indent="-457200">
-              <a:buFont typeface="Arial" panose="020B0604020202020204" pitchFamily="34" charset="0"/>
-              <a:buChar char="•"/>
-            </a:pPr>
-            <a:r>
-              <a:rPr lang="zh-CN" altLang="en-US" sz="2800" b="1" dirty="0">
-                <a:solidFill>
-                  <a:srgbClr val="7030A0"/>
-                </a:solidFill>
-                <a:latin typeface="微软雅黑" panose="020B0503020204020204" pitchFamily="34" charset="-122"/>
-                <a:ea typeface="微软雅黑" panose="020B0503020204020204" pitchFamily="34" charset="-122"/>
-              </a:rPr>
-              <a:t>研究意义</a:t>
-            </a:r>
-            <a:endParaRPr lang="en-US" altLang="zh-CN" sz="2800" b="1" dirty="0">
-              <a:solidFill>
-                <a:srgbClr val="7030A0"/>
-              </a:solidFill>
-              <a:latin typeface="微软雅黑" panose="020B0503020204020204" pitchFamily="34" charset="-122"/>
-              <a:ea typeface="微软雅黑" panose="020B0503020204020204" pitchFamily="34" charset="-122"/>
-            </a:endParaRPr>
-          </a:p>
-          <a:p>
-            <a:endParaRPr lang="zh-CN" altLang="en-US" sz="2400" b="1" dirty="0">
-              <a:solidFill>
-                <a:srgbClr val="7030A0"/>
-              </a:solidFill>
-              <a:latin typeface="微软雅黑" panose="020B0503020204020204" pitchFamily="34" charset="-122"/>
-              <a:ea typeface="微软雅黑" panose="020B0503020204020204" pitchFamily="34" charset="-122"/>
-            </a:endParaRPr>
-          </a:p>
-        </p:txBody>
-      </p:sp>
-      <p:sp>
-        <p:nvSpPr>
-          <p:cNvPr id="36" name="文本框 13"/>
-          <p:cNvSpPr txBox="1"/>
-          <p:nvPr/>
-        </p:nvSpPr>
-        <p:spPr>
-          <a:xfrm>
-            <a:off x="1261297" y="137443"/>
-            <a:ext cx="3021965" cy="583565"/>
-          </a:xfrm>
-          <a:prstGeom prst="rect">
-            <a:avLst/>
-          </a:prstGeom>
-          <a:noFill/>
-        </p:spPr>
-        <p:txBody>
-          <a:bodyPr wrap="none" rtlCol="0">
-            <a:spAutoFit/>
-          </a:bodyPr>
-          <a:lstStyle/>
-          <a:p>
-            <a:pPr marL="342900" indent="-342900">
-              <a:spcBef>
-                <a:spcPts val="1200"/>
-              </a:spcBef>
-              <a:buFont typeface="Wingdings" panose="05000000000000000000" pitchFamily="2" charset="2"/>
-              <a:buChar char="u"/>
-            </a:pPr>
-            <a:r>
-              <a:rPr lang="zh-CN" altLang="en-US" sz="3200" b="1" dirty="0">
-                <a:solidFill>
-                  <a:srgbClr val="CC9933"/>
-                </a:solidFill>
-                <a:latin typeface="微软雅黑" panose="020B0503020204020204" pitchFamily="34" charset="-122"/>
-                <a:ea typeface="微软雅黑" panose="020B0503020204020204" pitchFamily="34" charset="-122"/>
-              </a:rPr>
-              <a:t>论文工作基础</a:t>
-            </a:r>
-            <a:endParaRPr lang="zh-CN" altLang="en-US" sz="3200" b="1" dirty="0">
-              <a:solidFill>
-                <a:srgbClr val="CC9933"/>
-              </a:solidFill>
-              <a:latin typeface="微软雅黑" panose="020B0503020204020204" pitchFamily="34" charset="-122"/>
-              <a:ea typeface="微软雅黑" panose="020B0503020204020204" pitchFamily="34" charset="-122"/>
-            </a:endParaRPr>
-          </a:p>
-        </p:txBody>
-      </p:sp>
-      <p:cxnSp>
-        <p:nvCxnSpPr>
-          <p:cNvPr id="38" name="直接连接符 37"/>
-          <p:cNvCxnSpPr/>
-          <p:nvPr/>
-        </p:nvCxnSpPr>
-        <p:spPr>
-          <a:xfrm>
-            <a:off x="1180017" y="44098"/>
-            <a:ext cx="0" cy="645160"/>
-          </a:xfrm>
-          <a:prstGeom prst="line">
-            <a:avLst/>
-          </a:prstGeom>
-          <a:ln w="9525">
-            <a:solidFill>
-              <a:schemeClr val="tx1"/>
-            </a:solidFill>
-          </a:ln>
-        </p:spPr>
-        <p:style>
-          <a:lnRef idx="1">
-            <a:schemeClr val="accent1"/>
-          </a:lnRef>
-          <a:fillRef idx="0">
-            <a:schemeClr val="accent1"/>
-          </a:fillRef>
-          <a:effectRef idx="0">
-            <a:schemeClr val="accent1"/>
-          </a:effectRef>
-          <a:fontRef idx="minor">
-            <a:schemeClr val="tx1"/>
-          </a:fontRef>
-        </p:style>
-      </p:cxnSp>
-      <p:sp>
-        <p:nvSpPr>
-          <p:cNvPr id="3" name="文本框 2"/>
-          <p:cNvSpPr txBox="1"/>
-          <p:nvPr/>
-        </p:nvSpPr>
-        <p:spPr>
-          <a:xfrm>
-            <a:off x="748030" y="2299335"/>
-            <a:ext cx="5587365" cy="3046095"/>
-          </a:xfrm>
-          <a:prstGeom prst="rect">
-            <a:avLst/>
-          </a:prstGeom>
-          <a:noFill/>
-          <a:ln w="9525">
-            <a:noFill/>
-          </a:ln>
-        </p:spPr>
-        <p:txBody>
-          <a:bodyPr wrap="square">
-            <a:spAutoFit/>
-          </a:bodyPr>
-          <a:p>
-            <a:pPr indent="0"/>
-            <a:r>
-              <a:rPr lang="zh-CN" sz="2400" b="0">
-                <a:latin typeface="Times New Roman" panose="02020603050405020304" pitchFamily="18" charset="0"/>
-                <a:ea typeface="宋体" panose="02010600030101010101" pitchFamily="2" charset="-122"/>
-              </a:rPr>
-              <a:t>近年来，各国已建、在建和将建的</a:t>
-            </a:r>
-            <a:r>
-              <a:rPr lang="zh-CN" sz="2400" b="1">
-                <a:solidFill>
-                  <a:srgbClr val="FFC000"/>
-                </a:solidFill>
-                <a:latin typeface="Times New Roman" panose="02020603050405020304" pitchFamily="18" charset="0"/>
-                <a:ea typeface="宋体" panose="02010600030101010101" pitchFamily="2" charset="-122"/>
-              </a:rPr>
-              <a:t>跨海大桥、海底隧道、海港码头以及沿海地区、除冰盐地区兴建的高速铁路、高速公路、桥梁、工业建筑</a:t>
-            </a:r>
-            <a:r>
-              <a:rPr lang="zh-CN" sz="2400" b="0">
-                <a:latin typeface="Times New Roman" panose="02020603050405020304" pitchFamily="18" charset="0"/>
-                <a:ea typeface="宋体" panose="02010600030101010101" pitchFamily="2" charset="-122"/>
-              </a:rPr>
-              <a:t>等重大工程都广泛采用预应力混凝土结构，这些环境下结构的耐久性面临巨大挑战，如何对结构进行良好的腐蚀防护和监测成为了研究的重点</a:t>
-            </a:r>
-            <a:endParaRPr lang="zh-CN" altLang="en-US" sz="2400"/>
-          </a:p>
-        </p:txBody>
-      </p:sp>
-      <p:sp>
-        <p:nvSpPr>
-          <p:cNvPr id="5" name="文本框 4"/>
-          <p:cNvSpPr txBox="1"/>
-          <p:nvPr/>
-        </p:nvSpPr>
-        <p:spPr>
-          <a:xfrm>
-            <a:off x="6335395" y="2299335"/>
-            <a:ext cx="5587365" cy="3046095"/>
-          </a:xfrm>
-          <a:prstGeom prst="rect">
-            <a:avLst/>
-          </a:prstGeom>
-          <a:noFill/>
-          <a:ln w="9525">
-            <a:noFill/>
-          </a:ln>
-        </p:spPr>
-        <p:txBody>
-          <a:bodyPr wrap="square">
-            <a:spAutoFit/>
-          </a:bodyPr>
-          <a:p>
-            <a:pPr indent="0"/>
-            <a:r>
-              <a:rPr lang="zh-CN" altLang="en-US" sz="2400"/>
-              <a:t>常规锚固体系已经不能满足腐蚀防护和监测的要求，通过研究电隔离防护技术，开展电隔离预应力锚固技术的研究，提升结构抗腐蚀性能并对其健康状况进行长期监测，对确保重大土木工程结构全寿命使用安全，推动混凝土结构理论与技术应用，实现经济社会绿色、可持续发展具有重要意义。</a:t>
-            </a:r>
-            <a:endParaRPr lang="zh-CN" altLang="en-US" sz="2400"/>
           </a:p>
         </p:txBody>
       </p:sp>
@@ -7881,53 +5737,104 @@
       </p:grpSpPr>
       <p:sp>
         <p:nvSpPr>
-          <p:cNvPr id="5" name="矩形 4"/>
-          <p:cNvSpPr/>
+          <p:cNvPr id="9" name="文本框 4"/>
+          <p:cNvSpPr txBox="1"/>
           <p:nvPr/>
         </p:nvSpPr>
         <p:spPr>
           <a:xfrm>
-            <a:off x="-31750" y="-19050"/>
-            <a:ext cx="12242165" cy="6887845"/>
+            <a:off x="376974" y="898927"/>
+            <a:ext cx="11412504" cy="891540"/>
           </a:xfrm>
           <a:prstGeom prst="rect">
             <a:avLst/>
           </a:prstGeom>
-          <a:solidFill>
-            <a:srgbClr val="00468B"/>
-          </a:solidFill>
-          <a:ln>
-            <a:noFill/>
-          </a:ln>
-        </p:spPr>
-        <p:style>
-          <a:lnRef idx="2">
-            <a:schemeClr val="accent1">
-              <a:shade val="50000"/>
-            </a:schemeClr>
-          </a:lnRef>
-          <a:fillRef idx="1">
-            <a:schemeClr val="accent1"/>
-          </a:fillRef>
-          <a:effectRef idx="0">
-            <a:schemeClr val="accent1"/>
-          </a:effectRef>
-          <a:fontRef idx="minor">
-            <a:schemeClr val="lt1"/>
-          </a:fontRef>
-        </p:style>
-        <p:txBody>
-          <a:bodyPr rtlCol="0" anchor="ctr"/>
-          <a:lstStyle/>
-          <a:p>
-            <a:pPr algn="ctr"/>
-            <a:endParaRPr lang="zh-CN" altLang="en-US"/>
+          <a:noFill/>
+        </p:spPr>
+        <p:txBody>
+          <a:bodyPr wrap="square" rtlCol="0">
+            <a:spAutoFit/>
+          </a:bodyPr>
+          <a:lstStyle/>
+          <a:p>
+            <a:pPr marL="457200" indent="-457200">
+              <a:buFont typeface="Arial" panose="020B0604020202020204" pitchFamily="34" charset="0"/>
+              <a:buChar char="•"/>
+            </a:pPr>
+            <a:r>
+              <a:rPr lang="zh-CN" altLang="en-US" sz="2800" b="1" dirty="0">
+                <a:solidFill>
+                  <a:srgbClr val="7030A0"/>
+                </a:solidFill>
+                <a:latin typeface="微软雅黑" panose="020B0503020204020204" pitchFamily="34" charset="-122"/>
+                <a:ea typeface="微软雅黑" panose="020B0503020204020204" pitchFamily="34" charset="-122"/>
+              </a:rPr>
+              <a:t>存在的问题</a:t>
+            </a:r>
+            <a:endParaRPr lang="en-US" altLang="zh-CN" sz="2800" b="1" dirty="0">
+              <a:solidFill>
+                <a:srgbClr val="7030A0"/>
+              </a:solidFill>
+              <a:latin typeface="微软雅黑" panose="020B0503020204020204" pitchFamily="34" charset="-122"/>
+              <a:ea typeface="微软雅黑" panose="020B0503020204020204" pitchFamily="34" charset="-122"/>
+            </a:endParaRPr>
+          </a:p>
+          <a:p>
+            <a:endParaRPr lang="zh-CN" altLang="en-US" sz="2400" b="1" dirty="0">
+              <a:solidFill>
+                <a:srgbClr val="7030A0"/>
+              </a:solidFill>
+              <a:latin typeface="微软雅黑" panose="020B0503020204020204" pitchFamily="34" charset="-122"/>
+              <a:ea typeface="微软雅黑" panose="020B0503020204020204" pitchFamily="34" charset="-122"/>
+            </a:endParaRPr>
+          </a:p>
+        </p:txBody>
+      </p:sp>
+      <p:sp>
+        <p:nvSpPr>
+          <p:cNvPr id="36" name="文本框 13"/>
+          <p:cNvSpPr txBox="1"/>
+          <p:nvPr/>
+        </p:nvSpPr>
+        <p:spPr>
+          <a:xfrm>
+            <a:off x="1261297" y="137443"/>
+            <a:ext cx="2209165" cy="583565"/>
+          </a:xfrm>
+          <a:prstGeom prst="rect">
+            <a:avLst/>
+          </a:prstGeom>
+          <a:noFill/>
+        </p:spPr>
+        <p:txBody>
+          <a:bodyPr wrap="none" rtlCol="0">
+            <a:spAutoFit/>
+          </a:bodyPr>
+          <a:lstStyle/>
+          <a:p>
+            <a:pPr marL="342900" indent="-342900">
+              <a:spcBef>
+                <a:spcPts val="1200"/>
+              </a:spcBef>
+              <a:buFont typeface="Wingdings" panose="05000000000000000000" pitchFamily="2" charset="2"/>
+              <a:buChar char="u"/>
+            </a:pPr>
+            <a:r>
+              <a:rPr lang="zh-CN" altLang="en-US" sz="3200" b="1" dirty="0">
+                <a:solidFill>
+                  <a:srgbClr val="CC9933"/>
+                </a:solidFill>
+                <a:latin typeface="微软雅黑" panose="020B0503020204020204" pitchFamily="34" charset="-122"/>
+                <a:ea typeface="微软雅黑" panose="020B0503020204020204" pitchFamily="34" charset="-122"/>
+              </a:rPr>
+              <a:t>研究背景</a:t>
+            </a:r>
           </a:p>
         </p:txBody>
       </p:sp>
       <p:cxnSp>
         <p:nvCxnSpPr>
-          <p:cNvPr id="21" name="直接连接符 20"/>
+          <p:cNvPr id="38" name="直接连接符 37"/>
           <p:cNvCxnSpPr/>
           <p:nvPr/>
         </p:nvCxnSpPr>
@@ -7941,7 +5848,7 @@
           </a:prstGeom>
           <a:ln w="9525">
             <a:solidFill>
-              <a:schemeClr val="bg1"/>
+              <a:schemeClr val="tx1"/>
             </a:solidFill>
           </a:ln>
         </p:spPr>
@@ -7962,268 +5869,156 @@
       </p:cxnSp>
       <p:sp>
         <p:nvSpPr>
-          <p:cNvPr id="16" name="文本框 13"/>
+          <p:cNvPr id="100" name="文本框 99"/>
           <p:cNvSpPr txBox="1"/>
           <p:nvPr/>
         </p:nvSpPr>
         <p:spPr>
           <a:xfrm>
-            <a:off x="1261297" y="137443"/>
-            <a:ext cx="2811780" cy="303530"/>
+            <a:off x="529588" y="2228671"/>
+            <a:ext cx="4148159" cy="1477328"/>
           </a:xfrm>
           <a:prstGeom prst="rect">
             <a:avLst/>
           </a:prstGeom>
           <a:noFill/>
-        </p:spPr>
-        <p:txBody>
-          <a:bodyPr wrap="none" rtlCol="0">
+          <a:ln w="9525">
+            <a:noFill/>
+          </a:ln>
+        </p:spPr>
+        <p:txBody>
+          <a:bodyPr wrap="square">
             <a:spAutoFit/>
           </a:bodyPr>
           <a:lstStyle/>
           <a:p>
-            <a:pPr algn="l"/>
-            <a:r>
-              <a:rPr lang="zh-CN" altLang="en-US" sz="1380" dirty="0">
+            <a:pPr indent="0"/>
+            <a:r>
+              <a:rPr lang="zh-CN" altLang="en-US" dirty="0">
+                <a:latin typeface="Times New Roman" panose="02020603050405020304" pitchFamily="18" charset="0"/>
+                <a:ea typeface="宋体" panose="02010600030101010101" pitchFamily="2" charset="-122"/>
+              </a:rPr>
+              <a:t>构成预应力混凝土</a:t>
+            </a:r>
+            <a:r>
+              <a:rPr lang="zh-CN" b="0" dirty="0">
+                <a:latin typeface="Times New Roman" panose="02020603050405020304" pitchFamily="18" charset="0"/>
+                <a:ea typeface="宋体" panose="02010600030101010101" pitchFamily="2" charset="-122"/>
+              </a:rPr>
+              <a:t>结构中的锚具和预应力筋均为金属件，极易受到来自周围环境的</a:t>
+            </a:r>
+            <a:r>
+              <a:rPr lang="zh-CN" b="1" dirty="0">
                 <a:solidFill>
-                  <a:schemeClr val="bg1"/>
+                  <a:srgbClr val="FF0000"/>
                 </a:solidFill>
-                <a:latin typeface="微软雅黑" panose="020B0503020204020204" pitchFamily="34" charset="-122"/>
-                <a:ea typeface="微软雅黑" panose="020B0503020204020204" pitchFamily="34" charset="-122"/>
-              </a:rPr>
-              <a:t>电子科技大学机械与电气工程学院</a:t>
-            </a:r>
-            <a:endParaRPr lang="zh-CN" altLang="en-US" sz="1380" dirty="0">
-              <a:solidFill>
-                <a:schemeClr val="bg1"/>
-              </a:solidFill>
-              <a:latin typeface="微软雅黑" panose="020B0503020204020204" pitchFamily="34" charset="-122"/>
-              <a:ea typeface="微软雅黑" panose="020B0503020204020204" pitchFamily="34" charset="-122"/>
-            </a:endParaRPr>
-          </a:p>
-        </p:txBody>
-      </p:sp>
-      <p:sp>
-        <p:nvSpPr>
-          <p:cNvPr id="17" name="文本框 15"/>
+                <a:latin typeface="Times New Roman" panose="02020603050405020304" pitchFamily="18" charset="0"/>
+                <a:ea typeface="宋体" panose="02010600030101010101" pitchFamily="2" charset="-122"/>
+              </a:rPr>
+              <a:t>氯化物、杂散电流、金属溶解电解质、材料的氢脆、微动疲劳、电接触</a:t>
+            </a:r>
+            <a:r>
+              <a:rPr lang="zh-CN" b="0" dirty="0">
+                <a:latin typeface="Times New Roman" panose="02020603050405020304" pitchFamily="18" charset="0"/>
+                <a:ea typeface="宋体" panose="02010600030101010101" pitchFamily="2" charset="-122"/>
+              </a:rPr>
+              <a:t>等方面的影响造成结构的腐蚀</a:t>
+            </a:r>
+            <a:r>
+              <a:rPr lang="zh-CN" altLang="en-US" b="0" dirty="0">
+                <a:latin typeface="Times New Roman" panose="02020603050405020304" pitchFamily="18" charset="0"/>
+                <a:ea typeface="宋体" panose="02010600030101010101" pitchFamily="2" charset="-122"/>
+              </a:rPr>
+              <a:t>。</a:t>
+            </a:r>
+            <a:endParaRPr lang="zh-CN" altLang="en-US" dirty="0"/>
+          </a:p>
+        </p:txBody>
+      </p:sp>
+      <p:sp>
+        <p:nvSpPr>
+          <p:cNvPr id="2" name="文本框 1"/>
           <p:cNvSpPr txBox="1"/>
           <p:nvPr/>
         </p:nvSpPr>
         <p:spPr>
           <a:xfrm>
-            <a:off x="1265107" y="385093"/>
-            <a:ext cx="2880360" cy="232410"/>
+            <a:off x="529590" y="4214197"/>
+            <a:ext cx="4148158" cy="1477328"/>
           </a:xfrm>
           <a:prstGeom prst="rect">
             <a:avLst/>
           </a:prstGeom>
           <a:noFill/>
-        </p:spPr>
-        <p:txBody>
-          <a:bodyPr wrap="square" rtlCol="0">
+          <a:ln w="9525">
+            <a:noFill/>
+          </a:ln>
+        </p:spPr>
+        <p:txBody>
+          <a:bodyPr wrap="square">
             <a:spAutoFit/>
           </a:bodyPr>
           <a:lstStyle/>
           <a:p>
-            <a:r>
-              <a:rPr lang="zh-CN" altLang="en-US" sz="920" dirty="0">
-                <a:solidFill>
-                  <a:schemeClr val="bg1"/>
-                </a:solidFill>
-                <a:latin typeface="微软雅黑" panose="020B0503020204020204" pitchFamily="34" charset="-122"/>
-                <a:ea typeface="微软雅黑" panose="020B0503020204020204" pitchFamily="34" charset="-122"/>
-              </a:rPr>
-              <a:t>School of Mechanical and Electrical Engineering</a:t>
-            </a:r>
-            <a:endParaRPr lang="zh-CN" altLang="en-US" sz="920" dirty="0">
-              <a:solidFill>
-                <a:schemeClr val="bg1"/>
-              </a:solidFill>
-              <a:latin typeface="微软雅黑" panose="020B0503020204020204" pitchFamily="34" charset="-122"/>
-              <a:ea typeface="微软雅黑" panose="020B0503020204020204" pitchFamily="34" charset="-122"/>
-            </a:endParaRPr>
-          </a:p>
-        </p:txBody>
-      </p:sp>
-      <p:cxnSp>
-        <p:nvCxnSpPr>
-          <p:cNvPr id="18" name="直接连接符 17"/>
-          <p:cNvCxnSpPr/>
-          <p:nvPr/>
-        </p:nvCxnSpPr>
-        <p:spPr>
-          <a:xfrm>
-            <a:off x="1180017" y="44098"/>
-            <a:ext cx="0" cy="645160"/>
-          </a:xfrm>
-          <a:prstGeom prst="line">
-            <a:avLst/>
-          </a:prstGeom>
-          <a:ln w="9525">
-            <a:solidFill>
-              <a:schemeClr val="bg1"/>
-            </a:solidFill>
-          </a:ln>
-        </p:spPr>
-        <p:style>
-          <a:lnRef idx="1">
-            <a:schemeClr val="accent1"/>
-          </a:lnRef>
-          <a:fillRef idx="0">
-            <a:schemeClr val="accent1"/>
-          </a:fillRef>
-          <a:effectRef idx="0">
-            <a:schemeClr val="accent1"/>
-          </a:effectRef>
-          <a:fontRef idx="minor">
-            <a:schemeClr val="tx1"/>
-          </a:fontRef>
-        </p:style>
-      </p:cxnSp>
-      <p:pic>
-        <p:nvPicPr>
-          <p:cNvPr id="22" name="图片 21"/>
-          <p:cNvPicPr>
-            <a:picLocks noChangeAspect="1"/>
-          </p:cNvPicPr>
-          <p:nvPr/>
-        </p:nvPicPr>
-        <p:blipFill>
-          <a:blip r:embed="rId1" cstate="print">
-            <a:extLst>
-              <a:ext uri="{28A0092B-C50C-407E-A947-70E740481C1C}">
-                <a14:useLocalDpi xmlns:a14="http://schemas.microsoft.com/office/drawing/2010/main" val="0"/>
-              </a:ext>
-            </a:extLst>
-          </a:blip>
-          <a:stretch>
-            <a:fillRect/>
-          </a:stretch>
-        </p:blipFill>
-        <p:spPr>
-          <a:xfrm>
-            <a:off x="384649" y="26500"/>
-            <a:ext cx="583162" cy="680356"/>
-          </a:xfrm>
-          <a:prstGeom prst="rect">
-            <a:avLst/>
-          </a:prstGeom>
-        </p:spPr>
-      </p:pic>
-      <p:pic>
-        <p:nvPicPr>
-          <p:cNvPr id="23" name="图片 22" descr="03-1"/>
-          <p:cNvPicPr>
-            <a:picLocks noChangeAspect="1"/>
-          </p:cNvPicPr>
-          <p:nvPr/>
-        </p:nvPicPr>
-        <p:blipFill>
-          <a:blip r:embed="rId2" cstate="print"/>
-          <a:stretch>
-            <a:fillRect/>
-          </a:stretch>
-        </p:blipFill>
-        <p:spPr>
-          <a:xfrm>
-            <a:off x="2389505" y="5318125"/>
-            <a:ext cx="7412990" cy="1551305"/>
-          </a:xfrm>
-          <a:prstGeom prst="rect">
-            <a:avLst/>
-          </a:prstGeom>
-        </p:spPr>
-      </p:pic>
-      <p:sp>
-        <p:nvSpPr>
-          <p:cNvPr id="2" name="矩形 1"/>
-          <p:cNvSpPr/>
-          <p:nvPr/>
-        </p:nvSpPr>
-        <p:spPr>
-          <a:xfrm>
-            <a:off x="2667187" y="1452642"/>
-            <a:ext cx="1146469" cy="2400657"/>
-          </a:xfrm>
-          <a:prstGeom prst="rect">
-            <a:avLst/>
-          </a:prstGeom>
-          <a:noFill/>
-        </p:spPr>
-        <p:txBody>
-          <a:bodyPr wrap="none" lIns="91440" tIns="45720" rIns="91440" bIns="45720">
-            <a:spAutoFit/>
-            <a:scene3d>
-              <a:camera prst="orthographicFront"/>
-              <a:lightRig rig="soft" dir="t">
-                <a:rot lat="0" lon="0" rev="15600000"/>
-              </a:lightRig>
-            </a:scene3d>
-            <a:sp3d extrusionH="57150" prstMaterial="softEdge">
-              <a:bevelT w="25400" h="38100"/>
-            </a:sp3d>
-          </a:bodyPr>
-          <a:lstStyle/>
-          <a:p>
-            <a:pPr algn="ctr"/>
-            <a:r>
-              <a:rPr lang="en-US" altLang="zh-CN" sz="15000" b="1" i="1" dirty="0">
-                <a:solidFill>
-                  <a:schemeClr val="accent4"/>
-                </a:solidFill>
+            <a:pPr indent="0"/>
+            <a:r>
+              <a:rPr lang="zh-CN" b="0" dirty="0">
                 <a:latin typeface="Times New Roman" panose="02020603050405020304" pitchFamily="18" charset="0"/>
+                <a:ea typeface="宋体" panose="02010600030101010101" pitchFamily="2" charset="-122"/>
                 <a:cs typeface="Times New Roman" panose="02020603050405020304" pitchFamily="18" charset="0"/>
               </a:rPr>
-              <a:t>1</a:t>
-            </a:r>
-            <a:endParaRPr lang="zh-CN" altLang="en-US" sz="15000" b="1" i="1" dirty="0">
-              <a:solidFill>
-                <a:schemeClr val="accent4"/>
-              </a:solidFill>
-              <a:latin typeface="Times New Roman" panose="02020603050405020304" pitchFamily="18" charset="0"/>
-              <a:cs typeface="Times New Roman" panose="02020603050405020304" pitchFamily="18" charset="0"/>
-            </a:endParaRPr>
-          </a:p>
-        </p:txBody>
-      </p:sp>
-      <p:sp>
-        <p:nvSpPr>
-          <p:cNvPr id="3" name="文本框 2"/>
-          <p:cNvSpPr txBox="1"/>
-          <p:nvPr/>
-        </p:nvSpPr>
-        <p:spPr>
-          <a:xfrm>
-            <a:off x="4727575" y="2238375"/>
-            <a:ext cx="2723515" cy="829945"/>
-          </a:xfrm>
-          <a:prstGeom prst="rect">
-            <a:avLst/>
-          </a:prstGeom>
-          <a:noFill/>
-        </p:spPr>
-        <p:txBody>
-          <a:bodyPr wrap="square" rtlCol="0">
-            <a:spAutoFit/>
-          </a:bodyPr>
-          <a:p>
-            <a:r>
-              <a:rPr lang="zh-CN" altLang="en-US" sz="4800" b="1">
-                <a:solidFill>
-                  <a:schemeClr val="accent4"/>
-                </a:solidFill>
-                <a:latin typeface="微软雅黑" panose="020B0503020204020204" pitchFamily="34" charset="-122"/>
-                <a:ea typeface="微软雅黑" panose="020B0503020204020204" pitchFamily="34" charset="-122"/>
-              </a:rPr>
-              <a:t>研究背景</a:t>
-            </a:r>
-            <a:endParaRPr lang="zh-CN" altLang="en-US" sz="4800" b="1">
-              <a:solidFill>
-                <a:schemeClr val="accent4"/>
-              </a:solidFill>
-              <a:latin typeface="微软雅黑" panose="020B0503020204020204" pitchFamily="34" charset="-122"/>
-              <a:ea typeface="微软雅黑" panose="020B0503020204020204" pitchFamily="34" charset="-122"/>
-            </a:endParaRPr>
+              <a:t>电隔离（</a:t>
+            </a:r>
+            <a:r>
+              <a:rPr lang="en-US" b="0" dirty="0">
+                <a:latin typeface="Times New Roman" panose="02020603050405020304" pitchFamily="18" charset="0"/>
+                <a:ea typeface="宋体" panose="02010600030101010101" pitchFamily="2" charset="-122"/>
+              </a:rPr>
+              <a:t>Electrically Isolation Tendons</a:t>
+            </a:r>
+            <a:r>
+              <a:rPr lang="zh-CN" b="0" dirty="0">
+                <a:latin typeface="Times New Roman" panose="02020603050405020304" pitchFamily="18" charset="0"/>
+                <a:ea typeface="宋体" panose="02010600030101010101" pitchFamily="2" charset="-122"/>
+              </a:rPr>
+              <a:t>）体系</a:t>
+            </a:r>
+            <a:r>
+              <a:rPr lang="zh-CN" altLang="en-US" dirty="0">
+                <a:latin typeface="Times New Roman" panose="02020603050405020304" pitchFamily="18" charset="0"/>
+                <a:ea typeface="宋体" panose="02010600030101010101" pitchFamily="2" charset="-122"/>
+              </a:rPr>
+              <a:t>作为一种新的预应力防护结构近些年在瑞士和意大利应用广泛</a:t>
+            </a:r>
+            <a:r>
+              <a:rPr lang="zh-CN" b="0" dirty="0">
+                <a:latin typeface="Times New Roman" panose="02020603050405020304" pitchFamily="18" charset="0"/>
+                <a:ea typeface="宋体" panose="02010600030101010101" pitchFamily="2" charset="-122"/>
+              </a:rPr>
+              <a:t>，该体系在对预应力混凝土内部结构进行防腐的同</a:t>
+            </a:r>
+            <a:r>
+              <a:rPr lang="zh-CN" altLang="en-US" b="0" dirty="0">
+                <a:latin typeface="Times New Roman" panose="02020603050405020304" pitchFamily="18" charset="0"/>
+                <a:ea typeface="宋体" panose="02010600030101010101" pitchFamily="2" charset="-122"/>
+              </a:rPr>
+              <a:t>时</a:t>
+            </a:r>
+            <a:r>
+              <a:rPr lang="zh-CN" b="0" dirty="0">
+                <a:latin typeface="Times New Roman" panose="02020603050405020304" pitchFamily="18" charset="0"/>
+                <a:ea typeface="宋体" panose="02010600030101010101" pitchFamily="2" charset="-122"/>
+              </a:rPr>
+              <a:t>也能对结构进行健康监测</a:t>
+            </a:r>
+            <a:r>
+              <a:rPr lang="zh-CN" altLang="en-US" b="0" dirty="0">
+                <a:latin typeface="Times New Roman" panose="02020603050405020304" pitchFamily="18" charset="0"/>
+                <a:ea typeface="宋体" panose="02010600030101010101" pitchFamily="2" charset="-122"/>
+              </a:rPr>
+              <a:t>。</a:t>
+            </a:r>
+            <a:endParaRPr lang="zh-CN" altLang="en-US" dirty="0"/>
           </a:p>
         </p:txBody>
       </p:sp>
@@ -8279,14 +6074,14 @@
               <a:buChar char="•"/>
             </a:pPr>
             <a:r>
-              <a:rPr lang="zh-CN" altLang="zh-CN" sz="2800" b="1" dirty="0">
+              <a:rPr lang="zh-CN" altLang="en-US" sz="2800" b="1" dirty="0">
                 <a:solidFill>
                   <a:srgbClr val="7030A0"/>
                 </a:solidFill>
                 <a:latin typeface="微软雅黑" panose="020B0503020204020204" pitchFamily="34" charset="-122"/>
                 <a:ea typeface="微软雅黑" panose="020B0503020204020204" pitchFamily="34" charset="-122"/>
               </a:rPr>
-              <a:t>选题依据</a:t>
+              <a:t>研究意义</a:t>
             </a:r>
             <a:endParaRPr lang="en-US" altLang="zh-CN" sz="2800" b="1" dirty="0">
               <a:solidFill>
@@ -8346,13 +6141,6 @@
               </a:rPr>
               <a:t>研究背景</a:t>
             </a:r>
-            <a:endParaRPr lang="zh-CN" altLang="en-US" sz="3200" b="1" dirty="0">
-              <a:solidFill>
-                <a:srgbClr val="CC9933"/>
-              </a:solidFill>
-              <a:latin typeface="微软雅黑" panose="020B0503020204020204" pitchFamily="34" charset="-122"/>
-              <a:ea typeface="微软雅黑" panose="020B0503020204020204" pitchFamily="34" charset="-122"/>
-            </a:endParaRPr>
           </a:p>
         </p:txBody>
       </p:sp>
@@ -8393,14 +6181,14 @@
       </p:cxnSp>
       <p:sp>
         <p:nvSpPr>
-          <p:cNvPr id="100" name="文本框 99"/>
+          <p:cNvPr id="3" name="文本框 2"/>
           <p:cNvSpPr txBox="1"/>
           <p:nvPr/>
         </p:nvSpPr>
         <p:spPr>
           <a:xfrm>
-            <a:off x="529590" y="2275205"/>
-            <a:ext cx="6085205" cy="2306955"/>
+            <a:off x="748029" y="2000136"/>
+            <a:ext cx="4800575" cy="1477328"/>
           </a:xfrm>
           <a:prstGeom prst="rect">
             <a:avLst/>
@@ -8414,84 +6202,54 @@
           <a:bodyPr wrap="square">
             <a:spAutoFit/>
           </a:bodyPr>
+          <a:lstStyle/>
           <a:p>
             <a:pPr indent="0"/>
             <a:r>
-              <a:rPr lang="zh-CN" sz="2400" b="0">
+              <a:rPr lang="zh-CN" b="0" dirty="0">
                 <a:latin typeface="Times New Roman" panose="02020603050405020304" pitchFamily="18" charset="0"/>
                 <a:ea typeface="宋体" panose="02010600030101010101" pitchFamily="2" charset="-122"/>
               </a:rPr>
-              <a:t>预应力混凝土结构作为</a:t>
-            </a:r>
-            <a:r>
-              <a:rPr lang="zh-CN" sz="2400" b="1">
-                <a:solidFill>
-                  <a:srgbClr val="FFC000"/>
-                </a:solidFill>
-                <a:latin typeface="Times New Roman" panose="02020603050405020304" pitchFamily="18" charset="0"/>
-                <a:ea typeface="宋体" panose="02010600030101010101" pitchFamily="2" charset="-122"/>
-              </a:rPr>
-              <a:t>桥梁、铁路、核安全壳、</a:t>
-            </a:r>
-            <a:r>
-              <a:rPr lang="en-US" sz="2400" b="1">
-                <a:solidFill>
-                  <a:srgbClr val="FFC000"/>
-                </a:solidFill>
-                <a:latin typeface="Times New Roman" panose="02020603050405020304" pitchFamily="18" charset="0"/>
-                <a:ea typeface="宋体" panose="02010600030101010101" pitchFamily="2" charset="-122"/>
-                <a:cs typeface="Times New Roman" panose="02020603050405020304" pitchFamily="18" charset="0"/>
-              </a:rPr>
-              <a:t>LNG</a:t>
-            </a:r>
-            <a:r>
-              <a:rPr lang="zh-CN" sz="2400" b="1">
-                <a:solidFill>
-                  <a:srgbClr val="FFC000"/>
-                </a:solidFill>
-                <a:latin typeface="Times New Roman" panose="02020603050405020304" pitchFamily="18" charset="0"/>
-                <a:ea typeface="宋体" panose="02010600030101010101" pitchFamily="2" charset="-122"/>
-              </a:rPr>
-              <a:t>储罐</a:t>
-            </a:r>
-            <a:r>
-              <a:rPr lang="zh-CN" sz="2400" b="0">
-                <a:latin typeface="Times New Roman" panose="02020603050405020304" pitchFamily="18" charset="0"/>
-                <a:ea typeface="宋体" panose="02010600030101010101" pitchFamily="2" charset="-122"/>
-              </a:rPr>
-              <a:t>等大型基础设施的主要受力部件，结构中的锚具和预应力筋均为金属件，极易受到来自周围环境的</a:t>
-            </a:r>
-            <a:r>
-              <a:rPr lang="zh-CN" sz="2400" b="1">
+              <a:t>近年来，各国已建、在建和将建的</a:t>
+            </a:r>
+            <a:r>
+              <a:rPr lang="zh-CN" b="1" dirty="0">
                 <a:solidFill>
                   <a:srgbClr val="FF0000"/>
                 </a:solidFill>
                 <a:latin typeface="Times New Roman" panose="02020603050405020304" pitchFamily="18" charset="0"/>
                 <a:ea typeface="宋体" panose="02010600030101010101" pitchFamily="2" charset="-122"/>
               </a:rPr>
-              <a:t>氯化物、杂散电流、金属溶解电解质、材料的氢脆、微动疲劳、电接触</a:t>
-            </a:r>
-            <a:r>
-              <a:rPr lang="zh-CN" sz="2400" b="0">
+              <a:t>跨海大桥、海底隧道、海港码头以及沿海地区、除冰盐地区兴建的高速铁路、高速公路、桥梁、工业建筑</a:t>
+            </a:r>
+            <a:r>
+              <a:rPr lang="zh-CN" b="0" dirty="0">
                 <a:latin typeface="Times New Roman" panose="02020603050405020304" pitchFamily="18" charset="0"/>
                 <a:ea typeface="宋体" panose="02010600030101010101" pitchFamily="2" charset="-122"/>
               </a:rPr>
-              <a:t>等方面的影响造成结构的腐蚀</a:t>
-            </a:r>
-            <a:endParaRPr lang="zh-CN" altLang="en-US" sz="2400"/>
-          </a:p>
-        </p:txBody>
-      </p:sp>
-      <p:sp>
-        <p:nvSpPr>
-          <p:cNvPr id="2" name="文本框 1"/>
+              <a:t>等重大工程都广泛采用预应力混凝土结构，这些环境下结构的耐久性面临巨大挑战</a:t>
+            </a:r>
+            <a:r>
+              <a:rPr lang="zh-CN" altLang="en-US" b="0" dirty="0">
+                <a:latin typeface="Times New Roman" panose="02020603050405020304" pitchFamily="18" charset="0"/>
+                <a:ea typeface="宋体" panose="02010600030101010101" pitchFamily="2" charset="-122"/>
+              </a:rPr>
+              <a:t>。</a:t>
+            </a:r>
+            <a:endParaRPr lang="zh-CN" altLang="en-US" dirty="0"/>
+          </a:p>
+        </p:txBody>
+      </p:sp>
+      <p:sp>
+        <p:nvSpPr>
+          <p:cNvPr id="5" name="文本框 4"/>
           <p:cNvSpPr txBox="1"/>
           <p:nvPr/>
         </p:nvSpPr>
         <p:spPr>
           <a:xfrm>
-            <a:off x="6811010" y="2275840"/>
-            <a:ext cx="5080000" cy="2306955"/>
+            <a:off x="748029" y="3964131"/>
+            <a:ext cx="4800575" cy="1477328"/>
           </a:xfrm>
           <a:prstGeom prst="rect">
             <a:avLst/>
@@ -8502,55 +6260,16 @@
           </a:ln>
         </p:spPr>
         <p:txBody>
-          <a:bodyPr>
+          <a:bodyPr wrap="square">
             <a:spAutoFit/>
           </a:bodyPr>
+          <a:lstStyle/>
           <a:p>
             <a:pPr indent="0"/>
             <a:r>
-              <a:rPr lang="zh-CN" sz="2400" b="0">
-                <a:latin typeface="Times New Roman" panose="02020603050405020304" pitchFamily="18" charset="0"/>
-                <a:ea typeface="宋体" panose="02010600030101010101" pitchFamily="2" charset="-122"/>
-              </a:rPr>
-              <a:t>为了防止杂散电流以及侵蚀介质对预应力筋的腐蚀，一种</a:t>
-            </a:r>
-            <a:r>
-              <a:rPr lang="zh-CN" sz="2400" b="0">
-                <a:latin typeface="Times New Roman" panose="02020603050405020304" pitchFamily="18" charset="0"/>
-                <a:ea typeface="宋体" panose="02010600030101010101" pitchFamily="2" charset="-122"/>
-                <a:cs typeface="Times New Roman" panose="02020603050405020304" pitchFamily="18" charset="0"/>
-              </a:rPr>
-              <a:t>“电隔离筋（</a:t>
-            </a:r>
-            <a:r>
-              <a:rPr lang="en-US" sz="2400" b="0">
-                <a:latin typeface="Times New Roman" panose="02020603050405020304" pitchFamily="18" charset="0"/>
-                <a:ea typeface="宋体" panose="02010600030101010101" pitchFamily="2" charset="-122"/>
-              </a:rPr>
-              <a:t>Electrically Isolation Tendons</a:t>
-            </a:r>
-            <a:r>
-              <a:rPr lang="zh-CN" sz="2400" b="0">
-                <a:latin typeface="Times New Roman" panose="02020603050405020304" pitchFamily="18" charset="0"/>
-                <a:ea typeface="宋体" panose="02010600030101010101" pitchFamily="2" charset="-122"/>
-              </a:rPr>
-              <a:t>，</a:t>
-            </a:r>
-            <a:r>
-              <a:rPr lang="en-US" sz="2400" b="0">
-                <a:latin typeface="Times New Roman" panose="02020603050405020304" pitchFamily="18" charset="0"/>
-                <a:ea typeface="宋体" panose="02010600030101010101" pitchFamily="2" charset="-122"/>
-              </a:rPr>
-              <a:t>EIT</a:t>
-            </a:r>
-            <a:r>
-              <a:rPr lang="zh-CN" sz="2400" b="0">
-                <a:latin typeface="Times New Roman" panose="02020603050405020304" pitchFamily="18" charset="0"/>
-                <a:ea typeface="宋体" panose="02010600030101010101" pitchFamily="2" charset="-122"/>
-              </a:rPr>
-              <a:t>）”体系应运而生，该体系在对预应力混凝土内部结构进行防腐的同事也能对结构进行健康监测</a:t>
-            </a:r>
-            <a:endParaRPr lang="zh-CN" altLang="en-US" sz="2400"/>
+              <a:rPr lang="zh-CN" altLang="en-US" dirty="0"/>
+              <a:t>本课题通过开展电隔离预应力锚固技术的研究，提升结构抗腐蚀性能并对其健康状况进行长期监测，对确保重大土木工程结构全寿命使用安全，推动混凝土结构理论与技术应用，实现经济社会绿色、可持续发展具有重要意义。</a:t>
+            </a:r>
           </a:p>
         </p:txBody>
       </p:sp>
@@ -8613,7 +6332,7 @@
                 <a:latin typeface="微软雅黑" panose="020B0503020204020204" pitchFamily="34" charset="-122"/>
                 <a:ea typeface="微软雅黑" panose="020B0503020204020204" pitchFamily="34" charset="-122"/>
               </a:rPr>
-              <a:t>研究意义</a:t>
+              <a:t>国内研究现状</a:t>
             </a:r>
             <a:endParaRPr lang="en-US" altLang="zh-CN" sz="2800" b="1" dirty="0">
               <a:solidFill>
@@ -8671,15 +6390,8 @@
                 <a:latin typeface="微软雅黑" panose="020B0503020204020204" pitchFamily="34" charset="-122"/>
                 <a:ea typeface="微软雅黑" panose="020B0503020204020204" pitchFamily="34" charset="-122"/>
               </a:rPr>
-              <a:t>研究背景</a:t>
-            </a:r>
-            <a:endParaRPr lang="zh-CN" altLang="en-US" sz="3200" b="1" dirty="0">
-              <a:solidFill>
-                <a:srgbClr val="CC9933"/>
-              </a:solidFill>
-              <a:latin typeface="微软雅黑" panose="020B0503020204020204" pitchFamily="34" charset="-122"/>
-              <a:ea typeface="微软雅黑" panose="020B0503020204020204" pitchFamily="34" charset="-122"/>
-            </a:endParaRPr>
+              <a:t>研究现状</a:t>
+            </a:r>
           </a:p>
         </p:txBody>
       </p:sp>
@@ -8718,89 +6430,258 @@
           </a:fontRef>
         </p:style>
       </p:cxnSp>
-      <p:sp>
-        <p:nvSpPr>
-          <p:cNvPr id="3" name="文本框 2"/>
-          <p:cNvSpPr txBox="1"/>
+      <p:pic>
+        <p:nvPicPr>
+          <p:cNvPr id="1026" name="Picture 2" descr="NP%252525252560%25252525255b%25252525257bL8YPVBIZM%25252525257bT_TZ12_V">
+            <a:extLst>
+              <a:ext uri="{FF2B5EF4-FFF2-40B4-BE49-F238E27FC236}">
+                <a16:creationId xmlns:a16="http://schemas.microsoft.com/office/drawing/2014/main" id="{571A168D-67A2-428E-AF4C-D90E22F8B3A1}"/>
+              </a:ext>
+            </a:extLst>
+          </p:cNvPr>
+          <p:cNvPicPr>
+            <a:picLocks noChangeAspect="1" noChangeArrowheads="1"/>
+          </p:cNvPicPr>
           <p:nvPr/>
-        </p:nvSpPr>
-        <p:spPr>
-          <a:xfrm>
-            <a:off x="748030" y="2299335"/>
-            <a:ext cx="5587365" cy="3046095"/>
+        </p:nvPicPr>
+        <p:blipFill>
+          <a:blip r:embed="rId2">
+            <a:extLst>
+              <a:ext uri="{28A0092B-C50C-407E-A947-70E740481C1C}">
+                <a14:useLocalDpi xmlns:a14="http://schemas.microsoft.com/office/drawing/2010/main" val="0"/>
+              </a:ext>
+            </a:extLst>
+          </a:blip>
+          <a:srcRect/>
+          <a:stretch>
+            <a:fillRect/>
+          </a:stretch>
+        </p:blipFill>
+        <p:spPr bwMode="auto">
+          <a:xfrm>
+            <a:off x="3970888" y="2111795"/>
+            <a:ext cx="5568950" cy="2482850"/>
           </a:xfrm>
           <a:prstGeom prst="rect">
             <a:avLst/>
           </a:prstGeom>
           <a:noFill/>
-          <a:ln w="9525">
+          <a:ln>
             <a:noFill/>
           </a:ln>
+          <a:extLst>
+            <a:ext uri="{909E8E84-426E-40DD-AFC4-6F175D3DCCD1}">
+              <a14:hiddenFill xmlns:a14="http://schemas.microsoft.com/office/drawing/2010/main">
+                <a:solidFill>
+                  <a:srgbClr val="FFFFFF"/>
+                </a:solidFill>
+              </a14:hiddenFill>
+            </a:ext>
+            <a:ext uri="{91240B29-F687-4F45-9708-019B960494DF}">
+              <a14:hiddenLine xmlns:a14="http://schemas.microsoft.com/office/drawing/2010/main" w="9525">
+                <a:solidFill>
+                  <a:srgbClr val="000000"/>
+                </a:solidFill>
+                <a:miter lim="800000"/>
+                <a:headEnd/>
+                <a:tailEnd/>
+              </a14:hiddenLine>
+            </a:ext>
+          </a:extLst>
+        </p:spPr>
+      </p:pic>
+      <p:sp>
+        <p:nvSpPr>
+          <p:cNvPr id="2" name="矩形 1">
+            <a:extLst>
+              <a:ext uri="{FF2B5EF4-FFF2-40B4-BE49-F238E27FC236}">
+                <a16:creationId xmlns:a16="http://schemas.microsoft.com/office/drawing/2014/main" id="{3D97ABEE-4850-4047-8EF0-9A907EAE7DB3}"/>
+              </a:ext>
+            </a:extLst>
+          </p:cNvPr>
+          <p:cNvSpPr/>
+          <p:nvPr/>
+        </p:nvSpPr>
+        <p:spPr>
+          <a:xfrm>
+            <a:off x="3442995" y="4915973"/>
+            <a:ext cx="6624735" cy="646331"/>
+          </a:xfrm>
+          <a:prstGeom prst="rect">
+            <a:avLst/>
+          </a:prstGeom>
         </p:spPr>
         <p:txBody>
           <a:bodyPr wrap="square">
             <a:spAutoFit/>
           </a:bodyPr>
-          <a:p>
-            <a:pPr indent="0"/>
-            <a:r>
-              <a:rPr lang="zh-CN" sz="2400" b="0">
+          <a:lstStyle/>
+          <a:p>
+            <a:pPr algn="ctr">
+              <a:spcAft>
+                <a:spcPts val="0"/>
+              </a:spcAft>
+            </a:pPr>
+            <a:r>
+              <a:rPr lang="en-US" altLang="zh-CN" kern="100" dirty="0">
                 <a:latin typeface="Times New Roman" panose="02020603050405020304" pitchFamily="18" charset="0"/>
-                <a:ea typeface="宋体" panose="02010600030101010101" pitchFamily="2" charset="-122"/>
-              </a:rPr>
-              <a:t>近年来，各国已建、在建和将建的</a:t>
-            </a:r>
-            <a:r>
-              <a:rPr lang="zh-CN" sz="2400" b="1">
-                <a:solidFill>
-                  <a:srgbClr val="FFC000"/>
-                </a:solidFill>
+              </a:rPr>
+              <a:t>1.</a:t>
+            </a:r>
+            <a:r>
+              <a:rPr lang="zh-CN" altLang="zh-CN" kern="100" dirty="0">
                 <a:latin typeface="Times New Roman" panose="02020603050405020304" pitchFamily="18" charset="0"/>
-                <a:ea typeface="宋体" panose="02010600030101010101" pitchFamily="2" charset="-122"/>
-              </a:rPr>
-              <a:t>跨海大桥、海底隧道、海港码头以及沿海地区、除冰盐地区兴建的高速铁路、高速公路、桥梁、工业建筑</a:t>
-            </a:r>
-            <a:r>
-              <a:rPr lang="zh-CN" sz="2400" b="0">
+              </a:rPr>
+              <a:t>塑料波纹管</a:t>
+            </a:r>
+            <a:r>
+              <a:rPr lang="en-US" altLang="zh-CN" kern="100" dirty="0">
                 <a:latin typeface="Times New Roman" panose="02020603050405020304" pitchFamily="18" charset="0"/>
-                <a:ea typeface="宋体" panose="02010600030101010101" pitchFamily="2" charset="-122"/>
-              </a:rPr>
-              <a:t>等重大工程都广泛采用预应力混凝土结构，这些环境下结构的耐久性面临巨大挑战，如何对结构进行良好的腐蚀防护和监测成为了研究的重点</a:t>
-            </a:r>
-            <a:endParaRPr lang="zh-CN" altLang="en-US" sz="2400"/>
-          </a:p>
-        </p:txBody>
-      </p:sp>
-      <p:sp>
-        <p:nvSpPr>
-          <p:cNvPr id="5" name="文本框 4"/>
-          <p:cNvSpPr txBox="1"/>
-          <p:nvPr/>
-        </p:nvSpPr>
-        <p:spPr>
-          <a:xfrm>
-            <a:off x="6335395" y="2299335"/>
-            <a:ext cx="5587365" cy="3046095"/>
-          </a:xfrm>
-          <a:prstGeom prst="rect">
-            <a:avLst/>
-          </a:prstGeom>
-          <a:noFill/>
-          <a:ln w="9525">
-            <a:noFill/>
-          </a:ln>
-        </p:spPr>
-        <p:txBody>
-          <a:bodyPr wrap="square">
-            <a:spAutoFit/>
-          </a:bodyPr>
-          <a:p>
-            <a:pPr indent="0"/>
-            <a:r>
-              <a:rPr lang="zh-CN" altLang="en-US" sz="2400"/>
-              <a:t>常规锚固体系已经不能满足腐蚀防护和监测的要求，通过研究电隔离防护技术，开展电隔离预应力锚固技术的研究，提升结构抗腐蚀性能并对其健康状况进行长期监测，对确保重大土木工程结构全寿命使用安全，推动混凝土结构理论与技术应用，实现经济社会绿色、可持续发展具有重要意义。</a:t>
-            </a:r>
-            <a:endParaRPr lang="zh-CN" altLang="en-US" sz="2400"/>
+              </a:rPr>
+              <a:t> 2.</a:t>
+            </a:r>
+            <a:r>
+              <a:rPr lang="zh-CN" altLang="zh-CN" kern="100" dirty="0">
+                <a:latin typeface="Times New Roman" panose="02020603050405020304" pitchFamily="18" charset="0"/>
+              </a:rPr>
+              <a:t>塑料喇叭管</a:t>
+            </a:r>
+            <a:r>
+              <a:rPr lang="en-US" altLang="zh-CN" kern="100" dirty="0">
+                <a:latin typeface="Times New Roman" panose="02020603050405020304" pitchFamily="18" charset="0"/>
+              </a:rPr>
+              <a:t> 3.</a:t>
+            </a:r>
+            <a:r>
+              <a:rPr lang="zh-CN" altLang="zh-CN" kern="100" dirty="0">
+                <a:latin typeface="Times New Roman" panose="02020603050405020304" pitchFamily="18" charset="0"/>
+              </a:rPr>
+              <a:t>预应力筋</a:t>
+            </a:r>
+            <a:r>
+              <a:rPr lang="en-US" altLang="zh-CN" kern="100" dirty="0">
+                <a:latin typeface="Times New Roman" panose="02020603050405020304" pitchFamily="18" charset="0"/>
+              </a:rPr>
+              <a:t> 4.</a:t>
+            </a:r>
+            <a:r>
+              <a:rPr lang="zh-CN" altLang="zh-CN" kern="100" dirty="0">
+                <a:latin typeface="Times New Roman" panose="02020603050405020304" pitchFamily="18" charset="0"/>
+              </a:rPr>
+              <a:t>铸铁锚垫板</a:t>
+            </a:r>
+            <a:r>
+              <a:rPr lang="en-US" altLang="zh-CN" kern="100" dirty="0">
+                <a:latin typeface="Times New Roman" panose="02020603050405020304" pitchFamily="18" charset="0"/>
+              </a:rPr>
+              <a:t> 5.</a:t>
+            </a:r>
+            <a:r>
+              <a:rPr lang="zh-CN" altLang="zh-CN" kern="100" dirty="0">
+                <a:latin typeface="Times New Roman" panose="02020603050405020304" pitchFamily="18" charset="0"/>
+              </a:rPr>
+              <a:t>绝缘垫</a:t>
+            </a:r>
+            <a:endParaRPr lang="zh-CN" altLang="zh-CN" sz="1400" kern="100" dirty="0">
+              <a:latin typeface="Times New Roman" panose="02020603050405020304" pitchFamily="18" charset="0"/>
+            </a:endParaRPr>
+          </a:p>
+          <a:p>
+            <a:pPr algn="ctr"/>
+            <a:r>
+              <a:rPr lang="en-US" altLang="zh-CN" kern="100" dirty="0">
+                <a:latin typeface="Times New Roman" panose="02020603050405020304" pitchFamily="18" charset="0"/>
+              </a:rPr>
+              <a:t>6.</a:t>
+            </a:r>
+            <a:r>
+              <a:rPr lang="zh-CN" altLang="zh-CN" kern="100" dirty="0">
+                <a:latin typeface="Times New Roman" panose="02020603050405020304" pitchFamily="18" charset="0"/>
+                <a:cs typeface="Times New Roman" panose="02020603050405020304" pitchFamily="18" charset="0"/>
+              </a:rPr>
+              <a:t>塑料锚罩</a:t>
+            </a:r>
+            <a:r>
+              <a:rPr lang="en-US" altLang="zh-CN" kern="100" dirty="0">
+                <a:latin typeface="Times New Roman" panose="02020603050405020304" pitchFamily="18" charset="0"/>
+                <a:cs typeface="Times New Roman" panose="02020603050405020304" pitchFamily="18" charset="0"/>
+              </a:rPr>
+              <a:t> </a:t>
+            </a:r>
+            <a:r>
+              <a:rPr lang="en-US" altLang="zh-CN" kern="100" dirty="0">
+                <a:latin typeface="Times New Roman" panose="02020603050405020304" pitchFamily="18" charset="0"/>
+              </a:rPr>
+              <a:t>7.</a:t>
+            </a:r>
+            <a:r>
+              <a:rPr lang="zh-CN" altLang="zh-CN" kern="100" dirty="0">
+                <a:latin typeface="Times New Roman" panose="02020603050405020304" pitchFamily="18" charset="0"/>
+                <a:cs typeface="Times New Roman" panose="02020603050405020304" pitchFamily="18" charset="0"/>
+              </a:rPr>
+              <a:t>浆体</a:t>
+            </a:r>
+            <a:r>
+              <a:rPr lang="en-US" altLang="zh-CN" kern="100" dirty="0">
+                <a:latin typeface="Times New Roman" panose="02020603050405020304" pitchFamily="18" charset="0"/>
+                <a:cs typeface="Times New Roman" panose="02020603050405020304" pitchFamily="18" charset="0"/>
+              </a:rPr>
+              <a:t> </a:t>
+            </a:r>
+            <a:r>
+              <a:rPr lang="en-US" altLang="zh-CN" kern="100" dirty="0">
+                <a:latin typeface="Times New Roman" panose="02020603050405020304" pitchFamily="18" charset="0"/>
+              </a:rPr>
+              <a:t>8.</a:t>
+            </a:r>
+            <a:r>
+              <a:rPr lang="zh-CN" altLang="zh-CN" kern="100" dirty="0">
+                <a:latin typeface="Times New Roman" panose="02020603050405020304" pitchFamily="18" charset="0"/>
+                <a:cs typeface="Times New Roman" panose="02020603050405020304" pitchFamily="18" charset="0"/>
+              </a:rPr>
+              <a:t>无收缩混凝土</a:t>
+            </a:r>
+            <a:r>
+              <a:rPr lang="en-US" altLang="zh-CN" kern="100" dirty="0">
+                <a:latin typeface="Times New Roman" panose="02020603050405020304" pitchFamily="18" charset="0"/>
+                <a:cs typeface="Times New Roman" panose="02020603050405020304" pitchFamily="18" charset="0"/>
+              </a:rPr>
+              <a:t> </a:t>
+            </a:r>
+            <a:r>
+              <a:rPr lang="en-US" altLang="zh-CN" kern="100" dirty="0">
+                <a:latin typeface="Times New Roman" panose="02020603050405020304" pitchFamily="18" charset="0"/>
+              </a:rPr>
+              <a:t>9.</a:t>
+            </a:r>
+            <a:r>
+              <a:rPr lang="zh-CN" altLang="zh-CN" kern="100" dirty="0">
+                <a:latin typeface="Times New Roman" panose="02020603050405020304" pitchFamily="18" charset="0"/>
+                <a:cs typeface="Times New Roman" panose="02020603050405020304" pitchFamily="18" charset="0"/>
+              </a:rPr>
+              <a:t>导线</a:t>
+            </a:r>
+            <a:r>
+              <a:rPr lang="en-US" altLang="zh-CN" kern="100" dirty="0">
+                <a:latin typeface="Times New Roman" panose="02020603050405020304" pitchFamily="18" charset="0"/>
+                <a:cs typeface="Times New Roman" panose="02020603050405020304" pitchFamily="18" charset="0"/>
+              </a:rPr>
+              <a:t> </a:t>
+            </a:r>
+            <a:r>
+              <a:rPr lang="en-US" altLang="zh-CN" kern="100" dirty="0">
+                <a:latin typeface="Times New Roman" panose="02020603050405020304" pitchFamily="18" charset="0"/>
+              </a:rPr>
+              <a:t>10.</a:t>
+            </a:r>
+            <a:r>
+              <a:rPr lang="zh-CN" altLang="zh-CN" kern="100" dirty="0">
+                <a:latin typeface="Times New Roman" panose="02020603050405020304" pitchFamily="18" charset="0"/>
+                <a:cs typeface="Times New Roman" panose="02020603050405020304" pitchFamily="18" charset="0"/>
+              </a:rPr>
+              <a:t>锚板</a:t>
+            </a:r>
+            <a:endParaRPr lang="zh-CN" altLang="en-US" dirty="0"/>
           </a:p>
         </p:txBody>
       </p:sp>
@@ -8831,53 +6712,104 @@
       </p:grpSpPr>
       <p:sp>
         <p:nvSpPr>
-          <p:cNvPr id="5" name="矩形 4"/>
-          <p:cNvSpPr/>
+          <p:cNvPr id="9" name="文本框 4"/>
+          <p:cNvSpPr txBox="1"/>
           <p:nvPr/>
         </p:nvSpPr>
         <p:spPr>
           <a:xfrm>
-            <a:off x="-31750" y="-19050"/>
-            <a:ext cx="12242165" cy="6887845"/>
+            <a:off x="376974" y="898927"/>
+            <a:ext cx="11412504" cy="891540"/>
           </a:xfrm>
           <a:prstGeom prst="rect">
             <a:avLst/>
           </a:prstGeom>
-          <a:solidFill>
-            <a:srgbClr val="00468B"/>
-          </a:solidFill>
-          <a:ln>
-            <a:noFill/>
-          </a:ln>
-        </p:spPr>
-        <p:style>
-          <a:lnRef idx="2">
-            <a:schemeClr val="accent1">
-              <a:shade val="50000"/>
-            </a:schemeClr>
-          </a:lnRef>
-          <a:fillRef idx="1">
-            <a:schemeClr val="accent1"/>
-          </a:fillRef>
-          <a:effectRef idx="0">
-            <a:schemeClr val="accent1"/>
-          </a:effectRef>
-          <a:fontRef idx="minor">
-            <a:schemeClr val="lt1"/>
-          </a:fontRef>
-        </p:style>
-        <p:txBody>
-          <a:bodyPr rtlCol="0" anchor="ctr"/>
-          <a:lstStyle/>
-          <a:p>
-            <a:pPr algn="ctr"/>
-            <a:endParaRPr lang="zh-CN" altLang="en-US"/>
+          <a:noFill/>
+        </p:spPr>
+        <p:txBody>
+          <a:bodyPr wrap="square" rtlCol="0">
+            <a:spAutoFit/>
+          </a:bodyPr>
+          <a:lstStyle/>
+          <a:p>
+            <a:pPr marL="457200" indent="-457200">
+              <a:buFont typeface="Arial" panose="020B0604020202020204" pitchFamily="34" charset="0"/>
+              <a:buChar char="•"/>
+            </a:pPr>
+            <a:r>
+              <a:rPr lang="zh-CN" altLang="en-US" sz="2800" b="1" dirty="0">
+                <a:solidFill>
+                  <a:srgbClr val="7030A0"/>
+                </a:solidFill>
+                <a:latin typeface="微软雅黑" panose="020B0503020204020204" pitchFamily="34" charset="-122"/>
+                <a:ea typeface="微软雅黑" panose="020B0503020204020204" pitchFamily="34" charset="-122"/>
+              </a:rPr>
+              <a:t>国外研究现状</a:t>
+            </a:r>
+            <a:endParaRPr lang="en-US" altLang="zh-CN" sz="2800" b="1" dirty="0">
+              <a:solidFill>
+                <a:srgbClr val="7030A0"/>
+              </a:solidFill>
+              <a:latin typeface="微软雅黑" panose="020B0503020204020204" pitchFamily="34" charset="-122"/>
+              <a:ea typeface="微软雅黑" panose="020B0503020204020204" pitchFamily="34" charset="-122"/>
+            </a:endParaRPr>
+          </a:p>
+          <a:p>
+            <a:endParaRPr lang="zh-CN" altLang="en-US" sz="2400" b="1" dirty="0">
+              <a:solidFill>
+                <a:srgbClr val="7030A0"/>
+              </a:solidFill>
+              <a:latin typeface="微软雅黑" panose="020B0503020204020204" pitchFamily="34" charset="-122"/>
+              <a:ea typeface="微软雅黑" panose="020B0503020204020204" pitchFamily="34" charset="-122"/>
+            </a:endParaRPr>
+          </a:p>
+        </p:txBody>
+      </p:sp>
+      <p:sp>
+        <p:nvSpPr>
+          <p:cNvPr id="36" name="文本框 13"/>
+          <p:cNvSpPr txBox="1"/>
+          <p:nvPr/>
+        </p:nvSpPr>
+        <p:spPr>
+          <a:xfrm>
+            <a:off x="1261297" y="137443"/>
+            <a:ext cx="2209165" cy="583565"/>
+          </a:xfrm>
+          <a:prstGeom prst="rect">
+            <a:avLst/>
+          </a:prstGeom>
+          <a:noFill/>
+        </p:spPr>
+        <p:txBody>
+          <a:bodyPr wrap="none" rtlCol="0">
+            <a:spAutoFit/>
+          </a:bodyPr>
+          <a:lstStyle/>
+          <a:p>
+            <a:pPr marL="342900" indent="-342900">
+              <a:spcBef>
+                <a:spcPts val="1200"/>
+              </a:spcBef>
+              <a:buFont typeface="Wingdings" panose="05000000000000000000" pitchFamily="2" charset="2"/>
+              <a:buChar char="u"/>
+            </a:pPr>
+            <a:r>
+              <a:rPr lang="zh-CN" altLang="en-US" sz="3200" b="1" dirty="0">
+                <a:solidFill>
+                  <a:srgbClr val="CC9933"/>
+                </a:solidFill>
+                <a:latin typeface="微软雅黑" panose="020B0503020204020204" pitchFamily="34" charset="-122"/>
+                <a:ea typeface="微软雅黑" panose="020B0503020204020204" pitchFamily="34" charset="-122"/>
+              </a:rPr>
+              <a:t>研究现状</a:t>
+            </a:r>
           </a:p>
         </p:txBody>
       </p:sp>
       <p:cxnSp>
         <p:nvCxnSpPr>
-          <p:cNvPr id="21" name="直接连接符 20"/>
+          <p:cNvPr id="38" name="直接连接符 37"/>
           <p:cNvCxnSpPr/>
           <p:nvPr/>
         </p:nvCxnSpPr>
@@ -8891,7 +6823,7 @@
           </a:prstGeom>
           <a:ln w="9525">
             <a:solidFill>
-              <a:schemeClr val="bg1"/>
+              <a:schemeClr val="tx1"/>
             </a:solidFill>
           </a:ln>
         </p:spPr>
@@ -8910,273 +6842,6 @@
           </a:fontRef>
         </p:style>
       </p:cxnSp>
-      <p:sp>
-        <p:nvSpPr>
-          <p:cNvPr id="16" name="文本框 13"/>
-          <p:cNvSpPr txBox="1"/>
-          <p:nvPr/>
-        </p:nvSpPr>
-        <p:spPr>
-          <a:xfrm>
-            <a:off x="1261297" y="137443"/>
-            <a:ext cx="2811780" cy="303530"/>
-          </a:xfrm>
-          <a:prstGeom prst="rect">
-            <a:avLst/>
-          </a:prstGeom>
-          <a:noFill/>
-        </p:spPr>
-        <p:txBody>
-          <a:bodyPr wrap="none" rtlCol="0">
-            <a:spAutoFit/>
-          </a:bodyPr>
-          <a:lstStyle/>
-          <a:p>
-            <a:pPr algn="l"/>
-            <a:r>
-              <a:rPr lang="zh-CN" altLang="en-US" sz="1380" dirty="0">
-                <a:solidFill>
-                  <a:schemeClr val="bg1"/>
-                </a:solidFill>
-                <a:latin typeface="微软雅黑" panose="020B0503020204020204" pitchFamily="34" charset="-122"/>
-                <a:ea typeface="微软雅黑" panose="020B0503020204020204" pitchFamily="34" charset="-122"/>
-              </a:rPr>
-              <a:t>电子科技大学机械与电气工程学院</a:t>
-            </a:r>
-            <a:endParaRPr lang="zh-CN" altLang="en-US" sz="1380" dirty="0">
-              <a:solidFill>
-                <a:schemeClr val="bg1"/>
-              </a:solidFill>
-              <a:latin typeface="微软雅黑" panose="020B0503020204020204" pitchFamily="34" charset="-122"/>
-              <a:ea typeface="微软雅黑" panose="020B0503020204020204" pitchFamily="34" charset="-122"/>
-            </a:endParaRPr>
-          </a:p>
-        </p:txBody>
-      </p:sp>
-      <p:sp>
-        <p:nvSpPr>
-          <p:cNvPr id="17" name="文本框 15"/>
-          <p:cNvSpPr txBox="1"/>
-          <p:nvPr/>
-        </p:nvSpPr>
-        <p:spPr>
-          <a:xfrm>
-            <a:off x="1265107" y="385093"/>
-            <a:ext cx="2880360" cy="232410"/>
-          </a:xfrm>
-          <a:prstGeom prst="rect">
-            <a:avLst/>
-          </a:prstGeom>
-          <a:noFill/>
-        </p:spPr>
-        <p:txBody>
-          <a:bodyPr wrap="square" rtlCol="0">
-            <a:spAutoFit/>
-          </a:bodyPr>
-          <a:lstStyle/>
-          <a:p>
-            <a:r>
-              <a:rPr lang="zh-CN" altLang="en-US" sz="920" dirty="0">
-                <a:solidFill>
-                  <a:schemeClr val="bg1"/>
-                </a:solidFill>
-                <a:latin typeface="微软雅黑" panose="020B0503020204020204" pitchFamily="34" charset="-122"/>
-                <a:ea typeface="微软雅黑" panose="020B0503020204020204" pitchFamily="34" charset="-122"/>
-              </a:rPr>
-              <a:t>School of Mechanical and Electrical Engineering</a:t>
-            </a:r>
-            <a:endParaRPr lang="zh-CN" altLang="en-US" sz="920" dirty="0">
-              <a:solidFill>
-                <a:schemeClr val="bg1"/>
-              </a:solidFill>
-              <a:latin typeface="微软雅黑" panose="020B0503020204020204" pitchFamily="34" charset="-122"/>
-              <a:ea typeface="微软雅黑" panose="020B0503020204020204" pitchFamily="34" charset="-122"/>
-            </a:endParaRPr>
-          </a:p>
-        </p:txBody>
-      </p:sp>
-      <p:cxnSp>
-        <p:nvCxnSpPr>
-          <p:cNvPr id="18" name="直接连接符 17"/>
-          <p:cNvCxnSpPr/>
-          <p:nvPr/>
-        </p:nvCxnSpPr>
-        <p:spPr>
-          <a:xfrm>
-            <a:off x="1180017" y="44098"/>
-            <a:ext cx="0" cy="645160"/>
-          </a:xfrm>
-          <a:prstGeom prst="line">
-            <a:avLst/>
-          </a:prstGeom>
-          <a:ln w="9525">
-            <a:solidFill>
-              <a:schemeClr val="bg1"/>
-            </a:solidFill>
-          </a:ln>
-        </p:spPr>
-        <p:style>
-          <a:lnRef idx="1">
-            <a:schemeClr val="accent1"/>
-          </a:lnRef>
-          <a:fillRef idx="0">
-            <a:schemeClr val="accent1"/>
-          </a:fillRef>
-          <a:effectRef idx="0">
-            <a:schemeClr val="accent1"/>
-          </a:effectRef>
-          <a:fontRef idx="minor">
-            <a:schemeClr val="tx1"/>
-          </a:fontRef>
-        </p:style>
-      </p:cxnSp>
-      <p:pic>
-        <p:nvPicPr>
-          <p:cNvPr id="22" name="图片 21"/>
-          <p:cNvPicPr>
-            <a:picLocks noChangeAspect="1"/>
-          </p:cNvPicPr>
-          <p:nvPr/>
-        </p:nvPicPr>
-        <p:blipFill>
-          <a:blip r:embed="rId1" cstate="print">
-            <a:extLst>
-              <a:ext uri="{28A0092B-C50C-407E-A947-70E740481C1C}">
-                <a14:useLocalDpi xmlns:a14="http://schemas.microsoft.com/office/drawing/2010/main" val="0"/>
-              </a:ext>
-            </a:extLst>
-          </a:blip>
-          <a:stretch>
-            <a:fillRect/>
-          </a:stretch>
-        </p:blipFill>
-        <p:spPr>
-          <a:xfrm>
-            <a:off x="384649" y="26500"/>
-            <a:ext cx="583162" cy="680356"/>
-          </a:xfrm>
-          <a:prstGeom prst="rect">
-            <a:avLst/>
-          </a:prstGeom>
-        </p:spPr>
-      </p:pic>
-      <p:pic>
-        <p:nvPicPr>
-          <p:cNvPr id="23" name="图片 22" descr="03-1"/>
-          <p:cNvPicPr>
-            <a:picLocks noChangeAspect="1"/>
-          </p:cNvPicPr>
-          <p:nvPr/>
-        </p:nvPicPr>
-        <p:blipFill>
-          <a:blip r:embed="rId2" cstate="print"/>
-          <a:stretch>
-            <a:fillRect/>
-          </a:stretch>
-        </p:blipFill>
-        <p:spPr>
-          <a:xfrm>
-            <a:off x="2389505" y="5318125"/>
-            <a:ext cx="7412990" cy="1551305"/>
-          </a:xfrm>
-          <a:prstGeom prst="rect">
-            <a:avLst/>
-          </a:prstGeom>
-        </p:spPr>
-      </p:pic>
-      <p:sp>
-        <p:nvSpPr>
-          <p:cNvPr id="2" name="矩形 1"/>
-          <p:cNvSpPr/>
-          <p:nvPr/>
-        </p:nvSpPr>
-        <p:spPr>
-          <a:xfrm>
-            <a:off x="2672731" y="1452642"/>
-            <a:ext cx="1135380" cy="2399665"/>
-          </a:xfrm>
-          <a:prstGeom prst="rect">
-            <a:avLst/>
-          </a:prstGeom>
-          <a:noFill/>
-        </p:spPr>
-        <p:txBody>
-          <a:bodyPr wrap="none" lIns="91440" tIns="45720" rIns="91440" bIns="45720">
-            <a:spAutoFit/>
-            <a:scene3d>
-              <a:camera prst="orthographicFront"/>
-              <a:lightRig rig="soft" dir="t">
-                <a:rot lat="0" lon="0" rev="15600000"/>
-              </a:lightRig>
-            </a:scene3d>
-            <a:sp3d extrusionH="57150" prstMaterial="softEdge">
-              <a:bevelT w="25400" h="38100"/>
-            </a:sp3d>
-          </a:bodyPr>
-          <a:lstStyle/>
-          <a:p>
-            <a:pPr algn="ctr"/>
-            <a:r>
-              <a:rPr lang="en-US" altLang="zh-CN" sz="15000" b="1" i="1" dirty="0">
-                <a:solidFill>
-                  <a:schemeClr val="accent4"/>
-                </a:solidFill>
-                <a:latin typeface="Times New Roman" panose="02020603050405020304" pitchFamily="18" charset="0"/>
-                <a:cs typeface="Times New Roman" panose="02020603050405020304" pitchFamily="18" charset="0"/>
-              </a:rPr>
-              <a:t>2</a:t>
-            </a:r>
-            <a:endParaRPr lang="en-US" altLang="zh-CN" sz="15000" b="1" i="1" dirty="0">
-              <a:solidFill>
-                <a:schemeClr val="accent4"/>
-              </a:solidFill>
-              <a:latin typeface="Times New Roman" panose="02020603050405020304" pitchFamily="18" charset="0"/>
-              <a:cs typeface="Times New Roman" panose="02020603050405020304" pitchFamily="18" charset="0"/>
-            </a:endParaRPr>
-          </a:p>
-        </p:txBody>
-      </p:sp>
-      <p:sp>
-        <p:nvSpPr>
-          <p:cNvPr id="3" name="文本框 2"/>
-          <p:cNvSpPr txBox="1"/>
-          <p:nvPr/>
-        </p:nvSpPr>
-        <p:spPr>
-          <a:xfrm>
-            <a:off x="4727575" y="2238375"/>
-            <a:ext cx="2723515" cy="829945"/>
-          </a:xfrm>
-          <a:prstGeom prst="rect">
-            <a:avLst/>
-          </a:prstGeom>
-          <a:noFill/>
-        </p:spPr>
-        <p:txBody>
-          <a:bodyPr wrap="square" rtlCol="0">
-            <a:spAutoFit/>
-          </a:bodyPr>
-          <a:p>
-            <a:r>
-              <a:rPr lang="zh-CN" altLang="en-US" sz="4800" b="1">
-                <a:solidFill>
-                  <a:schemeClr val="accent4"/>
-                </a:solidFill>
-                <a:latin typeface="微软雅黑" panose="020B0503020204020204" pitchFamily="34" charset="-122"/>
-                <a:ea typeface="微软雅黑" panose="020B0503020204020204" pitchFamily="34" charset="-122"/>
-              </a:rPr>
-              <a:t>研究现状</a:t>
-            </a:r>
-            <a:endParaRPr lang="zh-CN" altLang="en-US" sz="4800" b="1">
-              <a:solidFill>
-                <a:schemeClr val="accent4"/>
-              </a:solidFill>
-              <a:latin typeface="微软雅黑" panose="020B0503020204020204" pitchFamily="34" charset="-122"/>
-              <a:ea typeface="微软雅黑" panose="020B0503020204020204" pitchFamily="34" charset="-122"/>
-            </a:endParaRPr>
-          </a:p>
-        </p:txBody>
-      </p:sp>
     </p:spTree>
   </p:cSld>
   <p:clrMapOvr>
@@ -9296,13 +6961,6 @@
               </a:rPr>
               <a:t>研究现状</a:t>
             </a:r>
-            <a:endParaRPr lang="zh-CN" altLang="en-US" sz="3200" b="1" dirty="0">
-              <a:solidFill>
-                <a:srgbClr val="CC9933"/>
-              </a:solidFill>
-              <a:latin typeface="微软雅黑" panose="020B0503020204020204" pitchFamily="34" charset="-122"/>
-              <a:ea typeface="微软雅黑" panose="020B0503020204020204" pitchFamily="34" charset="-122"/>
-            </a:endParaRPr>
           </a:p>
         </p:txBody>
       </p:sp>
@@ -9341,92 +6999,6 @@
           </a:fontRef>
         </p:style>
       </p:cxnSp>
-      <p:sp>
-        <p:nvSpPr>
-          <p:cNvPr id="3" name="文本框 2"/>
-          <p:cNvSpPr txBox="1"/>
-          <p:nvPr/>
-        </p:nvSpPr>
-        <p:spPr>
-          <a:xfrm>
-            <a:off x="748030" y="2299335"/>
-            <a:ext cx="5587365" cy="3046095"/>
-          </a:xfrm>
-          <a:prstGeom prst="rect">
-            <a:avLst/>
-          </a:prstGeom>
-          <a:noFill/>
-          <a:ln w="9525">
-            <a:noFill/>
-          </a:ln>
-        </p:spPr>
-        <p:txBody>
-          <a:bodyPr wrap="square">
-            <a:spAutoFit/>
-          </a:bodyPr>
-          <a:p>
-            <a:pPr indent="0"/>
-            <a:r>
-              <a:rPr lang="zh-CN" sz="2400" b="0">
-                <a:latin typeface="Times New Roman" panose="02020603050405020304" pitchFamily="18" charset="0"/>
-                <a:ea typeface="宋体" panose="02010600030101010101" pitchFamily="2" charset="-122"/>
-              </a:rPr>
-              <a:t>近年来，各国已建、在建和将建的</a:t>
-            </a:r>
-            <a:r>
-              <a:rPr lang="zh-CN" sz="2400" b="1">
-                <a:solidFill>
-                  <a:srgbClr val="FFC000"/>
-                </a:solidFill>
-                <a:latin typeface="Times New Roman" panose="02020603050405020304" pitchFamily="18" charset="0"/>
-                <a:ea typeface="宋体" panose="02010600030101010101" pitchFamily="2" charset="-122"/>
-              </a:rPr>
-              <a:t>跨海大桥、海底隧道、海港码头以及沿海地区、除冰盐地区兴建的高速铁路、高速公路、桥梁、工业建筑</a:t>
-            </a:r>
-            <a:r>
-              <a:rPr lang="zh-CN" sz="2400" b="0">
-                <a:latin typeface="Times New Roman" panose="02020603050405020304" pitchFamily="18" charset="0"/>
-                <a:ea typeface="宋体" panose="02010600030101010101" pitchFamily="2" charset="-122"/>
-              </a:rPr>
-              <a:t>等重大工程都广泛采用预应力混凝土结构，这些环境下结构的耐久性面临巨大挑战，如何对结构进行良好的腐蚀防护和监测成为了研究的重点</a:t>
-            </a:r>
-            <a:endParaRPr lang="zh-CN" altLang="en-US" sz="2400"/>
-          </a:p>
-        </p:txBody>
-      </p:sp>
-      <p:sp>
-        <p:nvSpPr>
-          <p:cNvPr id="5" name="文本框 4"/>
-          <p:cNvSpPr txBox="1"/>
-          <p:nvPr/>
-        </p:nvSpPr>
-        <p:spPr>
-          <a:xfrm>
-            <a:off x="6335395" y="2299335"/>
-            <a:ext cx="5587365" cy="3046095"/>
-          </a:xfrm>
-          <a:prstGeom prst="rect">
-            <a:avLst/>
-          </a:prstGeom>
-          <a:noFill/>
-          <a:ln w="9525">
-            <a:noFill/>
-          </a:ln>
-        </p:spPr>
-        <p:txBody>
-          <a:bodyPr wrap="square">
-            <a:spAutoFit/>
-          </a:bodyPr>
-          <a:p>
-            <a:pPr indent="0"/>
-            <a:r>
-              <a:rPr lang="zh-CN" altLang="en-US" sz="2400"/>
-              <a:t>常规锚固体系已经不能满足腐蚀防护和监测的要求，通过研究电隔离防护技术，开展电隔离预应力锚固技术的研究，提升结构抗腐蚀性能并对其健康状况进行长期监测，对确保重大土木工程结构全寿命使用安全，推动混凝土结构理论与技术应用，实现经济社会绿色、可持续发展具有重要意义。</a:t>
-            </a:r>
-            <a:endParaRPr lang="zh-CN" altLang="en-US" sz="2400"/>
-          </a:p>
-        </p:txBody>
-      </p:sp>
     </p:spTree>
   </p:cSld>
   <p:clrMapOvr>
@@ -9544,15 +7116,8 @@
                 <a:latin typeface="微软雅黑" panose="020B0503020204020204" pitchFamily="34" charset="-122"/>
                 <a:ea typeface="微软雅黑" panose="020B0503020204020204" pitchFamily="34" charset="-122"/>
               </a:rPr>
-              <a:t>研究现状</a:t>
-            </a:r>
-            <a:endParaRPr lang="zh-CN" altLang="en-US" sz="3200" b="1" dirty="0">
-              <a:solidFill>
-                <a:srgbClr val="CC9933"/>
-              </a:solidFill>
-              <a:latin typeface="微软雅黑" panose="020B0503020204020204" pitchFamily="34" charset="-122"/>
-              <a:ea typeface="微软雅黑" panose="020B0503020204020204" pitchFamily="34" charset="-122"/>
-            </a:endParaRPr>
+              <a:t>研究问题</a:t>
+            </a:r>
           </a:p>
         </p:txBody>
       </p:sp>
@@ -9591,92 +7156,6 @@
           </a:fontRef>
         </p:style>
       </p:cxnSp>
-      <p:sp>
-        <p:nvSpPr>
-          <p:cNvPr id="3" name="文本框 2"/>
-          <p:cNvSpPr txBox="1"/>
-          <p:nvPr/>
-        </p:nvSpPr>
-        <p:spPr>
-          <a:xfrm>
-            <a:off x="748030" y="2299335"/>
-            <a:ext cx="5587365" cy="3046095"/>
-          </a:xfrm>
-          <a:prstGeom prst="rect">
-            <a:avLst/>
-          </a:prstGeom>
-          <a:noFill/>
-          <a:ln w="9525">
-            <a:noFill/>
-          </a:ln>
-        </p:spPr>
-        <p:txBody>
-          <a:bodyPr wrap="square">
-            <a:spAutoFit/>
-          </a:bodyPr>
-          <a:p>
-            <a:pPr indent="0"/>
-            <a:r>
-              <a:rPr lang="zh-CN" sz="2400" b="0">
-                <a:latin typeface="Times New Roman" panose="02020603050405020304" pitchFamily="18" charset="0"/>
-                <a:ea typeface="宋体" panose="02010600030101010101" pitchFamily="2" charset="-122"/>
-              </a:rPr>
-              <a:t>近年来，各国已建、在建和将建的</a:t>
-            </a:r>
-            <a:r>
-              <a:rPr lang="zh-CN" sz="2400" b="1">
-                <a:solidFill>
-                  <a:srgbClr val="FFC000"/>
-                </a:solidFill>
-                <a:latin typeface="Times New Roman" panose="02020603050405020304" pitchFamily="18" charset="0"/>
-                <a:ea typeface="宋体" panose="02010600030101010101" pitchFamily="2" charset="-122"/>
-              </a:rPr>
-              <a:t>跨海大桥、海底隧道、海港码头以及沿海地区、除冰盐地区兴建的高速铁路、高速公路、桥梁、工业建筑</a:t>
-            </a:r>
-            <a:r>
-              <a:rPr lang="zh-CN" sz="2400" b="0">
-                <a:latin typeface="Times New Roman" panose="02020603050405020304" pitchFamily="18" charset="0"/>
-                <a:ea typeface="宋体" panose="02010600030101010101" pitchFamily="2" charset="-122"/>
-              </a:rPr>
-              <a:t>等重大工程都广泛采用预应力混凝土结构，这些环境下结构的耐久性面临巨大挑战，如何对结构进行良好的腐蚀防护和监测成为了研究的重点</a:t>
-            </a:r>
-            <a:endParaRPr lang="zh-CN" altLang="en-US" sz="2400"/>
-          </a:p>
-        </p:txBody>
-      </p:sp>
-      <p:sp>
-        <p:nvSpPr>
-          <p:cNvPr id="5" name="文本框 4"/>
-          <p:cNvSpPr txBox="1"/>
-          <p:nvPr/>
-        </p:nvSpPr>
-        <p:spPr>
-          <a:xfrm>
-            <a:off x="6335395" y="2299335"/>
-            <a:ext cx="5587365" cy="3046095"/>
-          </a:xfrm>
-          <a:prstGeom prst="rect">
-            <a:avLst/>
-          </a:prstGeom>
-          <a:noFill/>
-          <a:ln w="9525">
-            <a:noFill/>
-          </a:ln>
-        </p:spPr>
-        <p:txBody>
-          <a:bodyPr wrap="square">
-            <a:spAutoFit/>
-          </a:bodyPr>
-          <a:p>
-            <a:pPr indent="0"/>
-            <a:r>
-              <a:rPr lang="zh-CN" altLang="en-US" sz="2400"/>
-              <a:t>常规锚固体系已经不能满足腐蚀防护和监测的要求，通过研究电隔离防护技术，开展电隔离预应力锚固技术的研究，提升结构抗腐蚀性能并对其健康状况进行长期监测，对确保重大土木工程结构全寿命使用安全，推动混凝土结构理论与技术应用，实现经济社会绿色、可持续发展具有重要意义。</a:t>
-            </a:r>
-            <a:endParaRPr lang="zh-CN" altLang="en-US" sz="2400"/>
-          </a:p>
-        </p:txBody>
-      </p:sp>
     </p:spTree>
   </p:cSld>
   <p:clrMapOvr>
@@ -9794,15 +7273,8 @@
                 <a:latin typeface="微软雅黑" panose="020B0503020204020204" pitchFamily="34" charset="-122"/>
                 <a:ea typeface="微软雅黑" panose="020B0503020204020204" pitchFamily="34" charset="-122"/>
               </a:rPr>
-              <a:t>研究现状</a:t>
-            </a:r>
-            <a:endParaRPr lang="zh-CN" altLang="en-US" sz="3200" b="1" dirty="0">
-              <a:solidFill>
-                <a:srgbClr val="CC9933"/>
-              </a:solidFill>
-              <a:latin typeface="微软雅黑" panose="020B0503020204020204" pitchFamily="34" charset="-122"/>
-              <a:ea typeface="微软雅黑" panose="020B0503020204020204" pitchFamily="34" charset="-122"/>
-            </a:endParaRPr>
+              <a:t>研究问题</a:t>
+            </a:r>
           </a:p>
         </p:txBody>
       </p:sp>
@@ -9841,92 +7313,6 @@
           </a:fontRef>
         </p:style>
       </p:cxnSp>
-      <p:sp>
-        <p:nvSpPr>
-          <p:cNvPr id="3" name="文本框 2"/>
-          <p:cNvSpPr txBox="1"/>
-          <p:nvPr/>
-        </p:nvSpPr>
-        <p:spPr>
-          <a:xfrm>
-            <a:off x="748030" y="2299335"/>
-            <a:ext cx="5587365" cy="3046095"/>
-          </a:xfrm>
-          <a:prstGeom prst="rect">
-            <a:avLst/>
-          </a:prstGeom>
-          <a:noFill/>
-          <a:ln w="9525">
-            <a:noFill/>
-          </a:ln>
-        </p:spPr>
-        <p:txBody>
-          <a:bodyPr wrap="square">
-            <a:spAutoFit/>
-          </a:bodyPr>
-          <a:p>
-            <a:pPr indent="0"/>
-            <a:r>
-              <a:rPr lang="zh-CN" sz="2400" b="0">
-                <a:latin typeface="Times New Roman" panose="02020603050405020304" pitchFamily="18" charset="0"/>
-                <a:ea typeface="宋体" panose="02010600030101010101" pitchFamily="2" charset="-122"/>
-              </a:rPr>
-              <a:t>近年来，各国已建、在建和将建的</a:t>
-            </a:r>
-            <a:r>
-              <a:rPr lang="zh-CN" sz="2400" b="1">
-                <a:solidFill>
-                  <a:srgbClr val="FFC000"/>
-                </a:solidFill>
-                <a:latin typeface="Times New Roman" panose="02020603050405020304" pitchFamily="18" charset="0"/>
-                <a:ea typeface="宋体" panose="02010600030101010101" pitchFamily="2" charset="-122"/>
-              </a:rPr>
-              <a:t>跨海大桥、海底隧道、海港码头以及沿海地区、除冰盐地区兴建的高速铁路、高速公路、桥梁、工业建筑</a:t>
-            </a:r>
-            <a:r>
-              <a:rPr lang="zh-CN" sz="2400" b="0">
-                <a:latin typeface="Times New Roman" panose="02020603050405020304" pitchFamily="18" charset="0"/>
-                <a:ea typeface="宋体" panose="02010600030101010101" pitchFamily="2" charset="-122"/>
-              </a:rPr>
-              <a:t>等重大工程都广泛采用预应力混凝土结构，这些环境下结构的耐久性面临巨大挑战，如何对结构进行良好的腐蚀防护和监测成为了研究的重点</a:t>
-            </a:r>
-            <a:endParaRPr lang="zh-CN" altLang="en-US" sz="2400"/>
-          </a:p>
-        </p:txBody>
-      </p:sp>
-      <p:sp>
-        <p:nvSpPr>
-          <p:cNvPr id="5" name="文本框 4"/>
-          <p:cNvSpPr txBox="1"/>
-          <p:nvPr/>
-        </p:nvSpPr>
-        <p:spPr>
-          <a:xfrm>
-            <a:off x="6335395" y="2299335"/>
-            <a:ext cx="5587365" cy="3046095"/>
-          </a:xfrm>
-          <a:prstGeom prst="rect">
-            <a:avLst/>
-          </a:prstGeom>
-          <a:noFill/>
-          <a:ln w="9525">
-            <a:noFill/>
-          </a:ln>
-        </p:spPr>
-        <p:txBody>
-          <a:bodyPr wrap="square">
-            <a:spAutoFit/>
-          </a:bodyPr>
-          <a:p>
-            <a:pPr indent="0"/>
-            <a:r>
-              <a:rPr lang="zh-CN" altLang="en-US" sz="2400"/>
-              <a:t>常规锚固体系已经不能满足腐蚀防护和监测的要求，通过研究电隔离防护技术，开展电隔离预应力锚固技术的研究，提升结构抗腐蚀性能并对其健康状况进行长期监测，对确保重大土木工程结构全寿命使用安全，推动混凝土结构理论与技术应用，实现经济社会绿色、可持续发展具有重要意义。</a:t>
-            </a:r>
-            <a:endParaRPr lang="zh-CN" altLang="en-US" sz="2400"/>
-          </a:p>
-        </p:txBody>
-      </p:sp>
     </p:spTree>
   </p:cSld>
   <p:clrMapOvr>
@@ -10186,6 +7572,8 @@
       </a:bgFillStyleLst>
     </a:fmtScheme>
   </a:themeElements>
+  <a:objectDefaults/>
+  <a:extraClrSchemeLst/>
   <a:extLst>
     <a:ext uri="{05A4C25C-085E-4340-85A3-A5531E510DB2}">
       <thm15:themeFamily xmlns:thm15="http://schemas.microsoft.com/office/thememl/2012/main" name="Office Theme" id="{62F939B6-93AF-4DB8-9C6B-D6C7DFDC589F}" vid="{4A3C46E8-61CC-4603-A589-7422A47A8E4A}"/>
@@ -10445,6 +7833,8 @@
       </a:bgFillStyleLst>
     </a:fmtScheme>
   </a:themeElements>
+  <a:objectDefaults/>
+  <a:extraClrSchemeLst/>
   <a:extLst>
     <a:ext uri="{05A4C25C-085E-4340-85A3-A5531E510DB2}">
       <thm15:themeFamily xmlns:thm15="http://schemas.microsoft.com/office/thememl/2012/main" name="Office Theme" id="{62F939B6-93AF-4DB8-9C6B-D6C7DFDC589F}" vid="{4A3C46E8-61CC-4603-A589-7422A47A8E4A}"/>
